--- a/ros_presentation.pptx
+++ b/ros_presentation.pptx
@@ -5,7 +5,7 @@
     <p:sldMasterId id="2147483648" r:id="rId1"/>
   </p:sldMasterIdLst>
   <p:notesMasterIdLst>
-    <p:notesMasterId r:id="rId18"/>
+    <p:notesMasterId r:id="rId19"/>
   </p:notesMasterIdLst>
   <p:sldIdLst>
     <p:sldId id="256" r:id="rId2"/>
@@ -20,24 +20,21 @@
     <p:sldId id="270" r:id="rId11"/>
     <p:sldId id="271" r:id="rId12"/>
     <p:sldId id="272" r:id="rId13"/>
-    <p:sldId id="273" r:id="rId14"/>
-    <p:sldId id="265" r:id="rId15"/>
-    <p:sldId id="263" r:id="rId16"/>
-    <p:sldId id="264" r:id="rId17"/>
+    <p:sldId id="274" r:id="rId14"/>
+    <p:sldId id="273" r:id="rId15"/>
+    <p:sldId id="265" r:id="rId16"/>
+    <p:sldId id="263" r:id="rId17"/>
+    <p:sldId id="264" r:id="rId18"/>
   </p:sldIdLst>
   <p:sldSz cx="18288000" cy="10287000"/>
   <p:notesSz cx="6858000" cy="9144000"/>
   <p:embeddedFontLst>
     <p:embeddedFont>
       <p:font typeface="Calibri" panose="020F0502020204030204" pitchFamily="34" charset="0"/>
-      <p:regular r:id="rId19"/>
-      <p:bold r:id="rId20"/>
-      <p:italic r:id="rId21"/>
-      <p:boldItalic r:id="rId22"/>
-    </p:embeddedFont>
-    <p:embeddedFont>
-      <p:font typeface="Open Sans Bold" panose="020B0604020202020204" charset="0"/>
-      <p:regular r:id="rId23"/>
+      <p:regular r:id="rId20"/>
+      <p:bold r:id="rId21"/>
+      <p:italic r:id="rId22"/>
+      <p:boldItalic r:id="rId23"/>
     </p:embeddedFont>
     <p:embeddedFont>
       <p:font typeface="DM Sans" panose="020B0604020202020204" charset="0"/>
@@ -47,7 +44,7 @@
       <p:boldItalic r:id="rId27"/>
     </p:embeddedFont>
     <p:embeddedFont>
-      <p:font typeface="DM Sans Bold" panose="020B0604020202020204" charset="0"/>
+      <p:font typeface="Open Sans Bold" panose="020B0604020202020204" charset="0"/>
       <p:regular r:id="rId28"/>
     </p:embeddedFont>
     <p:embeddedFont>
@@ -57,6 +54,10 @@
     <p:embeddedFont>
       <p:font typeface="Oswald Bold" panose="020B0604020202020204" charset="0"/>
       <p:regular r:id="rId30"/>
+    </p:embeddedFont>
+    <p:embeddedFont>
+      <p:font typeface="DM Sans Bold" panose="020B0604020202020204" charset="0"/>
+      <p:regular r:id="rId31"/>
     </p:embeddedFont>
   </p:embeddedFontLst>
   <p:defaultTextStyle>
@@ -183,6 +184,7 @@
             <p14:sldId id="270"/>
             <p14:sldId id="271"/>
             <p14:sldId id="272"/>
+            <p14:sldId id="274"/>
             <p14:sldId id="273"/>
           </p14:sldIdLst>
         </p14:section>
@@ -196,7 +198,7 @@
       </p14:sectionLst>
     </p:ext>
     <p:ext uri="{EFAFB233-063F-42B5-8137-9DF3F51BA10A}">
-      <p15:sldGuideLst xmlns="" xmlns:p15="http://schemas.microsoft.com/office/powerpoint/2012/main">
+      <p15:sldGuideLst xmlns:p15="http://schemas.microsoft.com/office/powerpoint/2012/main" xmlns="">
         <p15:guide id="1" orient="horz" pos="2160">
           <p15:clr>
             <a:srgbClr val="A4A3A4"/>
@@ -295,7 +297,7 @@
           <a:p>
             <a:fld id="{B7268E1E-0E44-426D-905E-8AD9B19D2182}" type="datetimeFigureOut">
               <a:rPr lang="cs-CZ" smtClean="0"/>
-              <a:t>04.01.2025</a:t>
+              <a:t>07.01.2025</a:t>
             </a:fld>
             <a:endParaRPr lang="cs-CZ"/>
           </a:p>
@@ -783,6 +785,268 @@
   <p:cSld>
     <p:spTree>
       <p:nvGrpSpPr>
+        <p:cNvPr id="1" name="">
+          <a:extLst>
+            <a:ext uri="{FF2B5EF4-FFF2-40B4-BE49-F238E27FC236}">
+              <a16:creationId xmlns:a16="http://schemas.microsoft.com/office/drawing/2014/main" xmlns="" id="{59F3F42D-E269-2DCA-A8F5-76D24DF14F26}"/>
+            </a:ext>
+          </a:extLst>
+        </p:cNvPr>
+        <p:cNvGrpSpPr/>
+        <p:nvPr/>
+      </p:nvGrpSpPr>
+      <p:grpSpPr>
+        <a:xfrm>
+          <a:off x="0" y="0"/>
+          <a:ext cx="0" cy="0"/>
+          <a:chOff x="0" y="0"/>
+          <a:chExt cx="0" cy="0"/>
+        </a:xfrm>
+      </p:grpSpPr>
+      <p:sp>
+        <p:nvSpPr>
+          <p:cNvPr id="2" name="Header Placeholder 1">
+            <a:extLst>
+              <a:ext uri="{FF2B5EF4-FFF2-40B4-BE49-F238E27FC236}">
+                <a16:creationId xmlns:a16="http://schemas.microsoft.com/office/drawing/2014/main" xmlns="" id="{EFC2DE4D-F11A-AB22-BDC4-2E58067479DC}"/>
+              </a:ext>
+            </a:extLst>
+          </p:cNvPr>
+          <p:cNvSpPr>
+            <a:spLocks noGrp="1"/>
+          </p:cNvSpPr>
+          <p:nvPr>
+            <p:ph type="hdr" sz="quarter"/>
+          </p:nvPr>
+        </p:nvSpPr>
+        <p:spPr>
+          <a:xfrm>
+            <a:off x="0" y="0"/>
+            <a:ext cx="3962400" cy="342900"/>
+          </a:xfrm>
+          <a:prstGeom prst="rect">
+            <a:avLst/>
+          </a:prstGeom>
+        </p:spPr>
+        <p:txBody>
+          <a:bodyPr vert="horz" lIns="91440" tIns="45720" rIns="91440" bIns="45720" rtlCol="0"/>
+          <a:lstStyle>
+            <a:lvl1pPr algn="l">
+              <a:defRPr sz="1200"/>
+            </a:lvl1pPr>
+          </a:lstStyle>
+          <a:p>
+            <a:endParaRPr/>
+          </a:p>
+        </p:txBody>
+      </p:sp>
+      <p:sp>
+        <p:nvSpPr>
+          <p:cNvPr id="3" name="Date Placeholder 2">
+            <a:extLst>
+              <a:ext uri="{FF2B5EF4-FFF2-40B4-BE49-F238E27FC236}">
+                <a16:creationId xmlns:a16="http://schemas.microsoft.com/office/drawing/2014/main" xmlns="" id="{B6E0818F-9EAB-62D6-53DA-18C16359CE02}"/>
+              </a:ext>
+            </a:extLst>
+          </p:cNvPr>
+          <p:cNvSpPr>
+            <a:spLocks noGrp="1"/>
+          </p:cNvSpPr>
+          <p:nvPr>
+            <p:ph type="dt" idx="1"/>
+          </p:nvPr>
+        </p:nvSpPr>
+        <p:spPr>
+          <a:xfrm>
+            <a:off x="5180013" y="0"/>
+            <a:ext cx="3962400" cy="342900"/>
+          </a:xfrm>
+          <a:prstGeom prst="rect">
+            <a:avLst/>
+          </a:prstGeom>
+        </p:spPr>
+        <p:txBody>
+          <a:bodyPr vert="horz" lIns="91440" tIns="45720" rIns="91440" bIns="45720" rtlCol="0"/>
+          <a:lstStyle>
+            <a:lvl1pPr algn="r">
+              <a:defRPr sz="1200"/>
+            </a:lvl1pPr>
+          </a:lstStyle>
+          <a:p>
+            <a:r>
+              <a:rPr lang="cs-CZ"/>
+              <a:t>1.7.2013</a:t>
+            </a:r>
+          </a:p>
+        </p:txBody>
+      </p:sp>
+      <p:sp>
+        <p:nvSpPr>
+          <p:cNvPr id="4" name="Slide Image Placeholder 3">
+            <a:extLst>
+              <a:ext uri="{FF2B5EF4-FFF2-40B4-BE49-F238E27FC236}">
+                <a16:creationId xmlns:a16="http://schemas.microsoft.com/office/drawing/2014/main" xmlns="" id="{4FA0D35C-0B5D-4DCD-6104-D3BDC3D87FBF}"/>
+              </a:ext>
+            </a:extLst>
+          </p:cNvPr>
+          <p:cNvSpPr>
+            <a:spLocks noGrp="1" noRot="1" noChangeAspect="1"/>
+          </p:cNvSpPr>
+          <p:nvPr>
+            <p:ph type="sldImg" idx="2"/>
+          </p:nvPr>
+        </p:nvSpPr>
+        <p:spPr>
+          <a:xfrm>
+            <a:off x="2290763" y="512763"/>
+            <a:ext cx="4562475" cy="2566987"/>
+          </a:xfrm>
+          <a:prstGeom prst="rect">
+            <a:avLst/>
+          </a:prstGeom>
+          <a:noFill/>
+          <a:ln w="12700">
+            <a:solidFill>
+              <a:prstClr val="black"/>
+            </a:solidFill>
+          </a:ln>
+        </p:spPr>
+        <p:txBody>
+          <a:bodyPr vert="horz" lIns="91440" tIns="45720" rIns="91440" bIns="45720" rtlCol="0" anchor="ctr"/>
+          <a:lstStyle/>
+          <a:p>
+            <a:endParaRPr/>
+          </a:p>
+        </p:txBody>
+      </p:sp>
+      <p:sp>
+        <p:nvSpPr>
+          <p:cNvPr id="5" name="Notes Placeholder 4">
+            <a:extLst>
+              <a:ext uri="{FF2B5EF4-FFF2-40B4-BE49-F238E27FC236}">
+                <a16:creationId xmlns:a16="http://schemas.microsoft.com/office/drawing/2014/main" xmlns="" id="{59338ACF-EB60-01FD-45D4-64A8EB07613E}"/>
+              </a:ext>
+            </a:extLst>
+          </p:cNvPr>
+          <p:cNvSpPr>
+            <a:spLocks noGrp="1"/>
+          </p:cNvSpPr>
+          <p:nvPr>
+            <p:ph type="body" sz="quarter" idx="3"/>
+          </p:nvPr>
+        </p:nvSpPr>
+        <p:spPr>
+          <a:xfrm>
+            <a:off x="914400" y="3251200"/>
+            <a:ext cx="7315200" cy="3081338"/>
+          </a:xfrm>
+          <a:prstGeom prst="rect">
+            <a:avLst/>
+          </a:prstGeom>
+        </p:spPr>
+        <p:txBody>
+          <a:bodyPr vert="horz" lIns="91440" tIns="45720" rIns="91440" bIns="45720" rtlCol="0"/>
+          <a:lstStyle/>
+          <a:p>
+            <a:endParaRPr lang="en-US" dirty="0"/>
+          </a:p>
+        </p:txBody>
+      </p:sp>
+      <p:sp>
+        <p:nvSpPr>
+          <p:cNvPr id="6" name="Footer Placeholder 5">
+            <a:extLst>
+              <a:ext uri="{FF2B5EF4-FFF2-40B4-BE49-F238E27FC236}">
+                <a16:creationId xmlns:a16="http://schemas.microsoft.com/office/drawing/2014/main" xmlns="" id="{7FF312EE-B62E-BEF1-9830-B298A75A7129}"/>
+              </a:ext>
+            </a:extLst>
+          </p:cNvPr>
+          <p:cNvSpPr>
+            <a:spLocks noGrp="1"/>
+          </p:cNvSpPr>
+          <p:nvPr>
+            <p:ph type="ftr" sz="quarter" idx="4"/>
+          </p:nvPr>
+        </p:nvSpPr>
+        <p:spPr>
+          <a:xfrm>
+            <a:off x="0" y="6502400"/>
+            <a:ext cx="3962400" cy="341313"/>
+          </a:xfrm>
+          <a:prstGeom prst="rect">
+            <a:avLst/>
+          </a:prstGeom>
+        </p:spPr>
+        <p:txBody>
+          <a:bodyPr vert="horz" lIns="91440" tIns="45720" rIns="91440" bIns="45720" rtlCol="0" anchor="b"/>
+          <a:lstStyle>
+            <a:lvl1pPr algn="l">
+              <a:defRPr sz="1200"/>
+            </a:lvl1pPr>
+          </a:lstStyle>
+          <a:p>
+            <a:endParaRPr/>
+          </a:p>
+        </p:txBody>
+      </p:sp>
+      <p:sp>
+        <p:nvSpPr>
+          <p:cNvPr id="7" name="Slide Number Placeholder 6">
+            <a:extLst>
+              <a:ext uri="{FF2B5EF4-FFF2-40B4-BE49-F238E27FC236}">
+                <a16:creationId xmlns:a16="http://schemas.microsoft.com/office/drawing/2014/main" xmlns="" id="{4E5B2B66-6E7B-698C-6749-349C8256C52E}"/>
+              </a:ext>
+            </a:extLst>
+          </p:cNvPr>
+          <p:cNvSpPr>
+            <a:spLocks noGrp="1"/>
+          </p:cNvSpPr>
+          <p:nvPr>
+            <p:ph type="sldNum" sz="quarter" idx="5"/>
+          </p:nvPr>
+        </p:nvSpPr>
+        <p:spPr>
+          <a:xfrm>
+            <a:off x="5180013" y="6502400"/>
+            <a:ext cx="3962400" cy="341313"/>
+          </a:xfrm>
+          <a:prstGeom prst="rect">
+            <a:avLst/>
+          </a:prstGeom>
+        </p:spPr>
+        <p:txBody>
+          <a:bodyPr vert="horz" lIns="91440" tIns="45720" rIns="91440" bIns="45720" rtlCol="0" anchor="b"/>
+          <a:lstStyle>
+            <a:lvl1pPr algn="r">
+              <a:defRPr sz="1200"/>
+            </a:lvl1pPr>
+          </a:lstStyle>
+          <a:p>
+            <a:r>
+              <a:rPr lang="cs-CZ"/>
+              <a:t>‹#›</a:t>
+            </a:r>
+          </a:p>
+        </p:txBody>
+      </p:sp>
+    </p:spTree>
+    <p:extLst>
+      <p:ext uri="{BB962C8B-B14F-4D97-AF65-F5344CB8AC3E}">
+        <p14:creationId xmlns:p14="http://schemas.microsoft.com/office/powerpoint/2010/main" val="189165804"/>
+      </p:ext>
+    </p:extLst>
+  </p:cSld>
+  <p:clrMapOvr>
+    <a:masterClrMapping/>
+  </p:clrMapOvr>
+</p:notes>
+</file>
+
+<file path=ppt/notesSlides/notesSlide11.xml><?xml version="1.0" encoding="utf-8"?>
+<p:notes xmlns:a="http://schemas.openxmlformats.org/drawingml/2006/main" xmlns:r="http://schemas.openxmlformats.org/officeDocument/2006/relationships" xmlns:p="http://schemas.openxmlformats.org/presentationml/2006/main">
+  <p:cSld>
+    <p:spTree>
+      <p:nvGrpSpPr>
         <p:cNvPr id="1" name=""/>
         <p:cNvGrpSpPr/>
         <p:nvPr/>
@@ -1434,7 +1698,7 @@
         <p:cNvPr id="1" name="">
           <a:extLst>
             <a:ext uri="{FF2B5EF4-FFF2-40B4-BE49-F238E27FC236}">
-              <a16:creationId xmlns="" xmlns:a16="http://schemas.microsoft.com/office/drawing/2014/main" id="{8C8D20F9-DAC0-B54B-D358-9944436450FC}"/>
+              <a16:creationId xmlns:a16="http://schemas.microsoft.com/office/drawing/2014/main" xmlns="" id="{8C8D20F9-DAC0-B54B-D358-9944436450FC}"/>
             </a:ext>
           </a:extLst>
         </p:cNvPr>
@@ -1454,7 +1718,7 @@
           <p:cNvPr id="2" name="Header Placeholder 1">
             <a:extLst>
               <a:ext uri="{FF2B5EF4-FFF2-40B4-BE49-F238E27FC236}">
-                <a16:creationId xmlns="" xmlns:a16="http://schemas.microsoft.com/office/drawing/2014/main" id="{CAA5CA92-2D18-A2AA-7D51-A17AFD66D0D5}"/>
+                <a16:creationId xmlns:a16="http://schemas.microsoft.com/office/drawing/2014/main" xmlns="" id="{CAA5CA92-2D18-A2AA-7D51-A17AFD66D0D5}"/>
               </a:ext>
             </a:extLst>
           </p:cNvPr>
@@ -1491,7 +1755,7 @@
           <p:cNvPr id="3" name="Date Placeholder 2">
             <a:extLst>
               <a:ext uri="{FF2B5EF4-FFF2-40B4-BE49-F238E27FC236}">
-                <a16:creationId xmlns="" xmlns:a16="http://schemas.microsoft.com/office/drawing/2014/main" id="{42D4D16B-E485-0C8F-DA5E-ED032D9775B6}"/>
+                <a16:creationId xmlns:a16="http://schemas.microsoft.com/office/drawing/2014/main" xmlns="" id="{42D4D16B-E485-0C8F-DA5E-ED032D9775B6}"/>
               </a:ext>
             </a:extLst>
           </p:cNvPr>
@@ -1531,7 +1795,7 @@
           <p:cNvPr id="4" name="Slide Image Placeholder 3">
             <a:extLst>
               <a:ext uri="{FF2B5EF4-FFF2-40B4-BE49-F238E27FC236}">
-                <a16:creationId xmlns="" xmlns:a16="http://schemas.microsoft.com/office/drawing/2014/main" id="{734CAAB7-315A-617B-C331-1921066A8003}"/>
+                <a16:creationId xmlns:a16="http://schemas.microsoft.com/office/drawing/2014/main" xmlns="" id="{734CAAB7-315A-617B-C331-1921066A8003}"/>
               </a:ext>
             </a:extLst>
           </p:cNvPr>
@@ -1570,7 +1834,7 @@
           <p:cNvPr id="5" name="Notes Placeholder 4">
             <a:extLst>
               <a:ext uri="{FF2B5EF4-FFF2-40B4-BE49-F238E27FC236}">
-                <a16:creationId xmlns="" xmlns:a16="http://schemas.microsoft.com/office/drawing/2014/main" id="{23C516D4-3DFC-03B8-5CFE-795138C59B5E}"/>
+                <a16:creationId xmlns:a16="http://schemas.microsoft.com/office/drawing/2014/main" xmlns="" id="{23C516D4-3DFC-03B8-5CFE-795138C59B5E}"/>
               </a:ext>
             </a:extLst>
           </p:cNvPr>
@@ -1603,7 +1867,7 @@
           <p:cNvPr id="6" name="Footer Placeholder 5">
             <a:extLst>
               <a:ext uri="{FF2B5EF4-FFF2-40B4-BE49-F238E27FC236}">
-                <a16:creationId xmlns="" xmlns:a16="http://schemas.microsoft.com/office/drawing/2014/main" id="{76D9B009-6E29-9264-A31F-D087FAA39339}"/>
+                <a16:creationId xmlns:a16="http://schemas.microsoft.com/office/drawing/2014/main" xmlns="" id="{76D9B009-6E29-9264-A31F-D087FAA39339}"/>
               </a:ext>
             </a:extLst>
           </p:cNvPr>
@@ -1640,7 +1904,7 @@
           <p:cNvPr id="7" name="Slide Number Placeholder 6">
             <a:extLst>
               <a:ext uri="{FF2B5EF4-FFF2-40B4-BE49-F238E27FC236}">
-                <a16:creationId xmlns="" xmlns:a16="http://schemas.microsoft.com/office/drawing/2014/main" id="{3D5AE6D3-941A-A22E-03E6-042A031DBEE0}"/>
+                <a16:creationId xmlns:a16="http://schemas.microsoft.com/office/drawing/2014/main" xmlns="" id="{3D5AE6D3-941A-A22E-03E6-042A031DBEE0}"/>
               </a:ext>
             </a:extLst>
           </p:cNvPr>
@@ -1696,7 +1960,7 @@
         <p:cNvPr id="1" name="">
           <a:extLst>
             <a:ext uri="{FF2B5EF4-FFF2-40B4-BE49-F238E27FC236}">
-              <a16:creationId xmlns="" xmlns:a16="http://schemas.microsoft.com/office/drawing/2014/main" id="{495A1C1F-51E3-247F-09DE-35FD8EB81DD3}"/>
+              <a16:creationId xmlns:a16="http://schemas.microsoft.com/office/drawing/2014/main" xmlns="" id="{495A1C1F-51E3-247F-09DE-35FD8EB81DD3}"/>
             </a:ext>
           </a:extLst>
         </p:cNvPr>
@@ -1716,7 +1980,7 @@
           <p:cNvPr id="2" name="Header Placeholder 1">
             <a:extLst>
               <a:ext uri="{FF2B5EF4-FFF2-40B4-BE49-F238E27FC236}">
-                <a16:creationId xmlns="" xmlns:a16="http://schemas.microsoft.com/office/drawing/2014/main" id="{7300F228-3484-A77E-70BD-054253DE4D86}"/>
+                <a16:creationId xmlns:a16="http://schemas.microsoft.com/office/drawing/2014/main" xmlns="" id="{7300F228-3484-A77E-70BD-054253DE4D86}"/>
               </a:ext>
             </a:extLst>
           </p:cNvPr>
@@ -1753,7 +2017,7 @@
           <p:cNvPr id="3" name="Date Placeholder 2">
             <a:extLst>
               <a:ext uri="{FF2B5EF4-FFF2-40B4-BE49-F238E27FC236}">
-                <a16:creationId xmlns="" xmlns:a16="http://schemas.microsoft.com/office/drawing/2014/main" id="{31D88098-CBA9-8991-BEC0-A3B2A918A188}"/>
+                <a16:creationId xmlns:a16="http://schemas.microsoft.com/office/drawing/2014/main" xmlns="" id="{31D88098-CBA9-8991-BEC0-A3B2A918A188}"/>
               </a:ext>
             </a:extLst>
           </p:cNvPr>
@@ -1793,7 +2057,7 @@
           <p:cNvPr id="4" name="Slide Image Placeholder 3">
             <a:extLst>
               <a:ext uri="{FF2B5EF4-FFF2-40B4-BE49-F238E27FC236}">
-                <a16:creationId xmlns="" xmlns:a16="http://schemas.microsoft.com/office/drawing/2014/main" id="{781C92EF-ED1C-FB0C-36C8-EDA294D93942}"/>
+                <a16:creationId xmlns:a16="http://schemas.microsoft.com/office/drawing/2014/main" xmlns="" id="{781C92EF-ED1C-FB0C-36C8-EDA294D93942}"/>
               </a:ext>
             </a:extLst>
           </p:cNvPr>
@@ -1832,7 +2096,7 @@
           <p:cNvPr id="5" name="Notes Placeholder 4">
             <a:extLst>
               <a:ext uri="{FF2B5EF4-FFF2-40B4-BE49-F238E27FC236}">
-                <a16:creationId xmlns="" xmlns:a16="http://schemas.microsoft.com/office/drawing/2014/main" id="{E939CE74-E2CD-6D46-169C-CF46B3F5618F}"/>
+                <a16:creationId xmlns:a16="http://schemas.microsoft.com/office/drawing/2014/main" xmlns="" id="{E939CE74-E2CD-6D46-169C-CF46B3F5618F}"/>
               </a:ext>
             </a:extLst>
           </p:cNvPr>
@@ -1865,7 +2129,7 @@
           <p:cNvPr id="6" name="Footer Placeholder 5">
             <a:extLst>
               <a:ext uri="{FF2B5EF4-FFF2-40B4-BE49-F238E27FC236}">
-                <a16:creationId xmlns="" xmlns:a16="http://schemas.microsoft.com/office/drawing/2014/main" id="{E64D55FB-7A0D-8C40-F42C-2A1C70CDCBB7}"/>
+                <a16:creationId xmlns:a16="http://schemas.microsoft.com/office/drawing/2014/main" xmlns="" id="{E64D55FB-7A0D-8C40-F42C-2A1C70CDCBB7}"/>
               </a:ext>
             </a:extLst>
           </p:cNvPr>
@@ -1902,7 +2166,7 @@
           <p:cNvPr id="7" name="Slide Number Placeholder 6">
             <a:extLst>
               <a:ext uri="{FF2B5EF4-FFF2-40B4-BE49-F238E27FC236}">
-                <a16:creationId xmlns="" xmlns:a16="http://schemas.microsoft.com/office/drawing/2014/main" id="{A6474010-C773-09C5-EB85-1029E886F49B}"/>
+                <a16:creationId xmlns:a16="http://schemas.microsoft.com/office/drawing/2014/main" xmlns="" id="{A6474010-C773-09C5-EB85-1029E886F49B}"/>
               </a:ext>
             </a:extLst>
           </p:cNvPr>
@@ -1958,7 +2222,7 @@
         <p:cNvPr id="1" name="">
           <a:extLst>
             <a:ext uri="{FF2B5EF4-FFF2-40B4-BE49-F238E27FC236}">
-              <a16:creationId xmlns="" xmlns:a16="http://schemas.microsoft.com/office/drawing/2014/main" id="{5F2DF603-6CAC-E660-1F1D-932BF75A2C18}"/>
+              <a16:creationId xmlns:a16="http://schemas.microsoft.com/office/drawing/2014/main" xmlns="" id="{5F2DF603-6CAC-E660-1F1D-932BF75A2C18}"/>
             </a:ext>
           </a:extLst>
         </p:cNvPr>
@@ -1978,7 +2242,7 @@
           <p:cNvPr id="2" name="Header Placeholder 1">
             <a:extLst>
               <a:ext uri="{FF2B5EF4-FFF2-40B4-BE49-F238E27FC236}">
-                <a16:creationId xmlns="" xmlns:a16="http://schemas.microsoft.com/office/drawing/2014/main" id="{45DB0959-F67F-45D4-5DFB-CC2AE2C6BC86}"/>
+                <a16:creationId xmlns:a16="http://schemas.microsoft.com/office/drawing/2014/main" xmlns="" id="{45DB0959-F67F-45D4-5DFB-CC2AE2C6BC86}"/>
               </a:ext>
             </a:extLst>
           </p:cNvPr>
@@ -2015,7 +2279,7 @@
           <p:cNvPr id="3" name="Date Placeholder 2">
             <a:extLst>
               <a:ext uri="{FF2B5EF4-FFF2-40B4-BE49-F238E27FC236}">
-                <a16:creationId xmlns="" xmlns:a16="http://schemas.microsoft.com/office/drawing/2014/main" id="{D9831949-C341-9FBC-852D-8674E862BF3B}"/>
+                <a16:creationId xmlns:a16="http://schemas.microsoft.com/office/drawing/2014/main" xmlns="" id="{D9831949-C341-9FBC-852D-8674E862BF3B}"/>
               </a:ext>
             </a:extLst>
           </p:cNvPr>
@@ -2055,7 +2319,7 @@
           <p:cNvPr id="4" name="Slide Image Placeholder 3">
             <a:extLst>
               <a:ext uri="{FF2B5EF4-FFF2-40B4-BE49-F238E27FC236}">
-                <a16:creationId xmlns="" xmlns:a16="http://schemas.microsoft.com/office/drawing/2014/main" id="{6CBD0237-9700-9C3B-D6C3-563DA43B82B5}"/>
+                <a16:creationId xmlns:a16="http://schemas.microsoft.com/office/drawing/2014/main" xmlns="" id="{6CBD0237-9700-9C3B-D6C3-563DA43B82B5}"/>
               </a:ext>
             </a:extLst>
           </p:cNvPr>
@@ -2094,7 +2358,7 @@
           <p:cNvPr id="5" name="Notes Placeholder 4">
             <a:extLst>
               <a:ext uri="{FF2B5EF4-FFF2-40B4-BE49-F238E27FC236}">
-                <a16:creationId xmlns="" xmlns:a16="http://schemas.microsoft.com/office/drawing/2014/main" id="{1C108699-E5E7-DD6B-5598-E9DCEB460D05}"/>
+                <a16:creationId xmlns:a16="http://schemas.microsoft.com/office/drawing/2014/main" xmlns="" id="{1C108699-E5E7-DD6B-5598-E9DCEB460D05}"/>
               </a:ext>
             </a:extLst>
           </p:cNvPr>
@@ -2127,7 +2391,7 @@
           <p:cNvPr id="6" name="Footer Placeholder 5">
             <a:extLst>
               <a:ext uri="{FF2B5EF4-FFF2-40B4-BE49-F238E27FC236}">
-                <a16:creationId xmlns="" xmlns:a16="http://schemas.microsoft.com/office/drawing/2014/main" id="{EFFD4642-512F-1F0C-C7A4-8DDF16DFB384}"/>
+                <a16:creationId xmlns:a16="http://schemas.microsoft.com/office/drawing/2014/main" xmlns="" id="{EFFD4642-512F-1F0C-C7A4-8DDF16DFB384}"/>
               </a:ext>
             </a:extLst>
           </p:cNvPr>
@@ -2164,7 +2428,7 @@
           <p:cNvPr id="7" name="Slide Number Placeholder 6">
             <a:extLst>
               <a:ext uri="{FF2B5EF4-FFF2-40B4-BE49-F238E27FC236}">
-                <a16:creationId xmlns="" xmlns:a16="http://schemas.microsoft.com/office/drawing/2014/main" id="{BEA0E08A-41E8-B66F-7227-F9B1CC9A6B77}"/>
+                <a16:creationId xmlns:a16="http://schemas.microsoft.com/office/drawing/2014/main" xmlns="" id="{BEA0E08A-41E8-B66F-7227-F9B1CC9A6B77}"/>
               </a:ext>
             </a:extLst>
           </p:cNvPr>
@@ -2220,7 +2484,7 @@
         <p:cNvPr id="1" name="">
           <a:extLst>
             <a:ext uri="{FF2B5EF4-FFF2-40B4-BE49-F238E27FC236}">
-              <a16:creationId xmlns="" xmlns:a16="http://schemas.microsoft.com/office/drawing/2014/main" id="{AD20304E-5A07-4427-30FD-4768AC055FCC}"/>
+              <a16:creationId xmlns:a16="http://schemas.microsoft.com/office/drawing/2014/main" xmlns="" id="{AD20304E-5A07-4427-30FD-4768AC055FCC}"/>
             </a:ext>
           </a:extLst>
         </p:cNvPr>
@@ -2240,7 +2504,7 @@
           <p:cNvPr id="2" name="Header Placeholder 1">
             <a:extLst>
               <a:ext uri="{FF2B5EF4-FFF2-40B4-BE49-F238E27FC236}">
-                <a16:creationId xmlns="" xmlns:a16="http://schemas.microsoft.com/office/drawing/2014/main" id="{38E390A2-6663-A7D5-4819-98C81D305727}"/>
+                <a16:creationId xmlns:a16="http://schemas.microsoft.com/office/drawing/2014/main" xmlns="" id="{38E390A2-6663-A7D5-4819-98C81D305727}"/>
               </a:ext>
             </a:extLst>
           </p:cNvPr>
@@ -2277,7 +2541,7 @@
           <p:cNvPr id="3" name="Date Placeholder 2">
             <a:extLst>
               <a:ext uri="{FF2B5EF4-FFF2-40B4-BE49-F238E27FC236}">
-                <a16:creationId xmlns="" xmlns:a16="http://schemas.microsoft.com/office/drawing/2014/main" id="{BF8500FA-AD80-283F-D0F5-F76B3C7CB4B9}"/>
+                <a16:creationId xmlns:a16="http://schemas.microsoft.com/office/drawing/2014/main" xmlns="" id="{BF8500FA-AD80-283F-D0F5-F76B3C7CB4B9}"/>
               </a:ext>
             </a:extLst>
           </p:cNvPr>
@@ -2317,7 +2581,7 @@
           <p:cNvPr id="4" name="Slide Image Placeholder 3">
             <a:extLst>
               <a:ext uri="{FF2B5EF4-FFF2-40B4-BE49-F238E27FC236}">
-                <a16:creationId xmlns="" xmlns:a16="http://schemas.microsoft.com/office/drawing/2014/main" id="{28BC5094-8BF6-1E9C-9C44-0AF922F39ABB}"/>
+                <a16:creationId xmlns:a16="http://schemas.microsoft.com/office/drawing/2014/main" xmlns="" id="{28BC5094-8BF6-1E9C-9C44-0AF922F39ABB}"/>
               </a:ext>
             </a:extLst>
           </p:cNvPr>
@@ -2356,7 +2620,7 @@
           <p:cNvPr id="5" name="Notes Placeholder 4">
             <a:extLst>
               <a:ext uri="{FF2B5EF4-FFF2-40B4-BE49-F238E27FC236}">
-                <a16:creationId xmlns="" xmlns:a16="http://schemas.microsoft.com/office/drawing/2014/main" id="{1B8510B3-C1EF-6D25-5812-B8A98FF0F4E9}"/>
+                <a16:creationId xmlns:a16="http://schemas.microsoft.com/office/drawing/2014/main" xmlns="" id="{1B8510B3-C1EF-6D25-5812-B8A98FF0F4E9}"/>
               </a:ext>
             </a:extLst>
           </p:cNvPr>
@@ -2389,7 +2653,7 @@
           <p:cNvPr id="6" name="Footer Placeholder 5">
             <a:extLst>
               <a:ext uri="{FF2B5EF4-FFF2-40B4-BE49-F238E27FC236}">
-                <a16:creationId xmlns="" xmlns:a16="http://schemas.microsoft.com/office/drawing/2014/main" id="{697CF761-A032-D229-A1FA-ABD0DFAF041D}"/>
+                <a16:creationId xmlns:a16="http://schemas.microsoft.com/office/drawing/2014/main" xmlns="" id="{697CF761-A032-D229-A1FA-ABD0DFAF041D}"/>
               </a:ext>
             </a:extLst>
           </p:cNvPr>
@@ -2426,7 +2690,7 @@
           <p:cNvPr id="7" name="Slide Number Placeholder 6">
             <a:extLst>
               <a:ext uri="{FF2B5EF4-FFF2-40B4-BE49-F238E27FC236}">
-                <a16:creationId xmlns="" xmlns:a16="http://schemas.microsoft.com/office/drawing/2014/main" id="{1BB74B40-145B-0BE3-03E6-46970731AF49}"/>
+                <a16:creationId xmlns:a16="http://schemas.microsoft.com/office/drawing/2014/main" xmlns="" id="{1BB74B40-145B-0BE3-03E6-46970731AF49}"/>
               </a:ext>
             </a:extLst>
           </p:cNvPr>
@@ -2482,7 +2746,7 @@
         <p:cNvPr id="1" name="">
           <a:extLst>
             <a:ext uri="{FF2B5EF4-FFF2-40B4-BE49-F238E27FC236}">
-              <a16:creationId xmlns="" xmlns:a16="http://schemas.microsoft.com/office/drawing/2014/main" id="{C4311C3A-40E3-4828-7C2D-3257D2386C46}"/>
+              <a16:creationId xmlns:a16="http://schemas.microsoft.com/office/drawing/2014/main" xmlns="" id="{C4311C3A-40E3-4828-7C2D-3257D2386C46}"/>
             </a:ext>
           </a:extLst>
         </p:cNvPr>
@@ -2502,7 +2766,7 @@
           <p:cNvPr id="2" name="Header Placeholder 1">
             <a:extLst>
               <a:ext uri="{FF2B5EF4-FFF2-40B4-BE49-F238E27FC236}">
-                <a16:creationId xmlns="" xmlns:a16="http://schemas.microsoft.com/office/drawing/2014/main" id="{3C6E3C0A-01CC-2F23-5706-815937E232A7}"/>
+                <a16:creationId xmlns:a16="http://schemas.microsoft.com/office/drawing/2014/main" xmlns="" id="{3C6E3C0A-01CC-2F23-5706-815937E232A7}"/>
               </a:ext>
             </a:extLst>
           </p:cNvPr>
@@ -2539,7 +2803,7 @@
           <p:cNvPr id="3" name="Date Placeholder 2">
             <a:extLst>
               <a:ext uri="{FF2B5EF4-FFF2-40B4-BE49-F238E27FC236}">
-                <a16:creationId xmlns="" xmlns:a16="http://schemas.microsoft.com/office/drawing/2014/main" id="{D73F766D-3A13-0CDF-11C1-DF545BC50678}"/>
+                <a16:creationId xmlns:a16="http://schemas.microsoft.com/office/drawing/2014/main" xmlns="" id="{D73F766D-3A13-0CDF-11C1-DF545BC50678}"/>
               </a:ext>
             </a:extLst>
           </p:cNvPr>
@@ -2579,7 +2843,7 @@
           <p:cNvPr id="4" name="Slide Image Placeholder 3">
             <a:extLst>
               <a:ext uri="{FF2B5EF4-FFF2-40B4-BE49-F238E27FC236}">
-                <a16:creationId xmlns="" xmlns:a16="http://schemas.microsoft.com/office/drawing/2014/main" id="{43F7AC21-2A72-DDB4-DCAC-43706BBC9764}"/>
+                <a16:creationId xmlns:a16="http://schemas.microsoft.com/office/drawing/2014/main" xmlns="" id="{43F7AC21-2A72-DDB4-DCAC-43706BBC9764}"/>
               </a:ext>
             </a:extLst>
           </p:cNvPr>
@@ -2618,7 +2882,7 @@
           <p:cNvPr id="5" name="Notes Placeholder 4">
             <a:extLst>
               <a:ext uri="{FF2B5EF4-FFF2-40B4-BE49-F238E27FC236}">
-                <a16:creationId xmlns="" xmlns:a16="http://schemas.microsoft.com/office/drawing/2014/main" id="{532CA9A3-956A-FEFB-3B26-F46BFE93B0FD}"/>
+                <a16:creationId xmlns:a16="http://schemas.microsoft.com/office/drawing/2014/main" xmlns="" id="{532CA9A3-956A-FEFB-3B26-F46BFE93B0FD}"/>
               </a:ext>
             </a:extLst>
           </p:cNvPr>
@@ -2651,7 +2915,7 @@
           <p:cNvPr id="6" name="Footer Placeholder 5">
             <a:extLst>
               <a:ext uri="{FF2B5EF4-FFF2-40B4-BE49-F238E27FC236}">
-                <a16:creationId xmlns="" xmlns:a16="http://schemas.microsoft.com/office/drawing/2014/main" id="{980C98CE-72C8-902A-9126-0D5D09954A4E}"/>
+                <a16:creationId xmlns:a16="http://schemas.microsoft.com/office/drawing/2014/main" xmlns="" id="{980C98CE-72C8-902A-9126-0D5D09954A4E}"/>
               </a:ext>
             </a:extLst>
           </p:cNvPr>
@@ -2688,7 +2952,7 @@
           <p:cNvPr id="7" name="Slide Number Placeholder 6">
             <a:extLst>
               <a:ext uri="{FF2B5EF4-FFF2-40B4-BE49-F238E27FC236}">
-                <a16:creationId xmlns="" xmlns:a16="http://schemas.microsoft.com/office/drawing/2014/main" id="{D6C722EE-4FAB-03C1-D553-AFFD260B2EFE}"/>
+                <a16:creationId xmlns:a16="http://schemas.microsoft.com/office/drawing/2014/main" xmlns="" id="{D6C722EE-4FAB-03C1-D553-AFFD260B2EFE}"/>
               </a:ext>
             </a:extLst>
           </p:cNvPr>
@@ -2744,7 +3008,7 @@
         <p:cNvPr id="1" name="">
           <a:extLst>
             <a:ext uri="{FF2B5EF4-FFF2-40B4-BE49-F238E27FC236}">
-              <a16:creationId xmlns="" xmlns:a16="http://schemas.microsoft.com/office/drawing/2014/main" id="{59F3F42D-E269-2DCA-A8F5-76D24DF14F26}"/>
+              <a16:creationId xmlns:a16="http://schemas.microsoft.com/office/drawing/2014/main" xmlns="" id="{C4311C3A-40E3-4828-7C2D-3257D2386C46}"/>
             </a:ext>
           </a:extLst>
         </p:cNvPr>
@@ -2764,7 +3028,7 @@
           <p:cNvPr id="2" name="Header Placeholder 1">
             <a:extLst>
               <a:ext uri="{FF2B5EF4-FFF2-40B4-BE49-F238E27FC236}">
-                <a16:creationId xmlns="" xmlns:a16="http://schemas.microsoft.com/office/drawing/2014/main" id="{EFC2DE4D-F11A-AB22-BDC4-2E58067479DC}"/>
+                <a16:creationId xmlns:a16="http://schemas.microsoft.com/office/drawing/2014/main" xmlns="" id="{3C6E3C0A-01CC-2F23-5706-815937E232A7}"/>
               </a:ext>
             </a:extLst>
           </p:cNvPr>
@@ -2801,7 +3065,7 @@
           <p:cNvPr id="3" name="Date Placeholder 2">
             <a:extLst>
               <a:ext uri="{FF2B5EF4-FFF2-40B4-BE49-F238E27FC236}">
-                <a16:creationId xmlns="" xmlns:a16="http://schemas.microsoft.com/office/drawing/2014/main" id="{B6E0818F-9EAB-62D6-53DA-18C16359CE02}"/>
+                <a16:creationId xmlns:a16="http://schemas.microsoft.com/office/drawing/2014/main" xmlns="" id="{D73F766D-3A13-0CDF-11C1-DF545BC50678}"/>
               </a:ext>
             </a:extLst>
           </p:cNvPr>
@@ -2841,7 +3105,7 @@
           <p:cNvPr id="4" name="Slide Image Placeholder 3">
             <a:extLst>
               <a:ext uri="{FF2B5EF4-FFF2-40B4-BE49-F238E27FC236}">
-                <a16:creationId xmlns="" xmlns:a16="http://schemas.microsoft.com/office/drawing/2014/main" id="{4FA0D35C-0B5D-4DCD-6104-D3BDC3D87FBF}"/>
+                <a16:creationId xmlns:a16="http://schemas.microsoft.com/office/drawing/2014/main" xmlns="" id="{43F7AC21-2A72-DDB4-DCAC-43706BBC9764}"/>
               </a:ext>
             </a:extLst>
           </p:cNvPr>
@@ -2880,7 +3144,7 @@
           <p:cNvPr id="5" name="Notes Placeholder 4">
             <a:extLst>
               <a:ext uri="{FF2B5EF4-FFF2-40B4-BE49-F238E27FC236}">
-                <a16:creationId xmlns="" xmlns:a16="http://schemas.microsoft.com/office/drawing/2014/main" id="{59338ACF-EB60-01FD-45D4-64A8EB07613E}"/>
+                <a16:creationId xmlns:a16="http://schemas.microsoft.com/office/drawing/2014/main" xmlns="" id="{532CA9A3-956A-FEFB-3B26-F46BFE93B0FD}"/>
               </a:ext>
             </a:extLst>
           </p:cNvPr>
@@ -2913,7 +3177,7 @@
           <p:cNvPr id="6" name="Footer Placeholder 5">
             <a:extLst>
               <a:ext uri="{FF2B5EF4-FFF2-40B4-BE49-F238E27FC236}">
-                <a16:creationId xmlns="" xmlns:a16="http://schemas.microsoft.com/office/drawing/2014/main" id="{7FF312EE-B62E-BEF1-9830-B298A75A7129}"/>
+                <a16:creationId xmlns:a16="http://schemas.microsoft.com/office/drawing/2014/main" xmlns="" id="{980C98CE-72C8-902A-9126-0D5D09954A4E}"/>
               </a:ext>
             </a:extLst>
           </p:cNvPr>
@@ -2950,7 +3214,7 @@
           <p:cNvPr id="7" name="Slide Number Placeholder 6">
             <a:extLst>
               <a:ext uri="{FF2B5EF4-FFF2-40B4-BE49-F238E27FC236}">
-                <a16:creationId xmlns="" xmlns:a16="http://schemas.microsoft.com/office/drawing/2014/main" id="{4E5B2B66-6E7B-698C-6749-349C8256C52E}"/>
+                <a16:creationId xmlns:a16="http://schemas.microsoft.com/office/drawing/2014/main" xmlns="" id="{D6C722EE-4FAB-03C1-D553-AFFD260B2EFE}"/>
               </a:ext>
             </a:extLst>
           </p:cNvPr>
@@ -2988,7 +3252,7 @@
     </p:spTree>
     <p:extLst>
       <p:ext uri="{BB962C8B-B14F-4D97-AF65-F5344CB8AC3E}">
-        <p14:creationId xmlns:p14="http://schemas.microsoft.com/office/powerpoint/2010/main" val="189165804"/>
+        <p14:creationId xmlns:p14="http://schemas.microsoft.com/office/powerpoint/2010/main" val="3420654350"/>
       </p:ext>
     </p:extLst>
   </p:cSld>
@@ -3178,7 +3442,7 @@
             <a:fld id="{1D8BD707-D9CF-40AE-B4C6-C98DA3205C09}" type="datetimeFigureOut">
               <a:rPr lang="en-US" smtClean="0"/>
               <a:pPr/>
-              <a:t>1/4/2025</a:t>
+              <a:t>1/7/2025</a:t>
             </a:fld>
             <a:endParaRPr lang="en-US"/>
           </a:p>
@@ -3343,7 +3607,7 @@
             <a:fld id="{1D8BD707-D9CF-40AE-B4C6-C98DA3205C09}" type="datetimeFigureOut">
               <a:rPr lang="en-US" smtClean="0"/>
               <a:pPr/>
-              <a:t>1/4/2025</a:t>
+              <a:t>1/7/2025</a:t>
             </a:fld>
             <a:endParaRPr lang="en-US"/>
           </a:p>
@@ -3518,7 +3782,7 @@
             <a:fld id="{1D8BD707-D9CF-40AE-B4C6-C98DA3205C09}" type="datetimeFigureOut">
               <a:rPr lang="en-US" smtClean="0"/>
               <a:pPr/>
-              <a:t>1/4/2025</a:t>
+              <a:t>1/7/2025</a:t>
             </a:fld>
             <a:endParaRPr lang="en-US"/>
           </a:p>
@@ -3683,7 +3947,7 @@
             <a:fld id="{1D8BD707-D9CF-40AE-B4C6-C98DA3205C09}" type="datetimeFigureOut">
               <a:rPr lang="en-US" smtClean="0"/>
               <a:pPr/>
-              <a:t>1/4/2025</a:t>
+              <a:t>1/7/2025</a:t>
             </a:fld>
             <a:endParaRPr lang="en-US"/>
           </a:p>
@@ -3925,7 +4189,7 @@
             <a:fld id="{1D8BD707-D9CF-40AE-B4C6-C98DA3205C09}" type="datetimeFigureOut">
               <a:rPr lang="en-US" smtClean="0"/>
               <a:pPr/>
-              <a:t>1/4/2025</a:t>
+              <a:t>1/7/2025</a:t>
             </a:fld>
             <a:endParaRPr lang="en-US"/>
           </a:p>
@@ -4207,7 +4471,7 @@
             <a:fld id="{1D8BD707-D9CF-40AE-B4C6-C98DA3205C09}" type="datetimeFigureOut">
               <a:rPr lang="en-US" smtClean="0"/>
               <a:pPr/>
-              <a:t>1/4/2025</a:t>
+              <a:t>1/7/2025</a:t>
             </a:fld>
             <a:endParaRPr lang="en-US"/>
           </a:p>
@@ -4623,7 +4887,7 @@
             <a:fld id="{1D8BD707-D9CF-40AE-B4C6-C98DA3205C09}" type="datetimeFigureOut">
               <a:rPr lang="en-US" smtClean="0"/>
               <a:pPr/>
-              <a:t>1/4/2025</a:t>
+              <a:t>1/7/2025</a:t>
             </a:fld>
             <a:endParaRPr lang="en-US"/>
           </a:p>
@@ -4737,7 +5001,7 @@
             <a:fld id="{1D8BD707-D9CF-40AE-B4C6-C98DA3205C09}" type="datetimeFigureOut">
               <a:rPr lang="en-US" smtClean="0"/>
               <a:pPr/>
-              <a:t>1/4/2025</a:t>
+              <a:t>1/7/2025</a:t>
             </a:fld>
             <a:endParaRPr lang="en-US"/>
           </a:p>
@@ -4829,7 +5093,7 @@
             <a:fld id="{1D8BD707-D9CF-40AE-B4C6-C98DA3205C09}" type="datetimeFigureOut">
               <a:rPr lang="en-US" smtClean="0"/>
               <a:pPr/>
-              <a:t>1/4/2025</a:t>
+              <a:t>1/7/2025</a:t>
             </a:fld>
             <a:endParaRPr lang="en-US"/>
           </a:p>
@@ -5101,7 +5365,7 @@
             <a:fld id="{1D8BD707-D9CF-40AE-B4C6-C98DA3205C09}" type="datetimeFigureOut">
               <a:rPr lang="en-US" smtClean="0"/>
               <a:pPr/>
-              <a:t>1/4/2025</a:t>
+              <a:t>1/7/2025</a:t>
             </a:fld>
             <a:endParaRPr lang="en-US"/>
           </a:p>
@@ -5350,7 +5614,7 @@
             <a:fld id="{1D8BD707-D9CF-40AE-B4C6-C98DA3205C09}" type="datetimeFigureOut">
               <a:rPr lang="en-US" smtClean="0"/>
               <a:pPr/>
-              <a:t>1/4/2025</a:t>
+              <a:t>1/7/2025</a:t>
             </a:fld>
             <a:endParaRPr lang="en-US"/>
           </a:p>
@@ -5558,7 +5822,7 @@
             <a:fld id="{1D8BD707-D9CF-40AE-B4C6-C98DA3205C09}" type="datetimeFigureOut">
               <a:rPr lang="en-US" smtClean="0"/>
               <a:pPr/>
-              <a:t>1/4/2025</a:t>
+              <a:t>1/7/2025</a:t>
             </a:fld>
             <a:endParaRPr lang="en-US"/>
           </a:p>
@@ -6024,7 +6288,7 @@
             <a:blip r:embed="rId4">
               <a:extLst>
                 <a:ext uri="{96DAC541-7B7A-43D3-8B79-37D633B846F1}">
-                  <asvg:svgBlip xmlns="" xmlns:asvg="http://schemas.microsoft.com/office/drawing/2016/SVG/main" r:embed="rId5"/>
+                  <asvg:svgBlip xmlns:asvg="http://schemas.microsoft.com/office/drawing/2016/SVG/main" xmlns="" r:embed="rId5"/>
                 </a:ext>
               </a:extLst>
             </a:blip>
@@ -6282,7 +6546,7 @@
             <a:blip r:embed="rId4">
               <a:extLst>
                 <a:ext uri="{96DAC541-7B7A-43D3-8B79-37D633B846F1}">
-                  <asvg:svgBlip xmlns="" xmlns:asvg="http://schemas.microsoft.com/office/drawing/2016/SVG/main" r:embed="rId5"/>
+                  <asvg:svgBlip xmlns:asvg="http://schemas.microsoft.com/office/drawing/2016/SVG/main" xmlns="" r:embed="rId5"/>
                 </a:ext>
               </a:extLst>
             </a:blip>
@@ -6502,7 +6766,7 @@
           <p:cNvPr id="17" name="Immagine 16">
             <a:extLst>
               <a:ext uri="{FF2B5EF4-FFF2-40B4-BE49-F238E27FC236}">
-                <a16:creationId xmlns="" xmlns:a16="http://schemas.microsoft.com/office/drawing/2014/main" id="{A16D8D67-0153-42F7-D71E-673459A111BC}"/>
+                <a16:creationId xmlns:a16="http://schemas.microsoft.com/office/drawing/2014/main" xmlns="" id="{A16D8D67-0153-42F7-D71E-673459A111BC}"/>
               </a:ext>
             </a:extLst>
           </p:cNvPr>
@@ -6538,6 +6802,13 @@
   <p:clrMapOvr>
     <a:masterClrMapping/>
   </p:clrMapOvr>
+  <p:timing>
+    <p:tnLst>
+      <p:par>
+        <p:cTn id="1" dur="indefinite" restart="never" nodeType="tmRoot"/>
+      </p:par>
+    </p:tnLst>
+  </p:timing>
 </p:sld>
 </file>
 
@@ -6557,7 +6828,7 @@
         <p:cNvPr id="1" name="">
           <a:extLst>
             <a:ext uri="{FF2B5EF4-FFF2-40B4-BE49-F238E27FC236}">
-              <a16:creationId xmlns="" xmlns:a16="http://schemas.microsoft.com/office/drawing/2014/main" id="{058E0E21-BE85-E451-F227-E9B2D49DFAC9}"/>
+              <a16:creationId xmlns:a16="http://schemas.microsoft.com/office/drawing/2014/main" xmlns="" id="{058E0E21-BE85-E451-F227-E9B2D49DFAC9}"/>
             </a:ext>
           </a:extLst>
         </p:cNvPr>
@@ -6577,7 +6848,7 @@
           <p:cNvPr id="2" name="Freeform 2">
             <a:extLst>
               <a:ext uri="{FF2B5EF4-FFF2-40B4-BE49-F238E27FC236}">
-                <a16:creationId xmlns="" xmlns:a16="http://schemas.microsoft.com/office/drawing/2014/main" id="{718C3472-C8D3-299F-5FA8-42D9A63A908F}"/>
+                <a16:creationId xmlns:a16="http://schemas.microsoft.com/office/drawing/2014/main" xmlns="" id="{718C3472-C8D3-299F-5FA8-42D9A63A908F}"/>
               </a:ext>
             </a:extLst>
           </p:cNvPr>
@@ -6620,7 +6891,7 @@
             <a:blip r:embed="rId3">
               <a:extLst>
                 <a:ext uri="{96DAC541-7B7A-43D3-8B79-37D633B846F1}">
-                  <asvg:svgBlip xmlns="" xmlns:asvg="http://schemas.microsoft.com/office/drawing/2016/SVG/main" r:embed="rId4"/>
+                  <asvg:svgBlip xmlns:asvg="http://schemas.microsoft.com/office/drawing/2016/SVG/main" xmlns="" r:embed="rId4"/>
                 </a:ext>
               </a:extLst>
             </a:blip>
@@ -6642,7 +6913,7 @@
           <p:cNvPr id="3" name="TextBox 12">
             <a:extLst>
               <a:ext uri="{FF2B5EF4-FFF2-40B4-BE49-F238E27FC236}">
-                <a16:creationId xmlns="" xmlns:a16="http://schemas.microsoft.com/office/drawing/2014/main" id="{73578E7B-3CFA-8CD0-9667-21DB63462022}"/>
+                <a16:creationId xmlns:a16="http://schemas.microsoft.com/office/drawing/2014/main" xmlns="" id="{73578E7B-3CFA-8CD0-9667-21DB63462022}"/>
               </a:ext>
             </a:extLst>
           </p:cNvPr>
@@ -6692,7 +6963,7 @@
           <p:cNvPr id="4" name="Connettore diritto 3">
             <a:extLst>
               <a:ext uri="{FF2B5EF4-FFF2-40B4-BE49-F238E27FC236}">
-                <a16:creationId xmlns="" xmlns:a16="http://schemas.microsoft.com/office/drawing/2014/main" id="{B9EB7B9C-841C-5AF4-C167-BC6FE3875EB3}"/>
+                <a16:creationId xmlns:a16="http://schemas.microsoft.com/office/drawing/2014/main" xmlns="" id="{B9EB7B9C-841C-5AF4-C167-BC6FE3875EB3}"/>
               </a:ext>
             </a:extLst>
           </p:cNvPr>
@@ -6730,7 +7001,7 @@
           <p:cNvPr id="5" name="CasellaDiTesto 4">
             <a:extLst>
               <a:ext uri="{FF2B5EF4-FFF2-40B4-BE49-F238E27FC236}">
-                <a16:creationId xmlns="" xmlns:a16="http://schemas.microsoft.com/office/drawing/2014/main" id="{23F6C692-4CC5-5D8C-9625-37E9B630D644}"/>
+                <a16:creationId xmlns:a16="http://schemas.microsoft.com/office/drawing/2014/main" xmlns="" id="{23F6C692-4CC5-5D8C-9625-37E9B630D644}"/>
               </a:ext>
             </a:extLst>
           </p:cNvPr>
@@ -6771,7 +7042,7 @@
           <p:cNvPr id="9" name="Freeform 29">
             <a:extLst>
               <a:ext uri="{FF2B5EF4-FFF2-40B4-BE49-F238E27FC236}">
-                <a16:creationId xmlns="" xmlns:a16="http://schemas.microsoft.com/office/drawing/2014/main" id="{FC0770C3-73C9-4C03-DC22-6E224A960104}"/>
+                <a16:creationId xmlns:a16="http://schemas.microsoft.com/office/drawing/2014/main" xmlns="" id="{FC0770C3-73C9-4C03-DC22-6E224A960104}"/>
               </a:ext>
             </a:extLst>
           </p:cNvPr>
@@ -6814,7 +7085,7 @@
             <a:blip r:embed="rId3">
               <a:extLst>
                 <a:ext uri="{96DAC541-7B7A-43D3-8B79-37D633B846F1}">
-                  <asvg:svgBlip xmlns="" xmlns:asvg="http://schemas.microsoft.com/office/drawing/2016/SVG/main" r:embed="rId4"/>
+                  <asvg:svgBlip xmlns:asvg="http://schemas.microsoft.com/office/drawing/2016/SVG/main" xmlns="" r:embed="rId4"/>
                 </a:ext>
               </a:extLst>
             </a:blip>
@@ -6836,7 +7107,7 @@
           <p:cNvPr id="14" name="CasellaDiTesto 13">
             <a:extLst>
               <a:ext uri="{FF2B5EF4-FFF2-40B4-BE49-F238E27FC236}">
-                <a16:creationId xmlns="" xmlns:a16="http://schemas.microsoft.com/office/drawing/2014/main" id="{81DAFFA7-857A-5692-F025-246CC13002DA}"/>
+                <a16:creationId xmlns:a16="http://schemas.microsoft.com/office/drawing/2014/main" xmlns="" id="{81DAFFA7-857A-5692-F025-246CC13002DA}"/>
               </a:ext>
             </a:extLst>
           </p:cNvPr>
@@ -7442,7 +7713,7 @@
         <p:cNvPr id="1" name="">
           <a:extLst>
             <a:ext uri="{FF2B5EF4-FFF2-40B4-BE49-F238E27FC236}">
-              <a16:creationId xmlns="" xmlns:a16="http://schemas.microsoft.com/office/drawing/2014/main" id="{11811571-8FCD-6A36-2D2C-A2C41BC3D29D}"/>
+              <a16:creationId xmlns:a16="http://schemas.microsoft.com/office/drawing/2014/main" xmlns="" id="{11811571-8FCD-6A36-2D2C-A2C41BC3D29D}"/>
             </a:ext>
           </a:extLst>
         </p:cNvPr>
@@ -7462,7 +7733,7 @@
           <p:cNvPr id="2" name="Freeform 2">
             <a:extLst>
               <a:ext uri="{FF2B5EF4-FFF2-40B4-BE49-F238E27FC236}">
-                <a16:creationId xmlns="" xmlns:a16="http://schemas.microsoft.com/office/drawing/2014/main" id="{E60AD310-4885-3AC4-676F-718069EFD91E}"/>
+                <a16:creationId xmlns:a16="http://schemas.microsoft.com/office/drawing/2014/main" xmlns="" id="{E60AD310-4885-3AC4-676F-718069EFD91E}"/>
               </a:ext>
             </a:extLst>
           </p:cNvPr>
@@ -7505,7 +7776,7 @@
             <a:blip r:embed="rId3">
               <a:extLst>
                 <a:ext uri="{96DAC541-7B7A-43D3-8B79-37D633B846F1}">
-                  <asvg:svgBlip xmlns="" xmlns:asvg="http://schemas.microsoft.com/office/drawing/2016/SVG/main" r:embed="rId4"/>
+                  <asvg:svgBlip xmlns:asvg="http://schemas.microsoft.com/office/drawing/2016/SVG/main" xmlns="" r:embed="rId4"/>
                 </a:ext>
               </a:extLst>
             </a:blip>
@@ -7527,7 +7798,7 @@
           <p:cNvPr id="3" name="TextBox 12">
             <a:extLst>
               <a:ext uri="{FF2B5EF4-FFF2-40B4-BE49-F238E27FC236}">
-                <a16:creationId xmlns="" xmlns:a16="http://schemas.microsoft.com/office/drawing/2014/main" id="{4A8F9415-C6A7-54F5-20D7-064F7CCE3102}"/>
+                <a16:creationId xmlns:a16="http://schemas.microsoft.com/office/drawing/2014/main" xmlns="" id="{4A8F9415-C6A7-54F5-20D7-064F7CCE3102}"/>
               </a:ext>
             </a:extLst>
           </p:cNvPr>
@@ -7577,7 +7848,7 @@
           <p:cNvPr id="4" name="Connettore diritto 3">
             <a:extLst>
               <a:ext uri="{FF2B5EF4-FFF2-40B4-BE49-F238E27FC236}">
-                <a16:creationId xmlns="" xmlns:a16="http://schemas.microsoft.com/office/drawing/2014/main" id="{7801C1ED-4DBA-721F-58E4-30713DC53DBD}"/>
+                <a16:creationId xmlns:a16="http://schemas.microsoft.com/office/drawing/2014/main" xmlns="" id="{7801C1ED-4DBA-721F-58E4-30713DC53DBD}"/>
               </a:ext>
             </a:extLst>
           </p:cNvPr>
@@ -7615,7 +7886,7 @@
           <p:cNvPr id="5" name="CasellaDiTesto 4">
             <a:extLst>
               <a:ext uri="{FF2B5EF4-FFF2-40B4-BE49-F238E27FC236}">
-                <a16:creationId xmlns="" xmlns:a16="http://schemas.microsoft.com/office/drawing/2014/main" id="{63F76C04-32AC-56FC-9FC4-F48252365059}"/>
+                <a16:creationId xmlns:a16="http://schemas.microsoft.com/office/drawing/2014/main" xmlns="" id="{63F76C04-32AC-56FC-9FC4-F48252365059}"/>
               </a:ext>
             </a:extLst>
           </p:cNvPr>
@@ -7656,7 +7927,7 @@
           <p:cNvPr id="10" name="Freeform 29">
             <a:extLst>
               <a:ext uri="{FF2B5EF4-FFF2-40B4-BE49-F238E27FC236}">
-                <a16:creationId xmlns="" xmlns:a16="http://schemas.microsoft.com/office/drawing/2014/main" id="{4918565B-A3AF-3C5E-6C33-31FBD134A6BD}"/>
+                <a16:creationId xmlns:a16="http://schemas.microsoft.com/office/drawing/2014/main" xmlns="" id="{4918565B-A3AF-3C5E-6C33-31FBD134A6BD}"/>
               </a:ext>
             </a:extLst>
           </p:cNvPr>
@@ -7699,7 +7970,7 @@
             <a:blip r:embed="rId3">
               <a:extLst>
                 <a:ext uri="{96DAC541-7B7A-43D3-8B79-37D633B846F1}">
-                  <asvg:svgBlip xmlns="" xmlns:asvg="http://schemas.microsoft.com/office/drawing/2016/SVG/main" r:embed="rId4"/>
+                  <asvg:svgBlip xmlns:asvg="http://schemas.microsoft.com/office/drawing/2016/SVG/main" xmlns="" r:embed="rId4"/>
                 </a:ext>
               </a:extLst>
             </a:blip>
@@ -7721,7 +7992,7 @@
           <p:cNvPr id="12" name="CasellaDiTesto 11">
             <a:extLst>
               <a:ext uri="{FF2B5EF4-FFF2-40B4-BE49-F238E27FC236}">
-                <a16:creationId xmlns="" xmlns:a16="http://schemas.microsoft.com/office/drawing/2014/main" id="{843E5FB3-A098-0E21-D80F-FDF3FC957294}"/>
+                <a16:creationId xmlns:a16="http://schemas.microsoft.com/office/drawing/2014/main" xmlns="" id="{843E5FB3-A098-0E21-D80F-FDF3FC957294}"/>
               </a:ext>
             </a:extLst>
           </p:cNvPr>
@@ -8106,7 +8377,7 @@
         <p:cNvPr id="1" name="">
           <a:extLst>
             <a:ext uri="{FF2B5EF4-FFF2-40B4-BE49-F238E27FC236}">
-              <a16:creationId xmlns="" xmlns:a16="http://schemas.microsoft.com/office/drawing/2014/main" id="{83725E3D-C126-0F4B-BD60-DE335EF84B2E}"/>
+              <a16:creationId xmlns:a16="http://schemas.microsoft.com/office/drawing/2014/main" xmlns="" id="{83725E3D-C126-0F4B-BD60-DE335EF84B2E}"/>
             </a:ext>
           </a:extLst>
         </p:cNvPr>
@@ -8126,7 +8397,7 @@
           <p:cNvPr id="2" name="Freeform 2">
             <a:extLst>
               <a:ext uri="{FF2B5EF4-FFF2-40B4-BE49-F238E27FC236}">
-                <a16:creationId xmlns="" xmlns:a16="http://schemas.microsoft.com/office/drawing/2014/main" id="{ACD132E4-4425-4545-E272-67CDF643EC78}"/>
+                <a16:creationId xmlns:a16="http://schemas.microsoft.com/office/drawing/2014/main" xmlns="" id="{ACD132E4-4425-4545-E272-67CDF643EC78}"/>
               </a:ext>
             </a:extLst>
           </p:cNvPr>
@@ -8169,7 +8440,7 @@
             <a:blip r:embed="rId3">
               <a:extLst>
                 <a:ext uri="{96DAC541-7B7A-43D3-8B79-37D633B846F1}">
-                  <asvg:svgBlip xmlns="" xmlns:asvg="http://schemas.microsoft.com/office/drawing/2016/SVG/main" r:embed="rId4"/>
+                  <asvg:svgBlip xmlns:asvg="http://schemas.microsoft.com/office/drawing/2016/SVG/main" xmlns="" r:embed="rId4"/>
                 </a:ext>
               </a:extLst>
             </a:blip>
@@ -8191,7 +8462,7 @@
           <p:cNvPr id="3" name="TextBox 12">
             <a:extLst>
               <a:ext uri="{FF2B5EF4-FFF2-40B4-BE49-F238E27FC236}">
-                <a16:creationId xmlns="" xmlns:a16="http://schemas.microsoft.com/office/drawing/2014/main" id="{DC99646B-5207-FAE5-B90F-632878A08F1A}"/>
+                <a16:creationId xmlns:a16="http://schemas.microsoft.com/office/drawing/2014/main" xmlns="" id="{DC99646B-5207-FAE5-B90F-632878A08F1A}"/>
               </a:ext>
             </a:extLst>
           </p:cNvPr>
@@ -8241,7 +8512,7 @@
           <p:cNvPr id="4" name="Connettore diritto 3">
             <a:extLst>
               <a:ext uri="{FF2B5EF4-FFF2-40B4-BE49-F238E27FC236}">
-                <a16:creationId xmlns="" xmlns:a16="http://schemas.microsoft.com/office/drawing/2014/main" id="{2EF4928A-2494-0CFB-51A6-2301827E67AB}"/>
+                <a16:creationId xmlns:a16="http://schemas.microsoft.com/office/drawing/2014/main" xmlns="" id="{2EF4928A-2494-0CFB-51A6-2301827E67AB}"/>
               </a:ext>
             </a:extLst>
           </p:cNvPr>
@@ -8279,7 +8550,7 @@
           <p:cNvPr id="5" name="CasellaDiTesto 4">
             <a:extLst>
               <a:ext uri="{FF2B5EF4-FFF2-40B4-BE49-F238E27FC236}">
-                <a16:creationId xmlns="" xmlns:a16="http://schemas.microsoft.com/office/drawing/2014/main" id="{CB58EDA3-B85C-2310-CF9D-EE7D0B3565A7}"/>
+                <a16:creationId xmlns:a16="http://schemas.microsoft.com/office/drawing/2014/main" xmlns="" id="{CB58EDA3-B85C-2310-CF9D-EE7D0B3565A7}"/>
               </a:ext>
             </a:extLst>
           </p:cNvPr>
@@ -8320,7 +8591,7 @@
           <p:cNvPr id="6" name="Connettore diritto 5">
             <a:extLst>
               <a:ext uri="{FF2B5EF4-FFF2-40B4-BE49-F238E27FC236}">
-                <a16:creationId xmlns="" xmlns:a16="http://schemas.microsoft.com/office/drawing/2014/main" id="{3A062706-F884-5963-11CC-3293C76E9AD6}"/>
+                <a16:creationId xmlns:a16="http://schemas.microsoft.com/office/drawing/2014/main" xmlns="" id="{3A062706-F884-5963-11CC-3293C76E9AD6}"/>
               </a:ext>
             </a:extLst>
           </p:cNvPr>
@@ -8356,7 +8627,7 @@
           <p:cNvPr id="7" name="CasellaDiTesto 6">
             <a:extLst>
               <a:ext uri="{FF2B5EF4-FFF2-40B4-BE49-F238E27FC236}">
-                <a16:creationId xmlns="" xmlns:a16="http://schemas.microsoft.com/office/drawing/2014/main" id="{832719C6-D0BE-DAEA-6CD2-C70F7AACA4F8}"/>
+                <a16:creationId xmlns:a16="http://schemas.microsoft.com/office/drawing/2014/main" xmlns="" id="{832719C6-D0BE-DAEA-6CD2-C70F7AACA4F8}"/>
               </a:ext>
             </a:extLst>
           </p:cNvPr>
@@ -8391,7 +8662,7 @@
           <p:cNvPr id="8" name="CasellaDiTesto 7">
             <a:extLst>
               <a:ext uri="{FF2B5EF4-FFF2-40B4-BE49-F238E27FC236}">
-                <a16:creationId xmlns="" xmlns:a16="http://schemas.microsoft.com/office/drawing/2014/main" id="{7070C879-9FBD-408B-564B-F64CE4797117}"/>
+                <a16:creationId xmlns:a16="http://schemas.microsoft.com/office/drawing/2014/main" xmlns="" id="{7070C879-9FBD-408B-564B-F64CE4797117}"/>
               </a:ext>
             </a:extLst>
           </p:cNvPr>
@@ -8426,7 +8697,7 @@
           <p:cNvPr id="10" name="Freeform 29">
             <a:extLst>
               <a:ext uri="{FF2B5EF4-FFF2-40B4-BE49-F238E27FC236}">
-                <a16:creationId xmlns="" xmlns:a16="http://schemas.microsoft.com/office/drawing/2014/main" id="{3899F377-3619-1E72-FEDB-2703F2643400}"/>
+                <a16:creationId xmlns:a16="http://schemas.microsoft.com/office/drawing/2014/main" xmlns="" id="{3899F377-3619-1E72-FEDB-2703F2643400}"/>
               </a:ext>
             </a:extLst>
           </p:cNvPr>
@@ -8469,7 +8740,7 @@
             <a:blip r:embed="rId3">
               <a:extLst>
                 <a:ext uri="{96DAC541-7B7A-43D3-8B79-37D633B846F1}">
-                  <asvg:svgBlip xmlns="" xmlns:asvg="http://schemas.microsoft.com/office/drawing/2016/SVG/main" r:embed="rId4"/>
+                  <asvg:svgBlip xmlns:asvg="http://schemas.microsoft.com/office/drawing/2016/SVG/main" xmlns="" r:embed="rId4"/>
                 </a:ext>
               </a:extLst>
             </a:blip>
@@ -8491,7 +8762,7 @@
           <p:cNvPr id="12" name="CasellaDiTesto 11">
             <a:extLst>
               <a:ext uri="{FF2B5EF4-FFF2-40B4-BE49-F238E27FC236}">
-                <a16:creationId xmlns="" xmlns:a16="http://schemas.microsoft.com/office/drawing/2014/main" id="{A12C0988-80A8-A074-230A-B8C73C3443C8}"/>
+                <a16:creationId xmlns:a16="http://schemas.microsoft.com/office/drawing/2014/main" xmlns="" id="{A12C0988-80A8-A074-230A-B8C73C3443C8}"/>
               </a:ext>
             </a:extLst>
           </p:cNvPr>
@@ -8997,7 +9268,7 @@
           <p:cNvPr id="19" name="Rectangle 5">
             <a:extLst>
               <a:ext uri="{FF2B5EF4-FFF2-40B4-BE49-F238E27FC236}">
-                <a16:creationId xmlns="" xmlns:a16="http://schemas.microsoft.com/office/drawing/2014/main" id="{6512E9CB-A51B-332E-4C10-196D68F42C96}"/>
+                <a16:creationId xmlns:a16="http://schemas.microsoft.com/office/drawing/2014/main" xmlns="" id="{6512E9CB-A51B-332E-4C10-196D68F42C96}"/>
               </a:ext>
             </a:extLst>
           </p:cNvPr>
@@ -10972,7 +11243,7 @@
         <p:cNvPr id="1" name="">
           <a:extLst>
             <a:ext uri="{FF2B5EF4-FFF2-40B4-BE49-F238E27FC236}">
-              <a16:creationId xmlns="" xmlns:a16="http://schemas.microsoft.com/office/drawing/2014/main" id="{82FEA75E-89A6-5DE7-26D4-EFF5FF95331D}"/>
+              <a16:creationId xmlns:a16="http://schemas.microsoft.com/office/drawing/2014/main" xmlns="" id="{83725E3D-C126-0F4B-BD60-DE335EF84B2E}"/>
             </a:ext>
           </a:extLst>
         </p:cNvPr>
@@ -10992,7 +11263,7 @@
           <p:cNvPr id="2" name="Freeform 2">
             <a:extLst>
               <a:ext uri="{FF2B5EF4-FFF2-40B4-BE49-F238E27FC236}">
-                <a16:creationId xmlns="" xmlns:a16="http://schemas.microsoft.com/office/drawing/2014/main" id="{D0D2A263-D84B-9124-F210-84443B2D89B6}"/>
+                <a16:creationId xmlns:a16="http://schemas.microsoft.com/office/drawing/2014/main" xmlns="" id="{ACD132E4-4425-4545-E272-67CDF643EC78}"/>
               </a:ext>
             </a:extLst>
           </p:cNvPr>
@@ -11035,7 +11306,7 @@
             <a:blip r:embed="rId3">
               <a:extLst>
                 <a:ext uri="{96DAC541-7B7A-43D3-8B79-37D633B846F1}">
-                  <asvg:svgBlip xmlns="" xmlns:asvg="http://schemas.microsoft.com/office/drawing/2016/SVG/main" r:embed="rId4"/>
+                  <asvg:svgBlip xmlns:asvg="http://schemas.microsoft.com/office/drawing/2016/SVG/main" xmlns="" r:embed="rId4"/>
                 </a:ext>
               </a:extLst>
             </a:blip>
@@ -11048,10 +11319,6 @@
           <a:bodyPr/>
           <a:lstStyle/>
           <a:p>
-            <a:r>
-              <a:rPr lang="en-US"/>
-              <a:t>The graph provides a visual representation of the ROS system, showing active nodes, topics, and their interconnections. It helps in understanding data flow, debugging, and optimizing communication.</a:t>
-            </a:r>
             <a:endParaRPr lang="it-IT"/>
           </a:p>
         </p:txBody>
@@ -11061,7 +11328,7 @@
           <p:cNvPr id="3" name="TextBox 12">
             <a:extLst>
               <a:ext uri="{FF2B5EF4-FFF2-40B4-BE49-F238E27FC236}">
-                <a16:creationId xmlns="" xmlns:a16="http://schemas.microsoft.com/office/drawing/2014/main" id="{4C8C30E2-04B8-FB66-50C4-81588124C150}"/>
+                <a16:creationId xmlns:a16="http://schemas.microsoft.com/office/drawing/2014/main" xmlns="" id="{DC99646B-5207-FAE5-B90F-632878A08F1A}"/>
               </a:ext>
             </a:extLst>
           </p:cNvPr>
@@ -11092,7 +11359,7 @@
               </a:spcBef>
             </a:pPr>
             <a:r>
-              <a:rPr lang="en-US" sz="9431" b="1" spc="924" dirty="0">
+              <a:rPr lang="en-US" sz="9431" b="1" spc="924" dirty="0" smtClean="0">
                 <a:solidFill>
                   <a:srgbClr val="231F20"/>
                 </a:solidFill>
@@ -11101,8 +11368,17 @@
                 <a:cs typeface="Oswald Bold"/>
                 <a:sym typeface="Oswald Bold"/>
               </a:rPr>
-              <a:t>Graph</a:t>
-            </a:r>
+              <a:t>PARAMETERS</a:t>
+            </a:r>
+            <a:endParaRPr lang="en-US" sz="9431" b="1" spc="924" dirty="0">
+              <a:solidFill>
+                <a:srgbClr val="231F20"/>
+              </a:solidFill>
+              <a:latin typeface="Oswald Bold"/>
+              <a:ea typeface="Oswald Bold"/>
+              <a:cs typeface="Oswald Bold"/>
+              <a:sym typeface="Oswald Bold"/>
+            </a:endParaRPr>
           </a:p>
         </p:txBody>
       </p:sp>
@@ -11111,7 +11387,7 @@
           <p:cNvPr id="4" name="Connettore diritto 3">
             <a:extLst>
               <a:ext uri="{FF2B5EF4-FFF2-40B4-BE49-F238E27FC236}">
-                <a16:creationId xmlns="" xmlns:a16="http://schemas.microsoft.com/office/drawing/2014/main" id="{FD0EFE6C-CDE8-0F31-4649-1BC24322CAD8}"/>
+                <a16:creationId xmlns:a16="http://schemas.microsoft.com/office/drawing/2014/main" xmlns="" id="{2EF4928A-2494-0CFB-51A6-2301827E67AB}"/>
               </a:ext>
             </a:extLst>
           </p:cNvPr>
@@ -11146,10 +11422,51 @@
       </p:cxnSp>
       <p:sp>
         <p:nvSpPr>
-          <p:cNvPr id="6" name="Freeform 29">
+          <p:cNvPr id="5" name="CasellaDiTesto 4">
             <a:extLst>
               <a:ext uri="{FF2B5EF4-FFF2-40B4-BE49-F238E27FC236}">
-                <a16:creationId xmlns="" xmlns:a16="http://schemas.microsoft.com/office/drawing/2014/main" id="{F85AEEF7-173E-4D8B-B676-AF36844C49A0}"/>
+                <a16:creationId xmlns:a16="http://schemas.microsoft.com/office/drawing/2014/main" xmlns="" id="{CB58EDA3-B85C-2310-CF9D-EE7D0B3565A7}"/>
+              </a:ext>
+            </a:extLst>
+          </p:cNvPr>
+          <p:cNvSpPr txBox="1"/>
+          <p:nvPr/>
+        </p:nvSpPr>
+        <p:spPr>
+          <a:xfrm>
+            <a:off x="1820950" y="1941988"/>
+            <a:ext cx="15087600" cy="830997"/>
+          </a:xfrm>
+          <a:prstGeom prst="rect">
+            <a:avLst/>
+          </a:prstGeom>
+          <a:noFill/>
+        </p:spPr>
+        <p:txBody>
+          <a:bodyPr wrap="square" rtlCol="0">
+            <a:spAutoFit/>
+          </a:bodyPr>
+          <a:lstStyle/>
+          <a:p>
+            <a:pPr algn="ctr"/>
+            <a:r>
+              <a:rPr lang="en-US" sz="2400" b="1" i="1" dirty="0" smtClean="0"/>
+              <a:t>Parameters are </a:t>
+            </a:r>
+            <a:r>
+              <a:rPr lang="en-US" sz="2400" b="1" i="1" dirty="0"/>
+              <a:t>configurable values stored on a parameter server that nodes can access and modify. They are used for dynamic configuration of nodes and provide a way to store persistent data globally across the system.</a:t>
+            </a:r>
+            <a:endParaRPr lang="it-IT" sz="2400" b="1" i="1" dirty="0"/>
+          </a:p>
+        </p:txBody>
+      </p:sp>
+      <p:sp>
+        <p:nvSpPr>
+          <p:cNvPr id="10" name="Freeform 29">
+            <a:extLst>
+              <a:ext uri="{FF2B5EF4-FFF2-40B4-BE49-F238E27FC236}">
+                <a16:creationId xmlns:a16="http://schemas.microsoft.com/office/drawing/2014/main" xmlns="" id="{3899F377-3619-1E72-FEDB-2703F2643400}"/>
               </a:ext>
             </a:extLst>
           </p:cNvPr>
@@ -11192,7 +11509,7 @@
             <a:blip r:embed="rId3">
               <a:extLst>
                 <a:ext uri="{96DAC541-7B7A-43D3-8B79-37D633B846F1}">
-                  <asvg:svgBlip xmlns="" xmlns:asvg="http://schemas.microsoft.com/office/drawing/2016/SVG/main" r:embed="rId4"/>
+                  <asvg:svgBlip xmlns:asvg="http://schemas.microsoft.com/office/drawing/2016/SVG/main" xmlns="" r:embed="rId4"/>
                 </a:ext>
               </a:extLst>
             </a:blip>
@@ -11205,6 +11522,2601 @@
           <a:bodyPr/>
           <a:lstStyle/>
           <a:p>
+            <a:endParaRPr lang="it-IT" dirty="0"/>
+          </a:p>
+        </p:txBody>
+      </p:sp>
+      <p:sp>
+        <p:nvSpPr>
+          <p:cNvPr id="13" name="Rettangolo 12"/>
+          <p:cNvSpPr/>
+          <p:nvPr/>
+        </p:nvSpPr>
+        <p:spPr>
+          <a:xfrm>
+            <a:off x="2057400" y="3485495"/>
+            <a:ext cx="9372600" cy="4401205"/>
+          </a:xfrm>
+          <a:prstGeom prst="rect">
+            <a:avLst/>
+          </a:prstGeom>
+        </p:spPr>
+        <p:txBody>
+          <a:bodyPr wrap="square">
+            <a:spAutoFit/>
+          </a:bodyPr>
+          <a:lstStyle/>
+          <a:p>
+            <a:pPr marL="342900" lvl="0" indent="-342900" fontAlgn="base">
+              <a:spcBef>
+                <a:spcPct val="0"/>
+              </a:spcBef>
+              <a:spcAft>
+                <a:spcPct val="0"/>
+              </a:spcAft>
+              <a:buFont typeface="Arial" panose="020B0604020202020204" pitchFamily="34" charset="0"/>
+              <a:buChar char="•"/>
+            </a:pPr>
+            <a:r>
+              <a:rPr lang="it-IT" altLang="it-IT" sz="2000" b="1" dirty="0" err="1">
+                <a:solidFill>
+                  <a:prstClr val="black"/>
+                </a:solidFill>
+                <a:cs typeface="Arial" pitchFamily="34" charset="0"/>
+              </a:rPr>
+              <a:t>car_params.yaml</a:t>
+            </a:r>
+            <a:r>
+              <a:rPr lang="it-IT" altLang="it-IT" sz="2000" b="1" dirty="0">
+                <a:solidFill>
+                  <a:prstClr val="black"/>
+                </a:solidFill>
+                <a:cs typeface="Arial" pitchFamily="34" charset="0"/>
+              </a:rPr>
+              <a:t>:</a:t>
+            </a:r>
+          </a:p>
+          <a:p>
+            <a:pPr lvl="0" fontAlgn="base">
+              <a:spcBef>
+                <a:spcPct val="0"/>
+              </a:spcBef>
+              <a:spcAft>
+                <a:spcPct val="0"/>
+              </a:spcAft>
+            </a:pPr>
+            <a:r>
+              <a:rPr lang="it-IT" altLang="it-IT" sz="2000" dirty="0">
+                <a:solidFill>
+                  <a:prstClr val="black"/>
+                </a:solidFill>
+                <a:cs typeface="Arial" pitchFamily="34" charset="0"/>
+              </a:rPr>
+              <a:t>	</a:t>
+            </a:r>
+            <a:r>
+              <a:rPr lang="it-IT" altLang="it-IT" sz="2000" b="1" dirty="0" err="1" smtClean="0">
+                <a:solidFill>
+                  <a:prstClr val="black"/>
+                </a:solidFill>
+                <a:cs typeface="Arial" pitchFamily="34" charset="0"/>
+              </a:rPr>
+              <a:t>linear_speed</a:t>
+            </a:r>
+            <a:r>
+              <a:rPr lang="it-IT" altLang="it-IT" sz="2000" b="1" dirty="0">
+                <a:solidFill>
+                  <a:prstClr val="black"/>
+                </a:solidFill>
+                <a:cs typeface="Arial" pitchFamily="34" charset="0"/>
+              </a:rPr>
+              <a:t>:</a:t>
+            </a:r>
+            <a:r>
+              <a:rPr lang="it-IT" altLang="it-IT" sz="2000" dirty="0">
+                <a:solidFill>
+                  <a:prstClr val="black"/>
+                </a:solidFill>
+                <a:cs typeface="Arial" pitchFamily="34" charset="0"/>
+              </a:rPr>
+              <a:t> Linear </a:t>
+            </a:r>
+            <a:r>
+              <a:rPr lang="it-IT" altLang="it-IT" sz="2000" dirty="0" err="1">
+                <a:solidFill>
+                  <a:prstClr val="black"/>
+                </a:solidFill>
+                <a:cs typeface="Arial" pitchFamily="34" charset="0"/>
+              </a:rPr>
+              <a:t>speed</a:t>
+            </a:r>
+            <a:r>
+              <a:rPr lang="it-IT" altLang="it-IT" sz="2000" dirty="0">
+                <a:solidFill>
+                  <a:prstClr val="black"/>
+                </a:solidFill>
+                <a:cs typeface="Arial" pitchFamily="34" charset="0"/>
+              </a:rPr>
+              <a:t> of the robot (0.3 m/s).</a:t>
+            </a:r>
+          </a:p>
+          <a:p>
+            <a:pPr lvl="0" fontAlgn="base">
+              <a:spcBef>
+                <a:spcPct val="0"/>
+              </a:spcBef>
+              <a:spcAft>
+                <a:spcPct val="0"/>
+              </a:spcAft>
+            </a:pPr>
+            <a:r>
+              <a:rPr lang="it-IT" altLang="it-IT" sz="2000" dirty="0">
+                <a:solidFill>
+                  <a:prstClr val="black"/>
+                </a:solidFill>
+                <a:cs typeface="Arial" pitchFamily="34" charset="0"/>
+              </a:rPr>
+              <a:t>	</a:t>
+            </a:r>
+            <a:r>
+              <a:rPr lang="it-IT" altLang="it-IT" sz="2000" b="1" dirty="0" err="1" smtClean="0">
+                <a:solidFill>
+                  <a:prstClr val="black"/>
+                </a:solidFill>
+                <a:cs typeface="Arial" pitchFamily="34" charset="0"/>
+              </a:rPr>
+              <a:t>angular_speed</a:t>
+            </a:r>
+            <a:r>
+              <a:rPr lang="it-IT" altLang="it-IT" sz="2000" b="1" dirty="0">
+                <a:solidFill>
+                  <a:prstClr val="black"/>
+                </a:solidFill>
+                <a:cs typeface="Arial" pitchFamily="34" charset="0"/>
+              </a:rPr>
+              <a:t>: </a:t>
+            </a:r>
+            <a:r>
+              <a:rPr lang="it-IT" altLang="it-IT" sz="2000" dirty="0" err="1">
+                <a:solidFill>
+                  <a:prstClr val="black"/>
+                </a:solidFill>
+                <a:cs typeface="Arial" pitchFamily="34" charset="0"/>
+              </a:rPr>
+              <a:t>Angular</a:t>
+            </a:r>
+            <a:r>
+              <a:rPr lang="it-IT" altLang="it-IT" sz="2000" dirty="0">
+                <a:solidFill>
+                  <a:prstClr val="black"/>
+                </a:solidFill>
+                <a:cs typeface="Arial" pitchFamily="34" charset="0"/>
+              </a:rPr>
+              <a:t> </a:t>
+            </a:r>
+            <a:r>
+              <a:rPr lang="it-IT" altLang="it-IT" sz="2000" dirty="0" err="1">
+                <a:solidFill>
+                  <a:prstClr val="black"/>
+                </a:solidFill>
+                <a:cs typeface="Arial" pitchFamily="34" charset="0"/>
+              </a:rPr>
+              <a:t>speed</a:t>
+            </a:r>
+            <a:r>
+              <a:rPr lang="it-IT" altLang="it-IT" sz="2000" dirty="0">
+                <a:solidFill>
+                  <a:prstClr val="black"/>
+                </a:solidFill>
+                <a:cs typeface="Arial" pitchFamily="34" charset="0"/>
+              </a:rPr>
+              <a:t> of the robot (0.5 </a:t>
+            </a:r>
+            <a:r>
+              <a:rPr lang="it-IT" altLang="it-IT" sz="2000" dirty="0" err="1">
+                <a:solidFill>
+                  <a:prstClr val="black"/>
+                </a:solidFill>
+                <a:cs typeface="Arial" pitchFamily="34" charset="0"/>
+              </a:rPr>
+              <a:t>rad</a:t>
+            </a:r>
+            <a:r>
+              <a:rPr lang="it-IT" altLang="it-IT" sz="2000" dirty="0">
+                <a:solidFill>
+                  <a:prstClr val="black"/>
+                </a:solidFill>
+                <a:cs typeface="Arial" pitchFamily="34" charset="0"/>
+              </a:rPr>
+              <a:t>/s</a:t>
+            </a:r>
+            <a:r>
+              <a:rPr lang="it-IT" altLang="it-IT" sz="2000" dirty="0" smtClean="0">
+                <a:solidFill>
+                  <a:prstClr val="black"/>
+                </a:solidFill>
+                <a:cs typeface="Arial" pitchFamily="34" charset="0"/>
+              </a:rPr>
+              <a:t>).</a:t>
+            </a:r>
+          </a:p>
+          <a:p>
+            <a:pPr lvl="0" fontAlgn="base">
+              <a:spcBef>
+                <a:spcPct val="0"/>
+              </a:spcBef>
+              <a:spcAft>
+                <a:spcPct val="0"/>
+              </a:spcAft>
+            </a:pPr>
+            <a:r>
+              <a:rPr lang="it-IT" altLang="it-IT" sz="2000" dirty="0">
+                <a:solidFill>
+                  <a:prstClr val="black"/>
+                </a:solidFill>
+                <a:cs typeface="Arial" pitchFamily="34" charset="0"/>
+              </a:rPr>
+              <a:t>	</a:t>
+            </a:r>
+            <a:endParaRPr lang="it-IT" altLang="it-IT" sz="2000" dirty="0" smtClean="0">
+              <a:solidFill>
+                <a:prstClr val="black"/>
+              </a:solidFill>
+              <a:cs typeface="Arial" pitchFamily="34" charset="0"/>
+            </a:endParaRPr>
+          </a:p>
+          <a:p>
+            <a:pPr lvl="0" fontAlgn="base">
+              <a:spcBef>
+                <a:spcPct val="0"/>
+              </a:spcBef>
+              <a:spcAft>
+                <a:spcPct val="0"/>
+              </a:spcAft>
+            </a:pPr>
+            <a:r>
+              <a:rPr lang="it-IT" altLang="it-IT" sz="2000" b="1" dirty="0">
+                <a:solidFill>
+                  <a:prstClr val="black"/>
+                </a:solidFill>
+                <a:cs typeface="Arial" pitchFamily="34" charset="0"/>
+              </a:rPr>
+              <a:t>	</a:t>
+            </a:r>
+            <a:r>
+              <a:rPr lang="it-IT" altLang="it-IT" sz="2000" b="1" dirty="0" err="1" smtClean="0">
+                <a:solidFill>
+                  <a:prstClr val="black"/>
+                </a:solidFill>
+                <a:cs typeface="Arial" pitchFamily="34" charset="0"/>
+              </a:rPr>
+              <a:t>kp_angular</a:t>
+            </a:r>
+            <a:r>
+              <a:rPr lang="it-IT" altLang="it-IT" sz="2000" b="1" dirty="0">
+                <a:solidFill>
+                  <a:prstClr val="black"/>
+                </a:solidFill>
+                <a:cs typeface="Arial" pitchFamily="34" charset="0"/>
+              </a:rPr>
+              <a:t>: </a:t>
+            </a:r>
+            <a:r>
+              <a:rPr lang="it-IT" altLang="it-IT" sz="2000" dirty="0" err="1">
+                <a:solidFill>
+                  <a:prstClr val="black"/>
+                </a:solidFill>
+                <a:cs typeface="Arial" pitchFamily="34" charset="0"/>
+              </a:rPr>
+              <a:t>Proportional</a:t>
+            </a:r>
+            <a:r>
+              <a:rPr lang="it-IT" altLang="it-IT" sz="2000" dirty="0">
+                <a:solidFill>
+                  <a:prstClr val="black"/>
+                </a:solidFill>
+                <a:cs typeface="Arial" pitchFamily="34" charset="0"/>
+              </a:rPr>
+              <a:t> gain for </a:t>
+            </a:r>
+            <a:r>
+              <a:rPr lang="it-IT" altLang="it-IT" sz="2000" dirty="0" err="1">
+                <a:solidFill>
+                  <a:prstClr val="black"/>
+                </a:solidFill>
+                <a:cs typeface="Arial" pitchFamily="34" charset="0"/>
+              </a:rPr>
+              <a:t>angular</a:t>
+            </a:r>
+            <a:r>
+              <a:rPr lang="it-IT" altLang="it-IT" sz="2000" dirty="0">
+                <a:solidFill>
+                  <a:prstClr val="black"/>
+                </a:solidFill>
+                <a:cs typeface="Arial" pitchFamily="34" charset="0"/>
+              </a:rPr>
+              <a:t> control (1.0).</a:t>
+            </a:r>
+          </a:p>
+          <a:p>
+            <a:pPr lvl="0" fontAlgn="base">
+              <a:spcBef>
+                <a:spcPct val="0"/>
+              </a:spcBef>
+              <a:spcAft>
+                <a:spcPct val="0"/>
+              </a:spcAft>
+            </a:pPr>
+            <a:r>
+              <a:rPr lang="it-IT" altLang="it-IT" sz="2000" dirty="0">
+                <a:solidFill>
+                  <a:prstClr val="black"/>
+                </a:solidFill>
+                <a:cs typeface="Arial" pitchFamily="34" charset="0"/>
+              </a:rPr>
+              <a:t>	</a:t>
+            </a:r>
+            <a:r>
+              <a:rPr lang="it-IT" altLang="it-IT" sz="2000" b="1" dirty="0" err="1" smtClean="0">
+                <a:solidFill>
+                  <a:prstClr val="black"/>
+                </a:solidFill>
+                <a:cs typeface="Arial" pitchFamily="34" charset="0"/>
+              </a:rPr>
+              <a:t>ki_angular</a:t>
+            </a:r>
+            <a:r>
+              <a:rPr lang="it-IT" altLang="it-IT" sz="2000" b="1" dirty="0">
+                <a:solidFill>
+                  <a:prstClr val="black"/>
+                </a:solidFill>
+                <a:cs typeface="Arial" pitchFamily="34" charset="0"/>
+              </a:rPr>
+              <a:t>: </a:t>
+            </a:r>
+            <a:r>
+              <a:rPr lang="it-IT" altLang="it-IT" sz="2000" dirty="0" err="1">
+                <a:solidFill>
+                  <a:prstClr val="black"/>
+                </a:solidFill>
+                <a:cs typeface="Arial" pitchFamily="34" charset="0"/>
+              </a:rPr>
+              <a:t>Integral</a:t>
+            </a:r>
+            <a:r>
+              <a:rPr lang="it-IT" altLang="it-IT" sz="2000" dirty="0">
+                <a:solidFill>
+                  <a:prstClr val="black"/>
+                </a:solidFill>
+                <a:cs typeface="Arial" pitchFamily="34" charset="0"/>
+              </a:rPr>
+              <a:t> gain for </a:t>
+            </a:r>
+            <a:r>
+              <a:rPr lang="it-IT" altLang="it-IT" sz="2000" dirty="0" err="1">
+                <a:solidFill>
+                  <a:prstClr val="black"/>
+                </a:solidFill>
+                <a:cs typeface="Arial" pitchFamily="34" charset="0"/>
+              </a:rPr>
+              <a:t>angular</a:t>
+            </a:r>
+            <a:r>
+              <a:rPr lang="it-IT" altLang="it-IT" sz="2000" dirty="0">
+                <a:solidFill>
+                  <a:prstClr val="black"/>
+                </a:solidFill>
+                <a:cs typeface="Arial" pitchFamily="34" charset="0"/>
+              </a:rPr>
+              <a:t> control (0.0).</a:t>
+            </a:r>
+          </a:p>
+          <a:p>
+            <a:pPr lvl="0" fontAlgn="base">
+              <a:spcBef>
+                <a:spcPct val="0"/>
+              </a:spcBef>
+              <a:spcAft>
+                <a:spcPct val="0"/>
+              </a:spcAft>
+            </a:pPr>
+            <a:r>
+              <a:rPr lang="it-IT" altLang="it-IT" sz="2000" dirty="0">
+                <a:solidFill>
+                  <a:prstClr val="black"/>
+                </a:solidFill>
+                <a:cs typeface="Arial" pitchFamily="34" charset="0"/>
+              </a:rPr>
+              <a:t>	</a:t>
+            </a:r>
+            <a:r>
+              <a:rPr lang="it-IT" altLang="it-IT" sz="2000" b="1" dirty="0" err="1" smtClean="0">
+                <a:solidFill>
+                  <a:prstClr val="black"/>
+                </a:solidFill>
+                <a:cs typeface="Arial" pitchFamily="34" charset="0"/>
+              </a:rPr>
+              <a:t>kd_angular</a:t>
+            </a:r>
+            <a:r>
+              <a:rPr lang="it-IT" altLang="it-IT" sz="2000" b="1" dirty="0">
+                <a:solidFill>
+                  <a:prstClr val="black"/>
+                </a:solidFill>
+                <a:cs typeface="Arial" pitchFamily="34" charset="0"/>
+              </a:rPr>
+              <a:t>: </a:t>
+            </a:r>
+            <a:r>
+              <a:rPr lang="it-IT" altLang="it-IT" sz="2000" dirty="0">
+                <a:solidFill>
+                  <a:prstClr val="black"/>
+                </a:solidFill>
+                <a:cs typeface="Arial" pitchFamily="34" charset="0"/>
+              </a:rPr>
+              <a:t>Derivative gain for </a:t>
+            </a:r>
+            <a:r>
+              <a:rPr lang="it-IT" altLang="it-IT" sz="2000" dirty="0" err="1">
+                <a:solidFill>
+                  <a:prstClr val="black"/>
+                </a:solidFill>
+                <a:cs typeface="Arial" pitchFamily="34" charset="0"/>
+              </a:rPr>
+              <a:t>angular</a:t>
+            </a:r>
+            <a:r>
+              <a:rPr lang="it-IT" altLang="it-IT" sz="2000" dirty="0">
+                <a:solidFill>
+                  <a:prstClr val="black"/>
+                </a:solidFill>
+                <a:cs typeface="Arial" pitchFamily="34" charset="0"/>
+              </a:rPr>
+              <a:t> control (0.5).</a:t>
+            </a:r>
+          </a:p>
+          <a:p>
+            <a:pPr lvl="0" fontAlgn="base">
+              <a:spcBef>
+                <a:spcPct val="0"/>
+              </a:spcBef>
+              <a:spcAft>
+                <a:spcPct val="0"/>
+              </a:spcAft>
+            </a:pPr>
+            <a:endParaRPr lang="it-IT" altLang="it-IT" sz="2000" dirty="0" smtClean="0">
+              <a:solidFill>
+                <a:prstClr val="black"/>
+              </a:solidFill>
+              <a:cs typeface="Arial" pitchFamily="34" charset="0"/>
+            </a:endParaRPr>
+          </a:p>
+          <a:p>
+            <a:pPr lvl="0" fontAlgn="base">
+              <a:spcBef>
+                <a:spcPct val="0"/>
+              </a:spcBef>
+              <a:spcAft>
+                <a:spcPct val="0"/>
+              </a:spcAft>
+            </a:pPr>
+            <a:r>
+              <a:rPr lang="it-IT" altLang="it-IT" sz="2000" dirty="0">
+                <a:solidFill>
+                  <a:prstClr val="black"/>
+                </a:solidFill>
+                <a:cs typeface="Arial" pitchFamily="34" charset="0"/>
+              </a:rPr>
+              <a:t>	</a:t>
+            </a:r>
+            <a:r>
+              <a:rPr lang="it-IT" altLang="it-IT" sz="2000" b="1" dirty="0" err="1" smtClean="0">
+                <a:solidFill>
+                  <a:prstClr val="black"/>
+                </a:solidFill>
+                <a:cs typeface="Arial" pitchFamily="34" charset="0"/>
+              </a:rPr>
+              <a:t>front_angle_width</a:t>
+            </a:r>
+            <a:r>
+              <a:rPr lang="it-IT" altLang="it-IT" sz="2000" b="1" dirty="0">
+                <a:solidFill>
+                  <a:prstClr val="black"/>
+                </a:solidFill>
+                <a:cs typeface="Arial" pitchFamily="34" charset="0"/>
+              </a:rPr>
+              <a:t>: </a:t>
+            </a:r>
+            <a:r>
+              <a:rPr lang="it-IT" altLang="it-IT" sz="2000" dirty="0">
+                <a:solidFill>
+                  <a:prstClr val="black"/>
+                </a:solidFill>
+                <a:cs typeface="Arial" pitchFamily="34" charset="0"/>
+              </a:rPr>
+              <a:t>Angle </a:t>
+            </a:r>
+            <a:r>
+              <a:rPr lang="it-IT" altLang="it-IT" sz="2000" dirty="0" err="1">
+                <a:solidFill>
+                  <a:prstClr val="black"/>
+                </a:solidFill>
+                <a:cs typeface="Arial" pitchFamily="34" charset="0"/>
+              </a:rPr>
+              <a:t>width</a:t>
+            </a:r>
+            <a:r>
+              <a:rPr lang="it-IT" altLang="it-IT" sz="2000" dirty="0">
+                <a:solidFill>
+                  <a:prstClr val="black"/>
+                </a:solidFill>
+                <a:cs typeface="Arial" pitchFamily="34" charset="0"/>
+              </a:rPr>
+              <a:t> of the scanner (30°).</a:t>
+            </a:r>
+          </a:p>
+          <a:p>
+            <a:pPr lvl="0" fontAlgn="base">
+              <a:spcBef>
+                <a:spcPct val="0"/>
+              </a:spcBef>
+              <a:spcAft>
+                <a:spcPct val="0"/>
+              </a:spcAft>
+            </a:pPr>
+            <a:r>
+              <a:rPr lang="it-IT" altLang="it-IT" sz="2000" dirty="0">
+                <a:solidFill>
+                  <a:prstClr val="black"/>
+                </a:solidFill>
+                <a:cs typeface="Arial" pitchFamily="34" charset="0"/>
+              </a:rPr>
+              <a:t>	</a:t>
+            </a:r>
+            <a:r>
+              <a:rPr lang="it-IT" altLang="it-IT" sz="2000" b="1" dirty="0" err="1" smtClean="0">
+                <a:solidFill>
+                  <a:prstClr val="black"/>
+                </a:solidFill>
+                <a:cs typeface="Arial" pitchFamily="34" charset="0"/>
+              </a:rPr>
+              <a:t>obstacle_threshold</a:t>
+            </a:r>
+            <a:r>
+              <a:rPr lang="it-IT" altLang="it-IT" sz="2000" b="1" dirty="0">
+                <a:solidFill>
+                  <a:prstClr val="black"/>
+                </a:solidFill>
+                <a:cs typeface="Arial" pitchFamily="34" charset="0"/>
+              </a:rPr>
+              <a:t>: </a:t>
+            </a:r>
+            <a:r>
+              <a:rPr lang="it-IT" altLang="it-IT" sz="2000" dirty="0" err="1">
+                <a:solidFill>
+                  <a:prstClr val="black"/>
+                </a:solidFill>
+                <a:cs typeface="Arial" pitchFamily="34" charset="0"/>
+              </a:rPr>
+              <a:t>Threshold</a:t>
+            </a:r>
+            <a:r>
+              <a:rPr lang="it-IT" altLang="it-IT" sz="2000" dirty="0">
+                <a:solidFill>
+                  <a:prstClr val="black"/>
+                </a:solidFill>
+                <a:cs typeface="Arial" pitchFamily="34" charset="0"/>
+              </a:rPr>
+              <a:t> </a:t>
+            </a:r>
+            <a:r>
+              <a:rPr lang="it-IT" altLang="it-IT" sz="2000" dirty="0" err="1">
+                <a:solidFill>
+                  <a:prstClr val="black"/>
+                </a:solidFill>
+                <a:cs typeface="Arial" pitchFamily="34" charset="0"/>
+              </a:rPr>
+              <a:t>distance</a:t>
+            </a:r>
+            <a:r>
+              <a:rPr lang="it-IT" altLang="it-IT" sz="2000" dirty="0">
+                <a:solidFill>
+                  <a:prstClr val="black"/>
+                </a:solidFill>
+                <a:cs typeface="Arial" pitchFamily="34" charset="0"/>
+              </a:rPr>
+              <a:t> for </a:t>
+            </a:r>
+            <a:r>
+              <a:rPr lang="it-IT" altLang="it-IT" sz="2000" dirty="0" err="1">
+                <a:solidFill>
+                  <a:prstClr val="black"/>
+                </a:solidFill>
+                <a:cs typeface="Arial" pitchFamily="34" charset="0"/>
+              </a:rPr>
+              <a:t>detecting</a:t>
+            </a:r>
+            <a:r>
+              <a:rPr lang="it-IT" altLang="it-IT" sz="2000" dirty="0">
+                <a:solidFill>
+                  <a:prstClr val="black"/>
+                </a:solidFill>
+                <a:cs typeface="Arial" pitchFamily="34" charset="0"/>
+              </a:rPr>
+              <a:t> </a:t>
+            </a:r>
+            <a:r>
+              <a:rPr lang="it-IT" altLang="it-IT" sz="2000" dirty="0" err="1">
+                <a:solidFill>
+                  <a:prstClr val="black"/>
+                </a:solidFill>
+                <a:cs typeface="Arial" pitchFamily="34" charset="0"/>
+              </a:rPr>
+              <a:t>obstacles</a:t>
+            </a:r>
+            <a:r>
+              <a:rPr lang="it-IT" altLang="it-IT" sz="2000" dirty="0">
+                <a:solidFill>
+                  <a:prstClr val="black"/>
+                </a:solidFill>
+                <a:cs typeface="Arial" pitchFamily="34" charset="0"/>
+              </a:rPr>
+              <a:t> (0.3 m).</a:t>
+            </a:r>
+          </a:p>
+          <a:p>
+            <a:pPr lvl="0" fontAlgn="base">
+              <a:spcBef>
+                <a:spcPct val="0"/>
+              </a:spcBef>
+              <a:spcAft>
+                <a:spcPct val="0"/>
+              </a:spcAft>
+            </a:pPr>
+            <a:r>
+              <a:rPr lang="it-IT" altLang="it-IT" sz="2000" dirty="0">
+                <a:solidFill>
+                  <a:prstClr val="black"/>
+                </a:solidFill>
+                <a:cs typeface="Arial" pitchFamily="34" charset="0"/>
+              </a:rPr>
+              <a:t>	</a:t>
+            </a:r>
+            <a:r>
+              <a:rPr lang="it-IT" altLang="it-IT" sz="2000" b="1" dirty="0" err="1" smtClean="0">
+                <a:solidFill>
+                  <a:prstClr val="black"/>
+                </a:solidFill>
+                <a:cs typeface="Arial" pitchFamily="34" charset="0"/>
+              </a:rPr>
+              <a:t>wall_follow_distance</a:t>
+            </a:r>
+            <a:r>
+              <a:rPr lang="it-IT" altLang="it-IT" sz="2000" b="1" dirty="0">
+                <a:solidFill>
+                  <a:prstClr val="black"/>
+                </a:solidFill>
+                <a:cs typeface="Arial" pitchFamily="34" charset="0"/>
+              </a:rPr>
+              <a:t>: </a:t>
+            </a:r>
+            <a:r>
+              <a:rPr lang="it-IT" altLang="it-IT" sz="2000" dirty="0" err="1">
+                <a:solidFill>
+                  <a:prstClr val="black"/>
+                </a:solidFill>
+                <a:cs typeface="Arial" pitchFamily="34" charset="0"/>
+              </a:rPr>
+              <a:t>Desired</a:t>
+            </a:r>
+            <a:r>
+              <a:rPr lang="it-IT" altLang="it-IT" sz="2000" dirty="0">
+                <a:solidFill>
+                  <a:prstClr val="black"/>
+                </a:solidFill>
+                <a:cs typeface="Arial" pitchFamily="34" charset="0"/>
+              </a:rPr>
+              <a:t> </a:t>
+            </a:r>
+            <a:r>
+              <a:rPr lang="it-IT" altLang="it-IT" sz="2000" dirty="0" err="1">
+                <a:solidFill>
+                  <a:prstClr val="black"/>
+                </a:solidFill>
+                <a:cs typeface="Arial" pitchFamily="34" charset="0"/>
+              </a:rPr>
+              <a:t>distance</a:t>
+            </a:r>
+            <a:r>
+              <a:rPr lang="it-IT" altLang="it-IT" sz="2000" dirty="0">
+                <a:solidFill>
+                  <a:prstClr val="black"/>
+                </a:solidFill>
+                <a:cs typeface="Arial" pitchFamily="34" charset="0"/>
+              </a:rPr>
+              <a:t> for </a:t>
+            </a:r>
+            <a:r>
+              <a:rPr lang="it-IT" altLang="it-IT" sz="2000" dirty="0" err="1">
+                <a:solidFill>
+                  <a:prstClr val="black"/>
+                </a:solidFill>
+                <a:cs typeface="Arial" pitchFamily="34" charset="0"/>
+              </a:rPr>
+              <a:t>wall</a:t>
+            </a:r>
+            <a:r>
+              <a:rPr lang="it-IT" altLang="it-IT" sz="2000" dirty="0">
+                <a:solidFill>
+                  <a:prstClr val="black"/>
+                </a:solidFill>
+                <a:cs typeface="Arial" pitchFamily="34" charset="0"/>
+              </a:rPr>
+              <a:t> </a:t>
+            </a:r>
+            <a:r>
+              <a:rPr lang="it-IT" altLang="it-IT" sz="2000" dirty="0" err="1">
+                <a:solidFill>
+                  <a:prstClr val="black"/>
+                </a:solidFill>
+                <a:cs typeface="Arial" pitchFamily="34" charset="0"/>
+              </a:rPr>
+              <a:t>following</a:t>
+            </a:r>
+            <a:r>
+              <a:rPr lang="it-IT" altLang="it-IT" sz="2000" dirty="0">
+                <a:solidFill>
+                  <a:prstClr val="black"/>
+                </a:solidFill>
+                <a:cs typeface="Arial" pitchFamily="34" charset="0"/>
+              </a:rPr>
+              <a:t> (0.7 m).</a:t>
+            </a:r>
+          </a:p>
+          <a:p>
+            <a:pPr lvl="0" fontAlgn="base">
+              <a:spcBef>
+                <a:spcPct val="0"/>
+              </a:spcBef>
+              <a:spcAft>
+                <a:spcPct val="0"/>
+              </a:spcAft>
+            </a:pPr>
+            <a:endParaRPr lang="it-IT" altLang="it-IT" sz="2000" dirty="0">
+              <a:solidFill>
+                <a:prstClr val="black"/>
+              </a:solidFill>
+              <a:cs typeface="Arial" pitchFamily="34" charset="0"/>
+            </a:endParaRPr>
+          </a:p>
+          <a:p>
+            <a:pPr marL="342900" lvl="0" indent="-342900" fontAlgn="base">
+              <a:spcBef>
+                <a:spcPct val="0"/>
+              </a:spcBef>
+              <a:spcAft>
+                <a:spcPct val="0"/>
+              </a:spcAft>
+              <a:buFont typeface="Arial" panose="020B0604020202020204" pitchFamily="34" charset="0"/>
+              <a:buChar char="•"/>
+            </a:pPr>
+            <a:r>
+              <a:rPr lang="it-IT" altLang="it-IT" sz="2000" b="1" dirty="0" err="1" smtClean="0">
+                <a:solidFill>
+                  <a:prstClr val="black"/>
+                </a:solidFill>
+                <a:cs typeface="Arial" pitchFamily="34" charset="0"/>
+              </a:rPr>
+              <a:t>secret_key.yaml</a:t>
+            </a:r>
+            <a:r>
+              <a:rPr lang="it-IT" altLang="it-IT" sz="2000" b="1" dirty="0">
+                <a:solidFill>
+                  <a:prstClr val="black"/>
+                </a:solidFill>
+                <a:cs typeface="Arial" pitchFamily="34" charset="0"/>
+              </a:rPr>
+              <a:t>:</a:t>
+            </a:r>
+          </a:p>
+          <a:p>
+            <a:pPr lvl="0" fontAlgn="base">
+              <a:spcBef>
+                <a:spcPct val="0"/>
+              </a:spcBef>
+              <a:spcAft>
+                <a:spcPct val="0"/>
+              </a:spcAft>
+            </a:pPr>
+            <a:r>
+              <a:rPr lang="it-IT" altLang="it-IT" sz="2000" dirty="0">
+                <a:solidFill>
+                  <a:prstClr val="black"/>
+                </a:solidFill>
+                <a:cs typeface="Arial" pitchFamily="34" charset="0"/>
+              </a:rPr>
+              <a:t>	</a:t>
+            </a:r>
+            <a:r>
+              <a:rPr lang="it-IT" altLang="it-IT" sz="2000" b="1" dirty="0" err="1">
+                <a:solidFill>
+                  <a:prstClr val="black"/>
+                </a:solidFill>
+                <a:cs typeface="Arial" pitchFamily="34" charset="0"/>
+              </a:rPr>
+              <a:t>secret_key</a:t>
+            </a:r>
+            <a:r>
+              <a:rPr lang="it-IT" altLang="it-IT" sz="2000" b="1" dirty="0">
+                <a:solidFill>
+                  <a:prstClr val="black"/>
+                </a:solidFill>
+                <a:cs typeface="Arial" pitchFamily="34" charset="0"/>
+              </a:rPr>
+              <a:t>: </a:t>
+            </a:r>
+            <a:r>
+              <a:rPr lang="it-IT" altLang="it-IT" sz="2000" dirty="0">
+                <a:solidFill>
+                  <a:prstClr val="black"/>
+                </a:solidFill>
+                <a:cs typeface="Arial" pitchFamily="34" charset="0"/>
+              </a:rPr>
+              <a:t>A private </a:t>
+            </a:r>
+            <a:r>
+              <a:rPr lang="it-IT" altLang="it-IT" sz="2000" dirty="0" err="1">
+                <a:solidFill>
+                  <a:prstClr val="black"/>
+                </a:solidFill>
+                <a:cs typeface="Arial" pitchFamily="34" charset="0"/>
+              </a:rPr>
+              <a:t>key</a:t>
+            </a:r>
+            <a:r>
+              <a:rPr lang="it-IT" altLang="it-IT" sz="2000" dirty="0">
+                <a:solidFill>
+                  <a:prstClr val="black"/>
+                </a:solidFill>
+                <a:cs typeface="Arial" pitchFamily="34" charset="0"/>
+              </a:rPr>
+              <a:t> </a:t>
+            </a:r>
+            <a:r>
+              <a:rPr lang="it-IT" altLang="it-IT" sz="2000" dirty="0" err="1">
+                <a:solidFill>
+                  <a:prstClr val="black"/>
+                </a:solidFill>
+                <a:cs typeface="Arial" pitchFamily="34" charset="0"/>
+              </a:rPr>
+              <a:t>used</a:t>
+            </a:r>
+            <a:r>
+              <a:rPr lang="it-IT" altLang="it-IT" sz="2000" dirty="0">
+                <a:solidFill>
+                  <a:prstClr val="black"/>
+                </a:solidFill>
+                <a:cs typeface="Arial" pitchFamily="34" charset="0"/>
+              </a:rPr>
+              <a:t> for </a:t>
+            </a:r>
+            <a:r>
+              <a:rPr lang="it-IT" altLang="it-IT" sz="2000" dirty="0" err="1">
+                <a:solidFill>
+                  <a:prstClr val="black"/>
+                </a:solidFill>
+                <a:cs typeface="Arial" pitchFamily="34" charset="0"/>
+              </a:rPr>
+              <a:t>secure</a:t>
+            </a:r>
+            <a:r>
+              <a:rPr lang="it-IT" altLang="it-IT" sz="2000" dirty="0">
+                <a:solidFill>
+                  <a:prstClr val="black"/>
+                </a:solidFill>
+                <a:cs typeface="Arial" pitchFamily="34" charset="0"/>
+              </a:rPr>
+              <a:t> </a:t>
+            </a:r>
+            <a:r>
+              <a:rPr lang="it-IT" altLang="it-IT" sz="2000" dirty="0" err="1">
+                <a:solidFill>
+                  <a:prstClr val="black"/>
+                </a:solidFill>
+                <a:cs typeface="Arial" pitchFamily="34" charset="0"/>
+              </a:rPr>
+              <a:t>communication</a:t>
+            </a:r>
+            <a:r>
+              <a:rPr lang="it-IT" altLang="it-IT" sz="2000" dirty="0">
+                <a:solidFill>
+                  <a:prstClr val="black"/>
+                </a:solidFill>
+                <a:cs typeface="Arial" pitchFamily="34" charset="0"/>
+              </a:rPr>
+              <a:t> ("</a:t>
+            </a:r>
+            <a:r>
+              <a:rPr lang="it-IT" altLang="it-IT" sz="2000" dirty="0" err="1">
+                <a:solidFill>
+                  <a:prstClr val="black"/>
+                </a:solidFill>
+                <a:cs typeface="Arial" pitchFamily="34" charset="0"/>
+              </a:rPr>
+              <a:t>ros_car_key</a:t>
+            </a:r>
+            <a:r>
+              <a:rPr lang="it-IT" altLang="it-IT" sz="2000" dirty="0" smtClean="0">
+                <a:solidFill>
+                  <a:prstClr val="black"/>
+                </a:solidFill>
+                <a:cs typeface="Arial" pitchFamily="34" charset="0"/>
+              </a:rPr>
+              <a:t>").</a:t>
+            </a:r>
+            <a:endParaRPr lang="it-IT" altLang="it-IT" sz="2000" dirty="0">
+              <a:solidFill>
+                <a:prstClr val="black"/>
+              </a:solidFill>
+              <a:cs typeface="Arial" pitchFamily="34" charset="0"/>
+            </a:endParaRPr>
+          </a:p>
+        </p:txBody>
+      </p:sp>
+      <p:sp>
+        <p:nvSpPr>
+          <p:cNvPr id="14" name="Rettangolo 13"/>
+          <p:cNvSpPr/>
+          <p:nvPr/>
+        </p:nvSpPr>
+        <p:spPr>
+          <a:xfrm>
+            <a:off x="10363200" y="3495873"/>
+            <a:ext cx="7239000" cy="3970318"/>
+          </a:xfrm>
+          <a:prstGeom prst="rect">
+            <a:avLst/>
+          </a:prstGeom>
+        </p:spPr>
+        <p:txBody>
+          <a:bodyPr wrap="square">
+            <a:spAutoFit/>
+          </a:bodyPr>
+          <a:lstStyle/>
+          <a:p>
+            <a:pPr marL="342900" lvl="0" indent="-342900" fontAlgn="base">
+              <a:spcBef>
+                <a:spcPct val="0"/>
+              </a:spcBef>
+              <a:spcAft>
+                <a:spcPct val="0"/>
+              </a:spcAft>
+              <a:buFont typeface="Arial" panose="020B0604020202020204" pitchFamily="34" charset="0"/>
+              <a:buChar char="•"/>
+            </a:pPr>
+            <a:r>
+              <a:rPr lang="it-IT" altLang="it-IT" b="1" dirty="0" err="1">
+                <a:solidFill>
+                  <a:prstClr val="black"/>
+                </a:solidFill>
+                <a:cs typeface="Arial" pitchFamily="34" charset="0"/>
+              </a:rPr>
+              <a:t>start_params.yaml</a:t>
+            </a:r>
+            <a:r>
+              <a:rPr lang="it-IT" altLang="it-IT" b="1" dirty="0">
+                <a:solidFill>
+                  <a:prstClr val="black"/>
+                </a:solidFill>
+                <a:cs typeface="Arial" pitchFamily="34" charset="0"/>
+              </a:rPr>
+              <a:t>:</a:t>
+            </a:r>
+          </a:p>
+          <a:p>
+            <a:pPr lvl="0" fontAlgn="base">
+              <a:spcBef>
+                <a:spcPct val="0"/>
+              </a:spcBef>
+              <a:spcAft>
+                <a:spcPct val="0"/>
+              </a:spcAft>
+            </a:pPr>
+            <a:r>
+              <a:rPr lang="it-IT" altLang="it-IT" dirty="0">
+                <a:solidFill>
+                  <a:prstClr val="black"/>
+                </a:solidFill>
+                <a:cs typeface="Arial" pitchFamily="34" charset="0"/>
+              </a:rPr>
+              <a:t>	</a:t>
+            </a:r>
+            <a:r>
+              <a:rPr lang="it-IT" altLang="it-IT" b="1" dirty="0" err="1">
+                <a:solidFill>
+                  <a:prstClr val="black"/>
+                </a:solidFill>
+                <a:cs typeface="Arial" pitchFamily="34" charset="0"/>
+              </a:rPr>
+              <a:t>initial_x</a:t>
+            </a:r>
+            <a:r>
+              <a:rPr lang="it-IT" altLang="it-IT" b="1" dirty="0">
+                <a:solidFill>
+                  <a:prstClr val="black"/>
+                </a:solidFill>
+                <a:cs typeface="Arial" pitchFamily="34" charset="0"/>
+              </a:rPr>
+              <a:t>: </a:t>
+            </a:r>
+            <a:r>
+              <a:rPr lang="it-IT" altLang="it-IT" dirty="0" err="1">
+                <a:solidFill>
+                  <a:prstClr val="black"/>
+                </a:solidFill>
+                <a:cs typeface="Arial" pitchFamily="34" charset="0"/>
+              </a:rPr>
+              <a:t>Initial</a:t>
+            </a:r>
+            <a:r>
+              <a:rPr lang="it-IT" altLang="it-IT" dirty="0">
+                <a:solidFill>
+                  <a:prstClr val="black"/>
+                </a:solidFill>
+                <a:cs typeface="Arial" pitchFamily="34" charset="0"/>
+              </a:rPr>
+              <a:t> x-coordinate for </a:t>
+            </a:r>
+            <a:r>
+              <a:rPr lang="it-IT" altLang="it-IT" dirty="0" err="1">
+                <a:solidFill>
+                  <a:prstClr val="black"/>
+                </a:solidFill>
+                <a:cs typeface="Arial" pitchFamily="34" charset="0"/>
+              </a:rPr>
+              <a:t>spawning</a:t>
+            </a:r>
+            <a:r>
+              <a:rPr lang="it-IT" altLang="it-IT" dirty="0">
+                <a:solidFill>
+                  <a:prstClr val="black"/>
+                </a:solidFill>
+                <a:cs typeface="Arial" pitchFamily="34" charset="0"/>
+              </a:rPr>
+              <a:t> (0.0 m).</a:t>
+            </a:r>
+          </a:p>
+          <a:p>
+            <a:pPr lvl="0" fontAlgn="base">
+              <a:spcBef>
+                <a:spcPct val="0"/>
+              </a:spcBef>
+              <a:spcAft>
+                <a:spcPct val="0"/>
+              </a:spcAft>
+            </a:pPr>
+            <a:r>
+              <a:rPr lang="it-IT" altLang="it-IT" dirty="0">
+                <a:solidFill>
+                  <a:prstClr val="black"/>
+                </a:solidFill>
+                <a:cs typeface="Arial" pitchFamily="34" charset="0"/>
+              </a:rPr>
+              <a:t>	</a:t>
+            </a:r>
+            <a:r>
+              <a:rPr lang="it-IT" altLang="it-IT" b="1" dirty="0" err="1">
+                <a:solidFill>
+                  <a:prstClr val="black"/>
+                </a:solidFill>
+                <a:cs typeface="Arial" pitchFamily="34" charset="0"/>
+              </a:rPr>
+              <a:t>initial_y</a:t>
+            </a:r>
+            <a:r>
+              <a:rPr lang="it-IT" altLang="it-IT" b="1" dirty="0">
+                <a:solidFill>
+                  <a:prstClr val="black"/>
+                </a:solidFill>
+                <a:cs typeface="Arial" pitchFamily="34" charset="0"/>
+              </a:rPr>
+              <a:t>: </a:t>
+            </a:r>
+            <a:r>
+              <a:rPr lang="it-IT" altLang="it-IT" dirty="0" err="1">
+                <a:solidFill>
+                  <a:prstClr val="black"/>
+                </a:solidFill>
+                <a:cs typeface="Arial" pitchFamily="34" charset="0"/>
+              </a:rPr>
+              <a:t>Initial</a:t>
+            </a:r>
+            <a:r>
+              <a:rPr lang="it-IT" altLang="it-IT" dirty="0">
+                <a:solidFill>
+                  <a:prstClr val="black"/>
+                </a:solidFill>
+                <a:cs typeface="Arial" pitchFamily="34" charset="0"/>
+              </a:rPr>
+              <a:t> y-coordinate for </a:t>
+            </a:r>
+            <a:r>
+              <a:rPr lang="it-IT" altLang="it-IT" dirty="0" err="1">
+                <a:solidFill>
+                  <a:prstClr val="black"/>
+                </a:solidFill>
+                <a:cs typeface="Arial" pitchFamily="34" charset="0"/>
+              </a:rPr>
+              <a:t>spawning</a:t>
+            </a:r>
+            <a:r>
+              <a:rPr lang="it-IT" altLang="it-IT" dirty="0">
+                <a:solidFill>
+                  <a:prstClr val="black"/>
+                </a:solidFill>
+                <a:cs typeface="Arial" pitchFamily="34" charset="0"/>
+              </a:rPr>
+              <a:t> (0.0 m).</a:t>
+            </a:r>
+          </a:p>
+          <a:p>
+            <a:pPr lvl="0" fontAlgn="base">
+              <a:spcBef>
+                <a:spcPct val="0"/>
+              </a:spcBef>
+              <a:spcAft>
+                <a:spcPct val="0"/>
+              </a:spcAft>
+            </a:pPr>
+            <a:r>
+              <a:rPr lang="it-IT" altLang="it-IT" dirty="0">
+                <a:solidFill>
+                  <a:prstClr val="black"/>
+                </a:solidFill>
+                <a:cs typeface="Arial" pitchFamily="34" charset="0"/>
+              </a:rPr>
+              <a:t>	</a:t>
+            </a:r>
+            <a:r>
+              <a:rPr lang="it-IT" altLang="it-IT" b="1" dirty="0" err="1">
+                <a:solidFill>
+                  <a:prstClr val="black"/>
+                </a:solidFill>
+                <a:cs typeface="Arial" pitchFamily="34" charset="0"/>
+              </a:rPr>
+              <a:t>initial_yaw</a:t>
+            </a:r>
+            <a:r>
+              <a:rPr lang="it-IT" altLang="it-IT" b="1" dirty="0">
+                <a:solidFill>
+                  <a:prstClr val="black"/>
+                </a:solidFill>
+                <a:cs typeface="Arial" pitchFamily="34" charset="0"/>
+              </a:rPr>
+              <a:t>: </a:t>
+            </a:r>
+            <a:r>
+              <a:rPr lang="it-IT" altLang="it-IT" dirty="0" err="1">
+                <a:solidFill>
+                  <a:prstClr val="black"/>
+                </a:solidFill>
+                <a:cs typeface="Arial" pitchFamily="34" charset="0"/>
+              </a:rPr>
+              <a:t>Initial</a:t>
+            </a:r>
+            <a:r>
+              <a:rPr lang="it-IT" altLang="it-IT" dirty="0">
+                <a:solidFill>
+                  <a:prstClr val="black"/>
+                </a:solidFill>
+                <a:cs typeface="Arial" pitchFamily="34" charset="0"/>
+              </a:rPr>
+              <a:t> </a:t>
+            </a:r>
+            <a:r>
+              <a:rPr lang="it-IT" altLang="it-IT" dirty="0" err="1">
+                <a:solidFill>
+                  <a:prstClr val="black"/>
+                </a:solidFill>
+                <a:cs typeface="Arial" pitchFamily="34" charset="0"/>
+              </a:rPr>
+              <a:t>orientation</a:t>
+            </a:r>
+            <a:r>
+              <a:rPr lang="it-IT" altLang="it-IT" dirty="0">
+                <a:solidFill>
+                  <a:prstClr val="black"/>
+                </a:solidFill>
+                <a:cs typeface="Arial" pitchFamily="34" charset="0"/>
+              </a:rPr>
+              <a:t> (</a:t>
+            </a:r>
+            <a:r>
+              <a:rPr lang="it-IT" altLang="it-IT" dirty="0" err="1">
+                <a:solidFill>
+                  <a:prstClr val="black"/>
+                </a:solidFill>
+                <a:cs typeface="Arial" pitchFamily="34" charset="0"/>
+              </a:rPr>
+              <a:t>yaw</a:t>
+            </a:r>
+            <a:r>
+              <a:rPr lang="it-IT" altLang="it-IT" dirty="0">
+                <a:solidFill>
+                  <a:prstClr val="black"/>
+                </a:solidFill>
+                <a:cs typeface="Arial" pitchFamily="34" charset="0"/>
+              </a:rPr>
+              <a:t>) for </a:t>
+            </a:r>
+            <a:r>
+              <a:rPr lang="it-IT" altLang="it-IT" dirty="0" err="1">
+                <a:solidFill>
+                  <a:prstClr val="black"/>
+                </a:solidFill>
+                <a:cs typeface="Arial" pitchFamily="34" charset="0"/>
+              </a:rPr>
+              <a:t>spawning</a:t>
+            </a:r>
+            <a:r>
+              <a:rPr lang="it-IT" altLang="it-IT" dirty="0">
+                <a:solidFill>
+                  <a:prstClr val="black"/>
+                </a:solidFill>
+                <a:cs typeface="Arial" pitchFamily="34" charset="0"/>
+              </a:rPr>
+              <a:t> (0.0 </a:t>
+            </a:r>
+            <a:r>
+              <a:rPr lang="it-IT" altLang="it-IT" dirty="0" err="1">
+                <a:solidFill>
+                  <a:prstClr val="black"/>
+                </a:solidFill>
+                <a:cs typeface="Arial" pitchFamily="34" charset="0"/>
+              </a:rPr>
+              <a:t>rad</a:t>
+            </a:r>
+            <a:r>
+              <a:rPr lang="it-IT" altLang="it-IT" dirty="0" smtClean="0">
+                <a:solidFill>
+                  <a:prstClr val="black"/>
+                </a:solidFill>
+                <a:cs typeface="Arial" pitchFamily="34" charset="0"/>
+              </a:rPr>
+              <a:t>).</a:t>
+            </a:r>
+          </a:p>
+          <a:p>
+            <a:pPr lvl="0" fontAlgn="base">
+              <a:spcBef>
+                <a:spcPct val="0"/>
+              </a:spcBef>
+              <a:spcAft>
+                <a:spcPct val="0"/>
+              </a:spcAft>
+            </a:pPr>
+            <a:endParaRPr lang="en-US" b="1" dirty="0"/>
+          </a:p>
+          <a:p>
+            <a:pPr marL="285750" indent="-285750">
+              <a:buFont typeface="Arial" panose="020B0604020202020204" pitchFamily="34" charset="0"/>
+              <a:buChar char="•"/>
+            </a:pPr>
+            <a:r>
+              <a:rPr lang="en-US" b="1" dirty="0" err="1" smtClean="0"/>
+              <a:t>world_bounds.yaml</a:t>
+            </a:r>
+            <a:r>
+              <a:rPr lang="en-US" b="1" dirty="0"/>
+              <a:t>:</a:t>
+            </a:r>
+          </a:p>
+          <a:p>
+            <a:r>
+              <a:rPr lang="en-US" dirty="0"/>
+              <a:t>	</a:t>
+            </a:r>
+            <a:r>
+              <a:rPr lang="en-US" b="1" dirty="0" err="1" smtClean="0"/>
+              <a:t>current_waypoint</a:t>
+            </a:r>
+            <a:r>
+              <a:rPr lang="en-US" b="1" dirty="0"/>
+              <a:t>: </a:t>
+            </a:r>
+            <a:r>
+              <a:rPr lang="en-US" dirty="0"/>
+              <a:t>Current robot waypoint ([0.0, 0.0]).</a:t>
+            </a:r>
+          </a:p>
+          <a:p>
+            <a:r>
+              <a:rPr lang="en-US" dirty="0"/>
+              <a:t>	</a:t>
+            </a:r>
+            <a:r>
+              <a:rPr lang="en-US" b="1" dirty="0" err="1" smtClean="0"/>
+              <a:t>last_waypoint</a:t>
+            </a:r>
+            <a:r>
+              <a:rPr lang="en-US" b="1" dirty="0"/>
+              <a:t>: </a:t>
+            </a:r>
+            <a:r>
+              <a:rPr lang="en-US" dirty="0"/>
+              <a:t>Last reached waypoint ([-1.0, -1.0]).</a:t>
+            </a:r>
+          </a:p>
+          <a:p>
+            <a:r>
+              <a:rPr lang="en-US" dirty="0"/>
+              <a:t>	</a:t>
+            </a:r>
+            <a:r>
+              <a:rPr lang="en-US" b="1" dirty="0" err="1" smtClean="0"/>
+              <a:t>next_waypoint</a:t>
+            </a:r>
+            <a:r>
+              <a:rPr lang="en-US" b="1" dirty="0"/>
+              <a:t>: </a:t>
+            </a:r>
+            <a:r>
+              <a:rPr lang="en-US" dirty="0"/>
+              <a:t>Next target waypoint ([2.0, 1.5]).</a:t>
+            </a:r>
+          </a:p>
+          <a:p>
+            <a:r>
+              <a:rPr lang="en-US" dirty="0"/>
+              <a:t>	</a:t>
+            </a:r>
+            <a:r>
+              <a:rPr lang="en-US" b="1" dirty="0" err="1" smtClean="0"/>
+              <a:t>alignment_tolerance</a:t>
+            </a:r>
+            <a:r>
+              <a:rPr lang="en-US" b="1" dirty="0"/>
+              <a:t>: </a:t>
+            </a:r>
+            <a:r>
+              <a:rPr lang="en-US" dirty="0"/>
+              <a:t>Tolerance for waypoint alignment (0.2 m).</a:t>
+            </a:r>
+          </a:p>
+          <a:p>
+            <a:r>
+              <a:rPr lang="en-US" dirty="0"/>
+              <a:t>	</a:t>
+            </a:r>
+            <a:r>
+              <a:rPr lang="en-US" b="1" dirty="0" err="1" smtClean="0"/>
+              <a:t>arrival_threshold</a:t>
+            </a:r>
+            <a:r>
+              <a:rPr lang="en-US" b="1" dirty="0"/>
+              <a:t>: </a:t>
+            </a:r>
+            <a:r>
+              <a:rPr lang="en-US" dirty="0"/>
+              <a:t>Threshold for arrival at a waypoint (0.3 m</a:t>
+            </a:r>
+            <a:r>
+              <a:rPr lang="en-US" dirty="0" smtClean="0"/>
+              <a:t>).</a:t>
+            </a:r>
+          </a:p>
+          <a:p>
+            <a:endParaRPr lang="en-US" dirty="0"/>
+          </a:p>
+          <a:p>
+            <a:r>
+              <a:rPr lang="en-US" dirty="0"/>
+              <a:t>	</a:t>
+            </a:r>
+            <a:r>
+              <a:rPr lang="en-US" b="1" dirty="0" err="1" smtClean="0"/>
+              <a:t>x_min</a:t>
+            </a:r>
+            <a:r>
+              <a:rPr lang="en-US" b="1" dirty="0"/>
+              <a:t>, </a:t>
+            </a:r>
+            <a:r>
+              <a:rPr lang="en-US" b="1" dirty="0" err="1"/>
+              <a:t>x_max</a:t>
+            </a:r>
+            <a:r>
+              <a:rPr lang="en-US" b="1" dirty="0"/>
+              <a:t>: </a:t>
+            </a:r>
+            <a:r>
+              <a:rPr lang="en-US" dirty="0"/>
+              <a:t>X-axis world boundaries (-3.3 to 3.3).</a:t>
+            </a:r>
+          </a:p>
+          <a:p>
+            <a:r>
+              <a:rPr lang="en-US" dirty="0"/>
+              <a:t>	</a:t>
+            </a:r>
+            <a:r>
+              <a:rPr lang="en-US" b="1" dirty="0" err="1" smtClean="0"/>
+              <a:t>y_min</a:t>
+            </a:r>
+            <a:r>
+              <a:rPr lang="en-US" b="1" dirty="0"/>
+              <a:t>, </a:t>
+            </a:r>
+            <a:r>
+              <a:rPr lang="en-US" b="1" dirty="0" err="1"/>
+              <a:t>y_max</a:t>
+            </a:r>
+            <a:r>
+              <a:rPr lang="en-US" b="1" dirty="0"/>
+              <a:t>: </a:t>
+            </a:r>
+            <a:r>
+              <a:rPr lang="en-US" dirty="0"/>
+              <a:t>Y-axis world boundaries (-3.3 to 3.3).</a:t>
+            </a:r>
+          </a:p>
+        </p:txBody>
+      </p:sp>
+      <p:sp>
+        <p:nvSpPr>
+          <p:cNvPr id="15" name="CasellaDiTesto 14"/>
+          <p:cNvSpPr txBox="1"/>
+          <p:nvPr/>
+        </p:nvSpPr>
+        <p:spPr>
+          <a:xfrm>
+            <a:off x="7137837" y="8507968"/>
+            <a:ext cx="4152900" cy="369332"/>
+          </a:xfrm>
+          <a:prstGeom prst="rect">
+            <a:avLst/>
+          </a:prstGeom>
+          <a:noFill/>
+        </p:spPr>
+        <p:txBody>
+          <a:bodyPr wrap="square" rtlCol="0">
+            <a:spAutoFit/>
+          </a:bodyPr>
+          <a:lstStyle/>
+          <a:p>
+            <a:pPr algn="ctr"/>
+            <a:r>
+              <a:rPr lang="it-IT" b="1" i="1" dirty="0" smtClean="0"/>
+              <a:t>«some </a:t>
+            </a:r>
+            <a:r>
+              <a:rPr lang="it-IT" b="1" i="1" dirty="0" err="1"/>
+              <a:t>parameters</a:t>
+            </a:r>
+            <a:r>
+              <a:rPr lang="it-IT" b="1" i="1" dirty="0"/>
+              <a:t> are </a:t>
+            </a:r>
+            <a:r>
+              <a:rPr lang="it-IT" b="1" i="1" dirty="0" err="1" smtClean="0"/>
+              <a:t>implicit</a:t>
+            </a:r>
+            <a:r>
+              <a:rPr lang="it-IT" b="1" i="1" dirty="0" smtClean="0"/>
+              <a:t>»</a:t>
+            </a:r>
+            <a:endParaRPr lang="it-IT" b="1" i="1" dirty="0"/>
+          </a:p>
+        </p:txBody>
+      </p:sp>
+    </p:spTree>
+    <p:extLst>
+      <p:ext uri="{BB962C8B-B14F-4D97-AF65-F5344CB8AC3E}">
+        <p14:creationId xmlns:p14="http://schemas.microsoft.com/office/powerpoint/2010/main" val="2844807927"/>
+      </p:ext>
+    </p:extLst>
+  </p:cSld>
+  <p:clrMapOvr>
+    <a:masterClrMapping/>
+  </p:clrMapOvr>
+  <p:timing>
+    <p:tnLst>
+      <p:par>
+        <p:cTn id="1" dur="indefinite" restart="never" nodeType="tmRoot">
+          <p:childTnLst>
+            <p:seq concurrent="1" nextAc="seek">
+              <p:cTn id="2" dur="indefinite" nodeType="mainSeq">
+                <p:childTnLst>
+                  <p:par>
+                    <p:cTn id="3" fill="hold">
+                      <p:stCondLst>
+                        <p:cond delay="indefinite"/>
+                      </p:stCondLst>
+                      <p:childTnLst>
+                        <p:par>
+                          <p:cTn id="4" fill="hold">
+                            <p:stCondLst>
+                              <p:cond delay="0"/>
+                            </p:stCondLst>
+                            <p:childTnLst>
+                              <p:par>
+                                <p:cTn id="5" presetID="1" presetClass="entr" presetSubtype="0" fill="hold" nodeType="clickEffect">
+                                  <p:stCondLst>
+                                    <p:cond delay="0"/>
+                                  </p:stCondLst>
+                                  <p:childTnLst>
+                                    <p:set>
+                                      <p:cBhvr>
+                                        <p:cTn id="6" dur="1" fill="hold">
+                                          <p:stCondLst>
+                                            <p:cond delay="0"/>
+                                          </p:stCondLst>
+                                        </p:cTn>
+                                        <p:tgtEl>
+                                          <p:spTgt spid="13">
+                                            <p:txEl>
+                                              <p:pRg st="0" end="0"/>
+                                            </p:txEl>
+                                          </p:spTgt>
+                                        </p:tgtEl>
+                                        <p:attrNameLst>
+                                          <p:attrName>style.visibility</p:attrName>
+                                        </p:attrNameLst>
+                                      </p:cBhvr>
+                                      <p:to>
+                                        <p:strVal val="visible"/>
+                                      </p:to>
+                                    </p:set>
+                                  </p:childTnLst>
+                                </p:cTn>
+                              </p:par>
+                              <p:par>
+                                <p:cTn id="7" presetID="1" presetClass="entr" presetSubtype="0" fill="hold" nodeType="withEffect">
+                                  <p:stCondLst>
+                                    <p:cond delay="0"/>
+                                  </p:stCondLst>
+                                  <p:childTnLst>
+                                    <p:set>
+                                      <p:cBhvr>
+                                        <p:cTn id="8" dur="1" fill="hold">
+                                          <p:stCondLst>
+                                            <p:cond delay="0"/>
+                                          </p:stCondLst>
+                                        </p:cTn>
+                                        <p:tgtEl>
+                                          <p:spTgt spid="13">
+                                            <p:txEl>
+                                              <p:pRg st="1" end="1"/>
+                                            </p:txEl>
+                                          </p:spTgt>
+                                        </p:tgtEl>
+                                        <p:attrNameLst>
+                                          <p:attrName>style.visibility</p:attrName>
+                                        </p:attrNameLst>
+                                      </p:cBhvr>
+                                      <p:to>
+                                        <p:strVal val="visible"/>
+                                      </p:to>
+                                    </p:set>
+                                  </p:childTnLst>
+                                </p:cTn>
+                              </p:par>
+                              <p:par>
+                                <p:cTn id="9" presetID="1" presetClass="entr" presetSubtype="0" fill="hold" nodeType="withEffect">
+                                  <p:stCondLst>
+                                    <p:cond delay="0"/>
+                                  </p:stCondLst>
+                                  <p:childTnLst>
+                                    <p:set>
+                                      <p:cBhvr>
+                                        <p:cTn id="10" dur="1" fill="hold">
+                                          <p:stCondLst>
+                                            <p:cond delay="0"/>
+                                          </p:stCondLst>
+                                        </p:cTn>
+                                        <p:tgtEl>
+                                          <p:spTgt spid="13">
+                                            <p:txEl>
+                                              <p:pRg st="2" end="2"/>
+                                            </p:txEl>
+                                          </p:spTgt>
+                                        </p:tgtEl>
+                                        <p:attrNameLst>
+                                          <p:attrName>style.visibility</p:attrName>
+                                        </p:attrNameLst>
+                                      </p:cBhvr>
+                                      <p:to>
+                                        <p:strVal val="visible"/>
+                                      </p:to>
+                                    </p:set>
+                                  </p:childTnLst>
+                                </p:cTn>
+                              </p:par>
+                              <p:par>
+                                <p:cTn id="11" presetID="1" presetClass="entr" presetSubtype="0" fill="hold" nodeType="withEffect">
+                                  <p:stCondLst>
+                                    <p:cond delay="0"/>
+                                  </p:stCondLst>
+                                  <p:childTnLst>
+                                    <p:set>
+                                      <p:cBhvr>
+                                        <p:cTn id="12" dur="1" fill="hold">
+                                          <p:stCondLst>
+                                            <p:cond delay="0"/>
+                                          </p:stCondLst>
+                                        </p:cTn>
+                                        <p:tgtEl>
+                                          <p:spTgt spid="13">
+                                            <p:txEl>
+                                              <p:pRg st="3" end="3"/>
+                                            </p:txEl>
+                                          </p:spTgt>
+                                        </p:tgtEl>
+                                        <p:attrNameLst>
+                                          <p:attrName>style.visibility</p:attrName>
+                                        </p:attrNameLst>
+                                      </p:cBhvr>
+                                      <p:to>
+                                        <p:strVal val="visible"/>
+                                      </p:to>
+                                    </p:set>
+                                  </p:childTnLst>
+                                </p:cTn>
+                              </p:par>
+                              <p:par>
+                                <p:cTn id="13" presetID="1" presetClass="entr" presetSubtype="0" fill="hold" nodeType="withEffect">
+                                  <p:stCondLst>
+                                    <p:cond delay="0"/>
+                                  </p:stCondLst>
+                                  <p:childTnLst>
+                                    <p:set>
+                                      <p:cBhvr>
+                                        <p:cTn id="14" dur="1" fill="hold">
+                                          <p:stCondLst>
+                                            <p:cond delay="0"/>
+                                          </p:stCondLst>
+                                        </p:cTn>
+                                        <p:tgtEl>
+                                          <p:spTgt spid="13">
+                                            <p:txEl>
+                                              <p:pRg st="4" end="4"/>
+                                            </p:txEl>
+                                          </p:spTgt>
+                                        </p:tgtEl>
+                                        <p:attrNameLst>
+                                          <p:attrName>style.visibility</p:attrName>
+                                        </p:attrNameLst>
+                                      </p:cBhvr>
+                                      <p:to>
+                                        <p:strVal val="visible"/>
+                                      </p:to>
+                                    </p:set>
+                                  </p:childTnLst>
+                                </p:cTn>
+                              </p:par>
+                              <p:par>
+                                <p:cTn id="15" presetID="1" presetClass="entr" presetSubtype="0" fill="hold" nodeType="withEffect">
+                                  <p:stCondLst>
+                                    <p:cond delay="0"/>
+                                  </p:stCondLst>
+                                  <p:childTnLst>
+                                    <p:set>
+                                      <p:cBhvr>
+                                        <p:cTn id="16" dur="1" fill="hold">
+                                          <p:stCondLst>
+                                            <p:cond delay="0"/>
+                                          </p:stCondLst>
+                                        </p:cTn>
+                                        <p:tgtEl>
+                                          <p:spTgt spid="13">
+                                            <p:txEl>
+                                              <p:pRg st="5" end="5"/>
+                                            </p:txEl>
+                                          </p:spTgt>
+                                        </p:tgtEl>
+                                        <p:attrNameLst>
+                                          <p:attrName>style.visibility</p:attrName>
+                                        </p:attrNameLst>
+                                      </p:cBhvr>
+                                      <p:to>
+                                        <p:strVal val="visible"/>
+                                      </p:to>
+                                    </p:set>
+                                  </p:childTnLst>
+                                </p:cTn>
+                              </p:par>
+                              <p:par>
+                                <p:cTn id="17" presetID="1" presetClass="entr" presetSubtype="0" fill="hold" nodeType="withEffect">
+                                  <p:stCondLst>
+                                    <p:cond delay="0"/>
+                                  </p:stCondLst>
+                                  <p:childTnLst>
+                                    <p:set>
+                                      <p:cBhvr>
+                                        <p:cTn id="18" dur="1" fill="hold">
+                                          <p:stCondLst>
+                                            <p:cond delay="0"/>
+                                          </p:stCondLst>
+                                        </p:cTn>
+                                        <p:tgtEl>
+                                          <p:spTgt spid="13">
+                                            <p:txEl>
+                                              <p:pRg st="6" end="6"/>
+                                            </p:txEl>
+                                          </p:spTgt>
+                                        </p:tgtEl>
+                                        <p:attrNameLst>
+                                          <p:attrName>style.visibility</p:attrName>
+                                        </p:attrNameLst>
+                                      </p:cBhvr>
+                                      <p:to>
+                                        <p:strVal val="visible"/>
+                                      </p:to>
+                                    </p:set>
+                                  </p:childTnLst>
+                                </p:cTn>
+                              </p:par>
+                              <p:par>
+                                <p:cTn id="19" presetID="1" presetClass="entr" presetSubtype="0" fill="hold" nodeType="withEffect">
+                                  <p:stCondLst>
+                                    <p:cond delay="0"/>
+                                  </p:stCondLst>
+                                  <p:childTnLst>
+                                    <p:set>
+                                      <p:cBhvr>
+                                        <p:cTn id="20" dur="1" fill="hold">
+                                          <p:stCondLst>
+                                            <p:cond delay="0"/>
+                                          </p:stCondLst>
+                                        </p:cTn>
+                                        <p:tgtEl>
+                                          <p:spTgt spid="13">
+                                            <p:txEl>
+                                              <p:pRg st="8" end="8"/>
+                                            </p:txEl>
+                                          </p:spTgt>
+                                        </p:tgtEl>
+                                        <p:attrNameLst>
+                                          <p:attrName>style.visibility</p:attrName>
+                                        </p:attrNameLst>
+                                      </p:cBhvr>
+                                      <p:to>
+                                        <p:strVal val="visible"/>
+                                      </p:to>
+                                    </p:set>
+                                  </p:childTnLst>
+                                </p:cTn>
+                              </p:par>
+                              <p:par>
+                                <p:cTn id="21" presetID="1" presetClass="entr" presetSubtype="0" fill="hold" nodeType="withEffect">
+                                  <p:stCondLst>
+                                    <p:cond delay="0"/>
+                                  </p:stCondLst>
+                                  <p:childTnLst>
+                                    <p:set>
+                                      <p:cBhvr>
+                                        <p:cTn id="22" dur="1" fill="hold">
+                                          <p:stCondLst>
+                                            <p:cond delay="0"/>
+                                          </p:stCondLst>
+                                        </p:cTn>
+                                        <p:tgtEl>
+                                          <p:spTgt spid="13">
+                                            <p:txEl>
+                                              <p:pRg st="9" end="9"/>
+                                            </p:txEl>
+                                          </p:spTgt>
+                                        </p:tgtEl>
+                                        <p:attrNameLst>
+                                          <p:attrName>style.visibility</p:attrName>
+                                        </p:attrNameLst>
+                                      </p:cBhvr>
+                                      <p:to>
+                                        <p:strVal val="visible"/>
+                                      </p:to>
+                                    </p:set>
+                                  </p:childTnLst>
+                                </p:cTn>
+                              </p:par>
+                              <p:par>
+                                <p:cTn id="23" presetID="1" presetClass="entr" presetSubtype="0" fill="hold" nodeType="withEffect">
+                                  <p:stCondLst>
+                                    <p:cond delay="0"/>
+                                  </p:stCondLst>
+                                  <p:childTnLst>
+                                    <p:set>
+                                      <p:cBhvr>
+                                        <p:cTn id="24" dur="1" fill="hold">
+                                          <p:stCondLst>
+                                            <p:cond delay="0"/>
+                                          </p:stCondLst>
+                                        </p:cTn>
+                                        <p:tgtEl>
+                                          <p:spTgt spid="13">
+                                            <p:txEl>
+                                              <p:pRg st="10" end="10"/>
+                                            </p:txEl>
+                                          </p:spTgt>
+                                        </p:tgtEl>
+                                        <p:attrNameLst>
+                                          <p:attrName>style.visibility</p:attrName>
+                                        </p:attrNameLst>
+                                      </p:cBhvr>
+                                      <p:to>
+                                        <p:strVal val="visible"/>
+                                      </p:to>
+                                    </p:set>
+                                  </p:childTnLst>
+                                </p:cTn>
+                              </p:par>
+                            </p:childTnLst>
+                          </p:cTn>
+                        </p:par>
+                      </p:childTnLst>
+                    </p:cTn>
+                  </p:par>
+                  <p:par>
+                    <p:cTn id="25" fill="hold">
+                      <p:stCondLst>
+                        <p:cond delay="indefinite"/>
+                      </p:stCondLst>
+                      <p:childTnLst>
+                        <p:par>
+                          <p:cTn id="26" fill="hold">
+                            <p:stCondLst>
+                              <p:cond delay="0"/>
+                            </p:stCondLst>
+                            <p:childTnLst>
+                              <p:par>
+                                <p:cTn id="27" presetID="1" presetClass="entr" presetSubtype="0" fill="hold" nodeType="clickEffect">
+                                  <p:stCondLst>
+                                    <p:cond delay="0"/>
+                                  </p:stCondLst>
+                                  <p:childTnLst>
+                                    <p:set>
+                                      <p:cBhvr>
+                                        <p:cTn id="28" dur="1" fill="hold">
+                                          <p:stCondLst>
+                                            <p:cond delay="0"/>
+                                          </p:stCondLst>
+                                        </p:cTn>
+                                        <p:tgtEl>
+                                          <p:spTgt spid="13">
+                                            <p:txEl>
+                                              <p:pRg st="12" end="12"/>
+                                            </p:txEl>
+                                          </p:spTgt>
+                                        </p:tgtEl>
+                                        <p:attrNameLst>
+                                          <p:attrName>style.visibility</p:attrName>
+                                        </p:attrNameLst>
+                                      </p:cBhvr>
+                                      <p:to>
+                                        <p:strVal val="visible"/>
+                                      </p:to>
+                                    </p:set>
+                                  </p:childTnLst>
+                                </p:cTn>
+                              </p:par>
+                              <p:par>
+                                <p:cTn id="29" presetID="1" presetClass="entr" presetSubtype="0" fill="hold" nodeType="withEffect">
+                                  <p:stCondLst>
+                                    <p:cond delay="0"/>
+                                  </p:stCondLst>
+                                  <p:childTnLst>
+                                    <p:set>
+                                      <p:cBhvr>
+                                        <p:cTn id="30" dur="1" fill="hold">
+                                          <p:stCondLst>
+                                            <p:cond delay="0"/>
+                                          </p:stCondLst>
+                                        </p:cTn>
+                                        <p:tgtEl>
+                                          <p:spTgt spid="13">
+                                            <p:txEl>
+                                              <p:pRg st="13" end="13"/>
+                                            </p:txEl>
+                                          </p:spTgt>
+                                        </p:tgtEl>
+                                        <p:attrNameLst>
+                                          <p:attrName>style.visibility</p:attrName>
+                                        </p:attrNameLst>
+                                      </p:cBhvr>
+                                      <p:to>
+                                        <p:strVal val="visible"/>
+                                      </p:to>
+                                    </p:set>
+                                  </p:childTnLst>
+                                </p:cTn>
+                              </p:par>
+                            </p:childTnLst>
+                          </p:cTn>
+                        </p:par>
+                      </p:childTnLst>
+                    </p:cTn>
+                  </p:par>
+                  <p:par>
+                    <p:cTn id="31" fill="hold">
+                      <p:stCondLst>
+                        <p:cond delay="indefinite"/>
+                      </p:stCondLst>
+                      <p:childTnLst>
+                        <p:par>
+                          <p:cTn id="32" fill="hold">
+                            <p:stCondLst>
+                              <p:cond delay="0"/>
+                            </p:stCondLst>
+                            <p:childTnLst>
+                              <p:par>
+                                <p:cTn id="33" presetID="1" presetClass="entr" presetSubtype="0" fill="hold" nodeType="clickEffect">
+                                  <p:stCondLst>
+                                    <p:cond delay="0"/>
+                                  </p:stCondLst>
+                                  <p:childTnLst>
+                                    <p:set>
+                                      <p:cBhvr>
+                                        <p:cTn id="34" dur="1" fill="hold">
+                                          <p:stCondLst>
+                                            <p:cond delay="0"/>
+                                          </p:stCondLst>
+                                        </p:cTn>
+                                        <p:tgtEl>
+                                          <p:spTgt spid="14">
+                                            <p:txEl>
+                                              <p:pRg st="0" end="0"/>
+                                            </p:txEl>
+                                          </p:spTgt>
+                                        </p:tgtEl>
+                                        <p:attrNameLst>
+                                          <p:attrName>style.visibility</p:attrName>
+                                        </p:attrNameLst>
+                                      </p:cBhvr>
+                                      <p:to>
+                                        <p:strVal val="visible"/>
+                                      </p:to>
+                                    </p:set>
+                                  </p:childTnLst>
+                                </p:cTn>
+                              </p:par>
+                              <p:par>
+                                <p:cTn id="35" presetID="1" presetClass="entr" presetSubtype="0" fill="hold" nodeType="withEffect">
+                                  <p:stCondLst>
+                                    <p:cond delay="0"/>
+                                  </p:stCondLst>
+                                  <p:childTnLst>
+                                    <p:set>
+                                      <p:cBhvr>
+                                        <p:cTn id="36" dur="1" fill="hold">
+                                          <p:stCondLst>
+                                            <p:cond delay="0"/>
+                                          </p:stCondLst>
+                                        </p:cTn>
+                                        <p:tgtEl>
+                                          <p:spTgt spid="14">
+                                            <p:txEl>
+                                              <p:pRg st="1" end="1"/>
+                                            </p:txEl>
+                                          </p:spTgt>
+                                        </p:tgtEl>
+                                        <p:attrNameLst>
+                                          <p:attrName>style.visibility</p:attrName>
+                                        </p:attrNameLst>
+                                      </p:cBhvr>
+                                      <p:to>
+                                        <p:strVal val="visible"/>
+                                      </p:to>
+                                    </p:set>
+                                  </p:childTnLst>
+                                </p:cTn>
+                              </p:par>
+                              <p:par>
+                                <p:cTn id="37" presetID="1" presetClass="entr" presetSubtype="0" fill="hold" nodeType="withEffect">
+                                  <p:stCondLst>
+                                    <p:cond delay="0"/>
+                                  </p:stCondLst>
+                                  <p:childTnLst>
+                                    <p:set>
+                                      <p:cBhvr>
+                                        <p:cTn id="38" dur="1" fill="hold">
+                                          <p:stCondLst>
+                                            <p:cond delay="0"/>
+                                          </p:stCondLst>
+                                        </p:cTn>
+                                        <p:tgtEl>
+                                          <p:spTgt spid="14">
+                                            <p:txEl>
+                                              <p:pRg st="2" end="2"/>
+                                            </p:txEl>
+                                          </p:spTgt>
+                                        </p:tgtEl>
+                                        <p:attrNameLst>
+                                          <p:attrName>style.visibility</p:attrName>
+                                        </p:attrNameLst>
+                                      </p:cBhvr>
+                                      <p:to>
+                                        <p:strVal val="visible"/>
+                                      </p:to>
+                                    </p:set>
+                                  </p:childTnLst>
+                                </p:cTn>
+                              </p:par>
+                              <p:par>
+                                <p:cTn id="39" presetID="1" presetClass="entr" presetSubtype="0" fill="hold" nodeType="withEffect">
+                                  <p:stCondLst>
+                                    <p:cond delay="0"/>
+                                  </p:stCondLst>
+                                  <p:childTnLst>
+                                    <p:set>
+                                      <p:cBhvr>
+                                        <p:cTn id="40" dur="1" fill="hold">
+                                          <p:stCondLst>
+                                            <p:cond delay="0"/>
+                                          </p:stCondLst>
+                                        </p:cTn>
+                                        <p:tgtEl>
+                                          <p:spTgt spid="14">
+                                            <p:txEl>
+                                              <p:pRg st="3" end="3"/>
+                                            </p:txEl>
+                                          </p:spTgt>
+                                        </p:tgtEl>
+                                        <p:attrNameLst>
+                                          <p:attrName>style.visibility</p:attrName>
+                                        </p:attrNameLst>
+                                      </p:cBhvr>
+                                      <p:to>
+                                        <p:strVal val="visible"/>
+                                      </p:to>
+                                    </p:set>
+                                  </p:childTnLst>
+                                </p:cTn>
+                              </p:par>
+                            </p:childTnLst>
+                          </p:cTn>
+                        </p:par>
+                      </p:childTnLst>
+                    </p:cTn>
+                  </p:par>
+                  <p:par>
+                    <p:cTn id="41" fill="hold">
+                      <p:stCondLst>
+                        <p:cond delay="indefinite"/>
+                      </p:stCondLst>
+                      <p:childTnLst>
+                        <p:par>
+                          <p:cTn id="42" fill="hold">
+                            <p:stCondLst>
+                              <p:cond delay="0"/>
+                            </p:stCondLst>
+                            <p:childTnLst>
+                              <p:par>
+                                <p:cTn id="43" presetID="1" presetClass="entr" presetSubtype="0" fill="hold" nodeType="clickEffect">
+                                  <p:stCondLst>
+                                    <p:cond delay="0"/>
+                                  </p:stCondLst>
+                                  <p:childTnLst>
+                                    <p:set>
+                                      <p:cBhvr>
+                                        <p:cTn id="44" dur="1" fill="hold">
+                                          <p:stCondLst>
+                                            <p:cond delay="0"/>
+                                          </p:stCondLst>
+                                        </p:cTn>
+                                        <p:tgtEl>
+                                          <p:spTgt spid="14">
+                                            <p:txEl>
+                                              <p:pRg st="5" end="5"/>
+                                            </p:txEl>
+                                          </p:spTgt>
+                                        </p:tgtEl>
+                                        <p:attrNameLst>
+                                          <p:attrName>style.visibility</p:attrName>
+                                        </p:attrNameLst>
+                                      </p:cBhvr>
+                                      <p:to>
+                                        <p:strVal val="visible"/>
+                                      </p:to>
+                                    </p:set>
+                                  </p:childTnLst>
+                                </p:cTn>
+                              </p:par>
+                              <p:par>
+                                <p:cTn id="45" presetID="1" presetClass="entr" presetSubtype="0" fill="hold" nodeType="withEffect">
+                                  <p:stCondLst>
+                                    <p:cond delay="0"/>
+                                  </p:stCondLst>
+                                  <p:childTnLst>
+                                    <p:set>
+                                      <p:cBhvr>
+                                        <p:cTn id="46" dur="1" fill="hold">
+                                          <p:stCondLst>
+                                            <p:cond delay="0"/>
+                                          </p:stCondLst>
+                                        </p:cTn>
+                                        <p:tgtEl>
+                                          <p:spTgt spid="14">
+                                            <p:txEl>
+                                              <p:pRg st="6" end="6"/>
+                                            </p:txEl>
+                                          </p:spTgt>
+                                        </p:tgtEl>
+                                        <p:attrNameLst>
+                                          <p:attrName>style.visibility</p:attrName>
+                                        </p:attrNameLst>
+                                      </p:cBhvr>
+                                      <p:to>
+                                        <p:strVal val="visible"/>
+                                      </p:to>
+                                    </p:set>
+                                  </p:childTnLst>
+                                </p:cTn>
+                              </p:par>
+                              <p:par>
+                                <p:cTn id="47" presetID="1" presetClass="entr" presetSubtype="0" fill="hold" nodeType="withEffect">
+                                  <p:stCondLst>
+                                    <p:cond delay="0"/>
+                                  </p:stCondLst>
+                                  <p:childTnLst>
+                                    <p:set>
+                                      <p:cBhvr>
+                                        <p:cTn id="48" dur="1" fill="hold">
+                                          <p:stCondLst>
+                                            <p:cond delay="0"/>
+                                          </p:stCondLst>
+                                        </p:cTn>
+                                        <p:tgtEl>
+                                          <p:spTgt spid="14">
+                                            <p:txEl>
+                                              <p:pRg st="7" end="7"/>
+                                            </p:txEl>
+                                          </p:spTgt>
+                                        </p:tgtEl>
+                                        <p:attrNameLst>
+                                          <p:attrName>style.visibility</p:attrName>
+                                        </p:attrNameLst>
+                                      </p:cBhvr>
+                                      <p:to>
+                                        <p:strVal val="visible"/>
+                                      </p:to>
+                                    </p:set>
+                                  </p:childTnLst>
+                                </p:cTn>
+                              </p:par>
+                              <p:par>
+                                <p:cTn id="49" presetID="1" presetClass="entr" presetSubtype="0" fill="hold" nodeType="withEffect">
+                                  <p:stCondLst>
+                                    <p:cond delay="0"/>
+                                  </p:stCondLst>
+                                  <p:childTnLst>
+                                    <p:set>
+                                      <p:cBhvr>
+                                        <p:cTn id="50" dur="1" fill="hold">
+                                          <p:stCondLst>
+                                            <p:cond delay="0"/>
+                                          </p:stCondLst>
+                                        </p:cTn>
+                                        <p:tgtEl>
+                                          <p:spTgt spid="14">
+                                            <p:txEl>
+                                              <p:pRg st="8" end="8"/>
+                                            </p:txEl>
+                                          </p:spTgt>
+                                        </p:tgtEl>
+                                        <p:attrNameLst>
+                                          <p:attrName>style.visibility</p:attrName>
+                                        </p:attrNameLst>
+                                      </p:cBhvr>
+                                      <p:to>
+                                        <p:strVal val="visible"/>
+                                      </p:to>
+                                    </p:set>
+                                  </p:childTnLst>
+                                </p:cTn>
+                              </p:par>
+                              <p:par>
+                                <p:cTn id="51" presetID="1" presetClass="entr" presetSubtype="0" fill="hold" nodeType="withEffect">
+                                  <p:stCondLst>
+                                    <p:cond delay="0"/>
+                                  </p:stCondLst>
+                                  <p:childTnLst>
+                                    <p:set>
+                                      <p:cBhvr>
+                                        <p:cTn id="52" dur="1" fill="hold">
+                                          <p:stCondLst>
+                                            <p:cond delay="0"/>
+                                          </p:stCondLst>
+                                        </p:cTn>
+                                        <p:tgtEl>
+                                          <p:spTgt spid="14">
+                                            <p:txEl>
+                                              <p:pRg st="9" end="9"/>
+                                            </p:txEl>
+                                          </p:spTgt>
+                                        </p:tgtEl>
+                                        <p:attrNameLst>
+                                          <p:attrName>style.visibility</p:attrName>
+                                        </p:attrNameLst>
+                                      </p:cBhvr>
+                                      <p:to>
+                                        <p:strVal val="visible"/>
+                                      </p:to>
+                                    </p:set>
+                                  </p:childTnLst>
+                                </p:cTn>
+                              </p:par>
+                              <p:par>
+                                <p:cTn id="53" presetID="1" presetClass="entr" presetSubtype="0" fill="hold" nodeType="withEffect">
+                                  <p:stCondLst>
+                                    <p:cond delay="0"/>
+                                  </p:stCondLst>
+                                  <p:childTnLst>
+                                    <p:set>
+                                      <p:cBhvr>
+                                        <p:cTn id="54" dur="1" fill="hold">
+                                          <p:stCondLst>
+                                            <p:cond delay="0"/>
+                                          </p:stCondLst>
+                                        </p:cTn>
+                                        <p:tgtEl>
+                                          <p:spTgt spid="14">
+                                            <p:txEl>
+                                              <p:pRg st="10" end="10"/>
+                                            </p:txEl>
+                                          </p:spTgt>
+                                        </p:tgtEl>
+                                        <p:attrNameLst>
+                                          <p:attrName>style.visibility</p:attrName>
+                                        </p:attrNameLst>
+                                      </p:cBhvr>
+                                      <p:to>
+                                        <p:strVal val="visible"/>
+                                      </p:to>
+                                    </p:set>
+                                  </p:childTnLst>
+                                </p:cTn>
+                              </p:par>
+                              <p:par>
+                                <p:cTn id="55" presetID="1" presetClass="entr" presetSubtype="0" fill="hold" nodeType="withEffect">
+                                  <p:stCondLst>
+                                    <p:cond delay="0"/>
+                                  </p:stCondLst>
+                                  <p:childTnLst>
+                                    <p:set>
+                                      <p:cBhvr>
+                                        <p:cTn id="56" dur="1" fill="hold">
+                                          <p:stCondLst>
+                                            <p:cond delay="0"/>
+                                          </p:stCondLst>
+                                        </p:cTn>
+                                        <p:tgtEl>
+                                          <p:spTgt spid="14">
+                                            <p:txEl>
+                                              <p:pRg st="12" end="12"/>
+                                            </p:txEl>
+                                          </p:spTgt>
+                                        </p:tgtEl>
+                                        <p:attrNameLst>
+                                          <p:attrName>style.visibility</p:attrName>
+                                        </p:attrNameLst>
+                                      </p:cBhvr>
+                                      <p:to>
+                                        <p:strVal val="visible"/>
+                                      </p:to>
+                                    </p:set>
+                                  </p:childTnLst>
+                                </p:cTn>
+                              </p:par>
+                              <p:par>
+                                <p:cTn id="57" presetID="1" presetClass="entr" presetSubtype="0" fill="hold" nodeType="withEffect">
+                                  <p:stCondLst>
+                                    <p:cond delay="0"/>
+                                  </p:stCondLst>
+                                  <p:childTnLst>
+                                    <p:set>
+                                      <p:cBhvr>
+                                        <p:cTn id="58" dur="1" fill="hold">
+                                          <p:stCondLst>
+                                            <p:cond delay="0"/>
+                                          </p:stCondLst>
+                                        </p:cTn>
+                                        <p:tgtEl>
+                                          <p:spTgt spid="14">
+                                            <p:txEl>
+                                              <p:pRg st="13" end="13"/>
+                                            </p:txEl>
+                                          </p:spTgt>
+                                        </p:tgtEl>
+                                        <p:attrNameLst>
+                                          <p:attrName>style.visibility</p:attrName>
+                                        </p:attrNameLst>
+                                      </p:cBhvr>
+                                      <p:to>
+                                        <p:strVal val="visible"/>
+                                      </p:to>
+                                    </p:set>
+                                  </p:childTnLst>
+                                </p:cTn>
+                              </p:par>
+                            </p:childTnLst>
+                          </p:cTn>
+                        </p:par>
+                      </p:childTnLst>
+                    </p:cTn>
+                  </p:par>
+                </p:childTnLst>
+              </p:cTn>
+              <p:prevCondLst>
+                <p:cond evt="onPrev" delay="0">
+                  <p:tgtEl>
+                    <p:sldTgt/>
+                  </p:tgtEl>
+                </p:cond>
+              </p:prevCondLst>
+              <p:nextCondLst>
+                <p:cond evt="onNext" delay="0">
+                  <p:tgtEl>
+                    <p:sldTgt/>
+                  </p:tgtEl>
+                </p:cond>
+              </p:nextCondLst>
+            </p:seq>
+          </p:childTnLst>
+        </p:cTn>
+      </p:par>
+    </p:tnLst>
+  </p:timing>
+</p:sld>
+</file>
+
+<file path=ppt/slides/slide14.xml><?xml version="1.0" encoding="utf-8"?>
+<p:sld xmlns:a="http://schemas.openxmlformats.org/drawingml/2006/main" xmlns:r="http://schemas.openxmlformats.org/officeDocument/2006/relationships" xmlns:p="http://schemas.openxmlformats.org/presentationml/2006/main">
+  <p:cSld>
+    <p:bg>
+      <p:bgPr>
+        <a:solidFill>
+          <a:srgbClr val="F2F4F5"/>
+        </a:solidFill>
+        <a:effectLst/>
+      </p:bgPr>
+    </p:bg>
+    <p:spTree>
+      <p:nvGrpSpPr>
+        <p:cNvPr id="1" name="">
+          <a:extLst>
+            <a:ext uri="{FF2B5EF4-FFF2-40B4-BE49-F238E27FC236}">
+              <a16:creationId xmlns:a16="http://schemas.microsoft.com/office/drawing/2014/main" xmlns="" id="{82FEA75E-89A6-5DE7-26D4-EFF5FF95331D}"/>
+            </a:ext>
+          </a:extLst>
+        </p:cNvPr>
+        <p:cNvGrpSpPr/>
+        <p:nvPr/>
+      </p:nvGrpSpPr>
+      <p:grpSpPr>
+        <a:xfrm>
+          <a:off x="0" y="0"/>
+          <a:ext cx="0" cy="0"/>
+          <a:chOff x="0" y="0"/>
+          <a:chExt cx="0" cy="0"/>
+        </a:xfrm>
+      </p:grpSpPr>
+      <p:sp>
+        <p:nvSpPr>
+          <p:cNvPr id="2" name="Freeform 2">
+            <a:extLst>
+              <a:ext uri="{FF2B5EF4-FFF2-40B4-BE49-F238E27FC236}">
+                <a16:creationId xmlns:a16="http://schemas.microsoft.com/office/drawing/2014/main" xmlns="" id="{D0D2A263-D84B-9124-F210-84443B2D89B6}"/>
+              </a:ext>
+            </a:extLst>
+          </p:cNvPr>
+          <p:cNvSpPr/>
+          <p:nvPr/>
+        </p:nvSpPr>
+        <p:spPr>
+          <a:xfrm rot="887923">
+            <a:off x="13475833" y="-8787301"/>
+            <a:ext cx="13977230" cy="14342307"/>
+          </a:xfrm>
+          <a:custGeom>
+            <a:avLst/>
+            <a:gdLst/>
+            <a:ahLst/>
+            <a:cxnLst/>
+            <a:rect l="l" t="t" r="r" b="b"/>
+            <a:pathLst>
+              <a:path w="13977230" h="14342307">
+                <a:moveTo>
+                  <a:pt x="0" y="0"/>
+                </a:moveTo>
+                <a:lnTo>
+                  <a:pt x="13977230" y="0"/>
+                </a:lnTo>
+                <a:lnTo>
+                  <a:pt x="13977230" y="14342307"/>
+                </a:lnTo>
+                <a:lnTo>
+                  <a:pt x="0" y="14342307"/>
+                </a:lnTo>
+                <a:lnTo>
+                  <a:pt x="0" y="0"/>
+                </a:lnTo>
+                <a:close/>
+              </a:path>
+            </a:pathLst>
+          </a:custGeom>
+          <a:blipFill>
+            <a:blip r:embed="rId3">
+              <a:extLst>
+                <a:ext uri="{96DAC541-7B7A-43D3-8B79-37D633B846F1}">
+                  <asvg:svgBlip xmlns:asvg="http://schemas.microsoft.com/office/drawing/2016/SVG/main" xmlns="" r:embed="rId4"/>
+                </a:ext>
+              </a:extLst>
+            </a:blip>
+            <a:stretch>
+              <a:fillRect/>
+            </a:stretch>
+          </a:blipFill>
+        </p:spPr>
+        <p:txBody>
+          <a:bodyPr/>
+          <a:lstStyle/>
+          <a:p>
+            <a:r>
+              <a:rPr lang="en-US"/>
+              <a:t>The graph provides a visual representation of the ROS system, showing active nodes, topics, and their interconnections. It helps in understanding data flow, debugging, and optimizing communication.</a:t>
+            </a:r>
+            <a:endParaRPr lang="it-IT"/>
+          </a:p>
+        </p:txBody>
+      </p:sp>
+      <p:sp>
+        <p:nvSpPr>
+          <p:cNvPr id="3" name="TextBox 12">
+            <a:extLst>
+              <a:ext uri="{FF2B5EF4-FFF2-40B4-BE49-F238E27FC236}">
+                <a16:creationId xmlns:a16="http://schemas.microsoft.com/office/drawing/2014/main" xmlns="" id="{4C8C30E2-04B8-FB66-50C4-81588124C150}"/>
+              </a:ext>
+            </a:extLst>
+          </p:cNvPr>
+          <p:cNvSpPr txBox="1"/>
+          <p:nvPr/>
+        </p:nvSpPr>
+        <p:spPr>
+          <a:xfrm>
+            <a:off x="2405317" y="150669"/>
+            <a:ext cx="13617940" cy="1594138"/>
+          </a:xfrm>
+          <a:prstGeom prst="rect">
+            <a:avLst/>
+          </a:prstGeom>
+        </p:spPr>
+        <p:txBody>
+          <a:bodyPr lIns="0" tIns="0" rIns="0" bIns="0" rtlCol="0" anchor="t">
+            <a:spAutoFit/>
+          </a:bodyPr>
+          <a:lstStyle/>
+          <a:p>
+            <a:pPr marL="0" lvl="0" indent="0" algn="ctr">
+              <a:lnSpc>
+                <a:spcPts val="13015"/>
+              </a:lnSpc>
+              <a:spcBef>
+                <a:spcPct val="0"/>
+              </a:spcBef>
+            </a:pPr>
+            <a:r>
+              <a:rPr lang="en-US" sz="9431" b="1" spc="924" dirty="0">
+                <a:solidFill>
+                  <a:srgbClr val="231F20"/>
+                </a:solidFill>
+                <a:latin typeface="Oswald Bold"/>
+                <a:ea typeface="Oswald Bold"/>
+                <a:cs typeface="Oswald Bold"/>
+                <a:sym typeface="Oswald Bold"/>
+              </a:rPr>
+              <a:t>Graph</a:t>
+            </a:r>
+          </a:p>
+        </p:txBody>
+      </p:sp>
+      <p:cxnSp>
+        <p:nvCxnSpPr>
+          <p:cNvPr id="4" name="Connettore diritto 3">
+            <a:extLst>
+              <a:ext uri="{FF2B5EF4-FFF2-40B4-BE49-F238E27FC236}">
+                <a16:creationId xmlns:a16="http://schemas.microsoft.com/office/drawing/2014/main" xmlns="" id="{FD0EFE6C-CDE8-0F31-4649-1BC24322CAD8}"/>
+              </a:ext>
+            </a:extLst>
+          </p:cNvPr>
+          <p:cNvCxnSpPr>
+            <a:cxnSpLocks/>
+          </p:cNvCxnSpPr>
+          <p:nvPr/>
+        </p:nvCxnSpPr>
+        <p:spPr>
+          <a:xfrm>
+            <a:off x="2057400" y="2999522"/>
+            <a:ext cx="14554200" cy="0"/>
+          </a:xfrm>
+          <a:prstGeom prst="line">
+            <a:avLst/>
+          </a:prstGeom>
+        </p:spPr>
+        <p:style>
+          <a:lnRef idx="1">
+            <a:schemeClr val="dk1"/>
+          </a:lnRef>
+          <a:fillRef idx="0">
+            <a:schemeClr val="dk1"/>
+          </a:fillRef>
+          <a:effectRef idx="0">
+            <a:schemeClr val="dk1"/>
+          </a:effectRef>
+          <a:fontRef idx="minor">
+            <a:schemeClr val="tx1"/>
+          </a:fontRef>
+        </p:style>
+      </p:cxnSp>
+      <p:sp>
+        <p:nvSpPr>
+          <p:cNvPr id="6" name="Freeform 29">
+            <a:extLst>
+              <a:ext uri="{FF2B5EF4-FFF2-40B4-BE49-F238E27FC236}">
+                <a16:creationId xmlns:a16="http://schemas.microsoft.com/office/drawing/2014/main" xmlns="" id="{F85AEEF7-173E-4D8B-B676-AF36844C49A0}"/>
+              </a:ext>
+            </a:extLst>
+          </p:cNvPr>
+          <p:cNvSpPr/>
+          <p:nvPr/>
+        </p:nvSpPr>
+        <p:spPr>
+          <a:xfrm rot="887923">
+            <a:off x="-7010733" y="5776288"/>
+            <a:ext cx="13977230" cy="14342307"/>
+          </a:xfrm>
+          <a:custGeom>
+            <a:avLst/>
+            <a:gdLst/>
+            <a:ahLst/>
+            <a:cxnLst/>
+            <a:rect l="l" t="t" r="r" b="b"/>
+            <a:pathLst>
+              <a:path w="13977230" h="14342307">
+                <a:moveTo>
+                  <a:pt x="0" y="0"/>
+                </a:moveTo>
+                <a:lnTo>
+                  <a:pt x="13977230" y="0"/>
+                </a:lnTo>
+                <a:lnTo>
+                  <a:pt x="13977230" y="14342307"/>
+                </a:lnTo>
+                <a:lnTo>
+                  <a:pt x="0" y="14342307"/>
+                </a:lnTo>
+                <a:lnTo>
+                  <a:pt x="0" y="0"/>
+                </a:lnTo>
+                <a:close/>
+              </a:path>
+            </a:pathLst>
+          </a:custGeom>
+          <a:blipFill>
+            <a:blip r:embed="rId3">
+              <a:extLst>
+                <a:ext uri="{96DAC541-7B7A-43D3-8B79-37D633B846F1}">
+                  <asvg:svgBlip xmlns:asvg="http://schemas.microsoft.com/office/drawing/2016/SVG/main" xmlns="" r:embed="rId4"/>
+                </a:ext>
+              </a:extLst>
+            </a:blip>
+            <a:stretch>
+              <a:fillRect/>
+            </a:stretch>
+          </a:blipFill>
+        </p:spPr>
+        <p:txBody>
+          <a:bodyPr/>
+          <a:lstStyle/>
+          <a:p>
             <a:endParaRPr lang="it-IT"/>
           </a:p>
         </p:txBody>
@@ -11214,7 +14126,7 @@
           <p:cNvPr id="9" name="CasellaDiTesto 8">
             <a:extLst>
               <a:ext uri="{FF2B5EF4-FFF2-40B4-BE49-F238E27FC236}">
-                <a16:creationId xmlns="" xmlns:a16="http://schemas.microsoft.com/office/drawing/2014/main" id="{E84F7AD9-076C-2775-AD67-671132C59B63}"/>
+                <a16:creationId xmlns:a16="http://schemas.microsoft.com/office/drawing/2014/main" xmlns="" id="{E84F7AD9-076C-2775-AD67-671132C59B63}"/>
               </a:ext>
             </a:extLst>
           </p:cNvPr>
@@ -11251,7 +14163,7 @@
           <p:cNvPr id="11" name="Immagine 10">
             <a:extLst>
               <a:ext uri="{FF2B5EF4-FFF2-40B4-BE49-F238E27FC236}">
-                <a16:creationId xmlns="" xmlns:a16="http://schemas.microsoft.com/office/drawing/2014/main" id="{367B737E-3325-DC89-D774-3544D8DAC0CB}"/>
+                <a16:creationId xmlns:a16="http://schemas.microsoft.com/office/drawing/2014/main" xmlns="" id="{367B737E-3325-DC89-D774-3544D8DAC0CB}"/>
               </a:ext>
             </a:extLst>
           </p:cNvPr>
@@ -11295,7 +14207,7 @@
           <p:cNvPr id="12" name="CasellaDiTesto 11">
             <a:extLst>
               <a:ext uri="{FF2B5EF4-FFF2-40B4-BE49-F238E27FC236}">
-                <a16:creationId xmlns="" xmlns:a16="http://schemas.microsoft.com/office/drawing/2014/main" id="{558D3132-070F-FF38-2997-88C1F91AD083}"/>
+                <a16:creationId xmlns:a16="http://schemas.microsoft.com/office/drawing/2014/main" xmlns="" id="{558D3132-070F-FF38-2997-88C1F91AD083}"/>
               </a:ext>
             </a:extLst>
           </p:cNvPr>
@@ -11331,7 +14243,7 @@
           <p:cNvPr id="14" name="Immagine 13">
             <a:extLst>
               <a:ext uri="{FF2B5EF4-FFF2-40B4-BE49-F238E27FC236}">
-                <a16:creationId xmlns="" xmlns:a16="http://schemas.microsoft.com/office/drawing/2014/main" id="{3A9F7628-A07E-3A31-7462-15614E123E8D}"/>
+                <a16:creationId xmlns:a16="http://schemas.microsoft.com/office/drawing/2014/main" xmlns="" id="{3A9F7628-A07E-3A31-7462-15614E123E8D}"/>
               </a:ext>
             </a:extLst>
           </p:cNvPr>
@@ -11375,7 +14287,7 @@
           <p:cNvPr id="15" name="CasellaDiTesto 14">
             <a:extLst>
               <a:ext uri="{FF2B5EF4-FFF2-40B4-BE49-F238E27FC236}">
-                <a16:creationId xmlns="" xmlns:a16="http://schemas.microsoft.com/office/drawing/2014/main" id="{9ED3C7FB-81D7-01E2-504A-692860E213A7}"/>
+                <a16:creationId xmlns:a16="http://schemas.microsoft.com/office/drawing/2014/main" xmlns="" id="{9ED3C7FB-81D7-01E2-504A-692860E213A7}"/>
               </a:ext>
             </a:extLst>
           </p:cNvPr>
@@ -11596,7 +14508,7 @@
 </p:sld>
 </file>
 
-<file path=ppt/slides/slide14.xml><?xml version="1.0" encoding="utf-8"?>
+<file path=ppt/slides/slide15.xml><?xml version="1.0" encoding="utf-8"?>
 <p:sld xmlns:a="http://schemas.openxmlformats.org/drawingml/2006/main" xmlns:r="http://schemas.openxmlformats.org/officeDocument/2006/relationships" xmlns:p="http://schemas.openxmlformats.org/presentationml/2006/main">
   <p:cSld>
     <p:bg>
@@ -11612,7 +14524,7 @@
         <p:cNvPr id="1" name="">
           <a:extLst>
             <a:ext uri="{FF2B5EF4-FFF2-40B4-BE49-F238E27FC236}">
-              <a16:creationId xmlns="" xmlns:a16="http://schemas.microsoft.com/office/drawing/2014/main" id="{FBED5C29-0B8A-A55F-2AAE-33A34AC9323F}"/>
+              <a16:creationId xmlns:a16="http://schemas.microsoft.com/office/drawing/2014/main" xmlns="" id="{FBED5C29-0B8A-A55F-2AAE-33A34AC9323F}"/>
             </a:ext>
           </a:extLst>
         </p:cNvPr>
@@ -11632,7 +14544,7 @@
           <p:cNvPr id="2" name="Freeform 2">
             <a:extLst>
               <a:ext uri="{FF2B5EF4-FFF2-40B4-BE49-F238E27FC236}">
-                <a16:creationId xmlns="" xmlns:a16="http://schemas.microsoft.com/office/drawing/2014/main" id="{9E3A531E-6FB6-B9A9-5075-6B8A23C5226E}"/>
+                <a16:creationId xmlns:a16="http://schemas.microsoft.com/office/drawing/2014/main" xmlns="" id="{9E3A531E-6FB6-B9A9-5075-6B8A23C5226E}"/>
               </a:ext>
             </a:extLst>
           </p:cNvPr>
@@ -11675,7 +14587,7 @@
             <a:blip r:embed="rId2">
               <a:extLst>
                 <a:ext uri="{96DAC541-7B7A-43D3-8B79-37D633B846F1}">
-                  <asvg:svgBlip xmlns="" xmlns:asvg="http://schemas.microsoft.com/office/drawing/2016/SVG/main" r:embed="rId3"/>
+                  <asvg:svgBlip xmlns:asvg="http://schemas.microsoft.com/office/drawing/2016/SVG/main" xmlns="" r:embed="rId3"/>
                 </a:ext>
               </a:extLst>
             </a:blip>
@@ -11697,7 +14609,7 @@
           <p:cNvPr id="3" name="Freeform 3">
             <a:extLst>
               <a:ext uri="{FF2B5EF4-FFF2-40B4-BE49-F238E27FC236}">
-                <a16:creationId xmlns="" xmlns:a16="http://schemas.microsoft.com/office/drawing/2014/main" id="{C168A778-1491-9C49-AE9F-656B7204240C}"/>
+                <a16:creationId xmlns:a16="http://schemas.microsoft.com/office/drawing/2014/main" xmlns="" id="{C168A778-1491-9C49-AE9F-656B7204240C}"/>
               </a:ext>
             </a:extLst>
           </p:cNvPr>
@@ -11740,7 +14652,7 @@
             <a:blip r:embed="rId2">
               <a:extLst>
                 <a:ext uri="{96DAC541-7B7A-43D3-8B79-37D633B846F1}">
-                  <asvg:svgBlip xmlns="" xmlns:asvg="http://schemas.microsoft.com/office/drawing/2016/SVG/main" r:embed="rId3"/>
+                  <asvg:svgBlip xmlns:asvg="http://schemas.microsoft.com/office/drawing/2016/SVG/main" xmlns="" r:embed="rId3"/>
                 </a:ext>
               </a:extLst>
             </a:blip>
@@ -11762,7 +14674,7 @@
           <p:cNvPr id="4" name="TextBox 4">
             <a:extLst>
               <a:ext uri="{FF2B5EF4-FFF2-40B4-BE49-F238E27FC236}">
-                <a16:creationId xmlns="" xmlns:a16="http://schemas.microsoft.com/office/drawing/2014/main" id="{259BD187-36C0-AB1B-5374-C4D8F0A00A60}"/>
+                <a16:creationId xmlns:a16="http://schemas.microsoft.com/office/drawing/2014/main" xmlns="" id="{259BD187-36C0-AB1B-5374-C4D8F0A00A60}"/>
               </a:ext>
             </a:extLst>
           </p:cNvPr>
@@ -11809,7 +14721,7 @@
           <p:cNvPr id="5" name="TextBox 5">
             <a:extLst>
               <a:ext uri="{FF2B5EF4-FFF2-40B4-BE49-F238E27FC236}">
-                <a16:creationId xmlns="" xmlns:a16="http://schemas.microsoft.com/office/drawing/2014/main" id="{8E37FB02-DD5E-E26C-590C-BE972C6114EB}"/>
+                <a16:creationId xmlns:a16="http://schemas.microsoft.com/office/drawing/2014/main" xmlns="" id="{8E37FB02-DD5E-E26C-590C-BE972C6114EB}"/>
               </a:ext>
             </a:extLst>
           </p:cNvPr>
@@ -11871,7 +14783,7 @@
 </p:sld>
 </file>
 
-<file path=ppt/slides/slide15.xml><?xml version="1.0" encoding="utf-8"?>
+<file path=ppt/slides/slide16.xml><?xml version="1.0" encoding="utf-8"?>
 <p:sld xmlns:a="http://schemas.openxmlformats.org/drawingml/2006/main" xmlns:r="http://schemas.openxmlformats.org/officeDocument/2006/relationships" xmlns:p="http://schemas.openxmlformats.org/presentationml/2006/main">
   <p:cSld>
     <p:spTree>
@@ -11930,7 +14842,7 @@
             <a:blip r:embed="rId3">
               <a:extLst>
                 <a:ext uri="{96DAC541-7B7A-43D3-8B79-37D633B846F1}">
-                  <asvg:svgBlip xmlns="" xmlns:asvg="http://schemas.microsoft.com/office/drawing/2016/SVG/main" r:embed="rId4"/>
+                  <asvg:svgBlip xmlns:asvg="http://schemas.microsoft.com/office/drawing/2016/SVG/main" xmlns="" r:embed="rId4"/>
                 </a:ext>
               </a:extLst>
             </a:blip>
@@ -12340,7 +15252,7 @@
             <a:blip r:embed="rId5">
               <a:extLst>
                 <a:ext uri="{96DAC541-7B7A-43D3-8B79-37D633B846F1}">
-                  <asvg:svgBlip xmlns="" xmlns:asvg="http://schemas.microsoft.com/office/drawing/2016/SVG/main" r:embed="rId6"/>
+                  <asvg:svgBlip xmlns:asvg="http://schemas.microsoft.com/office/drawing/2016/SVG/main" xmlns="" r:embed="rId6"/>
                 </a:ext>
               </a:extLst>
             </a:blip>
@@ -12399,7 +15311,7 @@
             <a:blip r:embed="rId7">
               <a:extLst>
                 <a:ext uri="{96DAC541-7B7A-43D3-8B79-37D633B846F1}">
-                  <asvg:svgBlip xmlns="" xmlns:asvg="http://schemas.microsoft.com/office/drawing/2016/SVG/main" r:embed="rId8"/>
+                  <asvg:svgBlip xmlns:asvg="http://schemas.microsoft.com/office/drawing/2016/SVG/main" xmlns="" r:embed="rId8"/>
                 </a:ext>
               </a:extLst>
             </a:blip>
@@ -12929,7 +15841,7 @@
             <a:blip r:embed="rId9">
               <a:extLst>
                 <a:ext uri="{96DAC541-7B7A-43D3-8B79-37D633B846F1}">
-                  <asvg:svgBlip xmlns="" xmlns:asvg="http://schemas.microsoft.com/office/drawing/2016/SVG/main" r:embed="rId10"/>
+                  <asvg:svgBlip xmlns:asvg="http://schemas.microsoft.com/office/drawing/2016/SVG/main" xmlns="" r:embed="rId10"/>
                 </a:ext>
               </a:extLst>
             </a:blip>
@@ -12951,7 +15863,7 @@
           <p:cNvPr id="27" name="Elemento grafico 25" descr="Tempio asiatico contorno">
             <a:extLst>
               <a:ext uri="{FF2B5EF4-FFF2-40B4-BE49-F238E27FC236}">
-                <a16:creationId xmlns="" xmlns:a16="http://schemas.microsoft.com/office/drawing/2014/main" id="{1AEBC33B-068E-4CA4-7F8F-501B935F55C7}"/>
+                <a16:creationId xmlns:a16="http://schemas.microsoft.com/office/drawing/2014/main" xmlns="" id="{1AEBC33B-068E-4CA4-7F8F-501B935F55C7}"/>
               </a:ext>
             </a:extLst>
           </p:cNvPr>
@@ -13809,7 +16721,7 @@
           <p:cNvPr id="29" name="Elemento grafico 28" descr="Intelligenza artificiale contorno">
             <a:extLst>
               <a:ext uri="{FF2B5EF4-FFF2-40B4-BE49-F238E27FC236}">
-                <a16:creationId xmlns="" xmlns:a16="http://schemas.microsoft.com/office/drawing/2014/main" id="{0DB420A0-198D-3504-7C41-35C120F47B36}"/>
+                <a16:creationId xmlns:a16="http://schemas.microsoft.com/office/drawing/2014/main" xmlns="" id="{0DB420A0-198D-3504-7C41-35C120F47B36}"/>
               </a:ext>
             </a:extLst>
           </p:cNvPr>
@@ -13822,7 +16734,7 @@
           <a:blip r:embed="rId11">
             <a:extLst>
               <a:ext uri="{96DAC541-7B7A-43D3-8B79-37D633B846F1}">
-                <asvg:svgBlip xmlns="" xmlns:asvg="http://schemas.microsoft.com/office/drawing/2016/SVG/main" r:embed="rId12"/>
+                <asvg:svgBlip xmlns:asvg="http://schemas.microsoft.com/office/drawing/2016/SVG/main" xmlns="" r:embed="rId12"/>
               </a:ext>
             </a:extLst>
           </a:blip>
@@ -13845,7 +16757,7 @@
           <p:cNvPr id="30" name="Elemento grafico 29" descr="Scansione oculare con riempimento a tinta unita">
             <a:extLst>
               <a:ext uri="{FF2B5EF4-FFF2-40B4-BE49-F238E27FC236}">
-                <a16:creationId xmlns="" xmlns:a16="http://schemas.microsoft.com/office/drawing/2014/main" id="{07591BDB-7749-0BE6-6132-E7D52B78A406}"/>
+                <a16:creationId xmlns:a16="http://schemas.microsoft.com/office/drawing/2014/main" xmlns="" id="{07591BDB-7749-0BE6-6132-E7D52B78A406}"/>
               </a:ext>
             </a:extLst>
           </p:cNvPr>
@@ -13858,7 +16770,7 @@
           <a:blip r:embed="rId13">
             <a:extLst>
               <a:ext uri="{96DAC541-7B7A-43D3-8B79-37D633B846F1}">
-                <asvg:svgBlip xmlns="" xmlns:asvg="http://schemas.microsoft.com/office/drawing/2016/SVG/main" r:embed="rId14"/>
+                <asvg:svgBlip xmlns:asvg="http://schemas.microsoft.com/office/drawing/2016/SVG/main" xmlns="" r:embed="rId14"/>
               </a:ext>
             </a:extLst>
           </a:blip>
@@ -13891,7 +16803,7 @@
 </p:sld>
 </file>
 
-<file path=ppt/slides/slide16.xml><?xml version="1.0" encoding="utf-8"?>
+<file path=ppt/slides/slide17.xml><?xml version="1.0" encoding="utf-8"?>
 <p:sld xmlns:a="http://schemas.openxmlformats.org/drawingml/2006/main" xmlns:r="http://schemas.openxmlformats.org/officeDocument/2006/relationships" xmlns:p="http://schemas.openxmlformats.org/presentationml/2006/main">
   <p:cSld>
     <p:spTree>
@@ -14003,7 +16915,7 @@
             <a:blip r:embed="rId3">
               <a:extLst>
                 <a:ext uri="{96DAC541-7B7A-43D3-8B79-37D633B846F1}">
-                  <asvg:svgBlip xmlns="" xmlns:asvg="http://schemas.microsoft.com/office/drawing/2016/SVG/main" r:embed="rId4"/>
+                  <asvg:svgBlip xmlns:asvg="http://schemas.microsoft.com/office/drawing/2016/SVG/main" xmlns="" r:embed="rId4"/>
                 </a:ext>
               </a:extLst>
             </a:blip>
@@ -14106,7 +17018,7 @@
             <a:blip r:embed="rId5">
               <a:extLst>
                 <a:ext uri="{96DAC541-7B7A-43D3-8B79-37D633B846F1}">
-                  <asvg:svgBlip xmlns="" xmlns:asvg="http://schemas.microsoft.com/office/drawing/2016/SVG/main" r:embed="rId6"/>
+                  <asvg:svgBlip xmlns:asvg="http://schemas.microsoft.com/office/drawing/2016/SVG/main" xmlns="" r:embed="rId6"/>
                 </a:ext>
               </a:extLst>
             </a:blip>
@@ -14675,7 +17587,7 @@
           <p:cNvPr id="17" name="CasellaDiTesto 16">
             <a:extLst>
               <a:ext uri="{FF2B5EF4-FFF2-40B4-BE49-F238E27FC236}">
-                <a16:creationId xmlns="" xmlns:a16="http://schemas.microsoft.com/office/drawing/2014/main" id="{3657519C-4AAD-2E88-489C-282340A1315A}"/>
+                <a16:creationId xmlns:a16="http://schemas.microsoft.com/office/drawing/2014/main" xmlns="" id="{3657519C-4AAD-2E88-489C-282340A1315A}"/>
               </a:ext>
             </a:extLst>
           </p:cNvPr>
@@ -14713,7 +17625,7 @@
           <p:cNvPr id="21" name="CasellaDiTesto 20">
             <a:extLst>
               <a:ext uri="{FF2B5EF4-FFF2-40B4-BE49-F238E27FC236}">
-                <a16:creationId xmlns="" xmlns:a16="http://schemas.microsoft.com/office/drawing/2014/main" id="{521A9EB4-3BE1-B5BA-D22B-04F60BE09166}"/>
+                <a16:creationId xmlns:a16="http://schemas.microsoft.com/office/drawing/2014/main" xmlns="" id="{521A9EB4-3BE1-B5BA-D22B-04F60BE09166}"/>
               </a:ext>
             </a:extLst>
           </p:cNvPr>
@@ -14745,7 +17657,7 @@
         </p:txBody>
       </p:sp>
       <mc:AlternateContent xmlns:mc="http://schemas.openxmlformats.org/markup-compatibility/2006">
-        <mc:Choice xmlns="" xmlns:pslz="http://schemas.microsoft.com/office/powerpoint/2016/slidezoom" Requires="pslz">
+        <mc:Choice xmlns:pslz="http://schemas.microsoft.com/office/powerpoint/2016/slidezoom" xmlns="" Requires="pslz">
           <p:graphicFrame>
             <p:nvGraphicFramePr>
               <p:cNvPr id="23" name="Anteprima della diapositiva 22">
@@ -14818,7 +17730,7 @@
                 <a:hlinkClick r:id="rId10" action="ppaction://hlinksldjump"/>
                 <a:extLst>
                   <a:ext uri="{FF2B5EF4-FFF2-40B4-BE49-F238E27FC236}">
-                    <a16:creationId xmlns:pslz="http://schemas.microsoft.com/office/powerpoint/2016/slidezoom" xmlns="" xmlns:a16="http://schemas.microsoft.com/office/drawing/2014/main" id="{BBB97D2F-5D07-F9F2-A7BC-FA0F0BA7C73C}"/>
+                    <a16:creationId xmlns:a16="http://schemas.microsoft.com/office/drawing/2014/main" xmlns="" xmlns:pslz="http://schemas.microsoft.com/office/powerpoint/2016/slidezoom" id="{BBB97D2F-5D07-F9F2-A7BC-FA0F0BA7C73C}"/>
                   </a:ext>
                 </a:extLst>
               </p:cNvPr>
@@ -14860,7 +17772,7 @@
         </mc:Fallback>
       </mc:AlternateContent>
       <mc:AlternateContent xmlns:mc="http://schemas.openxmlformats.org/markup-compatibility/2006">
-        <mc:Choice xmlns="" xmlns:pslz="http://schemas.microsoft.com/office/powerpoint/2016/slidezoom" Requires="pslz">
+        <mc:Choice xmlns:pslz="http://schemas.microsoft.com/office/powerpoint/2016/slidezoom" xmlns="" Requires="pslz">
           <p:graphicFrame>
             <p:nvGraphicFramePr>
               <p:cNvPr id="25" name="Anteprima della diapositiva 24">
@@ -14933,7 +17845,7 @@
                 <a:hlinkClick r:id="rId13" action="ppaction://hlinksldjump"/>
                 <a:extLst>
                   <a:ext uri="{FF2B5EF4-FFF2-40B4-BE49-F238E27FC236}">
-                    <a16:creationId xmlns:pslz="http://schemas.microsoft.com/office/powerpoint/2016/slidezoom" xmlns="" xmlns:a16="http://schemas.microsoft.com/office/drawing/2014/main" id="{E5BFFB5E-94E0-DE8A-7723-9EAEA7FA1DDD}"/>
+                    <a16:creationId xmlns:a16="http://schemas.microsoft.com/office/drawing/2014/main" xmlns="" xmlns:pslz="http://schemas.microsoft.com/office/powerpoint/2016/slidezoom" id="{E5BFFB5E-94E0-DE8A-7723-9EAEA7FA1DDD}"/>
                   </a:ext>
                 </a:extLst>
               </p:cNvPr>
@@ -14975,7 +17887,7 @@
         </mc:Fallback>
       </mc:AlternateContent>
       <mc:AlternateContent xmlns:mc="http://schemas.openxmlformats.org/markup-compatibility/2006">
-        <mc:Choice xmlns="" xmlns:pslz="http://schemas.microsoft.com/office/powerpoint/2016/slidezoom" Requires="pslz">
+        <mc:Choice xmlns:pslz="http://schemas.microsoft.com/office/powerpoint/2016/slidezoom" xmlns="" Requires="pslz">
           <p:graphicFrame>
             <p:nvGraphicFramePr>
               <p:cNvPr id="27" name="Anteprima della diapositiva 26">
@@ -15048,7 +17960,7 @@
                 <a:hlinkClick r:id="rId16" action="ppaction://hlinksldjump"/>
                 <a:extLst>
                   <a:ext uri="{FF2B5EF4-FFF2-40B4-BE49-F238E27FC236}">
-                    <a16:creationId xmlns:pslz="http://schemas.microsoft.com/office/powerpoint/2016/slidezoom" xmlns="" xmlns:a16="http://schemas.microsoft.com/office/drawing/2014/main" id="{DB4B59A5-6E69-99BA-F1F1-CC4B78295A9D}"/>
+                    <a16:creationId xmlns:a16="http://schemas.microsoft.com/office/drawing/2014/main" xmlns="" xmlns:pslz="http://schemas.microsoft.com/office/powerpoint/2016/slidezoom" id="{DB4B59A5-6E69-99BA-F1F1-CC4B78295A9D}"/>
                   </a:ext>
                 </a:extLst>
               </p:cNvPr>
@@ -15094,7 +18006,7 @@
           <p:cNvPr id="29" name="Connettore diritto 28">
             <a:extLst>
               <a:ext uri="{FF2B5EF4-FFF2-40B4-BE49-F238E27FC236}">
-                <a16:creationId xmlns="" xmlns:a16="http://schemas.microsoft.com/office/drawing/2014/main" id="{8DCC3C6C-D590-4109-63BC-D7B57BE34420}"/>
+                <a16:creationId xmlns:a16="http://schemas.microsoft.com/office/drawing/2014/main" xmlns="" id="{8DCC3C6C-D590-4109-63BC-D7B57BE34420}"/>
               </a:ext>
             </a:extLst>
           </p:cNvPr>
@@ -15209,7 +18121,7 @@
             <a:blip r:embed="rId2">
               <a:extLst>
                 <a:ext uri="{96DAC541-7B7A-43D3-8B79-37D633B846F1}">
-                  <asvg:svgBlip xmlns="" xmlns:asvg="http://schemas.microsoft.com/office/drawing/2016/SVG/main" r:embed="rId3"/>
+                  <asvg:svgBlip xmlns:asvg="http://schemas.microsoft.com/office/drawing/2016/SVG/main" xmlns="" r:embed="rId3"/>
                 </a:ext>
               </a:extLst>
             </a:blip>
@@ -15358,7 +18270,7 @@
             <a:blip r:embed="rId4">
               <a:extLst>
                 <a:ext uri="{96DAC541-7B7A-43D3-8B79-37D633B846F1}">
-                  <asvg:svgBlip xmlns="" xmlns:asvg="http://schemas.microsoft.com/office/drawing/2016/SVG/main" r:embed="rId5"/>
+                  <asvg:svgBlip xmlns:asvg="http://schemas.microsoft.com/office/drawing/2016/SVG/main" xmlns="" r:embed="rId5"/>
                 </a:ext>
               </a:extLst>
             </a:blip>
@@ -15838,7 +18750,7 @@
             <a:blip r:embed="rId2">
               <a:extLst>
                 <a:ext uri="{96DAC541-7B7A-43D3-8B79-37D633B846F1}">
-                  <asvg:svgBlip xmlns="" xmlns:asvg="http://schemas.microsoft.com/office/drawing/2016/SVG/main" r:embed="rId3"/>
+                  <asvg:svgBlip xmlns:asvg="http://schemas.microsoft.com/office/drawing/2016/SVG/main" xmlns="" r:embed="rId3"/>
                 </a:ext>
               </a:extLst>
             </a:blip>
@@ -15897,7 +18809,7 @@
             <a:blip r:embed="rId2">
               <a:extLst>
                 <a:ext uri="{96DAC541-7B7A-43D3-8B79-37D633B846F1}">
-                  <asvg:svgBlip xmlns="" xmlns:asvg="http://schemas.microsoft.com/office/drawing/2016/SVG/main" r:embed="rId3"/>
+                  <asvg:svgBlip xmlns:asvg="http://schemas.microsoft.com/office/drawing/2016/SVG/main" xmlns="" r:embed="rId3"/>
                 </a:ext>
               </a:extLst>
             </a:blip>
@@ -16366,7 +19278,7 @@
             <a:blip r:embed="rId5">
               <a:extLst>
                 <a:ext uri="{96DAC541-7B7A-43D3-8B79-37D633B846F1}">
-                  <asvg:svgBlip xmlns="" xmlns:asvg="http://schemas.microsoft.com/office/drawing/2016/SVG/main" r:embed="rId6"/>
+                  <asvg:svgBlip xmlns:asvg="http://schemas.microsoft.com/office/drawing/2016/SVG/main" xmlns="" r:embed="rId6"/>
                 </a:ext>
               </a:extLst>
             </a:blip>
@@ -16719,7 +19631,7 @@
             <a:blip r:embed="rId7">
               <a:extLst>
                 <a:ext uri="{96DAC541-7B7A-43D3-8B79-37D633B846F1}">
-                  <asvg:svgBlip xmlns="" xmlns:asvg="http://schemas.microsoft.com/office/drawing/2016/SVG/main" r:embed="rId8"/>
+                  <asvg:svgBlip xmlns:asvg="http://schemas.microsoft.com/office/drawing/2016/SVG/main" xmlns="" r:embed="rId8"/>
                 </a:ext>
               </a:extLst>
             </a:blip>
@@ -16991,7 +19903,7 @@
           <p:cNvPr id="33" name="CasellaDiTesto 32">
             <a:extLst>
               <a:ext uri="{FF2B5EF4-FFF2-40B4-BE49-F238E27FC236}">
-                <a16:creationId xmlns="" xmlns:a16="http://schemas.microsoft.com/office/drawing/2014/main" id="{6EFE1331-F541-EF9E-7FC9-052F6EE71BBB}"/>
+                <a16:creationId xmlns:a16="http://schemas.microsoft.com/office/drawing/2014/main" xmlns="" id="{6EFE1331-F541-EF9E-7FC9-052F6EE71BBB}"/>
               </a:ext>
             </a:extLst>
           </p:cNvPr>
@@ -17036,7 +19948,7 @@
           <p:cNvPr id="35" name="Elemento grafico 34" descr="Bussola con riempimento a tinta unita">
             <a:extLst>
               <a:ext uri="{FF2B5EF4-FFF2-40B4-BE49-F238E27FC236}">
-                <a16:creationId xmlns="" xmlns:a16="http://schemas.microsoft.com/office/drawing/2014/main" id="{CAC97D77-AA1A-1C6A-B10B-F07F82B8BC7D}"/>
+                <a16:creationId xmlns:a16="http://schemas.microsoft.com/office/drawing/2014/main" xmlns="" id="{CAC97D77-AA1A-1C6A-B10B-F07F82B8BC7D}"/>
               </a:ext>
             </a:extLst>
           </p:cNvPr>
@@ -17049,7 +19961,7 @@
           <a:blip r:embed="rId9">
             <a:extLst>
               <a:ext uri="{96DAC541-7B7A-43D3-8B79-37D633B846F1}">
-                <asvg:svgBlip xmlns="" xmlns:asvg="http://schemas.microsoft.com/office/drawing/2016/SVG/main" r:embed="rId10"/>
+                <asvg:svgBlip xmlns:asvg="http://schemas.microsoft.com/office/drawing/2016/SVG/main" xmlns="" r:embed="rId10"/>
               </a:ext>
             </a:extLst>
           </a:blip>
@@ -17072,7 +19984,7 @@
           <p:cNvPr id="41" name="Elemento grafico 40" descr="Periferica di gioco contorno">
             <a:extLst>
               <a:ext uri="{FF2B5EF4-FFF2-40B4-BE49-F238E27FC236}">
-                <a16:creationId xmlns="" xmlns:a16="http://schemas.microsoft.com/office/drawing/2014/main" id="{2BE71E77-2FED-D581-554B-53CD1F10AA68}"/>
+                <a16:creationId xmlns:a16="http://schemas.microsoft.com/office/drawing/2014/main" xmlns="" id="{2BE71E77-2FED-D581-554B-53CD1F10AA68}"/>
               </a:ext>
             </a:extLst>
           </p:cNvPr>
@@ -17085,7 +19997,7 @@
           <a:blip r:embed="rId11">
             <a:extLst>
               <a:ext uri="{96DAC541-7B7A-43D3-8B79-37D633B846F1}">
-                <asvg:svgBlip xmlns="" xmlns:asvg="http://schemas.microsoft.com/office/drawing/2016/SVG/main" r:embed="rId12"/>
+                <asvg:svgBlip xmlns:asvg="http://schemas.microsoft.com/office/drawing/2016/SVG/main" xmlns="" r:embed="rId12"/>
               </a:ext>
             </a:extLst>
           </a:blip>
@@ -17108,7 +20020,7 @@
           <p:cNvPr id="43" name="Elemento grafico 42" descr="Web design con riempimento a tinta unita">
             <a:extLst>
               <a:ext uri="{FF2B5EF4-FFF2-40B4-BE49-F238E27FC236}">
-                <a16:creationId xmlns="" xmlns:a16="http://schemas.microsoft.com/office/drawing/2014/main" id="{6C27696E-E3DD-6FF7-B6CF-412F1E2DA177}"/>
+                <a16:creationId xmlns:a16="http://schemas.microsoft.com/office/drawing/2014/main" xmlns="" id="{6C27696E-E3DD-6FF7-B6CF-412F1E2DA177}"/>
               </a:ext>
             </a:extLst>
           </p:cNvPr>
@@ -17121,7 +20033,7 @@
           <a:blip r:embed="rId13">
             <a:extLst>
               <a:ext uri="{96DAC541-7B7A-43D3-8B79-37D633B846F1}">
-                <asvg:svgBlip xmlns="" xmlns:asvg="http://schemas.microsoft.com/office/drawing/2016/SVG/main" r:embed="rId14"/>
+                <asvg:svgBlip xmlns:asvg="http://schemas.microsoft.com/office/drawing/2016/SVG/main" xmlns="" r:embed="rId14"/>
               </a:ext>
             </a:extLst>
           </a:blip>
@@ -17144,7 +20056,7 @@
           <p:cNvPr id="47" name="CasellaDiTesto 46">
             <a:extLst>
               <a:ext uri="{FF2B5EF4-FFF2-40B4-BE49-F238E27FC236}">
-                <a16:creationId xmlns="" xmlns:a16="http://schemas.microsoft.com/office/drawing/2014/main" id="{D67B07B9-0A7F-5C62-3A88-555C8AC7BBC2}"/>
+                <a16:creationId xmlns:a16="http://schemas.microsoft.com/office/drawing/2014/main" xmlns="" id="{D67B07B9-0A7F-5C62-3A88-555C8AC7BBC2}"/>
               </a:ext>
             </a:extLst>
           </p:cNvPr>
@@ -17193,7 +20105,7 @@
           <p:cNvPr id="50" name="CasellaDiTesto 49">
             <a:extLst>
               <a:ext uri="{FF2B5EF4-FFF2-40B4-BE49-F238E27FC236}">
-                <a16:creationId xmlns="" xmlns:a16="http://schemas.microsoft.com/office/drawing/2014/main" id="{DD3ED30E-7C88-E35C-D67F-E5FA5B11F02C}"/>
+                <a16:creationId xmlns:a16="http://schemas.microsoft.com/office/drawing/2014/main" xmlns="" id="{DD3ED30E-7C88-E35C-D67F-E5FA5B11F02C}"/>
               </a:ext>
             </a:extLst>
           </p:cNvPr>
@@ -17262,7 +20174,7 @@
           <p:cNvPr id="51" name="CasellaDiTesto 50">
             <a:extLst>
               <a:ext uri="{FF2B5EF4-FFF2-40B4-BE49-F238E27FC236}">
-                <a16:creationId xmlns="" xmlns:a16="http://schemas.microsoft.com/office/drawing/2014/main" id="{CF8E605B-4DEE-4318-095D-FD05AF1B8E1A}"/>
+                <a16:creationId xmlns:a16="http://schemas.microsoft.com/office/drawing/2014/main" xmlns="" id="{CF8E605B-4DEE-4318-095D-FD05AF1B8E1A}"/>
               </a:ext>
             </a:extLst>
           </p:cNvPr>
@@ -17847,7 +20759,7 @@
         <p:cNvPr id="1" name="">
           <a:extLst>
             <a:ext uri="{FF2B5EF4-FFF2-40B4-BE49-F238E27FC236}">
-              <a16:creationId xmlns="" xmlns:a16="http://schemas.microsoft.com/office/drawing/2014/main" id="{C2A724E8-C2EF-8194-F6C9-829E3214EFEB}"/>
+              <a16:creationId xmlns:a16="http://schemas.microsoft.com/office/drawing/2014/main" xmlns="" id="{C2A724E8-C2EF-8194-F6C9-829E3214EFEB}"/>
             </a:ext>
           </a:extLst>
         </p:cNvPr>
@@ -17867,7 +20779,7 @@
           <p:cNvPr id="2" name="Freeform 2">
             <a:extLst>
               <a:ext uri="{FF2B5EF4-FFF2-40B4-BE49-F238E27FC236}">
-                <a16:creationId xmlns="" xmlns:a16="http://schemas.microsoft.com/office/drawing/2014/main" id="{D64A1C51-FF55-6AD3-FBED-39BD86C5C274}"/>
+                <a16:creationId xmlns:a16="http://schemas.microsoft.com/office/drawing/2014/main" xmlns="" id="{D64A1C51-FF55-6AD3-FBED-39BD86C5C274}"/>
               </a:ext>
             </a:extLst>
           </p:cNvPr>
@@ -17910,7 +20822,7 @@
             <a:blip r:embed="rId2">
               <a:extLst>
                 <a:ext uri="{96DAC541-7B7A-43D3-8B79-37D633B846F1}">
-                  <asvg:svgBlip xmlns="" xmlns:asvg="http://schemas.microsoft.com/office/drawing/2016/SVG/main" r:embed="rId3"/>
+                  <asvg:svgBlip xmlns:asvg="http://schemas.microsoft.com/office/drawing/2016/SVG/main" xmlns="" r:embed="rId3"/>
                 </a:ext>
               </a:extLst>
             </a:blip>
@@ -17932,7 +20844,7 @@
           <p:cNvPr id="3" name="Freeform 3">
             <a:extLst>
               <a:ext uri="{FF2B5EF4-FFF2-40B4-BE49-F238E27FC236}">
-                <a16:creationId xmlns="" xmlns:a16="http://schemas.microsoft.com/office/drawing/2014/main" id="{4023E551-C406-3018-93BB-FF68A02E0614}"/>
+                <a16:creationId xmlns:a16="http://schemas.microsoft.com/office/drawing/2014/main" xmlns="" id="{4023E551-C406-3018-93BB-FF68A02E0614}"/>
               </a:ext>
             </a:extLst>
           </p:cNvPr>
@@ -17975,7 +20887,7 @@
             <a:blip r:embed="rId2">
               <a:extLst>
                 <a:ext uri="{96DAC541-7B7A-43D3-8B79-37D633B846F1}">
-                  <asvg:svgBlip xmlns="" xmlns:asvg="http://schemas.microsoft.com/office/drawing/2016/SVG/main" r:embed="rId3"/>
+                  <asvg:svgBlip xmlns:asvg="http://schemas.microsoft.com/office/drawing/2016/SVG/main" xmlns="" r:embed="rId3"/>
                 </a:ext>
               </a:extLst>
             </a:blip>
@@ -17997,7 +20909,7 @@
           <p:cNvPr id="4" name="TextBox 4">
             <a:extLst>
               <a:ext uri="{FF2B5EF4-FFF2-40B4-BE49-F238E27FC236}">
-                <a16:creationId xmlns="" xmlns:a16="http://schemas.microsoft.com/office/drawing/2014/main" id="{A596F14F-4E44-4F62-7058-7BB8CD6ECAC1}"/>
+                <a16:creationId xmlns:a16="http://schemas.microsoft.com/office/drawing/2014/main" xmlns="" id="{A596F14F-4E44-4F62-7058-7BB8CD6ECAC1}"/>
               </a:ext>
             </a:extLst>
           </p:cNvPr>
@@ -18044,7 +20956,7 @@
           <p:cNvPr id="5" name="TextBox 5">
             <a:extLst>
               <a:ext uri="{FF2B5EF4-FFF2-40B4-BE49-F238E27FC236}">
-                <a16:creationId xmlns="" xmlns:a16="http://schemas.microsoft.com/office/drawing/2014/main" id="{3FA3232D-E1E7-8CD2-CA30-53C58B149E90}"/>
+                <a16:creationId xmlns:a16="http://schemas.microsoft.com/office/drawing/2014/main" xmlns="" id="{3FA3232D-E1E7-8CD2-CA30-53C58B149E90}"/>
               </a:ext>
             </a:extLst>
           </p:cNvPr>
@@ -18173,7 +21085,7 @@
             <a:blip r:embed="rId3">
               <a:extLst>
                 <a:ext uri="{96DAC541-7B7A-43D3-8B79-37D633B846F1}">
-                  <asvg:svgBlip xmlns="" xmlns:asvg="http://schemas.microsoft.com/office/drawing/2016/SVG/main" r:embed="rId4"/>
+                  <asvg:svgBlip xmlns:asvg="http://schemas.microsoft.com/office/drawing/2016/SVG/main" xmlns="" r:embed="rId4"/>
                 </a:ext>
               </a:extLst>
             </a:blip>
@@ -18232,7 +21144,7 @@
             <a:blip r:embed="rId3">
               <a:extLst>
                 <a:ext uri="{96DAC541-7B7A-43D3-8B79-37D633B846F1}">
-                  <asvg:svgBlip xmlns="" xmlns:asvg="http://schemas.microsoft.com/office/drawing/2016/SVG/main" r:embed="rId4"/>
+                  <asvg:svgBlip xmlns:asvg="http://schemas.microsoft.com/office/drawing/2016/SVG/main" xmlns="" r:embed="rId4"/>
                 </a:ext>
               </a:extLst>
             </a:blip>
@@ -18254,7 +21166,7 @@
           <p:cNvPr id="32" name="TextBox 12">
             <a:extLst>
               <a:ext uri="{FF2B5EF4-FFF2-40B4-BE49-F238E27FC236}">
-                <a16:creationId xmlns="" xmlns:a16="http://schemas.microsoft.com/office/drawing/2014/main" id="{DE720875-2EFB-732D-96D9-537FACBDB624}"/>
+                <a16:creationId xmlns:a16="http://schemas.microsoft.com/office/drawing/2014/main" xmlns="" id="{DE720875-2EFB-732D-96D9-537FACBDB624}"/>
               </a:ext>
             </a:extLst>
           </p:cNvPr>
@@ -18304,7 +21216,7 @@
           <p:cNvPr id="33" name="CasellaDiTesto 32">
             <a:extLst>
               <a:ext uri="{FF2B5EF4-FFF2-40B4-BE49-F238E27FC236}">
-                <a16:creationId xmlns="" xmlns:a16="http://schemas.microsoft.com/office/drawing/2014/main" id="{A4B7024A-8244-8CAF-5985-50A7A3008862}"/>
+                <a16:creationId xmlns:a16="http://schemas.microsoft.com/office/drawing/2014/main" xmlns="" id="{A4B7024A-8244-8CAF-5985-50A7A3008862}"/>
               </a:ext>
             </a:extLst>
           </p:cNvPr>
@@ -18341,7 +21253,7 @@
           <p:cNvPr id="34" name="CasellaDiTesto 33">
             <a:extLst>
               <a:ext uri="{FF2B5EF4-FFF2-40B4-BE49-F238E27FC236}">
-                <a16:creationId xmlns="" xmlns:a16="http://schemas.microsoft.com/office/drawing/2014/main" id="{0CD19AC9-973B-C56D-0255-234A53A8817E}"/>
+                <a16:creationId xmlns:a16="http://schemas.microsoft.com/office/drawing/2014/main" xmlns="" id="{0CD19AC9-973B-C56D-0255-234A53A8817E}"/>
               </a:ext>
             </a:extLst>
           </p:cNvPr>
@@ -18479,7 +21391,7 @@
           <p:cNvPr id="37" name="Connettore diritto 36">
             <a:extLst>
               <a:ext uri="{FF2B5EF4-FFF2-40B4-BE49-F238E27FC236}">
-                <a16:creationId xmlns="" xmlns:a16="http://schemas.microsoft.com/office/drawing/2014/main" id="{E464186F-D6BF-C8FF-3E9F-2D61D2090D96}"/>
+                <a16:creationId xmlns:a16="http://schemas.microsoft.com/office/drawing/2014/main" xmlns="" id="{E464186F-D6BF-C8FF-3E9F-2D61D2090D96}"/>
               </a:ext>
             </a:extLst>
           </p:cNvPr>
@@ -18517,7 +21429,7 @@
           <p:cNvPr id="46" name="Elemento grafico 45">
             <a:extLst>
               <a:ext uri="{FF2B5EF4-FFF2-40B4-BE49-F238E27FC236}">
-                <a16:creationId xmlns="" xmlns:a16="http://schemas.microsoft.com/office/drawing/2014/main" id="{662CD99D-A4A3-422B-E229-6DFFA5B3C279}"/>
+                <a16:creationId xmlns:a16="http://schemas.microsoft.com/office/drawing/2014/main" xmlns="" id="{662CD99D-A4A3-422B-E229-6DFFA5B3C279}"/>
               </a:ext>
             </a:extLst>
           </p:cNvPr>
@@ -18530,7 +21442,7 @@
           <a:blip r:embed="rId5">
             <a:extLst>
               <a:ext uri="{96DAC541-7B7A-43D3-8B79-37D633B846F1}">
-                <asvg:svgBlip xmlns="" xmlns:asvg="http://schemas.microsoft.com/office/drawing/2016/SVG/main" r:embed="rId6"/>
+                <asvg:svgBlip xmlns:asvg="http://schemas.microsoft.com/office/drawing/2016/SVG/main" xmlns="" r:embed="rId6"/>
               </a:ext>
             </a:extLst>
           </a:blip>
@@ -18553,7 +21465,7 @@
           <p:cNvPr id="47" name="CasellaDiTesto 46">
             <a:extLst>
               <a:ext uri="{FF2B5EF4-FFF2-40B4-BE49-F238E27FC236}">
-                <a16:creationId xmlns="" xmlns:a16="http://schemas.microsoft.com/office/drawing/2014/main" id="{256E1A95-156C-B975-5224-468DD117B0C9}"/>
+                <a16:creationId xmlns:a16="http://schemas.microsoft.com/office/drawing/2014/main" xmlns="" id="{256E1A95-156C-B975-5224-468DD117B0C9}"/>
               </a:ext>
             </a:extLst>
           </p:cNvPr>
@@ -18943,7 +21855,7 @@
         <p:cNvPr id="1" name="">
           <a:extLst>
             <a:ext uri="{FF2B5EF4-FFF2-40B4-BE49-F238E27FC236}">
-              <a16:creationId xmlns="" xmlns:a16="http://schemas.microsoft.com/office/drawing/2014/main" id="{392E2991-4D31-C748-5D1C-875A164429D7}"/>
+              <a16:creationId xmlns:a16="http://schemas.microsoft.com/office/drawing/2014/main" xmlns="" id="{392E2991-4D31-C748-5D1C-875A164429D7}"/>
             </a:ext>
           </a:extLst>
         </p:cNvPr>
@@ -18963,7 +21875,7 @@
           <p:cNvPr id="4" name="Freeform 2">
             <a:extLst>
               <a:ext uri="{FF2B5EF4-FFF2-40B4-BE49-F238E27FC236}">
-                <a16:creationId xmlns="" xmlns:a16="http://schemas.microsoft.com/office/drawing/2014/main" id="{34F8792F-D09D-357E-9B56-221F91C4B6C6}"/>
+                <a16:creationId xmlns:a16="http://schemas.microsoft.com/office/drawing/2014/main" xmlns="" id="{34F8792F-D09D-357E-9B56-221F91C4B6C6}"/>
               </a:ext>
             </a:extLst>
           </p:cNvPr>
@@ -19006,7 +21918,7 @@
             <a:blip r:embed="rId3">
               <a:extLst>
                 <a:ext uri="{96DAC541-7B7A-43D3-8B79-37D633B846F1}">
-                  <asvg:svgBlip xmlns="" xmlns:asvg="http://schemas.microsoft.com/office/drawing/2016/SVG/main" r:embed="rId4"/>
+                  <asvg:svgBlip xmlns:asvg="http://schemas.microsoft.com/office/drawing/2016/SVG/main" xmlns="" r:embed="rId4"/>
                 </a:ext>
               </a:extLst>
             </a:blip>
@@ -19028,7 +21940,7 @@
           <p:cNvPr id="5" name="Freeform 29">
             <a:extLst>
               <a:ext uri="{FF2B5EF4-FFF2-40B4-BE49-F238E27FC236}">
-                <a16:creationId xmlns="" xmlns:a16="http://schemas.microsoft.com/office/drawing/2014/main" id="{262C7309-7F0A-16C5-5F18-670375BC987B}"/>
+                <a16:creationId xmlns:a16="http://schemas.microsoft.com/office/drawing/2014/main" xmlns="" id="{262C7309-7F0A-16C5-5F18-670375BC987B}"/>
               </a:ext>
             </a:extLst>
           </p:cNvPr>
@@ -19071,7 +21983,7 @@
             <a:blip r:embed="rId3">
               <a:extLst>
                 <a:ext uri="{96DAC541-7B7A-43D3-8B79-37D633B846F1}">
-                  <asvg:svgBlip xmlns="" xmlns:asvg="http://schemas.microsoft.com/office/drawing/2016/SVG/main" r:embed="rId4"/>
+                  <asvg:svgBlip xmlns:asvg="http://schemas.microsoft.com/office/drawing/2016/SVG/main" xmlns="" r:embed="rId4"/>
                 </a:ext>
               </a:extLst>
             </a:blip>
@@ -19093,7 +22005,7 @@
           <p:cNvPr id="6" name="TextBox 12">
             <a:extLst>
               <a:ext uri="{FF2B5EF4-FFF2-40B4-BE49-F238E27FC236}">
-                <a16:creationId xmlns="" xmlns:a16="http://schemas.microsoft.com/office/drawing/2014/main" id="{0F24BF96-7FD9-5DD6-9931-176DB011A4CD}"/>
+                <a16:creationId xmlns:a16="http://schemas.microsoft.com/office/drawing/2014/main" xmlns="" id="{0F24BF96-7FD9-5DD6-9931-176DB011A4CD}"/>
               </a:ext>
             </a:extLst>
           </p:cNvPr>
@@ -19143,7 +22055,7 @@
           <p:cNvPr id="7" name="CasellaDiTesto 6">
             <a:extLst>
               <a:ext uri="{FF2B5EF4-FFF2-40B4-BE49-F238E27FC236}">
-                <a16:creationId xmlns="" xmlns:a16="http://schemas.microsoft.com/office/drawing/2014/main" id="{F08B9066-B9F9-6657-371B-939779EF9E2D}"/>
+                <a16:creationId xmlns:a16="http://schemas.microsoft.com/office/drawing/2014/main" xmlns="" id="{F08B9066-B9F9-6657-371B-939779EF9E2D}"/>
               </a:ext>
             </a:extLst>
           </p:cNvPr>
@@ -19184,7 +22096,7 @@
           <p:cNvPr id="8" name="CasellaDiTesto 7">
             <a:extLst>
               <a:ext uri="{FF2B5EF4-FFF2-40B4-BE49-F238E27FC236}">
-                <a16:creationId xmlns="" xmlns:a16="http://schemas.microsoft.com/office/drawing/2014/main" id="{8D0D12B3-0872-B1A0-A03F-DEE0128E1FCE}"/>
+                <a16:creationId xmlns:a16="http://schemas.microsoft.com/office/drawing/2014/main" xmlns="" id="{8D0D12B3-0872-B1A0-A03F-DEE0128E1FCE}"/>
               </a:ext>
             </a:extLst>
           </p:cNvPr>
@@ -19398,7 +22310,7 @@
           <p:cNvPr id="9" name="Connettore diritto 8">
             <a:extLst>
               <a:ext uri="{FF2B5EF4-FFF2-40B4-BE49-F238E27FC236}">
-                <a16:creationId xmlns="" xmlns:a16="http://schemas.microsoft.com/office/drawing/2014/main" id="{290A2095-D408-0070-8208-2ECEB8D40867}"/>
+                <a16:creationId xmlns:a16="http://schemas.microsoft.com/office/drawing/2014/main" xmlns="" id="{290A2095-D408-0070-8208-2ECEB8D40867}"/>
               </a:ext>
             </a:extLst>
           </p:cNvPr>
@@ -19436,7 +22348,7 @@
           <p:cNvPr id="16" name="CasellaDiTesto 15">
             <a:extLst>
               <a:ext uri="{FF2B5EF4-FFF2-40B4-BE49-F238E27FC236}">
-                <a16:creationId xmlns="" xmlns:a16="http://schemas.microsoft.com/office/drawing/2014/main" id="{5D70B73F-CEEA-99C6-B35B-3225F88F303B}"/>
+                <a16:creationId xmlns:a16="http://schemas.microsoft.com/office/drawing/2014/main" xmlns="" id="{5D70B73F-CEEA-99C6-B35B-3225F88F303B}"/>
               </a:ext>
             </a:extLst>
           </p:cNvPr>
@@ -19475,7 +22387,7 @@
           <p:cNvPr id="21" name="Immagine 20" descr="Immagine che contiene Carattere, Elementi grafici, schermata, logo&#10;&#10;Descrizione generata automaticamente">
             <a:extLst>
               <a:ext uri="{FF2B5EF4-FFF2-40B4-BE49-F238E27FC236}">
-                <a16:creationId xmlns="" xmlns:a16="http://schemas.microsoft.com/office/drawing/2014/main" id="{2009849F-08C6-542F-CC54-6C7FF83853BA}"/>
+                <a16:creationId xmlns:a16="http://schemas.microsoft.com/office/drawing/2014/main" xmlns="" id="{2009849F-08C6-542F-CC54-6C7FF83853BA}"/>
               </a:ext>
             </a:extLst>
           </p:cNvPr>
@@ -19991,7 +22903,7 @@
         <p:cNvPr id="1" name="">
           <a:extLst>
             <a:ext uri="{FF2B5EF4-FFF2-40B4-BE49-F238E27FC236}">
-              <a16:creationId xmlns="" xmlns:a16="http://schemas.microsoft.com/office/drawing/2014/main" id="{70895148-0FAE-1ED1-6335-A9C56D4A01BB}"/>
+              <a16:creationId xmlns:a16="http://schemas.microsoft.com/office/drawing/2014/main" xmlns="" id="{70895148-0FAE-1ED1-6335-A9C56D4A01BB}"/>
             </a:ext>
           </a:extLst>
         </p:cNvPr>
@@ -20011,7 +22923,7 @@
           <p:cNvPr id="2" name="Freeform 2">
             <a:extLst>
               <a:ext uri="{FF2B5EF4-FFF2-40B4-BE49-F238E27FC236}">
-                <a16:creationId xmlns="" xmlns:a16="http://schemas.microsoft.com/office/drawing/2014/main" id="{6B18B3F0-9EDF-B07B-C80C-ED8DCCC4D037}"/>
+                <a16:creationId xmlns:a16="http://schemas.microsoft.com/office/drawing/2014/main" xmlns="" id="{6B18B3F0-9EDF-B07B-C80C-ED8DCCC4D037}"/>
               </a:ext>
             </a:extLst>
           </p:cNvPr>
@@ -20054,7 +22966,7 @@
             <a:blip r:embed="rId2">
               <a:extLst>
                 <a:ext uri="{96DAC541-7B7A-43D3-8B79-37D633B846F1}">
-                  <asvg:svgBlip xmlns="" xmlns:asvg="http://schemas.microsoft.com/office/drawing/2016/SVG/main" r:embed="rId3"/>
+                  <asvg:svgBlip xmlns:asvg="http://schemas.microsoft.com/office/drawing/2016/SVG/main" xmlns="" r:embed="rId3"/>
                 </a:ext>
               </a:extLst>
             </a:blip>
@@ -20076,7 +22988,7 @@
           <p:cNvPr id="3" name="Freeform 3">
             <a:extLst>
               <a:ext uri="{FF2B5EF4-FFF2-40B4-BE49-F238E27FC236}">
-                <a16:creationId xmlns="" xmlns:a16="http://schemas.microsoft.com/office/drawing/2014/main" id="{7414D62A-C911-52C2-A72D-E650FF3955EA}"/>
+                <a16:creationId xmlns:a16="http://schemas.microsoft.com/office/drawing/2014/main" xmlns="" id="{7414D62A-C911-52C2-A72D-E650FF3955EA}"/>
               </a:ext>
             </a:extLst>
           </p:cNvPr>
@@ -20119,7 +23031,7 @@
             <a:blip r:embed="rId2">
               <a:extLst>
                 <a:ext uri="{96DAC541-7B7A-43D3-8B79-37D633B846F1}">
-                  <asvg:svgBlip xmlns="" xmlns:asvg="http://schemas.microsoft.com/office/drawing/2016/SVG/main" r:embed="rId3"/>
+                  <asvg:svgBlip xmlns:asvg="http://schemas.microsoft.com/office/drawing/2016/SVG/main" xmlns="" r:embed="rId3"/>
                 </a:ext>
               </a:extLst>
             </a:blip>
@@ -20141,7 +23053,7 @@
           <p:cNvPr id="4" name="TextBox 4">
             <a:extLst>
               <a:ext uri="{FF2B5EF4-FFF2-40B4-BE49-F238E27FC236}">
-                <a16:creationId xmlns="" xmlns:a16="http://schemas.microsoft.com/office/drawing/2014/main" id="{406D5E85-7BF0-2865-7008-D1F41E34D86A}"/>
+                <a16:creationId xmlns:a16="http://schemas.microsoft.com/office/drawing/2014/main" xmlns="" id="{406D5E85-7BF0-2865-7008-D1F41E34D86A}"/>
               </a:ext>
             </a:extLst>
           </p:cNvPr>
@@ -20188,7 +23100,7 @@
           <p:cNvPr id="5" name="TextBox 5">
             <a:extLst>
               <a:ext uri="{FF2B5EF4-FFF2-40B4-BE49-F238E27FC236}">
-                <a16:creationId xmlns="" xmlns:a16="http://schemas.microsoft.com/office/drawing/2014/main" id="{0BCE687B-2894-BC19-128C-FCBA29668FD8}"/>
+                <a16:creationId xmlns:a16="http://schemas.microsoft.com/office/drawing/2014/main" xmlns="" id="{0BCE687B-2894-BC19-128C-FCBA29668FD8}"/>
               </a:ext>
             </a:extLst>
           </p:cNvPr>
@@ -20259,7 +23171,7 @@
         <p:cNvPr id="1" name="">
           <a:extLst>
             <a:ext uri="{FF2B5EF4-FFF2-40B4-BE49-F238E27FC236}">
-              <a16:creationId xmlns="" xmlns:a16="http://schemas.microsoft.com/office/drawing/2014/main" id="{9736A90B-3719-5DDD-F942-58D52CD78C6F}"/>
+              <a16:creationId xmlns:a16="http://schemas.microsoft.com/office/drawing/2014/main" xmlns="" id="{9736A90B-3719-5DDD-F942-58D52CD78C6F}"/>
             </a:ext>
           </a:extLst>
         </p:cNvPr>
@@ -20279,7 +23191,7 @@
           <p:cNvPr id="2" name="Freeform 2">
             <a:extLst>
               <a:ext uri="{FF2B5EF4-FFF2-40B4-BE49-F238E27FC236}">
-                <a16:creationId xmlns="" xmlns:a16="http://schemas.microsoft.com/office/drawing/2014/main" id="{431CC735-8131-9830-BD35-F449F5C853E0}"/>
+                <a16:creationId xmlns:a16="http://schemas.microsoft.com/office/drawing/2014/main" xmlns="" id="{431CC735-8131-9830-BD35-F449F5C853E0}"/>
               </a:ext>
             </a:extLst>
           </p:cNvPr>
@@ -20322,7 +23234,7 @@
             <a:blip r:embed="rId3">
               <a:extLst>
                 <a:ext uri="{96DAC541-7B7A-43D3-8B79-37D633B846F1}">
-                  <asvg:svgBlip xmlns="" xmlns:asvg="http://schemas.microsoft.com/office/drawing/2016/SVG/main" r:embed="rId4"/>
+                  <asvg:svgBlip xmlns:asvg="http://schemas.microsoft.com/office/drawing/2016/SVG/main" xmlns="" r:embed="rId4"/>
                 </a:ext>
               </a:extLst>
             </a:blip>
@@ -20344,7 +23256,7 @@
           <p:cNvPr id="3" name="TextBox 12">
             <a:extLst>
               <a:ext uri="{FF2B5EF4-FFF2-40B4-BE49-F238E27FC236}">
-                <a16:creationId xmlns="" xmlns:a16="http://schemas.microsoft.com/office/drawing/2014/main" id="{7C543FC1-7839-64EA-2C4C-F60DDDDAE90E}"/>
+                <a16:creationId xmlns:a16="http://schemas.microsoft.com/office/drawing/2014/main" xmlns="" id="{7C543FC1-7839-64EA-2C4C-F60DDDDAE90E}"/>
               </a:ext>
             </a:extLst>
           </p:cNvPr>
@@ -20394,7 +23306,7 @@
           <p:cNvPr id="4" name="Connettore diritto 3">
             <a:extLst>
               <a:ext uri="{FF2B5EF4-FFF2-40B4-BE49-F238E27FC236}">
-                <a16:creationId xmlns="" xmlns:a16="http://schemas.microsoft.com/office/drawing/2014/main" id="{7070E5F7-CB90-2C07-03AD-BC017C167A89}"/>
+                <a16:creationId xmlns:a16="http://schemas.microsoft.com/office/drawing/2014/main" xmlns="" id="{7070E5F7-CB90-2C07-03AD-BC017C167A89}"/>
               </a:ext>
             </a:extLst>
           </p:cNvPr>
@@ -20432,7 +23344,7 @@
           <p:cNvPr id="5" name="CasellaDiTesto 4">
             <a:extLst>
               <a:ext uri="{FF2B5EF4-FFF2-40B4-BE49-F238E27FC236}">
-                <a16:creationId xmlns="" xmlns:a16="http://schemas.microsoft.com/office/drawing/2014/main" id="{3C51120D-3D40-5CCC-7363-B12D3856D9E6}"/>
+                <a16:creationId xmlns:a16="http://schemas.microsoft.com/office/drawing/2014/main" xmlns="" id="{3C51120D-3D40-5CCC-7363-B12D3856D9E6}"/>
               </a:ext>
             </a:extLst>
           </p:cNvPr>
@@ -20473,7 +23385,7 @@
           <p:cNvPr id="7" name="Connettore diritto 6">
             <a:extLst>
               <a:ext uri="{FF2B5EF4-FFF2-40B4-BE49-F238E27FC236}">
-                <a16:creationId xmlns="" xmlns:a16="http://schemas.microsoft.com/office/drawing/2014/main" id="{9EB87AE7-B0F8-33A2-EB25-4E82DD0C7D18}"/>
+                <a16:creationId xmlns:a16="http://schemas.microsoft.com/office/drawing/2014/main" xmlns="" id="{9EB87AE7-B0F8-33A2-EB25-4E82DD0C7D18}"/>
               </a:ext>
             </a:extLst>
           </p:cNvPr>
@@ -20511,7 +23423,7 @@
           <p:cNvPr id="8" name="CasellaDiTesto 7">
             <a:extLst>
               <a:ext uri="{FF2B5EF4-FFF2-40B4-BE49-F238E27FC236}">
-                <a16:creationId xmlns="" xmlns:a16="http://schemas.microsoft.com/office/drawing/2014/main" id="{7890ED40-D9A8-C0FF-E71D-EE5AFABADC6A}"/>
+                <a16:creationId xmlns:a16="http://schemas.microsoft.com/office/drawing/2014/main" xmlns="" id="{7890ED40-D9A8-C0FF-E71D-EE5AFABADC6A}"/>
               </a:ext>
             </a:extLst>
           </p:cNvPr>
@@ -20546,7 +23458,7 @@
           <p:cNvPr id="9" name="CasellaDiTesto 8">
             <a:extLst>
               <a:ext uri="{FF2B5EF4-FFF2-40B4-BE49-F238E27FC236}">
-                <a16:creationId xmlns="" xmlns:a16="http://schemas.microsoft.com/office/drawing/2014/main" id="{2456E5D9-6BCE-59B4-7C33-0A40A7241D52}"/>
+                <a16:creationId xmlns:a16="http://schemas.microsoft.com/office/drawing/2014/main" xmlns="" id="{2456E5D9-6BCE-59B4-7C33-0A40A7241D52}"/>
               </a:ext>
             </a:extLst>
           </p:cNvPr>
@@ -20582,7 +23494,7 @@
           <p:cNvPr id="10" name="Freeform 29">
             <a:extLst>
               <a:ext uri="{FF2B5EF4-FFF2-40B4-BE49-F238E27FC236}">
-                <a16:creationId xmlns="" xmlns:a16="http://schemas.microsoft.com/office/drawing/2014/main" id="{B0640536-8278-EF0D-78C7-CD5FED30BB38}"/>
+                <a16:creationId xmlns:a16="http://schemas.microsoft.com/office/drawing/2014/main" xmlns="" id="{B0640536-8278-EF0D-78C7-CD5FED30BB38}"/>
               </a:ext>
             </a:extLst>
           </p:cNvPr>
@@ -20625,7 +23537,7 @@
             <a:blip r:embed="rId3">
               <a:extLst>
                 <a:ext uri="{96DAC541-7B7A-43D3-8B79-37D633B846F1}">
-                  <asvg:svgBlip xmlns="" xmlns:asvg="http://schemas.microsoft.com/office/drawing/2016/SVG/main" r:embed="rId4"/>
+                  <asvg:svgBlip xmlns:asvg="http://schemas.microsoft.com/office/drawing/2016/SVG/main" xmlns="" r:embed="rId4"/>
                 </a:ext>
               </a:extLst>
             </a:blip>
@@ -20647,7 +23559,7 @@
           <p:cNvPr id="15" name="CasellaDiTesto 14">
             <a:extLst>
               <a:ext uri="{FF2B5EF4-FFF2-40B4-BE49-F238E27FC236}">
-                <a16:creationId xmlns="" xmlns:a16="http://schemas.microsoft.com/office/drawing/2014/main" id="{C11CE04E-B11A-C17B-B985-2AA8B6DDC110}"/>
+                <a16:creationId xmlns:a16="http://schemas.microsoft.com/office/drawing/2014/main" xmlns="" id="{C11CE04E-B11A-C17B-B985-2AA8B6DDC110}"/>
               </a:ext>
             </a:extLst>
           </p:cNvPr>
@@ -20896,7 +23808,7 @@
           <p:cNvPr id="18" name="CasellaDiTesto 17">
             <a:extLst>
               <a:ext uri="{FF2B5EF4-FFF2-40B4-BE49-F238E27FC236}">
-                <a16:creationId xmlns="" xmlns:a16="http://schemas.microsoft.com/office/drawing/2014/main" id="{4CA30EEA-AE8C-0882-E460-73FC9AB28F39}"/>
+                <a16:creationId xmlns:a16="http://schemas.microsoft.com/office/drawing/2014/main" xmlns="" id="{4CA30EEA-AE8C-0882-E460-73FC9AB28F39}"/>
               </a:ext>
             </a:extLst>
           </p:cNvPr>
@@ -21607,7 +24519,7 @@
           <p:cNvPr id="19" name="CasellaDiTesto 18">
             <a:extLst>
               <a:ext uri="{FF2B5EF4-FFF2-40B4-BE49-F238E27FC236}">
-                <a16:creationId xmlns="" xmlns:a16="http://schemas.microsoft.com/office/drawing/2014/main" id="{397F616F-70C3-B538-6D47-76C69C2F77C3}"/>
+                <a16:creationId xmlns:a16="http://schemas.microsoft.com/office/drawing/2014/main" xmlns="" id="{397F616F-70C3-B538-6D47-76C69C2F77C3}"/>
               </a:ext>
             </a:extLst>
           </p:cNvPr>
@@ -21642,7 +24554,7 @@
           <p:cNvPr id="23" name="CasellaDiTesto 22">
             <a:extLst>
               <a:ext uri="{FF2B5EF4-FFF2-40B4-BE49-F238E27FC236}">
-                <a16:creationId xmlns="" xmlns:a16="http://schemas.microsoft.com/office/drawing/2014/main" id="{03BC5CB8-640A-EF19-0627-B49C0A61E99D}"/>
+                <a16:creationId xmlns:a16="http://schemas.microsoft.com/office/drawing/2014/main" xmlns="" id="{03BC5CB8-640A-EF19-0627-B49C0A61E99D}"/>
               </a:ext>
             </a:extLst>
           </p:cNvPr>
@@ -22259,7 +25171,7 @@
           <p:cNvPr id="30" name="CasellaDiTesto 29">
             <a:extLst>
               <a:ext uri="{FF2B5EF4-FFF2-40B4-BE49-F238E27FC236}">
-                <a16:creationId xmlns="" xmlns:a16="http://schemas.microsoft.com/office/drawing/2014/main" id="{3473409A-097C-25EB-B9A0-9F574493CCF9}"/>
+                <a16:creationId xmlns:a16="http://schemas.microsoft.com/office/drawing/2014/main" xmlns="" id="{3473409A-097C-25EB-B9A0-9F574493CCF9}"/>
               </a:ext>
             </a:extLst>
           </p:cNvPr>
@@ -22363,7 +25275,7 @@
           <p:cNvPr id="35" name="Connettore diritto 34">
             <a:extLst>
               <a:ext uri="{FF2B5EF4-FFF2-40B4-BE49-F238E27FC236}">
-                <a16:creationId xmlns="" xmlns:a16="http://schemas.microsoft.com/office/drawing/2014/main" id="{6FC4DF27-7F7A-5DA7-C9D9-E779B1E177DA}"/>
+                <a16:creationId xmlns:a16="http://schemas.microsoft.com/office/drawing/2014/main" xmlns="" id="{6FC4DF27-7F7A-5DA7-C9D9-E779B1E177DA}"/>
               </a:ext>
             </a:extLst>
           </p:cNvPr>

--- a/ros_presentation.pptx
+++ b/ros_presentation.pptx
@@ -5,7 +5,7 @@
     <p:sldMasterId id="2147483648" r:id="rId1"/>
   </p:sldMasterIdLst>
   <p:notesMasterIdLst>
-    <p:notesMasterId r:id="rId19"/>
+    <p:notesMasterId r:id="rId21"/>
   </p:notesMasterIdLst>
   <p:sldIdLst>
     <p:sldId id="256" r:id="rId2"/>
@@ -14,50 +14,52 @@
     <p:sldId id="259" r:id="rId5"/>
     <p:sldId id="267" r:id="rId6"/>
     <p:sldId id="260" r:id="rId7"/>
-    <p:sldId id="269" r:id="rId8"/>
-    <p:sldId id="266" r:id="rId9"/>
-    <p:sldId id="268" r:id="rId10"/>
-    <p:sldId id="270" r:id="rId11"/>
-    <p:sldId id="271" r:id="rId12"/>
-    <p:sldId id="272" r:id="rId13"/>
-    <p:sldId id="274" r:id="rId14"/>
-    <p:sldId id="273" r:id="rId15"/>
-    <p:sldId id="265" r:id="rId16"/>
-    <p:sldId id="263" r:id="rId17"/>
-    <p:sldId id="264" r:id="rId18"/>
+    <p:sldId id="275" r:id="rId8"/>
+    <p:sldId id="269" r:id="rId9"/>
+    <p:sldId id="276" r:id="rId10"/>
+    <p:sldId id="266" r:id="rId11"/>
+    <p:sldId id="268" r:id="rId12"/>
+    <p:sldId id="270" r:id="rId13"/>
+    <p:sldId id="271" r:id="rId14"/>
+    <p:sldId id="272" r:id="rId15"/>
+    <p:sldId id="274" r:id="rId16"/>
+    <p:sldId id="273" r:id="rId17"/>
+    <p:sldId id="265" r:id="rId18"/>
+    <p:sldId id="263" r:id="rId19"/>
+    <p:sldId id="264" r:id="rId20"/>
   </p:sldIdLst>
   <p:sldSz cx="18288000" cy="10287000"/>
   <p:notesSz cx="6858000" cy="9144000"/>
   <p:embeddedFontLst>
     <p:embeddedFont>
-      <p:font typeface="Calibri" panose="020F0502020204030204" pitchFamily="34" charset="0"/>
-      <p:regular r:id="rId20"/>
-      <p:bold r:id="rId21"/>
-      <p:italic r:id="rId22"/>
-      <p:boldItalic r:id="rId23"/>
+      <p:font typeface="DM Sans Italics" panose="020B0604020202020204" charset="0"/>
+      <p:regular r:id="rId22"/>
     </p:embeddedFont>
     <p:embeddedFont>
-      <p:font typeface="DM Sans" panose="020B0604020202020204" charset="0"/>
-      <p:regular r:id="rId24"/>
-      <p:bold r:id="rId25"/>
-      <p:italic r:id="rId26"/>
-      <p:boldItalic r:id="rId27"/>
+      <p:font typeface="Calibri" panose="020F0502020204030204" pitchFamily="34" charset="0"/>
+      <p:regular r:id="rId23"/>
+      <p:bold r:id="rId24"/>
+      <p:italic r:id="rId25"/>
+      <p:boldItalic r:id="rId26"/>
+    </p:embeddedFont>
+    <p:embeddedFont>
+      <p:font typeface="Oswald Bold" panose="020B0604020202020204" charset="0"/>
+      <p:regular r:id="rId27"/>
     </p:embeddedFont>
     <p:embeddedFont>
       <p:font typeface="Open Sans Bold" panose="020B0604020202020204" charset="0"/>
       <p:regular r:id="rId28"/>
     </p:embeddedFont>
     <p:embeddedFont>
-      <p:font typeface="DM Sans Italics" panose="020B0604020202020204" charset="0"/>
+      <p:font typeface="DM Sans" panose="020B0604020202020204" charset="0"/>
       <p:regular r:id="rId29"/>
-    </p:embeddedFont>
-    <p:embeddedFont>
-      <p:font typeface="Oswald Bold" panose="020B0604020202020204" charset="0"/>
-      <p:regular r:id="rId30"/>
+      <p:bold r:id="rId30"/>
+      <p:italic r:id="rId31"/>
+      <p:boldItalic r:id="rId32"/>
     </p:embeddedFont>
     <p:embeddedFont>
       <p:font typeface="DM Sans Bold" panose="020B0604020202020204" charset="0"/>
-      <p:regular r:id="rId31"/>
+      <p:regular r:id="rId33"/>
     </p:embeddedFont>
   </p:embeddedFontLst>
   <p:defaultTextStyle>
@@ -174,7 +176,9 @@
           <p14:sldIdLst>
             <p14:sldId id="267"/>
             <p14:sldId id="260"/>
+            <p14:sldId id="275"/>
             <p14:sldId id="269"/>
+            <p14:sldId id="276"/>
           </p14:sldIdLst>
         </p14:section>
         <p14:section name="Structure" id="{766C5C2E-D8C8-4360-B505-D4816A8F72D6}">
@@ -198,7 +202,7 @@
       </p14:sectionLst>
     </p:ext>
     <p:ext uri="{EFAFB233-063F-42B5-8137-9DF3F51BA10A}">
-      <p15:sldGuideLst xmlns:p15="http://schemas.microsoft.com/office/powerpoint/2012/main" xmlns="">
+      <p15:sldGuideLst xmlns="" xmlns:p15="http://schemas.microsoft.com/office/powerpoint/2012/main">
         <p15:guide id="1" orient="horz" pos="2160">
           <p15:clr>
             <a:srgbClr val="A4A3A4"/>
@@ -297,7 +301,7 @@
           <a:p>
             <a:fld id="{B7268E1E-0E44-426D-905E-8AD9B19D2182}" type="datetimeFigureOut">
               <a:rPr lang="cs-CZ" smtClean="0"/>
-              <a:t>07.01.2025</a:t>
+              <a:t>08.01.2025</a:t>
             </a:fld>
             <a:endParaRPr lang="cs-CZ"/>
           </a:p>
@@ -788,7 +792,7 @@
         <p:cNvPr id="1" name="">
           <a:extLst>
             <a:ext uri="{FF2B5EF4-FFF2-40B4-BE49-F238E27FC236}">
-              <a16:creationId xmlns:a16="http://schemas.microsoft.com/office/drawing/2014/main" xmlns="" id="{59F3F42D-E269-2DCA-A8F5-76D24DF14F26}"/>
+              <a16:creationId xmlns="" xmlns:a16="http://schemas.microsoft.com/office/drawing/2014/main" id="{C4311C3A-40E3-4828-7C2D-3257D2386C46}"/>
             </a:ext>
           </a:extLst>
         </p:cNvPr>
@@ -808,7 +812,7 @@
           <p:cNvPr id="2" name="Header Placeholder 1">
             <a:extLst>
               <a:ext uri="{FF2B5EF4-FFF2-40B4-BE49-F238E27FC236}">
-                <a16:creationId xmlns:a16="http://schemas.microsoft.com/office/drawing/2014/main" xmlns="" id="{EFC2DE4D-F11A-AB22-BDC4-2E58067479DC}"/>
+                <a16:creationId xmlns="" xmlns:a16="http://schemas.microsoft.com/office/drawing/2014/main" id="{3C6E3C0A-01CC-2F23-5706-815937E232A7}"/>
               </a:ext>
             </a:extLst>
           </p:cNvPr>
@@ -845,7 +849,7 @@
           <p:cNvPr id="3" name="Date Placeholder 2">
             <a:extLst>
               <a:ext uri="{FF2B5EF4-FFF2-40B4-BE49-F238E27FC236}">
-                <a16:creationId xmlns:a16="http://schemas.microsoft.com/office/drawing/2014/main" xmlns="" id="{B6E0818F-9EAB-62D6-53DA-18C16359CE02}"/>
+                <a16:creationId xmlns="" xmlns:a16="http://schemas.microsoft.com/office/drawing/2014/main" id="{D73F766D-3A13-0CDF-11C1-DF545BC50678}"/>
               </a:ext>
             </a:extLst>
           </p:cNvPr>
@@ -885,7 +889,7 @@
           <p:cNvPr id="4" name="Slide Image Placeholder 3">
             <a:extLst>
               <a:ext uri="{FF2B5EF4-FFF2-40B4-BE49-F238E27FC236}">
-                <a16:creationId xmlns:a16="http://schemas.microsoft.com/office/drawing/2014/main" xmlns="" id="{4FA0D35C-0B5D-4DCD-6104-D3BDC3D87FBF}"/>
+                <a16:creationId xmlns="" xmlns:a16="http://schemas.microsoft.com/office/drawing/2014/main" id="{43F7AC21-2A72-DDB4-DCAC-43706BBC9764}"/>
               </a:ext>
             </a:extLst>
           </p:cNvPr>
@@ -924,7 +928,7 @@
           <p:cNvPr id="5" name="Notes Placeholder 4">
             <a:extLst>
               <a:ext uri="{FF2B5EF4-FFF2-40B4-BE49-F238E27FC236}">
-                <a16:creationId xmlns:a16="http://schemas.microsoft.com/office/drawing/2014/main" xmlns="" id="{59338ACF-EB60-01FD-45D4-64A8EB07613E}"/>
+                <a16:creationId xmlns="" xmlns:a16="http://schemas.microsoft.com/office/drawing/2014/main" id="{532CA9A3-956A-FEFB-3B26-F46BFE93B0FD}"/>
               </a:ext>
             </a:extLst>
           </p:cNvPr>
@@ -957,7 +961,7 @@
           <p:cNvPr id="6" name="Footer Placeholder 5">
             <a:extLst>
               <a:ext uri="{FF2B5EF4-FFF2-40B4-BE49-F238E27FC236}">
-                <a16:creationId xmlns:a16="http://schemas.microsoft.com/office/drawing/2014/main" xmlns="" id="{7FF312EE-B62E-BEF1-9830-B298A75A7129}"/>
+                <a16:creationId xmlns="" xmlns:a16="http://schemas.microsoft.com/office/drawing/2014/main" id="{980C98CE-72C8-902A-9126-0D5D09954A4E}"/>
               </a:ext>
             </a:extLst>
           </p:cNvPr>
@@ -994,7 +998,7 @@
           <p:cNvPr id="7" name="Slide Number Placeholder 6">
             <a:extLst>
               <a:ext uri="{FF2B5EF4-FFF2-40B4-BE49-F238E27FC236}">
-                <a16:creationId xmlns:a16="http://schemas.microsoft.com/office/drawing/2014/main" xmlns="" id="{4E5B2B66-6E7B-698C-6749-349C8256C52E}"/>
+                <a16:creationId xmlns="" xmlns:a16="http://schemas.microsoft.com/office/drawing/2014/main" id="{D6C722EE-4FAB-03C1-D553-AFFD260B2EFE}"/>
               </a:ext>
             </a:extLst>
           </p:cNvPr>
@@ -1032,6 +1036,530 @@
     </p:spTree>
     <p:extLst>
       <p:ext uri="{BB962C8B-B14F-4D97-AF65-F5344CB8AC3E}">
+        <p14:creationId xmlns:p14="http://schemas.microsoft.com/office/powerpoint/2010/main" val="3420654350"/>
+      </p:ext>
+    </p:extLst>
+  </p:cSld>
+  <p:clrMapOvr>
+    <a:masterClrMapping/>
+  </p:clrMapOvr>
+</p:notes>
+</file>
+
+<file path=ppt/notesSlides/notesSlide11.xml><?xml version="1.0" encoding="utf-8"?>
+<p:notes xmlns:a="http://schemas.openxmlformats.org/drawingml/2006/main" xmlns:r="http://schemas.openxmlformats.org/officeDocument/2006/relationships" xmlns:p="http://schemas.openxmlformats.org/presentationml/2006/main">
+  <p:cSld>
+    <p:spTree>
+      <p:nvGrpSpPr>
+        <p:cNvPr id="1" name="">
+          <a:extLst>
+            <a:ext uri="{FF2B5EF4-FFF2-40B4-BE49-F238E27FC236}">
+              <a16:creationId xmlns="" xmlns:a16="http://schemas.microsoft.com/office/drawing/2014/main" id="{C4311C3A-40E3-4828-7C2D-3257D2386C46}"/>
+            </a:ext>
+          </a:extLst>
+        </p:cNvPr>
+        <p:cNvGrpSpPr/>
+        <p:nvPr/>
+      </p:nvGrpSpPr>
+      <p:grpSpPr>
+        <a:xfrm>
+          <a:off x="0" y="0"/>
+          <a:ext cx="0" cy="0"/>
+          <a:chOff x="0" y="0"/>
+          <a:chExt cx="0" cy="0"/>
+        </a:xfrm>
+      </p:grpSpPr>
+      <p:sp>
+        <p:nvSpPr>
+          <p:cNvPr id="2" name="Header Placeholder 1">
+            <a:extLst>
+              <a:ext uri="{FF2B5EF4-FFF2-40B4-BE49-F238E27FC236}">
+                <a16:creationId xmlns="" xmlns:a16="http://schemas.microsoft.com/office/drawing/2014/main" id="{3C6E3C0A-01CC-2F23-5706-815937E232A7}"/>
+              </a:ext>
+            </a:extLst>
+          </p:cNvPr>
+          <p:cNvSpPr>
+            <a:spLocks noGrp="1"/>
+          </p:cNvSpPr>
+          <p:nvPr>
+            <p:ph type="hdr" sz="quarter"/>
+          </p:nvPr>
+        </p:nvSpPr>
+        <p:spPr>
+          <a:xfrm>
+            <a:off x="0" y="0"/>
+            <a:ext cx="3962400" cy="342900"/>
+          </a:xfrm>
+          <a:prstGeom prst="rect">
+            <a:avLst/>
+          </a:prstGeom>
+        </p:spPr>
+        <p:txBody>
+          <a:bodyPr vert="horz" lIns="91440" tIns="45720" rIns="91440" bIns="45720" rtlCol="0"/>
+          <a:lstStyle>
+            <a:lvl1pPr algn="l">
+              <a:defRPr sz="1200"/>
+            </a:lvl1pPr>
+          </a:lstStyle>
+          <a:p>
+            <a:endParaRPr/>
+          </a:p>
+        </p:txBody>
+      </p:sp>
+      <p:sp>
+        <p:nvSpPr>
+          <p:cNvPr id="3" name="Date Placeholder 2">
+            <a:extLst>
+              <a:ext uri="{FF2B5EF4-FFF2-40B4-BE49-F238E27FC236}">
+                <a16:creationId xmlns="" xmlns:a16="http://schemas.microsoft.com/office/drawing/2014/main" id="{D73F766D-3A13-0CDF-11C1-DF545BC50678}"/>
+              </a:ext>
+            </a:extLst>
+          </p:cNvPr>
+          <p:cNvSpPr>
+            <a:spLocks noGrp="1"/>
+          </p:cNvSpPr>
+          <p:nvPr>
+            <p:ph type="dt" idx="1"/>
+          </p:nvPr>
+        </p:nvSpPr>
+        <p:spPr>
+          <a:xfrm>
+            <a:off x="5180013" y="0"/>
+            <a:ext cx="3962400" cy="342900"/>
+          </a:xfrm>
+          <a:prstGeom prst="rect">
+            <a:avLst/>
+          </a:prstGeom>
+        </p:spPr>
+        <p:txBody>
+          <a:bodyPr vert="horz" lIns="91440" tIns="45720" rIns="91440" bIns="45720" rtlCol="0"/>
+          <a:lstStyle>
+            <a:lvl1pPr algn="r">
+              <a:defRPr sz="1200"/>
+            </a:lvl1pPr>
+          </a:lstStyle>
+          <a:p>
+            <a:r>
+              <a:rPr lang="cs-CZ"/>
+              <a:t>1.7.2013</a:t>
+            </a:r>
+          </a:p>
+        </p:txBody>
+      </p:sp>
+      <p:sp>
+        <p:nvSpPr>
+          <p:cNvPr id="4" name="Slide Image Placeholder 3">
+            <a:extLst>
+              <a:ext uri="{FF2B5EF4-FFF2-40B4-BE49-F238E27FC236}">
+                <a16:creationId xmlns="" xmlns:a16="http://schemas.microsoft.com/office/drawing/2014/main" id="{43F7AC21-2A72-DDB4-DCAC-43706BBC9764}"/>
+              </a:ext>
+            </a:extLst>
+          </p:cNvPr>
+          <p:cNvSpPr>
+            <a:spLocks noGrp="1" noRot="1" noChangeAspect="1"/>
+          </p:cNvSpPr>
+          <p:nvPr>
+            <p:ph type="sldImg" idx="2"/>
+          </p:nvPr>
+        </p:nvSpPr>
+        <p:spPr>
+          <a:xfrm>
+            <a:off x="2290763" y="512763"/>
+            <a:ext cx="4562475" cy="2566987"/>
+          </a:xfrm>
+          <a:prstGeom prst="rect">
+            <a:avLst/>
+          </a:prstGeom>
+          <a:noFill/>
+          <a:ln w="12700">
+            <a:solidFill>
+              <a:prstClr val="black"/>
+            </a:solidFill>
+          </a:ln>
+        </p:spPr>
+        <p:txBody>
+          <a:bodyPr vert="horz" lIns="91440" tIns="45720" rIns="91440" bIns="45720" rtlCol="0" anchor="ctr"/>
+          <a:lstStyle/>
+          <a:p>
+            <a:endParaRPr/>
+          </a:p>
+        </p:txBody>
+      </p:sp>
+      <p:sp>
+        <p:nvSpPr>
+          <p:cNvPr id="5" name="Notes Placeholder 4">
+            <a:extLst>
+              <a:ext uri="{FF2B5EF4-FFF2-40B4-BE49-F238E27FC236}">
+                <a16:creationId xmlns="" xmlns:a16="http://schemas.microsoft.com/office/drawing/2014/main" id="{532CA9A3-956A-FEFB-3B26-F46BFE93B0FD}"/>
+              </a:ext>
+            </a:extLst>
+          </p:cNvPr>
+          <p:cNvSpPr>
+            <a:spLocks noGrp="1"/>
+          </p:cNvSpPr>
+          <p:nvPr>
+            <p:ph type="body" sz="quarter" idx="3"/>
+          </p:nvPr>
+        </p:nvSpPr>
+        <p:spPr>
+          <a:xfrm>
+            <a:off x="914400" y="3251200"/>
+            <a:ext cx="7315200" cy="3081338"/>
+          </a:xfrm>
+          <a:prstGeom prst="rect">
+            <a:avLst/>
+          </a:prstGeom>
+        </p:spPr>
+        <p:txBody>
+          <a:bodyPr vert="horz" lIns="91440" tIns="45720" rIns="91440" bIns="45720" rtlCol="0"/>
+          <a:lstStyle/>
+          <a:p>
+            <a:endParaRPr lang="en-US" dirty="0"/>
+          </a:p>
+        </p:txBody>
+      </p:sp>
+      <p:sp>
+        <p:nvSpPr>
+          <p:cNvPr id="6" name="Footer Placeholder 5">
+            <a:extLst>
+              <a:ext uri="{FF2B5EF4-FFF2-40B4-BE49-F238E27FC236}">
+                <a16:creationId xmlns="" xmlns:a16="http://schemas.microsoft.com/office/drawing/2014/main" id="{980C98CE-72C8-902A-9126-0D5D09954A4E}"/>
+              </a:ext>
+            </a:extLst>
+          </p:cNvPr>
+          <p:cNvSpPr>
+            <a:spLocks noGrp="1"/>
+          </p:cNvSpPr>
+          <p:nvPr>
+            <p:ph type="ftr" sz="quarter" idx="4"/>
+          </p:nvPr>
+        </p:nvSpPr>
+        <p:spPr>
+          <a:xfrm>
+            <a:off x="0" y="6502400"/>
+            <a:ext cx="3962400" cy="341313"/>
+          </a:xfrm>
+          <a:prstGeom prst="rect">
+            <a:avLst/>
+          </a:prstGeom>
+        </p:spPr>
+        <p:txBody>
+          <a:bodyPr vert="horz" lIns="91440" tIns="45720" rIns="91440" bIns="45720" rtlCol="0" anchor="b"/>
+          <a:lstStyle>
+            <a:lvl1pPr algn="l">
+              <a:defRPr sz="1200"/>
+            </a:lvl1pPr>
+          </a:lstStyle>
+          <a:p>
+            <a:endParaRPr/>
+          </a:p>
+        </p:txBody>
+      </p:sp>
+      <p:sp>
+        <p:nvSpPr>
+          <p:cNvPr id="7" name="Slide Number Placeholder 6">
+            <a:extLst>
+              <a:ext uri="{FF2B5EF4-FFF2-40B4-BE49-F238E27FC236}">
+                <a16:creationId xmlns="" xmlns:a16="http://schemas.microsoft.com/office/drawing/2014/main" id="{D6C722EE-4FAB-03C1-D553-AFFD260B2EFE}"/>
+              </a:ext>
+            </a:extLst>
+          </p:cNvPr>
+          <p:cNvSpPr>
+            <a:spLocks noGrp="1"/>
+          </p:cNvSpPr>
+          <p:nvPr>
+            <p:ph type="sldNum" sz="quarter" idx="5"/>
+          </p:nvPr>
+        </p:nvSpPr>
+        <p:spPr>
+          <a:xfrm>
+            <a:off x="5180013" y="6502400"/>
+            <a:ext cx="3962400" cy="341313"/>
+          </a:xfrm>
+          <a:prstGeom prst="rect">
+            <a:avLst/>
+          </a:prstGeom>
+        </p:spPr>
+        <p:txBody>
+          <a:bodyPr vert="horz" lIns="91440" tIns="45720" rIns="91440" bIns="45720" rtlCol="0" anchor="b"/>
+          <a:lstStyle>
+            <a:lvl1pPr algn="r">
+              <a:defRPr sz="1200"/>
+            </a:lvl1pPr>
+          </a:lstStyle>
+          <a:p>
+            <a:r>
+              <a:rPr lang="cs-CZ"/>
+              <a:t>‹#›</a:t>
+            </a:r>
+          </a:p>
+        </p:txBody>
+      </p:sp>
+    </p:spTree>
+    <p:extLst>
+      <p:ext uri="{BB962C8B-B14F-4D97-AF65-F5344CB8AC3E}">
+        <p14:creationId xmlns:p14="http://schemas.microsoft.com/office/powerpoint/2010/main" val="3420654350"/>
+      </p:ext>
+    </p:extLst>
+  </p:cSld>
+  <p:clrMapOvr>
+    <a:masterClrMapping/>
+  </p:clrMapOvr>
+</p:notes>
+</file>
+
+<file path=ppt/notesSlides/notesSlide12.xml><?xml version="1.0" encoding="utf-8"?>
+<p:notes xmlns:a="http://schemas.openxmlformats.org/drawingml/2006/main" xmlns:r="http://schemas.openxmlformats.org/officeDocument/2006/relationships" xmlns:p="http://schemas.openxmlformats.org/presentationml/2006/main">
+  <p:cSld>
+    <p:spTree>
+      <p:nvGrpSpPr>
+        <p:cNvPr id="1" name="">
+          <a:extLst>
+            <a:ext uri="{FF2B5EF4-FFF2-40B4-BE49-F238E27FC236}">
+              <a16:creationId xmlns="" xmlns:a16="http://schemas.microsoft.com/office/drawing/2014/main" id="{59F3F42D-E269-2DCA-A8F5-76D24DF14F26}"/>
+            </a:ext>
+          </a:extLst>
+        </p:cNvPr>
+        <p:cNvGrpSpPr/>
+        <p:nvPr/>
+      </p:nvGrpSpPr>
+      <p:grpSpPr>
+        <a:xfrm>
+          <a:off x="0" y="0"/>
+          <a:ext cx="0" cy="0"/>
+          <a:chOff x="0" y="0"/>
+          <a:chExt cx="0" cy="0"/>
+        </a:xfrm>
+      </p:grpSpPr>
+      <p:sp>
+        <p:nvSpPr>
+          <p:cNvPr id="2" name="Header Placeholder 1">
+            <a:extLst>
+              <a:ext uri="{FF2B5EF4-FFF2-40B4-BE49-F238E27FC236}">
+                <a16:creationId xmlns="" xmlns:a16="http://schemas.microsoft.com/office/drawing/2014/main" id="{EFC2DE4D-F11A-AB22-BDC4-2E58067479DC}"/>
+              </a:ext>
+            </a:extLst>
+          </p:cNvPr>
+          <p:cNvSpPr>
+            <a:spLocks noGrp="1"/>
+          </p:cNvSpPr>
+          <p:nvPr>
+            <p:ph type="hdr" sz="quarter"/>
+          </p:nvPr>
+        </p:nvSpPr>
+        <p:spPr>
+          <a:xfrm>
+            <a:off x="0" y="0"/>
+            <a:ext cx="3962400" cy="342900"/>
+          </a:xfrm>
+          <a:prstGeom prst="rect">
+            <a:avLst/>
+          </a:prstGeom>
+        </p:spPr>
+        <p:txBody>
+          <a:bodyPr vert="horz" lIns="91440" tIns="45720" rIns="91440" bIns="45720" rtlCol="0"/>
+          <a:lstStyle>
+            <a:lvl1pPr algn="l">
+              <a:defRPr sz="1200"/>
+            </a:lvl1pPr>
+          </a:lstStyle>
+          <a:p>
+            <a:endParaRPr/>
+          </a:p>
+        </p:txBody>
+      </p:sp>
+      <p:sp>
+        <p:nvSpPr>
+          <p:cNvPr id="3" name="Date Placeholder 2">
+            <a:extLst>
+              <a:ext uri="{FF2B5EF4-FFF2-40B4-BE49-F238E27FC236}">
+                <a16:creationId xmlns="" xmlns:a16="http://schemas.microsoft.com/office/drawing/2014/main" id="{B6E0818F-9EAB-62D6-53DA-18C16359CE02}"/>
+              </a:ext>
+            </a:extLst>
+          </p:cNvPr>
+          <p:cNvSpPr>
+            <a:spLocks noGrp="1"/>
+          </p:cNvSpPr>
+          <p:nvPr>
+            <p:ph type="dt" idx="1"/>
+          </p:nvPr>
+        </p:nvSpPr>
+        <p:spPr>
+          <a:xfrm>
+            <a:off x="5180013" y="0"/>
+            <a:ext cx="3962400" cy="342900"/>
+          </a:xfrm>
+          <a:prstGeom prst="rect">
+            <a:avLst/>
+          </a:prstGeom>
+        </p:spPr>
+        <p:txBody>
+          <a:bodyPr vert="horz" lIns="91440" tIns="45720" rIns="91440" bIns="45720" rtlCol="0"/>
+          <a:lstStyle>
+            <a:lvl1pPr algn="r">
+              <a:defRPr sz="1200"/>
+            </a:lvl1pPr>
+          </a:lstStyle>
+          <a:p>
+            <a:r>
+              <a:rPr lang="cs-CZ"/>
+              <a:t>1.7.2013</a:t>
+            </a:r>
+          </a:p>
+        </p:txBody>
+      </p:sp>
+      <p:sp>
+        <p:nvSpPr>
+          <p:cNvPr id="4" name="Slide Image Placeholder 3">
+            <a:extLst>
+              <a:ext uri="{FF2B5EF4-FFF2-40B4-BE49-F238E27FC236}">
+                <a16:creationId xmlns="" xmlns:a16="http://schemas.microsoft.com/office/drawing/2014/main" id="{4FA0D35C-0B5D-4DCD-6104-D3BDC3D87FBF}"/>
+              </a:ext>
+            </a:extLst>
+          </p:cNvPr>
+          <p:cNvSpPr>
+            <a:spLocks noGrp="1" noRot="1" noChangeAspect="1"/>
+          </p:cNvSpPr>
+          <p:nvPr>
+            <p:ph type="sldImg" idx="2"/>
+          </p:nvPr>
+        </p:nvSpPr>
+        <p:spPr>
+          <a:xfrm>
+            <a:off x="2290763" y="512763"/>
+            <a:ext cx="4562475" cy="2566987"/>
+          </a:xfrm>
+          <a:prstGeom prst="rect">
+            <a:avLst/>
+          </a:prstGeom>
+          <a:noFill/>
+          <a:ln w="12700">
+            <a:solidFill>
+              <a:prstClr val="black"/>
+            </a:solidFill>
+          </a:ln>
+        </p:spPr>
+        <p:txBody>
+          <a:bodyPr vert="horz" lIns="91440" tIns="45720" rIns="91440" bIns="45720" rtlCol="0" anchor="ctr"/>
+          <a:lstStyle/>
+          <a:p>
+            <a:endParaRPr/>
+          </a:p>
+        </p:txBody>
+      </p:sp>
+      <p:sp>
+        <p:nvSpPr>
+          <p:cNvPr id="5" name="Notes Placeholder 4">
+            <a:extLst>
+              <a:ext uri="{FF2B5EF4-FFF2-40B4-BE49-F238E27FC236}">
+                <a16:creationId xmlns="" xmlns:a16="http://schemas.microsoft.com/office/drawing/2014/main" id="{59338ACF-EB60-01FD-45D4-64A8EB07613E}"/>
+              </a:ext>
+            </a:extLst>
+          </p:cNvPr>
+          <p:cNvSpPr>
+            <a:spLocks noGrp="1"/>
+          </p:cNvSpPr>
+          <p:nvPr>
+            <p:ph type="body" sz="quarter" idx="3"/>
+          </p:nvPr>
+        </p:nvSpPr>
+        <p:spPr>
+          <a:xfrm>
+            <a:off x="914400" y="3251200"/>
+            <a:ext cx="7315200" cy="3081338"/>
+          </a:xfrm>
+          <a:prstGeom prst="rect">
+            <a:avLst/>
+          </a:prstGeom>
+        </p:spPr>
+        <p:txBody>
+          <a:bodyPr vert="horz" lIns="91440" tIns="45720" rIns="91440" bIns="45720" rtlCol="0"/>
+          <a:lstStyle/>
+          <a:p>
+            <a:endParaRPr lang="en-US" dirty="0"/>
+          </a:p>
+        </p:txBody>
+      </p:sp>
+      <p:sp>
+        <p:nvSpPr>
+          <p:cNvPr id="6" name="Footer Placeholder 5">
+            <a:extLst>
+              <a:ext uri="{FF2B5EF4-FFF2-40B4-BE49-F238E27FC236}">
+                <a16:creationId xmlns="" xmlns:a16="http://schemas.microsoft.com/office/drawing/2014/main" id="{7FF312EE-B62E-BEF1-9830-B298A75A7129}"/>
+              </a:ext>
+            </a:extLst>
+          </p:cNvPr>
+          <p:cNvSpPr>
+            <a:spLocks noGrp="1"/>
+          </p:cNvSpPr>
+          <p:nvPr>
+            <p:ph type="ftr" sz="quarter" idx="4"/>
+          </p:nvPr>
+        </p:nvSpPr>
+        <p:spPr>
+          <a:xfrm>
+            <a:off x="0" y="6502400"/>
+            <a:ext cx="3962400" cy="341313"/>
+          </a:xfrm>
+          <a:prstGeom prst="rect">
+            <a:avLst/>
+          </a:prstGeom>
+        </p:spPr>
+        <p:txBody>
+          <a:bodyPr vert="horz" lIns="91440" tIns="45720" rIns="91440" bIns="45720" rtlCol="0" anchor="b"/>
+          <a:lstStyle>
+            <a:lvl1pPr algn="l">
+              <a:defRPr sz="1200"/>
+            </a:lvl1pPr>
+          </a:lstStyle>
+          <a:p>
+            <a:endParaRPr/>
+          </a:p>
+        </p:txBody>
+      </p:sp>
+      <p:sp>
+        <p:nvSpPr>
+          <p:cNvPr id="7" name="Slide Number Placeholder 6">
+            <a:extLst>
+              <a:ext uri="{FF2B5EF4-FFF2-40B4-BE49-F238E27FC236}">
+                <a16:creationId xmlns="" xmlns:a16="http://schemas.microsoft.com/office/drawing/2014/main" id="{4E5B2B66-6E7B-698C-6749-349C8256C52E}"/>
+              </a:ext>
+            </a:extLst>
+          </p:cNvPr>
+          <p:cNvSpPr>
+            <a:spLocks noGrp="1"/>
+          </p:cNvSpPr>
+          <p:nvPr>
+            <p:ph type="sldNum" sz="quarter" idx="5"/>
+          </p:nvPr>
+        </p:nvSpPr>
+        <p:spPr>
+          <a:xfrm>
+            <a:off x="5180013" y="6502400"/>
+            <a:ext cx="3962400" cy="341313"/>
+          </a:xfrm>
+          <a:prstGeom prst="rect">
+            <a:avLst/>
+          </a:prstGeom>
+        </p:spPr>
+        <p:txBody>
+          <a:bodyPr vert="horz" lIns="91440" tIns="45720" rIns="91440" bIns="45720" rtlCol="0" anchor="b"/>
+          <a:lstStyle>
+            <a:lvl1pPr algn="r">
+              <a:defRPr sz="1200"/>
+            </a:lvl1pPr>
+          </a:lstStyle>
+          <a:p>
+            <a:r>
+              <a:rPr lang="cs-CZ"/>
+              <a:t>‹#›</a:t>
+            </a:r>
+          </a:p>
+        </p:txBody>
+      </p:sp>
+    </p:spTree>
+    <p:extLst>
+      <p:ext uri="{BB962C8B-B14F-4D97-AF65-F5344CB8AC3E}">
         <p14:creationId xmlns:p14="http://schemas.microsoft.com/office/powerpoint/2010/main" val="189165804"/>
       </p:ext>
     </p:extLst>
@@ -1042,7 +1570,7 @@
 </p:notes>
 </file>
 
-<file path=ppt/notesSlides/notesSlide11.xml><?xml version="1.0" encoding="utf-8"?>
+<file path=ppt/notesSlides/notesSlide13.xml><?xml version="1.0" encoding="utf-8"?>
 <p:notes xmlns:a="http://schemas.openxmlformats.org/drawingml/2006/main" xmlns:r="http://schemas.openxmlformats.org/officeDocument/2006/relationships" xmlns:p="http://schemas.openxmlformats.org/presentationml/2006/main">
   <p:cSld>
     <p:spTree>
@@ -1698,7 +2226,7 @@
         <p:cNvPr id="1" name="">
           <a:extLst>
             <a:ext uri="{FF2B5EF4-FFF2-40B4-BE49-F238E27FC236}">
-              <a16:creationId xmlns:a16="http://schemas.microsoft.com/office/drawing/2014/main" xmlns="" id="{8C8D20F9-DAC0-B54B-D358-9944436450FC}"/>
+              <a16:creationId xmlns="" xmlns:a16="http://schemas.microsoft.com/office/drawing/2014/main" id="{8C8D20F9-DAC0-B54B-D358-9944436450FC}"/>
             </a:ext>
           </a:extLst>
         </p:cNvPr>
@@ -1718,7 +2246,7 @@
           <p:cNvPr id="2" name="Header Placeholder 1">
             <a:extLst>
               <a:ext uri="{FF2B5EF4-FFF2-40B4-BE49-F238E27FC236}">
-                <a16:creationId xmlns:a16="http://schemas.microsoft.com/office/drawing/2014/main" xmlns="" id="{CAA5CA92-2D18-A2AA-7D51-A17AFD66D0D5}"/>
+                <a16:creationId xmlns="" xmlns:a16="http://schemas.microsoft.com/office/drawing/2014/main" id="{CAA5CA92-2D18-A2AA-7D51-A17AFD66D0D5}"/>
               </a:ext>
             </a:extLst>
           </p:cNvPr>
@@ -1755,7 +2283,7 @@
           <p:cNvPr id="3" name="Date Placeholder 2">
             <a:extLst>
               <a:ext uri="{FF2B5EF4-FFF2-40B4-BE49-F238E27FC236}">
-                <a16:creationId xmlns:a16="http://schemas.microsoft.com/office/drawing/2014/main" xmlns="" id="{42D4D16B-E485-0C8F-DA5E-ED032D9775B6}"/>
+                <a16:creationId xmlns="" xmlns:a16="http://schemas.microsoft.com/office/drawing/2014/main" id="{42D4D16B-E485-0C8F-DA5E-ED032D9775B6}"/>
               </a:ext>
             </a:extLst>
           </p:cNvPr>
@@ -1795,7 +2323,7 @@
           <p:cNvPr id="4" name="Slide Image Placeholder 3">
             <a:extLst>
               <a:ext uri="{FF2B5EF4-FFF2-40B4-BE49-F238E27FC236}">
-                <a16:creationId xmlns:a16="http://schemas.microsoft.com/office/drawing/2014/main" xmlns="" id="{734CAAB7-315A-617B-C331-1921066A8003}"/>
+                <a16:creationId xmlns="" xmlns:a16="http://schemas.microsoft.com/office/drawing/2014/main" id="{734CAAB7-315A-617B-C331-1921066A8003}"/>
               </a:ext>
             </a:extLst>
           </p:cNvPr>
@@ -1834,7 +2362,7 @@
           <p:cNvPr id="5" name="Notes Placeholder 4">
             <a:extLst>
               <a:ext uri="{FF2B5EF4-FFF2-40B4-BE49-F238E27FC236}">
-                <a16:creationId xmlns:a16="http://schemas.microsoft.com/office/drawing/2014/main" xmlns="" id="{23C516D4-3DFC-03B8-5CFE-795138C59B5E}"/>
+                <a16:creationId xmlns="" xmlns:a16="http://schemas.microsoft.com/office/drawing/2014/main" id="{23C516D4-3DFC-03B8-5CFE-795138C59B5E}"/>
               </a:ext>
             </a:extLst>
           </p:cNvPr>
@@ -1867,7 +2395,7 @@
           <p:cNvPr id="6" name="Footer Placeholder 5">
             <a:extLst>
               <a:ext uri="{FF2B5EF4-FFF2-40B4-BE49-F238E27FC236}">
-                <a16:creationId xmlns:a16="http://schemas.microsoft.com/office/drawing/2014/main" xmlns="" id="{76D9B009-6E29-9264-A31F-D087FAA39339}"/>
+                <a16:creationId xmlns="" xmlns:a16="http://schemas.microsoft.com/office/drawing/2014/main" id="{76D9B009-6E29-9264-A31F-D087FAA39339}"/>
               </a:ext>
             </a:extLst>
           </p:cNvPr>
@@ -1904,7 +2432,7 @@
           <p:cNvPr id="7" name="Slide Number Placeholder 6">
             <a:extLst>
               <a:ext uri="{FF2B5EF4-FFF2-40B4-BE49-F238E27FC236}">
-                <a16:creationId xmlns:a16="http://schemas.microsoft.com/office/drawing/2014/main" xmlns="" id="{3D5AE6D3-941A-A22E-03E6-042A031DBEE0}"/>
+                <a16:creationId xmlns="" xmlns:a16="http://schemas.microsoft.com/office/drawing/2014/main" id="{3D5AE6D3-941A-A22E-03E6-042A031DBEE0}"/>
               </a:ext>
             </a:extLst>
           </p:cNvPr>
@@ -1960,7 +2488,7 @@
         <p:cNvPr id="1" name="">
           <a:extLst>
             <a:ext uri="{FF2B5EF4-FFF2-40B4-BE49-F238E27FC236}">
-              <a16:creationId xmlns:a16="http://schemas.microsoft.com/office/drawing/2014/main" xmlns="" id="{495A1C1F-51E3-247F-09DE-35FD8EB81DD3}"/>
+              <a16:creationId xmlns="" xmlns:a16="http://schemas.microsoft.com/office/drawing/2014/main" id="{8C8D20F9-DAC0-B54B-D358-9944436450FC}"/>
             </a:ext>
           </a:extLst>
         </p:cNvPr>
@@ -1980,7 +2508,7 @@
           <p:cNvPr id="2" name="Header Placeholder 1">
             <a:extLst>
               <a:ext uri="{FF2B5EF4-FFF2-40B4-BE49-F238E27FC236}">
-                <a16:creationId xmlns:a16="http://schemas.microsoft.com/office/drawing/2014/main" xmlns="" id="{7300F228-3484-A77E-70BD-054253DE4D86}"/>
+                <a16:creationId xmlns="" xmlns:a16="http://schemas.microsoft.com/office/drawing/2014/main" id="{CAA5CA92-2D18-A2AA-7D51-A17AFD66D0D5}"/>
               </a:ext>
             </a:extLst>
           </p:cNvPr>
@@ -2017,7 +2545,7 @@
           <p:cNvPr id="3" name="Date Placeholder 2">
             <a:extLst>
               <a:ext uri="{FF2B5EF4-FFF2-40B4-BE49-F238E27FC236}">
-                <a16:creationId xmlns:a16="http://schemas.microsoft.com/office/drawing/2014/main" xmlns="" id="{31D88098-CBA9-8991-BEC0-A3B2A918A188}"/>
+                <a16:creationId xmlns="" xmlns:a16="http://schemas.microsoft.com/office/drawing/2014/main" id="{42D4D16B-E485-0C8F-DA5E-ED032D9775B6}"/>
               </a:ext>
             </a:extLst>
           </p:cNvPr>
@@ -2057,7 +2585,7 @@
           <p:cNvPr id="4" name="Slide Image Placeholder 3">
             <a:extLst>
               <a:ext uri="{FF2B5EF4-FFF2-40B4-BE49-F238E27FC236}">
-                <a16:creationId xmlns:a16="http://schemas.microsoft.com/office/drawing/2014/main" xmlns="" id="{781C92EF-ED1C-FB0C-36C8-EDA294D93942}"/>
+                <a16:creationId xmlns="" xmlns:a16="http://schemas.microsoft.com/office/drawing/2014/main" id="{734CAAB7-315A-617B-C331-1921066A8003}"/>
               </a:ext>
             </a:extLst>
           </p:cNvPr>
@@ -2096,7 +2624,7 @@
           <p:cNvPr id="5" name="Notes Placeholder 4">
             <a:extLst>
               <a:ext uri="{FF2B5EF4-FFF2-40B4-BE49-F238E27FC236}">
-                <a16:creationId xmlns:a16="http://schemas.microsoft.com/office/drawing/2014/main" xmlns="" id="{E939CE74-E2CD-6D46-169C-CF46B3F5618F}"/>
+                <a16:creationId xmlns="" xmlns:a16="http://schemas.microsoft.com/office/drawing/2014/main" id="{23C516D4-3DFC-03B8-5CFE-795138C59B5E}"/>
               </a:ext>
             </a:extLst>
           </p:cNvPr>
@@ -2129,7 +2657,7 @@
           <p:cNvPr id="6" name="Footer Placeholder 5">
             <a:extLst>
               <a:ext uri="{FF2B5EF4-FFF2-40B4-BE49-F238E27FC236}">
-                <a16:creationId xmlns:a16="http://schemas.microsoft.com/office/drawing/2014/main" xmlns="" id="{E64D55FB-7A0D-8C40-F42C-2A1C70CDCBB7}"/>
+                <a16:creationId xmlns="" xmlns:a16="http://schemas.microsoft.com/office/drawing/2014/main" id="{76D9B009-6E29-9264-A31F-D087FAA39339}"/>
               </a:ext>
             </a:extLst>
           </p:cNvPr>
@@ -2166,7 +2694,7 @@
           <p:cNvPr id="7" name="Slide Number Placeholder 6">
             <a:extLst>
               <a:ext uri="{FF2B5EF4-FFF2-40B4-BE49-F238E27FC236}">
-                <a16:creationId xmlns:a16="http://schemas.microsoft.com/office/drawing/2014/main" xmlns="" id="{A6474010-C773-09C5-EB85-1029E886F49B}"/>
+                <a16:creationId xmlns="" xmlns:a16="http://schemas.microsoft.com/office/drawing/2014/main" id="{3D5AE6D3-941A-A22E-03E6-042A031DBEE0}"/>
               </a:ext>
             </a:extLst>
           </p:cNvPr>
@@ -2204,7 +2732,7 @@
     </p:spTree>
     <p:extLst>
       <p:ext uri="{BB962C8B-B14F-4D97-AF65-F5344CB8AC3E}">
-        <p14:creationId xmlns:p14="http://schemas.microsoft.com/office/powerpoint/2010/main" val="3220823574"/>
+        <p14:creationId xmlns:p14="http://schemas.microsoft.com/office/powerpoint/2010/main" val="2625466895"/>
       </p:ext>
     </p:extLst>
   </p:cSld>
@@ -2222,7 +2750,7 @@
         <p:cNvPr id="1" name="">
           <a:extLst>
             <a:ext uri="{FF2B5EF4-FFF2-40B4-BE49-F238E27FC236}">
-              <a16:creationId xmlns:a16="http://schemas.microsoft.com/office/drawing/2014/main" xmlns="" id="{5F2DF603-6CAC-E660-1F1D-932BF75A2C18}"/>
+              <a16:creationId xmlns="" xmlns:a16="http://schemas.microsoft.com/office/drawing/2014/main" id="{8C8D20F9-DAC0-B54B-D358-9944436450FC}"/>
             </a:ext>
           </a:extLst>
         </p:cNvPr>
@@ -2242,7 +2770,7 @@
           <p:cNvPr id="2" name="Header Placeholder 1">
             <a:extLst>
               <a:ext uri="{FF2B5EF4-FFF2-40B4-BE49-F238E27FC236}">
-                <a16:creationId xmlns:a16="http://schemas.microsoft.com/office/drawing/2014/main" xmlns="" id="{45DB0959-F67F-45D4-5DFB-CC2AE2C6BC86}"/>
+                <a16:creationId xmlns="" xmlns:a16="http://schemas.microsoft.com/office/drawing/2014/main" id="{CAA5CA92-2D18-A2AA-7D51-A17AFD66D0D5}"/>
               </a:ext>
             </a:extLst>
           </p:cNvPr>
@@ -2279,7 +2807,7 @@
           <p:cNvPr id="3" name="Date Placeholder 2">
             <a:extLst>
               <a:ext uri="{FF2B5EF4-FFF2-40B4-BE49-F238E27FC236}">
-                <a16:creationId xmlns:a16="http://schemas.microsoft.com/office/drawing/2014/main" xmlns="" id="{D9831949-C341-9FBC-852D-8674E862BF3B}"/>
+                <a16:creationId xmlns="" xmlns:a16="http://schemas.microsoft.com/office/drawing/2014/main" id="{42D4D16B-E485-0C8F-DA5E-ED032D9775B6}"/>
               </a:ext>
             </a:extLst>
           </p:cNvPr>
@@ -2319,7 +2847,7 @@
           <p:cNvPr id="4" name="Slide Image Placeholder 3">
             <a:extLst>
               <a:ext uri="{FF2B5EF4-FFF2-40B4-BE49-F238E27FC236}">
-                <a16:creationId xmlns:a16="http://schemas.microsoft.com/office/drawing/2014/main" xmlns="" id="{6CBD0237-9700-9C3B-D6C3-563DA43B82B5}"/>
+                <a16:creationId xmlns="" xmlns:a16="http://schemas.microsoft.com/office/drawing/2014/main" id="{734CAAB7-315A-617B-C331-1921066A8003}"/>
               </a:ext>
             </a:extLst>
           </p:cNvPr>
@@ -2358,7 +2886,7 @@
           <p:cNvPr id="5" name="Notes Placeholder 4">
             <a:extLst>
               <a:ext uri="{FF2B5EF4-FFF2-40B4-BE49-F238E27FC236}">
-                <a16:creationId xmlns:a16="http://schemas.microsoft.com/office/drawing/2014/main" xmlns="" id="{1C108699-E5E7-DD6B-5598-E9DCEB460D05}"/>
+                <a16:creationId xmlns="" xmlns:a16="http://schemas.microsoft.com/office/drawing/2014/main" id="{23C516D4-3DFC-03B8-5CFE-795138C59B5E}"/>
               </a:ext>
             </a:extLst>
           </p:cNvPr>
@@ -2391,7 +2919,7 @@
           <p:cNvPr id="6" name="Footer Placeholder 5">
             <a:extLst>
               <a:ext uri="{FF2B5EF4-FFF2-40B4-BE49-F238E27FC236}">
-                <a16:creationId xmlns:a16="http://schemas.microsoft.com/office/drawing/2014/main" xmlns="" id="{EFFD4642-512F-1F0C-C7A4-8DDF16DFB384}"/>
+                <a16:creationId xmlns="" xmlns:a16="http://schemas.microsoft.com/office/drawing/2014/main" id="{76D9B009-6E29-9264-A31F-D087FAA39339}"/>
               </a:ext>
             </a:extLst>
           </p:cNvPr>
@@ -2428,7 +2956,7 @@
           <p:cNvPr id="7" name="Slide Number Placeholder 6">
             <a:extLst>
               <a:ext uri="{FF2B5EF4-FFF2-40B4-BE49-F238E27FC236}">
-                <a16:creationId xmlns:a16="http://schemas.microsoft.com/office/drawing/2014/main" xmlns="" id="{BEA0E08A-41E8-B66F-7227-F9B1CC9A6B77}"/>
+                <a16:creationId xmlns="" xmlns:a16="http://schemas.microsoft.com/office/drawing/2014/main" id="{3D5AE6D3-941A-A22E-03E6-042A031DBEE0}"/>
               </a:ext>
             </a:extLst>
           </p:cNvPr>
@@ -2466,7 +2994,7 @@
     </p:spTree>
     <p:extLst>
       <p:ext uri="{BB962C8B-B14F-4D97-AF65-F5344CB8AC3E}">
-        <p14:creationId xmlns:p14="http://schemas.microsoft.com/office/powerpoint/2010/main" val="1077510957"/>
+        <p14:creationId xmlns:p14="http://schemas.microsoft.com/office/powerpoint/2010/main" val="2625466895"/>
       </p:ext>
     </p:extLst>
   </p:cSld>
@@ -2484,7 +3012,7 @@
         <p:cNvPr id="1" name="">
           <a:extLst>
             <a:ext uri="{FF2B5EF4-FFF2-40B4-BE49-F238E27FC236}">
-              <a16:creationId xmlns:a16="http://schemas.microsoft.com/office/drawing/2014/main" xmlns="" id="{AD20304E-5A07-4427-30FD-4768AC055FCC}"/>
+              <a16:creationId xmlns="" xmlns:a16="http://schemas.microsoft.com/office/drawing/2014/main" id="{495A1C1F-51E3-247F-09DE-35FD8EB81DD3}"/>
             </a:ext>
           </a:extLst>
         </p:cNvPr>
@@ -2504,7 +3032,7 @@
           <p:cNvPr id="2" name="Header Placeholder 1">
             <a:extLst>
               <a:ext uri="{FF2B5EF4-FFF2-40B4-BE49-F238E27FC236}">
-                <a16:creationId xmlns:a16="http://schemas.microsoft.com/office/drawing/2014/main" xmlns="" id="{38E390A2-6663-A7D5-4819-98C81D305727}"/>
+                <a16:creationId xmlns="" xmlns:a16="http://schemas.microsoft.com/office/drawing/2014/main" id="{7300F228-3484-A77E-70BD-054253DE4D86}"/>
               </a:ext>
             </a:extLst>
           </p:cNvPr>
@@ -2541,7 +3069,7 @@
           <p:cNvPr id="3" name="Date Placeholder 2">
             <a:extLst>
               <a:ext uri="{FF2B5EF4-FFF2-40B4-BE49-F238E27FC236}">
-                <a16:creationId xmlns:a16="http://schemas.microsoft.com/office/drawing/2014/main" xmlns="" id="{BF8500FA-AD80-283F-D0F5-F76B3C7CB4B9}"/>
+                <a16:creationId xmlns="" xmlns:a16="http://schemas.microsoft.com/office/drawing/2014/main" id="{31D88098-CBA9-8991-BEC0-A3B2A918A188}"/>
               </a:ext>
             </a:extLst>
           </p:cNvPr>
@@ -2581,7 +3109,7 @@
           <p:cNvPr id="4" name="Slide Image Placeholder 3">
             <a:extLst>
               <a:ext uri="{FF2B5EF4-FFF2-40B4-BE49-F238E27FC236}">
-                <a16:creationId xmlns:a16="http://schemas.microsoft.com/office/drawing/2014/main" xmlns="" id="{28BC5094-8BF6-1E9C-9C44-0AF922F39ABB}"/>
+                <a16:creationId xmlns="" xmlns:a16="http://schemas.microsoft.com/office/drawing/2014/main" id="{781C92EF-ED1C-FB0C-36C8-EDA294D93942}"/>
               </a:ext>
             </a:extLst>
           </p:cNvPr>
@@ -2620,7 +3148,7 @@
           <p:cNvPr id="5" name="Notes Placeholder 4">
             <a:extLst>
               <a:ext uri="{FF2B5EF4-FFF2-40B4-BE49-F238E27FC236}">
-                <a16:creationId xmlns:a16="http://schemas.microsoft.com/office/drawing/2014/main" xmlns="" id="{1B8510B3-C1EF-6D25-5812-B8A98FF0F4E9}"/>
+                <a16:creationId xmlns="" xmlns:a16="http://schemas.microsoft.com/office/drawing/2014/main" id="{E939CE74-E2CD-6D46-169C-CF46B3F5618F}"/>
               </a:ext>
             </a:extLst>
           </p:cNvPr>
@@ -2653,7 +3181,7 @@
           <p:cNvPr id="6" name="Footer Placeholder 5">
             <a:extLst>
               <a:ext uri="{FF2B5EF4-FFF2-40B4-BE49-F238E27FC236}">
-                <a16:creationId xmlns:a16="http://schemas.microsoft.com/office/drawing/2014/main" xmlns="" id="{697CF761-A032-D229-A1FA-ABD0DFAF041D}"/>
+                <a16:creationId xmlns="" xmlns:a16="http://schemas.microsoft.com/office/drawing/2014/main" id="{E64D55FB-7A0D-8C40-F42C-2A1C70CDCBB7}"/>
               </a:ext>
             </a:extLst>
           </p:cNvPr>
@@ -2690,7 +3218,7 @@
           <p:cNvPr id="7" name="Slide Number Placeholder 6">
             <a:extLst>
               <a:ext uri="{FF2B5EF4-FFF2-40B4-BE49-F238E27FC236}">
-                <a16:creationId xmlns:a16="http://schemas.microsoft.com/office/drawing/2014/main" xmlns="" id="{1BB74B40-145B-0BE3-03E6-46970731AF49}"/>
+                <a16:creationId xmlns="" xmlns:a16="http://schemas.microsoft.com/office/drawing/2014/main" id="{A6474010-C773-09C5-EB85-1029E886F49B}"/>
               </a:ext>
             </a:extLst>
           </p:cNvPr>
@@ -2728,7 +3256,7 @@
     </p:spTree>
     <p:extLst>
       <p:ext uri="{BB962C8B-B14F-4D97-AF65-F5344CB8AC3E}">
-        <p14:creationId xmlns:p14="http://schemas.microsoft.com/office/powerpoint/2010/main" val="3099236275"/>
+        <p14:creationId xmlns:p14="http://schemas.microsoft.com/office/powerpoint/2010/main" val="3220823574"/>
       </p:ext>
     </p:extLst>
   </p:cSld>
@@ -2746,7 +3274,7 @@
         <p:cNvPr id="1" name="">
           <a:extLst>
             <a:ext uri="{FF2B5EF4-FFF2-40B4-BE49-F238E27FC236}">
-              <a16:creationId xmlns:a16="http://schemas.microsoft.com/office/drawing/2014/main" xmlns="" id="{C4311C3A-40E3-4828-7C2D-3257D2386C46}"/>
+              <a16:creationId xmlns="" xmlns:a16="http://schemas.microsoft.com/office/drawing/2014/main" id="{5F2DF603-6CAC-E660-1F1D-932BF75A2C18}"/>
             </a:ext>
           </a:extLst>
         </p:cNvPr>
@@ -2766,7 +3294,7 @@
           <p:cNvPr id="2" name="Header Placeholder 1">
             <a:extLst>
               <a:ext uri="{FF2B5EF4-FFF2-40B4-BE49-F238E27FC236}">
-                <a16:creationId xmlns:a16="http://schemas.microsoft.com/office/drawing/2014/main" xmlns="" id="{3C6E3C0A-01CC-2F23-5706-815937E232A7}"/>
+                <a16:creationId xmlns="" xmlns:a16="http://schemas.microsoft.com/office/drawing/2014/main" id="{45DB0959-F67F-45D4-5DFB-CC2AE2C6BC86}"/>
               </a:ext>
             </a:extLst>
           </p:cNvPr>
@@ -2803,7 +3331,7 @@
           <p:cNvPr id="3" name="Date Placeholder 2">
             <a:extLst>
               <a:ext uri="{FF2B5EF4-FFF2-40B4-BE49-F238E27FC236}">
-                <a16:creationId xmlns:a16="http://schemas.microsoft.com/office/drawing/2014/main" xmlns="" id="{D73F766D-3A13-0CDF-11C1-DF545BC50678}"/>
+                <a16:creationId xmlns="" xmlns:a16="http://schemas.microsoft.com/office/drawing/2014/main" id="{D9831949-C341-9FBC-852D-8674E862BF3B}"/>
               </a:ext>
             </a:extLst>
           </p:cNvPr>
@@ -2843,7 +3371,7 @@
           <p:cNvPr id="4" name="Slide Image Placeholder 3">
             <a:extLst>
               <a:ext uri="{FF2B5EF4-FFF2-40B4-BE49-F238E27FC236}">
-                <a16:creationId xmlns:a16="http://schemas.microsoft.com/office/drawing/2014/main" xmlns="" id="{43F7AC21-2A72-DDB4-DCAC-43706BBC9764}"/>
+                <a16:creationId xmlns="" xmlns:a16="http://schemas.microsoft.com/office/drawing/2014/main" id="{6CBD0237-9700-9C3B-D6C3-563DA43B82B5}"/>
               </a:ext>
             </a:extLst>
           </p:cNvPr>
@@ -2882,7 +3410,7 @@
           <p:cNvPr id="5" name="Notes Placeholder 4">
             <a:extLst>
               <a:ext uri="{FF2B5EF4-FFF2-40B4-BE49-F238E27FC236}">
-                <a16:creationId xmlns:a16="http://schemas.microsoft.com/office/drawing/2014/main" xmlns="" id="{532CA9A3-956A-FEFB-3B26-F46BFE93B0FD}"/>
+                <a16:creationId xmlns="" xmlns:a16="http://schemas.microsoft.com/office/drawing/2014/main" id="{1C108699-E5E7-DD6B-5598-E9DCEB460D05}"/>
               </a:ext>
             </a:extLst>
           </p:cNvPr>
@@ -2915,7 +3443,7 @@
           <p:cNvPr id="6" name="Footer Placeholder 5">
             <a:extLst>
               <a:ext uri="{FF2B5EF4-FFF2-40B4-BE49-F238E27FC236}">
-                <a16:creationId xmlns:a16="http://schemas.microsoft.com/office/drawing/2014/main" xmlns="" id="{980C98CE-72C8-902A-9126-0D5D09954A4E}"/>
+                <a16:creationId xmlns="" xmlns:a16="http://schemas.microsoft.com/office/drawing/2014/main" id="{EFFD4642-512F-1F0C-C7A4-8DDF16DFB384}"/>
               </a:ext>
             </a:extLst>
           </p:cNvPr>
@@ -2952,7 +3480,7 @@
           <p:cNvPr id="7" name="Slide Number Placeholder 6">
             <a:extLst>
               <a:ext uri="{FF2B5EF4-FFF2-40B4-BE49-F238E27FC236}">
-                <a16:creationId xmlns:a16="http://schemas.microsoft.com/office/drawing/2014/main" xmlns="" id="{D6C722EE-4FAB-03C1-D553-AFFD260B2EFE}"/>
+                <a16:creationId xmlns="" xmlns:a16="http://schemas.microsoft.com/office/drawing/2014/main" id="{BEA0E08A-41E8-B66F-7227-F9B1CC9A6B77}"/>
               </a:ext>
             </a:extLst>
           </p:cNvPr>
@@ -2990,7 +3518,7 @@
     </p:spTree>
     <p:extLst>
       <p:ext uri="{BB962C8B-B14F-4D97-AF65-F5344CB8AC3E}">
-        <p14:creationId xmlns:p14="http://schemas.microsoft.com/office/powerpoint/2010/main" val="3420654350"/>
+        <p14:creationId xmlns:p14="http://schemas.microsoft.com/office/powerpoint/2010/main" val="1077510957"/>
       </p:ext>
     </p:extLst>
   </p:cSld>
@@ -3008,7 +3536,7 @@
         <p:cNvPr id="1" name="">
           <a:extLst>
             <a:ext uri="{FF2B5EF4-FFF2-40B4-BE49-F238E27FC236}">
-              <a16:creationId xmlns:a16="http://schemas.microsoft.com/office/drawing/2014/main" xmlns="" id="{C4311C3A-40E3-4828-7C2D-3257D2386C46}"/>
+              <a16:creationId xmlns="" xmlns:a16="http://schemas.microsoft.com/office/drawing/2014/main" id="{AD20304E-5A07-4427-30FD-4768AC055FCC}"/>
             </a:ext>
           </a:extLst>
         </p:cNvPr>
@@ -3028,7 +3556,7 @@
           <p:cNvPr id="2" name="Header Placeholder 1">
             <a:extLst>
               <a:ext uri="{FF2B5EF4-FFF2-40B4-BE49-F238E27FC236}">
-                <a16:creationId xmlns:a16="http://schemas.microsoft.com/office/drawing/2014/main" xmlns="" id="{3C6E3C0A-01CC-2F23-5706-815937E232A7}"/>
+                <a16:creationId xmlns="" xmlns:a16="http://schemas.microsoft.com/office/drawing/2014/main" id="{38E390A2-6663-A7D5-4819-98C81D305727}"/>
               </a:ext>
             </a:extLst>
           </p:cNvPr>
@@ -3065,7 +3593,7 @@
           <p:cNvPr id="3" name="Date Placeholder 2">
             <a:extLst>
               <a:ext uri="{FF2B5EF4-FFF2-40B4-BE49-F238E27FC236}">
-                <a16:creationId xmlns:a16="http://schemas.microsoft.com/office/drawing/2014/main" xmlns="" id="{D73F766D-3A13-0CDF-11C1-DF545BC50678}"/>
+                <a16:creationId xmlns="" xmlns:a16="http://schemas.microsoft.com/office/drawing/2014/main" id="{BF8500FA-AD80-283F-D0F5-F76B3C7CB4B9}"/>
               </a:ext>
             </a:extLst>
           </p:cNvPr>
@@ -3105,7 +3633,7 @@
           <p:cNvPr id="4" name="Slide Image Placeholder 3">
             <a:extLst>
               <a:ext uri="{FF2B5EF4-FFF2-40B4-BE49-F238E27FC236}">
-                <a16:creationId xmlns:a16="http://schemas.microsoft.com/office/drawing/2014/main" xmlns="" id="{43F7AC21-2A72-DDB4-DCAC-43706BBC9764}"/>
+                <a16:creationId xmlns="" xmlns:a16="http://schemas.microsoft.com/office/drawing/2014/main" id="{28BC5094-8BF6-1E9C-9C44-0AF922F39ABB}"/>
               </a:ext>
             </a:extLst>
           </p:cNvPr>
@@ -3144,7 +3672,7 @@
           <p:cNvPr id="5" name="Notes Placeholder 4">
             <a:extLst>
               <a:ext uri="{FF2B5EF4-FFF2-40B4-BE49-F238E27FC236}">
-                <a16:creationId xmlns:a16="http://schemas.microsoft.com/office/drawing/2014/main" xmlns="" id="{532CA9A3-956A-FEFB-3B26-F46BFE93B0FD}"/>
+                <a16:creationId xmlns="" xmlns:a16="http://schemas.microsoft.com/office/drawing/2014/main" id="{1B8510B3-C1EF-6D25-5812-B8A98FF0F4E9}"/>
               </a:ext>
             </a:extLst>
           </p:cNvPr>
@@ -3177,7 +3705,7 @@
           <p:cNvPr id="6" name="Footer Placeholder 5">
             <a:extLst>
               <a:ext uri="{FF2B5EF4-FFF2-40B4-BE49-F238E27FC236}">
-                <a16:creationId xmlns:a16="http://schemas.microsoft.com/office/drawing/2014/main" xmlns="" id="{980C98CE-72C8-902A-9126-0D5D09954A4E}"/>
+                <a16:creationId xmlns="" xmlns:a16="http://schemas.microsoft.com/office/drawing/2014/main" id="{697CF761-A032-D229-A1FA-ABD0DFAF041D}"/>
               </a:ext>
             </a:extLst>
           </p:cNvPr>
@@ -3214,7 +3742,7 @@
           <p:cNvPr id="7" name="Slide Number Placeholder 6">
             <a:extLst>
               <a:ext uri="{FF2B5EF4-FFF2-40B4-BE49-F238E27FC236}">
-                <a16:creationId xmlns:a16="http://schemas.microsoft.com/office/drawing/2014/main" xmlns="" id="{D6C722EE-4FAB-03C1-D553-AFFD260B2EFE}"/>
+                <a16:creationId xmlns="" xmlns:a16="http://schemas.microsoft.com/office/drawing/2014/main" id="{1BB74B40-145B-0BE3-03E6-46970731AF49}"/>
               </a:ext>
             </a:extLst>
           </p:cNvPr>
@@ -3252,7 +3780,7 @@
     </p:spTree>
     <p:extLst>
       <p:ext uri="{BB962C8B-B14F-4D97-AF65-F5344CB8AC3E}">
-        <p14:creationId xmlns:p14="http://schemas.microsoft.com/office/powerpoint/2010/main" val="3420654350"/>
+        <p14:creationId xmlns:p14="http://schemas.microsoft.com/office/powerpoint/2010/main" val="3099236275"/>
       </p:ext>
     </p:extLst>
   </p:cSld>
@@ -3442,7 +3970,7 @@
             <a:fld id="{1D8BD707-D9CF-40AE-B4C6-C98DA3205C09}" type="datetimeFigureOut">
               <a:rPr lang="en-US" smtClean="0"/>
               <a:pPr/>
-              <a:t>1/7/2025</a:t>
+              <a:t>1/8/2025</a:t>
             </a:fld>
             <a:endParaRPr lang="en-US"/>
           </a:p>
@@ -3607,7 +4135,7 @@
             <a:fld id="{1D8BD707-D9CF-40AE-B4C6-C98DA3205C09}" type="datetimeFigureOut">
               <a:rPr lang="en-US" smtClean="0"/>
               <a:pPr/>
-              <a:t>1/7/2025</a:t>
+              <a:t>1/8/2025</a:t>
             </a:fld>
             <a:endParaRPr lang="en-US"/>
           </a:p>
@@ -3782,7 +4310,7 @@
             <a:fld id="{1D8BD707-D9CF-40AE-B4C6-C98DA3205C09}" type="datetimeFigureOut">
               <a:rPr lang="en-US" smtClean="0"/>
               <a:pPr/>
-              <a:t>1/7/2025</a:t>
+              <a:t>1/8/2025</a:t>
             </a:fld>
             <a:endParaRPr lang="en-US"/>
           </a:p>
@@ -3947,7 +4475,7 @@
             <a:fld id="{1D8BD707-D9CF-40AE-B4C6-C98DA3205C09}" type="datetimeFigureOut">
               <a:rPr lang="en-US" smtClean="0"/>
               <a:pPr/>
-              <a:t>1/7/2025</a:t>
+              <a:t>1/8/2025</a:t>
             </a:fld>
             <a:endParaRPr lang="en-US"/>
           </a:p>
@@ -4189,7 +4717,7 @@
             <a:fld id="{1D8BD707-D9CF-40AE-B4C6-C98DA3205C09}" type="datetimeFigureOut">
               <a:rPr lang="en-US" smtClean="0"/>
               <a:pPr/>
-              <a:t>1/7/2025</a:t>
+              <a:t>1/8/2025</a:t>
             </a:fld>
             <a:endParaRPr lang="en-US"/>
           </a:p>
@@ -4471,7 +4999,7 @@
             <a:fld id="{1D8BD707-D9CF-40AE-B4C6-C98DA3205C09}" type="datetimeFigureOut">
               <a:rPr lang="en-US" smtClean="0"/>
               <a:pPr/>
-              <a:t>1/7/2025</a:t>
+              <a:t>1/8/2025</a:t>
             </a:fld>
             <a:endParaRPr lang="en-US"/>
           </a:p>
@@ -4887,7 +5415,7 @@
             <a:fld id="{1D8BD707-D9CF-40AE-B4C6-C98DA3205C09}" type="datetimeFigureOut">
               <a:rPr lang="en-US" smtClean="0"/>
               <a:pPr/>
-              <a:t>1/7/2025</a:t>
+              <a:t>1/8/2025</a:t>
             </a:fld>
             <a:endParaRPr lang="en-US"/>
           </a:p>
@@ -5001,7 +5529,7 @@
             <a:fld id="{1D8BD707-D9CF-40AE-B4C6-C98DA3205C09}" type="datetimeFigureOut">
               <a:rPr lang="en-US" smtClean="0"/>
               <a:pPr/>
-              <a:t>1/7/2025</a:t>
+              <a:t>1/8/2025</a:t>
             </a:fld>
             <a:endParaRPr lang="en-US"/>
           </a:p>
@@ -5093,7 +5621,7 @@
             <a:fld id="{1D8BD707-D9CF-40AE-B4C6-C98DA3205C09}" type="datetimeFigureOut">
               <a:rPr lang="en-US" smtClean="0"/>
               <a:pPr/>
-              <a:t>1/7/2025</a:t>
+              <a:t>1/8/2025</a:t>
             </a:fld>
             <a:endParaRPr lang="en-US"/>
           </a:p>
@@ -5365,7 +5893,7 @@
             <a:fld id="{1D8BD707-D9CF-40AE-B4C6-C98DA3205C09}" type="datetimeFigureOut">
               <a:rPr lang="en-US" smtClean="0"/>
               <a:pPr/>
-              <a:t>1/7/2025</a:t>
+              <a:t>1/8/2025</a:t>
             </a:fld>
             <a:endParaRPr lang="en-US"/>
           </a:p>
@@ -5614,7 +6142,7 @@
             <a:fld id="{1D8BD707-D9CF-40AE-B4C6-C98DA3205C09}" type="datetimeFigureOut">
               <a:rPr lang="en-US" smtClean="0"/>
               <a:pPr/>
-              <a:t>1/7/2025</a:t>
+              <a:t>1/8/2025</a:t>
             </a:fld>
             <a:endParaRPr lang="en-US"/>
           </a:p>
@@ -5822,7 +6350,7 @@
             <a:fld id="{1D8BD707-D9CF-40AE-B4C6-C98DA3205C09}" type="datetimeFigureOut">
               <a:rPr lang="en-US" smtClean="0"/>
               <a:pPr/>
-              <a:t>1/7/2025</a:t>
+              <a:t>1/8/2025</a:t>
             </a:fld>
             <a:endParaRPr lang="en-US"/>
           </a:p>
@@ -6288,7 +6816,7 @@
             <a:blip r:embed="rId4">
               <a:extLst>
                 <a:ext uri="{96DAC541-7B7A-43D3-8B79-37D633B846F1}">
-                  <asvg:svgBlip xmlns:asvg="http://schemas.microsoft.com/office/drawing/2016/SVG/main" xmlns="" r:embed="rId5"/>
+                  <asvg:svgBlip xmlns="" xmlns:asvg="http://schemas.microsoft.com/office/drawing/2016/SVG/main" r:embed="rId5"/>
                 </a:ext>
               </a:extLst>
             </a:blip>
@@ -6546,7 +7074,7 @@
             <a:blip r:embed="rId4">
               <a:extLst>
                 <a:ext uri="{96DAC541-7B7A-43D3-8B79-37D633B846F1}">
-                  <asvg:svgBlip xmlns:asvg="http://schemas.microsoft.com/office/drawing/2016/SVG/main" xmlns="" r:embed="rId5"/>
+                  <asvg:svgBlip xmlns="" xmlns:asvg="http://schemas.microsoft.com/office/drawing/2016/SVG/main" r:embed="rId5"/>
                 </a:ext>
               </a:extLst>
             </a:blip>
@@ -6766,7 +7294,7 @@
           <p:cNvPr id="17" name="Immagine 16">
             <a:extLst>
               <a:ext uri="{FF2B5EF4-FFF2-40B4-BE49-F238E27FC236}">
-                <a16:creationId xmlns:a16="http://schemas.microsoft.com/office/drawing/2014/main" xmlns="" id="{A16D8D67-0153-42F7-D71E-673459A111BC}"/>
+                <a16:creationId xmlns="" xmlns:a16="http://schemas.microsoft.com/office/drawing/2014/main" id="{A16D8D67-0153-42F7-D71E-673459A111BC}"/>
               </a:ext>
             </a:extLst>
           </p:cNvPr>
@@ -6818,7 +7346,7 @@
     <p:bg>
       <p:bgPr>
         <a:solidFill>
-          <a:srgbClr val="F2F4F5"/>
+          <a:srgbClr val="1A1A1A"/>
         </a:solidFill>
         <a:effectLst/>
       </p:bgPr>
@@ -6828,7 +7356,7 @@
         <p:cNvPr id="1" name="">
           <a:extLst>
             <a:ext uri="{FF2B5EF4-FFF2-40B4-BE49-F238E27FC236}">
-              <a16:creationId xmlns:a16="http://schemas.microsoft.com/office/drawing/2014/main" xmlns="" id="{058E0E21-BE85-E451-F227-E9B2D49DFAC9}"/>
+              <a16:creationId xmlns="" xmlns:a16="http://schemas.microsoft.com/office/drawing/2014/main" id="{70895148-0FAE-1ED1-6335-A9C56D4A01BB}"/>
             </a:ext>
           </a:extLst>
         </p:cNvPr>
@@ -6848,7 +7376,282 @@
           <p:cNvPr id="2" name="Freeform 2">
             <a:extLst>
               <a:ext uri="{FF2B5EF4-FFF2-40B4-BE49-F238E27FC236}">
-                <a16:creationId xmlns:a16="http://schemas.microsoft.com/office/drawing/2014/main" xmlns="" id="{718C3472-C8D3-299F-5FA8-42D9A63A908F}"/>
+                <a16:creationId xmlns="" xmlns:a16="http://schemas.microsoft.com/office/drawing/2014/main" id="{6B18B3F0-9EDF-B07B-C80C-ED8DCCC4D037}"/>
+              </a:ext>
+            </a:extLst>
+          </p:cNvPr>
+          <p:cNvSpPr/>
+          <p:nvPr/>
+        </p:nvSpPr>
+        <p:spPr>
+          <a:xfrm>
+            <a:off x="-8153400" y="-10248900"/>
+            <a:ext cx="15841853" cy="16255633"/>
+          </a:xfrm>
+          <a:custGeom>
+            <a:avLst/>
+            <a:gdLst/>
+            <a:ahLst/>
+            <a:cxnLst/>
+            <a:rect l="l" t="t" r="r" b="b"/>
+            <a:pathLst>
+              <a:path w="15841853" h="16255633">
+                <a:moveTo>
+                  <a:pt x="0" y="0"/>
+                </a:moveTo>
+                <a:lnTo>
+                  <a:pt x="15841853" y="0"/>
+                </a:lnTo>
+                <a:lnTo>
+                  <a:pt x="15841853" y="16255632"/>
+                </a:lnTo>
+                <a:lnTo>
+                  <a:pt x="0" y="16255632"/>
+                </a:lnTo>
+                <a:lnTo>
+                  <a:pt x="0" y="0"/>
+                </a:lnTo>
+                <a:close/>
+              </a:path>
+            </a:pathLst>
+          </a:custGeom>
+          <a:blipFill>
+            <a:blip r:embed="rId2">
+              <a:extLst>
+                <a:ext uri="{96DAC541-7B7A-43D3-8B79-37D633B846F1}">
+                  <asvg:svgBlip xmlns="" xmlns:asvg="http://schemas.microsoft.com/office/drawing/2016/SVG/main" r:embed="rId3"/>
+                </a:ext>
+              </a:extLst>
+            </a:blip>
+            <a:stretch>
+              <a:fillRect/>
+            </a:stretch>
+          </a:blipFill>
+        </p:spPr>
+        <p:txBody>
+          <a:bodyPr/>
+          <a:lstStyle/>
+          <a:p>
+            <a:endParaRPr lang="it-IT"/>
+          </a:p>
+        </p:txBody>
+      </p:sp>
+      <p:sp>
+        <p:nvSpPr>
+          <p:cNvPr id="3" name="Freeform 3">
+            <a:extLst>
+              <a:ext uri="{FF2B5EF4-FFF2-40B4-BE49-F238E27FC236}">
+                <a16:creationId xmlns="" xmlns:a16="http://schemas.microsoft.com/office/drawing/2014/main" id="{7414D62A-C911-52C2-A72D-E650FF3955EA}"/>
+              </a:ext>
+            </a:extLst>
+          </p:cNvPr>
+          <p:cNvSpPr/>
+          <p:nvPr/>
+        </p:nvSpPr>
+        <p:spPr>
+          <a:xfrm>
+            <a:off x="13447294" y="-3843198"/>
+            <a:ext cx="15841853" cy="16255633"/>
+          </a:xfrm>
+          <a:custGeom>
+            <a:avLst/>
+            <a:gdLst/>
+            <a:ahLst/>
+            <a:cxnLst/>
+            <a:rect l="l" t="t" r="r" b="b"/>
+            <a:pathLst>
+              <a:path w="15841853" h="16255633">
+                <a:moveTo>
+                  <a:pt x="0" y="0"/>
+                </a:moveTo>
+                <a:lnTo>
+                  <a:pt x="15841853" y="0"/>
+                </a:lnTo>
+                <a:lnTo>
+                  <a:pt x="15841853" y="16255632"/>
+                </a:lnTo>
+                <a:lnTo>
+                  <a:pt x="0" y="16255632"/>
+                </a:lnTo>
+                <a:lnTo>
+                  <a:pt x="0" y="0"/>
+                </a:lnTo>
+                <a:close/>
+              </a:path>
+            </a:pathLst>
+          </a:custGeom>
+          <a:blipFill>
+            <a:blip r:embed="rId2">
+              <a:extLst>
+                <a:ext uri="{96DAC541-7B7A-43D3-8B79-37D633B846F1}">
+                  <asvg:svgBlip xmlns="" xmlns:asvg="http://schemas.microsoft.com/office/drawing/2016/SVG/main" r:embed="rId3"/>
+                </a:ext>
+              </a:extLst>
+            </a:blip>
+            <a:stretch>
+              <a:fillRect/>
+            </a:stretch>
+          </a:blipFill>
+        </p:spPr>
+        <p:txBody>
+          <a:bodyPr/>
+          <a:lstStyle/>
+          <a:p>
+            <a:endParaRPr lang="it-IT"/>
+          </a:p>
+        </p:txBody>
+      </p:sp>
+      <p:sp>
+        <p:nvSpPr>
+          <p:cNvPr id="4" name="TextBox 4">
+            <a:extLst>
+              <a:ext uri="{FF2B5EF4-FFF2-40B4-BE49-F238E27FC236}">
+                <a16:creationId xmlns="" xmlns:a16="http://schemas.microsoft.com/office/drawing/2014/main" id="{406D5E85-7BF0-2865-7008-D1F41E34D86A}"/>
+              </a:ext>
+            </a:extLst>
+          </p:cNvPr>
+          <p:cNvSpPr txBox="1"/>
+          <p:nvPr/>
+        </p:nvSpPr>
+        <p:spPr>
+          <a:xfrm>
+            <a:off x="4673181" y="4565585"/>
+            <a:ext cx="8941638" cy="1155829"/>
+          </a:xfrm>
+          <a:prstGeom prst="rect">
+            <a:avLst/>
+          </a:prstGeom>
+        </p:spPr>
+        <p:txBody>
+          <a:bodyPr wrap="square" lIns="0" tIns="0" rIns="0" bIns="0" rtlCol="0" anchor="t">
+            <a:spAutoFit/>
+          </a:bodyPr>
+          <a:lstStyle/>
+          <a:p>
+            <a:pPr algn="ctr">
+              <a:lnSpc>
+                <a:spcPts val="9809"/>
+              </a:lnSpc>
+            </a:pPr>
+            <a:r>
+              <a:rPr lang="en-US" sz="7108" b="1" spc="696" dirty="0">
+                <a:solidFill>
+                  <a:srgbClr val="FFFFFF"/>
+                </a:solidFill>
+                <a:latin typeface="Oswald Bold"/>
+                <a:ea typeface="Oswald Bold"/>
+                <a:cs typeface="Oswald Bold"/>
+                <a:sym typeface="Oswald Bold"/>
+              </a:rPr>
+              <a:t>STRUCTURE</a:t>
+            </a:r>
+          </a:p>
+        </p:txBody>
+      </p:sp>
+      <p:sp>
+        <p:nvSpPr>
+          <p:cNvPr id="5" name="TextBox 5">
+            <a:extLst>
+              <a:ext uri="{FF2B5EF4-FFF2-40B4-BE49-F238E27FC236}">
+                <a16:creationId xmlns="" xmlns:a16="http://schemas.microsoft.com/office/drawing/2014/main" id="{0BCE687B-2894-BC19-128C-FCBA29668FD8}"/>
+              </a:ext>
+            </a:extLst>
+          </p:cNvPr>
+          <p:cNvSpPr txBox="1"/>
+          <p:nvPr/>
+        </p:nvSpPr>
+        <p:spPr>
+          <a:xfrm>
+            <a:off x="5510596" y="4090470"/>
+            <a:ext cx="7266807" cy="379591"/>
+          </a:xfrm>
+          <a:prstGeom prst="rect">
+            <a:avLst/>
+          </a:prstGeom>
+        </p:spPr>
+        <p:txBody>
+          <a:bodyPr lIns="0" tIns="0" rIns="0" bIns="0" rtlCol="0" anchor="t">
+            <a:spAutoFit/>
+          </a:bodyPr>
+          <a:lstStyle/>
+          <a:p>
+            <a:pPr algn="ctr">
+              <a:lnSpc>
+                <a:spcPts val="3067"/>
+              </a:lnSpc>
+            </a:pPr>
+            <a:r>
+              <a:rPr lang="en-US" sz="2223" spc="217" dirty="0">
+                <a:solidFill>
+                  <a:srgbClr val="F5FFF5"/>
+                </a:solidFill>
+                <a:latin typeface="DM Sans"/>
+                <a:ea typeface="DM Sans"/>
+                <a:cs typeface="DM Sans"/>
+                <a:sym typeface="DM Sans"/>
+              </a:rPr>
+              <a:t>How is the project structured?</a:t>
+            </a:r>
+          </a:p>
+        </p:txBody>
+      </p:sp>
+    </p:spTree>
+    <p:extLst>
+      <p:ext uri="{BB962C8B-B14F-4D97-AF65-F5344CB8AC3E}">
+        <p14:creationId xmlns:p14="http://schemas.microsoft.com/office/powerpoint/2010/main" val="3549162869"/>
+      </p:ext>
+    </p:extLst>
+  </p:cSld>
+  <p:clrMapOvr>
+    <a:masterClrMapping/>
+  </p:clrMapOvr>
+  <p:timing>
+    <p:tnLst>
+      <p:par>
+        <p:cTn id="1" dur="indefinite" restart="never" nodeType="tmRoot"/>
+      </p:par>
+    </p:tnLst>
+  </p:timing>
+</p:sld>
+</file>
+
+<file path=ppt/slides/slide11.xml><?xml version="1.0" encoding="utf-8"?>
+<p:sld xmlns:a="http://schemas.openxmlformats.org/drawingml/2006/main" xmlns:r="http://schemas.openxmlformats.org/officeDocument/2006/relationships" xmlns:p="http://schemas.openxmlformats.org/presentationml/2006/main">
+  <p:cSld>
+    <p:bg>
+      <p:bgPr>
+        <a:solidFill>
+          <a:srgbClr val="F2F4F5"/>
+        </a:solidFill>
+        <a:effectLst/>
+      </p:bgPr>
+    </p:bg>
+    <p:spTree>
+      <p:nvGrpSpPr>
+        <p:cNvPr id="1" name="">
+          <a:extLst>
+            <a:ext uri="{FF2B5EF4-FFF2-40B4-BE49-F238E27FC236}">
+              <a16:creationId xmlns="" xmlns:a16="http://schemas.microsoft.com/office/drawing/2014/main" id="{9736A90B-3719-5DDD-F942-58D52CD78C6F}"/>
+            </a:ext>
+          </a:extLst>
+        </p:cNvPr>
+        <p:cNvGrpSpPr/>
+        <p:nvPr/>
+      </p:nvGrpSpPr>
+      <p:grpSpPr>
+        <a:xfrm>
+          <a:off x="0" y="0"/>
+          <a:ext cx="0" cy="0"/>
+          <a:chOff x="0" y="0"/>
+          <a:chExt cx="0" cy="0"/>
+        </a:xfrm>
+      </p:grpSpPr>
+      <p:sp>
+        <p:nvSpPr>
+          <p:cNvPr id="2" name="Freeform 2">
+            <a:extLst>
+              <a:ext uri="{FF2B5EF4-FFF2-40B4-BE49-F238E27FC236}">
+                <a16:creationId xmlns="" xmlns:a16="http://schemas.microsoft.com/office/drawing/2014/main" id="{431CC735-8131-9830-BD35-F449F5C853E0}"/>
               </a:ext>
             </a:extLst>
           </p:cNvPr>
@@ -6891,7 +7694,7 @@
             <a:blip r:embed="rId3">
               <a:extLst>
                 <a:ext uri="{96DAC541-7B7A-43D3-8B79-37D633B846F1}">
-                  <asvg:svgBlip xmlns:asvg="http://schemas.microsoft.com/office/drawing/2016/SVG/main" xmlns="" r:embed="rId4"/>
+                  <asvg:svgBlip xmlns="" xmlns:asvg="http://schemas.microsoft.com/office/drawing/2016/SVG/main" r:embed="rId4"/>
                 </a:ext>
               </a:extLst>
             </a:blip>
@@ -6913,7 +7716,7 @@
           <p:cNvPr id="3" name="TextBox 12">
             <a:extLst>
               <a:ext uri="{FF2B5EF4-FFF2-40B4-BE49-F238E27FC236}">
-                <a16:creationId xmlns:a16="http://schemas.microsoft.com/office/drawing/2014/main" xmlns="" id="{73578E7B-3CFA-8CD0-9667-21DB63462022}"/>
+                <a16:creationId xmlns="" xmlns:a16="http://schemas.microsoft.com/office/drawing/2014/main" id="{7C543FC1-7839-64EA-2C4C-F60DDDDAE90E}"/>
               </a:ext>
             </a:extLst>
           </p:cNvPr>
@@ -6953,7 +7756,7 @@
                 <a:cs typeface="Oswald Bold"/>
                 <a:sym typeface="Oswald Bold"/>
               </a:rPr>
-              <a:t>TOPICS</a:t>
+              <a:t>NODES</a:t>
             </a:r>
           </a:p>
         </p:txBody>
@@ -6963,7 +7766,7 @@
           <p:cNvPr id="4" name="Connettore diritto 3">
             <a:extLst>
               <a:ext uri="{FF2B5EF4-FFF2-40B4-BE49-F238E27FC236}">
-                <a16:creationId xmlns:a16="http://schemas.microsoft.com/office/drawing/2014/main" xmlns="" id="{B9EB7B9C-841C-5AF4-C167-BC6FE3875EB3}"/>
+                <a16:creationId xmlns="" xmlns:a16="http://schemas.microsoft.com/office/drawing/2014/main" id="{7070E5F7-CB90-2C07-03AD-BC017C167A89}"/>
               </a:ext>
             </a:extLst>
           </p:cNvPr>
@@ -7001,7 +7804,7 @@
           <p:cNvPr id="5" name="CasellaDiTesto 4">
             <a:extLst>
               <a:ext uri="{FF2B5EF4-FFF2-40B4-BE49-F238E27FC236}">
-                <a16:creationId xmlns:a16="http://schemas.microsoft.com/office/drawing/2014/main" xmlns="" id="{23F6C692-4CC5-5D8C-9625-37E9B630D644}"/>
+                <a16:creationId xmlns="" xmlns:a16="http://schemas.microsoft.com/office/drawing/2014/main" id="{3C51120D-3D40-5CCC-7363-B12D3856D9E6}"/>
               </a:ext>
             </a:extLst>
           </p:cNvPr>
@@ -7027,22 +7830,131 @@
             <a:pPr algn="ctr"/>
             <a:r>
               <a:rPr lang="en-US" sz="2400" b="1" i="1" dirty="0" smtClean="0"/>
-              <a:t>Topics </a:t>
+              <a:t>Nodes </a:t>
             </a:r>
             <a:r>
               <a:rPr lang="en-US" sz="2400" b="1" i="1" dirty="0"/>
-              <a:t>are named communication channels used by nodes to publish and subscribe to messages asynchronously, enabling data exchange in a distributed system.</a:t>
+              <a:t>are executable programs that communicate with each other to perform specific tasks in a distributed system. They can publish/subscribe to topics, provide/consume services, and interact with the ROS parameter server.</a:t>
             </a:r>
             <a:endParaRPr lang="it-IT" sz="2400" b="1" i="1" dirty="0"/>
+          </a:p>
+        </p:txBody>
+      </p:sp>
+      <p:cxnSp>
+        <p:nvCxnSpPr>
+          <p:cNvPr id="7" name="Connettore diritto 6">
+            <a:extLst>
+              <a:ext uri="{FF2B5EF4-FFF2-40B4-BE49-F238E27FC236}">
+                <a16:creationId xmlns="" xmlns:a16="http://schemas.microsoft.com/office/drawing/2014/main" id="{9EB87AE7-B0F8-33A2-EB25-4E82DD0C7D18}"/>
+              </a:ext>
+            </a:extLst>
+          </p:cNvPr>
+          <p:cNvCxnSpPr>
+            <a:cxnSpLocks/>
+          </p:cNvCxnSpPr>
+          <p:nvPr/>
+        </p:nvCxnSpPr>
+        <p:spPr>
+          <a:xfrm>
+            <a:off x="8986600" y="3238500"/>
+            <a:ext cx="0" cy="3317950"/>
+          </a:xfrm>
+          <a:prstGeom prst="line">
+            <a:avLst/>
+          </a:prstGeom>
+        </p:spPr>
+        <p:style>
+          <a:lnRef idx="1">
+            <a:schemeClr val="dk1"/>
+          </a:lnRef>
+          <a:fillRef idx="0">
+            <a:schemeClr val="dk1"/>
+          </a:fillRef>
+          <a:effectRef idx="0">
+            <a:schemeClr val="dk1"/>
+          </a:effectRef>
+          <a:fontRef idx="minor">
+            <a:schemeClr val="tx1"/>
+          </a:fontRef>
+        </p:style>
+      </p:cxnSp>
+      <p:sp>
+        <p:nvSpPr>
+          <p:cNvPr id="8" name="CasellaDiTesto 7">
+            <a:extLst>
+              <a:ext uri="{FF2B5EF4-FFF2-40B4-BE49-F238E27FC236}">
+                <a16:creationId xmlns="" xmlns:a16="http://schemas.microsoft.com/office/drawing/2014/main" id="{7890ED40-D9A8-C0FF-E71D-EE5AFABADC6A}"/>
+              </a:ext>
+            </a:extLst>
+          </p:cNvPr>
+          <p:cNvSpPr txBox="1"/>
+          <p:nvPr/>
+        </p:nvSpPr>
+        <p:spPr>
+          <a:xfrm>
+            <a:off x="4419600" y="3386191"/>
+            <a:ext cx="1327608" cy="523220"/>
+          </a:xfrm>
+          <a:prstGeom prst="rect">
+            <a:avLst/>
+          </a:prstGeom>
+          <a:noFill/>
+        </p:spPr>
+        <p:txBody>
+          <a:bodyPr wrap="none" rtlCol="0">
+            <a:spAutoFit/>
+          </a:bodyPr>
+          <a:lstStyle/>
+          <a:p>
+            <a:r>
+              <a:rPr lang="it-IT" sz="2800" b="1" dirty="0"/>
+              <a:t>Manual</a:t>
+            </a:r>
           </a:p>
         </p:txBody>
       </p:sp>
       <p:sp>
         <p:nvSpPr>
-          <p:cNvPr id="9" name="Freeform 29">
+          <p:cNvPr id="9" name="CasellaDiTesto 8">
             <a:extLst>
               <a:ext uri="{FF2B5EF4-FFF2-40B4-BE49-F238E27FC236}">
-                <a16:creationId xmlns:a16="http://schemas.microsoft.com/office/drawing/2014/main" xmlns="" id="{FC0770C3-73C9-4C03-DC22-6E224A960104}"/>
+                <a16:creationId xmlns="" xmlns:a16="http://schemas.microsoft.com/office/drawing/2014/main" id="{2456E5D9-6BCE-59B4-7C33-0A40A7241D52}"/>
+              </a:ext>
+            </a:extLst>
+          </p:cNvPr>
+          <p:cNvSpPr txBox="1"/>
+          <p:nvPr/>
+        </p:nvSpPr>
+        <p:spPr>
+          <a:xfrm>
+            <a:off x="11948002" y="3386191"/>
+            <a:ext cx="1920398" cy="523220"/>
+          </a:xfrm>
+          <a:prstGeom prst="rect">
+            <a:avLst/>
+          </a:prstGeom>
+          <a:noFill/>
+        </p:spPr>
+        <p:txBody>
+          <a:bodyPr wrap="none" rtlCol="0">
+            <a:spAutoFit/>
+          </a:bodyPr>
+          <a:lstStyle/>
+          <a:p>
+            <a:r>
+              <a:rPr lang="it-IT" sz="2800" b="1" dirty="0" err="1"/>
+              <a:t>Autonomus</a:t>
+            </a:r>
+            <a:endParaRPr lang="it-IT" sz="2800" b="1" dirty="0"/>
+          </a:p>
+        </p:txBody>
+      </p:sp>
+      <p:sp>
+        <p:nvSpPr>
+          <p:cNvPr id="10" name="Freeform 29">
+            <a:extLst>
+              <a:ext uri="{FF2B5EF4-FFF2-40B4-BE49-F238E27FC236}">
+                <a16:creationId xmlns="" xmlns:a16="http://schemas.microsoft.com/office/drawing/2014/main" id="{B0640536-8278-EF0D-78C7-CD5FED30BB38}"/>
               </a:ext>
             </a:extLst>
           </p:cNvPr>
@@ -7085,7 +7997,7 @@
             <a:blip r:embed="rId3">
               <a:extLst>
                 <a:ext uri="{96DAC541-7B7A-43D3-8B79-37D633B846F1}">
-                  <asvg:svgBlip xmlns:asvg="http://schemas.microsoft.com/office/drawing/2016/SVG/main" xmlns="" r:embed="rId4"/>
+                  <asvg:svgBlip xmlns="" xmlns:asvg="http://schemas.microsoft.com/office/drawing/2016/SVG/main" r:embed="rId4"/>
                 </a:ext>
               </a:extLst>
             </a:blip>
@@ -7104,10 +8016,2403 @@
       </p:sp>
       <p:sp>
         <p:nvSpPr>
+          <p:cNvPr id="15" name="CasellaDiTesto 14">
+            <a:extLst>
+              <a:ext uri="{FF2B5EF4-FFF2-40B4-BE49-F238E27FC236}">
+                <a16:creationId xmlns="" xmlns:a16="http://schemas.microsoft.com/office/drawing/2014/main" id="{C11CE04E-B11A-C17B-B985-2AA8B6DDC110}"/>
+              </a:ext>
+            </a:extLst>
+          </p:cNvPr>
+          <p:cNvSpPr txBox="1"/>
+          <p:nvPr/>
+        </p:nvSpPr>
+        <p:spPr>
+          <a:xfrm>
+            <a:off x="1795966" y="4001905"/>
+            <a:ext cx="7119431" cy="2554545"/>
+          </a:xfrm>
+          <a:prstGeom prst="rect">
+            <a:avLst/>
+          </a:prstGeom>
+          <a:noFill/>
+        </p:spPr>
+        <p:txBody>
+          <a:bodyPr wrap="square">
+            <a:spAutoFit/>
+          </a:bodyPr>
+          <a:lstStyle/>
+          <a:p>
+            <a:pPr marL="342900" marR="0" lvl="0" indent="-342900" algn="l" defTabSz="914400" rtl="0" eaLnBrk="0" fontAlgn="base" latinLnBrk="0" hangingPunct="0">
+              <a:lnSpc>
+                <a:spcPct val="100000"/>
+              </a:lnSpc>
+              <a:spcBef>
+                <a:spcPct val="0"/>
+              </a:spcBef>
+              <a:spcAft>
+                <a:spcPct val="0"/>
+              </a:spcAft>
+              <a:buClrTx/>
+              <a:buSzTx/>
+              <a:buFont typeface="Arial" panose="020B0604020202020204" pitchFamily="34" charset="0"/>
+              <a:buChar char="•"/>
+              <a:tabLst/>
+            </a:pPr>
+            <a:r>
+              <a:rPr kumimoji="0" lang="it-IT" altLang="it-IT" sz="2000" b="1" i="0" u="none" strike="noStrike" cap="none" normalizeH="0" baseline="0" dirty="0" err="1">
+                <a:ln>
+                  <a:noFill/>
+                </a:ln>
+                <a:solidFill>
+                  <a:schemeClr val="tx1"/>
+                </a:solidFill>
+                <a:effectLst/>
+              </a:rPr>
+              <a:t>Teleop</a:t>
+            </a:r>
+            <a:r>
+              <a:rPr kumimoji="0" lang="it-IT" altLang="it-IT" sz="2000" b="0" i="0" u="none" strike="noStrike" cap="none" normalizeH="0" baseline="0" dirty="0">
+                <a:ln>
+                  <a:noFill/>
+                </a:ln>
+                <a:solidFill>
+                  <a:schemeClr val="tx1"/>
+                </a:solidFill>
+                <a:effectLst/>
+              </a:rPr>
+              <a:t>:</a:t>
+            </a:r>
+          </a:p>
+          <a:p>
+            <a:pPr marL="800100" lvl="1" indent="-342900" eaLnBrk="0" fontAlgn="base" hangingPunct="0">
+              <a:spcBef>
+                <a:spcPct val="0"/>
+              </a:spcBef>
+              <a:spcAft>
+                <a:spcPct val="0"/>
+              </a:spcAft>
+              <a:buFont typeface="Arial" panose="020B0604020202020204" pitchFamily="34" charset="0"/>
+              <a:buChar char="•"/>
+            </a:pPr>
+            <a:r>
+              <a:rPr kumimoji="0" lang="it-IT" altLang="it-IT" sz="2000" b="0" i="0" u="none" strike="noStrike" cap="none" normalizeH="0" baseline="0" dirty="0">
+                <a:ln>
+                  <a:noFill/>
+                </a:ln>
+                <a:solidFill>
+                  <a:schemeClr val="tx1"/>
+                </a:solidFill>
+                <a:effectLst/>
+              </a:rPr>
+              <a:t>Handles </a:t>
+            </a:r>
+            <a:r>
+              <a:rPr kumimoji="0" lang="it-IT" altLang="it-IT" sz="2000" b="0" i="0" u="none" strike="noStrike" cap="none" normalizeH="0" baseline="0" dirty="0" err="1">
+                <a:ln>
+                  <a:noFill/>
+                </a:ln>
+                <a:solidFill>
+                  <a:schemeClr val="tx1"/>
+                </a:solidFill>
+                <a:effectLst/>
+              </a:rPr>
+              <a:t>communication</a:t>
+            </a:r>
+            <a:r>
+              <a:rPr kumimoji="0" lang="it-IT" altLang="it-IT" sz="2000" b="0" i="0" u="none" strike="noStrike" cap="none" normalizeH="0" baseline="0" dirty="0">
+                <a:ln>
+                  <a:noFill/>
+                </a:ln>
+                <a:solidFill>
+                  <a:schemeClr val="tx1"/>
+                </a:solidFill>
+                <a:effectLst/>
+              </a:rPr>
+              <a:t> with the robot </a:t>
+            </a:r>
+            <a:r>
+              <a:rPr kumimoji="0" lang="it-IT" altLang="it-IT" sz="2000" b="0" i="0" u="none" strike="noStrike" cap="none" normalizeH="0" baseline="0" dirty="0" err="1">
+                <a:ln>
+                  <a:noFill/>
+                </a:ln>
+                <a:solidFill>
+                  <a:schemeClr val="tx1"/>
+                </a:solidFill>
+                <a:effectLst/>
+              </a:rPr>
+              <a:t>using</a:t>
+            </a:r>
+            <a:r>
+              <a:rPr kumimoji="0" lang="it-IT" altLang="it-IT" sz="2000" b="0" i="0" u="none" strike="noStrike" cap="none" normalizeH="0" baseline="0" dirty="0">
+                <a:ln>
+                  <a:noFill/>
+                </a:ln>
+                <a:solidFill>
+                  <a:schemeClr val="tx1"/>
+                </a:solidFill>
+                <a:effectLst/>
+              </a:rPr>
+              <a:t> ROS Master URI</a:t>
+            </a:r>
+            <a:r>
+              <a:rPr lang="it-IT" altLang="it-IT" sz="2000" dirty="0"/>
+              <a:t> </a:t>
+            </a:r>
+            <a:r>
+              <a:rPr kumimoji="0" lang="it-IT" altLang="it-IT" sz="2000" b="0" i="0" u="none" strike="noStrike" cap="none" normalizeH="0" baseline="0" dirty="0">
+                <a:ln>
+                  <a:noFill/>
+                </a:ln>
+                <a:solidFill>
+                  <a:schemeClr val="tx1"/>
+                </a:solidFill>
+                <a:effectLst/>
+              </a:rPr>
+              <a:t>and port forwarding for remote control.</a:t>
+            </a:r>
+          </a:p>
+          <a:p>
+            <a:pPr lvl="1" eaLnBrk="0" fontAlgn="base" hangingPunct="0">
+              <a:spcBef>
+                <a:spcPct val="0"/>
+              </a:spcBef>
+              <a:spcAft>
+                <a:spcPct val="0"/>
+              </a:spcAft>
+            </a:pPr>
+            <a:endParaRPr kumimoji="0" lang="it-IT" altLang="it-IT" sz="2000" b="0" i="0" u="none" strike="noStrike" cap="none" normalizeH="0" baseline="0" dirty="0">
+              <a:ln>
+                <a:noFill/>
+              </a:ln>
+              <a:solidFill>
+                <a:schemeClr val="tx1"/>
+              </a:solidFill>
+              <a:effectLst/>
+            </a:endParaRPr>
+          </a:p>
+          <a:p>
+            <a:pPr marL="342900" marR="0" lvl="0" indent="-342900" algn="l" defTabSz="914400" rtl="0" eaLnBrk="0" fontAlgn="base" latinLnBrk="0" hangingPunct="0">
+              <a:lnSpc>
+                <a:spcPct val="100000"/>
+              </a:lnSpc>
+              <a:spcBef>
+                <a:spcPct val="0"/>
+              </a:spcBef>
+              <a:spcAft>
+                <a:spcPct val="0"/>
+              </a:spcAft>
+              <a:buClrTx/>
+              <a:buSzTx/>
+              <a:buFont typeface="Arial" panose="020B0604020202020204" pitchFamily="34" charset="0"/>
+              <a:buChar char="•"/>
+              <a:tabLst/>
+            </a:pPr>
+            <a:r>
+              <a:rPr lang="en-US" sz="2000" b="1" dirty="0"/>
+              <a:t>ROS Bridge</a:t>
+            </a:r>
+            <a:r>
+              <a:rPr lang="en-US" sz="2000" dirty="0"/>
+              <a:t>:</a:t>
+            </a:r>
+          </a:p>
+          <a:p>
+            <a:pPr marL="800100" lvl="1" indent="-342900" eaLnBrk="0" fontAlgn="base" hangingPunct="0">
+              <a:spcBef>
+                <a:spcPct val="0"/>
+              </a:spcBef>
+              <a:spcAft>
+                <a:spcPct val="0"/>
+              </a:spcAft>
+              <a:buFont typeface="Arial" panose="020B0604020202020204" pitchFamily="34" charset="0"/>
+              <a:buChar char="•"/>
+            </a:pPr>
+            <a:r>
+              <a:rPr lang="en-US" sz="2000" dirty="0"/>
+              <a:t>A tool that enables communication between ROS and</a:t>
+            </a:r>
+          </a:p>
+          <a:p>
+            <a:pPr lvl="1" eaLnBrk="0" fontAlgn="base" hangingPunct="0">
+              <a:spcBef>
+                <a:spcPct val="0"/>
+              </a:spcBef>
+              <a:spcAft>
+                <a:spcPct val="0"/>
+              </a:spcAft>
+            </a:pPr>
+            <a:r>
+              <a:rPr lang="en-US" sz="2000" dirty="0"/>
+              <a:t>      non-ROS systems, such as web applications, using protocols</a:t>
+            </a:r>
+          </a:p>
+          <a:p>
+            <a:pPr lvl="1" eaLnBrk="0" fontAlgn="base" hangingPunct="0">
+              <a:spcBef>
+                <a:spcPct val="0"/>
+              </a:spcBef>
+              <a:spcAft>
+                <a:spcPct val="0"/>
+              </a:spcAft>
+            </a:pPr>
+            <a:r>
+              <a:rPr lang="en-US" sz="2000" dirty="0"/>
+              <a:t>      like WebSocket.</a:t>
+            </a:r>
+            <a:endParaRPr lang="it-IT" altLang="it-IT" sz="2000" b="1" dirty="0"/>
+          </a:p>
+        </p:txBody>
+      </p:sp>
+      <p:sp>
+        <p:nvSpPr>
+          <p:cNvPr id="18" name="CasellaDiTesto 17">
+            <a:extLst>
+              <a:ext uri="{FF2B5EF4-FFF2-40B4-BE49-F238E27FC236}">
+                <a16:creationId xmlns="" xmlns:a16="http://schemas.microsoft.com/office/drawing/2014/main" id="{4CA30EEA-AE8C-0882-E460-73FC9AB28F39}"/>
+              </a:ext>
+            </a:extLst>
+          </p:cNvPr>
+          <p:cNvSpPr txBox="1"/>
+          <p:nvPr/>
+        </p:nvSpPr>
+        <p:spPr>
+          <a:xfrm>
+            <a:off x="1795967" y="7442604"/>
+            <a:ext cx="8491034" cy="2246769"/>
+          </a:xfrm>
+          <a:prstGeom prst="rect">
+            <a:avLst/>
+          </a:prstGeom>
+          <a:noFill/>
+        </p:spPr>
+        <p:txBody>
+          <a:bodyPr wrap="square">
+            <a:spAutoFit/>
+          </a:bodyPr>
+          <a:lstStyle/>
+          <a:p>
+            <a:pPr marL="342900" indent="-342900" eaLnBrk="0" fontAlgn="base" hangingPunct="0">
+              <a:spcBef>
+                <a:spcPct val="0"/>
+              </a:spcBef>
+              <a:spcAft>
+                <a:spcPct val="0"/>
+              </a:spcAft>
+              <a:buFont typeface="Arial" panose="020B0604020202020204" pitchFamily="34" charset="0"/>
+              <a:buChar char="•"/>
+            </a:pPr>
+            <a:r>
+              <a:rPr kumimoji="0" lang="it-IT" altLang="it-IT" sz="2000" b="1" i="0" u="none" strike="noStrike" cap="none" normalizeH="0" baseline="0" dirty="0" err="1">
+                <a:ln>
+                  <a:noFill/>
+                </a:ln>
+                <a:solidFill>
+                  <a:schemeClr val="tx1"/>
+                </a:solidFill>
+                <a:effectLst/>
+              </a:rPr>
+              <a:t>Waypoint</a:t>
+            </a:r>
+            <a:r>
+              <a:rPr kumimoji="0" lang="it-IT" altLang="it-IT" sz="2000" b="1" i="0" u="none" strike="noStrike" cap="none" normalizeH="0" baseline="0" dirty="0">
+                <a:ln>
+                  <a:noFill/>
+                </a:ln>
+                <a:solidFill>
+                  <a:schemeClr val="tx1"/>
+                </a:solidFill>
+                <a:effectLst/>
+              </a:rPr>
+              <a:t> </a:t>
+            </a:r>
+            <a:r>
+              <a:rPr kumimoji="0" lang="it-IT" altLang="it-IT" sz="2000" b="1" i="0" u="none" strike="noStrike" cap="none" normalizeH="0" baseline="0" dirty="0" err="1">
+                <a:ln>
+                  <a:noFill/>
+                </a:ln>
+                <a:solidFill>
+                  <a:schemeClr val="tx1"/>
+                </a:solidFill>
+                <a:effectLst/>
+              </a:rPr>
+              <a:t>Visualizer</a:t>
+            </a:r>
+            <a:r>
+              <a:rPr kumimoji="0" lang="it-IT" altLang="it-IT" sz="2000" b="0" i="0" u="none" strike="noStrike" cap="none" normalizeH="0" baseline="0" dirty="0">
+                <a:ln>
+                  <a:noFill/>
+                </a:ln>
+                <a:solidFill>
+                  <a:schemeClr val="tx1"/>
+                </a:solidFill>
+                <a:effectLst/>
+              </a:rPr>
+              <a:t>:</a:t>
+            </a:r>
+          </a:p>
+          <a:p>
+            <a:pPr marL="800100" lvl="1" indent="-342900" eaLnBrk="0" fontAlgn="base" hangingPunct="0">
+              <a:spcBef>
+                <a:spcPct val="0"/>
+              </a:spcBef>
+              <a:spcAft>
+                <a:spcPct val="0"/>
+              </a:spcAft>
+              <a:buFont typeface="Arial" panose="020B0604020202020204" pitchFamily="34" charset="0"/>
+              <a:buChar char="•"/>
+            </a:pPr>
+            <a:r>
+              <a:rPr kumimoji="0" lang="it-IT" altLang="it-IT" sz="2000" b="0" i="0" u="none" strike="noStrike" cap="none" normalizeH="0" baseline="0" dirty="0" err="1">
+                <a:ln>
+                  <a:noFill/>
+                </a:ln>
+                <a:solidFill>
+                  <a:schemeClr val="tx1"/>
+                </a:solidFill>
+                <a:effectLst/>
+              </a:rPr>
+              <a:t>Visualizes</a:t>
+            </a:r>
+            <a:r>
+              <a:rPr kumimoji="0" lang="it-IT" altLang="it-IT" sz="2000" b="0" i="0" u="none" strike="noStrike" cap="none" normalizeH="0" baseline="0" dirty="0">
+                <a:ln>
+                  <a:noFill/>
+                </a:ln>
+                <a:solidFill>
+                  <a:schemeClr val="tx1"/>
+                </a:solidFill>
+                <a:effectLst/>
+              </a:rPr>
+              <a:t> </a:t>
+            </a:r>
+            <a:r>
+              <a:rPr kumimoji="0" lang="it-IT" altLang="it-IT" sz="2000" b="0" i="0" u="none" strike="noStrike" cap="none" normalizeH="0" baseline="0" dirty="0" err="1">
+                <a:ln>
+                  <a:noFill/>
+                </a:ln>
+                <a:solidFill>
+                  <a:schemeClr val="tx1"/>
+                </a:solidFill>
+                <a:effectLst/>
+              </a:rPr>
+              <a:t>waypoints</a:t>
+            </a:r>
+            <a:r>
+              <a:rPr kumimoji="0" lang="it-IT" altLang="it-IT" sz="2000" b="0" i="0" u="none" strike="noStrike" cap="none" normalizeH="0" baseline="0" dirty="0">
+                <a:ln>
+                  <a:noFill/>
+                </a:ln>
+                <a:solidFill>
+                  <a:schemeClr val="tx1"/>
+                </a:solidFill>
+                <a:effectLst/>
+              </a:rPr>
+              <a:t> in </a:t>
+            </a:r>
+            <a:r>
+              <a:rPr kumimoji="0" lang="it-IT" altLang="it-IT" sz="2000" b="0" i="0" u="none" strike="noStrike" cap="none" normalizeH="0" baseline="0" dirty="0" err="1">
+                <a:ln>
+                  <a:noFill/>
+                </a:ln>
+                <a:solidFill>
+                  <a:schemeClr val="tx1"/>
+                </a:solidFill>
+                <a:effectLst/>
+              </a:rPr>
+              <a:t>RViz</a:t>
+            </a:r>
+            <a:r>
+              <a:rPr kumimoji="0" lang="it-IT" altLang="it-IT" sz="2000" b="0" i="0" u="none" strike="noStrike" cap="none" normalizeH="0" baseline="0" dirty="0">
+                <a:ln>
+                  <a:noFill/>
+                </a:ln>
+                <a:solidFill>
+                  <a:schemeClr val="tx1"/>
+                </a:solidFill>
+                <a:effectLst/>
+              </a:rPr>
+              <a:t> to </a:t>
+            </a:r>
+            <a:r>
+              <a:rPr kumimoji="0" lang="it-IT" altLang="it-IT" sz="2000" b="0" i="0" u="none" strike="noStrike" cap="none" normalizeH="0" baseline="0" dirty="0" err="1">
+                <a:ln>
+                  <a:noFill/>
+                </a:ln>
+                <a:solidFill>
+                  <a:schemeClr val="tx1"/>
+                </a:solidFill>
+                <a:effectLst/>
+              </a:rPr>
+              <a:t>provide</a:t>
+            </a:r>
+            <a:r>
+              <a:rPr kumimoji="0" lang="it-IT" altLang="it-IT" sz="2000" b="0" i="0" u="none" strike="noStrike" cap="none" normalizeH="0" baseline="0" dirty="0">
+                <a:ln>
+                  <a:noFill/>
+                </a:ln>
+                <a:solidFill>
+                  <a:schemeClr val="tx1"/>
+                </a:solidFill>
+                <a:effectLst/>
+              </a:rPr>
+              <a:t> feedback on the </a:t>
+            </a:r>
+            <a:r>
+              <a:rPr kumimoji="0" lang="it-IT" altLang="it-IT" sz="2000" b="0" i="0" u="none" strike="noStrike" cap="none" normalizeH="0" baseline="0" dirty="0" err="1">
+                <a:ln>
+                  <a:noFill/>
+                </a:ln>
+                <a:solidFill>
+                  <a:schemeClr val="tx1"/>
+                </a:solidFill>
+                <a:effectLst/>
+              </a:rPr>
+              <a:t>car's</a:t>
+            </a:r>
+            <a:r>
+              <a:rPr kumimoji="0" lang="it-IT" altLang="it-IT" sz="2000" b="0" i="0" u="none" strike="noStrike" cap="none" normalizeH="0" baseline="0" dirty="0">
+                <a:ln>
+                  <a:noFill/>
+                </a:ln>
+                <a:solidFill>
+                  <a:schemeClr val="tx1"/>
+                </a:solidFill>
+                <a:effectLst/>
+              </a:rPr>
+              <a:t> </a:t>
+            </a:r>
+            <a:r>
+              <a:rPr kumimoji="0" lang="it-IT" altLang="it-IT" sz="2000" b="0" i="0" u="none" strike="noStrike" cap="none" normalizeH="0" baseline="0" dirty="0" err="1">
+                <a:ln>
+                  <a:noFill/>
+                </a:ln>
+                <a:solidFill>
+                  <a:schemeClr val="tx1"/>
+                </a:solidFill>
+                <a:effectLst/>
+              </a:rPr>
+              <a:t>navigation</a:t>
+            </a:r>
+            <a:r>
+              <a:rPr lang="it-IT" altLang="it-IT" sz="2000" dirty="0"/>
+              <a:t> </a:t>
+            </a:r>
+            <a:r>
+              <a:rPr kumimoji="0" lang="it-IT" altLang="it-IT" sz="2000" b="0" i="0" u="none" strike="noStrike" cap="none" normalizeH="0" baseline="0" dirty="0">
+                <a:ln>
+                  <a:noFill/>
+                </a:ln>
+                <a:solidFill>
+                  <a:schemeClr val="tx1"/>
+                </a:solidFill>
+                <a:effectLst/>
+              </a:rPr>
+              <a:t>goals.</a:t>
+            </a:r>
+          </a:p>
+          <a:p>
+            <a:pPr marL="800100" lvl="1" indent="-342900" eaLnBrk="0" fontAlgn="base" hangingPunct="0">
+              <a:spcBef>
+                <a:spcPct val="0"/>
+              </a:spcBef>
+              <a:spcAft>
+                <a:spcPct val="0"/>
+              </a:spcAft>
+              <a:buFont typeface="Arial" panose="020B0604020202020204" pitchFamily="34" charset="0"/>
+              <a:buChar char="•"/>
+            </a:pPr>
+            <a:r>
+              <a:rPr kumimoji="0" lang="it-IT" altLang="it-IT" sz="2000" b="0" i="0" u="none" strike="noStrike" cap="none" normalizeH="0" baseline="0" dirty="0">
+                <a:ln>
+                  <a:noFill/>
+                </a:ln>
+                <a:solidFill>
+                  <a:schemeClr val="tx1"/>
+                </a:solidFill>
+                <a:effectLst/>
+              </a:rPr>
+              <a:t> </a:t>
+            </a:r>
+            <a:r>
+              <a:rPr kumimoji="0" lang="it-IT" altLang="it-IT" sz="2000" b="0" i="0" u="none" strike="noStrike" cap="none" normalizeH="0" baseline="0" dirty="0" err="1">
+                <a:ln>
+                  <a:noFill/>
+                </a:ln>
+                <a:solidFill>
+                  <a:schemeClr val="tx1"/>
+                </a:solidFill>
+                <a:effectLst/>
+              </a:rPr>
+              <a:t>Publishes</a:t>
+            </a:r>
+            <a:r>
+              <a:rPr kumimoji="0" lang="it-IT" altLang="it-IT" sz="2000" b="0" i="0" u="none" strike="noStrike" cap="none" normalizeH="0" baseline="0" dirty="0">
+                <a:ln>
+                  <a:noFill/>
+                </a:ln>
+                <a:solidFill>
+                  <a:schemeClr val="tx1"/>
+                </a:solidFill>
+                <a:effectLst/>
+              </a:rPr>
+              <a:t> markers to show the </a:t>
+            </a:r>
+            <a:r>
+              <a:rPr kumimoji="0" lang="it-IT" altLang="it-IT" sz="2000" b="0" i="0" u="none" strike="noStrike" cap="none" normalizeH="0" baseline="0" dirty="0" err="1">
+                <a:ln>
+                  <a:noFill/>
+                </a:ln>
+                <a:solidFill>
+                  <a:schemeClr val="tx1"/>
+                </a:solidFill>
+                <a:effectLst/>
+              </a:rPr>
+              <a:t>car's</a:t>
+            </a:r>
+            <a:r>
+              <a:rPr kumimoji="0" lang="it-IT" altLang="it-IT" sz="2000" b="0" i="0" u="none" strike="noStrike" cap="none" normalizeH="0" baseline="0" dirty="0">
+                <a:ln>
+                  <a:noFill/>
+                </a:ln>
+                <a:solidFill>
+                  <a:schemeClr val="tx1"/>
+                </a:solidFill>
+                <a:effectLst/>
+              </a:rPr>
+              <a:t> </a:t>
+            </a:r>
+            <a:r>
+              <a:rPr kumimoji="0" lang="it-IT" altLang="it-IT" sz="2000" b="0" i="0" u="none" strike="noStrike" cap="none" normalizeH="0" baseline="0" dirty="0" err="1">
+                <a:ln>
+                  <a:noFill/>
+                </a:ln>
+                <a:solidFill>
+                  <a:schemeClr val="tx1"/>
+                </a:solidFill>
+                <a:effectLst/>
+              </a:rPr>
+              <a:t>current</a:t>
+            </a:r>
+            <a:r>
+              <a:rPr kumimoji="0" lang="it-IT" altLang="it-IT" sz="2000" b="0" i="0" u="none" strike="noStrike" cap="none" normalizeH="0" baseline="0" dirty="0">
+                <a:ln>
+                  <a:noFill/>
+                </a:ln>
+                <a:solidFill>
+                  <a:schemeClr val="tx1"/>
+                </a:solidFill>
+                <a:effectLst/>
+              </a:rPr>
+              <a:t>, </a:t>
+            </a:r>
+            <a:r>
+              <a:rPr kumimoji="0" lang="it-IT" altLang="it-IT" sz="2000" b="0" i="0" u="none" strike="noStrike" cap="none" normalizeH="0" baseline="0" dirty="0" err="1">
+                <a:ln>
+                  <a:noFill/>
+                </a:ln>
+                <a:solidFill>
+                  <a:schemeClr val="tx1"/>
+                </a:solidFill>
+                <a:effectLst/>
+              </a:rPr>
+              <a:t>next</a:t>
+            </a:r>
+            <a:r>
+              <a:rPr kumimoji="0" lang="it-IT" altLang="it-IT" sz="2000" b="0" i="0" u="none" strike="noStrike" cap="none" normalizeH="0" baseline="0" dirty="0">
+                <a:ln>
+                  <a:noFill/>
+                </a:ln>
+                <a:solidFill>
+                  <a:schemeClr val="tx1"/>
+                </a:solidFill>
+                <a:effectLst/>
+              </a:rPr>
+              <a:t>, and </a:t>
+            </a:r>
+            <a:r>
+              <a:rPr kumimoji="0" lang="it-IT" altLang="it-IT" sz="2000" b="0" i="0" u="none" strike="noStrike" cap="none" normalizeH="0" baseline="0" dirty="0" err="1">
+                <a:ln>
+                  <a:noFill/>
+                </a:ln>
+                <a:solidFill>
+                  <a:schemeClr val="tx1"/>
+                </a:solidFill>
+                <a:effectLst/>
+              </a:rPr>
+              <a:t>past</a:t>
+            </a:r>
+            <a:r>
+              <a:rPr kumimoji="0" lang="it-IT" altLang="it-IT" sz="2000" b="0" i="0" u="none" strike="noStrike" cap="none" normalizeH="0" baseline="0" dirty="0">
+                <a:ln>
+                  <a:noFill/>
+                </a:ln>
+                <a:solidFill>
+                  <a:schemeClr val="tx1"/>
+                </a:solidFill>
+                <a:effectLst/>
+              </a:rPr>
+              <a:t> </a:t>
+            </a:r>
+            <a:r>
+              <a:rPr kumimoji="0" lang="it-IT" altLang="it-IT" sz="2000" b="0" i="0" u="none" strike="noStrike" cap="none" normalizeH="0" baseline="0" dirty="0" err="1">
+                <a:ln>
+                  <a:noFill/>
+                </a:ln>
+                <a:solidFill>
+                  <a:schemeClr val="tx1"/>
+                </a:solidFill>
+                <a:effectLst/>
+              </a:rPr>
+              <a:t>waypoints</a:t>
+            </a:r>
+            <a:r>
+              <a:rPr kumimoji="0" lang="it-IT" altLang="it-IT" sz="2000" b="0" i="0" u="none" strike="noStrike" cap="none" normalizeH="0" baseline="0" dirty="0">
+                <a:ln>
+                  <a:noFill/>
+                </a:ln>
+                <a:solidFill>
+                  <a:schemeClr val="tx1"/>
+                </a:solidFill>
+                <a:effectLst/>
+              </a:rPr>
+              <a:t>.</a:t>
+            </a:r>
+          </a:p>
+          <a:p>
+            <a:pPr marL="342900" marR="0" lvl="0" indent="-342900" algn="l" defTabSz="914400" rtl="0" eaLnBrk="0" fontAlgn="base" latinLnBrk="0" hangingPunct="0">
+              <a:lnSpc>
+                <a:spcPct val="100000"/>
+              </a:lnSpc>
+              <a:spcBef>
+                <a:spcPct val="0"/>
+              </a:spcBef>
+              <a:spcAft>
+                <a:spcPct val="0"/>
+              </a:spcAft>
+              <a:buClrTx/>
+              <a:buSzTx/>
+              <a:buFont typeface="Arial" panose="020B0604020202020204" pitchFamily="34" charset="0"/>
+              <a:buChar char="•"/>
+              <a:tabLst/>
+            </a:pPr>
+            <a:r>
+              <a:rPr kumimoji="0" lang="it-IT" altLang="it-IT" sz="2000" b="1" i="0" u="none" strike="noStrike" cap="none" normalizeH="0" baseline="0" dirty="0" err="1">
+                <a:ln>
+                  <a:noFill/>
+                </a:ln>
+                <a:solidFill>
+                  <a:schemeClr val="tx1"/>
+                </a:solidFill>
+                <a:effectLst/>
+              </a:rPr>
+              <a:t>Waypoint</a:t>
+            </a:r>
+            <a:r>
+              <a:rPr kumimoji="0" lang="it-IT" altLang="it-IT" sz="2000" b="1" i="0" u="none" strike="noStrike" cap="none" normalizeH="0" baseline="0" dirty="0">
+                <a:ln>
+                  <a:noFill/>
+                </a:ln>
+                <a:solidFill>
+                  <a:schemeClr val="tx1"/>
+                </a:solidFill>
+                <a:effectLst/>
+              </a:rPr>
+              <a:t> Manager</a:t>
+            </a:r>
+            <a:r>
+              <a:rPr kumimoji="0" lang="it-IT" altLang="it-IT" sz="2000" b="0" i="0" u="none" strike="noStrike" cap="none" normalizeH="0" baseline="0" dirty="0">
+                <a:ln>
+                  <a:noFill/>
+                </a:ln>
+                <a:solidFill>
+                  <a:schemeClr val="tx1"/>
+                </a:solidFill>
+                <a:effectLst/>
+              </a:rPr>
+              <a:t>:</a:t>
+            </a:r>
+          </a:p>
+          <a:p>
+            <a:pPr marL="800100" lvl="1" indent="-342900" eaLnBrk="0" fontAlgn="base" hangingPunct="0">
+              <a:spcBef>
+                <a:spcPct val="0"/>
+              </a:spcBef>
+              <a:spcAft>
+                <a:spcPct val="0"/>
+              </a:spcAft>
+              <a:buFont typeface="Arial" panose="020B0604020202020204" pitchFamily="34" charset="0"/>
+              <a:buChar char="•"/>
+            </a:pPr>
+            <a:r>
+              <a:rPr kumimoji="0" lang="it-IT" altLang="it-IT" sz="2000" b="0" i="0" u="none" strike="noStrike" cap="none" normalizeH="0" baseline="0" dirty="0">
+                <a:ln>
+                  <a:noFill/>
+                </a:ln>
+                <a:solidFill>
+                  <a:schemeClr val="tx1"/>
+                </a:solidFill>
+                <a:effectLst/>
+              </a:rPr>
+              <a:t> </a:t>
+            </a:r>
+            <a:r>
+              <a:rPr kumimoji="0" lang="it-IT" altLang="it-IT" sz="2000" b="0" i="0" u="none" strike="noStrike" cap="none" normalizeH="0" baseline="0" dirty="0" err="1">
+                <a:ln>
+                  <a:noFill/>
+                </a:ln>
+                <a:solidFill>
+                  <a:schemeClr val="tx1"/>
+                </a:solidFill>
+                <a:effectLst/>
+              </a:rPr>
+              <a:t>Manages</a:t>
+            </a:r>
+            <a:r>
+              <a:rPr kumimoji="0" lang="it-IT" altLang="it-IT" sz="2000" b="0" i="0" u="none" strike="noStrike" cap="none" normalizeH="0" baseline="0" dirty="0">
+                <a:ln>
+                  <a:noFill/>
+                </a:ln>
+                <a:solidFill>
+                  <a:schemeClr val="tx1"/>
+                </a:solidFill>
+                <a:effectLst/>
+              </a:rPr>
+              <a:t> the </a:t>
+            </a:r>
+            <a:r>
+              <a:rPr kumimoji="0" lang="it-IT" altLang="it-IT" sz="2000" b="0" i="0" u="none" strike="noStrike" cap="none" normalizeH="0" baseline="0" dirty="0" err="1">
+                <a:ln>
+                  <a:noFill/>
+                </a:ln>
+                <a:solidFill>
+                  <a:schemeClr val="tx1"/>
+                </a:solidFill>
+                <a:effectLst/>
+              </a:rPr>
+              <a:t>creation</a:t>
+            </a:r>
+            <a:r>
+              <a:rPr kumimoji="0" lang="it-IT" altLang="it-IT" sz="2000" b="0" i="0" u="none" strike="noStrike" cap="none" normalizeH="0" baseline="0" dirty="0">
+                <a:ln>
+                  <a:noFill/>
+                </a:ln>
+                <a:solidFill>
+                  <a:schemeClr val="tx1"/>
+                </a:solidFill>
+                <a:effectLst/>
+              </a:rPr>
+              <a:t>, </a:t>
+            </a:r>
+            <a:r>
+              <a:rPr kumimoji="0" lang="it-IT" altLang="it-IT" sz="2000" b="0" i="0" u="none" strike="noStrike" cap="none" normalizeH="0" baseline="0" dirty="0" err="1">
+                <a:ln>
+                  <a:noFill/>
+                </a:ln>
+                <a:solidFill>
+                  <a:schemeClr val="tx1"/>
+                </a:solidFill>
+                <a:effectLst/>
+              </a:rPr>
+              <a:t>deletion</a:t>
+            </a:r>
+            <a:r>
+              <a:rPr kumimoji="0" lang="it-IT" altLang="it-IT" sz="2000" b="0" i="0" u="none" strike="noStrike" cap="none" normalizeH="0" baseline="0" dirty="0">
+                <a:ln>
+                  <a:noFill/>
+                </a:ln>
+                <a:solidFill>
+                  <a:schemeClr val="tx1"/>
+                </a:solidFill>
+                <a:effectLst/>
+              </a:rPr>
+              <a:t>, and </a:t>
+            </a:r>
+            <a:r>
+              <a:rPr kumimoji="0" lang="it-IT" altLang="it-IT" sz="2000" b="0" i="0" u="none" strike="noStrike" cap="none" normalizeH="0" baseline="0" dirty="0" err="1">
+                <a:ln>
+                  <a:noFill/>
+                </a:ln>
+                <a:solidFill>
+                  <a:schemeClr val="tx1"/>
+                </a:solidFill>
+                <a:effectLst/>
+              </a:rPr>
+              <a:t>modification</a:t>
+            </a:r>
+            <a:r>
+              <a:rPr kumimoji="0" lang="it-IT" altLang="it-IT" sz="2000" b="0" i="0" u="none" strike="noStrike" cap="none" normalizeH="0" baseline="0" dirty="0">
+                <a:ln>
+                  <a:noFill/>
+                </a:ln>
+                <a:solidFill>
+                  <a:schemeClr val="tx1"/>
+                </a:solidFill>
+                <a:effectLst/>
+              </a:rPr>
+              <a:t> of </a:t>
+            </a:r>
+            <a:r>
+              <a:rPr kumimoji="0" lang="it-IT" altLang="it-IT" sz="2000" b="0" i="0" u="none" strike="noStrike" cap="none" normalizeH="0" baseline="0" dirty="0" err="1">
+                <a:ln>
+                  <a:noFill/>
+                </a:ln>
+                <a:solidFill>
+                  <a:schemeClr val="tx1"/>
+                </a:solidFill>
+                <a:effectLst/>
+              </a:rPr>
+              <a:t>waypoints</a:t>
+            </a:r>
+            <a:r>
+              <a:rPr kumimoji="0" lang="it-IT" altLang="it-IT" sz="2000" b="0" i="0" u="none" strike="noStrike" cap="none" normalizeH="0" baseline="0" dirty="0">
+                <a:ln>
+                  <a:noFill/>
+                </a:ln>
+                <a:solidFill>
+                  <a:schemeClr val="tx1"/>
+                </a:solidFill>
+                <a:effectLst/>
+              </a:rPr>
+              <a:t>.</a:t>
+            </a:r>
+          </a:p>
+          <a:p>
+            <a:pPr marL="800100" lvl="1" indent="-342900" eaLnBrk="0" fontAlgn="base" hangingPunct="0">
+              <a:spcBef>
+                <a:spcPct val="0"/>
+              </a:spcBef>
+              <a:spcAft>
+                <a:spcPct val="0"/>
+              </a:spcAft>
+              <a:buFont typeface="Arial" panose="020B0604020202020204" pitchFamily="34" charset="0"/>
+              <a:buChar char="•"/>
+            </a:pPr>
+            <a:r>
+              <a:rPr kumimoji="0" lang="it-IT" altLang="it-IT" sz="2000" b="0" i="0" u="none" strike="noStrike" cap="none" normalizeH="0" baseline="0" dirty="0">
+                <a:ln>
+                  <a:noFill/>
+                </a:ln>
+                <a:solidFill>
+                  <a:schemeClr val="tx1"/>
+                </a:solidFill>
+                <a:effectLst/>
+              </a:rPr>
+              <a:t> Handles user input from the </a:t>
+            </a:r>
+            <a:r>
+              <a:rPr kumimoji="0" lang="it-IT" altLang="it-IT" sz="2000" b="0" i="0" u="none" strike="noStrike" cap="none" normalizeH="0" baseline="0" dirty="0" err="1">
+                <a:ln>
+                  <a:noFill/>
+                </a:ln>
+                <a:solidFill>
+                  <a:schemeClr val="tx1"/>
+                </a:solidFill>
+                <a:effectLst/>
+              </a:rPr>
+              <a:t>interface</a:t>
+            </a:r>
+            <a:r>
+              <a:rPr kumimoji="0" lang="it-IT" altLang="it-IT" sz="2000" b="0" i="0" u="none" strike="noStrike" cap="none" normalizeH="0" baseline="0" dirty="0">
+                <a:ln>
+                  <a:noFill/>
+                </a:ln>
+                <a:solidFill>
+                  <a:schemeClr val="tx1"/>
+                </a:solidFill>
+                <a:effectLst/>
+              </a:rPr>
+              <a:t> to </a:t>
+            </a:r>
+            <a:r>
+              <a:rPr kumimoji="0" lang="it-IT" altLang="it-IT" sz="2000" b="0" i="0" u="none" strike="noStrike" cap="none" normalizeH="0" baseline="0" dirty="0" err="1">
+                <a:ln>
+                  <a:noFill/>
+                </a:ln>
+                <a:solidFill>
+                  <a:schemeClr val="tx1"/>
+                </a:solidFill>
+                <a:effectLst/>
+              </a:rPr>
+              <a:t>define</a:t>
+            </a:r>
+            <a:r>
+              <a:rPr kumimoji="0" lang="it-IT" altLang="it-IT" sz="2000" b="0" i="0" u="none" strike="noStrike" cap="none" normalizeH="0" baseline="0" dirty="0">
+                <a:ln>
+                  <a:noFill/>
+                </a:ln>
+                <a:solidFill>
+                  <a:schemeClr val="tx1"/>
+                </a:solidFill>
+                <a:effectLst/>
+              </a:rPr>
+              <a:t> </a:t>
+            </a:r>
+            <a:r>
+              <a:rPr kumimoji="0" lang="it-IT" altLang="it-IT" sz="2000" b="0" i="0" u="none" strike="noStrike" cap="none" normalizeH="0" baseline="0" dirty="0" err="1">
+                <a:ln>
+                  <a:noFill/>
+                </a:ln>
+                <a:solidFill>
+                  <a:schemeClr val="tx1"/>
+                </a:solidFill>
+                <a:effectLst/>
+              </a:rPr>
+              <a:t>navigation</a:t>
+            </a:r>
+            <a:r>
+              <a:rPr kumimoji="0" lang="it-IT" altLang="it-IT" sz="2000" b="0" i="0" u="none" strike="noStrike" cap="none" normalizeH="0" baseline="0" dirty="0">
+                <a:ln>
+                  <a:noFill/>
+                </a:ln>
+                <a:solidFill>
+                  <a:schemeClr val="tx1"/>
+                </a:solidFill>
+                <a:effectLst/>
+              </a:rPr>
+              <a:t> targets.</a:t>
+            </a:r>
+          </a:p>
+        </p:txBody>
+      </p:sp>
+      <p:sp>
+        <p:nvSpPr>
+          <p:cNvPr id="19" name="CasellaDiTesto 18">
+            <a:extLst>
+              <a:ext uri="{FF2B5EF4-FFF2-40B4-BE49-F238E27FC236}">
+                <a16:creationId xmlns="" xmlns:a16="http://schemas.microsoft.com/office/drawing/2014/main" id="{397F616F-70C3-B538-6D47-76C69C2F77C3}"/>
+              </a:ext>
+            </a:extLst>
+          </p:cNvPr>
+          <p:cNvSpPr txBox="1"/>
+          <p:nvPr/>
+        </p:nvSpPr>
+        <p:spPr>
+          <a:xfrm>
+            <a:off x="1820950" y="6972300"/>
+            <a:ext cx="1535998" cy="523220"/>
+          </a:xfrm>
+          <a:prstGeom prst="rect">
+            <a:avLst/>
+          </a:prstGeom>
+          <a:noFill/>
+        </p:spPr>
+        <p:txBody>
+          <a:bodyPr wrap="none" rtlCol="0">
+            <a:spAutoFit/>
+          </a:bodyPr>
+          <a:lstStyle/>
+          <a:p>
+            <a:r>
+              <a:rPr lang="it-IT" sz="2800" b="1" dirty="0"/>
+              <a:t>Common</a:t>
+            </a:r>
+          </a:p>
+        </p:txBody>
+      </p:sp>
+      <p:sp>
+        <p:nvSpPr>
+          <p:cNvPr id="23" name="CasellaDiTesto 22">
+            <a:extLst>
+              <a:ext uri="{FF2B5EF4-FFF2-40B4-BE49-F238E27FC236}">
+                <a16:creationId xmlns="" xmlns:a16="http://schemas.microsoft.com/office/drawing/2014/main" id="{03BC5CB8-640A-EF19-0627-B49C0A61E99D}"/>
+              </a:ext>
+            </a:extLst>
+          </p:cNvPr>
+          <p:cNvSpPr txBox="1"/>
+          <p:nvPr/>
+        </p:nvSpPr>
+        <p:spPr>
+          <a:xfrm>
+            <a:off x="10287000" y="7457221"/>
+            <a:ext cx="8001000" cy="2246769"/>
+          </a:xfrm>
+          <a:prstGeom prst="rect">
+            <a:avLst/>
+          </a:prstGeom>
+          <a:noFill/>
+        </p:spPr>
+        <p:txBody>
+          <a:bodyPr wrap="square">
+            <a:spAutoFit/>
+          </a:bodyPr>
+          <a:lstStyle/>
+          <a:p>
+            <a:pPr marL="342900" marR="0" lvl="0" indent="-342900" algn="l" defTabSz="914400" rtl="0" eaLnBrk="0" fontAlgn="base" latinLnBrk="0" hangingPunct="0">
+              <a:lnSpc>
+                <a:spcPct val="100000"/>
+              </a:lnSpc>
+              <a:spcBef>
+                <a:spcPct val="0"/>
+              </a:spcBef>
+              <a:spcAft>
+                <a:spcPct val="0"/>
+              </a:spcAft>
+              <a:buClrTx/>
+              <a:buSzTx/>
+              <a:buFont typeface="Arial" panose="020B0604020202020204" pitchFamily="34" charset="0"/>
+              <a:buChar char="•"/>
+              <a:tabLst/>
+            </a:pPr>
+            <a:r>
+              <a:rPr kumimoji="0" lang="it-IT" altLang="it-IT" sz="2000" b="1" i="0" u="none" strike="noStrike" cap="none" normalizeH="0" baseline="0" dirty="0">
+                <a:ln>
+                  <a:noFill/>
+                </a:ln>
+                <a:solidFill>
+                  <a:schemeClr val="tx1"/>
+                </a:solidFill>
+                <a:effectLst/>
+              </a:rPr>
+              <a:t>Gazebo </a:t>
+            </a:r>
+            <a:r>
+              <a:rPr kumimoji="0" lang="it-IT" altLang="it-IT" sz="2000" b="1" i="0" u="none" strike="noStrike" cap="none" normalizeH="0" baseline="0" dirty="0" err="1">
+                <a:ln>
+                  <a:noFill/>
+                </a:ln>
+                <a:solidFill>
+                  <a:schemeClr val="tx1"/>
+                </a:solidFill>
+                <a:effectLst/>
+              </a:rPr>
+              <a:t>Node</a:t>
+            </a:r>
+            <a:r>
+              <a:rPr kumimoji="0" lang="it-IT" altLang="it-IT" sz="2000" b="0" i="0" u="none" strike="noStrike" cap="none" normalizeH="0" baseline="0" dirty="0">
+                <a:ln>
+                  <a:noFill/>
+                </a:ln>
+                <a:solidFill>
+                  <a:schemeClr val="tx1"/>
+                </a:solidFill>
+                <a:effectLst/>
+              </a:rPr>
+              <a:t>:</a:t>
+            </a:r>
+          </a:p>
+          <a:p>
+            <a:pPr marL="800100" lvl="1" indent="-342900" eaLnBrk="0" fontAlgn="base" hangingPunct="0">
+              <a:spcBef>
+                <a:spcPct val="0"/>
+              </a:spcBef>
+              <a:spcAft>
+                <a:spcPct val="0"/>
+              </a:spcAft>
+              <a:buFont typeface="Arial" panose="020B0604020202020204" pitchFamily="34" charset="0"/>
+              <a:buChar char="•"/>
+            </a:pPr>
+            <a:r>
+              <a:rPr kumimoji="0" lang="it-IT" altLang="it-IT" sz="2000" b="0" i="0" u="none" strike="noStrike" cap="none" normalizeH="0" baseline="0" dirty="0" err="1">
+                <a:ln>
+                  <a:noFill/>
+                </a:ln>
+                <a:solidFill>
+                  <a:schemeClr val="tx1"/>
+                </a:solidFill>
+                <a:effectLst/>
+              </a:rPr>
+              <a:t>Simulates</a:t>
+            </a:r>
+            <a:r>
+              <a:rPr kumimoji="0" lang="it-IT" altLang="it-IT" sz="2000" b="0" i="0" u="none" strike="noStrike" cap="none" normalizeH="0" baseline="0" dirty="0">
+                <a:ln>
+                  <a:noFill/>
+                </a:ln>
+                <a:solidFill>
+                  <a:schemeClr val="tx1"/>
+                </a:solidFill>
+                <a:effectLst/>
+              </a:rPr>
+              <a:t> the car in a </a:t>
+            </a:r>
+            <a:r>
+              <a:rPr kumimoji="0" lang="it-IT" altLang="it-IT" sz="2000" b="0" i="0" u="none" strike="noStrike" cap="none" normalizeH="0" baseline="0" dirty="0" err="1">
+                <a:ln>
+                  <a:noFill/>
+                </a:ln>
+                <a:solidFill>
+                  <a:schemeClr val="tx1"/>
+                </a:solidFill>
+                <a:effectLst/>
+              </a:rPr>
+              <a:t>virtual</a:t>
+            </a:r>
+            <a:r>
+              <a:rPr kumimoji="0" lang="it-IT" altLang="it-IT" sz="2000" b="0" i="0" u="none" strike="noStrike" cap="none" normalizeH="0" baseline="0" dirty="0">
+                <a:ln>
+                  <a:noFill/>
+                </a:ln>
+                <a:solidFill>
+                  <a:schemeClr val="tx1"/>
+                </a:solidFill>
+                <a:effectLst/>
+              </a:rPr>
+              <a:t> </a:t>
+            </a:r>
+            <a:r>
+              <a:rPr kumimoji="0" lang="it-IT" altLang="it-IT" sz="2000" b="0" i="0" u="none" strike="noStrike" cap="none" normalizeH="0" baseline="0" dirty="0" err="1">
+                <a:ln>
+                  <a:noFill/>
+                </a:ln>
+                <a:solidFill>
+                  <a:schemeClr val="tx1"/>
+                </a:solidFill>
+                <a:effectLst/>
+              </a:rPr>
+              <a:t>environment</a:t>
+            </a:r>
+            <a:r>
+              <a:rPr kumimoji="0" lang="it-IT" altLang="it-IT" sz="2000" b="0" i="0" u="none" strike="noStrike" cap="none" normalizeH="0" baseline="0" dirty="0">
+                <a:ln>
+                  <a:noFill/>
+                </a:ln>
+                <a:solidFill>
+                  <a:schemeClr val="tx1"/>
+                </a:solidFill>
+                <a:effectLst/>
+              </a:rPr>
+              <a:t> with </a:t>
+            </a:r>
+            <a:r>
+              <a:rPr kumimoji="0" lang="it-IT" altLang="it-IT" sz="2000" b="0" i="0" u="none" strike="noStrike" cap="none" normalizeH="0" baseline="0" dirty="0" err="1">
+                <a:ln>
+                  <a:noFill/>
+                </a:ln>
+                <a:solidFill>
+                  <a:schemeClr val="tx1"/>
+                </a:solidFill>
+                <a:effectLst/>
+              </a:rPr>
+              <a:t>realistic</a:t>
+            </a:r>
+            <a:r>
+              <a:rPr kumimoji="0" lang="it-IT" altLang="it-IT" sz="2000" b="0" i="0" u="none" strike="noStrike" cap="none" normalizeH="0" baseline="0" dirty="0">
+                <a:ln>
+                  <a:noFill/>
+                </a:ln>
+                <a:solidFill>
+                  <a:schemeClr val="tx1"/>
+                </a:solidFill>
+                <a:effectLst/>
+              </a:rPr>
+              <a:t> </a:t>
+            </a:r>
+            <a:r>
+              <a:rPr kumimoji="0" lang="it-IT" altLang="it-IT" sz="2000" b="0" i="0" u="none" strike="noStrike" cap="none" normalizeH="0" baseline="0" dirty="0" err="1">
+                <a:ln>
+                  <a:noFill/>
+                </a:ln>
+                <a:solidFill>
+                  <a:schemeClr val="tx1"/>
+                </a:solidFill>
+                <a:effectLst/>
+              </a:rPr>
+              <a:t>physics</a:t>
+            </a:r>
+            <a:r>
+              <a:rPr kumimoji="0" lang="it-IT" altLang="it-IT" sz="2000" b="0" i="0" u="none" strike="noStrike" cap="none" normalizeH="0" baseline="0" dirty="0">
+                <a:ln>
+                  <a:noFill/>
+                </a:ln>
+                <a:solidFill>
+                  <a:schemeClr val="tx1"/>
+                </a:solidFill>
+                <a:effectLst/>
+              </a:rPr>
+              <a:t> and </a:t>
+            </a:r>
+            <a:r>
+              <a:rPr kumimoji="0" lang="it-IT" altLang="it-IT" sz="2000" b="0" i="0" u="none" strike="noStrike" cap="none" normalizeH="0" baseline="0" dirty="0" err="1">
+                <a:ln>
+                  <a:noFill/>
+                </a:ln>
+                <a:solidFill>
+                  <a:schemeClr val="tx1"/>
+                </a:solidFill>
+                <a:effectLst/>
+              </a:rPr>
+              <a:t>sensors</a:t>
+            </a:r>
+            <a:r>
+              <a:rPr kumimoji="0" lang="it-IT" altLang="it-IT" sz="2000" b="0" i="0" u="none" strike="noStrike" cap="none" normalizeH="0" baseline="0" dirty="0">
+                <a:ln>
+                  <a:noFill/>
+                </a:ln>
+                <a:solidFill>
+                  <a:schemeClr val="tx1"/>
+                </a:solidFill>
+                <a:effectLst/>
+              </a:rPr>
+              <a:t>.</a:t>
+            </a:r>
+          </a:p>
+          <a:p>
+            <a:pPr marL="800100" lvl="1" indent="-342900" eaLnBrk="0" fontAlgn="base" hangingPunct="0">
+              <a:spcBef>
+                <a:spcPct val="0"/>
+              </a:spcBef>
+              <a:spcAft>
+                <a:spcPct val="0"/>
+              </a:spcAft>
+              <a:buFont typeface="Arial" panose="020B0604020202020204" pitchFamily="34" charset="0"/>
+              <a:buChar char="•"/>
+            </a:pPr>
+            <a:r>
+              <a:rPr kumimoji="0" lang="it-IT" altLang="it-IT" sz="2000" b="0" i="0" u="none" strike="noStrike" cap="none" normalizeH="0" baseline="0" dirty="0" err="1">
+                <a:ln>
+                  <a:noFill/>
+                </a:ln>
+                <a:solidFill>
+                  <a:schemeClr val="tx1"/>
+                </a:solidFill>
+                <a:effectLst/>
+              </a:rPr>
+              <a:t>Provides</a:t>
+            </a:r>
+            <a:r>
+              <a:rPr kumimoji="0" lang="it-IT" altLang="it-IT" sz="2000" b="0" i="0" u="none" strike="noStrike" cap="none" normalizeH="0" baseline="0" dirty="0">
+                <a:ln>
+                  <a:noFill/>
+                </a:ln>
+                <a:solidFill>
+                  <a:schemeClr val="tx1"/>
+                </a:solidFill>
+                <a:effectLst/>
+              </a:rPr>
+              <a:t> </a:t>
+            </a:r>
+            <a:r>
+              <a:rPr kumimoji="0" lang="it-IT" altLang="it-IT" sz="2000" b="0" i="0" u="none" strike="noStrike" cap="none" normalizeH="0" baseline="0" dirty="0" err="1">
+                <a:ln>
+                  <a:noFill/>
+                </a:ln>
+                <a:solidFill>
+                  <a:schemeClr val="tx1"/>
+                </a:solidFill>
+                <a:effectLst/>
+              </a:rPr>
+              <a:t>simulated</a:t>
+            </a:r>
+            <a:r>
+              <a:rPr kumimoji="0" lang="it-IT" altLang="it-IT" sz="2000" b="0" i="0" u="none" strike="noStrike" cap="none" normalizeH="0" baseline="0" dirty="0">
+                <a:ln>
+                  <a:noFill/>
+                </a:ln>
+                <a:solidFill>
+                  <a:schemeClr val="tx1"/>
+                </a:solidFill>
+                <a:effectLst/>
+              </a:rPr>
+              <a:t> Lidar, </a:t>
+            </a:r>
+            <a:r>
+              <a:rPr kumimoji="0" lang="it-IT" altLang="it-IT" sz="2000" b="0" i="0" u="none" strike="noStrike" cap="none" normalizeH="0" baseline="0" dirty="0" err="1">
+                <a:ln>
+                  <a:noFill/>
+                </a:ln>
+                <a:solidFill>
+                  <a:schemeClr val="tx1"/>
+                </a:solidFill>
+                <a:effectLst/>
+              </a:rPr>
+              <a:t>odometry</a:t>
+            </a:r>
+            <a:r>
+              <a:rPr kumimoji="0" lang="it-IT" altLang="it-IT" sz="2000" b="0" i="0" u="none" strike="noStrike" cap="none" normalizeH="0" baseline="0" dirty="0">
+                <a:ln>
+                  <a:noFill/>
+                </a:ln>
+                <a:solidFill>
+                  <a:schemeClr val="tx1"/>
+                </a:solidFill>
+                <a:effectLst/>
+              </a:rPr>
+              <a:t>, and </a:t>
+            </a:r>
+            <a:r>
+              <a:rPr kumimoji="0" lang="it-IT" altLang="it-IT" sz="2000" b="0" i="0" u="none" strike="noStrike" cap="none" normalizeH="0" baseline="0" dirty="0" err="1">
+                <a:ln>
+                  <a:noFill/>
+                </a:ln>
+                <a:solidFill>
+                  <a:schemeClr val="tx1"/>
+                </a:solidFill>
+                <a:effectLst/>
+              </a:rPr>
+              <a:t>other</a:t>
+            </a:r>
+            <a:r>
+              <a:rPr kumimoji="0" lang="it-IT" altLang="it-IT" sz="2000" b="0" i="0" u="none" strike="noStrike" cap="none" normalizeH="0" baseline="0" dirty="0">
+                <a:ln>
+                  <a:noFill/>
+                </a:ln>
+                <a:solidFill>
+                  <a:schemeClr val="tx1"/>
+                </a:solidFill>
+                <a:effectLst/>
+              </a:rPr>
+              <a:t> data for testing.</a:t>
+            </a:r>
+          </a:p>
+          <a:p>
+            <a:pPr marL="342900" marR="0" lvl="0" indent="-342900" algn="l" defTabSz="914400" rtl="0" eaLnBrk="0" fontAlgn="base" latinLnBrk="0" hangingPunct="0">
+              <a:lnSpc>
+                <a:spcPct val="100000"/>
+              </a:lnSpc>
+              <a:spcBef>
+                <a:spcPct val="0"/>
+              </a:spcBef>
+              <a:spcAft>
+                <a:spcPct val="0"/>
+              </a:spcAft>
+              <a:buClrTx/>
+              <a:buSzTx/>
+              <a:buFont typeface="Arial" panose="020B0604020202020204" pitchFamily="34" charset="0"/>
+              <a:buChar char="•"/>
+              <a:tabLst/>
+            </a:pPr>
+            <a:r>
+              <a:rPr kumimoji="0" lang="it-IT" altLang="it-IT" sz="2000" b="1" i="0" u="none" strike="noStrike" cap="none" normalizeH="0" baseline="0" dirty="0" err="1">
+                <a:ln>
+                  <a:noFill/>
+                </a:ln>
+                <a:solidFill>
+                  <a:schemeClr val="tx1"/>
+                </a:solidFill>
+                <a:effectLst/>
+              </a:rPr>
+              <a:t>RViz</a:t>
+            </a:r>
+            <a:r>
+              <a:rPr kumimoji="0" lang="it-IT" altLang="it-IT" sz="2000" b="1" i="0" u="none" strike="noStrike" cap="none" normalizeH="0" baseline="0" dirty="0">
+                <a:ln>
+                  <a:noFill/>
+                </a:ln>
+                <a:solidFill>
+                  <a:schemeClr val="tx1"/>
+                </a:solidFill>
+                <a:effectLst/>
+              </a:rPr>
+              <a:t> </a:t>
+            </a:r>
+            <a:r>
+              <a:rPr kumimoji="0" lang="it-IT" altLang="it-IT" sz="2000" b="1" i="0" u="none" strike="noStrike" cap="none" normalizeH="0" baseline="0" dirty="0" err="1">
+                <a:ln>
+                  <a:noFill/>
+                </a:ln>
+                <a:solidFill>
+                  <a:schemeClr val="tx1"/>
+                </a:solidFill>
+                <a:effectLst/>
+              </a:rPr>
+              <a:t>Node</a:t>
+            </a:r>
+            <a:r>
+              <a:rPr kumimoji="0" lang="it-IT" altLang="it-IT" sz="2000" b="0" i="0" u="none" strike="noStrike" cap="none" normalizeH="0" baseline="0" dirty="0">
+                <a:ln>
+                  <a:noFill/>
+                </a:ln>
+                <a:solidFill>
+                  <a:schemeClr val="tx1"/>
+                </a:solidFill>
+                <a:effectLst/>
+              </a:rPr>
+              <a:t>:</a:t>
+            </a:r>
+          </a:p>
+          <a:p>
+            <a:pPr marL="800100" lvl="1" indent="-342900" eaLnBrk="0" fontAlgn="base" hangingPunct="0">
+              <a:spcBef>
+                <a:spcPct val="0"/>
+              </a:spcBef>
+              <a:spcAft>
+                <a:spcPct val="0"/>
+              </a:spcAft>
+              <a:buFont typeface="Arial" panose="020B0604020202020204" pitchFamily="34" charset="0"/>
+              <a:buChar char="•"/>
+            </a:pPr>
+            <a:r>
+              <a:rPr kumimoji="0" lang="it-IT" altLang="it-IT" sz="2000" b="0" i="0" u="none" strike="noStrike" cap="none" normalizeH="0" baseline="0" dirty="0" err="1">
+                <a:ln>
+                  <a:noFill/>
+                </a:ln>
+                <a:solidFill>
+                  <a:schemeClr val="tx1"/>
+                </a:solidFill>
+                <a:effectLst/>
+              </a:rPr>
+              <a:t>Visualizes</a:t>
+            </a:r>
+            <a:r>
+              <a:rPr kumimoji="0" lang="it-IT" altLang="it-IT" sz="2000" b="0" i="0" u="none" strike="noStrike" cap="none" normalizeH="0" baseline="0" dirty="0">
+                <a:ln>
+                  <a:noFill/>
+                </a:ln>
+                <a:solidFill>
+                  <a:schemeClr val="tx1"/>
+                </a:solidFill>
+                <a:effectLst/>
+              </a:rPr>
+              <a:t> the </a:t>
+            </a:r>
+            <a:r>
+              <a:rPr kumimoji="0" lang="it-IT" altLang="it-IT" sz="2000" b="0" i="0" u="none" strike="noStrike" cap="none" normalizeH="0" baseline="0" dirty="0" err="1">
+                <a:ln>
+                  <a:noFill/>
+                </a:ln>
+                <a:solidFill>
+                  <a:schemeClr val="tx1"/>
+                </a:solidFill>
+                <a:effectLst/>
+              </a:rPr>
+              <a:t>car's</a:t>
+            </a:r>
+            <a:r>
+              <a:rPr kumimoji="0" lang="it-IT" altLang="it-IT" sz="2000" b="0" i="0" u="none" strike="noStrike" cap="none" normalizeH="0" baseline="0" dirty="0">
+                <a:ln>
+                  <a:noFill/>
+                </a:ln>
+                <a:solidFill>
+                  <a:schemeClr val="tx1"/>
+                </a:solidFill>
+                <a:effectLst/>
+              </a:rPr>
+              <a:t> state, </a:t>
+            </a:r>
+            <a:r>
+              <a:rPr kumimoji="0" lang="it-IT" altLang="it-IT" sz="2000" b="0" i="0" u="none" strike="noStrike" cap="none" normalizeH="0" baseline="0" dirty="0" err="1">
+                <a:ln>
+                  <a:noFill/>
+                </a:ln>
+                <a:solidFill>
+                  <a:schemeClr val="tx1"/>
+                </a:solidFill>
+                <a:effectLst/>
+              </a:rPr>
+              <a:t>sensor</a:t>
+            </a:r>
+            <a:r>
+              <a:rPr kumimoji="0" lang="it-IT" altLang="it-IT" sz="2000" b="0" i="0" u="none" strike="noStrike" cap="none" normalizeH="0" baseline="0" dirty="0">
+                <a:ln>
+                  <a:noFill/>
+                </a:ln>
+                <a:solidFill>
+                  <a:schemeClr val="tx1"/>
+                </a:solidFill>
+                <a:effectLst/>
+              </a:rPr>
+              <a:t> data, and </a:t>
+            </a:r>
+            <a:r>
+              <a:rPr kumimoji="0" lang="it-IT" altLang="it-IT" sz="2000" b="0" i="0" u="none" strike="noStrike" cap="none" normalizeH="0" baseline="0" dirty="0" err="1">
+                <a:ln>
+                  <a:noFill/>
+                </a:ln>
+                <a:solidFill>
+                  <a:schemeClr val="tx1"/>
+                </a:solidFill>
+                <a:effectLst/>
+              </a:rPr>
+              <a:t>environment</a:t>
+            </a:r>
+            <a:r>
+              <a:rPr kumimoji="0" lang="it-IT" altLang="it-IT" sz="2000" b="0" i="0" u="none" strike="noStrike" cap="none" normalizeH="0" baseline="0" dirty="0">
+                <a:ln>
+                  <a:noFill/>
+                </a:ln>
+                <a:solidFill>
+                  <a:schemeClr val="tx1"/>
+                </a:solidFill>
+                <a:effectLst/>
+              </a:rPr>
+              <a:t> in 3D.</a:t>
+            </a:r>
+          </a:p>
+          <a:p>
+            <a:pPr marL="800100" lvl="1" indent="-342900" eaLnBrk="0" fontAlgn="base" hangingPunct="0">
+              <a:spcBef>
+                <a:spcPct val="0"/>
+              </a:spcBef>
+              <a:spcAft>
+                <a:spcPct val="0"/>
+              </a:spcAft>
+              <a:buFont typeface="Arial" panose="020B0604020202020204" pitchFamily="34" charset="0"/>
+              <a:buChar char="•"/>
+            </a:pPr>
+            <a:r>
+              <a:rPr kumimoji="0" lang="it-IT" altLang="it-IT" sz="2000" b="0" i="0" u="none" strike="noStrike" cap="none" normalizeH="0" baseline="0" dirty="0">
+                <a:ln>
+                  <a:noFill/>
+                </a:ln>
+                <a:solidFill>
+                  <a:schemeClr val="tx1"/>
+                </a:solidFill>
+                <a:effectLst/>
+              </a:rPr>
+              <a:t>Displays real-time updates on </a:t>
+            </a:r>
+            <a:r>
+              <a:rPr kumimoji="0" lang="it-IT" altLang="it-IT" sz="2000" b="0" i="0" u="none" strike="noStrike" cap="none" normalizeH="0" baseline="0" dirty="0" err="1">
+                <a:ln>
+                  <a:noFill/>
+                </a:ln>
+                <a:solidFill>
+                  <a:schemeClr val="tx1"/>
+                </a:solidFill>
+                <a:effectLst/>
+              </a:rPr>
+              <a:t>navigation</a:t>
+            </a:r>
+            <a:r>
+              <a:rPr kumimoji="0" lang="it-IT" altLang="it-IT" sz="2000" b="0" i="0" u="none" strike="noStrike" cap="none" normalizeH="0" baseline="0" dirty="0">
+                <a:ln>
+                  <a:noFill/>
+                </a:ln>
+                <a:solidFill>
+                  <a:schemeClr val="tx1"/>
+                </a:solidFill>
+                <a:effectLst/>
+              </a:rPr>
+              <a:t> and </a:t>
+            </a:r>
+            <a:r>
+              <a:rPr kumimoji="0" lang="it-IT" altLang="it-IT" sz="2000" b="0" i="0" u="none" strike="noStrike" cap="none" normalizeH="0" baseline="0" dirty="0" err="1">
+                <a:ln>
+                  <a:noFill/>
+                </a:ln>
+                <a:solidFill>
+                  <a:schemeClr val="tx1"/>
+                </a:solidFill>
+                <a:effectLst/>
+              </a:rPr>
+              <a:t>obstacle</a:t>
+            </a:r>
+            <a:r>
+              <a:rPr kumimoji="0" lang="it-IT" altLang="it-IT" sz="2000" b="0" i="0" u="none" strike="noStrike" cap="none" normalizeH="0" baseline="0" dirty="0">
+                <a:ln>
+                  <a:noFill/>
+                </a:ln>
+                <a:solidFill>
+                  <a:schemeClr val="tx1"/>
+                </a:solidFill>
+                <a:effectLst/>
+              </a:rPr>
+              <a:t> </a:t>
+            </a:r>
+            <a:r>
+              <a:rPr kumimoji="0" lang="it-IT" altLang="it-IT" sz="2000" b="0" i="0" u="none" strike="noStrike" cap="none" normalizeH="0" baseline="0" dirty="0" err="1">
+                <a:ln>
+                  <a:noFill/>
+                </a:ln>
+                <a:solidFill>
+                  <a:schemeClr val="tx1"/>
+                </a:solidFill>
+                <a:effectLst/>
+              </a:rPr>
+              <a:t>avoidance</a:t>
+            </a:r>
+            <a:r>
+              <a:rPr kumimoji="0" lang="it-IT" altLang="it-IT" sz="2000" b="0" i="0" u="none" strike="noStrike" cap="none" normalizeH="0" baseline="0" dirty="0">
+                <a:ln>
+                  <a:noFill/>
+                </a:ln>
+                <a:solidFill>
+                  <a:schemeClr val="tx1"/>
+                </a:solidFill>
+                <a:effectLst/>
+              </a:rPr>
+              <a:t>.</a:t>
+            </a:r>
+          </a:p>
+        </p:txBody>
+      </p:sp>
+      <p:sp>
+        <p:nvSpPr>
+          <p:cNvPr id="30" name="CasellaDiTesto 29">
+            <a:extLst>
+              <a:ext uri="{FF2B5EF4-FFF2-40B4-BE49-F238E27FC236}">
+                <a16:creationId xmlns="" xmlns:a16="http://schemas.microsoft.com/office/drawing/2014/main" id="{3473409A-097C-25EB-B9A0-9F574493CCF9}"/>
+              </a:ext>
+            </a:extLst>
+          </p:cNvPr>
+          <p:cNvSpPr txBox="1"/>
+          <p:nvPr/>
+        </p:nvSpPr>
+        <p:spPr>
+          <a:xfrm>
+            <a:off x="9364750" y="4001904"/>
+            <a:ext cx="7119431" cy="2246769"/>
+          </a:xfrm>
+          <a:prstGeom prst="rect">
+            <a:avLst/>
+          </a:prstGeom>
+          <a:noFill/>
+        </p:spPr>
+        <p:txBody>
+          <a:bodyPr wrap="square">
+            <a:spAutoFit/>
+          </a:bodyPr>
+          <a:lstStyle/>
+          <a:p>
+            <a:pPr marL="342900" marR="0" lvl="0" indent="-342900" algn="l" defTabSz="914400" rtl="0" eaLnBrk="0" fontAlgn="base" latinLnBrk="0" hangingPunct="0">
+              <a:lnSpc>
+                <a:spcPct val="100000"/>
+              </a:lnSpc>
+              <a:spcBef>
+                <a:spcPct val="0"/>
+              </a:spcBef>
+              <a:spcAft>
+                <a:spcPct val="0"/>
+              </a:spcAft>
+              <a:buClrTx/>
+              <a:buSzTx/>
+              <a:buFont typeface="Arial" panose="020B0604020202020204" pitchFamily="34" charset="0"/>
+              <a:buChar char="•"/>
+              <a:tabLst/>
+            </a:pPr>
+            <a:r>
+              <a:rPr lang="it-IT" altLang="it-IT" sz="2000" b="1" dirty="0" err="1"/>
+              <a:t>Waypoint</a:t>
+            </a:r>
+            <a:r>
+              <a:rPr lang="it-IT" altLang="it-IT" sz="2000" b="1" dirty="0"/>
+              <a:t> Navigator:</a:t>
+            </a:r>
+          </a:p>
+          <a:p>
+            <a:pPr marL="800100" lvl="1" indent="-342900" eaLnBrk="0" fontAlgn="base" hangingPunct="0">
+              <a:spcBef>
+                <a:spcPct val="0"/>
+              </a:spcBef>
+              <a:spcAft>
+                <a:spcPct val="0"/>
+              </a:spcAft>
+              <a:buFont typeface="Arial" panose="020B0604020202020204" pitchFamily="34" charset="0"/>
+              <a:buChar char="•"/>
+            </a:pPr>
+            <a:r>
+              <a:rPr lang="en-US" sz="2000" dirty="0"/>
+              <a:t>An autonomous navigation node that processes randomly generated waypoints.</a:t>
+            </a:r>
+          </a:p>
+          <a:p>
+            <a:pPr marL="800100" lvl="1" indent="-342900" eaLnBrk="0" fontAlgn="base" hangingPunct="0">
+              <a:spcBef>
+                <a:spcPct val="0"/>
+              </a:spcBef>
+              <a:spcAft>
+                <a:spcPct val="0"/>
+              </a:spcAft>
+              <a:buFont typeface="Arial" panose="020B0604020202020204" pitchFamily="34" charset="0"/>
+              <a:buChar char="•"/>
+            </a:pPr>
+            <a:r>
+              <a:rPr lang="en-US" sz="2000" dirty="0"/>
+              <a:t>Uses obstacle avoidance algorithms (e.g., wall following) based on sensor data like Lidar.</a:t>
+            </a:r>
+          </a:p>
+          <a:p>
+            <a:pPr marL="800100" lvl="1" indent="-342900" eaLnBrk="0" fontAlgn="base" hangingPunct="0">
+              <a:spcBef>
+                <a:spcPct val="0"/>
+              </a:spcBef>
+              <a:spcAft>
+                <a:spcPct val="0"/>
+              </a:spcAft>
+              <a:buFont typeface="Arial" panose="020B0604020202020204" pitchFamily="34" charset="0"/>
+              <a:buChar char="•"/>
+            </a:pPr>
+            <a:r>
+              <a:rPr lang="en-US" sz="2000" dirty="0"/>
+              <a:t>Subscribes to topics for waypoints and publishes commands to control the car's movement.</a:t>
+            </a:r>
+            <a:endParaRPr lang="it-IT" altLang="it-IT" sz="2000" dirty="0"/>
+          </a:p>
+        </p:txBody>
+      </p:sp>
+      <p:cxnSp>
+        <p:nvCxnSpPr>
+          <p:cNvPr id="35" name="Connettore diritto 34">
+            <a:extLst>
+              <a:ext uri="{FF2B5EF4-FFF2-40B4-BE49-F238E27FC236}">
+                <a16:creationId xmlns="" xmlns:a16="http://schemas.microsoft.com/office/drawing/2014/main" id="{6FC4DF27-7F7A-5DA7-C9D9-E779B1E177DA}"/>
+              </a:ext>
+            </a:extLst>
+          </p:cNvPr>
+          <p:cNvCxnSpPr>
+            <a:cxnSpLocks/>
+          </p:cNvCxnSpPr>
+          <p:nvPr/>
+        </p:nvCxnSpPr>
+        <p:spPr>
+          <a:xfrm>
+            <a:off x="2057400" y="6819900"/>
+            <a:ext cx="14554200" cy="0"/>
+          </a:xfrm>
+          <a:prstGeom prst="line">
+            <a:avLst/>
+          </a:prstGeom>
+        </p:spPr>
+        <p:style>
+          <a:lnRef idx="1">
+            <a:schemeClr val="dk1"/>
+          </a:lnRef>
+          <a:fillRef idx="0">
+            <a:schemeClr val="dk1"/>
+          </a:fillRef>
+          <a:effectRef idx="0">
+            <a:schemeClr val="dk1"/>
+          </a:effectRef>
+          <a:fontRef idx="minor">
+            <a:schemeClr val="tx1"/>
+          </a:fontRef>
+        </p:style>
+      </p:cxnSp>
+    </p:spTree>
+    <p:extLst>
+      <p:ext uri="{BB962C8B-B14F-4D97-AF65-F5344CB8AC3E}">
+        <p14:creationId xmlns:p14="http://schemas.microsoft.com/office/powerpoint/2010/main" val="509776813"/>
+      </p:ext>
+    </p:extLst>
+  </p:cSld>
+  <p:clrMapOvr>
+    <a:masterClrMapping/>
+  </p:clrMapOvr>
+  <p:timing>
+    <p:tnLst>
+      <p:par>
+        <p:cTn id="1" dur="indefinite" restart="never" nodeType="tmRoot">
+          <p:childTnLst>
+            <p:seq concurrent="1" nextAc="seek">
+              <p:cTn id="2" dur="indefinite" nodeType="mainSeq">
+                <p:childTnLst>
+                  <p:par>
+                    <p:cTn id="3" fill="hold">
+                      <p:stCondLst>
+                        <p:cond delay="indefinite"/>
+                      </p:stCondLst>
+                      <p:childTnLst>
+                        <p:par>
+                          <p:cTn id="4" fill="hold">
+                            <p:stCondLst>
+                              <p:cond delay="0"/>
+                            </p:stCondLst>
+                            <p:childTnLst>
+                              <p:par>
+                                <p:cTn id="5" presetID="1" presetClass="entr" presetSubtype="0" fill="hold" grpId="0" nodeType="clickEffect">
+                                  <p:stCondLst>
+                                    <p:cond delay="0"/>
+                                  </p:stCondLst>
+                                  <p:childTnLst>
+                                    <p:set>
+                                      <p:cBhvr>
+                                        <p:cTn id="6" dur="1" fill="hold">
+                                          <p:stCondLst>
+                                            <p:cond delay="0"/>
+                                          </p:stCondLst>
+                                        </p:cTn>
+                                        <p:tgtEl>
+                                          <p:spTgt spid="8"/>
+                                        </p:tgtEl>
+                                        <p:attrNameLst>
+                                          <p:attrName>style.visibility</p:attrName>
+                                        </p:attrNameLst>
+                                      </p:cBhvr>
+                                      <p:to>
+                                        <p:strVal val="visible"/>
+                                      </p:to>
+                                    </p:set>
+                                  </p:childTnLst>
+                                </p:cTn>
+                              </p:par>
+                              <p:par>
+                                <p:cTn id="7" presetID="1" presetClass="entr" presetSubtype="0" fill="hold" grpId="0" nodeType="withEffect">
+                                  <p:stCondLst>
+                                    <p:cond delay="0"/>
+                                  </p:stCondLst>
+                                  <p:childTnLst>
+                                    <p:set>
+                                      <p:cBhvr>
+                                        <p:cTn id="8" dur="1" fill="hold">
+                                          <p:stCondLst>
+                                            <p:cond delay="0"/>
+                                          </p:stCondLst>
+                                        </p:cTn>
+                                        <p:tgtEl>
+                                          <p:spTgt spid="15"/>
+                                        </p:tgtEl>
+                                        <p:attrNameLst>
+                                          <p:attrName>style.visibility</p:attrName>
+                                        </p:attrNameLst>
+                                      </p:cBhvr>
+                                      <p:to>
+                                        <p:strVal val="visible"/>
+                                      </p:to>
+                                    </p:set>
+                                  </p:childTnLst>
+                                </p:cTn>
+                              </p:par>
+                              <p:par>
+                                <p:cTn id="9" presetID="1" presetClass="entr" presetSubtype="0" fill="hold" nodeType="withEffect">
+                                  <p:stCondLst>
+                                    <p:cond delay="0"/>
+                                  </p:stCondLst>
+                                  <p:childTnLst>
+                                    <p:set>
+                                      <p:cBhvr>
+                                        <p:cTn id="10" dur="1" fill="hold">
+                                          <p:stCondLst>
+                                            <p:cond delay="0"/>
+                                          </p:stCondLst>
+                                        </p:cTn>
+                                        <p:tgtEl>
+                                          <p:spTgt spid="7"/>
+                                        </p:tgtEl>
+                                        <p:attrNameLst>
+                                          <p:attrName>style.visibility</p:attrName>
+                                        </p:attrNameLst>
+                                      </p:cBhvr>
+                                      <p:to>
+                                        <p:strVal val="visible"/>
+                                      </p:to>
+                                    </p:set>
+                                  </p:childTnLst>
+                                </p:cTn>
+                              </p:par>
+                            </p:childTnLst>
+                          </p:cTn>
+                        </p:par>
+                      </p:childTnLst>
+                    </p:cTn>
+                  </p:par>
+                  <p:par>
+                    <p:cTn id="11" fill="hold">
+                      <p:stCondLst>
+                        <p:cond delay="indefinite"/>
+                      </p:stCondLst>
+                      <p:childTnLst>
+                        <p:par>
+                          <p:cTn id="12" fill="hold">
+                            <p:stCondLst>
+                              <p:cond delay="0"/>
+                            </p:stCondLst>
+                            <p:childTnLst>
+                              <p:par>
+                                <p:cTn id="13" presetID="1" presetClass="entr" presetSubtype="0" fill="hold" grpId="0" nodeType="clickEffect">
+                                  <p:stCondLst>
+                                    <p:cond delay="0"/>
+                                  </p:stCondLst>
+                                  <p:childTnLst>
+                                    <p:set>
+                                      <p:cBhvr>
+                                        <p:cTn id="14" dur="1" fill="hold">
+                                          <p:stCondLst>
+                                            <p:cond delay="0"/>
+                                          </p:stCondLst>
+                                        </p:cTn>
+                                        <p:tgtEl>
+                                          <p:spTgt spid="9"/>
+                                        </p:tgtEl>
+                                        <p:attrNameLst>
+                                          <p:attrName>style.visibility</p:attrName>
+                                        </p:attrNameLst>
+                                      </p:cBhvr>
+                                      <p:to>
+                                        <p:strVal val="visible"/>
+                                      </p:to>
+                                    </p:set>
+                                  </p:childTnLst>
+                                </p:cTn>
+                              </p:par>
+                              <p:par>
+                                <p:cTn id="15" presetID="1" presetClass="entr" presetSubtype="0" fill="hold" grpId="0" nodeType="withEffect">
+                                  <p:stCondLst>
+                                    <p:cond delay="0"/>
+                                  </p:stCondLst>
+                                  <p:childTnLst>
+                                    <p:set>
+                                      <p:cBhvr>
+                                        <p:cTn id="16" dur="1" fill="hold">
+                                          <p:stCondLst>
+                                            <p:cond delay="0"/>
+                                          </p:stCondLst>
+                                        </p:cTn>
+                                        <p:tgtEl>
+                                          <p:spTgt spid="30"/>
+                                        </p:tgtEl>
+                                        <p:attrNameLst>
+                                          <p:attrName>style.visibility</p:attrName>
+                                        </p:attrNameLst>
+                                      </p:cBhvr>
+                                      <p:to>
+                                        <p:strVal val="visible"/>
+                                      </p:to>
+                                    </p:set>
+                                  </p:childTnLst>
+                                </p:cTn>
+                              </p:par>
+                            </p:childTnLst>
+                          </p:cTn>
+                        </p:par>
+                      </p:childTnLst>
+                    </p:cTn>
+                  </p:par>
+                  <p:par>
+                    <p:cTn id="17" fill="hold">
+                      <p:stCondLst>
+                        <p:cond delay="indefinite"/>
+                      </p:stCondLst>
+                      <p:childTnLst>
+                        <p:par>
+                          <p:cTn id="18" fill="hold">
+                            <p:stCondLst>
+                              <p:cond delay="0"/>
+                            </p:stCondLst>
+                            <p:childTnLst>
+                              <p:par>
+                                <p:cTn id="19" presetID="1" presetClass="entr" presetSubtype="0" fill="hold" nodeType="clickEffect">
+                                  <p:stCondLst>
+                                    <p:cond delay="0"/>
+                                  </p:stCondLst>
+                                  <p:childTnLst>
+                                    <p:set>
+                                      <p:cBhvr>
+                                        <p:cTn id="20" dur="1" fill="hold">
+                                          <p:stCondLst>
+                                            <p:cond delay="0"/>
+                                          </p:stCondLst>
+                                        </p:cTn>
+                                        <p:tgtEl>
+                                          <p:spTgt spid="35"/>
+                                        </p:tgtEl>
+                                        <p:attrNameLst>
+                                          <p:attrName>style.visibility</p:attrName>
+                                        </p:attrNameLst>
+                                      </p:cBhvr>
+                                      <p:to>
+                                        <p:strVal val="visible"/>
+                                      </p:to>
+                                    </p:set>
+                                  </p:childTnLst>
+                                </p:cTn>
+                              </p:par>
+                              <p:par>
+                                <p:cTn id="21" presetID="1" presetClass="entr" presetSubtype="0" fill="hold" grpId="0" nodeType="withEffect">
+                                  <p:stCondLst>
+                                    <p:cond delay="0"/>
+                                  </p:stCondLst>
+                                  <p:childTnLst>
+                                    <p:set>
+                                      <p:cBhvr>
+                                        <p:cTn id="22" dur="1" fill="hold">
+                                          <p:stCondLst>
+                                            <p:cond delay="0"/>
+                                          </p:stCondLst>
+                                        </p:cTn>
+                                        <p:tgtEl>
+                                          <p:spTgt spid="18"/>
+                                        </p:tgtEl>
+                                        <p:attrNameLst>
+                                          <p:attrName>style.visibility</p:attrName>
+                                        </p:attrNameLst>
+                                      </p:cBhvr>
+                                      <p:to>
+                                        <p:strVal val="visible"/>
+                                      </p:to>
+                                    </p:set>
+                                  </p:childTnLst>
+                                </p:cTn>
+                              </p:par>
+                              <p:par>
+                                <p:cTn id="23" presetID="1" presetClass="entr" presetSubtype="0" fill="hold" grpId="0" nodeType="withEffect">
+                                  <p:stCondLst>
+                                    <p:cond delay="0"/>
+                                  </p:stCondLst>
+                                  <p:childTnLst>
+                                    <p:set>
+                                      <p:cBhvr>
+                                        <p:cTn id="24" dur="1" fill="hold">
+                                          <p:stCondLst>
+                                            <p:cond delay="0"/>
+                                          </p:stCondLst>
+                                        </p:cTn>
+                                        <p:tgtEl>
+                                          <p:spTgt spid="19"/>
+                                        </p:tgtEl>
+                                        <p:attrNameLst>
+                                          <p:attrName>style.visibility</p:attrName>
+                                        </p:attrNameLst>
+                                      </p:cBhvr>
+                                      <p:to>
+                                        <p:strVal val="visible"/>
+                                      </p:to>
+                                    </p:set>
+                                  </p:childTnLst>
+                                </p:cTn>
+                              </p:par>
+                              <p:par>
+                                <p:cTn id="25" presetID="1" presetClass="entr" presetSubtype="0" fill="hold" grpId="0" nodeType="withEffect">
+                                  <p:stCondLst>
+                                    <p:cond delay="0"/>
+                                  </p:stCondLst>
+                                  <p:childTnLst>
+                                    <p:set>
+                                      <p:cBhvr>
+                                        <p:cTn id="26" dur="1" fill="hold">
+                                          <p:stCondLst>
+                                            <p:cond delay="0"/>
+                                          </p:stCondLst>
+                                        </p:cTn>
+                                        <p:tgtEl>
+                                          <p:spTgt spid="23"/>
+                                        </p:tgtEl>
+                                        <p:attrNameLst>
+                                          <p:attrName>style.visibility</p:attrName>
+                                        </p:attrNameLst>
+                                      </p:cBhvr>
+                                      <p:to>
+                                        <p:strVal val="visible"/>
+                                      </p:to>
+                                    </p:set>
+                                  </p:childTnLst>
+                                </p:cTn>
+                              </p:par>
+                            </p:childTnLst>
+                          </p:cTn>
+                        </p:par>
+                      </p:childTnLst>
+                    </p:cTn>
+                  </p:par>
+                </p:childTnLst>
+              </p:cTn>
+              <p:prevCondLst>
+                <p:cond evt="onPrev" delay="0">
+                  <p:tgtEl>
+                    <p:sldTgt/>
+                  </p:tgtEl>
+                </p:cond>
+              </p:prevCondLst>
+              <p:nextCondLst>
+                <p:cond evt="onNext" delay="0">
+                  <p:tgtEl>
+                    <p:sldTgt/>
+                  </p:tgtEl>
+                </p:cond>
+              </p:nextCondLst>
+            </p:seq>
+          </p:childTnLst>
+        </p:cTn>
+      </p:par>
+    </p:tnLst>
+    <p:bldLst>
+      <p:bldP spid="8" grpId="0"/>
+      <p:bldP spid="9" grpId="0"/>
+      <p:bldP spid="15" grpId="0"/>
+      <p:bldP spid="18" grpId="0"/>
+      <p:bldP spid="19" grpId="0"/>
+      <p:bldP spid="23" grpId="0"/>
+      <p:bldP spid="30" grpId="0"/>
+    </p:bldLst>
+  </p:timing>
+</p:sld>
+</file>
+
+<file path=ppt/slides/slide12.xml><?xml version="1.0" encoding="utf-8"?>
+<p:sld xmlns:a="http://schemas.openxmlformats.org/drawingml/2006/main" xmlns:r="http://schemas.openxmlformats.org/officeDocument/2006/relationships" xmlns:p="http://schemas.openxmlformats.org/presentationml/2006/main">
+  <p:cSld>
+    <p:bg>
+      <p:bgPr>
+        <a:solidFill>
+          <a:srgbClr val="F2F4F5"/>
+        </a:solidFill>
+        <a:effectLst/>
+      </p:bgPr>
+    </p:bg>
+    <p:spTree>
+      <p:nvGrpSpPr>
+        <p:cNvPr id="1" name="">
+          <a:extLst>
+            <a:ext uri="{FF2B5EF4-FFF2-40B4-BE49-F238E27FC236}">
+              <a16:creationId xmlns="" xmlns:a16="http://schemas.microsoft.com/office/drawing/2014/main" id="{058E0E21-BE85-E451-F227-E9B2D49DFAC9}"/>
+            </a:ext>
+          </a:extLst>
+        </p:cNvPr>
+        <p:cNvGrpSpPr/>
+        <p:nvPr/>
+      </p:nvGrpSpPr>
+      <p:grpSpPr>
+        <a:xfrm>
+          <a:off x="0" y="0"/>
+          <a:ext cx="0" cy="0"/>
+          <a:chOff x="0" y="0"/>
+          <a:chExt cx="0" cy="0"/>
+        </a:xfrm>
+      </p:grpSpPr>
+      <p:sp>
+        <p:nvSpPr>
+          <p:cNvPr id="2" name="Freeform 2">
+            <a:extLst>
+              <a:ext uri="{FF2B5EF4-FFF2-40B4-BE49-F238E27FC236}">
+                <a16:creationId xmlns="" xmlns:a16="http://schemas.microsoft.com/office/drawing/2014/main" id="{718C3472-C8D3-299F-5FA8-42D9A63A908F}"/>
+              </a:ext>
+            </a:extLst>
+          </p:cNvPr>
+          <p:cNvSpPr/>
+          <p:nvPr/>
+        </p:nvSpPr>
+        <p:spPr>
+          <a:xfrm rot="887923">
+            <a:off x="13475833" y="-8787301"/>
+            <a:ext cx="13977230" cy="14342307"/>
+          </a:xfrm>
+          <a:custGeom>
+            <a:avLst/>
+            <a:gdLst/>
+            <a:ahLst/>
+            <a:cxnLst/>
+            <a:rect l="l" t="t" r="r" b="b"/>
+            <a:pathLst>
+              <a:path w="13977230" h="14342307">
+                <a:moveTo>
+                  <a:pt x="0" y="0"/>
+                </a:moveTo>
+                <a:lnTo>
+                  <a:pt x="13977230" y="0"/>
+                </a:lnTo>
+                <a:lnTo>
+                  <a:pt x="13977230" y="14342307"/>
+                </a:lnTo>
+                <a:lnTo>
+                  <a:pt x="0" y="14342307"/>
+                </a:lnTo>
+                <a:lnTo>
+                  <a:pt x="0" y="0"/>
+                </a:lnTo>
+                <a:close/>
+              </a:path>
+            </a:pathLst>
+          </a:custGeom>
+          <a:blipFill>
+            <a:blip r:embed="rId3">
+              <a:extLst>
+                <a:ext uri="{96DAC541-7B7A-43D3-8B79-37D633B846F1}">
+                  <asvg:svgBlip xmlns="" xmlns:asvg="http://schemas.microsoft.com/office/drawing/2016/SVG/main" r:embed="rId4"/>
+                </a:ext>
+              </a:extLst>
+            </a:blip>
+            <a:stretch>
+              <a:fillRect/>
+            </a:stretch>
+          </a:blipFill>
+        </p:spPr>
+        <p:txBody>
+          <a:bodyPr/>
+          <a:lstStyle/>
+          <a:p>
+            <a:endParaRPr lang="it-IT"/>
+          </a:p>
+        </p:txBody>
+      </p:sp>
+      <p:sp>
+        <p:nvSpPr>
+          <p:cNvPr id="3" name="TextBox 12">
+            <a:extLst>
+              <a:ext uri="{FF2B5EF4-FFF2-40B4-BE49-F238E27FC236}">
+                <a16:creationId xmlns="" xmlns:a16="http://schemas.microsoft.com/office/drawing/2014/main" id="{73578E7B-3CFA-8CD0-9667-21DB63462022}"/>
+              </a:ext>
+            </a:extLst>
+          </p:cNvPr>
+          <p:cNvSpPr txBox="1"/>
+          <p:nvPr/>
+        </p:nvSpPr>
+        <p:spPr>
+          <a:xfrm>
+            <a:off x="2405317" y="150669"/>
+            <a:ext cx="13617940" cy="1594138"/>
+          </a:xfrm>
+          <a:prstGeom prst="rect">
+            <a:avLst/>
+          </a:prstGeom>
+        </p:spPr>
+        <p:txBody>
+          <a:bodyPr lIns="0" tIns="0" rIns="0" bIns="0" rtlCol="0" anchor="t">
+            <a:spAutoFit/>
+          </a:bodyPr>
+          <a:lstStyle/>
+          <a:p>
+            <a:pPr marL="0" lvl="0" indent="0" algn="ctr">
+              <a:lnSpc>
+                <a:spcPts val="13015"/>
+              </a:lnSpc>
+              <a:spcBef>
+                <a:spcPct val="0"/>
+              </a:spcBef>
+            </a:pPr>
+            <a:r>
+              <a:rPr lang="en-US" sz="9431" b="1" spc="924" dirty="0">
+                <a:solidFill>
+                  <a:srgbClr val="231F20"/>
+                </a:solidFill>
+                <a:latin typeface="Oswald Bold"/>
+                <a:ea typeface="Oswald Bold"/>
+                <a:cs typeface="Oswald Bold"/>
+                <a:sym typeface="Oswald Bold"/>
+              </a:rPr>
+              <a:t>TOPICS</a:t>
+            </a:r>
+          </a:p>
+        </p:txBody>
+      </p:sp>
+      <p:cxnSp>
+        <p:nvCxnSpPr>
+          <p:cNvPr id="4" name="Connettore diritto 3">
+            <a:extLst>
+              <a:ext uri="{FF2B5EF4-FFF2-40B4-BE49-F238E27FC236}">
+                <a16:creationId xmlns="" xmlns:a16="http://schemas.microsoft.com/office/drawing/2014/main" id="{B9EB7B9C-841C-5AF4-C167-BC6FE3875EB3}"/>
+              </a:ext>
+            </a:extLst>
+          </p:cNvPr>
+          <p:cNvCxnSpPr>
+            <a:cxnSpLocks/>
+          </p:cNvCxnSpPr>
+          <p:nvPr/>
+        </p:nvCxnSpPr>
+        <p:spPr>
+          <a:xfrm>
+            <a:off x="2057400" y="2999522"/>
+            <a:ext cx="14554200" cy="0"/>
+          </a:xfrm>
+          <a:prstGeom prst="line">
+            <a:avLst/>
+          </a:prstGeom>
+        </p:spPr>
+        <p:style>
+          <a:lnRef idx="1">
+            <a:schemeClr val="dk1"/>
+          </a:lnRef>
+          <a:fillRef idx="0">
+            <a:schemeClr val="dk1"/>
+          </a:fillRef>
+          <a:effectRef idx="0">
+            <a:schemeClr val="dk1"/>
+          </a:effectRef>
+          <a:fontRef idx="minor">
+            <a:schemeClr val="tx1"/>
+          </a:fontRef>
+        </p:style>
+      </p:cxnSp>
+      <p:sp>
+        <p:nvSpPr>
+          <p:cNvPr id="5" name="CasellaDiTesto 4">
+            <a:extLst>
+              <a:ext uri="{FF2B5EF4-FFF2-40B4-BE49-F238E27FC236}">
+                <a16:creationId xmlns="" xmlns:a16="http://schemas.microsoft.com/office/drawing/2014/main" id="{23F6C692-4CC5-5D8C-9625-37E9B630D644}"/>
+              </a:ext>
+            </a:extLst>
+          </p:cNvPr>
+          <p:cNvSpPr txBox="1"/>
+          <p:nvPr/>
+        </p:nvSpPr>
+        <p:spPr>
+          <a:xfrm>
+            <a:off x="1820950" y="1941988"/>
+            <a:ext cx="15087600" cy="830997"/>
+          </a:xfrm>
+          <a:prstGeom prst="rect">
+            <a:avLst/>
+          </a:prstGeom>
+          <a:noFill/>
+        </p:spPr>
+        <p:txBody>
+          <a:bodyPr wrap="square" rtlCol="0">
+            <a:spAutoFit/>
+          </a:bodyPr>
+          <a:lstStyle/>
+          <a:p>
+            <a:pPr algn="ctr"/>
+            <a:r>
+              <a:rPr lang="en-US" sz="2400" b="1" i="1" dirty="0" smtClean="0"/>
+              <a:t>Topics </a:t>
+            </a:r>
+            <a:r>
+              <a:rPr lang="en-US" sz="2400" b="1" i="1" dirty="0"/>
+              <a:t>are named communication channels used by nodes to publish and subscribe to messages asynchronously, enabling data exchange in a distributed system.</a:t>
+            </a:r>
+            <a:endParaRPr lang="it-IT" sz="2400" b="1" i="1" dirty="0"/>
+          </a:p>
+        </p:txBody>
+      </p:sp>
+      <p:sp>
+        <p:nvSpPr>
+          <p:cNvPr id="9" name="Freeform 29">
+            <a:extLst>
+              <a:ext uri="{FF2B5EF4-FFF2-40B4-BE49-F238E27FC236}">
+                <a16:creationId xmlns="" xmlns:a16="http://schemas.microsoft.com/office/drawing/2014/main" id="{FC0770C3-73C9-4C03-DC22-6E224A960104}"/>
+              </a:ext>
+            </a:extLst>
+          </p:cNvPr>
+          <p:cNvSpPr/>
+          <p:nvPr/>
+        </p:nvSpPr>
+        <p:spPr>
+          <a:xfrm rot="887923">
+            <a:off x="-7010733" y="5776288"/>
+            <a:ext cx="13977230" cy="14342307"/>
+          </a:xfrm>
+          <a:custGeom>
+            <a:avLst/>
+            <a:gdLst/>
+            <a:ahLst/>
+            <a:cxnLst/>
+            <a:rect l="l" t="t" r="r" b="b"/>
+            <a:pathLst>
+              <a:path w="13977230" h="14342307">
+                <a:moveTo>
+                  <a:pt x="0" y="0"/>
+                </a:moveTo>
+                <a:lnTo>
+                  <a:pt x="13977230" y="0"/>
+                </a:lnTo>
+                <a:lnTo>
+                  <a:pt x="13977230" y="14342307"/>
+                </a:lnTo>
+                <a:lnTo>
+                  <a:pt x="0" y="14342307"/>
+                </a:lnTo>
+                <a:lnTo>
+                  <a:pt x="0" y="0"/>
+                </a:lnTo>
+                <a:close/>
+              </a:path>
+            </a:pathLst>
+          </a:custGeom>
+          <a:blipFill>
+            <a:blip r:embed="rId3">
+              <a:extLst>
+                <a:ext uri="{96DAC541-7B7A-43D3-8B79-37D633B846F1}">
+                  <asvg:svgBlip xmlns="" xmlns:asvg="http://schemas.microsoft.com/office/drawing/2016/SVG/main" r:embed="rId4"/>
+                </a:ext>
+              </a:extLst>
+            </a:blip>
+            <a:stretch>
+              <a:fillRect/>
+            </a:stretch>
+          </a:blipFill>
+        </p:spPr>
+        <p:txBody>
+          <a:bodyPr/>
+          <a:lstStyle/>
+          <a:p>
+            <a:endParaRPr lang="it-IT"/>
+          </a:p>
+        </p:txBody>
+      </p:sp>
+      <p:sp>
+        <p:nvSpPr>
           <p:cNvPr id="14" name="CasellaDiTesto 13">
             <a:extLst>
               <a:ext uri="{FF2B5EF4-FFF2-40B4-BE49-F238E27FC236}">
-                <a16:creationId xmlns:a16="http://schemas.microsoft.com/office/drawing/2014/main" xmlns="" id="{81DAFFA7-857A-5692-F025-246CC13002DA}"/>
+                <a16:creationId xmlns="" xmlns:a16="http://schemas.microsoft.com/office/drawing/2014/main" id="{81DAFFA7-857A-5692-F025-246CC13002DA}"/>
               </a:ext>
             </a:extLst>
           </p:cNvPr>
@@ -7697,7 +11002,7 @@
 </p:sld>
 </file>
 
-<file path=ppt/slides/slide11.xml><?xml version="1.0" encoding="utf-8"?>
+<file path=ppt/slides/slide13.xml><?xml version="1.0" encoding="utf-8"?>
 <p:sld xmlns:a="http://schemas.openxmlformats.org/drawingml/2006/main" xmlns:r="http://schemas.openxmlformats.org/officeDocument/2006/relationships" xmlns:p="http://schemas.openxmlformats.org/presentationml/2006/main">
   <p:cSld>
     <p:bg>
@@ -7713,7 +11018,7 @@
         <p:cNvPr id="1" name="">
           <a:extLst>
             <a:ext uri="{FF2B5EF4-FFF2-40B4-BE49-F238E27FC236}">
-              <a16:creationId xmlns:a16="http://schemas.microsoft.com/office/drawing/2014/main" xmlns="" id="{11811571-8FCD-6A36-2D2C-A2C41BC3D29D}"/>
+              <a16:creationId xmlns="" xmlns:a16="http://schemas.microsoft.com/office/drawing/2014/main" id="{11811571-8FCD-6A36-2D2C-A2C41BC3D29D}"/>
             </a:ext>
           </a:extLst>
         </p:cNvPr>
@@ -7733,7 +11038,7 @@
           <p:cNvPr id="2" name="Freeform 2">
             <a:extLst>
               <a:ext uri="{FF2B5EF4-FFF2-40B4-BE49-F238E27FC236}">
-                <a16:creationId xmlns:a16="http://schemas.microsoft.com/office/drawing/2014/main" xmlns="" id="{E60AD310-4885-3AC4-676F-718069EFD91E}"/>
+                <a16:creationId xmlns="" xmlns:a16="http://schemas.microsoft.com/office/drawing/2014/main" id="{E60AD310-4885-3AC4-676F-718069EFD91E}"/>
               </a:ext>
             </a:extLst>
           </p:cNvPr>
@@ -7776,7 +11081,7 @@
             <a:blip r:embed="rId3">
               <a:extLst>
                 <a:ext uri="{96DAC541-7B7A-43D3-8B79-37D633B846F1}">
-                  <asvg:svgBlip xmlns:asvg="http://schemas.microsoft.com/office/drawing/2016/SVG/main" xmlns="" r:embed="rId4"/>
+                  <asvg:svgBlip xmlns="" xmlns:asvg="http://schemas.microsoft.com/office/drawing/2016/SVG/main" r:embed="rId4"/>
                 </a:ext>
               </a:extLst>
             </a:blip>
@@ -7798,7 +11103,7 @@
           <p:cNvPr id="3" name="TextBox 12">
             <a:extLst>
               <a:ext uri="{FF2B5EF4-FFF2-40B4-BE49-F238E27FC236}">
-                <a16:creationId xmlns:a16="http://schemas.microsoft.com/office/drawing/2014/main" xmlns="" id="{4A8F9415-C6A7-54F5-20D7-064F7CCE3102}"/>
+                <a16:creationId xmlns="" xmlns:a16="http://schemas.microsoft.com/office/drawing/2014/main" id="{4A8F9415-C6A7-54F5-20D7-064F7CCE3102}"/>
               </a:ext>
             </a:extLst>
           </p:cNvPr>
@@ -7848,7 +11153,7 @@
           <p:cNvPr id="4" name="Connettore diritto 3">
             <a:extLst>
               <a:ext uri="{FF2B5EF4-FFF2-40B4-BE49-F238E27FC236}">
-                <a16:creationId xmlns:a16="http://schemas.microsoft.com/office/drawing/2014/main" xmlns="" id="{7801C1ED-4DBA-721F-58E4-30713DC53DBD}"/>
+                <a16:creationId xmlns="" xmlns:a16="http://schemas.microsoft.com/office/drawing/2014/main" id="{7801C1ED-4DBA-721F-58E4-30713DC53DBD}"/>
               </a:ext>
             </a:extLst>
           </p:cNvPr>
@@ -7886,7 +11191,7 @@
           <p:cNvPr id="5" name="CasellaDiTesto 4">
             <a:extLst>
               <a:ext uri="{FF2B5EF4-FFF2-40B4-BE49-F238E27FC236}">
-                <a16:creationId xmlns:a16="http://schemas.microsoft.com/office/drawing/2014/main" xmlns="" id="{63F76C04-32AC-56FC-9FC4-F48252365059}"/>
+                <a16:creationId xmlns="" xmlns:a16="http://schemas.microsoft.com/office/drawing/2014/main" id="{63F76C04-32AC-56FC-9FC4-F48252365059}"/>
               </a:ext>
             </a:extLst>
           </p:cNvPr>
@@ -7927,7 +11232,7 @@
           <p:cNvPr id="10" name="Freeform 29">
             <a:extLst>
               <a:ext uri="{FF2B5EF4-FFF2-40B4-BE49-F238E27FC236}">
-                <a16:creationId xmlns:a16="http://schemas.microsoft.com/office/drawing/2014/main" xmlns="" id="{4918565B-A3AF-3C5E-6C33-31FBD134A6BD}"/>
+                <a16:creationId xmlns="" xmlns:a16="http://schemas.microsoft.com/office/drawing/2014/main" id="{4918565B-A3AF-3C5E-6C33-31FBD134A6BD}"/>
               </a:ext>
             </a:extLst>
           </p:cNvPr>
@@ -7970,7 +11275,7 @@
             <a:blip r:embed="rId3">
               <a:extLst>
                 <a:ext uri="{96DAC541-7B7A-43D3-8B79-37D633B846F1}">
-                  <asvg:svgBlip xmlns:asvg="http://schemas.microsoft.com/office/drawing/2016/SVG/main" xmlns="" r:embed="rId4"/>
+                  <asvg:svgBlip xmlns="" xmlns:asvg="http://schemas.microsoft.com/office/drawing/2016/SVG/main" r:embed="rId4"/>
                 </a:ext>
               </a:extLst>
             </a:blip>
@@ -7992,7 +11297,7 @@
           <p:cNvPr id="12" name="CasellaDiTesto 11">
             <a:extLst>
               <a:ext uri="{FF2B5EF4-FFF2-40B4-BE49-F238E27FC236}">
-                <a16:creationId xmlns:a16="http://schemas.microsoft.com/office/drawing/2014/main" xmlns="" id="{843E5FB3-A098-0E21-D80F-FDF3FC957294}"/>
+                <a16:creationId xmlns="" xmlns:a16="http://schemas.microsoft.com/office/drawing/2014/main" id="{843E5FB3-A098-0E21-D80F-FDF3FC957294}"/>
               </a:ext>
             </a:extLst>
           </p:cNvPr>
@@ -8361,7 +11666,7 @@
 </p:sld>
 </file>
 
-<file path=ppt/slides/slide12.xml><?xml version="1.0" encoding="utf-8"?>
+<file path=ppt/slides/slide14.xml><?xml version="1.0" encoding="utf-8"?>
 <p:sld xmlns:a="http://schemas.openxmlformats.org/drawingml/2006/main" xmlns:r="http://schemas.openxmlformats.org/officeDocument/2006/relationships" xmlns:p="http://schemas.openxmlformats.org/presentationml/2006/main">
   <p:cSld>
     <p:bg>
@@ -8377,7 +11682,7 @@
         <p:cNvPr id="1" name="">
           <a:extLst>
             <a:ext uri="{FF2B5EF4-FFF2-40B4-BE49-F238E27FC236}">
-              <a16:creationId xmlns:a16="http://schemas.microsoft.com/office/drawing/2014/main" xmlns="" id="{83725E3D-C126-0F4B-BD60-DE335EF84B2E}"/>
+              <a16:creationId xmlns="" xmlns:a16="http://schemas.microsoft.com/office/drawing/2014/main" id="{83725E3D-C126-0F4B-BD60-DE335EF84B2E}"/>
             </a:ext>
           </a:extLst>
         </p:cNvPr>
@@ -8397,7 +11702,7 @@
           <p:cNvPr id="2" name="Freeform 2">
             <a:extLst>
               <a:ext uri="{FF2B5EF4-FFF2-40B4-BE49-F238E27FC236}">
-                <a16:creationId xmlns:a16="http://schemas.microsoft.com/office/drawing/2014/main" xmlns="" id="{ACD132E4-4425-4545-E272-67CDF643EC78}"/>
+                <a16:creationId xmlns="" xmlns:a16="http://schemas.microsoft.com/office/drawing/2014/main" id="{ACD132E4-4425-4545-E272-67CDF643EC78}"/>
               </a:ext>
             </a:extLst>
           </p:cNvPr>
@@ -8440,7 +11745,7 @@
             <a:blip r:embed="rId3">
               <a:extLst>
                 <a:ext uri="{96DAC541-7B7A-43D3-8B79-37D633B846F1}">
-                  <asvg:svgBlip xmlns:asvg="http://schemas.microsoft.com/office/drawing/2016/SVG/main" xmlns="" r:embed="rId4"/>
+                  <asvg:svgBlip xmlns="" xmlns:asvg="http://schemas.microsoft.com/office/drawing/2016/SVG/main" r:embed="rId4"/>
                 </a:ext>
               </a:extLst>
             </a:blip>
@@ -8462,7 +11767,7 @@
           <p:cNvPr id="3" name="TextBox 12">
             <a:extLst>
               <a:ext uri="{FF2B5EF4-FFF2-40B4-BE49-F238E27FC236}">
-                <a16:creationId xmlns:a16="http://schemas.microsoft.com/office/drawing/2014/main" xmlns="" id="{DC99646B-5207-FAE5-B90F-632878A08F1A}"/>
+                <a16:creationId xmlns="" xmlns:a16="http://schemas.microsoft.com/office/drawing/2014/main" id="{DC99646B-5207-FAE5-B90F-632878A08F1A}"/>
               </a:ext>
             </a:extLst>
           </p:cNvPr>
@@ -8512,7 +11817,7 @@
           <p:cNvPr id="4" name="Connettore diritto 3">
             <a:extLst>
               <a:ext uri="{FF2B5EF4-FFF2-40B4-BE49-F238E27FC236}">
-                <a16:creationId xmlns:a16="http://schemas.microsoft.com/office/drawing/2014/main" xmlns="" id="{2EF4928A-2494-0CFB-51A6-2301827E67AB}"/>
+                <a16:creationId xmlns="" xmlns:a16="http://schemas.microsoft.com/office/drawing/2014/main" id="{2EF4928A-2494-0CFB-51A6-2301827E67AB}"/>
               </a:ext>
             </a:extLst>
           </p:cNvPr>
@@ -8550,7 +11855,7 @@
           <p:cNvPr id="5" name="CasellaDiTesto 4">
             <a:extLst>
               <a:ext uri="{FF2B5EF4-FFF2-40B4-BE49-F238E27FC236}">
-                <a16:creationId xmlns:a16="http://schemas.microsoft.com/office/drawing/2014/main" xmlns="" id="{CB58EDA3-B85C-2310-CF9D-EE7D0B3565A7}"/>
+                <a16:creationId xmlns="" xmlns:a16="http://schemas.microsoft.com/office/drawing/2014/main" id="{CB58EDA3-B85C-2310-CF9D-EE7D0B3565A7}"/>
               </a:ext>
             </a:extLst>
           </p:cNvPr>
@@ -8591,7 +11896,7 @@
           <p:cNvPr id="6" name="Connettore diritto 5">
             <a:extLst>
               <a:ext uri="{FF2B5EF4-FFF2-40B4-BE49-F238E27FC236}">
-                <a16:creationId xmlns:a16="http://schemas.microsoft.com/office/drawing/2014/main" xmlns="" id="{3A062706-F884-5963-11CC-3293C76E9AD6}"/>
+                <a16:creationId xmlns="" xmlns:a16="http://schemas.microsoft.com/office/drawing/2014/main" id="{3A062706-F884-5963-11CC-3293C76E9AD6}"/>
               </a:ext>
             </a:extLst>
           </p:cNvPr>
@@ -8627,7 +11932,7 @@
           <p:cNvPr id="7" name="CasellaDiTesto 6">
             <a:extLst>
               <a:ext uri="{FF2B5EF4-FFF2-40B4-BE49-F238E27FC236}">
-                <a16:creationId xmlns:a16="http://schemas.microsoft.com/office/drawing/2014/main" xmlns="" id="{832719C6-D0BE-DAEA-6CD2-C70F7AACA4F8}"/>
+                <a16:creationId xmlns="" xmlns:a16="http://schemas.microsoft.com/office/drawing/2014/main" id="{832719C6-D0BE-DAEA-6CD2-C70F7AACA4F8}"/>
               </a:ext>
             </a:extLst>
           </p:cNvPr>
@@ -8662,7 +11967,7 @@
           <p:cNvPr id="8" name="CasellaDiTesto 7">
             <a:extLst>
               <a:ext uri="{FF2B5EF4-FFF2-40B4-BE49-F238E27FC236}">
-                <a16:creationId xmlns:a16="http://schemas.microsoft.com/office/drawing/2014/main" xmlns="" id="{7070C879-9FBD-408B-564B-F64CE4797117}"/>
+                <a16:creationId xmlns="" xmlns:a16="http://schemas.microsoft.com/office/drawing/2014/main" id="{7070C879-9FBD-408B-564B-F64CE4797117}"/>
               </a:ext>
             </a:extLst>
           </p:cNvPr>
@@ -8697,7 +12002,7 @@
           <p:cNvPr id="10" name="Freeform 29">
             <a:extLst>
               <a:ext uri="{FF2B5EF4-FFF2-40B4-BE49-F238E27FC236}">
-                <a16:creationId xmlns:a16="http://schemas.microsoft.com/office/drawing/2014/main" xmlns="" id="{3899F377-3619-1E72-FEDB-2703F2643400}"/>
+                <a16:creationId xmlns="" xmlns:a16="http://schemas.microsoft.com/office/drawing/2014/main" id="{3899F377-3619-1E72-FEDB-2703F2643400}"/>
               </a:ext>
             </a:extLst>
           </p:cNvPr>
@@ -8740,7 +12045,7 @@
             <a:blip r:embed="rId3">
               <a:extLst>
                 <a:ext uri="{96DAC541-7B7A-43D3-8B79-37D633B846F1}">
-                  <asvg:svgBlip xmlns:asvg="http://schemas.microsoft.com/office/drawing/2016/SVG/main" xmlns="" r:embed="rId4"/>
+                  <asvg:svgBlip xmlns="" xmlns:asvg="http://schemas.microsoft.com/office/drawing/2016/SVG/main" r:embed="rId4"/>
                 </a:ext>
               </a:extLst>
             </a:blip>
@@ -8762,7 +12067,7 @@
           <p:cNvPr id="12" name="CasellaDiTesto 11">
             <a:extLst>
               <a:ext uri="{FF2B5EF4-FFF2-40B4-BE49-F238E27FC236}">
-                <a16:creationId xmlns:a16="http://schemas.microsoft.com/office/drawing/2014/main" xmlns="" id="{A12C0988-80A8-A074-230A-B8C73C3443C8}"/>
+                <a16:creationId xmlns="" xmlns:a16="http://schemas.microsoft.com/office/drawing/2014/main" id="{A12C0988-80A8-A074-230A-B8C73C3443C8}"/>
               </a:ext>
             </a:extLst>
           </p:cNvPr>
@@ -9268,7 +12573,7 @@
           <p:cNvPr id="19" name="Rectangle 5">
             <a:extLst>
               <a:ext uri="{FF2B5EF4-FFF2-40B4-BE49-F238E27FC236}">
-                <a16:creationId xmlns:a16="http://schemas.microsoft.com/office/drawing/2014/main" xmlns="" id="{6512E9CB-A51B-332E-4C10-196D68F42C96}"/>
+                <a16:creationId xmlns="" xmlns:a16="http://schemas.microsoft.com/office/drawing/2014/main" id="{6512E9CB-A51B-332E-4C10-196D68F42C96}"/>
               </a:ext>
             </a:extLst>
           </p:cNvPr>
@@ -11227,7 +14532,7 @@
 </p:sld>
 </file>
 
-<file path=ppt/slides/slide13.xml><?xml version="1.0" encoding="utf-8"?>
+<file path=ppt/slides/slide15.xml><?xml version="1.0" encoding="utf-8"?>
 <p:sld xmlns:a="http://schemas.openxmlformats.org/drawingml/2006/main" xmlns:r="http://schemas.openxmlformats.org/officeDocument/2006/relationships" xmlns:p="http://schemas.openxmlformats.org/presentationml/2006/main">
   <p:cSld>
     <p:bg>
@@ -11243,7 +14548,7 @@
         <p:cNvPr id="1" name="">
           <a:extLst>
             <a:ext uri="{FF2B5EF4-FFF2-40B4-BE49-F238E27FC236}">
-              <a16:creationId xmlns:a16="http://schemas.microsoft.com/office/drawing/2014/main" xmlns="" id="{83725E3D-C126-0F4B-BD60-DE335EF84B2E}"/>
+              <a16:creationId xmlns="" xmlns:a16="http://schemas.microsoft.com/office/drawing/2014/main" id="{83725E3D-C126-0F4B-BD60-DE335EF84B2E}"/>
             </a:ext>
           </a:extLst>
         </p:cNvPr>
@@ -11263,7 +14568,7 @@
           <p:cNvPr id="2" name="Freeform 2">
             <a:extLst>
               <a:ext uri="{FF2B5EF4-FFF2-40B4-BE49-F238E27FC236}">
-                <a16:creationId xmlns:a16="http://schemas.microsoft.com/office/drawing/2014/main" xmlns="" id="{ACD132E4-4425-4545-E272-67CDF643EC78}"/>
+                <a16:creationId xmlns="" xmlns:a16="http://schemas.microsoft.com/office/drawing/2014/main" id="{ACD132E4-4425-4545-E272-67CDF643EC78}"/>
               </a:ext>
             </a:extLst>
           </p:cNvPr>
@@ -11306,7 +14611,7 @@
             <a:blip r:embed="rId3">
               <a:extLst>
                 <a:ext uri="{96DAC541-7B7A-43D3-8B79-37D633B846F1}">
-                  <asvg:svgBlip xmlns:asvg="http://schemas.microsoft.com/office/drawing/2016/SVG/main" xmlns="" r:embed="rId4"/>
+                  <asvg:svgBlip xmlns="" xmlns:asvg="http://schemas.microsoft.com/office/drawing/2016/SVG/main" r:embed="rId4"/>
                 </a:ext>
               </a:extLst>
             </a:blip>
@@ -11328,7 +14633,7 @@
           <p:cNvPr id="3" name="TextBox 12">
             <a:extLst>
               <a:ext uri="{FF2B5EF4-FFF2-40B4-BE49-F238E27FC236}">
-                <a16:creationId xmlns:a16="http://schemas.microsoft.com/office/drawing/2014/main" xmlns="" id="{DC99646B-5207-FAE5-B90F-632878A08F1A}"/>
+                <a16:creationId xmlns="" xmlns:a16="http://schemas.microsoft.com/office/drawing/2014/main" id="{DC99646B-5207-FAE5-B90F-632878A08F1A}"/>
               </a:ext>
             </a:extLst>
           </p:cNvPr>
@@ -11387,7 +14692,7 @@
           <p:cNvPr id="4" name="Connettore diritto 3">
             <a:extLst>
               <a:ext uri="{FF2B5EF4-FFF2-40B4-BE49-F238E27FC236}">
-                <a16:creationId xmlns:a16="http://schemas.microsoft.com/office/drawing/2014/main" xmlns="" id="{2EF4928A-2494-0CFB-51A6-2301827E67AB}"/>
+                <a16:creationId xmlns="" xmlns:a16="http://schemas.microsoft.com/office/drawing/2014/main" id="{2EF4928A-2494-0CFB-51A6-2301827E67AB}"/>
               </a:ext>
             </a:extLst>
           </p:cNvPr>
@@ -11425,7 +14730,7 @@
           <p:cNvPr id="5" name="CasellaDiTesto 4">
             <a:extLst>
               <a:ext uri="{FF2B5EF4-FFF2-40B4-BE49-F238E27FC236}">
-                <a16:creationId xmlns:a16="http://schemas.microsoft.com/office/drawing/2014/main" xmlns="" id="{CB58EDA3-B85C-2310-CF9D-EE7D0B3565A7}"/>
+                <a16:creationId xmlns="" xmlns:a16="http://schemas.microsoft.com/office/drawing/2014/main" id="{CB58EDA3-B85C-2310-CF9D-EE7D0B3565A7}"/>
               </a:ext>
             </a:extLst>
           </p:cNvPr>
@@ -11466,7 +14771,7 @@
           <p:cNvPr id="10" name="Freeform 29">
             <a:extLst>
               <a:ext uri="{FF2B5EF4-FFF2-40B4-BE49-F238E27FC236}">
-                <a16:creationId xmlns:a16="http://schemas.microsoft.com/office/drawing/2014/main" xmlns="" id="{3899F377-3619-1E72-FEDB-2703F2643400}"/>
+                <a16:creationId xmlns="" xmlns:a16="http://schemas.microsoft.com/office/drawing/2014/main" id="{3899F377-3619-1E72-FEDB-2703F2643400}"/>
               </a:ext>
             </a:extLst>
           </p:cNvPr>
@@ -11509,7 +14814,7 @@
             <a:blip r:embed="rId3">
               <a:extLst>
                 <a:ext uri="{96DAC541-7B7A-43D3-8B79-37D633B846F1}">
-                  <asvg:svgBlip xmlns:asvg="http://schemas.microsoft.com/office/drawing/2016/SVG/main" xmlns="" r:embed="rId4"/>
+                  <asvg:svgBlip xmlns="" xmlns:asvg="http://schemas.microsoft.com/office/drawing/2016/SVG/main" r:embed="rId4"/>
                 </a:ext>
               </a:extLst>
             </a:blip>
@@ -13868,7 +17173,7 @@
 </p:sld>
 </file>
 
-<file path=ppt/slides/slide14.xml><?xml version="1.0" encoding="utf-8"?>
+<file path=ppt/slides/slide16.xml><?xml version="1.0" encoding="utf-8"?>
 <p:sld xmlns:a="http://schemas.openxmlformats.org/drawingml/2006/main" xmlns:r="http://schemas.openxmlformats.org/officeDocument/2006/relationships" xmlns:p="http://schemas.openxmlformats.org/presentationml/2006/main">
   <p:cSld>
     <p:bg>
@@ -13884,7 +17189,7 @@
         <p:cNvPr id="1" name="">
           <a:extLst>
             <a:ext uri="{FF2B5EF4-FFF2-40B4-BE49-F238E27FC236}">
-              <a16:creationId xmlns:a16="http://schemas.microsoft.com/office/drawing/2014/main" xmlns="" id="{82FEA75E-89A6-5DE7-26D4-EFF5FF95331D}"/>
+              <a16:creationId xmlns="" xmlns:a16="http://schemas.microsoft.com/office/drawing/2014/main" id="{82FEA75E-89A6-5DE7-26D4-EFF5FF95331D}"/>
             </a:ext>
           </a:extLst>
         </p:cNvPr>
@@ -13904,7 +17209,7 @@
           <p:cNvPr id="2" name="Freeform 2">
             <a:extLst>
               <a:ext uri="{FF2B5EF4-FFF2-40B4-BE49-F238E27FC236}">
-                <a16:creationId xmlns:a16="http://schemas.microsoft.com/office/drawing/2014/main" xmlns="" id="{D0D2A263-D84B-9124-F210-84443B2D89B6}"/>
+                <a16:creationId xmlns="" xmlns:a16="http://schemas.microsoft.com/office/drawing/2014/main" id="{D0D2A263-D84B-9124-F210-84443B2D89B6}"/>
               </a:ext>
             </a:extLst>
           </p:cNvPr>
@@ -13947,7 +17252,7 @@
             <a:blip r:embed="rId3">
               <a:extLst>
                 <a:ext uri="{96DAC541-7B7A-43D3-8B79-37D633B846F1}">
-                  <asvg:svgBlip xmlns:asvg="http://schemas.microsoft.com/office/drawing/2016/SVG/main" xmlns="" r:embed="rId4"/>
+                  <asvg:svgBlip xmlns="" xmlns:asvg="http://schemas.microsoft.com/office/drawing/2016/SVG/main" r:embed="rId4"/>
                 </a:ext>
               </a:extLst>
             </a:blip>
@@ -13973,7 +17278,7 @@
           <p:cNvPr id="3" name="TextBox 12">
             <a:extLst>
               <a:ext uri="{FF2B5EF4-FFF2-40B4-BE49-F238E27FC236}">
-                <a16:creationId xmlns:a16="http://schemas.microsoft.com/office/drawing/2014/main" xmlns="" id="{4C8C30E2-04B8-FB66-50C4-81588124C150}"/>
+                <a16:creationId xmlns="" xmlns:a16="http://schemas.microsoft.com/office/drawing/2014/main" id="{4C8C30E2-04B8-FB66-50C4-81588124C150}"/>
               </a:ext>
             </a:extLst>
           </p:cNvPr>
@@ -14023,7 +17328,7 @@
           <p:cNvPr id="4" name="Connettore diritto 3">
             <a:extLst>
               <a:ext uri="{FF2B5EF4-FFF2-40B4-BE49-F238E27FC236}">
-                <a16:creationId xmlns:a16="http://schemas.microsoft.com/office/drawing/2014/main" xmlns="" id="{FD0EFE6C-CDE8-0F31-4649-1BC24322CAD8}"/>
+                <a16:creationId xmlns="" xmlns:a16="http://schemas.microsoft.com/office/drawing/2014/main" id="{FD0EFE6C-CDE8-0F31-4649-1BC24322CAD8}"/>
               </a:ext>
             </a:extLst>
           </p:cNvPr>
@@ -14061,7 +17366,7 @@
           <p:cNvPr id="6" name="Freeform 29">
             <a:extLst>
               <a:ext uri="{FF2B5EF4-FFF2-40B4-BE49-F238E27FC236}">
-                <a16:creationId xmlns:a16="http://schemas.microsoft.com/office/drawing/2014/main" xmlns="" id="{F85AEEF7-173E-4D8B-B676-AF36844C49A0}"/>
+                <a16:creationId xmlns="" xmlns:a16="http://schemas.microsoft.com/office/drawing/2014/main" id="{F85AEEF7-173E-4D8B-B676-AF36844C49A0}"/>
               </a:ext>
             </a:extLst>
           </p:cNvPr>
@@ -14104,7 +17409,7 @@
             <a:blip r:embed="rId3">
               <a:extLst>
                 <a:ext uri="{96DAC541-7B7A-43D3-8B79-37D633B846F1}">
-                  <asvg:svgBlip xmlns:asvg="http://schemas.microsoft.com/office/drawing/2016/SVG/main" xmlns="" r:embed="rId4"/>
+                  <asvg:svgBlip xmlns="" xmlns:asvg="http://schemas.microsoft.com/office/drawing/2016/SVG/main" r:embed="rId4"/>
                 </a:ext>
               </a:extLst>
             </a:blip>
@@ -14126,7 +17431,7 @@
           <p:cNvPr id="9" name="CasellaDiTesto 8">
             <a:extLst>
               <a:ext uri="{FF2B5EF4-FFF2-40B4-BE49-F238E27FC236}">
-                <a16:creationId xmlns:a16="http://schemas.microsoft.com/office/drawing/2014/main" xmlns="" id="{E84F7AD9-076C-2775-AD67-671132C59B63}"/>
+                <a16:creationId xmlns="" xmlns:a16="http://schemas.microsoft.com/office/drawing/2014/main" id="{E84F7AD9-076C-2775-AD67-671132C59B63}"/>
               </a:ext>
             </a:extLst>
           </p:cNvPr>
@@ -14163,7 +17468,7 @@
           <p:cNvPr id="11" name="Immagine 10">
             <a:extLst>
               <a:ext uri="{FF2B5EF4-FFF2-40B4-BE49-F238E27FC236}">
-                <a16:creationId xmlns:a16="http://schemas.microsoft.com/office/drawing/2014/main" xmlns="" id="{367B737E-3325-DC89-D774-3544D8DAC0CB}"/>
+                <a16:creationId xmlns="" xmlns:a16="http://schemas.microsoft.com/office/drawing/2014/main" id="{367B737E-3325-DC89-D774-3544D8DAC0CB}"/>
               </a:ext>
             </a:extLst>
           </p:cNvPr>
@@ -14207,7 +17512,7 @@
           <p:cNvPr id="12" name="CasellaDiTesto 11">
             <a:extLst>
               <a:ext uri="{FF2B5EF4-FFF2-40B4-BE49-F238E27FC236}">
-                <a16:creationId xmlns:a16="http://schemas.microsoft.com/office/drawing/2014/main" xmlns="" id="{558D3132-070F-FF38-2997-88C1F91AD083}"/>
+                <a16:creationId xmlns="" xmlns:a16="http://schemas.microsoft.com/office/drawing/2014/main" id="{558D3132-070F-FF38-2997-88C1F91AD083}"/>
               </a:ext>
             </a:extLst>
           </p:cNvPr>
@@ -14243,7 +17548,7 @@
           <p:cNvPr id="14" name="Immagine 13">
             <a:extLst>
               <a:ext uri="{FF2B5EF4-FFF2-40B4-BE49-F238E27FC236}">
-                <a16:creationId xmlns:a16="http://schemas.microsoft.com/office/drawing/2014/main" xmlns="" id="{3A9F7628-A07E-3A31-7462-15614E123E8D}"/>
+                <a16:creationId xmlns="" xmlns:a16="http://schemas.microsoft.com/office/drawing/2014/main" id="{3A9F7628-A07E-3A31-7462-15614E123E8D}"/>
               </a:ext>
             </a:extLst>
           </p:cNvPr>
@@ -14287,7 +17592,7 @@
           <p:cNvPr id="15" name="CasellaDiTesto 14">
             <a:extLst>
               <a:ext uri="{FF2B5EF4-FFF2-40B4-BE49-F238E27FC236}">
-                <a16:creationId xmlns:a16="http://schemas.microsoft.com/office/drawing/2014/main" xmlns="" id="{9ED3C7FB-81D7-01E2-504A-692860E213A7}"/>
+                <a16:creationId xmlns="" xmlns:a16="http://schemas.microsoft.com/office/drawing/2014/main" id="{9ED3C7FB-81D7-01E2-504A-692860E213A7}"/>
               </a:ext>
             </a:extLst>
           </p:cNvPr>
@@ -14508,7 +17813,7 @@
 </p:sld>
 </file>
 
-<file path=ppt/slides/slide15.xml><?xml version="1.0" encoding="utf-8"?>
+<file path=ppt/slides/slide17.xml><?xml version="1.0" encoding="utf-8"?>
 <p:sld xmlns:a="http://schemas.openxmlformats.org/drawingml/2006/main" xmlns:r="http://schemas.openxmlformats.org/officeDocument/2006/relationships" xmlns:p="http://schemas.openxmlformats.org/presentationml/2006/main">
   <p:cSld>
     <p:bg>
@@ -14524,7 +17829,7 @@
         <p:cNvPr id="1" name="">
           <a:extLst>
             <a:ext uri="{FF2B5EF4-FFF2-40B4-BE49-F238E27FC236}">
-              <a16:creationId xmlns:a16="http://schemas.microsoft.com/office/drawing/2014/main" xmlns="" id="{FBED5C29-0B8A-A55F-2AAE-33A34AC9323F}"/>
+              <a16:creationId xmlns="" xmlns:a16="http://schemas.microsoft.com/office/drawing/2014/main" id="{FBED5C29-0B8A-A55F-2AAE-33A34AC9323F}"/>
             </a:ext>
           </a:extLst>
         </p:cNvPr>
@@ -14544,7 +17849,7 @@
           <p:cNvPr id="2" name="Freeform 2">
             <a:extLst>
               <a:ext uri="{FF2B5EF4-FFF2-40B4-BE49-F238E27FC236}">
-                <a16:creationId xmlns:a16="http://schemas.microsoft.com/office/drawing/2014/main" xmlns="" id="{9E3A531E-6FB6-B9A9-5075-6B8A23C5226E}"/>
+                <a16:creationId xmlns="" xmlns:a16="http://schemas.microsoft.com/office/drawing/2014/main" id="{9E3A531E-6FB6-B9A9-5075-6B8A23C5226E}"/>
               </a:ext>
             </a:extLst>
           </p:cNvPr>
@@ -14587,7 +17892,7 @@
             <a:blip r:embed="rId2">
               <a:extLst>
                 <a:ext uri="{96DAC541-7B7A-43D3-8B79-37D633B846F1}">
-                  <asvg:svgBlip xmlns:asvg="http://schemas.microsoft.com/office/drawing/2016/SVG/main" xmlns="" r:embed="rId3"/>
+                  <asvg:svgBlip xmlns="" xmlns:asvg="http://schemas.microsoft.com/office/drawing/2016/SVG/main" r:embed="rId3"/>
                 </a:ext>
               </a:extLst>
             </a:blip>
@@ -14609,7 +17914,7 @@
           <p:cNvPr id="3" name="Freeform 3">
             <a:extLst>
               <a:ext uri="{FF2B5EF4-FFF2-40B4-BE49-F238E27FC236}">
-                <a16:creationId xmlns:a16="http://schemas.microsoft.com/office/drawing/2014/main" xmlns="" id="{C168A778-1491-9C49-AE9F-656B7204240C}"/>
+                <a16:creationId xmlns="" xmlns:a16="http://schemas.microsoft.com/office/drawing/2014/main" id="{C168A778-1491-9C49-AE9F-656B7204240C}"/>
               </a:ext>
             </a:extLst>
           </p:cNvPr>
@@ -14652,7 +17957,7 @@
             <a:blip r:embed="rId2">
               <a:extLst>
                 <a:ext uri="{96DAC541-7B7A-43D3-8B79-37D633B846F1}">
-                  <asvg:svgBlip xmlns:asvg="http://schemas.microsoft.com/office/drawing/2016/SVG/main" xmlns="" r:embed="rId3"/>
+                  <asvg:svgBlip xmlns="" xmlns:asvg="http://schemas.microsoft.com/office/drawing/2016/SVG/main" r:embed="rId3"/>
                 </a:ext>
               </a:extLst>
             </a:blip>
@@ -14674,7 +17979,7 @@
           <p:cNvPr id="4" name="TextBox 4">
             <a:extLst>
               <a:ext uri="{FF2B5EF4-FFF2-40B4-BE49-F238E27FC236}">
-                <a16:creationId xmlns:a16="http://schemas.microsoft.com/office/drawing/2014/main" xmlns="" id="{259BD187-36C0-AB1B-5374-C4D8F0A00A60}"/>
+                <a16:creationId xmlns="" xmlns:a16="http://schemas.microsoft.com/office/drawing/2014/main" id="{259BD187-36C0-AB1B-5374-C4D8F0A00A60}"/>
               </a:ext>
             </a:extLst>
           </p:cNvPr>
@@ -14721,7 +18026,7 @@
           <p:cNvPr id="5" name="TextBox 5">
             <a:extLst>
               <a:ext uri="{FF2B5EF4-FFF2-40B4-BE49-F238E27FC236}">
-                <a16:creationId xmlns:a16="http://schemas.microsoft.com/office/drawing/2014/main" xmlns="" id="{8E37FB02-DD5E-E26C-590C-BE972C6114EB}"/>
+                <a16:creationId xmlns="" xmlns:a16="http://schemas.microsoft.com/office/drawing/2014/main" id="{8E37FB02-DD5E-E26C-590C-BE972C6114EB}"/>
               </a:ext>
             </a:extLst>
           </p:cNvPr>
@@ -14783,7 +18088,7 @@
 </p:sld>
 </file>
 
-<file path=ppt/slides/slide16.xml><?xml version="1.0" encoding="utf-8"?>
+<file path=ppt/slides/slide18.xml><?xml version="1.0" encoding="utf-8"?>
 <p:sld xmlns:a="http://schemas.openxmlformats.org/drawingml/2006/main" xmlns:r="http://schemas.openxmlformats.org/officeDocument/2006/relationships" xmlns:p="http://schemas.openxmlformats.org/presentationml/2006/main">
   <p:cSld>
     <p:spTree>
@@ -14842,7 +18147,7 @@
             <a:blip r:embed="rId3">
               <a:extLst>
                 <a:ext uri="{96DAC541-7B7A-43D3-8B79-37D633B846F1}">
-                  <asvg:svgBlip xmlns:asvg="http://schemas.microsoft.com/office/drawing/2016/SVG/main" xmlns="" r:embed="rId4"/>
+                  <asvg:svgBlip xmlns="" xmlns:asvg="http://schemas.microsoft.com/office/drawing/2016/SVG/main" r:embed="rId4"/>
                 </a:ext>
               </a:extLst>
             </a:blip>
@@ -15252,7 +18557,7 @@
             <a:blip r:embed="rId5">
               <a:extLst>
                 <a:ext uri="{96DAC541-7B7A-43D3-8B79-37D633B846F1}">
-                  <asvg:svgBlip xmlns:asvg="http://schemas.microsoft.com/office/drawing/2016/SVG/main" xmlns="" r:embed="rId6"/>
+                  <asvg:svgBlip xmlns="" xmlns:asvg="http://schemas.microsoft.com/office/drawing/2016/SVG/main" r:embed="rId6"/>
                 </a:ext>
               </a:extLst>
             </a:blip>
@@ -15311,7 +18616,7 @@
             <a:blip r:embed="rId7">
               <a:extLst>
                 <a:ext uri="{96DAC541-7B7A-43D3-8B79-37D633B846F1}">
-                  <asvg:svgBlip xmlns:asvg="http://schemas.microsoft.com/office/drawing/2016/SVG/main" xmlns="" r:embed="rId8"/>
+                  <asvg:svgBlip xmlns="" xmlns:asvg="http://schemas.microsoft.com/office/drawing/2016/SVG/main" r:embed="rId8"/>
                 </a:ext>
               </a:extLst>
             </a:blip>
@@ -15841,7 +19146,7 @@
             <a:blip r:embed="rId9">
               <a:extLst>
                 <a:ext uri="{96DAC541-7B7A-43D3-8B79-37D633B846F1}">
-                  <asvg:svgBlip xmlns:asvg="http://schemas.microsoft.com/office/drawing/2016/SVG/main" xmlns="" r:embed="rId10"/>
+                  <asvg:svgBlip xmlns="" xmlns:asvg="http://schemas.microsoft.com/office/drawing/2016/SVG/main" r:embed="rId10"/>
                 </a:ext>
               </a:extLst>
             </a:blip>
@@ -15863,7 +19168,7 @@
           <p:cNvPr id="27" name="Elemento grafico 25" descr="Tempio asiatico contorno">
             <a:extLst>
               <a:ext uri="{FF2B5EF4-FFF2-40B4-BE49-F238E27FC236}">
-                <a16:creationId xmlns:a16="http://schemas.microsoft.com/office/drawing/2014/main" xmlns="" id="{1AEBC33B-068E-4CA4-7F8F-501B935F55C7}"/>
+                <a16:creationId xmlns="" xmlns:a16="http://schemas.microsoft.com/office/drawing/2014/main" id="{1AEBC33B-068E-4CA4-7F8F-501B935F55C7}"/>
               </a:ext>
             </a:extLst>
           </p:cNvPr>
@@ -16721,7 +20026,7 @@
           <p:cNvPr id="29" name="Elemento grafico 28" descr="Intelligenza artificiale contorno">
             <a:extLst>
               <a:ext uri="{FF2B5EF4-FFF2-40B4-BE49-F238E27FC236}">
-                <a16:creationId xmlns:a16="http://schemas.microsoft.com/office/drawing/2014/main" xmlns="" id="{0DB420A0-198D-3504-7C41-35C120F47B36}"/>
+                <a16:creationId xmlns="" xmlns:a16="http://schemas.microsoft.com/office/drawing/2014/main" id="{0DB420A0-198D-3504-7C41-35C120F47B36}"/>
               </a:ext>
             </a:extLst>
           </p:cNvPr>
@@ -16734,7 +20039,7 @@
           <a:blip r:embed="rId11">
             <a:extLst>
               <a:ext uri="{96DAC541-7B7A-43D3-8B79-37D633B846F1}">
-                <asvg:svgBlip xmlns:asvg="http://schemas.microsoft.com/office/drawing/2016/SVG/main" xmlns="" r:embed="rId12"/>
+                <asvg:svgBlip xmlns="" xmlns:asvg="http://schemas.microsoft.com/office/drawing/2016/SVG/main" r:embed="rId12"/>
               </a:ext>
             </a:extLst>
           </a:blip>
@@ -16757,7 +20062,7 @@
           <p:cNvPr id="30" name="Elemento grafico 29" descr="Scansione oculare con riempimento a tinta unita">
             <a:extLst>
               <a:ext uri="{FF2B5EF4-FFF2-40B4-BE49-F238E27FC236}">
-                <a16:creationId xmlns:a16="http://schemas.microsoft.com/office/drawing/2014/main" xmlns="" id="{07591BDB-7749-0BE6-6132-E7D52B78A406}"/>
+                <a16:creationId xmlns="" xmlns:a16="http://schemas.microsoft.com/office/drawing/2014/main" id="{07591BDB-7749-0BE6-6132-E7D52B78A406}"/>
               </a:ext>
             </a:extLst>
           </p:cNvPr>
@@ -16770,7 +20075,7 @@
           <a:blip r:embed="rId13">
             <a:extLst>
               <a:ext uri="{96DAC541-7B7A-43D3-8B79-37D633B846F1}">
-                <asvg:svgBlip xmlns:asvg="http://schemas.microsoft.com/office/drawing/2016/SVG/main" xmlns="" r:embed="rId14"/>
+                <asvg:svgBlip xmlns="" xmlns:asvg="http://schemas.microsoft.com/office/drawing/2016/SVG/main" r:embed="rId14"/>
               </a:ext>
             </a:extLst>
           </a:blip>
@@ -16803,7 +20108,7 @@
 </p:sld>
 </file>
 
-<file path=ppt/slides/slide17.xml><?xml version="1.0" encoding="utf-8"?>
+<file path=ppt/slides/slide19.xml><?xml version="1.0" encoding="utf-8"?>
 <p:sld xmlns:a="http://schemas.openxmlformats.org/drawingml/2006/main" xmlns:r="http://schemas.openxmlformats.org/officeDocument/2006/relationships" xmlns:p="http://schemas.openxmlformats.org/presentationml/2006/main">
   <p:cSld>
     <p:spTree>
@@ -16915,7 +20220,7 @@
             <a:blip r:embed="rId3">
               <a:extLst>
                 <a:ext uri="{96DAC541-7B7A-43D3-8B79-37D633B846F1}">
-                  <asvg:svgBlip xmlns:asvg="http://schemas.microsoft.com/office/drawing/2016/SVG/main" xmlns="" r:embed="rId4"/>
+                  <asvg:svgBlip xmlns="" xmlns:asvg="http://schemas.microsoft.com/office/drawing/2016/SVG/main" r:embed="rId4"/>
                 </a:ext>
               </a:extLst>
             </a:blip>
@@ -17018,7 +20323,7 @@
             <a:blip r:embed="rId5">
               <a:extLst>
                 <a:ext uri="{96DAC541-7B7A-43D3-8B79-37D633B846F1}">
-                  <asvg:svgBlip xmlns:asvg="http://schemas.microsoft.com/office/drawing/2016/SVG/main" xmlns="" r:embed="rId6"/>
+                  <asvg:svgBlip xmlns="" xmlns:asvg="http://schemas.microsoft.com/office/drawing/2016/SVG/main" r:embed="rId6"/>
                 </a:ext>
               </a:extLst>
             </a:blip>
@@ -17587,7 +20892,7 @@
           <p:cNvPr id="17" name="CasellaDiTesto 16">
             <a:extLst>
               <a:ext uri="{FF2B5EF4-FFF2-40B4-BE49-F238E27FC236}">
-                <a16:creationId xmlns:a16="http://schemas.microsoft.com/office/drawing/2014/main" xmlns="" id="{3657519C-4AAD-2E88-489C-282340A1315A}"/>
+                <a16:creationId xmlns="" xmlns:a16="http://schemas.microsoft.com/office/drawing/2014/main" id="{3657519C-4AAD-2E88-489C-282340A1315A}"/>
               </a:ext>
             </a:extLst>
           </p:cNvPr>
@@ -17625,7 +20930,7 @@
           <p:cNvPr id="21" name="CasellaDiTesto 20">
             <a:extLst>
               <a:ext uri="{FF2B5EF4-FFF2-40B4-BE49-F238E27FC236}">
-                <a16:creationId xmlns:a16="http://schemas.microsoft.com/office/drawing/2014/main" xmlns="" id="{521A9EB4-3BE1-B5BA-D22B-04F60BE09166}"/>
+                <a16:creationId xmlns="" xmlns:a16="http://schemas.microsoft.com/office/drawing/2014/main" id="{521A9EB4-3BE1-B5BA-D22B-04F60BE09166}"/>
               </a:ext>
             </a:extLst>
           </p:cNvPr>
@@ -17657,7 +20962,7 @@
         </p:txBody>
       </p:sp>
       <mc:AlternateContent xmlns:mc="http://schemas.openxmlformats.org/markup-compatibility/2006">
-        <mc:Choice xmlns:pslz="http://schemas.microsoft.com/office/powerpoint/2016/slidezoom" xmlns="" Requires="pslz">
+        <mc:Choice xmlns="" xmlns:pslz="http://schemas.microsoft.com/office/powerpoint/2016/slidezoom" Requires="pslz">
           <p:graphicFrame>
             <p:nvGraphicFramePr>
               <p:cNvPr id="23" name="Anteprima della diapositiva 22">
@@ -17730,7 +21035,7 @@
                 <a:hlinkClick r:id="rId10" action="ppaction://hlinksldjump"/>
                 <a:extLst>
                   <a:ext uri="{FF2B5EF4-FFF2-40B4-BE49-F238E27FC236}">
-                    <a16:creationId xmlns:a16="http://schemas.microsoft.com/office/drawing/2014/main" xmlns="" xmlns:pslz="http://schemas.microsoft.com/office/powerpoint/2016/slidezoom" id="{BBB97D2F-5D07-F9F2-A7BC-FA0F0BA7C73C}"/>
+                    <a16:creationId xmlns:pslz="http://schemas.microsoft.com/office/powerpoint/2016/slidezoom" xmlns="" xmlns:a16="http://schemas.microsoft.com/office/drawing/2014/main" id="{BBB97D2F-5D07-F9F2-A7BC-FA0F0BA7C73C}"/>
                   </a:ext>
                 </a:extLst>
               </p:cNvPr>
@@ -17772,7 +21077,7 @@
         </mc:Fallback>
       </mc:AlternateContent>
       <mc:AlternateContent xmlns:mc="http://schemas.openxmlformats.org/markup-compatibility/2006">
-        <mc:Choice xmlns:pslz="http://schemas.microsoft.com/office/powerpoint/2016/slidezoom" xmlns="" Requires="pslz">
+        <mc:Choice xmlns="" xmlns:pslz="http://schemas.microsoft.com/office/powerpoint/2016/slidezoom" Requires="pslz">
           <p:graphicFrame>
             <p:nvGraphicFramePr>
               <p:cNvPr id="25" name="Anteprima della diapositiva 24">
@@ -17845,7 +21150,7 @@
                 <a:hlinkClick r:id="rId13" action="ppaction://hlinksldjump"/>
                 <a:extLst>
                   <a:ext uri="{FF2B5EF4-FFF2-40B4-BE49-F238E27FC236}">
-                    <a16:creationId xmlns:a16="http://schemas.microsoft.com/office/drawing/2014/main" xmlns="" xmlns:pslz="http://schemas.microsoft.com/office/powerpoint/2016/slidezoom" id="{E5BFFB5E-94E0-DE8A-7723-9EAEA7FA1DDD}"/>
+                    <a16:creationId xmlns:pslz="http://schemas.microsoft.com/office/powerpoint/2016/slidezoom" xmlns="" xmlns:a16="http://schemas.microsoft.com/office/drawing/2014/main" id="{E5BFFB5E-94E0-DE8A-7723-9EAEA7FA1DDD}"/>
                   </a:ext>
                 </a:extLst>
               </p:cNvPr>
@@ -17887,7 +21192,7 @@
         </mc:Fallback>
       </mc:AlternateContent>
       <mc:AlternateContent xmlns:mc="http://schemas.openxmlformats.org/markup-compatibility/2006">
-        <mc:Choice xmlns:pslz="http://schemas.microsoft.com/office/powerpoint/2016/slidezoom" xmlns="" Requires="pslz">
+        <mc:Choice xmlns="" xmlns:pslz="http://schemas.microsoft.com/office/powerpoint/2016/slidezoom" Requires="pslz">
           <p:graphicFrame>
             <p:nvGraphicFramePr>
               <p:cNvPr id="27" name="Anteprima della diapositiva 26">
@@ -17960,7 +21265,7 @@
                 <a:hlinkClick r:id="rId16" action="ppaction://hlinksldjump"/>
                 <a:extLst>
                   <a:ext uri="{FF2B5EF4-FFF2-40B4-BE49-F238E27FC236}">
-                    <a16:creationId xmlns:a16="http://schemas.microsoft.com/office/drawing/2014/main" xmlns="" xmlns:pslz="http://schemas.microsoft.com/office/powerpoint/2016/slidezoom" id="{DB4B59A5-6E69-99BA-F1F1-CC4B78295A9D}"/>
+                    <a16:creationId xmlns:pslz="http://schemas.microsoft.com/office/powerpoint/2016/slidezoom" xmlns="" xmlns:a16="http://schemas.microsoft.com/office/drawing/2014/main" id="{DB4B59A5-6E69-99BA-F1F1-CC4B78295A9D}"/>
                   </a:ext>
                 </a:extLst>
               </p:cNvPr>
@@ -18006,7 +21311,7 @@
           <p:cNvPr id="29" name="Connettore diritto 28">
             <a:extLst>
               <a:ext uri="{FF2B5EF4-FFF2-40B4-BE49-F238E27FC236}">
-                <a16:creationId xmlns:a16="http://schemas.microsoft.com/office/drawing/2014/main" xmlns="" id="{8DCC3C6C-D590-4109-63BC-D7B57BE34420}"/>
+                <a16:creationId xmlns="" xmlns:a16="http://schemas.microsoft.com/office/drawing/2014/main" id="{8DCC3C6C-D590-4109-63BC-D7B57BE34420}"/>
               </a:ext>
             </a:extLst>
           </p:cNvPr>
@@ -18121,7 +21426,7 @@
             <a:blip r:embed="rId2">
               <a:extLst>
                 <a:ext uri="{96DAC541-7B7A-43D3-8B79-37D633B846F1}">
-                  <asvg:svgBlip xmlns:asvg="http://schemas.microsoft.com/office/drawing/2016/SVG/main" xmlns="" r:embed="rId3"/>
+                  <asvg:svgBlip xmlns="" xmlns:asvg="http://schemas.microsoft.com/office/drawing/2016/SVG/main" r:embed="rId3"/>
                 </a:ext>
               </a:extLst>
             </a:blip>
@@ -18270,7 +21575,7 @@
             <a:blip r:embed="rId4">
               <a:extLst>
                 <a:ext uri="{96DAC541-7B7A-43D3-8B79-37D633B846F1}">
-                  <asvg:svgBlip xmlns:asvg="http://schemas.microsoft.com/office/drawing/2016/SVG/main" xmlns="" r:embed="rId5"/>
+                  <asvg:svgBlip xmlns="" xmlns:asvg="http://schemas.microsoft.com/office/drawing/2016/SVG/main" r:embed="rId5"/>
                 </a:ext>
               </a:extLst>
             </a:blip>
@@ -18750,7 +22055,7 @@
             <a:blip r:embed="rId2">
               <a:extLst>
                 <a:ext uri="{96DAC541-7B7A-43D3-8B79-37D633B846F1}">
-                  <asvg:svgBlip xmlns:asvg="http://schemas.microsoft.com/office/drawing/2016/SVG/main" xmlns="" r:embed="rId3"/>
+                  <asvg:svgBlip xmlns="" xmlns:asvg="http://schemas.microsoft.com/office/drawing/2016/SVG/main" r:embed="rId3"/>
                 </a:ext>
               </a:extLst>
             </a:blip>
@@ -18809,7 +22114,7 @@
             <a:blip r:embed="rId2">
               <a:extLst>
                 <a:ext uri="{96DAC541-7B7A-43D3-8B79-37D633B846F1}">
-                  <asvg:svgBlip xmlns:asvg="http://schemas.microsoft.com/office/drawing/2016/SVG/main" xmlns="" r:embed="rId3"/>
+                  <asvg:svgBlip xmlns="" xmlns:asvg="http://schemas.microsoft.com/office/drawing/2016/SVG/main" r:embed="rId3"/>
                 </a:ext>
               </a:extLst>
             </a:blip>
@@ -19278,7 +22583,7 @@
             <a:blip r:embed="rId5">
               <a:extLst>
                 <a:ext uri="{96DAC541-7B7A-43D3-8B79-37D633B846F1}">
-                  <asvg:svgBlip xmlns:asvg="http://schemas.microsoft.com/office/drawing/2016/SVG/main" xmlns="" r:embed="rId6"/>
+                  <asvg:svgBlip xmlns="" xmlns:asvg="http://schemas.microsoft.com/office/drawing/2016/SVG/main" r:embed="rId6"/>
                 </a:ext>
               </a:extLst>
             </a:blip>
@@ -19631,7 +22936,7 @@
             <a:blip r:embed="rId7">
               <a:extLst>
                 <a:ext uri="{96DAC541-7B7A-43D3-8B79-37D633B846F1}">
-                  <asvg:svgBlip xmlns:asvg="http://schemas.microsoft.com/office/drawing/2016/SVG/main" xmlns="" r:embed="rId8"/>
+                  <asvg:svgBlip xmlns="" xmlns:asvg="http://schemas.microsoft.com/office/drawing/2016/SVG/main" r:embed="rId8"/>
                 </a:ext>
               </a:extLst>
             </a:blip>
@@ -19903,7 +23208,7 @@
           <p:cNvPr id="33" name="CasellaDiTesto 32">
             <a:extLst>
               <a:ext uri="{FF2B5EF4-FFF2-40B4-BE49-F238E27FC236}">
-                <a16:creationId xmlns:a16="http://schemas.microsoft.com/office/drawing/2014/main" xmlns="" id="{6EFE1331-F541-EF9E-7FC9-052F6EE71BBB}"/>
+                <a16:creationId xmlns="" xmlns:a16="http://schemas.microsoft.com/office/drawing/2014/main" id="{6EFE1331-F541-EF9E-7FC9-052F6EE71BBB}"/>
               </a:ext>
             </a:extLst>
           </p:cNvPr>
@@ -19948,7 +23253,7 @@
           <p:cNvPr id="35" name="Elemento grafico 34" descr="Bussola con riempimento a tinta unita">
             <a:extLst>
               <a:ext uri="{FF2B5EF4-FFF2-40B4-BE49-F238E27FC236}">
-                <a16:creationId xmlns:a16="http://schemas.microsoft.com/office/drawing/2014/main" xmlns="" id="{CAC97D77-AA1A-1C6A-B10B-F07F82B8BC7D}"/>
+                <a16:creationId xmlns="" xmlns:a16="http://schemas.microsoft.com/office/drawing/2014/main" id="{CAC97D77-AA1A-1C6A-B10B-F07F82B8BC7D}"/>
               </a:ext>
             </a:extLst>
           </p:cNvPr>
@@ -19961,7 +23266,7 @@
           <a:blip r:embed="rId9">
             <a:extLst>
               <a:ext uri="{96DAC541-7B7A-43D3-8B79-37D633B846F1}">
-                <asvg:svgBlip xmlns:asvg="http://schemas.microsoft.com/office/drawing/2016/SVG/main" xmlns="" r:embed="rId10"/>
+                <asvg:svgBlip xmlns="" xmlns:asvg="http://schemas.microsoft.com/office/drawing/2016/SVG/main" r:embed="rId10"/>
               </a:ext>
             </a:extLst>
           </a:blip>
@@ -19984,7 +23289,7 @@
           <p:cNvPr id="41" name="Elemento grafico 40" descr="Periferica di gioco contorno">
             <a:extLst>
               <a:ext uri="{FF2B5EF4-FFF2-40B4-BE49-F238E27FC236}">
-                <a16:creationId xmlns:a16="http://schemas.microsoft.com/office/drawing/2014/main" xmlns="" id="{2BE71E77-2FED-D581-554B-53CD1F10AA68}"/>
+                <a16:creationId xmlns="" xmlns:a16="http://schemas.microsoft.com/office/drawing/2014/main" id="{2BE71E77-2FED-D581-554B-53CD1F10AA68}"/>
               </a:ext>
             </a:extLst>
           </p:cNvPr>
@@ -19997,7 +23302,7 @@
           <a:blip r:embed="rId11">
             <a:extLst>
               <a:ext uri="{96DAC541-7B7A-43D3-8B79-37D633B846F1}">
-                <asvg:svgBlip xmlns:asvg="http://schemas.microsoft.com/office/drawing/2016/SVG/main" xmlns="" r:embed="rId12"/>
+                <asvg:svgBlip xmlns="" xmlns:asvg="http://schemas.microsoft.com/office/drawing/2016/SVG/main" r:embed="rId12"/>
               </a:ext>
             </a:extLst>
           </a:blip>
@@ -20020,7 +23325,7 @@
           <p:cNvPr id="43" name="Elemento grafico 42" descr="Web design con riempimento a tinta unita">
             <a:extLst>
               <a:ext uri="{FF2B5EF4-FFF2-40B4-BE49-F238E27FC236}">
-                <a16:creationId xmlns:a16="http://schemas.microsoft.com/office/drawing/2014/main" xmlns="" id="{6C27696E-E3DD-6FF7-B6CF-412F1E2DA177}"/>
+                <a16:creationId xmlns="" xmlns:a16="http://schemas.microsoft.com/office/drawing/2014/main" id="{6C27696E-E3DD-6FF7-B6CF-412F1E2DA177}"/>
               </a:ext>
             </a:extLst>
           </p:cNvPr>
@@ -20033,7 +23338,7 @@
           <a:blip r:embed="rId13">
             <a:extLst>
               <a:ext uri="{96DAC541-7B7A-43D3-8B79-37D633B846F1}">
-                <asvg:svgBlip xmlns:asvg="http://schemas.microsoft.com/office/drawing/2016/SVG/main" xmlns="" r:embed="rId14"/>
+                <asvg:svgBlip xmlns="" xmlns:asvg="http://schemas.microsoft.com/office/drawing/2016/SVG/main" r:embed="rId14"/>
               </a:ext>
             </a:extLst>
           </a:blip>
@@ -20056,7 +23361,7 @@
           <p:cNvPr id="47" name="CasellaDiTesto 46">
             <a:extLst>
               <a:ext uri="{FF2B5EF4-FFF2-40B4-BE49-F238E27FC236}">
-                <a16:creationId xmlns:a16="http://schemas.microsoft.com/office/drawing/2014/main" xmlns="" id="{D67B07B9-0A7F-5C62-3A88-555C8AC7BBC2}"/>
+                <a16:creationId xmlns="" xmlns:a16="http://schemas.microsoft.com/office/drawing/2014/main" id="{D67B07B9-0A7F-5C62-3A88-555C8AC7BBC2}"/>
               </a:ext>
             </a:extLst>
           </p:cNvPr>
@@ -20105,7 +23410,7 @@
           <p:cNvPr id="50" name="CasellaDiTesto 49">
             <a:extLst>
               <a:ext uri="{FF2B5EF4-FFF2-40B4-BE49-F238E27FC236}">
-                <a16:creationId xmlns:a16="http://schemas.microsoft.com/office/drawing/2014/main" xmlns="" id="{DD3ED30E-7C88-E35C-D67F-E5FA5B11F02C}"/>
+                <a16:creationId xmlns="" xmlns:a16="http://schemas.microsoft.com/office/drawing/2014/main" id="{DD3ED30E-7C88-E35C-D67F-E5FA5B11F02C}"/>
               </a:ext>
             </a:extLst>
           </p:cNvPr>
@@ -20174,7 +23479,7 @@
           <p:cNvPr id="51" name="CasellaDiTesto 50">
             <a:extLst>
               <a:ext uri="{FF2B5EF4-FFF2-40B4-BE49-F238E27FC236}">
-                <a16:creationId xmlns:a16="http://schemas.microsoft.com/office/drawing/2014/main" xmlns="" id="{CF8E605B-4DEE-4318-095D-FD05AF1B8E1A}"/>
+                <a16:creationId xmlns="" xmlns:a16="http://schemas.microsoft.com/office/drawing/2014/main" id="{CF8E605B-4DEE-4318-095D-FD05AF1B8E1A}"/>
               </a:ext>
             </a:extLst>
           </p:cNvPr>
@@ -20759,7 +24064,7 @@
         <p:cNvPr id="1" name="">
           <a:extLst>
             <a:ext uri="{FF2B5EF4-FFF2-40B4-BE49-F238E27FC236}">
-              <a16:creationId xmlns:a16="http://schemas.microsoft.com/office/drawing/2014/main" xmlns="" id="{C2A724E8-C2EF-8194-F6C9-829E3214EFEB}"/>
+              <a16:creationId xmlns="" xmlns:a16="http://schemas.microsoft.com/office/drawing/2014/main" id="{C2A724E8-C2EF-8194-F6C9-829E3214EFEB}"/>
             </a:ext>
           </a:extLst>
         </p:cNvPr>
@@ -20779,7 +24084,7 @@
           <p:cNvPr id="2" name="Freeform 2">
             <a:extLst>
               <a:ext uri="{FF2B5EF4-FFF2-40B4-BE49-F238E27FC236}">
-                <a16:creationId xmlns:a16="http://schemas.microsoft.com/office/drawing/2014/main" xmlns="" id="{D64A1C51-FF55-6AD3-FBED-39BD86C5C274}"/>
+                <a16:creationId xmlns="" xmlns:a16="http://schemas.microsoft.com/office/drawing/2014/main" id="{D64A1C51-FF55-6AD3-FBED-39BD86C5C274}"/>
               </a:ext>
             </a:extLst>
           </p:cNvPr>
@@ -20822,7 +24127,7 @@
             <a:blip r:embed="rId2">
               <a:extLst>
                 <a:ext uri="{96DAC541-7B7A-43D3-8B79-37D633B846F1}">
-                  <asvg:svgBlip xmlns:asvg="http://schemas.microsoft.com/office/drawing/2016/SVG/main" xmlns="" r:embed="rId3"/>
+                  <asvg:svgBlip xmlns="" xmlns:asvg="http://schemas.microsoft.com/office/drawing/2016/SVG/main" r:embed="rId3"/>
                 </a:ext>
               </a:extLst>
             </a:blip>
@@ -20844,7 +24149,7 @@
           <p:cNvPr id="3" name="Freeform 3">
             <a:extLst>
               <a:ext uri="{FF2B5EF4-FFF2-40B4-BE49-F238E27FC236}">
-                <a16:creationId xmlns:a16="http://schemas.microsoft.com/office/drawing/2014/main" xmlns="" id="{4023E551-C406-3018-93BB-FF68A02E0614}"/>
+                <a16:creationId xmlns="" xmlns:a16="http://schemas.microsoft.com/office/drawing/2014/main" id="{4023E551-C406-3018-93BB-FF68A02E0614}"/>
               </a:ext>
             </a:extLst>
           </p:cNvPr>
@@ -20887,7 +24192,7 @@
             <a:blip r:embed="rId2">
               <a:extLst>
                 <a:ext uri="{96DAC541-7B7A-43D3-8B79-37D633B846F1}">
-                  <asvg:svgBlip xmlns:asvg="http://schemas.microsoft.com/office/drawing/2016/SVG/main" xmlns="" r:embed="rId3"/>
+                  <asvg:svgBlip xmlns="" xmlns:asvg="http://schemas.microsoft.com/office/drawing/2016/SVG/main" r:embed="rId3"/>
                 </a:ext>
               </a:extLst>
             </a:blip>
@@ -20909,7 +24214,7 @@
           <p:cNvPr id="4" name="TextBox 4">
             <a:extLst>
               <a:ext uri="{FF2B5EF4-FFF2-40B4-BE49-F238E27FC236}">
-                <a16:creationId xmlns:a16="http://schemas.microsoft.com/office/drawing/2014/main" xmlns="" id="{A596F14F-4E44-4F62-7058-7BB8CD6ECAC1}"/>
+                <a16:creationId xmlns="" xmlns:a16="http://schemas.microsoft.com/office/drawing/2014/main" id="{A596F14F-4E44-4F62-7058-7BB8CD6ECAC1}"/>
               </a:ext>
             </a:extLst>
           </p:cNvPr>
@@ -20956,7 +24261,7 @@
           <p:cNvPr id="5" name="TextBox 5">
             <a:extLst>
               <a:ext uri="{FF2B5EF4-FFF2-40B4-BE49-F238E27FC236}">
-                <a16:creationId xmlns:a16="http://schemas.microsoft.com/office/drawing/2014/main" xmlns="" id="{3FA3232D-E1E7-8CD2-CA30-53C58B149E90}"/>
+                <a16:creationId xmlns="" xmlns:a16="http://schemas.microsoft.com/office/drawing/2014/main" id="{3FA3232D-E1E7-8CD2-CA30-53C58B149E90}"/>
               </a:ext>
             </a:extLst>
           </p:cNvPr>
@@ -21085,7 +24390,7 @@
             <a:blip r:embed="rId3">
               <a:extLst>
                 <a:ext uri="{96DAC541-7B7A-43D3-8B79-37D633B846F1}">
-                  <asvg:svgBlip xmlns:asvg="http://schemas.microsoft.com/office/drawing/2016/SVG/main" xmlns="" r:embed="rId4"/>
+                  <asvg:svgBlip xmlns="" xmlns:asvg="http://schemas.microsoft.com/office/drawing/2016/SVG/main" r:embed="rId4"/>
                 </a:ext>
               </a:extLst>
             </a:blip>
@@ -21144,7 +24449,7 @@
             <a:blip r:embed="rId3">
               <a:extLst>
                 <a:ext uri="{96DAC541-7B7A-43D3-8B79-37D633B846F1}">
-                  <asvg:svgBlip xmlns:asvg="http://schemas.microsoft.com/office/drawing/2016/SVG/main" xmlns="" r:embed="rId4"/>
+                  <asvg:svgBlip xmlns="" xmlns:asvg="http://schemas.microsoft.com/office/drawing/2016/SVG/main" r:embed="rId4"/>
                 </a:ext>
               </a:extLst>
             </a:blip>
@@ -21166,7 +24471,7 @@
           <p:cNvPr id="32" name="TextBox 12">
             <a:extLst>
               <a:ext uri="{FF2B5EF4-FFF2-40B4-BE49-F238E27FC236}">
-                <a16:creationId xmlns:a16="http://schemas.microsoft.com/office/drawing/2014/main" xmlns="" id="{DE720875-2EFB-732D-96D9-537FACBDB624}"/>
+                <a16:creationId xmlns="" xmlns:a16="http://schemas.microsoft.com/office/drawing/2014/main" id="{DE720875-2EFB-732D-96D9-537FACBDB624}"/>
               </a:ext>
             </a:extLst>
           </p:cNvPr>
@@ -21216,7 +24521,7 @@
           <p:cNvPr id="33" name="CasellaDiTesto 32">
             <a:extLst>
               <a:ext uri="{FF2B5EF4-FFF2-40B4-BE49-F238E27FC236}">
-                <a16:creationId xmlns:a16="http://schemas.microsoft.com/office/drawing/2014/main" xmlns="" id="{A4B7024A-8244-8CAF-5985-50A7A3008862}"/>
+                <a16:creationId xmlns="" xmlns:a16="http://schemas.microsoft.com/office/drawing/2014/main" id="{A4B7024A-8244-8CAF-5985-50A7A3008862}"/>
               </a:ext>
             </a:extLst>
           </p:cNvPr>
@@ -21253,7 +24558,7 @@
           <p:cNvPr id="34" name="CasellaDiTesto 33">
             <a:extLst>
               <a:ext uri="{FF2B5EF4-FFF2-40B4-BE49-F238E27FC236}">
-                <a16:creationId xmlns:a16="http://schemas.microsoft.com/office/drawing/2014/main" xmlns="" id="{0CD19AC9-973B-C56D-0255-234A53A8817E}"/>
+                <a16:creationId xmlns="" xmlns:a16="http://schemas.microsoft.com/office/drawing/2014/main" id="{0CD19AC9-973B-C56D-0255-234A53A8817E}"/>
               </a:ext>
             </a:extLst>
           </p:cNvPr>
@@ -21391,7 +24696,7 @@
           <p:cNvPr id="37" name="Connettore diritto 36">
             <a:extLst>
               <a:ext uri="{FF2B5EF4-FFF2-40B4-BE49-F238E27FC236}">
-                <a16:creationId xmlns:a16="http://schemas.microsoft.com/office/drawing/2014/main" xmlns="" id="{E464186F-D6BF-C8FF-3E9F-2D61D2090D96}"/>
+                <a16:creationId xmlns="" xmlns:a16="http://schemas.microsoft.com/office/drawing/2014/main" id="{E464186F-D6BF-C8FF-3E9F-2D61D2090D96}"/>
               </a:ext>
             </a:extLst>
           </p:cNvPr>
@@ -21429,7 +24734,7 @@
           <p:cNvPr id="46" name="Elemento grafico 45">
             <a:extLst>
               <a:ext uri="{FF2B5EF4-FFF2-40B4-BE49-F238E27FC236}">
-                <a16:creationId xmlns:a16="http://schemas.microsoft.com/office/drawing/2014/main" xmlns="" id="{662CD99D-A4A3-422B-E229-6DFFA5B3C279}"/>
+                <a16:creationId xmlns="" xmlns:a16="http://schemas.microsoft.com/office/drawing/2014/main" id="{662CD99D-A4A3-422B-E229-6DFFA5B3C279}"/>
               </a:ext>
             </a:extLst>
           </p:cNvPr>
@@ -21442,7 +24747,7 @@
           <a:blip r:embed="rId5">
             <a:extLst>
               <a:ext uri="{96DAC541-7B7A-43D3-8B79-37D633B846F1}">
-                <asvg:svgBlip xmlns:asvg="http://schemas.microsoft.com/office/drawing/2016/SVG/main" xmlns="" r:embed="rId6"/>
+                <asvg:svgBlip xmlns="" xmlns:asvg="http://schemas.microsoft.com/office/drawing/2016/SVG/main" r:embed="rId6"/>
               </a:ext>
             </a:extLst>
           </a:blip>
@@ -21465,7 +24770,7 @@
           <p:cNvPr id="47" name="CasellaDiTesto 46">
             <a:extLst>
               <a:ext uri="{FF2B5EF4-FFF2-40B4-BE49-F238E27FC236}">
-                <a16:creationId xmlns:a16="http://schemas.microsoft.com/office/drawing/2014/main" xmlns="" id="{256E1A95-156C-B975-5224-468DD117B0C9}"/>
+                <a16:creationId xmlns="" xmlns:a16="http://schemas.microsoft.com/office/drawing/2014/main" id="{256E1A95-156C-B975-5224-468DD117B0C9}"/>
               </a:ext>
             </a:extLst>
           </p:cNvPr>
@@ -21855,7 +25160,7 @@
         <p:cNvPr id="1" name="">
           <a:extLst>
             <a:ext uri="{FF2B5EF4-FFF2-40B4-BE49-F238E27FC236}">
-              <a16:creationId xmlns:a16="http://schemas.microsoft.com/office/drawing/2014/main" xmlns="" id="{392E2991-4D31-C748-5D1C-875A164429D7}"/>
+              <a16:creationId xmlns="" xmlns:a16="http://schemas.microsoft.com/office/drawing/2014/main" id="{392E2991-4D31-C748-5D1C-875A164429D7}"/>
             </a:ext>
           </a:extLst>
         </p:cNvPr>
@@ -21875,7 +25180,7 @@
           <p:cNvPr id="4" name="Freeform 2">
             <a:extLst>
               <a:ext uri="{FF2B5EF4-FFF2-40B4-BE49-F238E27FC236}">
-                <a16:creationId xmlns:a16="http://schemas.microsoft.com/office/drawing/2014/main" xmlns="" id="{34F8792F-D09D-357E-9B56-221F91C4B6C6}"/>
+                <a16:creationId xmlns="" xmlns:a16="http://schemas.microsoft.com/office/drawing/2014/main" id="{34F8792F-D09D-357E-9B56-221F91C4B6C6}"/>
               </a:ext>
             </a:extLst>
           </p:cNvPr>
@@ -21918,7 +25223,7 @@
             <a:blip r:embed="rId3">
               <a:extLst>
                 <a:ext uri="{96DAC541-7B7A-43D3-8B79-37D633B846F1}">
-                  <asvg:svgBlip xmlns:asvg="http://schemas.microsoft.com/office/drawing/2016/SVG/main" xmlns="" r:embed="rId4"/>
+                  <asvg:svgBlip xmlns="" xmlns:asvg="http://schemas.microsoft.com/office/drawing/2016/SVG/main" r:embed="rId4"/>
                 </a:ext>
               </a:extLst>
             </a:blip>
@@ -21940,7 +25245,7 @@
           <p:cNvPr id="5" name="Freeform 29">
             <a:extLst>
               <a:ext uri="{FF2B5EF4-FFF2-40B4-BE49-F238E27FC236}">
-                <a16:creationId xmlns:a16="http://schemas.microsoft.com/office/drawing/2014/main" xmlns="" id="{262C7309-7F0A-16C5-5F18-670375BC987B}"/>
+                <a16:creationId xmlns="" xmlns:a16="http://schemas.microsoft.com/office/drawing/2014/main" id="{262C7309-7F0A-16C5-5F18-670375BC987B}"/>
               </a:ext>
             </a:extLst>
           </p:cNvPr>
@@ -21983,7 +25288,7 @@
             <a:blip r:embed="rId3">
               <a:extLst>
                 <a:ext uri="{96DAC541-7B7A-43D3-8B79-37D633B846F1}">
-                  <asvg:svgBlip xmlns:asvg="http://schemas.microsoft.com/office/drawing/2016/SVG/main" xmlns="" r:embed="rId4"/>
+                  <asvg:svgBlip xmlns="" xmlns:asvg="http://schemas.microsoft.com/office/drawing/2016/SVG/main" r:embed="rId4"/>
                 </a:ext>
               </a:extLst>
             </a:blip>
@@ -22005,7 +25310,7 @@
           <p:cNvPr id="6" name="TextBox 12">
             <a:extLst>
               <a:ext uri="{FF2B5EF4-FFF2-40B4-BE49-F238E27FC236}">
-                <a16:creationId xmlns:a16="http://schemas.microsoft.com/office/drawing/2014/main" xmlns="" id="{0F24BF96-7FD9-5DD6-9931-176DB011A4CD}"/>
+                <a16:creationId xmlns="" xmlns:a16="http://schemas.microsoft.com/office/drawing/2014/main" id="{0F24BF96-7FD9-5DD6-9931-176DB011A4CD}"/>
               </a:ext>
             </a:extLst>
           </p:cNvPr>
@@ -22036,6 +25341,626 @@
               </a:spcBef>
             </a:pPr>
             <a:r>
+              <a:rPr lang="en-US" sz="9431" b="1" spc="924" dirty="0" err="1" smtClean="0">
+                <a:solidFill>
+                  <a:srgbClr val="231F20"/>
+                </a:solidFill>
+                <a:latin typeface="Oswald Bold"/>
+                <a:ea typeface="Oswald Bold"/>
+                <a:cs typeface="Oswald Bold"/>
+                <a:sym typeface="Oswald Bold"/>
+              </a:rPr>
+              <a:t>CarROS</a:t>
+            </a:r>
+            <a:endParaRPr lang="en-US" sz="9431" b="1" spc="924" dirty="0">
+              <a:solidFill>
+                <a:srgbClr val="231F20"/>
+              </a:solidFill>
+              <a:latin typeface="Oswald Bold"/>
+              <a:ea typeface="Oswald Bold"/>
+              <a:cs typeface="Oswald Bold"/>
+              <a:sym typeface="Oswald Bold"/>
+            </a:endParaRPr>
+          </a:p>
+        </p:txBody>
+      </p:sp>
+      <p:cxnSp>
+        <p:nvCxnSpPr>
+          <p:cNvPr id="9" name="Connettore diritto 8">
+            <a:extLst>
+              <a:ext uri="{FF2B5EF4-FFF2-40B4-BE49-F238E27FC236}">
+                <a16:creationId xmlns="" xmlns:a16="http://schemas.microsoft.com/office/drawing/2014/main" id="{290A2095-D408-0070-8208-2ECEB8D40867}"/>
+              </a:ext>
+            </a:extLst>
+          </p:cNvPr>
+          <p:cNvCxnSpPr>
+            <a:cxnSpLocks/>
+          </p:cNvCxnSpPr>
+          <p:nvPr/>
+        </p:nvCxnSpPr>
+        <p:spPr>
+          <a:xfrm>
+            <a:off x="2057400" y="2999522"/>
+            <a:ext cx="14554200" cy="0"/>
+          </a:xfrm>
+          <a:prstGeom prst="line">
+            <a:avLst/>
+          </a:prstGeom>
+        </p:spPr>
+        <p:style>
+          <a:lnRef idx="1">
+            <a:schemeClr val="dk1"/>
+          </a:lnRef>
+          <a:fillRef idx="0">
+            <a:schemeClr val="dk1"/>
+          </a:fillRef>
+          <a:effectRef idx="0">
+            <a:schemeClr val="dk1"/>
+          </a:effectRef>
+          <a:fontRef idx="minor">
+            <a:schemeClr val="tx1"/>
+          </a:fontRef>
+        </p:style>
+      </p:cxnSp>
+      <p:sp>
+        <p:nvSpPr>
+          <p:cNvPr id="10" name="CasellaDiTesto 9">
+            <a:extLst>
+              <a:ext uri="{FF2B5EF4-FFF2-40B4-BE49-F238E27FC236}">
+                <a16:creationId xmlns="" xmlns:a16="http://schemas.microsoft.com/office/drawing/2014/main" id="{F08B9066-B9F9-6657-371B-939779EF9E2D}"/>
+              </a:ext>
+            </a:extLst>
+          </p:cNvPr>
+          <p:cNvSpPr txBox="1"/>
+          <p:nvPr/>
+        </p:nvSpPr>
+        <p:spPr>
+          <a:xfrm>
+            <a:off x="1820950" y="1941988"/>
+            <a:ext cx="15087600" cy="1200329"/>
+          </a:xfrm>
+          <a:prstGeom prst="rect">
+            <a:avLst/>
+          </a:prstGeom>
+          <a:noFill/>
+        </p:spPr>
+        <p:txBody>
+          <a:bodyPr wrap="square" rtlCol="0">
+            <a:spAutoFit/>
+          </a:bodyPr>
+          <a:lstStyle/>
+          <a:p>
+            <a:pPr algn="ctr"/>
+            <a:r>
+              <a:rPr lang="en-US" sz="2400" b="1" i="1" dirty="0" smtClean="0"/>
+              <a:t>This setup is typically used for monitoring and debugging a robot's navigation and perception system in real-time. </a:t>
+            </a:r>
+            <a:r>
+              <a:rPr lang="en-US" sz="2400" b="1" i="1" dirty="0"/>
+              <a:t>This image shows a visualization in </a:t>
+            </a:r>
+            <a:r>
+              <a:rPr lang="en-US" sz="2400" b="1" i="1" dirty="0" err="1"/>
+              <a:t>RViz</a:t>
+            </a:r>
+            <a:r>
+              <a:rPr lang="en-US" sz="2400" b="1" i="1" dirty="0"/>
+              <a:t>, a tool commonly used in robotics applications. </a:t>
+            </a:r>
+          </a:p>
+          <a:p>
+            <a:pPr algn="ctr"/>
+            <a:endParaRPr lang="en-US" sz="2400" b="1" i="1" dirty="0"/>
+          </a:p>
+        </p:txBody>
+      </p:sp>
+      <p:sp>
+        <p:nvSpPr>
+          <p:cNvPr id="12" name="Rettangolo 11"/>
+          <p:cNvSpPr/>
+          <p:nvPr/>
+        </p:nvSpPr>
+        <p:spPr>
+          <a:xfrm>
+            <a:off x="8839200" y="3212256"/>
+            <a:ext cx="7772400" cy="6740307"/>
+          </a:xfrm>
+          <a:prstGeom prst="rect">
+            <a:avLst/>
+          </a:prstGeom>
+        </p:spPr>
+        <p:txBody>
+          <a:bodyPr wrap="square">
+            <a:spAutoFit/>
+          </a:bodyPr>
+          <a:lstStyle/>
+          <a:p>
+            <a:r>
+              <a:rPr lang="en-US" sz="2400" b="1" dirty="0" err="1" smtClean="0"/>
+              <a:t>LaserScan</a:t>
+            </a:r>
+            <a:r>
+              <a:rPr lang="en-US" sz="2400" b="1" dirty="0" smtClean="0"/>
+              <a:t>/2D </a:t>
+            </a:r>
+            <a:r>
+              <a:rPr lang="en-US" sz="2400" b="1" dirty="0"/>
+              <a:t>Lidar Reflections</a:t>
+            </a:r>
+            <a:r>
+              <a:rPr lang="en-US" sz="2400" dirty="0"/>
+              <a:t>: The red points around the robot show the environment's reflections detected by the robot's 2D Lidar </a:t>
+            </a:r>
+            <a:r>
+              <a:rPr lang="en-US" sz="2400" dirty="0" smtClean="0"/>
+              <a:t>sensor.</a:t>
+            </a:r>
+          </a:p>
+          <a:p>
+            <a:endParaRPr lang="en-US" sz="2400" b="1" dirty="0" smtClean="0"/>
+          </a:p>
+          <a:p>
+            <a:r>
+              <a:rPr lang="en-US" sz="2400" b="1" dirty="0" smtClean="0"/>
+              <a:t>Markers</a:t>
+            </a:r>
+            <a:r>
+              <a:rPr lang="en-US" sz="2400" dirty="0"/>
+              <a:t>: The yellow, blue, and red markers represent the last, next, and current </a:t>
+            </a:r>
+            <a:r>
+              <a:rPr lang="en-US" sz="2400" dirty="0" smtClean="0"/>
+              <a:t>waypoints (yellow, blue, red), </a:t>
+            </a:r>
+            <a:r>
+              <a:rPr lang="en-US" sz="2400" dirty="0"/>
+              <a:t>respectively, for a robot's navigation task</a:t>
+            </a:r>
+            <a:r>
+              <a:rPr lang="en-US" sz="2400" dirty="0" smtClean="0"/>
+              <a:t>.</a:t>
+            </a:r>
+          </a:p>
+          <a:p>
+            <a:endParaRPr lang="en-US" sz="2400" dirty="0"/>
+          </a:p>
+          <a:p>
+            <a:r>
+              <a:rPr lang="en-US" sz="2400" b="1" dirty="0"/>
+              <a:t>Robot Model</a:t>
+            </a:r>
+            <a:r>
+              <a:rPr lang="en-US" sz="2400" dirty="0"/>
+              <a:t>: The small black car-like structure in the center represents the robot</a:t>
+            </a:r>
+            <a:r>
+              <a:rPr lang="en-US" sz="2400" dirty="0" smtClean="0"/>
+              <a:t>.</a:t>
+            </a:r>
+          </a:p>
+          <a:p>
+            <a:endParaRPr lang="en-US" sz="2400" dirty="0" smtClean="0"/>
+          </a:p>
+          <a:p>
+            <a:r>
+              <a:rPr lang="en-US" sz="2400" b="1" dirty="0" smtClean="0"/>
+              <a:t>Grid</a:t>
+            </a:r>
+            <a:r>
+              <a:rPr lang="en-US" sz="2400" dirty="0" smtClean="0"/>
+              <a:t>: The black and gray grid in the background helps to visualize the spatial layout and orientation in the fixed frame ("</a:t>
+            </a:r>
+            <a:r>
+              <a:rPr lang="en-US" sz="2400" dirty="0" err="1" smtClean="0"/>
+              <a:t>odom</a:t>
+            </a:r>
+            <a:r>
+              <a:rPr lang="en-US" sz="2400" dirty="0" smtClean="0"/>
+              <a:t>").</a:t>
+            </a:r>
+          </a:p>
+          <a:p>
+            <a:endParaRPr lang="en-US" sz="2400" dirty="0"/>
+          </a:p>
+          <a:p>
+            <a:r>
+              <a:rPr lang="en-US" sz="2400" b="1" dirty="0" smtClean="0"/>
+              <a:t>Display Panel</a:t>
+            </a:r>
+            <a:r>
+              <a:rPr lang="en-US" sz="2400" dirty="0" smtClean="0"/>
+              <a:t>: On the left, the </a:t>
+            </a:r>
+            <a:r>
+              <a:rPr lang="en-US" sz="2400" dirty="0" err="1" smtClean="0"/>
+              <a:t>RViz</a:t>
+            </a:r>
+            <a:r>
+              <a:rPr lang="en-US" sz="2400" dirty="0" smtClean="0"/>
+              <a:t> settings panel displays the configured visualizations with their corresponding topics and statuses.</a:t>
+            </a:r>
+          </a:p>
+        </p:txBody>
+      </p:sp>
+      <p:pic>
+        <p:nvPicPr>
+          <p:cNvPr id="1028" name="Picture 4"/>
+          <p:cNvPicPr>
+            <a:picLocks noChangeAspect="1" noChangeArrowheads="1"/>
+          </p:cNvPicPr>
+          <p:nvPr/>
+        </p:nvPicPr>
+        <p:blipFill>
+          <a:blip r:embed="rId5">
+            <a:extLst>
+              <a:ext uri="{28A0092B-C50C-407E-A947-70E740481C1C}">
+                <a14:useLocalDpi xmlns:a14="http://schemas.microsoft.com/office/drawing/2010/main" val="0"/>
+              </a:ext>
+            </a:extLst>
+          </a:blip>
+          <a:srcRect/>
+          <a:stretch>
+            <a:fillRect/>
+          </a:stretch>
+        </p:blipFill>
+        <p:spPr bwMode="auto">
+          <a:xfrm>
+            <a:off x="2057401" y="3174155"/>
+            <a:ext cx="6531082" cy="6778407"/>
+          </a:xfrm>
+          <a:prstGeom prst="rect">
+            <a:avLst/>
+          </a:prstGeom>
+          <a:ln w="38100" cap="sq">
+            <a:solidFill>
+              <a:srgbClr val="000000"/>
+            </a:solidFill>
+            <a:prstDash val="solid"/>
+            <a:miter lim="800000"/>
+          </a:ln>
+          <a:effectLst>
+            <a:outerShdw blurRad="50800" dist="38100" dir="2700000" algn="tl" rotWithShape="0">
+              <a:srgbClr val="000000">
+                <a:alpha val="43000"/>
+              </a:srgbClr>
+            </a:outerShdw>
+          </a:effectLst>
+          <a:extLst>
+            <a:ext uri="{909E8E84-426E-40DD-AFC4-6F175D3DCCD1}">
+              <a14:hiddenFill xmlns:a14="http://schemas.microsoft.com/office/drawing/2010/main">
+                <a:solidFill>
+                  <a:schemeClr val="accent1"/>
+                </a:solidFill>
+              </a14:hiddenFill>
+            </a:ext>
+            <a:ext uri="{91240B29-F687-4F45-9708-019B960494DF}">
+              <a14:hiddenLine xmlns:a14="http://schemas.microsoft.com/office/drawing/2010/main" w="9525">
+                <a:solidFill>
+                  <a:schemeClr val="tx1"/>
+                </a:solidFill>
+                <a:miter lim="800000"/>
+                <a:headEnd/>
+                <a:tailEnd/>
+              </a14:hiddenLine>
+            </a:ext>
+          </a:extLst>
+        </p:spPr>
+      </p:pic>
+    </p:spTree>
+    <p:extLst>
+      <p:ext uri="{BB962C8B-B14F-4D97-AF65-F5344CB8AC3E}">
+        <p14:creationId xmlns:p14="http://schemas.microsoft.com/office/powerpoint/2010/main" val="460425581"/>
+      </p:ext>
+    </p:extLst>
+  </p:cSld>
+  <p:clrMapOvr>
+    <a:masterClrMapping/>
+  </p:clrMapOvr>
+  <p:timing>
+    <p:tnLst>
+      <p:par>
+        <p:cTn id="1" dur="indefinite" restart="never" nodeType="tmRoot">
+          <p:childTnLst>
+            <p:seq concurrent="1" nextAc="seek">
+              <p:cTn id="2" dur="indefinite" nodeType="mainSeq">
+                <p:childTnLst>
+                  <p:par>
+                    <p:cTn id="3" fill="hold">
+                      <p:stCondLst>
+                        <p:cond delay="indefinite"/>
+                      </p:stCondLst>
+                      <p:childTnLst>
+                        <p:par>
+                          <p:cTn id="4" fill="hold">
+                            <p:stCondLst>
+                              <p:cond delay="0"/>
+                            </p:stCondLst>
+                            <p:childTnLst>
+                              <p:par>
+                                <p:cTn id="5" presetID="1" presetClass="entr" presetSubtype="0" fill="hold" grpId="0" nodeType="clickEffect">
+                                  <p:stCondLst>
+                                    <p:cond delay="0"/>
+                                  </p:stCondLst>
+                                  <p:childTnLst>
+                                    <p:set>
+                                      <p:cBhvr>
+                                        <p:cTn id="6" dur="1" fill="hold">
+                                          <p:stCondLst>
+                                            <p:cond delay="0"/>
+                                          </p:stCondLst>
+                                        </p:cTn>
+                                        <p:tgtEl>
+                                          <p:spTgt spid="12"/>
+                                        </p:tgtEl>
+                                        <p:attrNameLst>
+                                          <p:attrName>style.visibility</p:attrName>
+                                        </p:attrNameLst>
+                                      </p:cBhvr>
+                                      <p:to>
+                                        <p:strVal val="visible"/>
+                                      </p:to>
+                                    </p:set>
+                                  </p:childTnLst>
+                                </p:cTn>
+                              </p:par>
+                              <p:par>
+                                <p:cTn id="7" presetID="1" presetClass="entr" presetSubtype="0" fill="hold" nodeType="withEffect">
+                                  <p:stCondLst>
+                                    <p:cond delay="0"/>
+                                  </p:stCondLst>
+                                  <p:childTnLst>
+                                    <p:set>
+                                      <p:cBhvr>
+                                        <p:cTn id="8" dur="1" fill="hold">
+                                          <p:stCondLst>
+                                            <p:cond delay="0"/>
+                                          </p:stCondLst>
+                                        </p:cTn>
+                                        <p:tgtEl>
+                                          <p:spTgt spid="1028"/>
+                                        </p:tgtEl>
+                                        <p:attrNameLst>
+                                          <p:attrName>style.visibility</p:attrName>
+                                        </p:attrNameLst>
+                                      </p:cBhvr>
+                                      <p:to>
+                                        <p:strVal val="visible"/>
+                                      </p:to>
+                                    </p:set>
+                                  </p:childTnLst>
+                                </p:cTn>
+                              </p:par>
+                            </p:childTnLst>
+                          </p:cTn>
+                        </p:par>
+                      </p:childTnLst>
+                    </p:cTn>
+                  </p:par>
+                </p:childTnLst>
+              </p:cTn>
+              <p:prevCondLst>
+                <p:cond evt="onPrev" delay="0">
+                  <p:tgtEl>
+                    <p:sldTgt/>
+                  </p:tgtEl>
+                </p:cond>
+              </p:prevCondLst>
+              <p:nextCondLst>
+                <p:cond evt="onNext" delay="0">
+                  <p:tgtEl>
+                    <p:sldTgt/>
+                  </p:tgtEl>
+                </p:cond>
+              </p:nextCondLst>
+            </p:seq>
+          </p:childTnLst>
+        </p:cTn>
+      </p:par>
+    </p:tnLst>
+    <p:bldLst>
+      <p:bldP spid="12" grpId="0"/>
+    </p:bldLst>
+  </p:timing>
+</p:sld>
+</file>
+
+<file path=ppt/slides/slide8.xml><?xml version="1.0" encoding="utf-8"?>
+<p:sld xmlns:a="http://schemas.openxmlformats.org/drawingml/2006/main" xmlns:r="http://schemas.openxmlformats.org/officeDocument/2006/relationships" xmlns:p="http://schemas.openxmlformats.org/presentationml/2006/main">
+  <p:cSld>
+    <p:bg>
+      <p:bgPr>
+        <a:solidFill>
+          <a:srgbClr val="F2F4F5"/>
+        </a:solidFill>
+        <a:effectLst/>
+      </p:bgPr>
+    </p:bg>
+    <p:spTree>
+      <p:nvGrpSpPr>
+        <p:cNvPr id="1" name="">
+          <a:extLst>
+            <a:ext uri="{FF2B5EF4-FFF2-40B4-BE49-F238E27FC236}">
+              <a16:creationId xmlns="" xmlns:a16="http://schemas.microsoft.com/office/drawing/2014/main" id="{392E2991-4D31-C748-5D1C-875A164429D7}"/>
+            </a:ext>
+          </a:extLst>
+        </p:cNvPr>
+        <p:cNvGrpSpPr/>
+        <p:nvPr/>
+      </p:nvGrpSpPr>
+      <p:grpSpPr>
+        <a:xfrm>
+          <a:off x="0" y="0"/>
+          <a:ext cx="0" cy="0"/>
+          <a:chOff x="0" y="0"/>
+          <a:chExt cx="0" cy="0"/>
+        </a:xfrm>
+      </p:grpSpPr>
+      <p:sp>
+        <p:nvSpPr>
+          <p:cNvPr id="4" name="Freeform 2">
+            <a:extLst>
+              <a:ext uri="{FF2B5EF4-FFF2-40B4-BE49-F238E27FC236}">
+                <a16:creationId xmlns="" xmlns:a16="http://schemas.microsoft.com/office/drawing/2014/main" id="{34F8792F-D09D-357E-9B56-221F91C4B6C6}"/>
+              </a:ext>
+            </a:extLst>
+          </p:cNvPr>
+          <p:cNvSpPr/>
+          <p:nvPr/>
+        </p:nvSpPr>
+        <p:spPr>
+          <a:xfrm rot="887923">
+            <a:off x="13475833" y="-8787301"/>
+            <a:ext cx="13977230" cy="14342307"/>
+          </a:xfrm>
+          <a:custGeom>
+            <a:avLst/>
+            <a:gdLst/>
+            <a:ahLst/>
+            <a:cxnLst/>
+            <a:rect l="l" t="t" r="r" b="b"/>
+            <a:pathLst>
+              <a:path w="13977230" h="14342307">
+                <a:moveTo>
+                  <a:pt x="0" y="0"/>
+                </a:moveTo>
+                <a:lnTo>
+                  <a:pt x="13977230" y="0"/>
+                </a:lnTo>
+                <a:lnTo>
+                  <a:pt x="13977230" y="14342307"/>
+                </a:lnTo>
+                <a:lnTo>
+                  <a:pt x="0" y="14342307"/>
+                </a:lnTo>
+                <a:lnTo>
+                  <a:pt x="0" y="0"/>
+                </a:lnTo>
+                <a:close/>
+              </a:path>
+            </a:pathLst>
+          </a:custGeom>
+          <a:blipFill>
+            <a:blip r:embed="rId3">
+              <a:extLst>
+                <a:ext uri="{96DAC541-7B7A-43D3-8B79-37D633B846F1}">
+                  <asvg:svgBlip xmlns="" xmlns:asvg="http://schemas.microsoft.com/office/drawing/2016/SVG/main" r:embed="rId4"/>
+                </a:ext>
+              </a:extLst>
+            </a:blip>
+            <a:stretch>
+              <a:fillRect/>
+            </a:stretch>
+          </a:blipFill>
+        </p:spPr>
+        <p:txBody>
+          <a:bodyPr/>
+          <a:lstStyle/>
+          <a:p>
+            <a:endParaRPr lang="it-IT"/>
+          </a:p>
+        </p:txBody>
+      </p:sp>
+      <p:sp>
+        <p:nvSpPr>
+          <p:cNvPr id="5" name="Freeform 29">
+            <a:extLst>
+              <a:ext uri="{FF2B5EF4-FFF2-40B4-BE49-F238E27FC236}">
+                <a16:creationId xmlns="" xmlns:a16="http://schemas.microsoft.com/office/drawing/2014/main" id="{262C7309-7F0A-16C5-5F18-670375BC987B}"/>
+              </a:ext>
+            </a:extLst>
+          </p:cNvPr>
+          <p:cNvSpPr/>
+          <p:nvPr/>
+        </p:nvSpPr>
+        <p:spPr>
+          <a:xfrm rot="887923">
+            <a:off x="-6988615" y="5471487"/>
+            <a:ext cx="13977230" cy="14342307"/>
+          </a:xfrm>
+          <a:custGeom>
+            <a:avLst/>
+            <a:gdLst/>
+            <a:ahLst/>
+            <a:cxnLst/>
+            <a:rect l="l" t="t" r="r" b="b"/>
+            <a:pathLst>
+              <a:path w="13977230" h="14342307">
+                <a:moveTo>
+                  <a:pt x="0" y="0"/>
+                </a:moveTo>
+                <a:lnTo>
+                  <a:pt x="13977230" y="0"/>
+                </a:lnTo>
+                <a:lnTo>
+                  <a:pt x="13977230" y="14342307"/>
+                </a:lnTo>
+                <a:lnTo>
+                  <a:pt x="0" y="14342307"/>
+                </a:lnTo>
+                <a:lnTo>
+                  <a:pt x="0" y="0"/>
+                </a:lnTo>
+                <a:close/>
+              </a:path>
+            </a:pathLst>
+          </a:custGeom>
+          <a:blipFill>
+            <a:blip r:embed="rId3">
+              <a:extLst>
+                <a:ext uri="{96DAC541-7B7A-43D3-8B79-37D633B846F1}">
+                  <asvg:svgBlip xmlns="" xmlns:asvg="http://schemas.microsoft.com/office/drawing/2016/SVG/main" r:embed="rId4"/>
+                </a:ext>
+              </a:extLst>
+            </a:blip>
+            <a:stretch>
+              <a:fillRect/>
+            </a:stretch>
+          </a:blipFill>
+        </p:spPr>
+        <p:txBody>
+          <a:bodyPr/>
+          <a:lstStyle/>
+          <a:p>
+            <a:endParaRPr lang="it-IT" dirty="0"/>
+          </a:p>
+        </p:txBody>
+      </p:sp>
+      <p:sp>
+        <p:nvSpPr>
+          <p:cNvPr id="6" name="TextBox 12">
+            <a:extLst>
+              <a:ext uri="{FF2B5EF4-FFF2-40B4-BE49-F238E27FC236}">
+                <a16:creationId xmlns="" xmlns:a16="http://schemas.microsoft.com/office/drawing/2014/main" id="{0F24BF96-7FD9-5DD6-9931-176DB011A4CD}"/>
+              </a:ext>
+            </a:extLst>
+          </p:cNvPr>
+          <p:cNvSpPr txBox="1"/>
+          <p:nvPr/>
+        </p:nvSpPr>
+        <p:spPr>
+          <a:xfrm>
+            <a:off x="2405317" y="150669"/>
+            <a:ext cx="13617940" cy="1594138"/>
+          </a:xfrm>
+          <a:prstGeom prst="rect">
+            <a:avLst/>
+          </a:prstGeom>
+        </p:spPr>
+        <p:txBody>
+          <a:bodyPr lIns="0" tIns="0" rIns="0" bIns="0" rtlCol="0" anchor="t">
+            <a:spAutoFit/>
+          </a:bodyPr>
+          <a:lstStyle/>
+          <a:p>
+            <a:pPr marL="0" lvl="0" indent="0" algn="ctr">
+              <a:lnSpc>
+                <a:spcPts val="13015"/>
+              </a:lnSpc>
+              <a:spcBef>
+                <a:spcPct val="0"/>
+              </a:spcBef>
+            </a:pPr>
+            <a:r>
               <a:rPr lang="en-US" sz="9431" b="1" spc="924" dirty="0">
                 <a:solidFill>
                   <a:srgbClr val="231F20"/>
@@ -22055,7 +25980,7 @@
           <p:cNvPr id="7" name="CasellaDiTesto 6">
             <a:extLst>
               <a:ext uri="{FF2B5EF4-FFF2-40B4-BE49-F238E27FC236}">
-                <a16:creationId xmlns:a16="http://schemas.microsoft.com/office/drawing/2014/main" xmlns="" id="{F08B9066-B9F9-6657-371B-939779EF9E2D}"/>
+                <a16:creationId xmlns="" xmlns:a16="http://schemas.microsoft.com/office/drawing/2014/main" id="{F08B9066-B9F9-6657-371B-939779EF9E2D}"/>
               </a:ext>
             </a:extLst>
           </p:cNvPr>
@@ -22096,7 +26021,7 @@
           <p:cNvPr id="8" name="CasellaDiTesto 7">
             <a:extLst>
               <a:ext uri="{FF2B5EF4-FFF2-40B4-BE49-F238E27FC236}">
-                <a16:creationId xmlns:a16="http://schemas.microsoft.com/office/drawing/2014/main" xmlns="" id="{8D0D12B3-0872-B1A0-A03F-DEE0128E1FCE}"/>
+                <a16:creationId xmlns="" xmlns:a16="http://schemas.microsoft.com/office/drawing/2014/main" id="{8D0D12B3-0872-B1A0-A03F-DEE0128E1FCE}"/>
               </a:ext>
             </a:extLst>
           </p:cNvPr>
@@ -22310,7 +26235,7 @@
           <p:cNvPr id="9" name="Connettore diritto 8">
             <a:extLst>
               <a:ext uri="{FF2B5EF4-FFF2-40B4-BE49-F238E27FC236}">
-                <a16:creationId xmlns:a16="http://schemas.microsoft.com/office/drawing/2014/main" xmlns="" id="{290A2095-D408-0070-8208-2ECEB8D40867}"/>
+                <a16:creationId xmlns="" xmlns:a16="http://schemas.microsoft.com/office/drawing/2014/main" id="{290A2095-D408-0070-8208-2ECEB8D40867}"/>
               </a:ext>
             </a:extLst>
           </p:cNvPr>
@@ -22348,7 +26273,7 @@
           <p:cNvPr id="16" name="CasellaDiTesto 15">
             <a:extLst>
               <a:ext uri="{FF2B5EF4-FFF2-40B4-BE49-F238E27FC236}">
-                <a16:creationId xmlns:a16="http://schemas.microsoft.com/office/drawing/2014/main" xmlns="" id="{5D70B73F-CEEA-99C6-B35B-3225F88F303B}"/>
+                <a16:creationId xmlns="" xmlns:a16="http://schemas.microsoft.com/office/drawing/2014/main" id="{5D70B73F-CEEA-99C6-B35B-3225F88F303B}"/>
               </a:ext>
             </a:extLst>
           </p:cNvPr>
@@ -22387,7 +26312,7 @@
           <p:cNvPr id="21" name="Immagine 20" descr="Immagine che contiene Carattere, Elementi grafici, schermata, logo&#10;&#10;Descrizione generata automaticamente">
             <a:extLst>
               <a:ext uri="{FF2B5EF4-FFF2-40B4-BE49-F238E27FC236}">
-                <a16:creationId xmlns:a16="http://schemas.microsoft.com/office/drawing/2014/main" xmlns="" id="{2009849F-08C6-542F-CC54-6C7FF83853BA}"/>
+                <a16:creationId xmlns="" xmlns:a16="http://schemas.microsoft.com/office/drawing/2014/main" id="{2009849F-08C6-542F-CC54-6C7FF83853BA}"/>
               </a:ext>
             </a:extLst>
           </p:cNvPr>
@@ -22887,13 +26812,13 @@
 </p:sld>
 </file>
 
-<file path=ppt/slides/slide8.xml><?xml version="1.0" encoding="utf-8"?>
+<file path=ppt/slides/slide9.xml><?xml version="1.0" encoding="utf-8"?>
 <p:sld xmlns:a="http://schemas.openxmlformats.org/drawingml/2006/main" xmlns:r="http://schemas.openxmlformats.org/officeDocument/2006/relationships" xmlns:p="http://schemas.openxmlformats.org/presentationml/2006/main">
   <p:cSld>
     <p:bg>
       <p:bgPr>
         <a:solidFill>
-          <a:srgbClr val="1A1A1A"/>
+          <a:srgbClr val="F2F4F5"/>
         </a:solidFill>
         <a:effectLst/>
       </p:bgPr>
@@ -22903,7 +26828,7 @@
         <p:cNvPr id="1" name="">
           <a:extLst>
             <a:ext uri="{FF2B5EF4-FFF2-40B4-BE49-F238E27FC236}">
-              <a16:creationId xmlns:a16="http://schemas.microsoft.com/office/drawing/2014/main" xmlns="" id="{70895148-0FAE-1ED1-6335-A9C56D4A01BB}"/>
+              <a16:creationId xmlns="" xmlns:a16="http://schemas.microsoft.com/office/drawing/2014/main" id="{392E2991-4D31-C748-5D1C-875A164429D7}"/>
             </a:ext>
           </a:extLst>
         </p:cNvPr>
@@ -22920,278 +26845,10 @@
       </p:grpSpPr>
       <p:sp>
         <p:nvSpPr>
-          <p:cNvPr id="2" name="Freeform 2">
+          <p:cNvPr id="4" name="Freeform 2">
             <a:extLst>
               <a:ext uri="{FF2B5EF4-FFF2-40B4-BE49-F238E27FC236}">
-                <a16:creationId xmlns:a16="http://schemas.microsoft.com/office/drawing/2014/main" xmlns="" id="{6B18B3F0-9EDF-B07B-C80C-ED8DCCC4D037}"/>
-              </a:ext>
-            </a:extLst>
-          </p:cNvPr>
-          <p:cNvSpPr/>
-          <p:nvPr/>
-        </p:nvSpPr>
-        <p:spPr>
-          <a:xfrm>
-            <a:off x="-8153400" y="-10248900"/>
-            <a:ext cx="15841853" cy="16255633"/>
-          </a:xfrm>
-          <a:custGeom>
-            <a:avLst/>
-            <a:gdLst/>
-            <a:ahLst/>
-            <a:cxnLst/>
-            <a:rect l="l" t="t" r="r" b="b"/>
-            <a:pathLst>
-              <a:path w="15841853" h="16255633">
-                <a:moveTo>
-                  <a:pt x="0" y="0"/>
-                </a:moveTo>
-                <a:lnTo>
-                  <a:pt x="15841853" y="0"/>
-                </a:lnTo>
-                <a:lnTo>
-                  <a:pt x="15841853" y="16255632"/>
-                </a:lnTo>
-                <a:lnTo>
-                  <a:pt x="0" y="16255632"/>
-                </a:lnTo>
-                <a:lnTo>
-                  <a:pt x="0" y="0"/>
-                </a:lnTo>
-                <a:close/>
-              </a:path>
-            </a:pathLst>
-          </a:custGeom>
-          <a:blipFill>
-            <a:blip r:embed="rId2">
-              <a:extLst>
-                <a:ext uri="{96DAC541-7B7A-43D3-8B79-37D633B846F1}">
-                  <asvg:svgBlip xmlns:asvg="http://schemas.microsoft.com/office/drawing/2016/SVG/main" xmlns="" r:embed="rId3"/>
-                </a:ext>
-              </a:extLst>
-            </a:blip>
-            <a:stretch>
-              <a:fillRect/>
-            </a:stretch>
-          </a:blipFill>
-        </p:spPr>
-        <p:txBody>
-          <a:bodyPr/>
-          <a:lstStyle/>
-          <a:p>
-            <a:endParaRPr lang="it-IT"/>
-          </a:p>
-        </p:txBody>
-      </p:sp>
-      <p:sp>
-        <p:nvSpPr>
-          <p:cNvPr id="3" name="Freeform 3">
-            <a:extLst>
-              <a:ext uri="{FF2B5EF4-FFF2-40B4-BE49-F238E27FC236}">
-                <a16:creationId xmlns:a16="http://schemas.microsoft.com/office/drawing/2014/main" xmlns="" id="{7414D62A-C911-52C2-A72D-E650FF3955EA}"/>
-              </a:ext>
-            </a:extLst>
-          </p:cNvPr>
-          <p:cNvSpPr/>
-          <p:nvPr/>
-        </p:nvSpPr>
-        <p:spPr>
-          <a:xfrm>
-            <a:off x="13447294" y="-3843198"/>
-            <a:ext cx="15841853" cy="16255633"/>
-          </a:xfrm>
-          <a:custGeom>
-            <a:avLst/>
-            <a:gdLst/>
-            <a:ahLst/>
-            <a:cxnLst/>
-            <a:rect l="l" t="t" r="r" b="b"/>
-            <a:pathLst>
-              <a:path w="15841853" h="16255633">
-                <a:moveTo>
-                  <a:pt x="0" y="0"/>
-                </a:moveTo>
-                <a:lnTo>
-                  <a:pt x="15841853" y="0"/>
-                </a:lnTo>
-                <a:lnTo>
-                  <a:pt x="15841853" y="16255632"/>
-                </a:lnTo>
-                <a:lnTo>
-                  <a:pt x="0" y="16255632"/>
-                </a:lnTo>
-                <a:lnTo>
-                  <a:pt x="0" y="0"/>
-                </a:lnTo>
-                <a:close/>
-              </a:path>
-            </a:pathLst>
-          </a:custGeom>
-          <a:blipFill>
-            <a:blip r:embed="rId2">
-              <a:extLst>
-                <a:ext uri="{96DAC541-7B7A-43D3-8B79-37D633B846F1}">
-                  <asvg:svgBlip xmlns:asvg="http://schemas.microsoft.com/office/drawing/2016/SVG/main" xmlns="" r:embed="rId3"/>
-                </a:ext>
-              </a:extLst>
-            </a:blip>
-            <a:stretch>
-              <a:fillRect/>
-            </a:stretch>
-          </a:blipFill>
-        </p:spPr>
-        <p:txBody>
-          <a:bodyPr/>
-          <a:lstStyle/>
-          <a:p>
-            <a:endParaRPr lang="it-IT"/>
-          </a:p>
-        </p:txBody>
-      </p:sp>
-      <p:sp>
-        <p:nvSpPr>
-          <p:cNvPr id="4" name="TextBox 4">
-            <a:extLst>
-              <a:ext uri="{FF2B5EF4-FFF2-40B4-BE49-F238E27FC236}">
-                <a16:creationId xmlns:a16="http://schemas.microsoft.com/office/drawing/2014/main" xmlns="" id="{406D5E85-7BF0-2865-7008-D1F41E34D86A}"/>
-              </a:ext>
-            </a:extLst>
-          </p:cNvPr>
-          <p:cNvSpPr txBox="1"/>
-          <p:nvPr/>
-        </p:nvSpPr>
-        <p:spPr>
-          <a:xfrm>
-            <a:off x="4673181" y="4565585"/>
-            <a:ext cx="8941638" cy="1155829"/>
-          </a:xfrm>
-          <a:prstGeom prst="rect">
-            <a:avLst/>
-          </a:prstGeom>
-        </p:spPr>
-        <p:txBody>
-          <a:bodyPr wrap="square" lIns="0" tIns="0" rIns="0" bIns="0" rtlCol="0" anchor="t">
-            <a:spAutoFit/>
-          </a:bodyPr>
-          <a:lstStyle/>
-          <a:p>
-            <a:pPr algn="ctr">
-              <a:lnSpc>
-                <a:spcPts val="9809"/>
-              </a:lnSpc>
-            </a:pPr>
-            <a:r>
-              <a:rPr lang="en-US" sz="7108" b="1" spc="696" dirty="0">
-                <a:solidFill>
-                  <a:srgbClr val="FFFFFF"/>
-                </a:solidFill>
-                <a:latin typeface="Oswald Bold"/>
-                <a:ea typeface="Oswald Bold"/>
-                <a:cs typeface="Oswald Bold"/>
-                <a:sym typeface="Oswald Bold"/>
-              </a:rPr>
-              <a:t>STRUCTURE</a:t>
-            </a:r>
-          </a:p>
-        </p:txBody>
-      </p:sp>
-      <p:sp>
-        <p:nvSpPr>
-          <p:cNvPr id="5" name="TextBox 5">
-            <a:extLst>
-              <a:ext uri="{FF2B5EF4-FFF2-40B4-BE49-F238E27FC236}">
-                <a16:creationId xmlns:a16="http://schemas.microsoft.com/office/drawing/2014/main" xmlns="" id="{0BCE687B-2894-BC19-128C-FCBA29668FD8}"/>
-              </a:ext>
-            </a:extLst>
-          </p:cNvPr>
-          <p:cNvSpPr txBox="1"/>
-          <p:nvPr/>
-        </p:nvSpPr>
-        <p:spPr>
-          <a:xfrm>
-            <a:off x="5510596" y="4090470"/>
-            <a:ext cx="7266807" cy="379591"/>
-          </a:xfrm>
-          <a:prstGeom prst="rect">
-            <a:avLst/>
-          </a:prstGeom>
-        </p:spPr>
-        <p:txBody>
-          <a:bodyPr lIns="0" tIns="0" rIns="0" bIns="0" rtlCol="0" anchor="t">
-            <a:spAutoFit/>
-          </a:bodyPr>
-          <a:lstStyle/>
-          <a:p>
-            <a:pPr algn="ctr">
-              <a:lnSpc>
-                <a:spcPts val="3067"/>
-              </a:lnSpc>
-            </a:pPr>
-            <a:r>
-              <a:rPr lang="en-US" sz="2223" spc="217" dirty="0">
-                <a:solidFill>
-                  <a:srgbClr val="F5FFF5"/>
-                </a:solidFill>
-                <a:latin typeface="DM Sans"/>
-                <a:ea typeface="DM Sans"/>
-                <a:cs typeface="DM Sans"/>
-                <a:sym typeface="DM Sans"/>
-              </a:rPr>
-              <a:t>How is the project structured?</a:t>
-            </a:r>
-          </a:p>
-        </p:txBody>
-      </p:sp>
-    </p:spTree>
-    <p:extLst>
-      <p:ext uri="{BB962C8B-B14F-4D97-AF65-F5344CB8AC3E}">
-        <p14:creationId xmlns:p14="http://schemas.microsoft.com/office/powerpoint/2010/main" val="3549162869"/>
-      </p:ext>
-    </p:extLst>
-  </p:cSld>
-  <p:clrMapOvr>
-    <a:masterClrMapping/>
-  </p:clrMapOvr>
-</p:sld>
-</file>
-
-<file path=ppt/slides/slide9.xml><?xml version="1.0" encoding="utf-8"?>
-<p:sld xmlns:a="http://schemas.openxmlformats.org/drawingml/2006/main" xmlns:r="http://schemas.openxmlformats.org/officeDocument/2006/relationships" xmlns:p="http://schemas.openxmlformats.org/presentationml/2006/main">
-  <p:cSld>
-    <p:bg>
-      <p:bgPr>
-        <a:solidFill>
-          <a:srgbClr val="F2F4F5"/>
-        </a:solidFill>
-        <a:effectLst/>
-      </p:bgPr>
-    </p:bg>
-    <p:spTree>
-      <p:nvGrpSpPr>
-        <p:cNvPr id="1" name="">
-          <a:extLst>
-            <a:ext uri="{FF2B5EF4-FFF2-40B4-BE49-F238E27FC236}">
-              <a16:creationId xmlns:a16="http://schemas.microsoft.com/office/drawing/2014/main" xmlns="" id="{9736A90B-3719-5DDD-F942-58D52CD78C6F}"/>
-            </a:ext>
-          </a:extLst>
-        </p:cNvPr>
-        <p:cNvGrpSpPr/>
-        <p:nvPr/>
-      </p:nvGrpSpPr>
-      <p:grpSpPr>
-        <a:xfrm>
-          <a:off x="0" y="0"/>
-          <a:ext cx="0" cy="0"/>
-          <a:chOff x="0" y="0"/>
-          <a:chExt cx="0" cy="0"/>
-        </a:xfrm>
-      </p:grpSpPr>
-      <p:sp>
-        <p:nvSpPr>
-          <p:cNvPr id="2" name="Freeform 2">
-            <a:extLst>
-              <a:ext uri="{FF2B5EF4-FFF2-40B4-BE49-F238E27FC236}">
-                <a16:creationId xmlns:a16="http://schemas.microsoft.com/office/drawing/2014/main" xmlns="" id="{431CC735-8131-9830-BD35-F449F5C853E0}"/>
+                <a16:creationId xmlns="" xmlns:a16="http://schemas.microsoft.com/office/drawing/2014/main" id="{34F8792F-D09D-357E-9B56-221F91C4B6C6}"/>
               </a:ext>
             </a:extLst>
           </p:cNvPr>
@@ -23234,7 +26891,7 @@
             <a:blip r:embed="rId3">
               <a:extLst>
                 <a:ext uri="{96DAC541-7B7A-43D3-8B79-37D633B846F1}">
-                  <asvg:svgBlip xmlns:asvg="http://schemas.microsoft.com/office/drawing/2016/SVG/main" xmlns="" r:embed="rId4"/>
+                  <asvg:svgBlip xmlns="" xmlns:asvg="http://schemas.microsoft.com/office/drawing/2016/SVG/main" r:embed="rId4"/>
                 </a:ext>
               </a:extLst>
             </a:blip>
@@ -23253,10 +26910,75 @@
       </p:sp>
       <p:sp>
         <p:nvSpPr>
-          <p:cNvPr id="3" name="TextBox 12">
+          <p:cNvPr id="5" name="Freeform 29">
             <a:extLst>
               <a:ext uri="{FF2B5EF4-FFF2-40B4-BE49-F238E27FC236}">
-                <a16:creationId xmlns:a16="http://schemas.microsoft.com/office/drawing/2014/main" xmlns="" id="{7C543FC1-7839-64EA-2C4C-F60DDDDAE90E}"/>
+                <a16:creationId xmlns="" xmlns:a16="http://schemas.microsoft.com/office/drawing/2014/main" id="{262C7309-7F0A-16C5-5F18-670375BC987B}"/>
+              </a:ext>
+            </a:extLst>
+          </p:cNvPr>
+          <p:cNvSpPr/>
+          <p:nvPr/>
+        </p:nvSpPr>
+        <p:spPr>
+          <a:xfrm rot="887923">
+            <a:off x="-6988615" y="5471487"/>
+            <a:ext cx="13977230" cy="14342307"/>
+          </a:xfrm>
+          <a:custGeom>
+            <a:avLst/>
+            <a:gdLst/>
+            <a:ahLst/>
+            <a:cxnLst/>
+            <a:rect l="l" t="t" r="r" b="b"/>
+            <a:pathLst>
+              <a:path w="13977230" h="14342307">
+                <a:moveTo>
+                  <a:pt x="0" y="0"/>
+                </a:moveTo>
+                <a:lnTo>
+                  <a:pt x="13977230" y="0"/>
+                </a:lnTo>
+                <a:lnTo>
+                  <a:pt x="13977230" y="14342307"/>
+                </a:lnTo>
+                <a:lnTo>
+                  <a:pt x="0" y="14342307"/>
+                </a:lnTo>
+                <a:lnTo>
+                  <a:pt x="0" y="0"/>
+                </a:lnTo>
+                <a:close/>
+              </a:path>
+            </a:pathLst>
+          </a:custGeom>
+          <a:blipFill>
+            <a:blip r:embed="rId3">
+              <a:extLst>
+                <a:ext uri="{96DAC541-7B7A-43D3-8B79-37D633B846F1}">
+                  <asvg:svgBlip xmlns="" xmlns:asvg="http://schemas.microsoft.com/office/drawing/2016/SVG/main" r:embed="rId4"/>
+                </a:ext>
+              </a:extLst>
+            </a:blip>
+            <a:stretch>
+              <a:fillRect/>
+            </a:stretch>
+          </a:blipFill>
+        </p:spPr>
+        <p:txBody>
+          <a:bodyPr/>
+          <a:lstStyle/>
+          <a:p>
+            <a:endParaRPr lang="it-IT" dirty="0"/>
+          </a:p>
+        </p:txBody>
+      </p:sp>
+      <p:sp>
+        <p:nvSpPr>
+          <p:cNvPr id="6" name="TextBox 12">
+            <a:extLst>
+              <a:ext uri="{FF2B5EF4-FFF2-40B4-BE49-F238E27FC236}">
+                <a16:creationId xmlns="" xmlns:a16="http://schemas.microsoft.com/office/drawing/2014/main" id="{0F24BF96-7FD9-5DD6-9931-176DB011A4CD}"/>
               </a:ext>
             </a:extLst>
           </p:cNvPr>
@@ -23287,7 +27009,7 @@
               </a:spcBef>
             </a:pPr>
             <a:r>
-              <a:rPr lang="en-US" sz="9431" b="1" spc="924" dirty="0">
+              <a:rPr lang="en-US" sz="9431" b="1" spc="924" dirty="0" err="1" smtClean="0">
                 <a:solidFill>
                   <a:srgbClr val="231F20"/>
                 </a:solidFill>
@@ -23296,17 +27018,26 @@
                 <a:cs typeface="Oswald Bold"/>
                 <a:sym typeface="Oswald Bold"/>
               </a:rPr>
-              <a:t>NODES</a:t>
-            </a:r>
+              <a:t>CarROS</a:t>
+            </a:r>
+            <a:endParaRPr lang="en-US" sz="9431" b="1" spc="924" dirty="0">
+              <a:solidFill>
+                <a:srgbClr val="231F20"/>
+              </a:solidFill>
+              <a:latin typeface="Oswald Bold"/>
+              <a:ea typeface="Oswald Bold"/>
+              <a:cs typeface="Oswald Bold"/>
+              <a:sym typeface="Oswald Bold"/>
+            </a:endParaRPr>
           </a:p>
         </p:txBody>
       </p:sp>
       <p:cxnSp>
         <p:nvCxnSpPr>
-          <p:cNvPr id="4" name="Connettore diritto 3">
+          <p:cNvPr id="9" name="Connettore diritto 8">
             <a:extLst>
               <a:ext uri="{FF2B5EF4-FFF2-40B4-BE49-F238E27FC236}">
-                <a16:creationId xmlns:a16="http://schemas.microsoft.com/office/drawing/2014/main" xmlns="" id="{7070E5F7-CB90-2C07-03AD-BC017C167A89}"/>
+                <a16:creationId xmlns="" xmlns:a16="http://schemas.microsoft.com/office/drawing/2014/main" id="{290A2095-D408-0070-8208-2ECEB8D40867}"/>
               </a:ext>
             </a:extLst>
           </p:cNvPr>
@@ -23341,10 +27072,10 @@
       </p:cxnSp>
       <p:sp>
         <p:nvSpPr>
-          <p:cNvPr id="5" name="CasellaDiTesto 4">
+          <p:cNvPr id="10" name="CasellaDiTesto 9">
             <a:extLst>
               <a:ext uri="{FF2B5EF4-FFF2-40B4-BE49-F238E27FC236}">
-                <a16:creationId xmlns:a16="http://schemas.microsoft.com/office/drawing/2014/main" xmlns="" id="{3C51120D-3D40-5CCC-7363-B12D3856D9E6}"/>
+                <a16:creationId xmlns="" xmlns:a16="http://schemas.microsoft.com/office/drawing/2014/main" id="{F08B9066-B9F9-6657-371B-939779EF9E2D}"/>
               </a:ext>
             </a:extLst>
           </p:cNvPr>
@@ -23354,7 +27085,7 @@
         <p:spPr>
           <a:xfrm>
             <a:off x="1820950" y="1941988"/>
-            <a:ext cx="15087600" cy="830997"/>
+            <a:ext cx="15087600" cy="1200329"/>
           </a:xfrm>
           <a:prstGeom prst="rect">
             <a:avLst/>
@@ -23370,211 +27101,91 @@
             <a:pPr algn="ctr"/>
             <a:r>
               <a:rPr lang="en-US" sz="2400" b="1" i="1" dirty="0" smtClean="0"/>
-              <a:t>Nodes </a:t>
+              <a:t>This </a:t>
             </a:r>
             <a:r>
               <a:rPr lang="en-US" sz="2400" b="1" i="1" dirty="0"/>
-              <a:t>are executable programs that communicate with each other to perform specific tasks in a distributed system. They can publish/subscribe to topics, provide/consume services, and interact with the ROS parameter server.</a:t>
-            </a:r>
-            <a:endParaRPr lang="it-IT" sz="2400" b="1" i="1" dirty="0"/>
+              <a:t>simulation is often used to test and evaluate how a robot perceives its environment and interacts with obstacles using its Lidar sensor in a controlled environment.</a:t>
+            </a:r>
+          </a:p>
+          <a:p>
+            <a:pPr algn="ctr"/>
+            <a:r>
+              <a:rPr lang="en-US" sz="2400" b="1" i="1" dirty="0" smtClean="0"/>
+              <a:t> </a:t>
+            </a:r>
+            <a:endParaRPr lang="en-US" sz="2400" b="1" i="1" dirty="0"/>
           </a:p>
         </p:txBody>
       </p:sp>
-      <p:cxnSp>
-        <p:nvCxnSpPr>
-          <p:cNvPr id="7" name="Connettore diritto 6">
+      <p:pic>
+        <p:nvPicPr>
+          <p:cNvPr id="1027" name="Picture 3" descr="C:\Users\Ciro\Pictures\Cattura.PNG"/>
+          <p:cNvPicPr>
+            <a:picLocks noChangeAspect="1" noChangeArrowheads="1"/>
+          </p:cNvPicPr>
+          <p:nvPr/>
+        </p:nvPicPr>
+        <p:blipFill>
+          <a:blip r:embed="rId5">
             <a:extLst>
-              <a:ext uri="{FF2B5EF4-FFF2-40B4-BE49-F238E27FC236}">
-                <a16:creationId xmlns:a16="http://schemas.microsoft.com/office/drawing/2014/main" xmlns="" id="{9EB87AE7-B0F8-33A2-EB25-4E82DD0C7D18}"/>
+              <a:ext uri="{28A0092B-C50C-407E-A947-70E740481C1C}">
+                <a14:useLocalDpi xmlns:a14="http://schemas.microsoft.com/office/drawing/2010/main" val="0"/>
               </a:ext>
             </a:extLst>
-          </p:cNvPr>
-          <p:cNvCxnSpPr>
-            <a:cxnSpLocks/>
-          </p:cNvCxnSpPr>
-          <p:nvPr/>
-        </p:nvCxnSpPr>
-        <p:spPr>
+          </a:blip>
+          <a:srcRect/>
+          <a:stretch>
+            <a:fillRect/>
+          </a:stretch>
+        </p:blipFill>
+        <p:spPr bwMode="auto">
           <a:xfrm>
-            <a:off x="8986600" y="3238500"/>
-            <a:ext cx="0" cy="3317950"/>
+            <a:off x="4724400" y="6438900"/>
+            <a:ext cx="8221750" cy="3609975"/>
           </a:xfrm>
-          <a:prstGeom prst="line">
+          <a:prstGeom prst="rect">
             <a:avLst/>
           </a:prstGeom>
+          <a:ln w="38100" cap="sq">
+            <a:solidFill>
+              <a:srgbClr val="000000"/>
+            </a:solidFill>
+            <a:prstDash val="solid"/>
+            <a:miter lim="800000"/>
+          </a:ln>
+          <a:effectLst>
+            <a:outerShdw blurRad="50800" dist="38100" dir="2700000" algn="tl" rotWithShape="0">
+              <a:srgbClr val="000000">
+                <a:alpha val="43000"/>
+              </a:srgbClr>
+            </a:outerShdw>
+          </a:effectLst>
+          <a:extLst>
+            <a:ext uri="{909E8E84-426E-40DD-AFC4-6F175D3DCCD1}">
+              <a14:hiddenFill xmlns:a14="http://schemas.microsoft.com/office/drawing/2010/main">
+                <a:solidFill>
+                  <a:srgbClr val="FFFFFF"/>
+                </a:solidFill>
+              </a14:hiddenFill>
+            </a:ext>
+          </a:extLst>
         </p:spPr>
-        <p:style>
-          <a:lnRef idx="1">
-            <a:schemeClr val="dk1"/>
-          </a:lnRef>
-          <a:fillRef idx="0">
-            <a:schemeClr val="dk1"/>
-          </a:fillRef>
-          <a:effectRef idx="0">
-            <a:schemeClr val="dk1"/>
-          </a:effectRef>
-          <a:fontRef idx="minor">
-            <a:schemeClr val="tx1"/>
-          </a:fontRef>
-        </p:style>
-      </p:cxnSp>
+      </p:pic>
       <p:sp>
         <p:nvSpPr>
-          <p:cNvPr id="8" name="CasellaDiTesto 7">
-            <a:extLst>
-              <a:ext uri="{FF2B5EF4-FFF2-40B4-BE49-F238E27FC236}">
-                <a16:creationId xmlns:a16="http://schemas.microsoft.com/office/drawing/2014/main" xmlns="" id="{7890ED40-D9A8-C0FF-E71D-EE5AFABADC6A}"/>
-              </a:ext>
-            </a:extLst>
-          </p:cNvPr>
-          <p:cNvSpPr txBox="1"/>
+          <p:cNvPr id="8" name="Rettangolo 7"/>
+          <p:cNvSpPr/>
           <p:nvPr/>
         </p:nvSpPr>
         <p:spPr>
           <a:xfrm>
-            <a:off x="4419600" y="3386191"/>
-            <a:ext cx="1327608" cy="523220"/>
+            <a:off x="9364750" y="3227844"/>
+            <a:ext cx="7246850" cy="3046988"/>
           </a:xfrm>
           <a:prstGeom prst="rect">
             <a:avLst/>
           </a:prstGeom>
-          <a:noFill/>
-        </p:spPr>
-        <p:txBody>
-          <a:bodyPr wrap="none" rtlCol="0">
-            <a:spAutoFit/>
-          </a:bodyPr>
-          <a:lstStyle/>
-          <a:p>
-            <a:r>
-              <a:rPr lang="it-IT" sz="2800" b="1" dirty="0"/>
-              <a:t>Manual</a:t>
-            </a:r>
-          </a:p>
-        </p:txBody>
-      </p:sp>
-      <p:sp>
-        <p:nvSpPr>
-          <p:cNvPr id="9" name="CasellaDiTesto 8">
-            <a:extLst>
-              <a:ext uri="{FF2B5EF4-FFF2-40B4-BE49-F238E27FC236}">
-                <a16:creationId xmlns:a16="http://schemas.microsoft.com/office/drawing/2014/main" xmlns="" id="{2456E5D9-6BCE-59B4-7C33-0A40A7241D52}"/>
-              </a:ext>
-            </a:extLst>
-          </p:cNvPr>
-          <p:cNvSpPr txBox="1"/>
-          <p:nvPr/>
-        </p:nvSpPr>
-        <p:spPr>
-          <a:xfrm>
-            <a:off x="11948002" y="3386191"/>
-            <a:ext cx="1920398" cy="523220"/>
-          </a:xfrm>
-          <a:prstGeom prst="rect">
-            <a:avLst/>
-          </a:prstGeom>
-          <a:noFill/>
-        </p:spPr>
-        <p:txBody>
-          <a:bodyPr wrap="none" rtlCol="0">
-            <a:spAutoFit/>
-          </a:bodyPr>
-          <a:lstStyle/>
-          <a:p>
-            <a:r>
-              <a:rPr lang="it-IT" sz="2800" b="1" dirty="0" err="1"/>
-              <a:t>Autonomus</a:t>
-            </a:r>
-            <a:endParaRPr lang="it-IT" sz="2800" b="1" dirty="0"/>
-          </a:p>
-        </p:txBody>
-      </p:sp>
-      <p:sp>
-        <p:nvSpPr>
-          <p:cNvPr id="10" name="Freeform 29">
-            <a:extLst>
-              <a:ext uri="{FF2B5EF4-FFF2-40B4-BE49-F238E27FC236}">
-                <a16:creationId xmlns:a16="http://schemas.microsoft.com/office/drawing/2014/main" xmlns="" id="{B0640536-8278-EF0D-78C7-CD5FED30BB38}"/>
-              </a:ext>
-            </a:extLst>
-          </p:cNvPr>
-          <p:cNvSpPr/>
-          <p:nvPr/>
-        </p:nvSpPr>
-        <p:spPr>
-          <a:xfrm rot="887923">
-            <a:off x="-7010733" y="5776288"/>
-            <a:ext cx="13977230" cy="14342307"/>
-          </a:xfrm>
-          <a:custGeom>
-            <a:avLst/>
-            <a:gdLst/>
-            <a:ahLst/>
-            <a:cxnLst/>
-            <a:rect l="l" t="t" r="r" b="b"/>
-            <a:pathLst>
-              <a:path w="13977230" h="14342307">
-                <a:moveTo>
-                  <a:pt x="0" y="0"/>
-                </a:moveTo>
-                <a:lnTo>
-                  <a:pt x="13977230" y="0"/>
-                </a:lnTo>
-                <a:lnTo>
-                  <a:pt x="13977230" y="14342307"/>
-                </a:lnTo>
-                <a:lnTo>
-                  <a:pt x="0" y="14342307"/>
-                </a:lnTo>
-                <a:lnTo>
-                  <a:pt x="0" y="0"/>
-                </a:lnTo>
-                <a:close/>
-              </a:path>
-            </a:pathLst>
-          </a:custGeom>
-          <a:blipFill>
-            <a:blip r:embed="rId3">
-              <a:extLst>
-                <a:ext uri="{96DAC541-7B7A-43D3-8B79-37D633B846F1}">
-                  <asvg:svgBlip xmlns:asvg="http://schemas.microsoft.com/office/drawing/2016/SVG/main" xmlns="" r:embed="rId4"/>
-                </a:ext>
-              </a:extLst>
-            </a:blip>
-            <a:stretch>
-              <a:fillRect/>
-            </a:stretch>
-          </a:blipFill>
-        </p:spPr>
-        <p:txBody>
-          <a:bodyPr/>
-          <a:lstStyle/>
-          <a:p>
-            <a:endParaRPr lang="it-IT"/>
-          </a:p>
-        </p:txBody>
-      </p:sp>
-      <p:sp>
-        <p:nvSpPr>
-          <p:cNvPr id="15" name="CasellaDiTesto 14">
-            <a:extLst>
-              <a:ext uri="{FF2B5EF4-FFF2-40B4-BE49-F238E27FC236}">
-                <a16:creationId xmlns:a16="http://schemas.microsoft.com/office/drawing/2014/main" xmlns="" id="{C11CE04E-B11A-C17B-B985-2AA8B6DDC110}"/>
-              </a:ext>
-            </a:extLst>
-          </p:cNvPr>
-          <p:cNvSpPr txBox="1"/>
-          <p:nvPr/>
-        </p:nvSpPr>
-        <p:spPr>
-          <a:xfrm>
-            <a:off x="1795966" y="4001905"/>
-            <a:ext cx="7119431" cy="2554545"/>
-          </a:xfrm>
-          <a:prstGeom prst="rect">
-            <a:avLst/>
-          </a:prstGeom>
-          <a:noFill/>
         </p:spPr>
         <p:txBody>
           <a:bodyPr wrap="square">
@@ -23582,248 +27193,53 @@
           </a:bodyPr>
           <a:lstStyle/>
           <a:p>
-            <a:pPr marL="342900" marR="0" lvl="0" indent="-342900" algn="l" defTabSz="914400" rtl="0" eaLnBrk="0" fontAlgn="base" latinLnBrk="0" hangingPunct="0">
-              <a:lnSpc>
-                <a:spcPct val="100000"/>
-              </a:lnSpc>
-              <a:spcBef>
-                <a:spcPct val="0"/>
-              </a:spcBef>
-              <a:spcAft>
-                <a:spcPct val="0"/>
-              </a:spcAft>
-              <a:buClrTx/>
-              <a:buSzTx/>
-              <a:buFont typeface="Arial" panose="020B0604020202020204" pitchFamily="34" charset="0"/>
-              <a:buChar char="•"/>
-              <a:tabLst/>
-            </a:pPr>
-            <a:r>
-              <a:rPr kumimoji="0" lang="it-IT" altLang="it-IT" sz="2000" b="1" i="0" u="none" strike="noStrike" cap="none" normalizeH="0" baseline="0" dirty="0" err="1">
-                <a:ln>
-                  <a:noFill/>
-                </a:ln>
-                <a:solidFill>
-                  <a:schemeClr val="tx1"/>
-                </a:solidFill>
-                <a:effectLst/>
-              </a:rPr>
-              <a:t>Teleop</a:t>
-            </a:r>
-            <a:r>
-              <a:rPr kumimoji="0" lang="it-IT" altLang="it-IT" sz="2000" b="0" i="0" u="none" strike="noStrike" cap="none" normalizeH="0" baseline="0" dirty="0">
-                <a:ln>
-                  <a:noFill/>
-                </a:ln>
-                <a:solidFill>
-                  <a:schemeClr val="tx1"/>
-                </a:solidFill>
-                <a:effectLst/>
-              </a:rPr>
-              <a:t>:</a:t>
-            </a:r>
-          </a:p>
-          <a:p>
-            <a:pPr marL="800100" lvl="1" indent="-342900" eaLnBrk="0" fontAlgn="base" hangingPunct="0">
-              <a:spcBef>
-                <a:spcPct val="0"/>
-              </a:spcBef>
-              <a:spcAft>
-                <a:spcPct val="0"/>
-              </a:spcAft>
-              <a:buFont typeface="Arial" panose="020B0604020202020204" pitchFamily="34" charset="0"/>
-              <a:buChar char="•"/>
-            </a:pPr>
-            <a:r>
-              <a:rPr kumimoji="0" lang="it-IT" altLang="it-IT" sz="2000" b="0" i="0" u="none" strike="noStrike" cap="none" normalizeH="0" baseline="0" dirty="0">
-                <a:ln>
-                  <a:noFill/>
-                </a:ln>
-                <a:solidFill>
-                  <a:schemeClr val="tx1"/>
-                </a:solidFill>
-                <a:effectLst/>
-              </a:rPr>
-              <a:t>Handles </a:t>
-            </a:r>
-            <a:r>
-              <a:rPr kumimoji="0" lang="it-IT" altLang="it-IT" sz="2000" b="0" i="0" u="none" strike="noStrike" cap="none" normalizeH="0" baseline="0" dirty="0" err="1">
-                <a:ln>
-                  <a:noFill/>
-                </a:ln>
-                <a:solidFill>
-                  <a:schemeClr val="tx1"/>
-                </a:solidFill>
-                <a:effectLst/>
-              </a:rPr>
-              <a:t>communication</a:t>
-            </a:r>
-            <a:r>
-              <a:rPr kumimoji="0" lang="it-IT" altLang="it-IT" sz="2000" b="0" i="0" u="none" strike="noStrike" cap="none" normalizeH="0" baseline="0" dirty="0">
-                <a:ln>
-                  <a:noFill/>
-                </a:ln>
-                <a:solidFill>
-                  <a:schemeClr val="tx1"/>
-                </a:solidFill>
-                <a:effectLst/>
-              </a:rPr>
-              <a:t> with the robot </a:t>
-            </a:r>
-            <a:r>
-              <a:rPr kumimoji="0" lang="it-IT" altLang="it-IT" sz="2000" b="0" i="0" u="none" strike="noStrike" cap="none" normalizeH="0" baseline="0" dirty="0" err="1">
-                <a:ln>
-                  <a:noFill/>
-                </a:ln>
-                <a:solidFill>
-                  <a:schemeClr val="tx1"/>
-                </a:solidFill>
-                <a:effectLst/>
-              </a:rPr>
-              <a:t>using</a:t>
-            </a:r>
-            <a:r>
-              <a:rPr kumimoji="0" lang="it-IT" altLang="it-IT" sz="2000" b="0" i="0" u="none" strike="noStrike" cap="none" normalizeH="0" baseline="0" dirty="0">
-                <a:ln>
-                  <a:noFill/>
-                </a:ln>
-                <a:solidFill>
-                  <a:schemeClr val="tx1"/>
-                </a:solidFill>
-                <a:effectLst/>
-              </a:rPr>
-              <a:t> ROS Master URI</a:t>
-            </a:r>
-            <a:r>
-              <a:rPr lang="it-IT" altLang="it-IT" sz="2000" dirty="0"/>
-              <a:t> </a:t>
-            </a:r>
-            <a:r>
-              <a:rPr kumimoji="0" lang="it-IT" altLang="it-IT" sz="2000" b="0" i="0" u="none" strike="noStrike" cap="none" normalizeH="0" baseline="0" dirty="0">
-                <a:ln>
-                  <a:noFill/>
-                </a:ln>
-                <a:solidFill>
-                  <a:schemeClr val="tx1"/>
-                </a:solidFill>
-                <a:effectLst/>
-              </a:rPr>
-              <a:t>and port forwarding for remote control.</a:t>
-            </a:r>
-          </a:p>
-          <a:p>
-            <a:pPr lvl="1" eaLnBrk="0" fontAlgn="base" hangingPunct="0">
-              <a:spcBef>
-                <a:spcPct val="0"/>
-              </a:spcBef>
-              <a:spcAft>
-                <a:spcPct val="0"/>
-              </a:spcAft>
-            </a:pPr>
-            <a:endParaRPr kumimoji="0" lang="it-IT" altLang="it-IT" sz="2000" b="0" i="0" u="none" strike="noStrike" cap="none" normalizeH="0" baseline="0" dirty="0">
-              <a:ln>
-                <a:noFill/>
-              </a:ln>
-              <a:solidFill>
-                <a:schemeClr val="tx1"/>
-              </a:solidFill>
-              <a:effectLst/>
-            </a:endParaRPr>
-          </a:p>
-          <a:p>
-            <a:pPr marL="342900" marR="0" lvl="0" indent="-342900" algn="l" defTabSz="914400" rtl="0" eaLnBrk="0" fontAlgn="base" latinLnBrk="0" hangingPunct="0">
-              <a:lnSpc>
-                <a:spcPct val="100000"/>
-              </a:lnSpc>
-              <a:spcBef>
-                <a:spcPct val="0"/>
-              </a:spcBef>
-              <a:spcAft>
-                <a:spcPct val="0"/>
-              </a:spcAft>
-              <a:buClrTx/>
-              <a:buSzTx/>
-              <a:buFont typeface="Arial" panose="020B0604020202020204" pitchFamily="34" charset="0"/>
-              <a:buChar char="•"/>
-              <a:tabLst/>
-            </a:pPr>
-            <a:r>
-              <a:rPr lang="en-US" sz="2000" b="1" dirty="0"/>
-              <a:t>ROS Bridge</a:t>
-            </a:r>
-            <a:r>
-              <a:rPr lang="en-US" sz="2000" dirty="0"/>
-              <a:t>:</a:t>
-            </a:r>
-          </a:p>
-          <a:p>
-            <a:pPr marL="800100" lvl="1" indent="-342900" eaLnBrk="0" fontAlgn="base" hangingPunct="0">
-              <a:spcBef>
-                <a:spcPct val="0"/>
-              </a:spcBef>
-              <a:spcAft>
-                <a:spcPct val="0"/>
-              </a:spcAft>
-              <a:buFont typeface="Arial" panose="020B0604020202020204" pitchFamily="34" charset="0"/>
-              <a:buChar char="•"/>
-            </a:pPr>
-            <a:r>
-              <a:rPr lang="en-US" sz="2000" dirty="0"/>
-              <a:t>A tool that enables communication between ROS and</a:t>
-            </a:r>
-          </a:p>
-          <a:p>
-            <a:pPr lvl="1" eaLnBrk="0" fontAlgn="base" hangingPunct="0">
-              <a:spcBef>
-                <a:spcPct val="0"/>
-              </a:spcBef>
-              <a:spcAft>
-                <a:spcPct val="0"/>
-              </a:spcAft>
-            </a:pPr>
-            <a:r>
-              <a:rPr lang="en-US" sz="2000" dirty="0"/>
-              <a:t>      non-ROS systems, such as web applications, using protocols</a:t>
-            </a:r>
-          </a:p>
-          <a:p>
-            <a:pPr lvl="1" eaLnBrk="0" fontAlgn="base" hangingPunct="0">
-              <a:spcBef>
-                <a:spcPct val="0"/>
-              </a:spcBef>
-              <a:spcAft>
-                <a:spcPct val="0"/>
-              </a:spcAft>
-            </a:pPr>
-            <a:r>
-              <a:rPr lang="en-US" sz="2000" dirty="0"/>
-              <a:t>      like WebSocket.</a:t>
-            </a:r>
-            <a:endParaRPr lang="it-IT" altLang="it-IT" sz="2000" b="1" dirty="0"/>
+            <a:r>
+              <a:rPr lang="en-US" sz="2400" b="1" dirty="0" smtClean="0"/>
+              <a:t>Robot</a:t>
+            </a:r>
+            <a:r>
+              <a:rPr lang="en-US" sz="2400" dirty="0"/>
+              <a:t>: The black and white circular object in the center represents the simulated robot equipped with a 2D Lidar sensor</a:t>
+            </a:r>
+            <a:r>
+              <a:rPr lang="en-US" sz="2400" dirty="0" smtClean="0"/>
+              <a:t>.</a:t>
+            </a:r>
+          </a:p>
+          <a:p>
+            <a:endParaRPr lang="en-US" sz="2400" b="1" dirty="0"/>
+          </a:p>
+          <a:p>
+            <a:r>
+              <a:rPr lang="en-US" sz="2400" b="1" dirty="0" smtClean="0"/>
+              <a:t>Obstacle</a:t>
+            </a:r>
+            <a:r>
+              <a:rPr lang="en-US" sz="2400" dirty="0"/>
+              <a:t>: The large red structure in the scene represents an obstacle being detected by the Lidar. The beams that intersect with the obstacle terminate at its surface, simulating the reflections captured by the sensor</a:t>
+            </a:r>
+            <a:r>
+              <a:rPr lang="en-US" sz="2400" dirty="0" smtClean="0"/>
+              <a:t>.</a:t>
+            </a:r>
+            <a:endParaRPr lang="en-US" sz="2400" dirty="0"/>
           </a:p>
         </p:txBody>
       </p:sp>
       <p:sp>
         <p:nvSpPr>
-          <p:cNvPr id="18" name="CasellaDiTesto 17">
-            <a:extLst>
-              <a:ext uri="{FF2B5EF4-FFF2-40B4-BE49-F238E27FC236}">
-                <a16:creationId xmlns:a16="http://schemas.microsoft.com/office/drawing/2014/main" xmlns="" id="{4CA30EEA-AE8C-0882-E460-73FC9AB28F39}"/>
-              </a:ext>
-            </a:extLst>
-          </p:cNvPr>
-          <p:cNvSpPr txBox="1"/>
+          <p:cNvPr id="11" name="Rettangolo 10"/>
+          <p:cNvSpPr/>
           <p:nvPr/>
         </p:nvSpPr>
         <p:spPr>
           <a:xfrm>
-            <a:off x="1795967" y="7442604"/>
-            <a:ext cx="8491034" cy="2246769"/>
+            <a:off x="2057400" y="3227844"/>
+            <a:ext cx="6531082" cy="2677656"/>
           </a:xfrm>
           <a:prstGeom prst="rect">
             <a:avLst/>
           </a:prstGeom>
-          <a:noFill/>
         </p:spPr>
         <p:txBody>
           <a:bodyPr wrap="square">
@@ -23831,1487 +27247,39 @@
           </a:bodyPr>
           <a:lstStyle/>
           <a:p>
-            <a:pPr marL="342900" indent="-342900" eaLnBrk="0" fontAlgn="base" hangingPunct="0">
-              <a:spcBef>
-                <a:spcPct val="0"/>
-              </a:spcBef>
-              <a:spcAft>
-                <a:spcPct val="0"/>
-              </a:spcAft>
-              <a:buFont typeface="Arial" panose="020B0604020202020204" pitchFamily="34" charset="0"/>
-              <a:buChar char="•"/>
-            </a:pPr>
-            <a:r>
-              <a:rPr kumimoji="0" lang="it-IT" altLang="it-IT" sz="2000" b="1" i="0" u="none" strike="noStrike" cap="none" normalizeH="0" baseline="0" dirty="0" err="1">
-                <a:ln>
-                  <a:noFill/>
-                </a:ln>
-                <a:solidFill>
-                  <a:schemeClr val="tx1"/>
-                </a:solidFill>
-                <a:effectLst/>
-              </a:rPr>
-              <a:t>Waypoint</a:t>
-            </a:r>
-            <a:r>
-              <a:rPr kumimoji="0" lang="it-IT" altLang="it-IT" sz="2000" b="1" i="0" u="none" strike="noStrike" cap="none" normalizeH="0" baseline="0" dirty="0">
-                <a:ln>
-                  <a:noFill/>
-                </a:ln>
-                <a:solidFill>
-                  <a:schemeClr val="tx1"/>
-                </a:solidFill>
-                <a:effectLst/>
-              </a:rPr>
-              <a:t> </a:t>
-            </a:r>
-            <a:r>
-              <a:rPr kumimoji="0" lang="it-IT" altLang="it-IT" sz="2000" b="1" i="0" u="none" strike="noStrike" cap="none" normalizeH="0" baseline="0" dirty="0" err="1">
-                <a:ln>
-                  <a:noFill/>
-                </a:ln>
-                <a:solidFill>
-                  <a:schemeClr val="tx1"/>
-                </a:solidFill>
-                <a:effectLst/>
-              </a:rPr>
-              <a:t>Visualizer</a:t>
-            </a:r>
-            <a:r>
-              <a:rPr kumimoji="0" lang="it-IT" altLang="it-IT" sz="2000" b="0" i="0" u="none" strike="noStrike" cap="none" normalizeH="0" baseline="0" dirty="0">
-                <a:ln>
-                  <a:noFill/>
-                </a:ln>
-                <a:solidFill>
-                  <a:schemeClr val="tx1"/>
-                </a:solidFill>
-                <a:effectLst/>
-              </a:rPr>
-              <a:t>:</a:t>
-            </a:r>
-          </a:p>
-          <a:p>
-            <a:pPr marL="800100" lvl="1" indent="-342900" eaLnBrk="0" fontAlgn="base" hangingPunct="0">
-              <a:spcBef>
-                <a:spcPct val="0"/>
-              </a:spcBef>
-              <a:spcAft>
-                <a:spcPct val="0"/>
-              </a:spcAft>
-              <a:buFont typeface="Arial" panose="020B0604020202020204" pitchFamily="34" charset="0"/>
-              <a:buChar char="•"/>
-            </a:pPr>
-            <a:r>
-              <a:rPr kumimoji="0" lang="it-IT" altLang="it-IT" sz="2000" b="0" i="0" u="none" strike="noStrike" cap="none" normalizeH="0" baseline="0" dirty="0" err="1">
-                <a:ln>
-                  <a:noFill/>
-                </a:ln>
-                <a:solidFill>
-                  <a:schemeClr val="tx1"/>
-                </a:solidFill>
-                <a:effectLst/>
-              </a:rPr>
-              <a:t>Visualizes</a:t>
-            </a:r>
-            <a:r>
-              <a:rPr kumimoji="0" lang="it-IT" altLang="it-IT" sz="2000" b="0" i="0" u="none" strike="noStrike" cap="none" normalizeH="0" baseline="0" dirty="0">
-                <a:ln>
-                  <a:noFill/>
-                </a:ln>
-                <a:solidFill>
-                  <a:schemeClr val="tx1"/>
-                </a:solidFill>
-                <a:effectLst/>
-              </a:rPr>
-              <a:t> </a:t>
-            </a:r>
-            <a:r>
-              <a:rPr kumimoji="0" lang="it-IT" altLang="it-IT" sz="2000" b="0" i="0" u="none" strike="noStrike" cap="none" normalizeH="0" baseline="0" dirty="0" err="1">
-                <a:ln>
-                  <a:noFill/>
-                </a:ln>
-                <a:solidFill>
-                  <a:schemeClr val="tx1"/>
-                </a:solidFill>
-                <a:effectLst/>
-              </a:rPr>
-              <a:t>waypoints</a:t>
-            </a:r>
-            <a:r>
-              <a:rPr kumimoji="0" lang="it-IT" altLang="it-IT" sz="2000" b="0" i="0" u="none" strike="noStrike" cap="none" normalizeH="0" baseline="0" dirty="0">
-                <a:ln>
-                  <a:noFill/>
-                </a:ln>
-                <a:solidFill>
-                  <a:schemeClr val="tx1"/>
-                </a:solidFill>
-                <a:effectLst/>
-              </a:rPr>
-              <a:t> in </a:t>
-            </a:r>
-            <a:r>
-              <a:rPr kumimoji="0" lang="it-IT" altLang="it-IT" sz="2000" b="0" i="0" u="none" strike="noStrike" cap="none" normalizeH="0" baseline="0" dirty="0" err="1">
-                <a:ln>
-                  <a:noFill/>
-                </a:ln>
-                <a:solidFill>
-                  <a:schemeClr val="tx1"/>
-                </a:solidFill>
-                <a:effectLst/>
-              </a:rPr>
-              <a:t>RViz</a:t>
-            </a:r>
-            <a:r>
-              <a:rPr kumimoji="0" lang="it-IT" altLang="it-IT" sz="2000" b="0" i="0" u="none" strike="noStrike" cap="none" normalizeH="0" baseline="0" dirty="0">
-                <a:ln>
-                  <a:noFill/>
-                </a:ln>
-                <a:solidFill>
-                  <a:schemeClr val="tx1"/>
-                </a:solidFill>
-                <a:effectLst/>
-              </a:rPr>
-              <a:t> to </a:t>
-            </a:r>
-            <a:r>
-              <a:rPr kumimoji="0" lang="it-IT" altLang="it-IT" sz="2000" b="0" i="0" u="none" strike="noStrike" cap="none" normalizeH="0" baseline="0" dirty="0" err="1">
-                <a:ln>
-                  <a:noFill/>
-                </a:ln>
-                <a:solidFill>
-                  <a:schemeClr val="tx1"/>
-                </a:solidFill>
-                <a:effectLst/>
-              </a:rPr>
-              <a:t>provide</a:t>
-            </a:r>
-            <a:r>
-              <a:rPr kumimoji="0" lang="it-IT" altLang="it-IT" sz="2000" b="0" i="0" u="none" strike="noStrike" cap="none" normalizeH="0" baseline="0" dirty="0">
-                <a:ln>
-                  <a:noFill/>
-                </a:ln>
-                <a:solidFill>
-                  <a:schemeClr val="tx1"/>
-                </a:solidFill>
-                <a:effectLst/>
-              </a:rPr>
-              <a:t> feedback on the </a:t>
-            </a:r>
-            <a:r>
-              <a:rPr kumimoji="0" lang="it-IT" altLang="it-IT" sz="2000" b="0" i="0" u="none" strike="noStrike" cap="none" normalizeH="0" baseline="0" dirty="0" err="1">
-                <a:ln>
-                  <a:noFill/>
-                </a:ln>
-                <a:solidFill>
-                  <a:schemeClr val="tx1"/>
-                </a:solidFill>
-                <a:effectLst/>
-              </a:rPr>
-              <a:t>car's</a:t>
-            </a:r>
-            <a:r>
-              <a:rPr kumimoji="0" lang="it-IT" altLang="it-IT" sz="2000" b="0" i="0" u="none" strike="noStrike" cap="none" normalizeH="0" baseline="0" dirty="0">
-                <a:ln>
-                  <a:noFill/>
-                </a:ln>
-                <a:solidFill>
-                  <a:schemeClr val="tx1"/>
-                </a:solidFill>
-                <a:effectLst/>
-              </a:rPr>
-              <a:t> </a:t>
-            </a:r>
-            <a:r>
-              <a:rPr kumimoji="0" lang="it-IT" altLang="it-IT" sz="2000" b="0" i="0" u="none" strike="noStrike" cap="none" normalizeH="0" baseline="0" dirty="0" err="1">
-                <a:ln>
-                  <a:noFill/>
-                </a:ln>
-                <a:solidFill>
-                  <a:schemeClr val="tx1"/>
-                </a:solidFill>
-                <a:effectLst/>
-              </a:rPr>
-              <a:t>navigation</a:t>
-            </a:r>
-            <a:r>
-              <a:rPr lang="it-IT" altLang="it-IT" sz="2000" dirty="0"/>
-              <a:t> </a:t>
-            </a:r>
-            <a:r>
-              <a:rPr kumimoji="0" lang="it-IT" altLang="it-IT" sz="2000" b="0" i="0" u="none" strike="noStrike" cap="none" normalizeH="0" baseline="0" dirty="0">
-                <a:ln>
-                  <a:noFill/>
-                </a:ln>
-                <a:solidFill>
-                  <a:schemeClr val="tx1"/>
-                </a:solidFill>
-                <a:effectLst/>
-              </a:rPr>
-              <a:t>goals.</a:t>
-            </a:r>
-          </a:p>
-          <a:p>
-            <a:pPr marL="800100" lvl="1" indent="-342900" eaLnBrk="0" fontAlgn="base" hangingPunct="0">
-              <a:spcBef>
-                <a:spcPct val="0"/>
-              </a:spcBef>
-              <a:spcAft>
-                <a:spcPct val="0"/>
-              </a:spcAft>
-              <a:buFont typeface="Arial" panose="020B0604020202020204" pitchFamily="34" charset="0"/>
-              <a:buChar char="•"/>
-            </a:pPr>
-            <a:r>
-              <a:rPr kumimoji="0" lang="it-IT" altLang="it-IT" sz="2000" b="0" i="0" u="none" strike="noStrike" cap="none" normalizeH="0" baseline="0" dirty="0">
-                <a:ln>
-                  <a:noFill/>
-                </a:ln>
-                <a:solidFill>
-                  <a:schemeClr val="tx1"/>
-                </a:solidFill>
-                <a:effectLst/>
-              </a:rPr>
-              <a:t> </a:t>
-            </a:r>
-            <a:r>
-              <a:rPr kumimoji="0" lang="it-IT" altLang="it-IT" sz="2000" b="0" i="0" u="none" strike="noStrike" cap="none" normalizeH="0" baseline="0" dirty="0" err="1">
-                <a:ln>
-                  <a:noFill/>
-                </a:ln>
-                <a:solidFill>
-                  <a:schemeClr val="tx1"/>
-                </a:solidFill>
-                <a:effectLst/>
-              </a:rPr>
-              <a:t>Publishes</a:t>
-            </a:r>
-            <a:r>
-              <a:rPr kumimoji="0" lang="it-IT" altLang="it-IT" sz="2000" b="0" i="0" u="none" strike="noStrike" cap="none" normalizeH="0" baseline="0" dirty="0">
-                <a:ln>
-                  <a:noFill/>
-                </a:ln>
-                <a:solidFill>
-                  <a:schemeClr val="tx1"/>
-                </a:solidFill>
-                <a:effectLst/>
-              </a:rPr>
-              <a:t> markers to show the </a:t>
-            </a:r>
-            <a:r>
-              <a:rPr kumimoji="0" lang="it-IT" altLang="it-IT" sz="2000" b="0" i="0" u="none" strike="noStrike" cap="none" normalizeH="0" baseline="0" dirty="0" err="1">
-                <a:ln>
-                  <a:noFill/>
-                </a:ln>
-                <a:solidFill>
-                  <a:schemeClr val="tx1"/>
-                </a:solidFill>
-                <a:effectLst/>
-              </a:rPr>
-              <a:t>car's</a:t>
-            </a:r>
-            <a:r>
-              <a:rPr kumimoji="0" lang="it-IT" altLang="it-IT" sz="2000" b="0" i="0" u="none" strike="noStrike" cap="none" normalizeH="0" baseline="0" dirty="0">
-                <a:ln>
-                  <a:noFill/>
-                </a:ln>
-                <a:solidFill>
-                  <a:schemeClr val="tx1"/>
-                </a:solidFill>
-                <a:effectLst/>
-              </a:rPr>
-              <a:t> </a:t>
-            </a:r>
-            <a:r>
-              <a:rPr kumimoji="0" lang="it-IT" altLang="it-IT" sz="2000" b="0" i="0" u="none" strike="noStrike" cap="none" normalizeH="0" baseline="0" dirty="0" err="1">
-                <a:ln>
-                  <a:noFill/>
-                </a:ln>
-                <a:solidFill>
-                  <a:schemeClr val="tx1"/>
-                </a:solidFill>
-                <a:effectLst/>
-              </a:rPr>
-              <a:t>current</a:t>
-            </a:r>
-            <a:r>
-              <a:rPr kumimoji="0" lang="it-IT" altLang="it-IT" sz="2000" b="0" i="0" u="none" strike="noStrike" cap="none" normalizeH="0" baseline="0" dirty="0">
-                <a:ln>
-                  <a:noFill/>
-                </a:ln>
-                <a:solidFill>
-                  <a:schemeClr val="tx1"/>
-                </a:solidFill>
-                <a:effectLst/>
-              </a:rPr>
-              <a:t>, </a:t>
-            </a:r>
-            <a:r>
-              <a:rPr kumimoji="0" lang="it-IT" altLang="it-IT" sz="2000" b="0" i="0" u="none" strike="noStrike" cap="none" normalizeH="0" baseline="0" dirty="0" err="1">
-                <a:ln>
-                  <a:noFill/>
-                </a:ln>
-                <a:solidFill>
-                  <a:schemeClr val="tx1"/>
-                </a:solidFill>
-                <a:effectLst/>
-              </a:rPr>
-              <a:t>next</a:t>
-            </a:r>
-            <a:r>
-              <a:rPr kumimoji="0" lang="it-IT" altLang="it-IT" sz="2000" b="0" i="0" u="none" strike="noStrike" cap="none" normalizeH="0" baseline="0" dirty="0">
-                <a:ln>
-                  <a:noFill/>
-                </a:ln>
-                <a:solidFill>
-                  <a:schemeClr val="tx1"/>
-                </a:solidFill>
-                <a:effectLst/>
-              </a:rPr>
-              <a:t>, and </a:t>
-            </a:r>
-            <a:r>
-              <a:rPr kumimoji="0" lang="it-IT" altLang="it-IT" sz="2000" b="0" i="0" u="none" strike="noStrike" cap="none" normalizeH="0" baseline="0" dirty="0" err="1">
-                <a:ln>
-                  <a:noFill/>
-                </a:ln>
-                <a:solidFill>
-                  <a:schemeClr val="tx1"/>
-                </a:solidFill>
-                <a:effectLst/>
-              </a:rPr>
-              <a:t>past</a:t>
-            </a:r>
-            <a:r>
-              <a:rPr kumimoji="0" lang="it-IT" altLang="it-IT" sz="2000" b="0" i="0" u="none" strike="noStrike" cap="none" normalizeH="0" baseline="0" dirty="0">
-                <a:ln>
-                  <a:noFill/>
-                </a:ln>
-                <a:solidFill>
-                  <a:schemeClr val="tx1"/>
-                </a:solidFill>
-                <a:effectLst/>
-              </a:rPr>
-              <a:t> </a:t>
-            </a:r>
-            <a:r>
-              <a:rPr kumimoji="0" lang="it-IT" altLang="it-IT" sz="2000" b="0" i="0" u="none" strike="noStrike" cap="none" normalizeH="0" baseline="0" dirty="0" err="1">
-                <a:ln>
-                  <a:noFill/>
-                </a:ln>
-                <a:solidFill>
-                  <a:schemeClr val="tx1"/>
-                </a:solidFill>
-                <a:effectLst/>
-              </a:rPr>
-              <a:t>waypoints</a:t>
-            </a:r>
-            <a:r>
-              <a:rPr kumimoji="0" lang="it-IT" altLang="it-IT" sz="2000" b="0" i="0" u="none" strike="noStrike" cap="none" normalizeH="0" baseline="0" dirty="0">
-                <a:ln>
-                  <a:noFill/>
-                </a:ln>
-                <a:solidFill>
-                  <a:schemeClr val="tx1"/>
-                </a:solidFill>
-                <a:effectLst/>
-              </a:rPr>
-              <a:t>.</a:t>
-            </a:r>
-          </a:p>
-          <a:p>
-            <a:pPr marL="342900" marR="0" lvl="0" indent="-342900" algn="l" defTabSz="914400" rtl="0" eaLnBrk="0" fontAlgn="base" latinLnBrk="0" hangingPunct="0">
-              <a:lnSpc>
-                <a:spcPct val="100000"/>
-              </a:lnSpc>
-              <a:spcBef>
-                <a:spcPct val="0"/>
-              </a:spcBef>
-              <a:spcAft>
-                <a:spcPct val="0"/>
-              </a:spcAft>
-              <a:buClrTx/>
-              <a:buSzTx/>
-              <a:buFont typeface="Arial" panose="020B0604020202020204" pitchFamily="34" charset="0"/>
-              <a:buChar char="•"/>
-              <a:tabLst/>
-            </a:pPr>
-            <a:r>
-              <a:rPr kumimoji="0" lang="it-IT" altLang="it-IT" sz="2000" b="1" i="0" u="none" strike="noStrike" cap="none" normalizeH="0" baseline="0" dirty="0" err="1">
-                <a:ln>
-                  <a:noFill/>
-                </a:ln>
-                <a:solidFill>
-                  <a:schemeClr val="tx1"/>
-                </a:solidFill>
-                <a:effectLst/>
-              </a:rPr>
-              <a:t>Waypoint</a:t>
-            </a:r>
-            <a:r>
-              <a:rPr kumimoji="0" lang="it-IT" altLang="it-IT" sz="2000" b="1" i="0" u="none" strike="noStrike" cap="none" normalizeH="0" baseline="0" dirty="0">
-                <a:ln>
-                  <a:noFill/>
-                </a:ln>
-                <a:solidFill>
-                  <a:schemeClr val="tx1"/>
-                </a:solidFill>
-                <a:effectLst/>
-              </a:rPr>
-              <a:t> Manager</a:t>
-            </a:r>
-            <a:r>
-              <a:rPr kumimoji="0" lang="it-IT" altLang="it-IT" sz="2000" b="0" i="0" u="none" strike="noStrike" cap="none" normalizeH="0" baseline="0" dirty="0">
-                <a:ln>
-                  <a:noFill/>
-                </a:ln>
-                <a:solidFill>
-                  <a:schemeClr val="tx1"/>
-                </a:solidFill>
-                <a:effectLst/>
-              </a:rPr>
-              <a:t>:</a:t>
-            </a:r>
-          </a:p>
-          <a:p>
-            <a:pPr marL="800100" lvl="1" indent="-342900" eaLnBrk="0" fontAlgn="base" hangingPunct="0">
-              <a:spcBef>
-                <a:spcPct val="0"/>
-              </a:spcBef>
-              <a:spcAft>
-                <a:spcPct val="0"/>
-              </a:spcAft>
-              <a:buFont typeface="Arial" panose="020B0604020202020204" pitchFamily="34" charset="0"/>
-              <a:buChar char="•"/>
-            </a:pPr>
-            <a:r>
-              <a:rPr kumimoji="0" lang="it-IT" altLang="it-IT" sz="2000" b="0" i="0" u="none" strike="noStrike" cap="none" normalizeH="0" baseline="0" dirty="0">
-                <a:ln>
-                  <a:noFill/>
-                </a:ln>
-                <a:solidFill>
-                  <a:schemeClr val="tx1"/>
-                </a:solidFill>
-                <a:effectLst/>
-              </a:rPr>
-              <a:t> </a:t>
-            </a:r>
-            <a:r>
-              <a:rPr kumimoji="0" lang="it-IT" altLang="it-IT" sz="2000" b="0" i="0" u="none" strike="noStrike" cap="none" normalizeH="0" baseline="0" dirty="0" err="1">
-                <a:ln>
-                  <a:noFill/>
-                </a:ln>
-                <a:solidFill>
-                  <a:schemeClr val="tx1"/>
-                </a:solidFill>
-                <a:effectLst/>
-              </a:rPr>
-              <a:t>Manages</a:t>
-            </a:r>
-            <a:r>
-              <a:rPr kumimoji="0" lang="it-IT" altLang="it-IT" sz="2000" b="0" i="0" u="none" strike="noStrike" cap="none" normalizeH="0" baseline="0" dirty="0">
-                <a:ln>
-                  <a:noFill/>
-                </a:ln>
-                <a:solidFill>
-                  <a:schemeClr val="tx1"/>
-                </a:solidFill>
-                <a:effectLst/>
-              </a:rPr>
-              <a:t> the </a:t>
-            </a:r>
-            <a:r>
-              <a:rPr kumimoji="0" lang="it-IT" altLang="it-IT" sz="2000" b="0" i="0" u="none" strike="noStrike" cap="none" normalizeH="0" baseline="0" dirty="0" err="1">
-                <a:ln>
-                  <a:noFill/>
-                </a:ln>
-                <a:solidFill>
-                  <a:schemeClr val="tx1"/>
-                </a:solidFill>
-                <a:effectLst/>
-              </a:rPr>
-              <a:t>creation</a:t>
-            </a:r>
-            <a:r>
-              <a:rPr kumimoji="0" lang="it-IT" altLang="it-IT" sz="2000" b="0" i="0" u="none" strike="noStrike" cap="none" normalizeH="0" baseline="0" dirty="0">
-                <a:ln>
-                  <a:noFill/>
-                </a:ln>
-                <a:solidFill>
-                  <a:schemeClr val="tx1"/>
-                </a:solidFill>
-                <a:effectLst/>
-              </a:rPr>
-              <a:t>, </a:t>
-            </a:r>
-            <a:r>
-              <a:rPr kumimoji="0" lang="it-IT" altLang="it-IT" sz="2000" b="0" i="0" u="none" strike="noStrike" cap="none" normalizeH="0" baseline="0" dirty="0" err="1">
-                <a:ln>
-                  <a:noFill/>
-                </a:ln>
-                <a:solidFill>
-                  <a:schemeClr val="tx1"/>
-                </a:solidFill>
-                <a:effectLst/>
-              </a:rPr>
-              <a:t>deletion</a:t>
-            </a:r>
-            <a:r>
-              <a:rPr kumimoji="0" lang="it-IT" altLang="it-IT" sz="2000" b="0" i="0" u="none" strike="noStrike" cap="none" normalizeH="0" baseline="0" dirty="0">
-                <a:ln>
-                  <a:noFill/>
-                </a:ln>
-                <a:solidFill>
-                  <a:schemeClr val="tx1"/>
-                </a:solidFill>
-                <a:effectLst/>
-              </a:rPr>
-              <a:t>, and </a:t>
-            </a:r>
-            <a:r>
-              <a:rPr kumimoji="0" lang="it-IT" altLang="it-IT" sz="2000" b="0" i="0" u="none" strike="noStrike" cap="none" normalizeH="0" baseline="0" dirty="0" err="1">
-                <a:ln>
-                  <a:noFill/>
-                </a:ln>
-                <a:solidFill>
-                  <a:schemeClr val="tx1"/>
-                </a:solidFill>
-                <a:effectLst/>
-              </a:rPr>
-              <a:t>modification</a:t>
-            </a:r>
-            <a:r>
-              <a:rPr kumimoji="0" lang="it-IT" altLang="it-IT" sz="2000" b="0" i="0" u="none" strike="noStrike" cap="none" normalizeH="0" baseline="0" dirty="0">
-                <a:ln>
-                  <a:noFill/>
-                </a:ln>
-                <a:solidFill>
-                  <a:schemeClr val="tx1"/>
-                </a:solidFill>
-                <a:effectLst/>
-              </a:rPr>
-              <a:t> of </a:t>
-            </a:r>
-            <a:r>
-              <a:rPr kumimoji="0" lang="it-IT" altLang="it-IT" sz="2000" b="0" i="0" u="none" strike="noStrike" cap="none" normalizeH="0" baseline="0" dirty="0" err="1">
-                <a:ln>
-                  <a:noFill/>
-                </a:ln>
-                <a:solidFill>
-                  <a:schemeClr val="tx1"/>
-                </a:solidFill>
-                <a:effectLst/>
-              </a:rPr>
-              <a:t>waypoints</a:t>
-            </a:r>
-            <a:r>
-              <a:rPr kumimoji="0" lang="it-IT" altLang="it-IT" sz="2000" b="0" i="0" u="none" strike="noStrike" cap="none" normalizeH="0" baseline="0" dirty="0">
-                <a:ln>
-                  <a:noFill/>
-                </a:ln>
-                <a:solidFill>
-                  <a:schemeClr val="tx1"/>
-                </a:solidFill>
-                <a:effectLst/>
-              </a:rPr>
-              <a:t>.</a:t>
-            </a:r>
-          </a:p>
-          <a:p>
-            <a:pPr marL="800100" lvl="1" indent="-342900" eaLnBrk="0" fontAlgn="base" hangingPunct="0">
-              <a:spcBef>
-                <a:spcPct val="0"/>
-              </a:spcBef>
-              <a:spcAft>
-                <a:spcPct val="0"/>
-              </a:spcAft>
-              <a:buFont typeface="Arial" panose="020B0604020202020204" pitchFamily="34" charset="0"/>
-              <a:buChar char="•"/>
-            </a:pPr>
-            <a:r>
-              <a:rPr kumimoji="0" lang="it-IT" altLang="it-IT" sz="2000" b="0" i="0" u="none" strike="noStrike" cap="none" normalizeH="0" baseline="0" dirty="0">
-                <a:ln>
-                  <a:noFill/>
-                </a:ln>
-                <a:solidFill>
-                  <a:schemeClr val="tx1"/>
-                </a:solidFill>
-                <a:effectLst/>
-              </a:rPr>
-              <a:t> Handles user input from the </a:t>
-            </a:r>
-            <a:r>
-              <a:rPr kumimoji="0" lang="it-IT" altLang="it-IT" sz="2000" b="0" i="0" u="none" strike="noStrike" cap="none" normalizeH="0" baseline="0" dirty="0" err="1">
-                <a:ln>
-                  <a:noFill/>
-                </a:ln>
-                <a:solidFill>
-                  <a:schemeClr val="tx1"/>
-                </a:solidFill>
-                <a:effectLst/>
-              </a:rPr>
-              <a:t>interface</a:t>
-            </a:r>
-            <a:r>
-              <a:rPr kumimoji="0" lang="it-IT" altLang="it-IT" sz="2000" b="0" i="0" u="none" strike="noStrike" cap="none" normalizeH="0" baseline="0" dirty="0">
-                <a:ln>
-                  <a:noFill/>
-                </a:ln>
-                <a:solidFill>
-                  <a:schemeClr val="tx1"/>
-                </a:solidFill>
-                <a:effectLst/>
-              </a:rPr>
-              <a:t> to </a:t>
-            </a:r>
-            <a:r>
-              <a:rPr kumimoji="0" lang="it-IT" altLang="it-IT" sz="2000" b="0" i="0" u="none" strike="noStrike" cap="none" normalizeH="0" baseline="0" dirty="0" err="1">
-                <a:ln>
-                  <a:noFill/>
-                </a:ln>
-                <a:solidFill>
-                  <a:schemeClr val="tx1"/>
-                </a:solidFill>
-                <a:effectLst/>
-              </a:rPr>
-              <a:t>define</a:t>
-            </a:r>
-            <a:r>
-              <a:rPr kumimoji="0" lang="it-IT" altLang="it-IT" sz="2000" b="0" i="0" u="none" strike="noStrike" cap="none" normalizeH="0" baseline="0" dirty="0">
-                <a:ln>
-                  <a:noFill/>
-                </a:ln>
-                <a:solidFill>
-                  <a:schemeClr val="tx1"/>
-                </a:solidFill>
-                <a:effectLst/>
-              </a:rPr>
-              <a:t> </a:t>
-            </a:r>
-            <a:r>
-              <a:rPr kumimoji="0" lang="it-IT" altLang="it-IT" sz="2000" b="0" i="0" u="none" strike="noStrike" cap="none" normalizeH="0" baseline="0" dirty="0" err="1">
-                <a:ln>
-                  <a:noFill/>
-                </a:ln>
-                <a:solidFill>
-                  <a:schemeClr val="tx1"/>
-                </a:solidFill>
-                <a:effectLst/>
-              </a:rPr>
-              <a:t>navigation</a:t>
-            </a:r>
-            <a:r>
-              <a:rPr kumimoji="0" lang="it-IT" altLang="it-IT" sz="2000" b="0" i="0" u="none" strike="noStrike" cap="none" normalizeH="0" baseline="0" dirty="0">
-                <a:ln>
-                  <a:noFill/>
-                </a:ln>
-                <a:solidFill>
-                  <a:schemeClr val="tx1"/>
-                </a:solidFill>
-                <a:effectLst/>
-              </a:rPr>
-              <a:t> targets.</a:t>
-            </a:r>
+            <a:r>
+              <a:rPr lang="en-US" sz="2400" b="1" dirty="0"/>
+              <a:t>Lidar Beams</a:t>
+            </a:r>
+            <a:r>
+              <a:rPr lang="en-US" sz="2400" dirty="0"/>
+              <a:t>: The numerous blue lines extending outward from the robot illustrate the laser beams emitted by the Lidar to scan the environment.</a:t>
+            </a:r>
+          </a:p>
+          <a:p>
+            <a:endParaRPr lang="en-US" sz="2400" b="1" dirty="0" smtClean="0"/>
+          </a:p>
+          <a:p>
+            <a:r>
+              <a:rPr lang="en-US" sz="2400" b="1" dirty="0" smtClean="0"/>
+              <a:t>Sensor </a:t>
+            </a:r>
+            <a:r>
+              <a:rPr lang="en-US" sz="2400" b="1" dirty="0"/>
+              <a:t>Coverage</a:t>
+            </a:r>
+            <a:r>
+              <a:rPr lang="en-US" sz="2400" dirty="0"/>
+              <a:t>: The blue visualization depicts the Lidar's field of view, showing the range and area covered by the sensor in the simulation.</a:t>
+            </a:r>
+            <a:endParaRPr lang="en-US" sz="2400" dirty="0"/>
           </a:p>
         </p:txBody>
       </p:sp>
-      <p:sp>
-        <p:nvSpPr>
-          <p:cNvPr id="19" name="CasellaDiTesto 18">
-            <a:extLst>
-              <a:ext uri="{FF2B5EF4-FFF2-40B4-BE49-F238E27FC236}">
-                <a16:creationId xmlns:a16="http://schemas.microsoft.com/office/drawing/2014/main" xmlns="" id="{397F616F-70C3-B538-6D47-76C69C2F77C3}"/>
-              </a:ext>
-            </a:extLst>
-          </p:cNvPr>
-          <p:cNvSpPr txBox="1"/>
-          <p:nvPr/>
-        </p:nvSpPr>
-        <p:spPr>
-          <a:xfrm>
-            <a:off x="1820950" y="6972300"/>
-            <a:ext cx="1535998" cy="523220"/>
-          </a:xfrm>
-          <a:prstGeom prst="rect">
-            <a:avLst/>
-          </a:prstGeom>
-          <a:noFill/>
-        </p:spPr>
-        <p:txBody>
-          <a:bodyPr wrap="none" rtlCol="0">
-            <a:spAutoFit/>
-          </a:bodyPr>
-          <a:lstStyle/>
-          <a:p>
-            <a:r>
-              <a:rPr lang="it-IT" sz="2800" b="1" dirty="0"/>
-              <a:t>Common</a:t>
-            </a:r>
-          </a:p>
-        </p:txBody>
-      </p:sp>
-      <p:sp>
-        <p:nvSpPr>
-          <p:cNvPr id="23" name="CasellaDiTesto 22">
-            <a:extLst>
-              <a:ext uri="{FF2B5EF4-FFF2-40B4-BE49-F238E27FC236}">
-                <a16:creationId xmlns:a16="http://schemas.microsoft.com/office/drawing/2014/main" xmlns="" id="{03BC5CB8-640A-EF19-0627-B49C0A61E99D}"/>
-              </a:ext>
-            </a:extLst>
-          </p:cNvPr>
-          <p:cNvSpPr txBox="1"/>
-          <p:nvPr/>
-        </p:nvSpPr>
-        <p:spPr>
-          <a:xfrm>
-            <a:off x="10287000" y="7457221"/>
-            <a:ext cx="8001000" cy="2246769"/>
-          </a:xfrm>
-          <a:prstGeom prst="rect">
-            <a:avLst/>
-          </a:prstGeom>
-          <a:noFill/>
-        </p:spPr>
-        <p:txBody>
-          <a:bodyPr wrap="square">
-            <a:spAutoFit/>
-          </a:bodyPr>
-          <a:lstStyle/>
-          <a:p>
-            <a:pPr marL="342900" marR="0" lvl="0" indent="-342900" algn="l" defTabSz="914400" rtl="0" eaLnBrk="0" fontAlgn="base" latinLnBrk="0" hangingPunct="0">
-              <a:lnSpc>
-                <a:spcPct val="100000"/>
-              </a:lnSpc>
-              <a:spcBef>
-                <a:spcPct val="0"/>
-              </a:spcBef>
-              <a:spcAft>
-                <a:spcPct val="0"/>
-              </a:spcAft>
-              <a:buClrTx/>
-              <a:buSzTx/>
-              <a:buFont typeface="Arial" panose="020B0604020202020204" pitchFamily="34" charset="0"/>
-              <a:buChar char="•"/>
-              <a:tabLst/>
-            </a:pPr>
-            <a:r>
-              <a:rPr kumimoji="0" lang="it-IT" altLang="it-IT" sz="2000" b="1" i="0" u="none" strike="noStrike" cap="none" normalizeH="0" baseline="0" dirty="0">
-                <a:ln>
-                  <a:noFill/>
-                </a:ln>
-                <a:solidFill>
-                  <a:schemeClr val="tx1"/>
-                </a:solidFill>
-                <a:effectLst/>
-              </a:rPr>
-              <a:t>Gazebo </a:t>
-            </a:r>
-            <a:r>
-              <a:rPr kumimoji="0" lang="it-IT" altLang="it-IT" sz="2000" b="1" i="0" u="none" strike="noStrike" cap="none" normalizeH="0" baseline="0" dirty="0" err="1">
-                <a:ln>
-                  <a:noFill/>
-                </a:ln>
-                <a:solidFill>
-                  <a:schemeClr val="tx1"/>
-                </a:solidFill>
-                <a:effectLst/>
-              </a:rPr>
-              <a:t>Node</a:t>
-            </a:r>
-            <a:r>
-              <a:rPr kumimoji="0" lang="it-IT" altLang="it-IT" sz="2000" b="0" i="0" u="none" strike="noStrike" cap="none" normalizeH="0" baseline="0" dirty="0">
-                <a:ln>
-                  <a:noFill/>
-                </a:ln>
-                <a:solidFill>
-                  <a:schemeClr val="tx1"/>
-                </a:solidFill>
-                <a:effectLst/>
-              </a:rPr>
-              <a:t>:</a:t>
-            </a:r>
-          </a:p>
-          <a:p>
-            <a:pPr marL="800100" lvl="1" indent="-342900" eaLnBrk="0" fontAlgn="base" hangingPunct="0">
-              <a:spcBef>
-                <a:spcPct val="0"/>
-              </a:spcBef>
-              <a:spcAft>
-                <a:spcPct val="0"/>
-              </a:spcAft>
-              <a:buFont typeface="Arial" panose="020B0604020202020204" pitchFamily="34" charset="0"/>
-              <a:buChar char="•"/>
-            </a:pPr>
-            <a:r>
-              <a:rPr kumimoji="0" lang="it-IT" altLang="it-IT" sz="2000" b="0" i="0" u="none" strike="noStrike" cap="none" normalizeH="0" baseline="0" dirty="0" err="1">
-                <a:ln>
-                  <a:noFill/>
-                </a:ln>
-                <a:solidFill>
-                  <a:schemeClr val="tx1"/>
-                </a:solidFill>
-                <a:effectLst/>
-              </a:rPr>
-              <a:t>Simulates</a:t>
-            </a:r>
-            <a:r>
-              <a:rPr kumimoji="0" lang="it-IT" altLang="it-IT" sz="2000" b="0" i="0" u="none" strike="noStrike" cap="none" normalizeH="0" baseline="0" dirty="0">
-                <a:ln>
-                  <a:noFill/>
-                </a:ln>
-                <a:solidFill>
-                  <a:schemeClr val="tx1"/>
-                </a:solidFill>
-                <a:effectLst/>
-              </a:rPr>
-              <a:t> the car in a </a:t>
-            </a:r>
-            <a:r>
-              <a:rPr kumimoji="0" lang="it-IT" altLang="it-IT" sz="2000" b="0" i="0" u="none" strike="noStrike" cap="none" normalizeH="0" baseline="0" dirty="0" err="1">
-                <a:ln>
-                  <a:noFill/>
-                </a:ln>
-                <a:solidFill>
-                  <a:schemeClr val="tx1"/>
-                </a:solidFill>
-                <a:effectLst/>
-              </a:rPr>
-              <a:t>virtual</a:t>
-            </a:r>
-            <a:r>
-              <a:rPr kumimoji="0" lang="it-IT" altLang="it-IT" sz="2000" b="0" i="0" u="none" strike="noStrike" cap="none" normalizeH="0" baseline="0" dirty="0">
-                <a:ln>
-                  <a:noFill/>
-                </a:ln>
-                <a:solidFill>
-                  <a:schemeClr val="tx1"/>
-                </a:solidFill>
-                <a:effectLst/>
-              </a:rPr>
-              <a:t> </a:t>
-            </a:r>
-            <a:r>
-              <a:rPr kumimoji="0" lang="it-IT" altLang="it-IT" sz="2000" b="0" i="0" u="none" strike="noStrike" cap="none" normalizeH="0" baseline="0" dirty="0" err="1">
-                <a:ln>
-                  <a:noFill/>
-                </a:ln>
-                <a:solidFill>
-                  <a:schemeClr val="tx1"/>
-                </a:solidFill>
-                <a:effectLst/>
-              </a:rPr>
-              <a:t>environment</a:t>
-            </a:r>
-            <a:r>
-              <a:rPr kumimoji="0" lang="it-IT" altLang="it-IT" sz="2000" b="0" i="0" u="none" strike="noStrike" cap="none" normalizeH="0" baseline="0" dirty="0">
-                <a:ln>
-                  <a:noFill/>
-                </a:ln>
-                <a:solidFill>
-                  <a:schemeClr val="tx1"/>
-                </a:solidFill>
-                <a:effectLst/>
-              </a:rPr>
-              <a:t> with </a:t>
-            </a:r>
-            <a:r>
-              <a:rPr kumimoji="0" lang="it-IT" altLang="it-IT" sz="2000" b="0" i="0" u="none" strike="noStrike" cap="none" normalizeH="0" baseline="0" dirty="0" err="1">
-                <a:ln>
-                  <a:noFill/>
-                </a:ln>
-                <a:solidFill>
-                  <a:schemeClr val="tx1"/>
-                </a:solidFill>
-                <a:effectLst/>
-              </a:rPr>
-              <a:t>realistic</a:t>
-            </a:r>
-            <a:r>
-              <a:rPr kumimoji="0" lang="it-IT" altLang="it-IT" sz="2000" b="0" i="0" u="none" strike="noStrike" cap="none" normalizeH="0" baseline="0" dirty="0">
-                <a:ln>
-                  <a:noFill/>
-                </a:ln>
-                <a:solidFill>
-                  <a:schemeClr val="tx1"/>
-                </a:solidFill>
-                <a:effectLst/>
-              </a:rPr>
-              <a:t> </a:t>
-            </a:r>
-            <a:r>
-              <a:rPr kumimoji="0" lang="it-IT" altLang="it-IT" sz="2000" b="0" i="0" u="none" strike="noStrike" cap="none" normalizeH="0" baseline="0" dirty="0" err="1">
-                <a:ln>
-                  <a:noFill/>
-                </a:ln>
-                <a:solidFill>
-                  <a:schemeClr val="tx1"/>
-                </a:solidFill>
-                <a:effectLst/>
-              </a:rPr>
-              <a:t>physics</a:t>
-            </a:r>
-            <a:r>
-              <a:rPr kumimoji="0" lang="it-IT" altLang="it-IT" sz="2000" b="0" i="0" u="none" strike="noStrike" cap="none" normalizeH="0" baseline="0" dirty="0">
-                <a:ln>
-                  <a:noFill/>
-                </a:ln>
-                <a:solidFill>
-                  <a:schemeClr val="tx1"/>
-                </a:solidFill>
-                <a:effectLst/>
-              </a:rPr>
-              <a:t> and </a:t>
-            </a:r>
-            <a:r>
-              <a:rPr kumimoji="0" lang="it-IT" altLang="it-IT" sz="2000" b="0" i="0" u="none" strike="noStrike" cap="none" normalizeH="0" baseline="0" dirty="0" err="1">
-                <a:ln>
-                  <a:noFill/>
-                </a:ln>
-                <a:solidFill>
-                  <a:schemeClr val="tx1"/>
-                </a:solidFill>
-                <a:effectLst/>
-              </a:rPr>
-              <a:t>sensors</a:t>
-            </a:r>
-            <a:r>
-              <a:rPr kumimoji="0" lang="it-IT" altLang="it-IT" sz="2000" b="0" i="0" u="none" strike="noStrike" cap="none" normalizeH="0" baseline="0" dirty="0">
-                <a:ln>
-                  <a:noFill/>
-                </a:ln>
-                <a:solidFill>
-                  <a:schemeClr val="tx1"/>
-                </a:solidFill>
-                <a:effectLst/>
-              </a:rPr>
-              <a:t>.</a:t>
-            </a:r>
-          </a:p>
-          <a:p>
-            <a:pPr marL="800100" lvl="1" indent="-342900" eaLnBrk="0" fontAlgn="base" hangingPunct="0">
-              <a:spcBef>
-                <a:spcPct val="0"/>
-              </a:spcBef>
-              <a:spcAft>
-                <a:spcPct val="0"/>
-              </a:spcAft>
-              <a:buFont typeface="Arial" panose="020B0604020202020204" pitchFamily="34" charset="0"/>
-              <a:buChar char="•"/>
-            </a:pPr>
-            <a:r>
-              <a:rPr kumimoji="0" lang="it-IT" altLang="it-IT" sz="2000" b="0" i="0" u="none" strike="noStrike" cap="none" normalizeH="0" baseline="0" dirty="0" err="1">
-                <a:ln>
-                  <a:noFill/>
-                </a:ln>
-                <a:solidFill>
-                  <a:schemeClr val="tx1"/>
-                </a:solidFill>
-                <a:effectLst/>
-              </a:rPr>
-              <a:t>Provides</a:t>
-            </a:r>
-            <a:r>
-              <a:rPr kumimoji="0" lang="it-IT" altLang="it-IT" sz="2000" b="0" i="0" u="none" strike="noStrike" cap="none" normalizeH="0" baseline="0" dirty="0">
-                <a:ln>
-                  <a:noFill/>
-                </a:ln>
-                <a:solidFill>
-                  <a:schemeClr val="tx1"/>
-                </a:solidFill>
-                <a:effectLst/>
-              </a:rPr>
-              <a:t> </a:t>
-            </a:r>
-            <a:r>
-              <a:rPr kumimoji="0" lang="it-IT" altLang="it-IT" sz="2000" b="0" i="0" u="none" strike="noStrike" cap="none" normalizeH="0" baseline="0" dirty="0" err="1">
-                <a:ln>
-                  <a:noFill/>
-                </a:ln>
-                <a:solidFill>
-                  <a:schemeClr val="tx1"/>
-                </a:solidFill>
-                <a:effectLst/>
-              </a:rPr>
-              <a:t>simulated</a:t>
-            </a:r>
-            <a:r>
-              <a:rPr kumimoji="0" lang="it-IT" altLang="it-IT" sz="2000" b="0" i="0" u="none" strike="noStrike" cap="none" normalizeH="0" baseline="0" dirty="0">
-                <a:ln>
-                  <a:noFill/>
-                </a:ln>
-                <a:solidFill>
-                  <a:schemeClr val="tx1"/>
-                </a:solidFill>
-                <a:effectLst/>
-              </a:rPr>
-              <a:t> Lidar, </a:t>
-            </a:r>
-            <a:r>
-              <a:rPr kumimoji="0" lang="it-IT" altLang="it-IT" sz="2000" b="0" i="0" u="none" strike="noStrike" cap="none" normalizeH="0" baseline="0" dirty="0" err="1">
-                <a:ln>
-                  <a:noFill/>
-                </a:ln>
-                <a:solidFill>
-                  <a:schemeClr val="tx1"/>
-                </a:solidFill>
-                <a:effectLst/>
-              </a:rPr>
-              <a:t>odometry</a:t>
-            </a:r>
-            <a:r>
-              <a:rPr kumimoji="0" lang="it-IT" altLang="it-IT" sz="2000" b="0" i="0" u="none" strike="noStrike" cap="none" normalizeH="0" baseline="0" dirty="0">
-                <a:ln>
-                  <a:noFill/>
-                </a:ln>
-                <a:solidFill>
-                  <a:schemeClr val="tx1"/>
-                </a:solidFill>
-                <a:effectLst/>
-              </a:rPr>
-              <a:t>, and </a:t>
-            </a:r>
-            <a:r>
-              <a:rPr kumimoji="0" lang="it-IT" altLang="it-IT" sz="2000" b="0" i="0" u="none" strike="noStrike" cap="none" normalizeH="0" baseline="0" dirty="0" err="1">
-                <a:ln>
-                  <a:noFill/>
-                </a:ln>
-                <a:solidFill>
-                  <a:schemeClr val="tx1"/>
-                </a:solidFill>
-                <a:effectLst/>
-              </a:rPr>
-              <a:t>other</a:t>
-            </a:r>
-            <a:r>
-              <a:rPr kumimoji="0" lang="it-IT" altLang="it-IT" sz="2000" b="0" i="0" u="none" strike="noStrike" cap="none" normalizeH="0" baseline="0" dirty="0">
-                <a:ln>
-                  <a:noFill/>
-                </a:ln>
-                <a:solidFill>
-                  <a:schemeClr val="tx1"/>
-                </a:solidFill>
-                <a:effectLst/>
-              </a:rPr>
-              <a:t> data for testing.</a:t>
-            </a:r>
-          </a:p>
-          <a:p>
-            <a:pPr marL="342900" marR="0" lvl="0" indent="-342900" algn="l" defTabSz="914400" rtl="0" eaLnBrk="0" fontAlgn="base" latinLnBrk="0" hangingPunct="0">
-              <a:lnSpc>
-                <a:spcPct val="100000"/>
-              </a:lnSpc>
-              <a:spcBef>
-                <a:spcPct val="0"/>
-              </a:spcBef>
-              <a:spcAft>
-                <a:spcPct val="0"/>
-              </a:spcAft>
-              <a:buClrTx/>
-              <a:buSzTx/>
-              <a:buFont typeface="Arial" panose="020B0604020202020204" pitchFamily="34" charset="0"/>
-              <a:buChar char="•"/>
-              <a:tabLst/>
-            </a:pPr>
-            <a:r>
-              <a:rPr kumimoji="0" lang="it-IT" altLang="it-IT" sz="2000" b="1" i="0" u="none" strike="noStrike" cap="none" normalizeH="0" baseline="0" dirty="0" err="1">
-                <a:ln>
-                  <a:noFill/>
-                </a:ln>
-                <a:solidFill>
-                  <a:schemeClr val="tx1"/>
-                </a:solidFill>
-                <a:effectLst/>
-              </a:rPr>
-              <a:t>RViz</a:t>
-            </a:r>
-            <a:r>
-              <a:rPr kumimoji="0" lang="it-IT" altLang="it-IT" sz="2000" b="1" i="0" u="none" strike="noStrike" cap="none" normalizeH="0" baseline="0" dirty="0">
-                <a:ln>
-                  <a:noFill/>
-                </a:ln>
-                <a:solidFill>
-                  <a:schemeClr val="tx1"/>
-                </a:solidFill>
-                <a:effectLst/>
-              </a:rPr>
-              <a:t> </a:t>
-            </a:r>
-            <a:r>
-              <a:rPr kumimoji="0" lang="it-IT" altLang="it-IT" sz="2000" b="1" i="0" u="none" strike="noStrike" cap="none" normalizeH="0" baseline="0" dirty="0" err="1">
-                <a:ln>
-                  <a:noFill/>
-                </a:ln>
-                <a:solidFill>
-                  <a:schemeClr val="tx1"/>
-                </a:solidFill>
-                <a:effectLst/>
-              </a:rPr>
-              <a:t>Node</a:t>
-            </a:r>
-            <a:r>
-              <a:rPr kumimoji="0" lang="it-IT" altLang="it-IT" sz="2000" b="0" i="0" u="none" strike="noStrike" cap="none" normalizeH="0" baseline="0" dirty="0">
-                <a:ln>
-                  <a:noFill/>
-                </a:ln>
-                <a:solidFill>
-                  <a:schemeClr val="tx1"/>
-                </a:solidFill>
-                <a:effectLst/>
-              </a:rPr>
-              <a:t>:</a:t>
-            </a:r>
-          </a:p>
-          <a:p>
-            <a:pPr marL="800100" lvl="1" indent="-342900" eaLnBrk="0" fontAlgn="base" hangingPunct="0">
-              <a:spcBef>
-                <a:spcPct val="0"/>
-              </a:spcBef>
-              <a:spcAft>
-                <a:spcPct val="0"/>
-              </a:spcAft>
-              <a:buFont typeface="Arial" panose="020B0604020202020204" pitchFamily="34" charset="0"/>
-              <a:buChar char="•"/>
-            </a:pPr>
-            <a:r>
-              <a:rPr kumimoji="0" lang="it-IT" altLang="it-IT" sz="2000" b="0" i="0" u="none" strike="noStrike" cap="none" normalizeH="0" baseline="0" dirty="0" err="1">
-                <a:ln>
-                  <a:noFill/>
-                </a:ln>
-                <a:solidFill>
-                  <a:schemeClr val="tx1"/>
-                </a:solidFill>
-                <a:effectLst/>
-              </a:rPr>
-              <a:t>Visualizes</a:t>
-            </a:r>
-            <a:r>
-              <a:rPr kumimoji="0" lang="it-IT" altLang="it-IT" sz="2000" b="0" i="0" u="none" strike="noStrike" cap="none" normalizeH="0" baseline="0" dirty="0">
-                <a:ln>
-                  <a:noFill/>
-                </a:ln>
-                <a:solidFill>
-                  <a:schemeClr val="tx1"/>
-                </a:solidFill>
-                <a:effectLst/>
-              </a:rPr>
-              <a:t> the </a:t>
-            </a:r>
-            <a:r>
-              <a:rPr kumimoji="0" lang="it-IT" altLang="it-IT" sz="2000" b="0" i="0" u="none" strike="noStrike" cap="none" normalizeH="0" baseline="0" dirty="0" err="1">
-                <a:ln>
-                  <a:noFill/>
-                </a:ln>
-                <a:solidFill>
-                  <a:schemeClr val="tx1"/>
-                </a:solidFill>
-                <a:effectLst/>
-              </a:rPr>
-              <a:t>car's</a:t>
-            </a:r>
-            <a:r>
-              <a:rPr kumimoji="0" lang="it-IT" altLang="it-IT" sz="2000" b="0" i="0" u="none" strike="noStrike" cap="none" normalizeH="0" baseline="0" dirty="0">
-                <a:ln>
-                  <a:noFill/>
-                </a:ln>
-                <a:solidFill>
-                  <a:schemeClr val="tx1"/>
-                </a:solidFill>
-                <a:effectLst/>
-              </a:rPr>
-              <a:t> state, </a:t>
-            </a:r>
-            <a:r>
-              <a:rPr kumimoji="0" lang="it-IT" altLang="it-IT" sz="2000" b="0" i="0" u="none" strike="noStrike" cap="none" normalizeH="0" baseline="0" dirty="0" err="1">
-                <a:ln>
-                  <a:noFill/>
-                </a:ln>
-                <a:solidFill>
-                  <a:schemeClr val="tx1"/>
-                </a:solidFill>
-                <a:effectLst/>
-              </a:rPr>
-              <a:t>sensor</a:t>
-            </a:r>
-            <a:r>
-              <a:rPr kumimoji="0" lang="it-IT" altLang="it-IT" sz="2000" b="0" i="0" u="none" strike="noStrike" cap="none" normalizeH="0" baseline="0" dirty="0">
-                <a:ln>
-                  <a:noFill/>
-                </a:ln>
-                <a:solidFill>
-                  <a:schemeClr val="tx1"/>
-                </a:solidFill>
-                <a:effectLst/>
-              </a:rPr>
-              <a:t> data, and </a:t>
-            </a:r>
-            <a:r>
-              <a:rPr kumimoji="0" lang="it-IT" altLang="it-IT" sz="2000" b="0" i="0" u="none" strike="noStrike" cap="none" normalizeH="0" baseline="0" dirty="0" err="1">
-                <a:ln>
-                  <a:noFill/>
-                </a:ln>
-                <a:solidFill>
-                  <a:schemeClr val="tx1"/>
-                </a:solidFill>
-                <a:effectLst/>
-              </a:rPr>
-              <a:t>environment</a:t>
-            </a:r>
-            <a:r>
-              <a:rPr kumimoji="0" lang="it-IT" altLang="it-IT" sz="2000" b="0" i="0" u="none" strike="noStrike" cap="none" normalizeH="0" baseline="0" dirty="0">
-                <a:ln>
-                  <a:noFill/>
-                </a:ln>
-                <a:solidFill>
-                  <a:schemeClr val="tx1"/>
-                </a:solidFill>
-                <a:effectLst/>
-              </a:rPr>
-              <a:t> in 3D.</a:t>
-            </a:r>
-          </a:p>
-          <a:p>
-            <a:pPr marL="800100" lvl="1" indent="-342900" eaLnBrk="0" fontAlgn="base" hangingPunct="0">
-              <a:spcBef>
-                <a:spcPct val="0"/>
-              </a:spcBef>
-              <a:spcAft>
-                <a:spcPct val="0"/>
-              </a:spcAft>
-              <a:buFont typeface="Arial" panose="020B0604020202020204" pitchFamily="34" charset="0"/>
-              <a:buChar char="•"/>
-            </a:pPr>
-            <a:r>
-              <a:rPr kumimoji="0" lang="it-IT" altLang="it-IT" sz="2000" b="0" i="0" u="none" strike="noStrike" cap="none" normalizeH="0" baseline="0" dirty="0">
-                <a:ln>
-                  <a:noFill/>
-                </a:ln>
-                <a:solidFill>
-                  <a:schemeClr val="tx1"/>
-                </a:solidFill>
-                <a:effectLst/>
-              </a:rPr>
-              <a:t>Displays real-time updates on </a:t>
-            </a:r>
-            <a:r>
-              <a:rPr kumimoji="0" lang="it-IT" altLang="it-IT" sz="2000" b="0" i="0" u="none" strike="noStrike" cap="none" normalizeH="0" baseline="0" dirty="0" err="1">
-                <a:ln>
-                  <a:noFill/>
-                </a:ln>
-                <a:solidFill>
-                  <a:schemeClr val="tx1"/>
-                </a:solidFill>
-                <a:effectLst/>
-              </a:rPr>
-              <a:t>navigation</a:t>
-            </a:r>
-            <a:r>
-              <a:rPr kumimoji="0" lang="it-IT" altLang="it-IT" sz="2000" b="0" i="0" u="none" strike="noStrike" cap="none" normalizeH="0" baseline="0" dirty="0">
-                <a:ln>
-                  <a:noFill/>
-                </a:ln>
-                <a:solidFill>
-                  <a:schemeClr val="tx1"/>
-                </a:solidFill>
-                <a:effectLst/>
-              </a:rPr>
-              <a:t> and </a:t>
-            </a:r>
-            <a:r>
-              <a:rPr kumimoji="0" lang="it-IT" altLang="it-IT" sz="2000" b="0" i="0" u="none" strike="noStrike" cap="none" normalizeH="0" baseline="0" dirty="0" err="1">
-                <a:ln>
-                  <a:noFill/>
-                </a:ln>
-                <a:solidFill>
-                  <a:schemeClr val="tx1"/>
-                </a:solidFill>
-                <a:effectLst/>
-              </a:rPr>
-              <a:t>obstacle</a:t>
-            </a:r>
-            <a:r>
-              <a:rPr kumimoji="0" lang="it-IT" altLang="it-IT" sz="2000" b="0" i="0" u="none" strike="noStrike" cap="none" normalizeH="0" baseline="0" dirty="0">
-                <a:ln>
-                  <a:noFill/>
-                </a:ln>
-                <a:solidFill>
-                  <a:schemeClr val="tx1"/>
-                </a:solidFill>
-                <a:effectLst/>
-              </a:rPr>
-              <a:t> </a:t>
-            </a:r>
-            <a:r>
-              <a:rPr kumimoji="0" lang="it-IT" altLang="it-IT" sz="2000" b="0" i="0" u="none" strike="noStrike" cap="none" normalizeH="0" baseline="0" dirty="0" err="1">
-                <a:ln>
-                  <a:noFill/>
-                </a:ln>
-                <a:solidFill>
-                  <a:schemeClr val="tx1"/>
-                </a:solidFill>
-                <a:effectLst/>
-              </a:rPr>
-              <a:t>avoidance</a:t>
-            </a:r>
-            <a:r>
-              <a:rPr kumimoji="0" lang="it-IT" altLang="it-IT" sz="2000" b="0" i="0" u="none" strike="noStrike" cap="none" normalizeH="0" baseline="0" dirty="0">
-                <a:ln>
-                  <a:noFill/>
-                </a:ln>
-                <a:solidFill>
-                  <a:schemeClr val="tx1"/>
-                </a:solidFill>
-                <a:effectLst/>
-              </a:rPr>
-              <a:t>.</a:t>
-            </a:r>
-          </a:p>
-        </p:txBody>
-      </p:sp>
-      <p:sp>
-        <p:nvSpPr>
-          <p:cNvPr id="30" name="CasellaDiTesto 29">
-            <a:extLst>
-              <a:ext uri="{FF2B5EF4-FFF2-40B4-BE49-F238E27FC236}">
-                <a16:creationId xmlns:a16="http://schemas.microsoft.com/office/drawing/2014/main" xmlns="" id="{3473409A-097C-25EB-B9A0-9F574493CCF9}"/>
-              </a:ext>
-            </a:extLst>
-          </p:cNvPr>
-          <p:cNvSpPr txBox="1"/>
-          <p:nvPr/>
-        </p:nvSpPr>
-        <p:spPr>
-          <a:xfrm>
-            <a:off x="9364750" y="4001904"/>
-            <a:ext cx="7119431" cy="2246769"/>
-          </a:xfrm>
-          <a:prstGeom prst="rect">
-            <a:avLst/>
-          </a:prstGeom>
-          <a:noFill/>
-        </p:spPr>
-        <p:txBody>
-          <a:bodyPr wrap="square">
-            <a:spAutoFit/>
-          </a:bodyPr>
-          <a:lstStyle/>
-          <a:p>
-            <a:pPr marL="342900" marR="0" lvl="0" indent="-342900" algn="l" defTabSz="914400" rtl="0" eaLnBrk="0" fontAlgn="base" latinLnBrk="0" hangingPunct="0">
-              <a:lnSpc>
-                <a:spcPct val="100000"/>
-              </a:lnSpc>
-              <a:spcBef>
-                <a:spcPct val="0"/>
-              </a:spcBef>
-              <a:spcAft>
-                <a:spcPct val="0"/>
-              </a:spcAft>
-              <a:buClrTx/>
-              <a:buSzTx/>
-              <a:buFont typeface="Arial" panose="020B0604020202020204" pitchFamily="34" charset="0"/>
-              <a:buChar char="•"/>
-              <a:tabLst/>
-            </a:pPr>
-            <a:r>
-              <a:rPr lang="it-IT" altLang="it-IT" sz="2000" b="1" dirty="0" err="1"/>
-              <a:t>Waypoint</a:t>
-            </a:r>
-            <a:r>
-              <a:rPr lang="it-IT" altLang="it-IT" sz="2000" b="1" dirty="0"/>
-              <a:t> Navigator:</a:t>
-            </a:r>
-          </a:p>
-          <a:p>
-            <a:pPr marL="800100" lvl="1" indent="-342900" eaLnBrk="0" fontAlgn="base" hangingPunct="0">
-              <a:spcBef>
-                <a:spcPct val="0"/>
-              </a:spcBef>
-              <a:spcAft>
-                <a:spcPct val="0"/>
-              </a:spcAft>
-              <a:buFont typeface="Arial" panose="020B0604020202020204" pitchFamily="34" charset="0"/>
-              <a:buChar char="•"/>
-            </a:pPr>
-            <a:r>
-              <a:rPr lang="en-US" sz="2000" dirty="0"/>
-              <a:t>An autonomous navigation node that processes randomly generated waypoints.</a:t>
-            </a:r>
-          </a:p>
-          <a:p>
-            <a:pPr marL="800100" lvl="1" indent="-342900" eaLnBrk="0" fontAlgn="base" hangingPunct="0">
-              <a:spcBef>
-                <a:spcPct val="0"/>
-              </a:spcBef>
-              <a:spcAft>
-                <a:spcPct val="0"/>
-              </a:spcAft>
-              <a:buFont typeface="Arial" panose="020B0604020202020204" pitchFamily="34" charset="0"/>
-              <a:buChar char="•"/>
-            </a:pPr>
-            <a:r>
-              <a:rPr lang="en-US" sz="2000" dirty="0"/>
-              <a:t>Uses obstacle avoidance algorithms (e.g., wall following) based on sensor data like Lidar.</a:t>
-            </a:r>
-          </a:p>
-          <a:p>
-            <a:pPr marL="800100" lvl="1" indent="-342900" eaLnBrk="0" fontAlgn="base" hangingPunct="0">
-              <a:spcBef>
-                <a:spcPct val="0"/>
-              </a:spcBef>
-              <a:spcAft>
-                <a:spcPct val="0"/>
-              </a:spcAft>
-              <a:buFont typeface="Arial" panose="020B0604020202020204" pitchFamily="34" charset="0"/>
-              <a:buChar char="•"/>
-            </a:pPr>
-            <a:r>
-              <a:rPr lang="en-US" sz="2000" dirty="0"/>
-              <a:t>Subscribes to topics for waypoints and publishes commands to control the car's movement.</a:t>
-            </a:r>
-            <a:endParaRPr lang="it-IT" altLang="it-IT" sz="2000" dirty="0"/>
-          </a:p>
-        </p:txBody>
-      </p:sp>
-      <p:cxnSp>
-        <p:nvCxnSpPr>
-          <p:cNvPr id="35" name="Connettore diritto 34">
-            <a:extLst>
-              <a:ext uri="{FF2B5EF4-FFF2-40B4-BE49-F238E27FC236}">
-                <a16:creationId xmlns:a16="http://schemas.microsoft.com/office/drawing/2014/main" xmlns="" id="{6FC4DF27-7F7A-5DA7-C9D9-E779B1E177DA}"/>
-              </a:ext>
-            </a:extLst>
-          </p:cNvPr>
-          <p:cNvCxnSpPr>
-            <a:cxnSpLocks/>
-          </p:cNvCxnSpPr>
-          <p:nvPr/>
-        </p:nvCxnSpPr>
-        <p:spPr>
-          <a:xfrm>
-            <a:off x="2057400" y="6819900"/>
-            <a:ext cx="14554200" cy="0"/>
-          </a:xfrm>
-          <a:prstGeom prst="line">
-            <a:avLst/>
-          </a:prstGeom>
-        </p:spPr>
-        <p:style>
-          <a:lnRef idx="1">
-            <a:schemeClr val="dk1"/>
-          </a:lnRef>
-          <a:fillRef idx="0">
-            <a:schemeClr val="dk1"/>
-          </a:fillRef>
-          <a:effectRef idx="0">
-            <a:schemeClr val="dk1"/>
-          </a:effectRef>
-          <a:fontRef idx="minor">
-            <a:schemeClr val="tx1"/>
-          </a:fontRef>
-        </p:style>
-      </p:cxnSp>
     </p:spTree>
     <p:extLst>
       <p:ext uri="{BB962C8B-B14F-4D97-AF65-F5344CB8AC3E}">
-        <p14:creationId xmlns:p14="http://schemas.microsoft.com/office/powerpoint/2010/main" val="509776813"/>
+        <p14:creationId xmlns:p14="http://schemas.microsoft.com/office/powerpoint/2010/main" val="3885031720"/>
       </p:ext>
     </p:extLst>
   </p:cSld>
@@ -25352,7 +27320,7 @@
                                           </p:stCondLst>
                                         </p:cTn>
                                         <p:tgtEl>
-                                          <p:spTgt spid="8"/>
+                                          <p:spTgt spid="11"/>
                                         </p:tgtEl>
                                         <p:attrNameLst>
                                           <p:attrName>style.visibility</p:attrName>
@@ -25379,7 +27347,7 @@
                                           </p:stCondLst>
                                         </p:cTn>
                                         <p:tgtEl>
-                                          <p:spTgt spid="15"/>
+                                          <p:spTgt spid="8"/>
                                         </p:tgtEl>
                                         <p:attrNameLst>
                                           <p:attrName>style.visibility</p:attrName>
@@ -25406,205 +27374,7 @@
                                           </p:stCondLst>
                                         </p:cTn>
                                         <p:tgtEl>
-                                          <p:spTgt spid="7"/>
-                                        </p:tgtEl>
-                                        <p:attrNameLst>
-                                          <p:attrName>style.visibility</p:attrName>
-                                        </p:attrNameLst>
-                                      </p:cBhvr>
-                                      <p:to>
-                                        <p:strVal val="visible"/>
-                                      </p:to>
-                                    </p:set>
-                                  </p:childTnLst>
-                                </p:cTn>
-                              </p:par>
-                            </p:childTnLst>
-                          </p:cTn>
-                        </p:par>
-                      </p:childTnLst>
-                    </p:cTn>
-                  </p:par>
-                  <p:par>
-                    <p:cTn id="11" fill="hold">
-                      <p:stCondLst>
-                        <p:cond delay="indefinite"/>
-                      </p:stCondLst>
-                      <p:childTnLst>
-                        <p:par>
-                          <p:cTn id="12" fill="hold">
-                            <p:stCondLst>
-                              <p:cond delay="0"/>
-                            </p:stCondLst>
-                            <p:childTnLst>
-                              <p:par>
-                                <p:cTn id="13" presetID="1" presetClass="entr" presetSubtype="0" fill="hold" grpId="0" nodeType="clickEffect">
-                                  <p:stCondLst>
-                                    <p:cond delay="0"/>
-                                  </p:stCondLst>
-                                  <p:childTnLst>
-                                    <p:set>
-                                      <p:cBhvr>
-                                        <p:cTn id="14" dur="1" fill="hold">
-                                          <p:stCondLst>
-                                            <p:cond delay="0"/>
-                                          </p:stCondLst>
-                                        </p:cTn>
-                                        <p:tgtEl>
-                                          <p:spTgt spid="9"/>
-                                        </p:tgtEl>
-                                        <p:attrNameLst>
-                                          <p:attrName>style.visibility</p:attrName>
-                                        </p:attrNameLst>
-                                      </p:cBhvr>
-                                      <p:to>
-                                        <p:strVal val="visible"/>
-                                      </p:to>
-                                    </p:set>
-                                  </p:childTnLst>
-                                </p:cTn>
-                              </p:par>
-                              <p:par>
-                                <p:cTn id="15" presetID="1" presetClass="entr" presetSubtype="0" fill="hold" grpId="0" nodeType="withEffect">
-                                  <p:stCondLst>
-                                    <p:cond delay="0"/>
-                                  </p:stCondLst>
-                                  <p:childTnLst>
-                                    <p:set>
-                                      <p:cBhvr>
-                                        <p:cTn id="16" dur="1" fill="hold">
-                                          <p:stCondLst>
-                                            <p:cond delay="0"/>
-                                          </p:stCondLst>
-                                        </p:cTn>
-                                        <p:tgtEl>
-                                          <p:spTgt spid="30"/>
-                                        </p:tgtEl>
-                                        <p:attrNameLst>
-                                          <p:attrName>style.visibility</p:attrName>
-                                        </p:attrNameLst>
-                                      </p:cBhvr>
-                                      <p:to>
-                                        <p:strVal val="visible"/>
-                                      </p:to>
-                                    </p:set>
-                                  </p:childTnLst>
-                                </p:cTn>
-                              </p:par>
-                            </p:childTnLst>
-                          </p:cTn>
-                        </p:par>
-                      </p:childTnLst>
-                    </p:cTn>
-                  </p:par>
-                  <p:par>
-                    <p:cTn id="17" fill="hold">
-                      <p:stCondLst>
-                        <p:cond delay="indefinite"/>
-                      </p:stCondLst>
-                      <p:childTnLst>
-                        <p:par>
-                          <p:cTn id="18" fill="hold">
-                            <p:stCondLst>
-                              <p:cond delay="0"/>
-                            </p:stCondLst>
-                            <p:childTnLst>
-                              <p:par>
-                                <p:cTn id="19" presetID="1" presetClass="entr" presetSubtype="0" fill="hold" nodeType="clickEffect">
-                                  <p:stCondLst>
-                                    <p:cond delay="0"/>
-                                  </p:stCondLst>
-                                  <p:childTnLst>
-                                    <p:set>
-                                      <p:cBhvr>
-                                        <p:cTn id="20" dur="1" fill="hold">
-                                          <p:stCondLst>
-                                            <p:cond delay="0"/>
-                                          </p:stCondLst>
-                                        </p:cTn>
-                                        <p:tgtEl>
-                                          <p:spTgt spid="35"/>
-                                        </p:tgtEl>
-                                        <p:attrNameLst>
-                                          <p:attrName>style.visibility</p:attrName>
-                                        </p:attrNameLst>
-                                      </p:cBhvr>
-                                      <p:to>
-                                        <p:strVal val="visible"/>
-                                      </p:to>
-                                    </p:set>
-                                  </p:childTnLst>
-                                </p:cTn>
-                              </p:par>
-                              <p:par>
-                                <p:cTn id="21" presetID="1" presetClass="entr" presetSubtype="0" fill="hold" grpId="0" nodeType="withEffect">
-                                  <p:stCondLst>
-                                    <p:cond delay="0"/>
-                                  </p:stCondLst>
-                                  <p:childTnLst>
-                                    <p:set>
-                                      <p:cBhvr>
-                                        <p:cTn id="22" dur="1" fill="hold">
-                                          <p:stCondLst>
-                                            <p:cond delay="0"/>
-                                          </p:stCondLst>
-                                        </p:cTn>
-                                        <p:tgtEl>
-                                          <p:spTgt spid="18"/>
-                                        </p:tgtEl>
-                                        <p:attrNameLst>
-                                          <p:attrName>style.visibility</p:attrName>
-                                        </p:attrNameLst>
-                                      </p:cBhvr>
-                                      <p:to>
-                                        <p:strVal val="visible"/>
-                                      </p:to>
-                                    </p:set>
-                                  </p:childTnLst>
-                                </p:cTn>
-                              </p:par>
-                              <p:par>
-                                <p:cTn id="23" presetID="1" presetClass="entr" presetSubtype="0" fill="hold" grpId="0" nodeType="withEffect">
-                                  <p:stCondLst>
-                                    <p:cond delay="0"/>
-                                  </p:stCondLst>
-                                  <p:childTnLst>
-                                    <p:set>
-                                      <p:cBhvr>
-                                        <p:cTn id="24" dur="1" fill="hold">
-                                          <p:stCondLst>
-                                            <p:cond delay="0"/>
-                                          </p:stCondLst>
-                                        </p:cTn>
-                                        <p:tgtEl>
-                                          <p:spTgt spid="19"/>
-                                        </p:tgtEl>
-                                        <p:attrNameLst>
-                                          <p:attrName>style.visibility</p:attrName>
-                                        </p:attrNameLst>
-                                      </p:cBhvr>
-                                      <p:to>
-                                        <p:strVal val="visible"/>
-                                      </p:to>
-                                    </p:set>
-                                  </p:childTnLst>
-                                </p:cTn>
-                              </p:par>
-                              <p:par>
-                                <p:cTn id="25" presetID="1" presetClass="entr" presetSubtype="0" fill="hold" grpId="0" nodeType="withEffect">
-                                  <p:stCondLst>
-                                    <p:cond delay="0"/>
-                                  </p:stCondLst>
-                                  <p:childTnLst>
-                                    <p:set>
-                                      <p:cBhvr>
-                                        <p:cTn id="26" dur="1" fill="hold">
-                                          <p:stCondLst>
-                                            <p:cond delay="0"/>
-                                          </p:stCondLst>
-                                        </p:cTn>
-                                        <p:tgtEl>
-                                          <p:spTgt spid="23"/>
+                                          <p:spTgt spid="1027"/>
                                         </p:tgtEl>
                                         <p:attrNameLst>
                                           <p:attrName>style.visibility</p:attrName>
@@ -25646,12 +27416,7 @@
     </p:tnLst>
     <p:bldLst>
       <p:bldP spid="8" grpId="0"/>
-      <p:bldP spid="9" grpId="0"/>
-      <p:bldP spid="15" grpId="0"/>
-      <p:bldP spid="18" grpId="0"/>
-      <p:bldP spid="19" grpId="0"/>
-      <p:bldP spid="23" grpId="0"/>
-      <p:bldP spid="30" grpId="0"/>
+      <p:bldP spid="11" grpId="0"/>
     </p:bldLst>
   </p:timing>
 </p:sld>

--- a/ros_presentation.pptx
+++ b/ros_presentation.pptx
@@ -14,9 +14,9 @@
     <p:sldId id="259" r:id="rId5"/>
     <p:sldId id="267" r:id="rId6"/>
     <p:sldId id="260" r:id="rId7"/>
-    <p:sldId id="275" r:id="rId8"/>
+    <p:sldId id="276" r:id="rId8"/>
     <p:sldId id="269" r:id="rId9"/>
-    <p:sldId id="276" r:id="rId10"/>
+    <p:sldId id="275" r:id="rId10"/>
     <p:sldId id="266" r:id="rId11"/>
     <p:sldId id="268" r:id="rId12"/>
     <p:sldId id="270" r:id="rId13"/>
@@ -32,33 +32,33 @@
   <p:notesSz cx="6858000" cy="9144000"/>
   <p:embeddedFontLst>
     <p:embeddedFont>
-      <p:font typeface="DM Sans Italics" panose="020B0604020202020204" charset="0"/>
+      <p:font typeface="DM Sans" panose="020B0604020202020204" charset="0"/>
       <p:regular r:id="rId22"/>
+      <p:bold r:id="rId23"/>
+      <p:italic r:id="rId24"/>
+      <p:boldItalic r:id="rId25"/>
     </p:embeddedFont>
     <p:embeddedFont>
-      <p:font typeface="Calibri" panose="020F0502020204030204" pitchFamily="34" charset="0"/>
-      <p:regular r:id="rId23"/>
-      <p:bold r:id="rId24"/>
-      <p:italic r:id="rId25"/>
-      <p:boldItalic r:id="rId26"/>
+      <p:font typeface="DM Sans Italics" panose="020B0604020202020204" charset="0"/>
+      <p:regular r:id="rId26"/>
     </p:embeddedFont>
     <p:embeddedFont>
       <p:font typeface="Oswald Bold" panose="020B0604020202020204" charset="0"/>
       <p:regular r:id="rId27"/>
     </p:embeddedFont>
     <p:embeddedFont>
-      <p:font typeface="Open Sans Bold" panose="020B0604020202020204" charset="0"/>
+      <p:font typeface="Calibri" panose="020F0502020204030204" pitchFamily="34" charset="0"/>
       <p:regular r:id="rId28"/>
-    </p:embeddedFont>
-    <p:embeddedFont>
-      <p:font typeface="DM Sans" panose="020B0604020202020204" charset="0"/>
-      <p:regular r:id="rId29"/>
-      <p:bold r:id="rId30"/>
-      <p:italic r:id="rId31"/>
-      <p:boldItalic r:id="rId32"/>
+      <p:bold r:id="rId29"/>
+      <p:italic r:id="rId30"/>
+      <p:boldItalic r:id="rId31"/>
     </p:embeddedFont>
     <p:embeddedFont>
       <p:font typeface="DM Sans Bold" panose="020B0604020202020204" charset="0"/>
+      <p:regular r:id="rId32"/>
+    </p:embeddedFont>
+    <p:embeddedFont>
+      <p:font typeface="Open Sans Bold" panose="020B0604020202020204" charset="0"/>
       <p:regular r:id="rId33"/>
     </p:embeddedFont>
   </p:embeddedFontLst>
@@ -176,9 +176,9 @@
           <p14:sldIdLst>
             <p14:sldId id="267"/>
             <p14:sldId id="260"/>
+            <p14:sldId id="276"/>
+            <p14:sldId id="269"/>
             <p14:sldId id="275"/>
-            <p14:sldId id="269"/>
-            <p14:sldId id="276"/>
           </p14:sldIdLst>
         </p14:section>
         <p14:section name="Structure" id="{766C5C2E-D8C8-4360-B505-D4816A8F72D6}">
@@ -202,7 +202,7 @@
       </p14:sectionLst>
     </p:ext>
     <p:ext uri="{EFAFB233-063F-42B5-8137-9DF3F51BA10A}">
-      <p15:sldGuideLst xmlns="" xmlns:p15="http://schemas.microsoft.com/office/powerpoint/2012/main">
+      <p15:sldGuideLst xmlns:p15="http://schemas.microsoft.com/office/powerpoint/2012/main" xmlns="">
         <p15:guide id="1" orient="horz" pos="2160">
           <p15:clr>
             <a:srgbClr val="A4A3A4"/>
@@ -301,7 +301,7 @@
           <a:p>
             <a:fld id="{B7268E1E-0E44-426D-905E-8AD9B19D2182}" type="datetimeFigureOut">
               <a:rPr lang="cs-CZ" smtClean="0"/>
-              <a:t>08.01.2025</a:t>
+              <a:t>10.01.2025</a:t>
             </a:fld>
             <a:endParaRPr lang="cs-CZ"/>
           </a:p>
@@ -792,7 +792,7 @@
         <p:cNvPr id="1" name="">
           <a:extLst>
             <a:ext uri="{FF2B5EF4-FFF2-40B4-BE49-F238E27FC236}">
-              <a16:creationId xmlns="" xmlns:a16="http://schemas.microsoft.com/office/drawing/2014/main" id="{C4311C3A-40E3-4828-7C2D-3257D2386C46}"/>
+              <a16:creationId xmlns:a16="http://schemas.microsoft.com/office/drawing/2014/main" xmlns="" id="{C4311C3A-40E3-4828-7C2D-3257D2386C46}"/>
             </a:ext>
           </a:extLst>
         </p:cNvPr>
@@ -812,7 +812,7 @@
           <p:cNvPr id="2" name="Header Placeholder 1">
             <a:extLst>
               <a:ext uri="{FF2B5EF4-FFF2-40B4-BE49-F238E27FC236}">
-                <a16:creationId xmlns="" xmlns:a16="http://schemas.microsoft.com/office/drawing/2014/main" id="{3C6E3C0A-01CC-2F23-5706-815937E232A7}"/>
+                <a16:creationId xmlns:a16="http://schemas.microsoft.com/office/drawing/2014/main" xmlns="" id="{3C6E3C0A-01CC-2F23-5706-815937E232A7}"/>
               </a:ext>
             </a:extLst>
           </p:cNvPr>
@@ -849,7 +849,7 @@
           <p:cNvPr id="3" name="Date Placeholder 2">
             <a:extLst>
               <a:ext uri="{FF2B5EF4-FFF2-40B4-BE49-F238E27FC236}">
-                <a16:creationId xmlns="" xmlns:a16="http://schemas.microsoft.com/office/drawing/2014/main" id="{D73F766D-3A13-0CDF-11C1-DF545BC50678}"/>
+                <a16:creationId xmlns:a16="http://schemas.microsoft.com/office/drawing/2014/main" xmlns="" id="{D73F766D-3A13-0CDF-11C1-DF545BC50678}"/>
               </a:ext>
             </a:extLst>
           </p:cNvPr>
@@ -889,7 +889,7 @@
           <p:cNvPr id="4" name="Slide Image Placeholder 3">
             <a:extLst>
               <a:ext uri="{FF2B5EF4-FFF2-40B4-BE49-F238E27FC236}">
-                <a16:creationId xmlns="" xmlns:a16="http://schemas.microsoft.com/office/drawing/2014/main" id="{43F7AC21-2A72-DDB4-DCAC-43706BBC9764}"/>
+                <a16:creationId xmlns:a16="http://schemas.microsoft.com/office/drawing/2014/main" xmlns="" id="{43F7AC21-2A72-DDB4-DCAC-43706BBC9764}"/>
               </a:ext>
             </a:extLst>
           </p:cNvPr>
@@ -928,7 +928,7 @@
           <p:cNvPr id="5" name="Notes Placeholder 4">
             <a:extLst>
               <a:ext uri="{FF2B5EF4-FFF2-40B4-BE49-F238E27FC236}">
-                <a16:creationId xmlns="" xmlns:a16="http://schemas.microsoft.com/office/drawing/2014/main" id="{532CA9A3-956A-FEFB-3B26-F46BFE93B0FD}"/>
+                <a16:creationId xmlns:a16="http://schemas.microsoft.com/office/drawing/2014/main" xmlns="" id="{532CA9A3-956A-FEFB-3B26-F46BFE93B0FD}"/>
               </a:ext>
             </a:extLst>
           </p:cNvPr>
@@ -961,7 +961,7 @@
           <p:cNvPr id="6" name="Footer Placeholder 5">
             <a:extLst>
               <a:ext uri="{FF2B5EF4-FFF2-40B4-BE49-F238E27FC236}">
-                <a16:creationId xmlns="" xmlns:a16="http://schemas.microsoft.com/office/drawing/2014/main" id="{980C98CE-72C8-902A-9126-0D5D09954A4E}"/>
+                <a16:creationId xmlns:a16="http://schemas.microsoft.com/office/drawing/2014/main" xmlns="" id="{980C98CE-72C8-902A-9126-0D5D09954A4E}"/>
               </a:ext>
             </a:extLst>
           </p:cNvPr>
@@ -998,7 +998,7 @@
           <p:cNvPr id="7" name="Slide Number Placeholder 6">
             <a:extLst>
               <a:ext uri="{FF2B5EF4-FFF2-40B4-BE49-F238E27FC236}">
-                <a16:creationId xmlns="" xmlns:a16="http://schemas.microsoft.com/office/drawing/2014/main" id="{D6C722EE-4FAB-03C1-D553-AFFD260B2EFE}"/>
+                <a16:creationId xmlns:a16="http://schemas.microsoft.com/office/drawing/2014/main" xmlns="" id="{D6C722EE-4FAB-03C1-D553-AFFD260B2EFE}"/>
               </a:ext>
             </a:extLst>
           </p:cNvPr>
@@ -1054,7 +1054,7 @@
         <p:cNvPr id="1" name="">
           <a:extLst>
             <a:ext uri="{FF2B5EF4-FFF2-40B4-BE49-F238E27FC236}">
-              <a16:creationId xmlns="" xmlns:a16="http://schemas.microsoft.com/office/drawing/2014/main" id="{C4311C3A-40E3-4828-7C2D-3257D2386C46}"/>
+              <a16:creationId xmlns:a16="http://schemas.microsoft.com/office/drawing/2014/main" xmlns="" id="{C4311C3A-40E3-4828-7C2D-3257D2386C46}"/>
             </a:ext>
           </a:extLst>
         </p:cNvPr>
@@ -1074,7 +1074,7 @@
           <p:cNvPr id="2" name="Header Placeholder 1">
             <a:extLst>
               <a:ext uri="{FF2B5EF4-FFF2-40B4-BE49-F238E27FC236}">
-                <a16:creationId xmlns="" xmlns:a16="http://schemas.microsoft.com/office/drawing/2014/main" id="{3C6E3C0A-01CC-2F23-5706-815937E232A7}"/>
+                <a16:creationId xmlns:a16="http://schemas.microsoft.com/office/drawing/2014/main" xmlns="" id="{3C6E3C0A-01CC-2F23-5706-815937E232A7}"/>
               </a:ext>
             </a:extLst>
           </p:cNvPr>
@@ -1111,7 +1111,7 @@
           <p:cNvPr id="3" name="Date Placeholder 2">
             <a:extLst>
               <a:ext uri="{FF2B5EF4-FFF2-40B4-BE49-F238E27FC236}">
-                <a16:creationId xmlns="" xmlns:a16="http://schemas.microsoft.com/office/drawing/2014/main" id="{D73F766D-3A13-0CDF-11C1-DF545BC50678}"/>
+                <a16:creationId xmlns:a16="http://schemas.microsoft.com/office/drawing/2014/main" xmlns="" id="{D73F766D-3A13-0CDF-11C1-DF545BC50678}"/>
               </a:ext>
             </a:extLst>
           </p:cNvPr>
@@ -1151,7 +1151,7 @@
           <p:cNvPr id="4" name="Slide Image Placeholder 3">
             <a:extLst>
               <a:ext uri="{FF2B5EF4-FFF2-40B4-BE49-F238E27FC236}">
-                <a16:creationId xmlns="" xmlns:a16="http://schemas.microsoft.com/office/drawing/2014/main" id="{43F7AC21-2A72-DDB4-DCAC-43706BBC9764}"/>
+                <a16:creationId xmlns:a16="http://schemas.microsoft.com/office/drawing/2014/main" xmlns="" id="{43F7AC21-2A72-DDB4-DCAC-43706BBC9764}"/>
               </a:ext>
             </a:extLst>
           </p:cNvPr>
@@ -1190,7 +1190,7 @@
           <p:cNvPr id="5" name="Notes Placeholder 4">
             <a:extLst>
               <a:ext uri="{FF2B5EF4-FFF2-40B4-BE49-F238E27FC236}">
-                <a16:creationId xmlns="" xmlns:a16="http://schemas.microsoft.com/office/drawing/2014/main" id="{532CA9A3-956A-FEFB-3B26-F46BFE93B0FD}"/>
+                <a16:creationId xmlns:a16="http://schemas.microsoft.com/office/drawing/2014/main" xmlns="" id="{532CA9A3-956A-FEFB-3B26-F46BFE93B0FD}"/>
               </a:ext>
             </a:extLst>
           </p:cNvPr>
@@ -1223,7 +1223,7 @@
           <p:cNvPr id="6" name="Footer Placeholder 5">
             <a:extLst>
               <a:ext uri="{FF2B5EF4-FFF2-40B4-BE49-F238E27FC236}">
-                <a16:creationId xmlns="" xmlns:a16="http://schemas.microsoft.com/office/drawing/2014/main" id="{980C98CE-72C8-902A-9126-0D5D09954A4E}"/>
+                <a16:creationId xmlns:a16="http://schemas.microsoft.com/office/drawing/2014/main" xmlns="" id="{980C98CE-72C8-902A-9126-0D5D09954A4E}"/>
               </a:ext>
             </a:extLst>
           </p:cNvPr>
@@ -1260,7 +1260,7 @@
           <p:cNvPr id="7" name="Slide Number Placeholder 6">
             <a:extLst>
               <a:ext uri="{FF2B5EF4-FFF2-40B4-BE49-F238E27FC236}">
-                <a16:creationId xmlns="" xmlns:a16="http://schemas.microsoft.com/office/drawing/2014/main" id="{D6C722EE-4FAB-03C1-D553-AFFD260B2EFE}"/>
+                <a16:creationId xmlns:a16="http://schemas.microsoft.com/office/drawing/2014/main" xmlns="" id="{D6C722EE-4FAB-03C1-D553-AFFD260B2EFE}"/>
               </a:ext>
             </a:extLst>
           </p:cNvPr>
@@ -1316,7 +1316,7 @@
         <p:cNvPr id="1" name="">
           <a:extLst>
             <a:ext uri="{FF2B5EF4-FFF2-40B4-BE49-F238E27FC236}">
-              <a16:creationId xmlns="" xmlns:a16="http://schemas.microsoft.com/office/drawing/2014/main" id="{59F3F42D-E269-2DCA-A8F5-76D24DF14F26}"/>
+              <a16:creationId xmlns:a16="http://schemas.microsoft.com/office/drawing/2014/main" xmlns="" id="{59F3F42D-E269-2DCA-A8F5-76D24DF14F26}"/>
             </a:ext>
           </a:extLst>
         </p:cNvPr>
@@ -1336,7 +1336,7 @@
           <p:cNvPr id="2" name="Header Placeholder 1">
             <a:extLst>
               <a:ext uri="{FF2B5EF4-FFF2-40B4-BE49-F238E27FC236}">
-                <a16:creationId xmlns="" xmlns:a16="http://schemas.microsoft.com/office/drawing/2014/main" id="{EFC2DE4D-F11A-AB22-BDC4-2E58067479DC}"/>
+                <a16:creationId xmlns:a16="http://schemas.microsoft.com/office/drawing/2014/main" xmlns="" id="{EFC2DE4D-F11A-AB22-BDC4-2E58067479DC}"/>
               </a:ext>
             </a:extLst>
           </p:cNvPr>
@@ -1373,7 +1373,7 @@
           <p:cNvPr id="3" name="Date Placeholder 2">
             <a:extLst>
               <a:ext uri="{FF2B5EF4-FFF2-40B4-BE49-F238E27FC236}">
-                <a16:creationId xmlns="" xmlns:a16="http://schemas.microsoft.com/office/drawing/2014/main" id="{B6E0818F-9EAB-62D6-53DA-18C16359CE02}"/>
+                <a16:creationId xmlns:a16="http://schemas.microsoft.com/office/drawing/2014/main" xmlns="" id="{B6E0818F-9EAB-62D6-53DA-18C16359CE02}"/>
               </a:ext>
             </a:extLst>
           </p:cNvPr>
@@ -1413,7 +1413,7 @@
           <p:cNvPr id="4" name="Slide Image Placeholder 3">
             <a:extLst>
               <a:ext uri="{FF2B5EF4-FFF2-40B4-BE49-F238E27FC236}">
-                <a16:creationId xmlns="" xmlns:a16="http://schemas.microsoft.com/office/drawing/2014/main" id="{4FA0D35C-0B5D-4DCD-6104-D3BDC3D87FBF}"/>
+                <a16:creationId xmlns:a16="http://schemas.microsoft.com/office/drawing/2014/main" xmlns="" id="{4FA0D35C-0B5D-4DCD-6104-D3BDC3D87FBF}"/>
               </a:ext>
             </a:extLst>
           </p:cNvPr>
@@ -1452,7 +1452,7 @@
           <p:cNvPr id="5" name="Notes Placeholder 4">
             <a:extLst>
               <a:ext uri="{FF2B5EF4-FFF2-40B4-BE49-F238E27FC236}">
-                <a16:creationId xmlns="" xmlns:a16="http://schemas.microsoft.com/office/drawing/2014/main" id="{59338ACF-EB60-01FD-45D4-64A8EB07613E}"/>
+                <a16:creationId xmlns:a16="http://schemas.microsoft.com/office/drawing/2014/main" xmlns="" id="{59338ACF-EB60-01FD-45D4-64A8EB07613E}"/>
               </a:ext>
             </a:extLst>
           </p:cNvPr>
@@ -1485,7 +1485,7 @@
           <p:cNvPr id="6" name="Footer Placeholder 5">
             <a:extLst>
               <a:ext uri="{FF2B5EF4-FFF2-40B4-BE49-F238E27FC236}">
-                <a16:creationId xmlns="" xmlns:a16="http://schemas.microsoft.com/office/drawing/2014/main" id="{7FF312EE-B62E-BEF1-9830-B298A75A7129}"/>
+                <a16:creationId xmlns:a16="http://schemas.microsoft.com/office/drawing/2014/main" xmlns="" id="{7FF312EE-B62E-BEF1-9830-B298A75A7129}"/>
               </a:ext>
             </a:extLst>
           </p:cNvPr>
@@ -1522,7 +1522,7 @@
           <p:cNvPr id="7" name="Slide Number Placeholder 6">
             <a:extLst>
               <a:ext uri="{FF2B5EF4-FFF2-40B4-BE49-F238E27FC236}">
-                <a16:creationId xmlns="" xmlns:a16="http://schemas.microsoft.com/office/drawing/2014/main" id="{4E5B2B66-6E7B-698C-6749-349C8256C52E}"/>
+                <a16:creationId xmlns:a16="http://schemas.microsoft.com/office/drawing/2014/main" xmlns="" id="{4E5B2B66-6E7B-698C-6749-349C8256C52E}"/>
               </a:ext>
             </a:extLst>
           </p:cNvPr>
@@ -2226,7 +2226,7 @@
         <p:cNvPr id="1" name="">
           <a:extLst>
             <a:ext uri="{FF2B5EF4-FFF2-40B4-BE49-F238E27FC236}">
-              <a16:creationId xmlns="" xmlns:a16="http://schemas.microsoft.com/office/drawing/2014/main" id="{8C8D20F9-DAC0-B54B-D358-9944436450FC}"/>
+              <a16:creationId xmlns:a16="http://schemas.microsoft.com/office/drawing/2014/main" xmlns="" id="{8C8D20F9-DAC0-B54B-D358-9944436450FC}"/>
             </a:ext>
           </a:extLst>
         </p:cNvPr>
@@ -2246,7 +2246,7 @@
           <p:cNvPr id="2" name="Header Placeholder 1">
             <a:extLst>
               <a:ext uri="{FF2B5EF4-FFF2-40B4-BE49-F238E27FC236}">
-                <a16:creationId xmlns="" xmlns:a16="http://schemas.microsoft.com/office/drawing/2014/main" id="{CAA5CA92-2D18-A2AA-7D51-A17AFD66D0D5}"/>
+                <a16:creationId xmlns:a16="http://schemas.microsoft.com/office/drawing/2014/main" xmlns="" id="{CAA5CA92-2D18-A2AA-7D51-A17AFD66D0D5}"/>
               </a:ext>
             </a:extLst>
           </p:cNvPr>
@@ -2283,7 +2283,7 @@
           <p:cNvPr id="3" name="Date Placeholder 2">
             <a:extLst>
               <a:ext uri="{FF2B5EF4-FFF2-40B4-BE49-F238E27FC236}">
-                <a16:creationId xmlns="" xmlns:a16="http://schemas.microsoft.com/office/drawing/2014/main" id="{42D4D16B-E485-0C8F-DA5E-ED032D9775B6}"/>
+                <a16:creationId xmlns:a16="http://schemas.microsoft.com/office/drawing/2014/main" xmlns="" id="{42D4D16B-E485-0C8F-DA5E-ED032D9775B6}"/>
               </a:ext>
             </a:extLst>
           </p:cNvPr>
@@ -2323,7 +2323,7 @@
           <p:cNvPr id="4" name="Slide Image Placeholder 3">
             <a:extLst>
               <a:ext uri="{FF2B5EF4-FFF2-40B4-BE49-F238E27FC236}">
-                <a16:creationId xmlns="" xmlns:a16="http://schemas.microsoft.com/office/drawing/2014/main" id="{734CAAB7-315A-617B-C331-1921066A8003}"/>
+                <a16:creationId xmlns:a16="http://schemas.microsoft.com/office/drawing/2014/main" xmlns="" id="{734CAAB7-315A-617B-C331-1921066A8003}"/>
               </a:ext>
             </a:extLst>
           </p:cNvPr>
@@ -2362,7 +2362,7 @@
           <p:cNvPr id="5" name="Notes Placeholder 4">
             <a:extLst>
               <a:ext uri="{FF2B5EF4-FFF2-40B4-BE49-F238E27FC236}">
-                <a16:creationId xmlns="" xmlns:a16="http://schemas.microsoft.com/office/drawing/2014/main" id="{23C516D4-3DFC-03B8-5CFE-795138C59B5E}"/>
+                <a16:creationId xmlns:a16="http://schemas.microsoft.com/office/drawing/2014/main" xmlns="" id="{23C516D4-3DFC-03B8-5CFE-795138C59B5E}"/>
               </a:ext>
             </a:extLst>
           </p:cNvPr>
@@ -2395,7 +2395,7 @@
           <p:cNvPr id="6" name="Footer Placeholder 5">
             <a:extLst>
               <a:ext uri="{FF2B5EF4-FFF2-40B4-BE49-F238E27FC236}">
-                <a16:creationId xmlns="" xmlns:a16="http://schemas.microsoft.com/office/drawing/2014/main" id="{76D9B009-6E29-9264-A31F-D087FAA39339}"/>
+                <a16:creationId xmlns:a16="http://schemas.microsoft.com/office/drawing/2014/main" xmlns="" id="{76D9B009-6E29-9264-A31F-D087FAA39339}"/>
               </a:ext>
             </a:extLst>
           </p:cNvPr>
@@ -2432,7 +2432,7 @@
           <p:cNvPr id="7" name="Slide Number Placeholder 6">
             <a:extLst>
               <a:ext uri="{FF2B5EF4-FFF2-40B4-BE49-F238E27FC236}">
-                <a16:creationId xmlns="" xmlns:a16="http://schemas.microsoft.com/office/drawing/2014/main" id="{3D5AE6D3-941A-A22E-03E6-042A031DBEE0}"/>
+                <a16:creationId xmlns:a16="http://schemas.microsoft.com/office/drawing/2014/main" xmlns="" id="{3D5AE6D3-941A-A22E-03E6-042A031DBEE0}"/>
               </a:ext>
             </a:extLst>
           </p:cNvPr>
@@ -2488,7 +2488,7 @@
         <p:cNvPr id="1" name="">
           <a:extLst>
             <a:ext uri="{FF2B5EF4-FFF2-40B4-BE49-F238E27FC236}">
-              <a16:creationId xmlns="" xmlns:a16="http://schemas.microsoft.com/office/drawing/2014/main" id="{8C8D20F9-DAC0-B54B-D358-9944436450FC}"/>
+              <a16:creationId xmlns:a16="http://schemas.microsoft.com/office/drawing/2014/main" xmlns="" id="{8C8D20F9-DAC0-B54B-D358-9944436450FC}"/>
             </a:ext>
           </a:extLst>
         </p:cNvPr>
@@ -2508,7 +2508,7 @@
           <p:cNvPr id="2" name="Header Placeholder 1">
             <a:extLst>
               <a:ext uri="{FF2B5EF4-FFF2-40B4-BE49-F238E27FC236}">
-                <a16:creationId xmlns="" xmlns:a16="http://schemas.microsoft.com/office/drawing/2014/main" id="{CAA5CA92-2D18-A2AA-7D51-A17AFD66D0D5}"/>
+                <a16:creationId xmlns:a16="http://schemas.microsoft.com/office/drawing/2014/main" xmlns="" id="{CAA5CA92-2D18-A2AA-7D51-A17AFD66D0D5}"/>
               </a:ext>
             </a:extLst>
           </p:cNvPr>
@@ -2545,7 +2545,7 @@
           <p:cNvPr id="3" name="Date Placeholder 2">
             <a:extLst>
               <a:ext uri="{FF2B5EF4-FFF2-40B4-BE49-F238E27FC236}">
-                <a16:creationId xmlns="" xmlns:a16="http://schemas.microsoft.com/office/drawing/2014/main" id="{42D4D16B-E485-0C8F-DA5E-ED032D9775B6}"/>
+                <a16:creationId xmlns:a16="http://schemas.microsoft.com/office/drawing/2014/main" xmlns="" id="{42D4D16B-E485-0C8F-DA5E-ED032D9775B6}"/>
               </a:ext>
             </a:extLst>
           </p:cNvPr>
@@ -2585,7 +2585,7 @@
           <p:cNvPr id="4" name="Slide Image Placeholder 3">
             <a:extLst>
               <a:ext uri="{FF2B5EF4-FFF2-40B4-BE49-F238E27FC236}">
-                <a16:creationId xmlns="" xmlns:a16="http://schemas.microsoft.com/office/drawing/2014/main" id="{734CAAB7-315A-617B-C331-1921066A8003}"/>
+                <a16:creationId xmlns:a16="http://schemas.microsoft.com/office/drawing/2014/main" xmlns="" id="{734CAAB7-315A-617B-C331-1921066A8003}"/>
               </a:ext>
             </a:extLst>
           </p:cNvPr>
@@ -2624,7 +2624,7 @@
           <p:cNvPr id="5" name="Notes Placeholder 4">
             <a:extLst>
               <a:ext uri="{FF2B5EF4-FFF2-40B4-BE49-F238E27FC236}">
-                <a16:creationId xmlns="" xmlns:a16="http://schemas.microsoft.com/office/drawing/2014/main" id="{23C516D4-3DFC-03B8-5CFE-795138C59B5E}"/>
+                <a16:creationId xmlns:a16="http://schemas.microsoft.com/office/drawing/2014/main" xmlns="" id="{23C516D4-3DFC-03B8-5CFE-795138C59B5E}"/>
               </a:ext>
             </a:extLst>
           </p:cNvPr>
@@ -2657,7 +2657,7 @@
           <p:cNvPr id="6" name="Footer Placeholder 5">
             <a:extLst>
               <a:ext uri="{FF2B5EF4-FFF2-40B4-BE49-F238E27FC236}">
-                <a16:creationId xmlns="" xmlns:a16="http://schemas.microsoft.com/office/drawing/2014/main" id="{76D9B009-6E29-9264-A31F-D087FAA39339}"/>
+                <a16:creationId xmlns:a16="http://schemas.microsoft.com/office/drawing/2014/main" xmlns="" id="{76D9B009-6E29-9264-A31F-D087FAA39339}"/>
               </a:ext>
             </a:extLst>
           </p:cNvPr>
@@ -2694,7 +2694,7 @@
           <p:cNvPr id="7" name="Slide Number Placeholder 6">
             <a:extLst>
               <a:ext uri="{FF2B5EF4-FFF2-40B4-BE49-F238E27FC236}">
-                <a16:creationId xmlns="" xmlns:a16="http://schemas.microsoft.com/office/drawing/2014/main" id="{3D5AE6D3-941A-A22E-03E6-042A031DBEE0}"/>
+                <a16:creationId xmlns:a16="http://schemas.microsoft.com/office/drawing/2014/main" xmlns="" id="{3D5AE6D3-941A-A22E-03E6-042A031DBEE0}"/>
               </a:ext>
             </a:extLst>
           </p:cNvPr>
@@ -2750,7 +2750,7 @@
         <p:cNvPr id="1" name="">
           <a:extLst>
             <a:ext uri="{FF2B5EF4-FFF2-40B4-BE49-F238E27FC236}">
-              <a16:creationId xmlns="" xmlns:a16="http://schemas.microsoft.com/office/drawing/2014/main" id="{8C8D20F9-DAC0-B54B-D358-9944436450FC}"/>
+              <a16:creationId xmlns:a16="http://schemas.microsoft.com/office/drawing/2014/main" xmlns="" id="{8C8D20F9-DAC0-B54B-D358-9944436450FC}"/>
             </a:ext>
           </a:extLst>
         </p:cNvPr>
@@ -2770,7 +2770,7 @@
           <p:cNvPr id="2" name="Header Placeholder 1">
             <a:extLst>
               <a:ext uri="{FF2B5EF4-FFF2-40B4-BE49-F238E27FC236}">
-                <a16:creationId xmlns="" xmlns:a16="http://schemas.microsoft.com/office/drawing/2014/main" id="{CAA5CA92-2D18-A2AA-7D51-A17AFD66D0D5}"/>
+                <a16:creationId xmlns:a16="http://schemas.microsoft.com/office/drawing/2014/main" xmlns="" id="{CAA5CA92-2D18-A2AA-7D51-A17AFD66D0D5}"/>
               </a:ext>
             </a:extLst>
           </p:cNvPr>
@@ -2807,7 +2807,7 @@
           <p:cNvPr id="3" name="Date Placeholder 2">
             <a:extLst>
               <a:ext uri="{FF2B5EF4-FFF2-40B4-BE49-F238E27FC236}">
-                <a16:creationId xmlns="" xmlns:a16="http://schemas.microsoft.com/office/drawing/2014/main" id="{42D4D16B-E485-0C8F-DA5E-ED032D9775B6}"/>
+                <a16:creationId xmlns:a16="http://schemas.microsoft.com/office/drawing/2014/main" xmlns="" id="{42D4D16B-E485-0C8F-DA5E-ED032D9775B6}"/>
               </a:ext>
             </a:extLst>
           </p:cNvPr>
@@ -2847,7 +2847,7 @@
           <p:cNvPr id="4" name="Slide Image Placeholder 3">
             <a:extLst>
               <a:ext uri="{FF2B5EF4-FFF2-40B4-BE49-F238E27FC236}">
-                <a16:creationId xmlns="" xmlns:a16="http://schemas.microsoft.com/office/drawing/2014/main" id="{734CAAB7-315A-617B-C331-1921066A8003}"/>
+                <a16:creationId xmlns:a16="http://schemas.microsoft.com/office/drawing/2014/main" xmlns="" id="{734CAAB7-315A-617B-C331-1921066A8003}"/>
               </a:ext>
             </a:extLst>
           </p:cNvPr>
@@ -2886,7 +2886,7 @@
           <p:cNvPr id="5" name="Notes Placeholder 4">
             <a:extLst>
               <a:ext uri="{FF2B5EF4-FFF2-40B4-BE49-F238E27FC236}">
-                <a16:creationId xmlns="" xmlns:a16="http://schemas.microsoft.com/office/drawing/2014/main" id="{23C516D4-3DFC-03B8-5CFE-795138C59B5E}"/>
+                <a16:creationId xmlns:a16="http://schemas.microsoft.com/office/drawing/2014/main" xmlns="" id="{23C516D4-3DFC-03B8-5CFE-795138C59B5E}"/>
               </a:ext>
             </a:extLst>
           </p:cNvPr>
@@ -2919,7 +2919,7 @@
           <p:cNvPr id="6" name="Footer Placeholder 5">
             <a:extLst>
               <a:ext uri="{FF2B5EF4-FFF2-40B4-BE49-F238E27FC236}">
-                <a16:creationId xmlns="" xmlns:a16="http://schemas.microsoft.com/office/drawing/2014/main" id="{76D9B009-6E29-9264-A31F-D087FAA39339}"/>
+                <a16:creationId xmlns:a16="http://schemas.microsoft.com/office/drawing/2014/main" xmlns="" id="{76D9B009-6E29-9264-A31F-D087FAA39339}"/>
               </a:ext>
             </a:extLst>
           </p:cNvPr>
@@ -2956,7 +2956,7 @@
           <p:cNvPr id="7" name="Slide Number Placeholder 6">
             <a:extLst>
               <a:ext uri="{FF2B5EF4-FFF2-40B4-BE49-F238E27FC236}">
-                <a16:creationId xmlns="" xmlns:a16="http://schemas.microsoft.com/office/drawing/2014/main" id="{3D5AE6D3-941A-A22E-03E6-042A031DBEE0}"/>
+                <a16:creationId xmlns:a16="http://schemas.microsoft.com/office/drawing/2014/main" xmlns="" id="{3D5AE6D3-941A-A22E-03E6-042A031DBEE0}"/>
               </a:ext>
             </a:extLst>
           </p:cNvPr>
@@ -3012,7 +3012,7 @@
         <p:cNvPr id="1" name="">
           <a:extLst>
             <a:ext uri="{FF2B5EF4-FFF2-40B4-BE49-F238E27FC236}">
-              <a16:creationId xmlns="" xmlns:a16="http://schemas.microsoft.com/office/drawing/2014/main" id="{495A1C1F-51E3-247F-09DE-35FD8EB81DD3}"/>
+              <a16:creationId xmlns:a16="http://schemas.microsoft.com/office/drawing/2014/main" xmlns="" id="{495A1C1F-51E3-247F-09DE-35FD8EB81DD3}"/>
             </a:ext>
           </a:extLst>
         </p:cNvPr>
@@ -3032,7 +3032,7 @@
           <p:cNvPr id="2" name="Header Placeholder 1">
             <a:extLst>
               <a:ext uri="{FF2B5EF4-FFF2-40B4-BE49-F238E27FC236}">
-                <a16:creationId xmlns="" xmlns:a16="http://schemas.microsoft.com/office/drawing/2014/main" id="{7300F228-3484-A77E-70BD-054253DE4D86}"/>
+                <a16:creationId xmlns:a16="http://schemas.microsoft.com/office/drawing/2014/main" xmlns="" id="{7300F228-3484-A77E-70BD-054253DE4D86}"/>
               </a:ext>
             </a:extLst>
           </p:cNvPr>
@@ -3069,7 +3069,7 @@
           <p:cNvPr id="3" name="Date Placeholder 2">
             <a:extLst>
               <a:ext uri="{FF2B5EF4-FFF2-40B4-BE49-F238E27FC236}">
-                <a16:creationId xmlns="" xmlns:a16="http://schemas.microsoft.com/office/drawing/2014/main" id="{31D88098-CBA9-8991-BEC0-A3B2A918A188}"/>
+                <a16:creationId xmlns:a16="http://schemas.microsoft.com/office/drawing/2014/main" xmlns="" id="{31D88098-CBA9-8991-BEC0-A3B2A918A188}"/>
               </a:ext>
             </a:extLst>
           </p:cNvPr>
@@ -3109,7 +3109,7 @@
           <p:cNvPr id="4" name="Slide Image Placeholder 3">
             <a:extLst>
               <a:ext uri="{FF2B5EF4-FFF2-40B4-BE49-F238E27FC236}">
-                <a16:creationId xmlns="" xmlns:a16="http://schemas.microsoft.com/office/drawing/2014/main" id="{781C92EF-ED1C-FB0C-36C8-EDA294D93942}"/>
+                <a16:creationId xmlns:a16="http://schemas.microsoft.com/office/drawing/2014/main" xmlns="" id="{781C92EF-ED1C-FB0C-36C8-EDA294D93942}"/>
               </a:ext>
             </a:extLst>
           </p:cNvPr>
@@ -3148,7 +3148,7 @@
           <p:cNvPr id="5" name="Notes Placeholder 4">
             <a:extLst>
               <a:ext uri="{FF2B5EF4-FFF2-40B4-BE49-F238E27FC236}">
-                <a16:creationId xmlns="" xmlns:a16="http://schemas.microsoft.com/office/drawing/2014/main" id="{E939CE74-E2CD-6D46-169C-CF46B3F5618F}"/>
+                <a16:creationId xmlns:a16="http://schemas.microsoft.com/office/drawing/2014/main" xmlns="" id="{E939CE74-E2CD-6D46-169C-CF46B3F5618F}"/>
               </a:ext>
             </a:extLst>
           </p:cNvPr>
@@ -3181,7 +3181,7 @@
           <p:cNvPr id="6" name="Footer Placeholder 5">
             <a:extLst>
               <a:ext uri="{FF2B5EF4-FFF2-40B4-BE49-F238E27FC236}">
-                <a16:creationId xmlns="" xmlns:a16="http://schemas.microsoft.com/office/drawing/2014/main" id="{E64D55FB-7A0D-8C40-F42C-2A1C70CDCBB7}"/>
+                <a16:creationId xmlns:a16="http://schemas.microsoft.com/office/drawing/2014/main" xmlns="" id="{E64D55FB-7A0D-8C40-F42C-2A1C70CDCBB7}"/>
               </a:ext>
             </a:extLst>
           </p:cNvPr>
@@ -3218,7 +3218,7 @@
           <p:cNvPr id="7" name="Slide Number Placeholder 6">
             <a:extLst>
               <a:ext uri="{FF2B5EF4-FFF2-40B4-BE49-F238E27FC236}">
-                <a16:creationId xmlns="" xmlns:a16="http://schemas.microsoft.com/office/drawing/2014/main" id="{A6474010-C773-09C5-EB85-1029E886F49B}"/>
+                <a16:creationId xmlns:a16="http://schemas.microsoft.com/office/drawing/2014/main" xmlns="" id="{A6474010-C773-09C5-EB85-1029E886F49B}"/>
               </a:ext>
             </a:extLst>
           </p:cNvPr>
@@ -3274,7 +3274,7 @@
         <p:cNvPr id="1" name="">
           <a:extLst>
             <a:ext uri="{FF2B5EF4-FFF2-40B4-BE49-F238E27FC236}">
-              <a16:creationId xmlns="" xmlns:a16="http://schemas.microsoft.com/office/drawing/2014/main" id="{5F2DF603-6CAC-E660-1F1D-932BF75A2C18}"/>
+              <a16:creationId xmlns:a16="http://schemas.microsoft.com/office/drawing/2014/main" xmlns="" id="{5F2DF603-6CAC-E660-1F1D-932BF75A2C18}"/>
             </a:ext>
           </a:extLst>
         </p:cNvPr>
@@ -3294,7 +3294,7 @@
           <p:cNvPr id="2" name="Header Placeholder 1">
             <a:extLst>
               <a:ext uri="{FF2B5EF4-FFF2-40B4-BE49-F238E27FC236}">
-                <a16:creationId xmlns="" xmlns:a16="http://schemas.microsoft.com/office/drawing/2014/main" id="{45DB0959-F67F-45D4-5DFB-CC2AE2C6BC86}"/>
+                <a16:creationId xmlns:a16="http://schemas.microsoft.com/office/drawing/2014/main" xmlns="" id="{45DB0959-F67F-45D4-5DFB-CC2AE2C6BC86}"/>
               </a:ext>
             </a:extLst>
           </p:cNvPr>
@@ -3331,7 +3331,7 @@
           <p:cNvPr id="3" name="Date Placeholder 2">
             <a:extLst>
               <a:ext uri="{FF2B5EF4-FFF2-40B4-BE49-F238E27FC236}">
-                <a16:creationId xmlns="" xmlns:a16="http://schemas.microsoft.com/office/drawing/2014/main" id="{D9831949-C341-9FBC-852D-8674E862BF3B}"/>
+                <a16:creationId xmlns:a16="http://schemas.microsoft.com/office/drawing/2014/main" xmlns="" id="{D9831949-C341-9FBC-852D-8674E862BF3B}"/>
               </a:ext>
             </a:extLst>
           </p:cNvPr>
@@ -3371,7 +3371,7 @@
           <p:cNvPr id="4" name="Slide Image Placeholder 3">
             <a:extLst>
               <a:ext uri="{FF2B5EF4-FFF2-40B4-BE49-F238E27FC236}">
-                <a16:creationId xmlns="" xmlns:a16="http://schemas.microsoft.com/office/drawing/2014/main" id="{6CBD0237-9700-9C3B-D6C3-563DA43B82B5}"/>
+                <a16:creationId xmlns:a16="http://schemas.microsoft.com/office/drawing/2014/main" xmlns="" id="{6CBD0237-9700-9C3B-D6C3-563DA43B82B5}"/>
               </a:ext>
             </a:extLst>
           </p:cNvPr>
@@ -3410,7 +3410,7 @@
           <p:cNvPr id="5" name="Notes Placeholder 4">
             <a:extLst>
               <a:ext uri="{FF2B5EF4-FFF2-40B4-BE49-F238E27FC236}">
-                <a16:creationId xmlns="" xmlns:a16="http://schemas.microsoft.com/office/drawing/2014/main" id="{1C108699-E5E7-DD6B-5598-E9DCEB460D05}"/>
+                <a16:creationId xmlns:a16="http://schemas.microsoft.com/office/drawing/2014/main" xmlns="" id="{1C108699-E5E7-DD6B-5598-E9DCEB460D05}"/>
               </a:ext>
             </a:extLst>
           </p:cNvPr>
@@ -3443,7 +3443,7 @@
           <p:cNvPr id="6" name="Footer Placeholder 5">
             <a:extLst>
               <a:ext uri="{FF2B5EF4-FFF2-40B4-BE49-F238E27FC236}">
-                <a16:creationId xmlns="" xmlns:a16="http://schemas.microsoft.com/office/drawing/2014/main" id="{EFFD4642-512F-1F0C-C7A4-8DDF16DFB384}"/>
+                <a16:creationId xmlns:a16="http://schemas.microsoft.com/office/drawing/2014/main" xmlns="" id="{EFFD4642-512F-1F0C-C7A4-8DDF16DFB384}"/>
               </a:ext>
             </a:extLst>
           </p:cNvPr>
@@ -3480,7 +3480,7 @@
           <p:cNvPr id="7" name="Slide Number Placeholder 6">
             <a:extLst>
               <a:ext uri="{FF2B5EF4-FFF2-40B4-BE49-F238E27FC236}">
-                <a16:creationId xmlns="" xmlns:a16="http://schemas.microsoft.com/office/drawing/2014/main" id="{BEA0E08A-41E8-B66F-7227-F9B1CC9A6B77}"/>
+                <a16:creationId xmlns:a16="http://schemas.microsoft.com/office/drawing/2014/main" xmlns="" id="{BEA0E08A-41E8-B66F-7227-F9B1CC9A6B77}"/>
               </a:ext>
             </a:extLst>
           </p:cNvPr>
@@ -3536,7 +3536,7 @@
         <p:cNvPr id="1" name="">
           <a:extLst>
             <a:ext uri="{FF2B5EF4-FFF2-40B4-BE49-F238E27FC236}">
-              <a16:creationId xmlns="" xmlns:a16="http://schemas.microsoft.com/office/drawing/2014/main" id="{AD20304E-5A07-4427-30FD-4768AC055FCC}"/>
+              <a16:creationId xmlns:a16="http://schemas.microsoft.com/office/drawing/2014/main" xmlns="" id="{AD20304E-5A07-4427-30FD-4768AC055FCC}"/>
             </a:ext>
           </a:extLst>
         </p:cNvPr>
@@ -3556,7 +3556,7 @@
           <p:cNvPr id="2" name="Header Placeholder 1">
             <a:extLst>
               <a:ext uri="{FF2B5EF4-FFF2-40B4-BE49-F238E27FC236}">
-                <a16:creationId xmlns="" xmlns:a16="http://schemas.microsoft.com/office/drawing/2014/main" id="{38E390A2-6663-A7D5-4819-98C81D305727}"/>
+                <a16:creationId xmlns:a16="http://schemas.microsoft.com/office/drawing/2014/main" xmlns="" id="{38E390A2-6663-A7D5-4819-98C81D305727}"/>
               </a:ext>
             </a:extLst>
           </p:cNvPr>
@@ -3593,7 +3593,7 @@
           <p:cNvPr id="3" name="Date Placeholder 2">
             <a:extLst>
               <a:ext uri="{FF2B5EF4-FFF2-40B4-BE49-F238E27FC236}">
-                <a16:creationId xmlns="" xmlns:a16="http://schemas.microsoft.com/office/drawing/2014/main" id="{BF8500FA-AD80-283F-D0F5-F76B3C7CB4B9}"/>
+                <a16:creationId xmlns:a16="http://schemas.microsoft.com/office/drawing/2014/main" xmlns="" id="{BF8500FA-AD80-283F-D0F5-F76B3C7CB4B9}"/>
               </a:ext>
             </a:extLst>
           </p:cNvPr>
@@ -3633,7 +3633,7 @@
           <p:cNvPr id="4" name="Slide Image Placeholder 3">
             <a:extLst>
               <a:ext uri="{FF2B5EF4-FFF2-40B4-BE49-F238E27FC236}">
-                <a16:creationId xmlns="" xmlns:a16="http://schemas.microsoft.com/office/drawing/2014/main" id="{28BC5094-8BF6-1E9C-9C44-0AF922F39ABB}"/>
+                <a16:creationId xmlns:a16="http://schemas.microsoft.com/office/drawing/2014/main" xmlns="" id="{28BC5094-8BF6-1E9C-9C44-0AF922F39ABB}"/>
               </a:ext>
             </a:extLst>
           </p:cNvPr>
@@ -3672,7 +3672,7 @@
           <p:cNvPr id="5" name="Notes Placeholder 4">
             <a:extLst>
               <a:ext uri="{FF2B5EF4-FFF2-40B4-BE49-F238E27FC236}">
-                <a16:creationId xmlns="" xmlns:a16="http://schemas.microsoft.com/office/drawing/2014/main" id="{1B8510B3-C1EF-6D25-5812-B8A98FF0F4E9}"/>
+                <a16:creationId xmlns:a16="http://schemas.microsoft.com/office/drawing/2014/main" xmlns="" id="{1B8510B3-C1EF-6D25-5812-B8A98FF0F4E9}"/>
               </a:ext>
             </a:extLst>
           </p:cNvPr>
@@ -3705,7 +3705,7 @@
           <p:cNvPr id="6" name="Footer Placeholder 5">
             <a:extLst>
               <a:ext uri="{FF2B5EF4-FFF2-40B4-BE49-F238E27FC236}">
-                <a16:creationId xmlns="" xmlns:a16="http://schemas.microsoft.com/office/drawing/2014/main" id="{697CF761-A032-D229-A1FA-ABD0DFAF041D}"/>
+                <a16:creationId xmlns:a16="http://schemas.microsoft.com/office/drawing/2014/main" xmlns="" id="{697CF761-A032-D229-A1FA-ABD0DFAF041D}"/>
               </a:ext>
             </a:extLst>
           </p:cNvPr>
@@ -3742,7 +3742,7 @@
           <p:cNvPr id="7" name="Slide Number Placeholder 6">
             <a:extLst>
               <a:ext uri="{FF2B5EF4-FFF2-40B4-BE49-F238E27FC236}">
-                <a16:creationId xmlns="" xmlns:a16="http://schemas.microsoft.com/office/drawing/2014/main" id="{1BB74B40-145B-0BE3-03E6-46970731AF49}"/>
+                <a16:creationId xmlns:a16="http://schemas.microsoft.com/office/drawing/2014/main" xmlns="" id="{1BB74B40-145B-0BE3-03E6-46970731AF49}"/>
               </a:ext>
             </a:extLst>
           </p:cNvPr>
@@ -3970,7 +3970,7 @@
             <a:fld id="{1D8BD707-D9CF-40AE-B4C6-C98DA3205C09}" type="datetimeFigureOut">
               <a:rPr lang="en-US" smtClean="0"/>
               <a:pPr/>
-              <a:t>1/8/2025</a:t>
+              <a:t>1/10/2025</a:t>
             </a:fld>
             <a:endParaRPr lang="en-US"/>
           </a:p>
@@ -4135,7 +4135,7 @@
             <a:fld id="{1D8BD707-D9CF-40AE-B4C6-C98DA3205C09}" type="datetimeFigureOut">
               <a:rPr lang="en-US" smtClean="0"/>
               <a:pPr/>
-              <a:t>1/8/2025</a:t>
+              <a:t>1/10/2025</a:t>
             </a:fld>
             <a:endParaRPr lang="en-US"/>
           </a:p>
@@ -4310,7 +4310,7 @@
             <a:fld id="{1D8BD707-D9CF-40AE-B4C6-C98DA3205C09}" type="datetimeFigureOut">
               <a:rPr lang="en-US" smtClean="0"/>
               <a:pPr/>
-              <a:t>1/8/2025</a:t>
+              <a:t>1/10/2025</a:t>
             </a:fld>
             <a:endParaRPr lang="en-US"/>
           </a:p>
@@ -4475,7 +4475,7 @@
             <a:fld id="{1D8BD707-D9CF-40AE-B4C6-C98DA3205C09}" type="datetimeFigureOut">
               <a:rPr lang="en-US" smtClean="0"/>
               <a:pPr/>
-              <a:t>1/8/2025</a:t>
+              <a:t>1/10/2025</a:t>
             </a:fld>
             <a:endParaRPr lang="en-US"/>
           </a:p>
@@ -4717,7 +4717,7 @@
             <a:fld id="{1D8BD707-D9CF-40AE-B4C6-C98DA3205C09}" type="datetimeFigureOut">
               <a:rPr lang="en-US" smtClean="0"/>
               <a:pPr/>
-              <a:t>1/8/2025</a:t>
+              <a:t>1/10/2025</a:t>
             </a:fld>
             <a:endParaRPr lang="en-US"/>
           </a:p>
@@ -4999,7 +4999,7 @@
             <a:fld id="{1D8BD707-D9CF-40AE-B4C6-C98DA3205C09}" type="datetimeFigureOut">
               <a:rPr lang="en-US" smtClean="0"/>
               <a:pPr/>
-              <a:t>1/8/2025</a:t>
+              <a:t>1/10/2025</a:t>
             </a:fld>
             <a:endParaRPr lang="en-US"/>
           </a:p>
@@ -5415,7 +5415,7 @@
             <a:fld id="{1D8BD707-D9CF-40AE-B4C6-C98DA3205C09}" type="datetimeFigureOut">
               <a:rPr lang="en-US" smtClean="0"/>
               <a:pPr/>
-              <a:t>1/8/2025</a:t>
+              <a:t>1/10/2025</a:t>
             </a:fld>
             <a:endParaRPr lang="en-US"/>
           </a:p>
@@ -5529,7 +5529,7 @@
             <a:fld id="{1D8BD707-D9CF-40AE-B4C6-C98DA3205C09}" type="datetimeFigureOut">
               <a:rPr lang="en-US" smtClean="0"/>
               <a:pPr/>
-              <a:t>1/8/2025</a:t>
+              <a:t>1/10/2025</a:t>
             </a:fld>
             <a:endParaRPr lang="en-US"/>
           </a:p>
@@ -5621,7 +5621,7 @@
             <a:fld id="{1D8BD707-D9CF-40AE-B4C6-C98DA3205C09}" type="datetimeFigureOut">
               <a:rPr lang="en-US" smtClean="0"/>
               <a:pPr/>
-              <a:t>1/8/2025</a:t>
+              <a:t>1/10/2025</a:t>
             </a:fld>
             <a:endParaRPr lang="en-US"/>
           </a:p>
@@ -5893,7 +5893,7 @@
             <a:fld id="{1D8BD707-D9CF-40AE-B4C6-C98DA3205C09}" type="datetimeFigureOut">
               <a:rPr lang="en-US" smtClean="0"/>
               <a:pPr/>
-              <a:t>1/8/2025</a:t>
+              <a:t>1/10/2025</a:t>
             </a:fld>
             <a:endParaRPr lang="en-US"/>
           </a:p>
@@ -6142,7 +6142,7 @@
             <a:fld id="{1D8BD707-D9CF-40AE-B4C6-C98DA3205C09}" type="datetimeFigureOut">
               <a:rPr lang="en-US" smtClean="0"/>
               <a:pPr/>
-              <a:t>1/8/2025</a:t>
+              <a:t>1/10/2025</a:t>
             </a:fld>
             <a:endParaRPr lang="en-US"/>
           </a:p>
@@ -6350,7 +6350,7 @@
             <a:fld id="{1D8BD707-D9CF-40AE-B4C6-C98DA3205C09}" type="datetimeFigureOut">
               <a:rPr lang="en-US" smtClean="0"/>
               <a:pPr/>
-              <a:t>1/8/2025</a:t>
+              <a:t>1/10/2025</a:t>
             </a:fld>
             <a:endParaRPr lang="en-US"/>
           </a:p>
@@ -6816,7 +6816,7 @@
             <a:blip r:embed="rId4">
               <a:extLst>
                 <a:ext uri="{96DAC541-7B7A-43D3-8B79-37D633B846F1}">
-                  <asvg:svgBlip xmlns="" xmlns:asvg="http://schemas.microsoft.com/office/drawing/2016/SVG/main" r:embed="rId5"/>
+                  <asvg:svgBlip xmlns:asvg="http://schemas.microsoft.com/office/drawing/2016/SVG/main" xmlns="" r:embed="rId5"/>
                 </a:ext>
               </a:extLst>
             </a:blip>
@@ -7074,7 +7074,7 @@
             <a:blip r:embed="rId4">
               <a:extLst>
                 <a:ext uri="{96DAC541-7B7A-43D3-8B79-37D633B846F1}">
-                  <asvg:svgBlip xmlns="" xmlns:asvg="http://schemas.microsoft.com/office/drawing/2016/SVG/main" r:embed="rId5"/>
+                  <asvg:svgBlip xmlns:asvg="http://schemas.microsoft.com/office/drawing/2016/SVG/main" xmlns="" r:embed="rId5"/>
                 </a:ext>
               </a:extLst>
             </a:blip>
@@ -7294,7 +7294,7 @@
           <p:cNvPr id="17" name="Immagine 16">
             <a:extLst>
               <a:ext uri="{FF2B5EF4-FFF2-40B4-BE49-F238E27FC236}">
-                <a16:creationId xmlns="" xmlns:a16="http://schemas.microsoft.com/office/drawing/2014/main" id="{A16D8D67-0153-42F7-D71E-673459A111BC}"/>
+                <a16:creationId xmlns:a16="http://schemas.microsoft.com/office/drawing/2014/main" xmlns="" id="{A16D8D67-0153-42F7-D71E-673459A111BC}"/>
               </a:ext>
             </a:extLst>
           </p:cNvPr>
@@ -7356,7 +7356,7 @@
         <p:cNvPr id="1" name="">
           <a:extLst>
             <a:ext uri="{FF2B5EF4-FFF2-40B4-BE49-F238E27FC236}">
-              <a16:creationId xmlns="" xmlns:a16="http://schemas.microsoft.com/office/drawing/2014/main" id="{70895148-0FAE-1ED1-6335-A9C56D4A01BB}"/>
+              <a16:creationId xmlns:a16="http://schemas.microsoft.com/office/drawing/2014/main" xmlns="" id="{70895148-0FAE-1ED1-6335-A9C56D4A01BB}"/>
             </a:ext>
           </a:extLst>
         </p:cNvPr>
@@ -7376,7 +7376,7 @@
           <p:cNvPr id="2" name="Freeform 2">
             <a:extLst>
               <a:ext uri="{FF2B5EF4-FFF2-40B4-BE49-F238E27FC236}">
-                <a16:creationId xmlns="" xmlns:a16="http://schemas.microsoft.com/office/drawing/2014/main" id="{6B18B3F0-9EDF-B07B-C80C-ED8DCCC4D037}"/>
+                <a16:creationId xmlns:a16="http://schemas.microsoft.com/office/drawing/2014/main" xmlns="" id="{6B18B3F0-9EDF-B07B-C80C-ED8DCCC4D037}"/>
               </a:ext>
             </a:extLst>
           </p:cNvPr>
@@ -7419,7 +7419,7 @@
             <a:blip r:embed="rId2">
               <a:extLst>
                 <a:ext uri="{96DAC541-7B7A-43D3-8B79-37D633B846F1}">
-                  <asvg:svgBlip xmlns="" xmlns:asvg="http://schemas.microsoft.com/office/drawing/2016/SVG/main" r:embed="rId3"/>
+                  <asvg:svgBlip xmlns:asvg="http://schemas.microsoft.com/office/drawing/2016/SVG/main" xmlns="" r:embed="rId3"/>
                 </a:ext>
               </a:extLst>
             </a:blip>
@@ -7441,7 +7441,7 @@
           <p:cNvPr id="3" name="Freeform 3">
             <a:extLst>
               <a:ext uri="{FF2B5EF4-FFF2-40B4-BE49-F238E27FC236}">
-                <a16:creationId xmlns="" xmlns:a16="http://schemas.microsoft.com/office/drawing/2014/main" id="{7414D62A-C911-52C2-A72D-E650FF3955EA}"/>
+                <a16:creationId xmlns:a16="http://schemas.microsoft.com/office/drawing/2014/main" xmlns="" id="{7414D62A-C911-52C2-A72D-E650FF3955EA}"/>
               </a:ext>
             </a:extLst>
           </p:cNvPr>
@@ -7484,7 +7484,7 @@
             <a:blip r:embed="rId2">
               <a:extLst>
                 <a:ext uri="{96DAC541-7B7A-43D3-8B79-37D633B846F1}">
-                  <asvg:svgBlip xmlns="" xmlns:asvg="http://schemas.microsoft.com/office/drawing/2016/SVG/main" r:embed="rId3"/>
+                  <asvg:svgBlip xmlns:asvg="http://schemas.microsoft.com/office/drawing/2016/SVG/main" xmlns="" r:embed="rId3"/>
                 </a:ext>
               </a:extLst>
             </a:blip>
@@ -7506,7 +7506,7 @@
           <p:cNvPr id="4" name="TextBox 4">
             <a:extLst>
               <a:ext uri="{FF2B5EF4-FFF2-40B4-BE49-F238E27FC236}">
-                <a16:creationId xmlns="" xmlns:a16="http://schemas.microsoft.com/office/drawing/2014/main" id="{406D5E85-7BF0-2865-7008-D1F41E34D86A}"/>
+                <a16:creationId xmlns:a16="http://schemas.microsoft.com/office/drawing/2014/main" xmlns="" id="{406D5E85-7BF0-2865-7008-D1F41E34D86A}"/>
               </a:ext>
             </a:extLst>
           </p:cNvPr>
@@ -7553,7 +7553,7 @@
           <p:cNvPr id="5" name="TextBox 5">
             <a:extLst>
               <a:ext uri="{FF2B5EF4-FFF2-40B4-BE49-F238E27FC236}">
-                <a16:creationId xmlns="" xmlns:a16="http://schemas.microsoft.com/office/drawing/2014/main" id="{0BCE687B-2894-BC19-128C-FCBA29668FD8}"/>
+                <a16:creationId xmlns:a16="http://schemas.microsoft.com/office/drawing/2014/main" xmlns="" id="{0BCE687B-2894-BC19-128C-FCBA29668FD8}"/>
               </a:ext>
             </a:extLst>
           </p:cNvPr>
@@ -7631,7 +7631,7 @@
         <p:cNvPr id="1" name="">
           <a:extLst>
             <a:ext uri="{FF2B5EF4-FFF2-40B4-BE49-F238E27FC236}">
-              <a16:creationId xmlns="" xmlns:a16="http://schemas.microsoft.com/office/drawing/2014/main" id="{9736A90B-3719-5DDD-F942-58D52CD78C6F}"/>
+              <a16:creationId xmlns:a16="http://schemas.microsoft.com/office/drawing/2014/main" xmlns="" id="{9736A90B-3719-5DDD-F942-58D52CD78C6F}"/>
             </a:ext>
           </a:extLst>
         </p:cNvPr>
@@ -7651,7 +7651,7 @@
           <p:cNvPr id="2" name="Freeform 2">
             <a:extLst>
               <a:ext uri="{FF2B5EF4-FFF2-40B4-BE49-F238E27FC236}">
-                <a16:creationId xmlns="" xmlns:a16="http://schemas.microsoft.com/office/drawing/2014/main" id="{431CC735-8131-9830-BD35-F449F5C853E0}"/>
+                <a16:creationId xmlns:a16="http://schemas.microsoft.com/office/drawing/2014/main" xmlns="" id="{431CC735-8131-9830-BD35-F449F5C853E0}"/>
               </a:ext>
             </a:extLst>
           </p:cNvPr>
@@ -7694,7 +7694,7 @@
             <a:blip r:embed="rId3">
               <a:extLst>
                 <a:ext uri="{96DAC541-7B7A-43D3-8B79-37D633B846F1}">
-                  <asvg:svgBlip xmlns="" xmlns:asvg="http://schemas.microsoft.com/office/drawing/2016/SVG/main" r:embed="rId4"/>
+                  <asvg:svgBlip xmlns:asvg="http://schemas.microsoft.com/office/drawing/2016/SVG/main" xmlns="" r:embed="rId4"/>
                 </a:ext>
               </a:extLst>
             </a:blip>
@@ -7716,7 +7716,7 @@
           <p:cNvPr id="3" name="TextBox 12">
             <a:extLst>
               <a:ext uri="{FF2B5EF4-FFF2-40B4-BE49-F238E27FC236}">
-                <a16:creationId xmlns="" xmlns:a16="http://schemas.microsoft.com/office/drawing/2014/main" id="{7C543FC1-7839-64EA-2C4C-F60DDDDAE90E}"/>
+                <a16:creationId xmlns:a16="http://schemas.microsoft.com/office/drawing/2014/main" xmlns="" id="{7C543FC1-7839-64EA-2C4C-F60DDDDAE90E}"/>
               </a:ext>
             </a:extLst>
           </p:cNvPr>
@@ -7766,7 +7766,7 @@
           <p:cNvPr id="4" name="Connettore diritto 3">
             <a:extLst>
               <a:ext uri="{FF2B5EF4-FFF2-40B4-BE49-F238E27FC236}">
-                <a16:creationId xmlns="" xmlns:a16="http://schemas.microsoft.com/office/drawing/2014/main" id="{7070E5F7-CB90-2C07-03AD-BC017C167A89}"/>
+                <a16:creationId xmlns:a16="http://schemas.microsoft.com/office/drawing/2014/main" xmlns="" id="{7070E5F7-CB90-2C07-03AD-BC017C167A89}"/>
               </a:ext>
             </a:extLst>
           </p:cNvPr>
@@ -7804,7 +7804,7 @@
           <p:cNvPr id="5" name="CasellaDiTesto 4">
             <a:extLst>
               <a:ext uri="{FF2B5EF4-FFF2-40B4-BE49-F238E27FC236}">
-                <a16:creationId xmlns="" xmlns:a16="http://schemas.microsoft.com/office/drawing/2014/main" id="{3C51120D-3D40-5CCC-7363-B12D3856D9E6}"/>
+                <a16:creationId xmlns:a16="http://schemas.microsoft.com/office/drawing/2014/main" xmlns="" id="{3C51120D-3D40-5CCC-7363-B12D3856D9E6}"/>
               </a:ext>
             </a:extLst>
           </p:cNvPr>
@@ -7845,7 +7845,7 @@
           <p:cNvPr id="7" name="Connettore diritto 6">
             <a:extLst>
               <a:ext uri="{FF2B5EF4-FFF2-40B4-BE49-F238E27FC236}">
-                <a16:creationId xmlns="" xmlns:a16="http://schemas.microsoft.com/office/drawing/2014/main" id="{9EB87AE7-B0F8-33A2-EB25-4E82DD0C7D18}"/>
+                <a16:creationId xmlns:a16="http://schemas.microsoft.com/office/drawing/2014/main" xmlns="" id="{9EB87AE7-B0F8-33A2-EB25-4E82DD0C7D18}"/>
               </a:ext>
             </a:extLst>
           </p:cNvPr>
@@ -7883,7 +7883,7 @@
           <p:cNvPr id="8" name="CasellaDiTesto 7">
             <a:extLst>
               <a:ext uri="{FF2B5EF4-FFF2-40B4-BE49-F238E27FC236}">
-                <a16:creationId xmlns="" xmlns:a16="http://schemas.microsoft.com/office/drawing/2014/main" id="{7890ED40-D9A8-C0FF-E71D-EE5AFABADC6A}"/>
+                <a16:creationId xmlns:a16="http://schemas.microsoft.com/office/drawing/2014/main" xmlns="" id="{7890ED40-D9A8-C0FF-E71D-EE5AFABADC6A}"/>
               </a:ext>
             </a:extLst>
           </p:cNvPr>
@@ -7918,7 +7918,7 @@
           <p:cNvPr id="9" name="CasellaDiTesto 8">
             <a:extLst>
               <a:ext uri="{FF2B5EF4-FFF2-40B4-BE49-F238E27FC236}">
-                <a16:creationId xmlns="" xmlns:a16="http://schemas.microsoft.com/office/drawing/2014/main" id="{2456E5D9-6BCE-59B4-7C33-0A40A7241D52}"/>
+                <a16:creationId xmlns:a16="http://schemas.microsoft.com/office/drawing/2014/main" xmlns="" id="{2456E5D9-6BCE-59B4-7C33-0A40A7241D52}"/>
               </a:ext>
             </a:extLst>
           </p:cNvPr>
@@ -7954,7 +7954,7 @@
           <p:cNvPr id="10" name="Freeform 29">
             <a:extLst>
               <a:ext uri="{FF2B5EF4-FFF2-40B4-BE49-F238E27FC236}">
-                <a16:creationId xmlns="" xmlns:a16="http://schemas.microsoft.com/office/drawing/2014/main" id="{B0640536-8278-EF0D-78C7-CD5FED30BB38}"/>
+                <a16:creationId xmlns:a16="http://schemas.microsoft.com/office/drawing/2014/main" xmlns="" id="{B0640536-8278-EF0D-78C7-CD5FED30BB38}"/>
               </a:ext>
             </a:extLst>
           </p:cNvPr>
@@ -7997,7 +7997,7 @@
             <a:blip r:embed="rId3">
               <a:extLst>
                 <a:ext uri="{96DAC541-7B7A-43D3-8B79-37D633B846F1}">
-                  <asvg:svgBlip xmlns="" xmlns:asvg="http://schemas.microsoft.com/office/drawing/2016/SVG/main" r:embed="rId4"/>
+                  <asvg:svgBlip xmlns:asvg="http://schemas.microsoft.com/office/drawing/2016/SVG/main" xmlns="" r:embed="rId4"/>
                 </a:ext>
               </a:extLst>
             </a:blip>
@@ -8019,7 +8019,7 @@
           <p:cNvPr id="15" name="CasellaDiTesto 14">
             <a:extLst>
               <a:ext uri="{FF2B5EF4-FFF2-40B4-BE49-F238E27FC236}">
-                <a16:creationId xmlns="" xmlns:a16="http://schemas.microsoft.com/office/drawing/2014/main" id="{C11CE04E-B11A-C17B-B985-2AA8B6DDC110}"/>
+                <a16:creationId xmlns:a16="http://schemas.microsoft.com/office/drawing/2014/main" xmlns="" id="{C11CE04E-B11A-C17B-B985-2AA8B6DDC110}"/>
               </a:ext>
             </a:extLst>
           </p:cNvPr>
@@ -8268,7 +8268,7 @@
           <p:cNvPr id="18" name="CasellaDiTesto 17">
             <a:extLst>
               <a:ext uri="{FF2B5EF4-FFF2-40B4-BE49-F238E27FC236}">
-                <a16:creationId xmlns="" xmlns:a16="http://schemas.microsoft.com/office/drawing/2014/main" id="{4CA30EEA-AE8C-0882-E460-73FC9AB28F39}"/>
+                <a16:creationId xmlns:a16="http://schemas.microsoft.com/office/drawing/2014/main" xmlns="" id="{4CA30EEA-AE8C-0882-E460-73FC9AB28F39}"/>
               </a:ext>
             </a:extLst>
           </p:cNvPr>
@@ -8979,7 +8979,7 @@
           <p:cNvPr id="19" name="CasellaDiTesto 18">
             <a:extLst>
               <a:ext uri="{FF2B5EF4-FFF2-40B4-BE49-F238E27FC236}">
-                <a16:creationId xmlns="" xmlns:a16="http://schemas.microsoft.com/office/drawing/2014/main" id="{397F616F-70C3-B538-6D47-76C69C2F77C3}"/>
+                <a16:creationId xmlns:a16="http://schemas.microsoft.com/office/drawing/2014/main" xmlns="" id="{397F616F-70C3-B538-6D47-76C69C2F77C3}"/>
               </a:ext>
             </a:extLst>
           </p:cNvPr>
@@ -9014,7 +9014,7 @@
           <p:cNvPr id="23" name="CasellaDiTesto 22">
             <a:extLst>
               <a:ext uri="{FF2B5EF4-FFF2-40B4-BE49-F238E27FC236}">
-                <a16:creationId xmlns="" xmlns:a16="http://schemas.microsoft.com/office/drawing/2014/main" id="{03BC5CB8-640A-EF19-0627-B49C0A61E99D}"/>
+                <a16:creationId xmlns:a16="http://schemas.microsoft.com/office/drawing/2014/main" xmlns="" id="{03BC5CB8-640A-EF19-0627-B49C0A61E99D}"/>
               </a:ext>
             </a:extLst>
           </p:cNvPr>
@@ -9631,7 +9631,7 @@
           <p:cNvPr id="30" name="CasellaDiTesto 29">
             <a:extLst>
               <a:ext uri="{FF2B5EF4-FFF2-40B4-BE49-F238E27FC236}">
-                <a16:creationId xmlns="" xmlns:a16="http://schemas.microsoft.com/office/drawing/2014/main" id="{3473409A-097C-25EB-B9A0-9F574493CCF9}"/>
+                <a16:creationId xmlns:a16="http://schemas.microsoft.com/office/drawing/2014/main" xmlns="" id="{3473409A-097C-25EB-B9A0-9F574493CCF9}"/>
               </a:ext>
             </a:extLst>
           </p:cNvPr>
@@ -9735,7 +9735,7 @@
           <p:cNvPr id="35" name="Connettore diritto 34">
             <a:extLst>
               <a:ext uri="{FF2B5EF4-FFF2-40B4-BE49-F238E27FC236}">
-                <a16:creationId xmlns="" xmlns:a16="http://schemas.microsoft.com/office/drawing/2014/main" id="{6FC4DF27-7F7A-5DA7-C9D9-E779B1E177DA}"/>
+                <a16:creationId xmlns:a16="http://schemas.microsoft.com/office/drawing/2014/main" xmlns="" id="{6FC4DF27-7F7A-5DA7-C9D9-E779B1E177DA}"/>
               </a:ext>
             </a:extLst>
           </p:cNvPr>
@@ -10133,7 +10133,7 @@
         <p:cNvPr id="1" name="">
           <a:extLst>
             <a:ext uri="{FF2B5EF4-FFF2-40B4-BE49-F238E27FC236}">
-              <a16:creationId xmlns="" xmlns:a16="http://schemas.microsoft.com/office/drawing/2014/main" id="{058E0E21-BE85-E451-F227-E9B2D49DFAC9}"/>
+              <a16:creationId xmlns:a16="http://schemas.microsoft.com/office/drawing/2014/main" xmlns="" id="{058E0E21-BE85-E451-F227-E9B2D49DFAC9}"/>
             </a:ext>
           </a:extLst>
         </p:cNvPr>
@@ -10153,7 +10153,7 @@
           <p:cNvPr id="2" name="Freeform 2">
             <a:extLst>
               <a:ext uri="{FF2B5EF4-FFF2-40B4-BE49-F238E27FC236}">
-                <a16:creationId xmlns="" xmlns:a16="http://schemas.microsoft.com/office/drawing/2014/main" id="{718C3472-C8D3-299F-5FA8-42D9A63A908F}"/>
+                <a16:creationId xmlns:a16="http://schemas.microsoft.com/office/drawing/2014/main" xmlns="" id="{718C3472-C8D3-299F-5FA8-42D9A63A908F}"/>
               </a:ext>
             </a:extLst>
           </p:cNvPr>
@@ -10196,7 +10196,7 @@
             <a:blip r:embed="rId3">
               <a:extLst>
                 <a:ext uri="{96DAC541-7B7A-43D3-8B79-37D633B846F1}">
-                  <asvg:svgBlip xmlns="" xmlns:asvg="http://schemas.microsoft.com/office/drawing/2016/SVG/main" r:embed="rId4"/>
+                  <asvg:svgBlip xmlns:asvg="http://schemas.microsoft.com/office/drawing/2016/SVG/main" xmlns="" r:embed="rId4"/>
                 </a:ext>
               </a:extLst>
             </a:blip>
@@ -10218,7 +10218,7 @@
           <p:cNvPr id="3" name="TextBox 12">
             <a:extLst>
               <a:ext uri="{FF2B5EF4-FFF2-40B4-BE49-F238E27FC236}">
-                <a16:creationId xmlns="" xmlns:a16="http://schemas.microsoft.com/office/drawing/2014/main" id="{73578E7B-3CFA-8CD0-9667-21DB63462022}"/>
+                <a16:creationId xmlns:a16="http://schemas.microsoft.com/office/drawing/2014/main" xmlns="" id="{73578E7B-3CFA-8CD0-9667-21DB63462022}"/>
               </a:ext>
             </a:extLst>
           </p:cNvPr>
@@ -10268,7 +10268,7 @@
           <p:cNvPr id="4" name="Connettore diritto 3">
             <a:extLst>
               <a:ext uri="{FF2B5EF4-FFF2-40B4-BE49-F238E27FC236}">
-                <a16:creationId xmlns="" xmlns:a16="http://schemas.microsoft.com/office/drawing/2014/main" id="{B9EB7B9C-841C-5AF4-C167-BC6FE3875EB3}"/>
+                <a16:creationId xmlns:a16="http://schemas.microsoft.com/office/drawing/2014/main" xmlns="" id="{B9EB7B9C-841C-5AF4-C167-BC6FE3875EB3}"/>
               </a:ext>
             </a:extLst>
           </p:cNvPr>
@@ -10306,7 +10306,7 @@
           <p:cNvPr id="5" name="CasellaDiTesto 4">
             <a:extLst>
               <a:ext uri="{FF2B5EF4-FFF2-40B4-BE49-F238E27FC236}">
-                <a16:creationId xmlns="" xmlns:a16="http://schemas.microsoft.com/office/drawing/2014/main" id="{23F6C692-4CC5-5D8C-9625-37E9B630D644}"/>
+                <a16:creationId xmlns:a16="http://schemas.microsoft.com/office/drawing/2014/main" xmlns="" id="{23F6C692-4CC5-5D8C-9625-37E9B630D644}"/>
               </a:ext>
             </a:extLst>
           </p:cNvPr>
@@ -10347,7 +10347,7 @@
           <p:cNvPr id="9" name="Freeform 29">
             <a:extLst>
               <a:ext uri="{FF2B5EF4-FFF2-40B4-BE49-F238E27FC236}">
-                <a16:creationId xmlns="" xmlns:a16="http://schemas.microsoft.com/office/drawing/2014/main" id="{FC0770C3-73C9-4C03-DC22-6E224A960104}"/>
+                <a16:creationId xmlns:a16="http://schemas.microsoft.com/office/drawing/2014/main" xmlns="" id="{FC0770C3-73C9-4C03-DC22-6E224A960104}"/>
               </a:ext>
             </a:extLst>
           </p:cNvPr>
@@ -10390,7 +10390,7 @@
             <a:blip r:embed="rId3">
               <a:extLst>
                 <a:ext uri="{96DAC541-7B7A-43D3-8B79-37D633B846F1}">
-                  <asvg:svgBlip xmlns="" xmlns:asvg="http://schemas.microsoft.com/office/drawing/2016/SVG/main" r:embed="rId4"/>
+                  <asvg:svgBlip xmlns:asvg="http://schemas.microsoft.com/office/drawing/2016/SVG/main" xmlns="" r:embed="rId4"/>
                 </a:ext>
               </a:extLst>
             </a:blip>
@@ -10412,7 +10412,7 @@
           <p:cNvPr id="14" name="CasellaDiTesto 13">
             <a:extLst>
               <a:ext uri="{FF2B5EF4-FFF2-40B4-BE49-F238E27FC236}">
-                <a16:creationId xmlns="" xmlns:a16="http://schemas.microsoft.com/office/drawing/2014/main" id="{81DAFFA7-857A-5692-F025-246CC13002DA}"/>
+                <a16:creationId xmlns:a16="http://schemas.microsoft.com/office/drawing/2014/main" xmlns="" id="{81DAFFA7-857A-5692-F025-246CC13002DA}"/>
               </a:ext>
             </a:extLst>
           </p:cNvPr>
@@ -11018,7 +11018,7 @@
         <p:cNvPr id="1" name="">
           <a:extLst>
             <a:ext uri="{FF2B5EF4-FFF2-40B4-BE49-F238E27FC236}">
-              <a16:creationId xmlns="" xmlns:a16="http://schemas.microsoft.com/office/drawing/2014/main" id="{11811571-8FCD-6A36-2D2C-A2C41BC3D29D}"/>
+              <a16:creationId xmlns:a16="http://schemas.microsoft.com/office/drawing/2014/main" xmlns="" id="{11811571-8FCD-6A36-2D2C-A2C41BC3D29D}"/>
             </a:ext>
           </a:extLst>
         </p:cNvPr>
@@ -11038,7 +11038,7 @@
           <p:cNvPr id="2" name="Freeform 2">
             <a:extLst>
               <a:ext uri="{FF2B5EF4-FFF2-40B4-BE49-F238E27FC236}">
-                <a16:creationId xmlns="" xmlns:a16="http://schemas.microsoft.com/office/drawing/2014/main" id="{E60AD310-4885-3AC4-676F-718069EFD91E}"/>
+                <a16:creationId xmlns:a16="http://schemas.microsoft.com/office/drawing/2014/main" xmlns="" id="{E60AD310-4885-3AC4-676F-718069EFD91E}"/>
               </a:ext>
             </a:extLst>
           </p:cNvPr>
@@ -11081,7 +11081,7 @@
             <a:blip r:embed="rId3">
               <a:extLst>
                 <a:ext uri="{96DAC541-7B7A-43D3-8B79-37D633B846F1}">
-                  <asvg:svgBlip xmlns="" xmlns:asvg="http://schemas.microsoft.com/office/drawing/2016/SVG/main" r:embed="rId4"/>
+                  <asvg:svgBlip xmlns:asvg="http://schemas.microsoft.com/office/drawing/2016/SVG/main" xmlns="" r:embed="rId4"/>
                 </a:ext>
               </a:extLst>
             </a:blip>
@@ -11103,7 +11103,7 @@
           <p:cNvPr id="3" name="TextBox 12">
             <a:extLst>
               <a:ext uri="{FF2B5EF4-FFF2-40B4-BE49-F238E27FC236}">
-                <a16:creationId xmlns="" xmlns:a16="http://schemas.microsoft.com/office/drawing/2014/main" id="{4A8F9415-C6A7-54F5-20D7-064F7CCE3102}"/>
+                <a16:creationId xmlns:a16="http://schemas.microsoft.com/office/drawing/2014/main" xmlns="" id="{4A8F9415-C6A7-54F5-20D7-064F7CCE3102}"/>
               </a:ext>
             </a:extLst>
           </p:cNvPr>
@@ -11153,7 +11153,7 @@
           <p:cNvPr id="4" name="Connettore diritto 3">
             <a:extLst>
               <a:ext uri="{FF2B5EF4-FFF2-40B4-BE49-F238E27FC236}">
-                <a16:creationId xmlns="" xmlns:a16="http://schemas.microsoft.com/office/drawing/2014/main" id="{7801C1ED-4DBA-721F-58E4-30713DC53DBD}"/>
+                <a16:creationId xmlns:a16="http://schemas.microsoft.com/office/drawing/2014/main" xmlns="" id="{7801C1ED-4DBA-721F-58E4-30713DC53DBD}"/>
               </a:ext>
             </a:extLst>
           </p:cNvPr>
@@ -11191,7 +11191,7 @@
           <p:cNvPr id="5" name="CasellaDiTesto 4">
             <a:extLst>
               <a:ext uri="{FF2B5EF4-FFF2-40B4-BE49-F238E27FC236}">
-                <a16:creationId xmlns="" xmlns:a16="http://schemas.microsoft.com/office/drawing/2014/main" id="{63F76C04-32AC-56FC-9FC4-F48252365059}"/>
+                <a16:creationId xmlns:a16="http://schemas.microsoft.com/office/drawing/2014/main" xmlns="" id="{63F76C04-32AC-56FC-9FC4-F48252365059}"/>
               </a:ext>
             </a:extLst>
           </p:cNvPr>
@@ -11232,7 +11232,7 @@
           <p:cNvPr id="10" name="Freeform 29">
             <a:extLst>
               <a:ext uri="{FF2B5EF4-FFF2-40B4-BE49-F238E27FC236}">
-                <a16:creationId xmlns="" xmlns:a16="http://schemas.microsoft.com/office/drawing/2014/main" id="{4918565B-A3AF-3C5E-6C33-31FBD134A6BD}"/>
+                <a16:creationId xmlns:a16="http://schemas.microsoft.com/office/drawing/2014/main" xmlns="" id="{4918565B-A3AF-3C5E-6C33-31FBD134A6BD}"/>
               </a:ext>
             </a:extLst>
           </p:cNvPr>
@@ -11275,7 +11275,7 @@
             <a:blip r:embed="rId3">
               <a:extLst>
                 <a:ext uri="{96DAC541-7B7A-43D3-8B79-37D633B846F1}">
-                  <asvg:svgBlip xmlns="" xmlns:asvg="http://schemas.microsoft.com/office/drawing/2016/SVG/main" r:embed="rId4"/>
+                  <asvg:svgBlip xmlns:asvg="http://schemas.microsoft.com/office/drawing/2016/SVG/main" xmlns="" r:embed="rId4"/>
                 </a:ext>
               </a:extLst>
             </a:blip>
@@ -11297,7 +11297,7 @@
           <p:cNvPr id="12" name="CasellaDiTesto 11">
             <a:extLst>
               <a:ext uri="{FF2B5EF4-FFF2-40B4-BE49-F238E27FC236}">
-                <a16:creationId xmlns="" xmlns:a16="http://schemas.microsoft.com/office/drawing/2014/main" id="{843E5FB3-A098-0E21-D80F-FDF3FC957294}"/>
+                <a16:creationId xmlns:a16="http://schemas.microsoft.com/office/drawing/2014/main" xmlns="" id="{843E5FB3-A098-0E21-D80F-FDF3FC957294}"/>
               </a:ext>
             </a:extLst>
           </p:cNvPr>
@@ -11682,7 +11682,7 @@
         <p:cNvPr id="1" name="">
           <a:extLst>
             <a:ext uri="{FF2B5EF4-FFF2-40B4-BE49-F238E27FC236}">
-              <a16:creationId xmlns="" xmlns:a16="http://schemas.microsoft.com/office/drawing/2014/main" id="{83725E3D-C126-0F4B-BD60-DE335EF84B2E}"/>
+              <a16:creationId xmlns:a16="http://schemas.microsoft.com/office/drawing/2014/main" xmlns="" id="{83725E3D-C126-0F4B-BD60-DE335EF84B2E}"/>
             </a:ext>
           </a:extLst>
         </p:cNvPr>
@@ -11702,7 +11702,7 @@
           <p:cNvPr id="2" name="Freeform 2">
             <a:extLst>
               <a:ext uri="{FF2B5EF4-FFF2-40B4-BE49-F238E27FC236}">
-                <a16:creationId xmlns="" xmlns:a16="http://schemas.microsoft.com/office/drawing/2014/main" id="{ACD132E4-4425-4545-E272-67CDF643EC78}"/>
+                <a16:creationId xmlns:a16="http://schemas.microsoft.com/office/drawing/2014/main" xmlns="" id="{ACD132E4-4425-4545-E272-67CDF643EC78}"/>
               </a:ext>
             </a:extLst>
           </p:cNvPr>
@@ -11745,7 +11745,7 @@
             <a:blip r:embed="rId3">
               <a:extLst>
                 <a:ext uri="{96DAC541-7B7A-43D3-8B79-37D633B846F1}">
-                  <asvg:svgBlip xmlns="" xmlns:asvg="http://schemas.microsoft.com/office/drawing/2016/SVG/main" r:embed="rId4"/>
+                  <asvg:svgBlip xmlns:asvg="http://schemas.microsoft.com/office/drawing/2016/SVG/main" xmlns="" r:embed="rId4"/>
                 </a:ext>
               </a:extLst>
             </a:blip>
@@ -11767,7 +11767,7 @@
           <p:cNvPr id="3" name="TextBox 12">
             <a:extLst>
               <a:ext uri="{FF2B5EF4-FFF2-40B4-BE49-F238E27FC236}">
-                <a16:creationId xmlns="" xmlns:a16="http://schemas.microsoft.com/office/drawing/2014/main" id="{DC99646B-5207-FAE5-B90F-632878A08F1A}"/>
+                <a16:creationId xmlns:a16="http://schemas.microsoft.com/office/drawing/2014/main" xmlns="" id="{DC99646B-5207-FAE5-B90F-632878A08F1A}"/>
               </a:ext>
             </a:extLst>
           </p:cNvPr>
@@ -11817,7 +11817,7 @@
           <p:cNvPr id="4" name="Connettore diritto 3">
             <a:extLst>
               <a:ext uri="{FF2B5EF4-FFF2-40B4-BE49-F238E27FC236}">
-                <a16:creationId xmlns="" xmlns:a16="http://schemas.microsoft.com/office/drawing/2014/main" id="{2EF4928A-2494-0CFB-51A6-2301827E67AB}"/>
+                <a16:creationId xmlns:a16="http://schemas.microsoft.com/office/drawing/2014/main" xmlns="" id="{2EF4928A-2494-0CFB-51A6-2301827E67AB}"/>
               </a:ext>
             </a:extLst>
           </p:cNvPr>
@@ -11855,7 +11855,7 @@
           <p:cNvPr id="5" name="CasellaDiTesto 4">
             <a:extLst>
               <a:ext uri="{FF2B5EF4-FFF2-40B4-BE49-F238E27FC236}">
-                <a16:creationId xmlns="" xmlns:a16="http://schemas.microsoft.com/office/drawing/2014/main" id="{CB58EDA3-B85C-2310-CF9D-EE7D0B3565A7}"/>
+                <a16:creationId xmlns:a16="http://schemas.microsoft.com/office/drawing/2014/main" xmlns="" id="{CB58EDA3-B85C-2310-CF9D-EE7D0B3565A7}"/>
               </a:ext>
             </a:extLst>
           </p:cNvPr>
@@ -11896,7 +11896,7 @@
           <p:cNvPr id="6" name="Connettore diritto 5">
             <a:extLst>
               <a:ext uri="{FF2B5EF4-FFF2-40B4-BE49-F238E27FC236}">
-                <a16:creationId xmlns="" xmlns:a16="http://schemas.microsoft.com/office/drawing/2014/main" id="{3A062706-F884-5963-11CC-3293C76E9AD6}"/>
+                <a16:creationId xmlns:a16="http://schemas.microsoft.com/office/drawing/2014/main" xmlns="" id="{3A062706-F884-5963-11CC-3293C76E9AD6}"/>
               </a:ext>
             </a:extLst>
           </p:cNvPr>
@@ -11932,7 +11932,7 @@
           <p:cNvPr id="7" name="CasellaDiTesto 6">
             <a:extLst>
               <a:ext uri="{FF2B5EF4-FFF2-40B4-BE49-F238E27FC236}">
-                <a16:creationId xmlns="" xmlns:a16="http://schemas.microsoft.com/office/drawing/2014/main" id="{832719C6-D0BE-DAEA-6CD2-C70F7AACA4F8}"/>
+                <a16:creationId xmlns:a16="http://schemas.microsoft.com/office/drawing/2014/main" xmlns="" id="{832719C6-D0BE-DAEA-6CD2-C70F7AACA4F8}"/>
               </a:ext>
             </a:extLst>
           </p:cNvPr>
@@ -11967,7 +11967,7 @@
           <p:cNvPr id="8" name="CasellaDiTesto 7">
             <a:extLst>
               <a:ext uri="{FF2B5EF4-FFF2-40B4-BE49-F238E27FC236}">
-                <a16:creationId xmlns="" xmlns:a16="http://schemas.microsoft.com/office/drawing/2014/main" id="{7070C879-9FBD-408B-564B-F64CE4797117}"/>
+                <a16:creationId xmlns:a16="http://schemas.microsoft.com/office/drawing/2014/main" xmlns="" id="{7070C879-9FBD-408B-564B-F64CE4797117}"/>
               </a:ext>
             </a:extLst>
           </p:cNvPr>
@@ -12002,7 +12002,7 @@
           <p:cNvPr id="10" name="Freeform 29">
             <a:extLst>
               <a:ext uri="{FF2B5EF4-FFF2-40B4-BE49-F238E27FC236}">
-                <a16:creationId xmlns="" xmlns:a16="http://schemas.microsoft.com/office/drawing/2014/main" id="{3899F377-3619-1E72-FEDB-2703F2643400}"/>
+                <a16:creationId xmlns:a16="http://schemas.microsoft.com/office/drawing/2014/main" xmlns="" id="{3899F377-3619-1E72-FEDB-2703F2643400}"/>
               </a:ext>
             </a:extLst>
           </p:cNvPr>
@@ -12045,7 +12045,7 @@
             <a:blip r:embed="rId3">
               <a:extLst>
                 <a:ext uri="{96DAC541-7B7A-43D3-8B79-37D633B846F1}">
-                  <asvg:svgBlip xmlns="" xmlns:asvg="http://schemas.microsoft.com/office/drawing/2016/SVG/main" r:embed="rId4"/>
+                  <asvg:svgBlip xmlns:asvg="http://schemas.microsoft.com/office/drawing/2016/SVG/main" xmlns="" r:embed="rId4"/>
                 </a:ext>
               </a:extLst>
             </a:blip>
@@ -12067,7 +12067,7 @@
           <p:cNvPr id="12" name="CasellaDiTesto 11">
             <a:extLst>
               <a:ext uri="{FF2B5EF4-FFF2-40B4-BE49-F238E27FC236}">
-                <a16:creationId xmlns="" xmlns:a16="http://schemas.microsoft.com/office/drawing/2014/main" id="{A12C0988-80A8-A074-230A-B8C73C3443C8}"/>
+                <a16:creationId xmlns:a16="http://schemas.microsoft.com/office/drawing/2014/main" xmlns="" id="{A12C0988-80A8-A074-230A-B8C73C3443C8}"/>
               </a:ext>
             </a:extLst>
           </p:cNvPr>
@@ -12573,7 +12573,7 @@
           <p:cNvPr id="19" name="Rectangle 5">
             <a:extLst>
               <a:ext uri="{FF2B5EF4-FFF2-40B4-BE49-F238E27FC236}">
-                <a16:creationId xmlns="" xmlns:a16="http://schemas.microsoft.com/office/drawing/2014/main" id="{6512E9CB-A51B-332E-4C10-196D68F42C96}"/>
+                <a16:creationId xmlns:a16="http://schemas.microsoft.com/office/drawing/2014/main" xmlns="" id="{6512E9CB-A51B-332E-4C10-196D68F42C96}"/>
               </a:ext>
             </a:extLst>
           </p:cNvPr>
@@ -14548,7 +14548,7 @@
         <p:cNvPr id="1" name="">
           <a:extLst>
             <a:ext uri="{FF2B5EF4-FFF2-40B4-BE49-F238E27FC236}">
-              <a16:creationId xmlns="" xmlns:a16="http://schemas.microsoft.com/office/drawing/2014/main" id="{83725E3D-C126-0F4B-BD60-DE335EF84B2E}"/>
+              <a16:creationId xmlns:a16="http://schemas.microsoft.com/office/drawing/2014/main" xmlns="" id="{83725E3D-C126-0F4B-BD60-DE335EF84B2E}"/>
             </a:ext>
           </a:extLst>
         </p:cNvPr>
@@ -14568,7 +14568,7 @@
           <p:cNvPr id="2" name="Freeform 2">
             <a:extLst>
               <a:ext uri="{FF2B5EF4-FFF2-40B4-BE49-F238E27FC236}">
-                <a16:creationId xmlns="" xmlns:a16="http://schemas.microsoft.com/office/drawing/2014/main" id="{ACD132E4-4425-4545-E272-67CDF643EC78}"/>
+                <a16:creationId xmlns:a16="http://schemas.microsoft.com/office/drawing/2014/main" xmlns="" id="{ACD132E4-4425-4545-E272-67CDF643EC78}"/>
               </a:ext>
             </a:extLst>
           </p:cNvPr>
@@ -14611,7 +14611,7 @@
             <a:blip r:embed="rId3">
               <a:extLst>
                 <a:ext uri="{96DAC541-7B7A-43D3-8B79-37D633B846F1}">
-                  <asvg:svgBlip xmlns="" xmlns:asvg="http://schemas.microsoft.com/office/drawing/2016/SVG/main" r:embed="rId4"/>
+                  <asvg:svgBlip xmlns:asvg="http://schemas.microsoft.com/office/drawing/2016/SVG/main" xmlns="" r:embed="rId4"/>
                 </a:ext>
               </a:extLst>
             </a:blip>
@@ -14633,7 +14633,7 @@
           <p:cNvPr id="3" name="TextBox 12">
             <a:extLst>
               <a:ext uri="{FF2B5EF4-FFF2-40B4-BE49-F238E27FC236}">
-                <a16:creationId xmlns="" xmlns:a16="http://schemas.microsoft.com/office/drawing/2014/main" id="{DC99646B-5207-FAE5-B90F-632878A08F1A}"/>
+                <a16:creationId xmlns:a16="http://schemas.microsoft.com/office/drawing/2014/main" xmlns="" id="{DC99646B-5207-FAE5-B90F-632878A08F1A}"/>
               </a:ext>
             </a:extLst>
           </p:cNvPr>
@@ -14692,7 +14692,7 @@
           <p:cNvPr id="4" name="Connettore diritto 3">
             <a:extLst>
               <a:ext uri="{FF2B5EF4-FFF2-40B4-BE49-F238E27FC236}">
-                <a16:creationId xmlns="" xmlns:a16="http://schemas.microsoft.com/office/drawing/2014/main" id="{2EF4928A-2494-0CFB-51A6-2301827E67AB}"/>
+                <a16:creationId xmlns:a16="http://schemas.microsoft.com/office/drawing/2014/main" xmlns="" id="{2EF4928A-2494-0CFB-51A6-2301827E67AB}"/>
               </a:ext>
             </a:extLst>
           </p:cNvPr>
@@ -14730,7 +14730,7 @@
           <p:cNvPr id="5" name="CasellaDiTesto 4">
             <a:extLst>
               <a:ext uri="{FF2B5EF4-FFF2-40B4-BE49-F238E27FC236}">
-                <a16:creationId xmlns="" xmlns:a16="http://schemas.microsoft.com/office/drawing/2014/main" id="{CB58EDA3-B85C-2310-CF9D-EE7D0B3565A7}"/>
+                <a16:creationId xmlns:a16="http://schemas.microsoft.com/office/drawing/2014/main" xmlns="" id="{CB58EDA3-B85C-2310-CF9D-EE7D0B3565A7}"/>
               </a:ext>
             </a:extLst>
           </p:cNvPr>
@@ -14771,7 +14771,7 @@
           <p:cNvPr id="10" name="Freeform 29">
             <a:extLst>
               <a:ext uri="{FF2B5EF4-FFF2-40B4-BE49-F238E27FC236}">
-                <a16:creationId xmlns="" xmlns:a16="http://schemas.microsoft.com/office/drawing/2014/main" id="{3899F377-3619-1E72-FEDB-2703F2643400}"/>
+                <a16:creationId xmlns:a16="http://schemas.microsoft.com/office/drawing/2014/main" xmlns="" id="{3899F377-3619-1E72-FEDB-2703F2643400}"/>
               </a:ext>
             </a:extLst>
           </p:cNvPr>
@@ -14814,7 +14814,7 @@
             <a:blip r:embed="rId3">
               <a:extLst>
                 <a:ext uri="{96DAC541-7B7A-43D3-8B79-37D633B846F1}">
-                  <asvg:svgBlip xmlns="" xmlns:asvg="http://schemas.microsoft.com/office/drawing/2016/SVG/main" r:embed="rId4"/>
+                  <asvg:svgBlip xmlns:asvg="http://schemas.microsoft.com/office/drawing/2016/SVG/main" xmlns="" r:embed="rId4"/>
                 </a:ext>
               </a:extLst>
             </a:blip>
@@ -15724,7 +15724,7 @@
               <a:t> </a:t>
             </a:r>
             <a:r>
-              <a:rPr lang="it-IT" altLang="it-IT" sz="2000" dirty="0" err="1">
+              <a:rPr lang="it-IT" altLang="it-IT" sz="2000" dirty="0" err="1" smtClean="0">
                 <a:solidFill>
                   <a:prstClr val="black"/>
                 </a:solidFill>
@@ -15733,31 +15733,13 @@
               <a:t>communication</a:t>
             </a:r>
             <a:r>
-              <a:rPr lang="it-IT" altLang="it-IT" sz="2000" dirty="0">
+              <a:rPr lang="it-IT" altLang="it-IT" sz="2000" dirty="0" smtClean="0">
                 <a:solidFill>
                   <a:prstClr val="black"/>
                 </a:solidFill>
                 <a:cs typeface="Arial" pitchFamily="34" charset="0"/>
               </a:rPr>
-              <a:t> ("</a:t>
-            </a:r>
-            <a:r>
-              <a:rPr lang="it-IT" altLang="it-IT" sz="2000" dirty="0" err="1">
-                <a:solidFill>
-                  <a:prstClr val="black"/>
-                </a:solidFill>
-                <a:cs typeface="Arial" pitchFamily="34" charset="0"/>
-              </a:rPr>
-              <a:t>ros_car_key</a:t>
-            </a:r>
-            <a:r>
-              <a:rPr lang="it-IT" altLang="it-IT" sz="2000" dirty="0" smtClean="0">
-                <a:solidFill>
-                  <a:prstClr val="black"/>
-                </a:solidFill>
-                <a:cs typeface="Arial" pitchFamily="34" charset="0"/>
-              </a:rPr>
-              <a:t>").</a:t>
+              <a:t>.</a:t>
             </a:r>
             <a:endParaRPr lang="it-IT" altLang="it-IT" sz="2000" dirty="0">
               <a:solidFill>
@@ -17189,7 +17171,7 @@
         <p:cNvPr id="1" name="">
           <a:extLst>
             <a:ext uri="{FF2B5EF4-FFF2-40B4-BE49-F238E27FC236}">
-              <a16:creationId xmlns="" xmlns:a16="http://schemas.microsoft.com/office/drawing/2014/main" id="{82FEA75E-89A6-5DE7-26D4-EFF5FF95331D}"/>
+              <a16:creationId xmlns:a16="http://schemas.microsoft.com/office/drawing/2014/main" xmlns="" id="{82FEA75E-89A6-5DE7-26D4-EFF5FF95331D}"/>
             </a:ext>
           </a:extLst>
         </p:cNvPr>
@@ -17209,7 +17191,7 @@
           <p:cNvPr id="2" name="Freeform 2">
             <a:extLst>
               <a:ext uri="{FF2B5EF4-FFF2-40B4-BE49-F238E27FC236}">
-                <a16:creationId xmlns="" xmlns:a16="http://schemas.microsoft.com/office/drawing/2014/main" id="{D0D2A263-D84B-9124-F210-84443B2D89B6}"/>
+                <a16:creationId xmlns:a16="http://schemas.microsoft.com/office/drawing/2014/main" xmlns="" id="{D0D2A263-D84B-9124-F210-84443B2D89B6}"/>
               </a:ext>
             </a:extLst>
           </p:cNvPr>
@@ -17252,7 +17234,7 @@
             <a:blip r:embed="rId3">
               <a:extLst>
                 <a:ext uri="{96DAC541-7B7A-43D3-8B79-37D633B846F1}">
-                  <asvg:svgBlip xmlns="" xmlns:asvg="http://schemas.microsoft.com/office/drawing/2016/SVG/main" r:embed="rId4"/>
+                  <asvg:svgBlip xmlns:asvg="http://schemas.microsoft.com/office/drawing/2016/SVG/main" xmlns="" r:embed="rId4"/>
                 </a:ext>
               </a:extLst>
             </a:blip>
@@ -17278,7 +17260,7 @@
           <p:cNvPr id="3" name="TextBox 12">
             <a:extLst>
               <a:ext uri="{FF2B5EF4-FFF2-40B4-BE49-F238E27FC236}">
-                <a16:creationId xmlns="" xmlns:a16="http://schemas.microsoft.com/office/drawing/2014/main" id="{4C8C30E2-04B8-FB66-50C4-81588124C150}"/>
+                <a16:creationId xmlns:a16="http://schemas.microsoft.com/office/drawing/2014/main" xmlns="" id="{4C8C30E2-04B8-FB66-50C4-81588124C150}"/>
               </a:ext>
             </a:extLst>
           </p:cNvPr>
@@ -17328,7 +17310,7 @@
           <p:cNvPr id="4" name="Connettore diritto 3">
             <a:extLst>
               <a:ext uri="{FF2B5EF4-FFF2-40B4-BE49-F238E27FC236}">
-                <a16:creationId xmlns="" xmlns:a16="http://schemas.microsoft.com/office/drawing/2014/main" id="{FD0EFE6C-CDE8-0F31-4649-1BC24322CAD8}"/>
+                <a16:creationId xmlns:a16="http://schemas.microsoft.com/office/drawing/2014/main" xmlns="" id="{FD0EFE6C-CDE8-0F31-4649-1BC24322CAD8}"/>
               </a:ext>
             </a:extLst>
           </p:cNvPr>
@@ -17366,7 +17348,7 @@
           <p:cNvPr id="6" name="Freeform 29">
             <a:extLst>
               <a:ext uri="{FF2B5EF4-FFF2-40B4-BE49-F238E27FC236}">
-                <a16:creationId xmlns="" xmlns:a16="http://schemas.microsoft.com/office/drawing/2014/main" id="{F85AEEF7-173E-4D8B-B676-AF36844C49A0}"/>
+                <a16:creationId xmlns:a16="http://schemas.microsoft.com/office/drawing/2014/main" xmlns="" id="{F85AEEF7-173E-4D8B-B676-AF36844C49A0}"/>
               </a:ext>
             </a:extLst>
           </p:cNvPr>
@@ -17409,7 +17391,7 @@
             <a:blip r:embed="rId3">
               <a:extLst>
                 <a:ext uri="{96DAC541-7B7A-43D3-8B79-37D633B846F1}">
-                  <asvg:svgBlip xmlns="" xmlns:asvg="http://schemas.microsoft.com/office/drawing/2016/SVG/main" r:embed="rId4"/>
+                  <asvg:svgBlip xmlns:asvg="http://schemas.microsoft.com/office/drawing/2016/SVG/main" xmlns="" r:embed="rId4"/>
                 </a:ext>
               </a:extLst>
             </a:blip>
@@ -17431,7 +17413,7 @@
           <p:cNvPr id="9" name="CasellaDiTesto 8">
             <a:extLst>
               <a:ext uri="{FF2B5EF4-FFF2-40B4-BE49-F238E27FC236}">
-                <a16:creationId xmlns="" xmlns:a16="http://schemas.microsoft.com/office/drawing/2014/main" id="{E84F7AD9-076C-2775-AD67-671132C59B63}"/>
+                <a16:creationId xmlns:a16="http://schemas.microsoft.com/office/drawing/2014/main" xmlns="" id="{E84F7AD9-076C-2775-AD67-671132C59B63}"/>
               </a:ext>
             </a:extLst>
           </p:cNvPr>
@@ -17468,7 +17450,7 @@
           <p:cNvPr id="11" name="Immagine 10">
             <a:extLst>
               <a:ext uri="{FF2B5EF4-FFF2-40B4-BE49-F238E27FC236}">
-                <a16:creationId xmlns="" xmlns:a16="http://schemas.microsoft.com/office/drawing/2014/main" id="{367B737E-3325-DC89-D774-3544D8DAC0CB}"/>
+                <a16:creationId xmlns:a16="http://schemas.microsoft.com/office/drawing/2014/main" xmlns="" id="{367B737E-3325-DC89-D774-3544D8DAC0CB}"/>
               </a:ext>
             </a:extLst>
           </p:cNvPr>
@@ -17512,7 +17494,7 @@
           <p:cNvPr id="12" name="CasellaDiTesto 11">
             <a:extLst>
               <a:ext uri="{FF2B5EF4-FFF2-40B4-BE49-F238E27FC236}">
-                <a16:creationId xmlns="" xmlns:a16="http://schemas.microsoft.com/office/drawing/2014/main" id="{558D3132-070F-FF38-2997-88C1F91AD083}"/>
+                <a16:creationId xmlns:a16="http://schemas.microsoft.com/office/drawing/2014/main" xmlns="" id="{558D3132-070F-FF38-2997-88C1F91AD083}"/>
               </a:ext>
             </a:extLst>
           </p:cNvPr>
@@ -17548,7 +17530,7 @@
           <p:cNvPr id="14" name="Immagine 13">
             <a:extLst>
               <a:ext uri="{FF2B5EF4-FFF2-40B4-BE49-F238E27FC236}">
-                <a16:creationId xmlns="" xmlns:a16="http://schemas.microsoft.com/office/drawing/2014/main" id="{3A9F7628-A07E-3A31-7462-15614E123E8D}"/>
+                <a16:creationId xmlns:a16="http://schemas.microsoft.com/office/drawing/2014/main" xmlns="" id="{3A9F7628-A07E-3A31-7462-15614E123E8D}"/>
               </a:ext>
             </a:extLst>
           </p:cNvPr>
@@ -17592,7 +17574,7 @@
           <p:cNvPr id="15" name="CasellaDiTesto 14">
             <a:extLst>
               <a:ext uri="{FF2B5EF4-FFF2-40B4-BE49-F238E27FC236}">
-                <a16:creationId xmlns="" xmlns:a16="http://schemas.microsoft.com/office/drawing/2014/main" id="{9ED3C7FB-81D7-01E2-504A-692860E213A7}"/>
+                <a16:creationId xmlns:a16="http://schemas.microsoft.com/office/drawing/2014/main" xmlns="" id="{9ED3C7FB-81D7-01E2-504A-692860E213A7}"/>
               </a:ext>
             </a:extLst>
           </p:cNvPr>
@@ -17829,7 +17811,7 @@
         <p:cNvPr id="1" name="">
           <a:extLst>
             <a:ext uri="{FF2B5EF4-FFF2-40B4-BE49-F238E27FC236}">
-              <a16:creationId xmlns="" xmlns:a16="http://schemas.microsoft.com/office/drawing/2014/main" id="{FBED5C29-0B8A-A55F-2AAE-33A34AC9323F}"/>
+              <a16:creationId xmlns:a16="http://schemas.microsoft.com/office/drawing/2014/main" xmlns="" id="{FBED5C29-0B8A-A55F-2AAE-33A34AC9323F}"/>
             </a:ext>
           </a:extLst>
         </p:cNvPr>
@@ -17849,7 +17831,7 @@
           <p:cNvPr id="2" name="Freeform 2">
             <a:extLst>
               <a:ext uri="{FF2B5EF4-FFF2-40B4-BE49-F238E27FC236}">
-                <a16:creationId xmlns="" xmlns:a16="http://schemas.microsoft.com/office/drawing/2014/main" id="{9E3A531E-6FB6-B9A9-5075-6B8A23C5226E}"/>
+                <a16:creationId xmlns:a16="http://schemas.microsoft.com/office/drawing/2014/main" xmlns="" id="{9E3A531E-6FB6-B9A9-5075-6B8A23C5226E}"/>
               </a:ext>
             </a:extLst>
           </p:cNvPr>
@@ -17892,7 +17874,7 @@
             <a:blip r:embed="rId2">
               <a:extLst>
                 <a:ext uri="{96DAC541-7B7A-43D3-8B79-37D633B846F1}">
-                  <asvg:svgBlip xmlns="" xmlns:asvg="http://schemas.microsoft.com/office/drawing/2016/SVG/main" r:embed="rId3"/>
+                  <asvg:svgBlip xmlns:asvg="http://schemas.microsoft.com/office/drawing/2016/SVG/main" xmlns="" r:embed="rId3"/>
                 </a:ext>
               </a:extLst>
             </a:blip>
@@ -17914,7 +17896,7 @@
           <p:cNvPr id="3" name="Freeform 3">
             <a:extLst>
               <a:ext uri="{FF2B5EF4-FFF2-40B4-BE49-F238E27FC236}">
-                <a16:creationId xmlns="" xmlns:a16="http://schemas.microsoft.com/office/drawing/2014/main" id="{C168A778-1491-9C49-AE9F-656B7204240C}"/>
+                <a16:creationId xmlns:a16="http://schemas.microsoft.com/office/drawing/2014/main" xmlns="" id="{C168A778-1491-9C49-AE9F-656B7204240C}"/>
               </a:ext>
             </a:extLst>
           </p:cNvPr>
@@ -17957,7 +17939,7 @@
             <a:blip r:embed="rId2">
               <a:extLst>
                 <a:ext uri="{96DAC541-7B7A-43D3-8B79-37D633B846F1}">
-                  <asvg:svgBlip xmlns="" xmlns:asvg="http://schemas.microsoft.com/office/drawing/2016/SVG/main" r:embed="rId3"/>
+                  <asvg:svgBlip xmlns:asvg="http://schemas.microsoft.com/office/drawing/2016/SVG/main" xmlns="" r:embed="rId3"/>
                 </a:ext>
               </a:extLst>
             </a:blip>
@@ -17979,7 +17961,7 @@
           <p:cNvPr id="4" name="TextBox 4">
             <a:extLst>
               <a:ext uri="{FF2B5EF4-FFF2-40B4-BE49-F238E27FC236}">
-                <a16:creationId xmlns="" xmlns:a16="http://schemas.microsoft.com/office/drawing/2014/main" id="{259BD187-36C0-AB1B-5374-C4D8F0A00A60}"/>
+                <a16:creationId xmlns:a16="http://schemas.microsoft.com/office/drawing/2014/main" xmlns="" id="{259BD187-36C0-AB1B-5374-C4D8F0A00A60}"/>
               </a:ext>
             </a:extLst>
           </p:cNvPr>
@@ -18026,7 +18008,7 @@
           <p:cNvPr id="5" name="TextBox 5">
             <a:extLst>
               <a:ext uri="{FF2B5EF4-FFF2-40B4-BE49-F238E27FC236}">
-                <a16:creationId xmlns="" xmlns:a16="http://schemas.microsoft.com/office/drawing/2014/main" id="{8E37FB02-DD5E-E26C-590C-BE972C6114EB}"/>
+                <a16:creationId xmlns:a16="http://schemas.microsoft.com/office/drawing/2014/main" xmlns="" id="{8E37FB02-DD5E-E26C-590C-BE972C6114EB}"/>
               </a:ext>
             </a:extLst>
           </p:cNvPr>
@@ -18147,7 +18129,7 @@
             <a:blip r:embed="rId3">
               <a:extLst>
                 <a:ext uri="{96DAC541-7B7A-43D3-8B79-37D633B846F1}">
-                  <asvg:svgBlip xmlns="" xmlns:asvg="http://schemas.microsoft.com/office/drawing/2016/SVG/main" r:embed="rId4"/>
+                  <asvg:svgBlip xmlns:asvg="http://schemas.microsoft.com/office/drawing/2016/SVG/main" xmlns="" r:embed="rId4"/>
                 </a:ext>
               </a:extLst>
             </a:blip>
@@ -18557,7 +18539,7 @@
             <a:blip r:embed="rId5">
               <a:extLst>
                 <a:ext uri="{96DAC541-7B7A-43D3-8B79-37D633B846F1}">
-                  <asvg:svgBlip xmlns="" xmlns:asvg="http://schemas.microsoft.com/office/drawing/2016/SVG/main" r:embed="rId6"/>
+                  <asvg:svgBlip xmlns:asvg="http://schemas.microsoft.com/office/drawing/2016/SVG/main" xmlns="" r:embed="rId6"/>
                 </a:ext>
               </a:extLst>
             </a:blip>
@@ -18616,7 +18598,7 @@
             <a:blip r:embed="rId7">
               <a:extLst>
                 <a:ext uri="{96DAC541-7B7A-43D3-8B79-37D633B846F1}">
-                  <asvg:svgBlip xmlns="" xmlns:asvg="http://schemas.microsoft.com/office/drawing/2016/SVG/main" r:embed="rId8"/>
+                  <asvg:svgBlip xmlns:asvg="http://schemas.microsoft.com/office/drawing/2016/SVG/main" xmlns="" r:embed="rId8"/>
                 </a:ext>
               </a:extLst>
             </a:blip>
@@ -19146,7 +19128,7 @@
             <a:blip r:embed="rId9">
               <a:extLst>
                 <a:ext uri="{96DAC541-7B7A-43D3-8B79-37D633B846F1}">
-                  <asvg:svgBlip xmlns="" xmlns:asvg="http://schemas.microsoft.com/office/drawing/2016/SVG/main" r:embed="rId10"/>
+                  <asvg:svgBlip xmlns:asvg="http://schemas.microsoft.com/office/drawing/2016/SVG/main" xmlns="" r:embed="rId10"/>
                 </a:ext>
               </a:extLst>
             </a:blip>
@@ -19168,7 +19150,7 @@
           <p:cNvPr id="27" name="Elemento grafico 25" descr="Tempio asiatico contorno">
             <a:extLst>
               <a:ext uri="{FF2B5EF4-FFF2-40B4-BE49-F238E27FC236}">
-                <a16:creationId xmlns="" xmlns:a16="http://schemas.microsoft.com/office/drawing/2014/main" id="{1AEBC33B-068E-4CA4-7F8F-501B935F55C7}"/>
+                <a16:creationId xmlns:a16="http://schemas.microsoft.com/office/drawing/2014/main" xmlns="" id="{1AEBC33B-068E-4CA4-7F8F-501B935F55C7}"/>
               </a:ext>
             </a:extLst>
           </p:cNvPr>
@@ -20026,7 +20008,7 @@
           <p:cNvPr id="29" name="Elemento grafico 28" descr="Intelligenza artificiale contorno">
             <a:extLst>
               <a:ext uri="{FF2B5EF4-FFF2-40B4-BE49-F238E27FC236}">
-                <a16:creationId xmlns="" xmlns:a16="http://schemas.microsoft.com/office/drawing/2014/main" id="{0DB420A0-198D-3504-7C41-35C120F47B36}"/>
+                <a16:creationId xmlns:a16="http://schemas.microsoft.com/office/drawing/2014/main" xmlns="" id="{0DB420A0-198D-3504-7C41-35C120F47B36}"/>
               </a:ext>
             </a:extLst>
           </p:cNvPr>
@@ -20039,7 +20021,7 @@
           <a:blip r:embed="rId11">
             <a:extLst>
               <a:ext uri="{96DAC541-7B7A-43D3-8B79-37D633B846F1}">
-                <asvg:svgBlip xmlns="" xmlns:asvg="http://schemas.microsoft.com/office/drawing/2016/SVG/main" r:embed="rId12"/>
+                <asvg:svgBlip xmlns:asvg="http://schemas.microsoft.com/office/drawing/2016/SVG/main" xmlns="" r:embed="rId12"/>
               </a:ext>
             </a:extLst>
           </a:blip>
@@ -20062,7 +20044,7 @@
           <p:cNvPr id="30" name="Elemento grafico 29" descr="Scansione oculare con riempimento a tinta unita">
             <a:extLst>
               <a:ext uri="{FF2B5EF4-FFF2-40B4-BE49-F238E27FC236}">
-                <a16:creationId xmlns="" xmlns:a16="http://schemas.microsoft.com/office/drawing/2014/main" id="{07591BDB-7749-0BE6-6132-E7D52B78A406}"/>
+                <a16:creationId xmlns:a16="http://schemas.microsoft.com/office/drawing/2014/main" xmlns="" id="{07591BDB-7749-0BE6-6132-E7D52B78A406}"/>
               </a:ext>
             </a:extLst>
           </p:cNvPr>
@@ -20075,7 +20057,7 @@
           <a:blip r:embed="rId13">
             <a:extLst>
               <a:ext uri="{96DAC541-7B7A-43D3-8B79-37D633B846F1}">
-                <asvg:svgBlip xmlns="" xmlns:asvg="http://schemas.microsoft.com/office/drawing/2016/SVG/main" r:embed="rId14"/>
+                <asvg:svgBlip xmlns:asvg="http://schemas.microsoft.com/office/drawing/2016/SVG/main" xmlns="" r:embed="rId14"/>
               </a:ext>
             </a:extLst>
           </a:blip>
@@ -20220,7 +20202,7 @@
             <a:blip r:embed="rId3">
               <a:extLst>
                 <a:ext uri="{96DAC541-7B7A-43D3-8B79-37D633B846F1}">
-                  <asvg:svgBlip xmlns="" xmlns:asvg="http://schemas.microsoft.com/office/drawing/2016/SVG/main" r:embed="rId4"/>
+                  <asvg:svgBlip xmlns:asvg="http://schemas.microsoft.com/office/drawing/2016/SVG/main" xmlns="" r:embed="rId4"/>
                 </a:ext>
               </a:extLst>
             </a:blip>
@@ -20323,7 +20305,7 @@
             <a:blip r:embed="rId5">
               <a:extLst>
                 <a:ext uri="{96DAC541-7B7A-43D3-8B79-37D633B846F1}">
-                  <asvg:svgBlip xmlns="" xmlns:asvg="http://schemas.microsoft.com/office/drawing/2016/SVG/main" r:embed="rId6"/>
+                  <asvg:svgBlip xmlns:asvg="http://schemas.microsoft.com/office/drawing/2016/SVG/main" xmlns="" r:embed="rId6"/>
                 </a:ext>
               </a:extLst>
             </a:blip>
@@ -20892,7 +20874,7 @@
           <p:cNvPr id="17" name="CasellaDiTesto 16">
             <a:extLst>
               <a:ext uri="{FF2B5EF4-FFF2-40B4-BE49-F238E27FC236}">
-                <a16:creationId xmlns="" xmlns:a16="http://schemas.microsoft.com/office/drawing/2014/main" id="{3657519C-4AAD-2E88-489C-282340A1315A}"/>
+                <a16:creationId xmlns:a16="http://schemas.microsoft.com/office/drawing/2014/main" xmlns="" id="{3657519C-4AAD-2E88-489C-282340A1315A}"/>
               </a:ext>
             </a:extLst>
           </p:cNvPr>
@@ -20930,7 +20912,7 @@
           <p:cNvPr id="21" name="CasellaDiTesto 20">
             <a:extLst>
               <a:ext uri="{FF2B5EF4-FFF2-40B4-BE49-F238E27FC236}">
-                <a16:creationId xmlns="" xmlns:a16="http://schemas.microsoft.com/office/drawing/2014/main" id="{521A9EB4-3BE1-B5BA-D22B-04F60BE09166}"/>
+                <a16:creationId xmlns:a16="http://schemas.microsoft.com/office/drawing/2014/main" xmlns="" id="{521A9EB4-3BE1-B5BA-D22B-04F60BE09166}"/>
               </a:ext>
             </a:extLst>
           </p:cNvPr>
@@ -20962,7 +20944,7 @@
         </p:txBody>
       </p:sp>
       <mc:AlternateContent xmlns:mc="http://schemas.openxmlformats.org/markup-compatibility/2006">
-        <mc:Choice xmlns="" xmlns:pslz="http://schemas.microsoft.com/office/powerpoint/2016/slidezoom" Requires="pslz">
+        <mc:Choice xmlns:pslz="http://schemas.microsoft.com/office/powerpoint/2016/slidezoom" xmlns="" Requires="pslz">
           <p:graphicFrame>
             <p:nvGraphicFramePr>
               <p:cNvPr id="23" name="Anteprima della diapositiva 22">
@@ -21035,7 +21017,7 @@
                 <a:hlinkClick r:id="rId10" action="ppaction://hlinksldjump"/>
                 <a:extLst>
                   <a:ext uri="{FF2B5EF4-FFF2-40B4-BE49-F238E27FC236}">
-                    <a16:creationId xmlns:pslz="http://schemas.microsoft.com/office/powerpoint/2016/slidezoom" xmlns="" xmlns:a16="http://schemas.microsoft.com/office/drawing/2014/main" id="{BBB97D2F-5D07-F9F2-A7BC-FA0F0BA7C73C}"/>
+                    <a16:creationId xmlns:a16="http://schemas.microsoft.com/office/drawing/2014/main" xmlns="" xmlns:pslz="http://schemas.microsoft.com/office/powerpoint/2016/slidezoom" id="{BBB97D2F-5D07-F9F2-A7BC-FA0F0BA7C73C}"/>
                   </a:ext>
                 </a:extLst>
               </p:cNvPr>
@@ -21077,7 +21059,7 @@
         </mc:Fallback>
       </mc:AlternateContent>
       <mc:AlternateContent xmlns:mc="http://schemas.openxmlformats.org/markup-compatibility/2006">
-        <mc:Choice xmlns="" xmlns:pslz="http://schemas.microsoft.com/office/powerpoint/2016/slidezoom" Requires="pslz">
+        <mc:Choice xmlns:pslz="http://schemas.microsoft.com/office/powerpoint/2016/slidezoom" xmlns="" Requires="pslz">
           <p:graphicFrame>
             <p:nvGraphicFramePr>
               <p:cNvPr id="25" name="Anteprima della diapositiva 24">
@@ -21150,7 +21132,7 @@
                 <a:hlinkClick r:id="rId13" action="ppaction://hlinksldjump"/>
                 <a:extLst>
                   <a:ext uri="{FF2B5EF4-FFF2-40B4-BE49-F238E27FC236}">
-                    <a16:creationId xmlns:pslz="http://schemas.microsoft.com/office/powerpoint/2016/slidezoom" xmlns="" xmlns:a16="http://schemas.microsoft.com/office/drawing/2014/main" id="{E5BFFB5E-94E0-DE8A-7723-9EAEA7FA1DDD}"/>
+                    <a16:creationId xmlns:a16="http://schemas.microsoft.com/office/drawing/2014/main" xmlns="" xmlns:pslz="http://schemas.microsoft.com/office/powerpoint/2016/slidezoom" id="{E5BFFB5E-94E0-DE8A-7723-9EAEA7FA1DDD}"/>
                   </a:ext>
                 </a:extLst>
               </p:cNvPr>
@@ -21192,7 +21174,7 @@
         </mc:Fallback>
       </mc:AlternateContent>
       <mc:AlternateContent xmlns:mc="http://schemas.openxmlformats.org/markup-compatibility/2006">
-        <mc:Choice xmlns="" xmlns:pslz="http://schemas.microsoft.com/office/powerpoint/2016/slidezoom" Requires="pslz">
+        <mc:Choice xmlns:pslz="http://schemas.microsoft.com/office/powerpoint/2016/slidezoom" xmlns="" Requires="pslz">
           <p:graphicFrame>
             <p:nvGraphicFramePr>
               <p:cNvPr id="27" name="Anteprima della diapositiva 26">
@@ -21265,7 +21247,7 @@
                 <a:hlinkClick r:id="rId16" action="ppaction://hlinksldjump"/>
                 <a:extLst>
                   <a:ext uri="{FF2B5EF4-FFF2-40B4-BE49-F238E27FC236}">
-                    <a16:creationId xmlns:pslz="http://schemas.microsoft.com/office/powerpoint/2016/slidezoom" xmlns="" xmlns:a16="http://schemas.microsoft.com/office/drawing/2014/main" id="{DB4B59A5-6E69-99BA-F1F1-CC4B78295A9D}"/>
+                    <a16:creationId xmlns:a16="http://schemas.microsoft.com/office/drawing/2014/main" xmlns="" xmlns:pslz="http://schemas.microsoft.com/office/powerpoint/2016/slidezoom" id="{DB4B59A5-6E69-99BA-F1F1-CC4B78295A9D}"/>
                   </a:ext>
                 </a:extLst>
               </p:cNvPr>
@@ -21311,7 +21293,7 @@
           <p:cNvPr id="29" name="Connettore diritto 28">
             <a:extLst>
               <a:ext uri="{FF2B5EF4-FFF2-40B4-BE49-F238E27FC236}">
-                <a16:creationId xmlns="" xmlns:a16="http://schemas.microsoft.com/office/drawing/2014/main" id="{8DCC3C6C-D590-4109-63BC-D7B57BE34420}"/>
+                <a16:creationId xmlns:a16="http://schemas.microsoft.com/office/drawing/2014/main" xmlns="" id="{8DCC3C6C-D590-4109-63BC-D7B57BE34420}"/>
               </a:ext>
             </a:extLst>
           </p:cNvPr>
@@ -21426,7 +21408,7 @@
             <a:blip r:embed="rId2">
               <a:extLst>
                 <a:ext uri="{96DAC541-7B7A-43D3-8B79-37D633B846F1}">
-                  <asvg:svgBlip xmlns="" xmlns:asvg="http://schemas.microsoft.com/office/drawing/2016/SVG/main" r:embed="rId3"/>
+                  <asvg:svgBlip xmlns:asvg="http://schemas.microsoft.com/office/drawing/2016/SVG/main" xmlns="" r:embed="rId3"/>
                 </a:ext>
               </a:extLst>
             </a:blip>
@@ -21575,7 +21557,7 @@
             <a:blip r:embed="rId4">
               <a:extLst>
                 <a:ext uri="{96DAC541-7B7A-43D3-8B79-37D633B846F1}">
-                  <asvg:svgBlip xmlns="" xmlns:asvg="http://schemas.microsoft.com/office/drawing/2016/SVG/main" r:embed="rId5"/>
+                  <asvg:svgBlip xmlns:asvg="http://schemas.microsoft.com/office/drawing/2016/SVG/main" xmlns="" r:embed="rId5"/>
                 </a:ext>
               </a:extLst>
             </a:blip>
@@ -21985,6 +21967,13 @@
   <p:clrMapOvr>
     <a:masterClrMapping/>
   </p:clrMapOvr>
+  <p:timing>
+    <p:tnLst>
+      <p:par>
+        <p:cTn id="1" dur="indefinite" restart="never" nodeType="tmRoot"/>
+      </p:par>
+    </p:tnLst>
+  </p:timing>
 </p:sld>
 </file>
 
@@ -22055,7 +22044,7 @@
             <a:blip r:embed="rId2">
               <a:extLst>
                 <a:ext uri="{96DAC541-7B7A-43D3-8B79-37D633B846F1}">
-                  <asvg:svgBlip xmlns="" xmlns:asvg="http://schemas.microsoft.com/office/drawing/2016/SVG/main" r:embed="rId3"/>
+                  <asvg:svgBlip xmlns:asvg="http://schemas.microsoft.com/office/drawing/2016/SVG/main" xmlns="" r:embed="rId3"/>
                 </a:ext>
               </a:extLst>
             </a:blip>
@@ -22114,7 +22103,7 @@
             <a:blip r:embed="rId2">
               <a:extLst>
                 <a:ext uri="{96DAC541-7B7A-43D3-8B79-37D633B846F1}">
-                  <asvg:svgBlip xmlns="" xmlns:asvg="http://schemas.microsoft.com/office/drawing/2016/SVG/main" r:embed="rId3"/>
+                  <asvg:svgBlip xmlns:asvg="http://schemas.microsoft.com/office/drawing/2016/SVG/main" xmlns="" r:embed="rId3"/>
                 </a:ext>
               </a:extLst>
             </a:blip>
@@ -22218,6 +22207,13 @@
   <p:clrMapOvr>
     <a:masterClrMapping/>
   </p:clrMapOvr>
+  <p:timing>
+    <p:tnLst>
+      <p:par>
+        <p:cTn id="1" dur="indefinite" restart="never" nodeType="tmRoot"/>
+      </p:par>
+    </p:tnLst>
+  </p:timing>
 </p:sld>
 </file>
 
@@ -22583,7 +22579,7 @@
             <a:blip r:embed="rId5">
               <a:extLst>
                 <a:ext uri="{96DAC541-7B7A-43D3-8B79-37D633B846F1}">
-                  <asvg:svgBlip xmlns="" xmlns:asvg="http://schemas.microsoft.com/office/drawing/2016/SVG/main" r:embed="rId6"/>
+                  <asvg:svgBlip xmlns:asvg="http://schemas.microsoft.com/office/drawing/2016/SVG/main" xmlns="" r:embed="rId6"/>
                 </a:ext>
               </a:extLst>
             </a:blip>
@@ -22936,7 +22932,7 @@
             <a:blip r:embed="rId7">
               <a:extLst>
                 <a:ext uri="{96DAC541-7B7A-43D3-8B79-37D633B846F1}">
-                  <asvg:svgBlip xmlns="" xmlns:asvg="http://schemas.microsoft.com/office/drawing/2016/SVG/main" r:embed="rId8"/>
+                  <asvg:svgBlip xmlns:asvg="http://schemas.microsoft.com/office/drawing/2016/SVG/main" xmlns="" r:embed="rId8"/>
                 </a:ext>
               </a:extLst>
             </a:blip>
@@ -23208,7 +23204,7 @@
           <p:cNvPr id="33" name="CasellaDiTesto 32">
             <a:extLst>
               <a:ext uri="{FF2B5EF4-FFF2-40B4-BE49-F238E27FC236}">
-                <a16:creationId xmlns="" xmlns:a16="http://schemas.microsoft.com/office/drawing/2014/main" id="{6EFE1331-F541-EF9E-7FC9-052F6EE71BBB}"/>
+                <a16:creationId xmlns:a16="http://schemas.microsoft.com/office/drawing/2014/main" xmlns="" id="{6EFE1331-F541-EF9E-7FC9-052F6EE71BBB}"/>
               </a:ext>
             </a:extLst>
           </p:cNvPr>
@@ -23253,7 +23249,7 @@
           <p:cNvPr id="35" name="Elemento grafico 34" descr="Bussola con riempimento a tinta unita">
             <a:extLst>
               <a:ext uri="{FF2B5EF4-FFF2-40B4-BE49-F238E27FC236}">
-                <a16:creationId xmlns="" xmlns:a16="http://schemas.microsoft.com/office/drawing/2014/main" id="{CAC97D77-AA1A-1C6A-B10B-F07F82B8BC7D}"/>
+                <a16:creationId xmlns:a16="http://schemas.microsoft.com/office/drawing/2014/main" xmlns="" id="{CAC97D77-AA1A-1C6A-B10B-F07F82B8BC7D}"/>
               </a:ext>
             </a:extLst>
           </p:cNvPr>
@@ -23266,7 +23262,7 @@
           <a:blip r:embed="rId9">
             <a:extLst>
               <a:ext uri="{96DAC541-7B7A-43D3-8B79-37D633B846F1}">
-                <asvg:svgBlip xmlns="" xmlns:asvg="http://schemas.microsoft.com/office/drawing/2016/SVG/main" r:embed="rId10"/>
+                <asvg:svgBlip xmlns:asvg="http://schemas.microsoft.com/office/drawing/2016/SVG/main" xmlns="" r:embed="rId10"/>
               </a:ext>
             </a:extLst>
           </a:blip>
@@ -23289,7 +23285,7 @@
           <p:cNvPr id="41" name="Elemento grafico 40" descr="Periferica di gioco contorno">
             <a:extLst>
               <a:ext uri="{FF2B5EF4-FFF2-40B4-BE49-F238E27FC236}">
-                <a16:creationId xmlns="" xmlns:a16="http://schemas.microsoft.com/office/drawing/2014/main" id="{2BE71E77-2FED-D581-554B-53CD1F10AA68}"/>
+                <a16:creationId xmlns:a16="http://schemas.microsoft.com/office/drawing/2014/main" xmlns="" id="{2BE71E77-2FED-D581-554B-53CD1F10AA68}"/>
               </a:ext>
             </a:extLst>
           </p:cNvPr>
@@ -23302,7 +23298,7 @@
           <a:blip r:embed="rId11">
             <a:extLst>
               <a:ext uri="{96DAC541-7B7A-43D3-8B79-37D633B846F1}">
-                <asvg:svgBlip xmlns="" xmlns:asvg="http://schemas.microsoft.com/office/drawing/2016/SVG/main" r:embed="rId12"/>
+                <asvg:svgBlip xmlns:asvg="http://schemas.microsoft.com/office/drawing/2016/SVG/main" xmlns="" r:embed="rId12"/>
               </a:ext>
             </a:extLst>
           </a:blip>
@@ -23325,7 +23321,7 @@
           <p:cNvPr id="43" name="Elemento grafico 42" descr="Web design con riempimento a tinta unita">
             <a:extLst>
               <a:ext uri="{FF2B5EF4-FFF2-40B4-BE49-F238E27FC236}">
-                <a16:creationId xmlns="" xmlns:a16="http://schemas.microsoft.com/office/drawing/2014/main" id="{6C27696E-E3DD-6FF7-B6CF-412F1E2DA177}"/>
+                <a16:creationId xmlns:a16="http://schemas.microsoft.com/office/drawing/2014/main" xmlns="" id="{6C27696E-E3DD-6FF7-B6CF-412F1E2DA177}"/>
               </a:ext>
             </a:extLst>
           </p:cNvPr>
@@ -23338,7 +23334,7 @@
           <a:blip r:embed="rId13">
             <a:extLst>
               <a:ext uri="{96DAC541-7B7A-43D3-8B79-37D633B846F1}">
-                <asvg:svgBlip xmlns="" xmlns:asvg="http://schemas.microsoft.com/office/drawing/2016/SVG/main" r:embed="rId14"/>
+                <asvg:svgBlip xmlns:asvg="http://schemas.microsoft.com/office/drawing/2016/SVG/main" xmlns="" r:embed="rId14"/>
               </a:ext>
             </a:extLst>
           </a:blip>
@@ -23361,7 +23357,7 @@
           <p:cNvPr id="47" name="CasellaDiTesto 46">
             <a:extLst>
               <a:ext uri="{FF2B5EF4-FFF2-40B4-BE49-F238E27FC236}">
-                <a16:creationId xmlns="" xmlns:a16="http://schemas.microsoft.com/office/drawing/2014/main" id="{D67B07B9-0A7F-5C62-3A88-555C8AC7BBC2}"/>
+                <a16:creationId xmlns:a16="http://schemas.microsoft.com/office/drawing/2014/main" xmlns="" id="{D67B07B9-0A7F-5C62-3A88-555C8AC7BBC2}"/>
               </a:ext>
             </a:extLst>
           </p:cNvPr>
@@ -23410,7 +23406,7 @@
           <p:cNvPr id="50" name="CasellaDiTesto 49">
             <a:extLst>
               <a:ext uri="{FF2B5EF4-FFF2-40B4-BE49-F238E27FC236}">
-                <a16:creationId xmlns="" xmlns:a16="http://schemas.microsoft.com/office/drawing/2014/main" id="{DD3ED30E-7C88-E35C-D67F-E5FA5B11F02C}"/>
+                <a16:creationId xmlns:a16="http://schemas.microsoft.com/office/drawing/2014/main" xmlns="" id="{DD3ED30E-7C88-E35C-D67F-E5FA5B11F02C}"/>
               </a:ext>
             </a:extLst>
           </p:cNvPr>
@@ -23479,7 +23475,7 @@
           <p:cNvPr id="51" name="CasellaDiTesto 50">
             <a:extLst>
               <a:ext uri="{FF2B5EF4-FFF2-40B4-BE49-F238E27FC236}">
-                <a16:creationId xmlns="" xmlns:a16="http://schemas.microsoft.com/office/drawing/2014/main" id="{CF8E605B-4DEE-4318-095D-FD05AF1B8E1A}"/>
+                <a16:creationId xmlns:a16="http://schemas.microsoft.com/office/drawing/2014/main" xmlns="" id="{CF8E605B-4DEE-4318-095D-FD05AF1B8E1A}"/>
               </a:ext>
             </a:extLst>
           </p:cNvPr>
@@ -24064,7 +24060,7 @@
         <p:cNvPr id="1" name="">
           <a:extLst>
             <a:ext uri="{FF2B5EF4-FFF2-40B4-BE49-F238E27FC236}">
-              <a16:creationId xmlns="" xmlns:a16="http://schemas.microsoft.com/office/drawing/2014/main" id="{C2A724E8-C2EF-8194-F6C9-829E3214EFEB}"/>
+              <a16:creationId xmlns:a16="http://schemas.microsoft.com/office/drawing/2014/main" xmlns="" id="{C2A724E8-C2EF-8194-F6C9-829E3214EFEB}"/>
             </a:ext>
           </a:extLst>
         </p:cNvPr>
@@ -24084,7 +24080,7 @@
           <p:cNvPr id="2" name="Freeform 2">
             <a:extLst>
               <a:ext uri="{FF2B5EF4-FFF2-40B4-BE49-F238E27FC236}">
-                <a16:creationId xmlns="" xmlns:a16="http://schemas.microsoft.com/office/drawing/2014/main" id="{D64A1C51-FF55-6AD3-FBED-39BD86C5C274}"/>
+                <a16:creationId xmlns:a16="http://schemas.microsoft.com/office/drawing/2014/main" xmlns="" id="{D64A1C51-FF55-6AD3-FBED-39BD86C5C274}"/>
               </a:ext>
             </a:extLst>
           </p:cNvPr>
@@ -24127,7 +24123,7 @@
             <a:blip r:embed="rId2">
               <a:extLst>
                 <a:ext uri="{96DAC541-7B7A-43D3-8B79-37D633B846F1}">
-                  <asvg:svgBlip xmlns="" xmlns:asvg="http://schemas.microsoft.com/office/drawing/2016/SVG/main" r:embed="rId3"/>
+                  <asvg:svgBlip xmlns:asvg="http://schemas.microsoft.com/office/drawing/2016/SVG/main" xmlns="" r:embed="rId3"/>
                 </a:ext>
               </a:extLst>
             </a:blip>
@@ -24149,7 +24145,7 @@
           <p:cNvPr id="3" name="Freeform 3">
             <a:extLst>
               <a:ext uri="{FF2B5EF4-FFF2-40B4-BE49-F238E27FC236}">
-                <a16:creationId xmlns="" xmlns:a16="http://schemas.microsoft.com/office/drawing/2014/main" id="{4023E551-C406-3018-93BB-FF68A02E0614}"/>
+                <a16:creationId xmlns:a16="http://schemas.microsoft.com/office/drawing/2014/main" xmlns="" id="{4023E551-C406-3018-93BB-FF68A02E0614}"/>
               </a:ext>
             </a:extLst>
           </p:cNvPr>
@@ -24192,7 +24188,7 @@
             <a:blip r:embed="rId2">
               <a:extLst>
                 <a:ext uri="{96DAC541-7B7A-43D3-8B79-37D633B846F1}">
-                  <asvg:svgBlip xmlns="" xmlns:asvg="http://schemas.microsoft.com/office/drawing/2016/SVG/main" r:embed="rId3"/>
+                  <asvg:svgBlip xmlns:asvg="http://schemas.microsoft.com/office/drawing/2016/SVG/main" xmlns="" r:embed="rId3"/>
                 </a:ext>
               </a:extLst>
             </a:blip>
@@ -24214,7 +24210,7 @@
           <p:cNvPr id="4" name="TextBox 4">
             <a:extLst>
               <a:ext uri="{FF2B5EF4-FFF2-40B4-BE49-F238E27FC236}">
-                <a16:creationId xmlns="" xmlns:a16="http://schemas.microsoft.com/office/drawing/2014/main" id="{A596F14F-4E44-4F62-7058-7BB8CD6ECAC1}"/>
+                <a16:creationId xmlns:a16="http://schemas.microsoft.com/office/drawing/2014/main" xmlns="" id="{A596F14F-4E44-4F62-7058-7BB8CD6ECAC1}"/>
               </a:ext>
             </a:extLst>
           </p:cNvPr>
@@ -24261,7 +24257,7 @@
           <p:cNvPr id="5" name="TextBox 5">
             <a:extLst>
               <a:ext uri="{FF2B5EF4-FFF2-40B4-BE49-F238E27FC236}">
-                <a16:creationId xmlns="" xmlns:a16="http://schemas.microsoft.com/office/drawing/2014/main" id="{3FA3232D-E1E7-8CD2-CA30-53C58B149E90}"/>
+                <a16:creationId xmlns:a16="http://schemas.microsoft.com/office/drawing/2014/main" xmlns="" id="{3FA3232D-E1E7-8CD2-CA30-53C58B149E90}"/>
               </a:ext>
             </a:extLst>
           </p:cNvPr>
@@ -24390,7 +24386,7 @@
             <a:blip r:embed="rId3">
               <a:extLst>
                 <a:ext uri="{96DAC541-7B7A-43D3-8B79-37D633B846F1}">
-                  <asvg:svgBlip xmlns="" xmlns:asvg="http://schemas.microsoft.com/office/drawing/2016/SVG/main" r:embed="rId4"/>
+                  <asvg:svgBlip xmlns:asvg="http://schemas.microsoft.com/office/drawing/2016/SVG/main" xmlns="" r:embed="rId4"/>
                 </a:ext>
               </a:extLst>
             </a:blip>
@@ -24449,7 +24445,7 @@
             <a:blip r:embed="rId3">
               <a:extLst>
                 <a:ext uri="{96DAC541-7B7A-43D3-8B79-37D633B846F1}">
-                  <asvg:svgBlip xmlns="" xmlns:asvg="http://schemas.microsoft.com/office/drawing/2016/SVG/main" r:embed="rId4"/>
+                  <asvg:svgBlip xmlns:asvg="http://schemas.microsoft.com/office/drawing/2016/SVG/main" xmlns="" r:embed="rId4"/>
                 </a:ext>
               </a:extLst>
             </a:blip>
@@ -24471,7 +24467,7 @@
           <p:cNvPr id="32" name="TextBox 12">
             <a:extLst>
               <a:ext uri="{FF2B5EF4-FFF2-40B4-BE49-F238E27FC236}">
-                <a16:creationId xmlns="" xmlns:a16="http://schemas.microsoft.com/office/drawing/2014/main" id="{DE720875-2EFB-732D-96D9-537FACBDB624}"/>
+                <a16:creationId xmlns:a16="http://schemas.microsoft.com/office/drawing/2014/main" xmlns="" id="{DE720875-2EFB-732D-96D9-537FACBDB624}"/>
               </a:ext>
             </a:extLst>
           </p:cNvPr>
@@ -24521,7 +24517,7 @@
           <p:cNvPr id="33" name="CasellaDiTesto 32">
             <a:extLst>
               <a:ext uri="{FF2B5EF4-FFF2-40B4-BE49-F238E27FC236}">
-                <a16:creationId xmlns="" xmlns:a16="http://schemas.microsoft.com/office/drawing/2014/main" id="{A4B7024A-8244-8CAF-5985-50A7A3008862}"/>
+                <a16:creationId xmlns:a16="http://schemas.microsoft.com/office/drawing/2014/main" xmlns="" id="{A4B7024A-8244-8CAF-5985-50A7A3008862}"/>
               </a:ext>
             </a:extLst>
           </p:cNvPr>
@@ -24558,7 +24554,7 @@
           <p:cNvPr id="34" name="CasellaDiTesto 33">
             <a:extLst>
               <a:ext uri="{FF2B5EF4-FFF2-40B4-BE49-F238E27FC236}">
-                <a16:creationId xmlns="" xmlns:a16="http://schemas.microsoft.com/office/drawing/2014/main" id="{0CD19AC9-973B-C56D-0255-234A53A8817E}"/>
+                <a16:creationId xmlns:a16="http://schemas.microsoft.com/office/drawing/2014/main" xmlns="" id="{0CD19AC9-973B-C56D-0255-234A53A8817E}"/>
               </a:ext>
             </a:extLst>
           </p:cNvPr>
@@ -24696,7 +24692,7 @@
           <p:cNvPr id="37" name="Connettore diritto 36">
             <a:extLst>
               <a:ext uri="{FF2B5EF4-FFF2-40B4-BE49-F238E27FC236}">
-                <a16:creationId xmlns="" xmlns:a16="http://schemas.microsoft.com/office/drawing/2014/main" id="{E464186F-D6BF-C8FF-3E9F-2D61D2090D96}"/>
+                <a16:creationId xmlns:a16="http://schemas.microsoft.com/office/drawing/2014/main" xmlns="" id="{E464186F-D6BF-C8FF-3E9F-2D61D2090D96}"/>
               </a:ext>
             </a:extLst>
           </p:cNvPr>
@@ -24734,7 +24730,7 @@
           <p:cNvPr id="46" name="Elemento grafico 45">
             <a:extLst>
               <a:ext uri="{FF2B5EF4-FFF2-40B4-BE49-F238E27FC236}">
-                <a16:creationId xmlns="" xmlns:a16="http://schemas.microsoft.com/office/drawing/2014/main" id="{662CD99D-A4A3-422B-E229-6DFFA5B3C279}"/>
+                <a16:creationId xmlns:a16="http://schemas.microsoft.com/office/drawing/2014/main" xmlns="" id="{662CD99D-A4A3-422B-E229-6DFFA5B3C279}"/>
               </a:ext>
             </a:extLst>
           </p:cNvPr>
@@ -24747,7 +24743,7 @@
           <a:blip r:embed="rId5">
             <a:extLst>
               <a:ext uri="{96DAC541-7B7A-43D3-8B79-37D633B846F1}">
-                <asvg:svgBlip xmlns="" xmlns:asvg="http://schemas.microsoft.com/office/drawing/2016/SVG/main" r:embed="rId6"/>
+                <asvg:svgBlip xmlns:asvg="http://schemas.microsoft.com/office/drawing/2016/SVG/main" xmlns="" r:embed="rId6"/>
               </a:ext>
             </a:extLst>
           </a:blip>
@@ -24770,7 +24766,7 @@
           <p:cNvPr id="47" name="CasellaDiTesto 46">
             <a:extLst>
               <a:ext uri="{FF2B5EF4-FFF2-40B4-BE49-F238E27FC236}">
-                <a16:creationId xmlns="" xmlns:a16="http://schemas.microsoft.com/office/drawing/2014/main" id="{256E1A95-156C-B975-5224-468DD117B0C9}"/>
+                <a16:creationId xmlns:a16="http://schemas.microsoft.com/office/drawing/2014/main" xmlns="" id="{256E1A95-156C-B975-5224-468DD117B0C9}"/>
               </a:ext>
             </a:extLst>
           </p:cNvPr>
@@ -25160,7 +25156,7 @@
         <p:cNvPr id="1" name="">
           <a:extLst>
             <a:ext uri="{FF2B5EF4-FFF2-40B4-BE49-F238E27FC236}">
-              <a16:creationId xmlns="" xmlns:a16="http://schemas.microsoft.com/office/drawing/2014/main" id="{392E2991-4D31-C748-5D1C-875A164429D7}"/>
+              <a16:creationId xmlns:a16="http://schemas.microsoft.com/office/drawing/2014/main" xmlns="" id="{392E2991-4D31-C748-5D1C-875A164429D7}"/>
             </a:ext>
           </a:extLst>
         </p:cNvPr>
@@ -25180,7 +25176,7 @@
           <p:cNvPr id="4" name="Freeform 2">
             <a:extLst>
               <a:ext uri="{FF2B5EF4-FFF2-40B4-BE49-F238E27FC236}">
-                <a16:creationId xmlns="" xmlns:a16="http://schemas.microsoft.com/office/drawing/2014/main" id="{34F8792F-D09D-357E-9B56-221F91C4B6C6}"/>
+                <a16:creationId xmlns:a16="http://schemas.microsoft.com/office/drawing/2014/main" xmlns="" id="{34F8792F-D09D-357E-9B56-221F91C4B6C6}"/>
               </a:ext>
             </a:extLst>
           </p:cNvPr>
@@ -25223,7 +25219,7 @@
             <a:blip r:embed="rId3">
               <a:extLst>
                 <a:ext uri="{96DAC541-7B7A-43D3-8B79-37D633B846F1}">
-                  <asvg:svgBlip xmlns="" xmlns:asvg="http://schemas.microsoft.com/office/drawing/2016/SVG/main" r:embed="rId4"/>
+                  <asvg:svgBlip xmlns:asvg="http://schemas.microsoft.com/office/drawing/2016/SVG/main" xmlns="" r:embed="rId4"/>
                 </a:ext>
               </a:extLst>
             </a:blip>
@@ -25245,7 +25241,7 @@
           <p:cNvPr id="5" name="Freeform 29">
             <a:extLst>
               <a:ext uri="{FF2B5EF4-FFF2-40B4-BE49-F238E27FC236}">
-                <a16:creationId xmlns="" xmlns:a16="http://schemas.microsoft.com/office/drawing/2014/main" id="{262C7309-7F0A-16C5-5F18-670375BC987B}"/>
+                <a16:creationId xmlns:a16="http://schemas.microsoft.com/office/drawing/2014/main" xmlns="" id="{262C7309-7F0A-16C5-5F18-670375BC987B}"/>
               </a:ext>
             </a:extLst>
           </p:cNvPr>
@@ -25288,7 +25284,7 @@
             <a:blip r:embed="rId3">
               <a:extLst>
                 <a:ext uri="{96DAC541-7B7A-43D3-8B79-37D633B846F1}">
-                  <asvg:svgBlip xmlns="" xmlns:asvg="http://schemas.microsoft.com/office/drawing/2016/SVG/main" r:embed="rId4"/>
+                  <asvg:svgBlip xmlns:asvg="http://schemas.microsoft.com/office/drawing/2016/SVG/main" xmlns="" r:embed="rId4"/>
                 </a:ext>
               </a:extLst>
             </a:blip>
@@ -25310,7 +25306,7 @@
           <p:cNvPr id="6" name="TextBox 12">
             <a:extLst>
               <a:ext uri="{FF2B5EF4-FFF2-40B4-BE49-F238E27FC236}">
-                <a16:creationId xmlns="" xmlns:a16="http://schemas.microsoft.com/office/drawing/2014/main" id="{0F24BF96-7FD9-5DD6-9931-176DB011A4CD}"/>
+                <a16:creationId xmlns:a16="http://schemas.microsoft.com/office/drawing/2014/main" xmlns="" id="{0F24BF96-7FD9-5DD6-9931-176DB011A4CD}"/>
               </a:ext>
             </a:extLst>
           </p:cNvPr>
@@ -25369,7 +25365,7 @@
           <p:cNvPr id="9" name="Connettore diritto 8">
             <a:extLst>
               <a:ext uri="{FF2B5EF4-FFF2-40B4-BE49-F238E27FC236}">
-                <a16:creationId xmlns="" xmlns:a16="http://schemas.microsoft.com/office/drawing/2014/main" id="{290A2095-D408-0070-8208-2ECEB8D40867}"/>
+                <a16:creationId xmlns:a16="http://schemas.microsoft.com/office/drawing/2014/main" xmlns="" id="{290A2095-D408-0070-8208-2ECEB8D40867}"/>
               </a:ext>
             </a:extLst>
           </p:cNvPr>
@@ -25407,7 +25403,7 @@
           <p:cNvPr id="10" name="CasellaDiTesto 9">
             <a:extLst>
               <a:ext uri="{FF2B5EF4-FFF2-40B4-BE49-F238E27FC236}">
-                <a16:creationId xmlns="" xmlns:a16="http://schemas.microsoft.com/office/drawing/2014/main" id="{F08B9066-B9F9-6657-371B-939779EF9E2D}"/>
+                <a16:creationId xmlns:a16="http://schemas.microsoft.com/office/drawing/2014/main" xmlns="" id="{F08B9066-B9F9-6657-371B-939779EF9E2D}"/>
               </a:ext>
             </a:extLst>
           </p:cNvPr>
@@ -25433,158 +25429,26 @@
             <a:pPr algn="ctr"/>
             <a:r>
               <a:rPr lang="en-US" sz="2400" b="1" i="1" dirty="0" smtClean="0"/>
-              <a:t>This setup is typically used for monitoring and debugging a robot's navigation and perception system in real-time. </a:t>
+              <a:t>This </a:t>
             </a:r>
             <a:r>
               <a:rPr lang="en-US" sz="2400" b="1" i="1" dirty="0"/>
-              <a:t>This image shows a visualization in </a:t>
-            </a:r>
-            <a:r>
-              <a:rPr lang="en-US" sz="2400" b="1" i="1" dirty="0" err="1"/>
-              <a:t>RViz</a:t>
-            </a:r>
-            <a:r>
-              <a:rPr lang="en-US" sz="2400" b="1" i="1" dirty="0"/>
-              <a:t>, a tool commonly used in robotics applications. </a:t>
+              <a:t>simulation is often used to test and evaluate how a robot perceives its environment and interacts with obstacles using its Lidar sensor in a controlled environment.</a:t>
             </a:r>
           </a:p>
           <a:p>
             <a:pPr algn="ctr"/>
+            <a:r>
+              <a:rPr lang="en-US" sz="2400" b="1" i="1" dirty="0" smtClean="0"/>
+              <a:t> </a:t>
+            </a:r>
             <a:endParaRPr lang="en-US" sz="2400" b="1" i="1" dirty="0"/>
-          </a:p>
-        </p:txBody>
-      </p:sp>
-      <p:sp>
-        <p:nvSpPr>
-          <p:cNvPr id="12" name="Rettangolo 11"/>
-          <p:cNvSpPr/>
-          <p:nvPr/>
-        </p:nvSpPr>
-        <p:spPr>
-          <a:xfrm>
-            <a:off x="8839200" y="3212256"/>
-            <a:ext cx="7772400" cy="6740307"/>
-          </a:xfrm>
-          <a:prstGeom prst="rect">
-            <a:avLst/>
-          </a:prstGeom>
-        </p:spPr>
-        <p:txBody>
-          <a:bodyPr wrap="square">
-            <a:spAutoFit/>
-          </a:bodyPr>
-          <a:lstStyle/>
-          <a:p>
-            <a:r>
-              <a:rPr lang="en-US" sz="2400" b="1" dirty="0" err="1" smtClean="0"/>
-              <a:t>LaserScan</a:t>
-            </a:r>
-            <a:r>
-              <a:rPr lang="en-US" sz="2400" b="1" dirty="0" smtClean="0"/>
-              <a:t>/2D </a:t>
-            </a:r>
-            <a:r>
-              <a:rPr lang="en-US" sz="2400" b="1" dirty="0"/>
-              <a:t>Lidar Reflections</a:t>
-            </a:r>
-            <a:r>
-              <a:rPr lang="en-US" sz="2400" dirty="0"/>
-              <a:t>: The red points around the robot show the environment's reflections detected by the robot's 2D Lidar </a:t>
-            </a:r>
-            <a:r>
-              <a:rPr lang="en-US" sz="2400" dirty="0" smtClean="0"/>
-              <a:t>sensor.</a:t>
-            </a:r>
-          </a:p>
-          <a:p>
-            <a:endParaRPr lang="en-US" sz="2400" b="1" dirty="0" smtClean="0"/>
-          </a:p>
-          <a:p>
-            <a:r>
-              <a:rPr lang="en-US" sz="2400" b="1" dirty="0" smtClean="0"/>
-              <a:t>Markers</a:t>
-            </a:r>
-            <a:r>
-              <a:rPr lang="en-US" sz="2400" dirty="0"/>
-              <a:t>: The yellow, blue, and red markers represent the last, next, and current </a:t>
-            </a:r>
-            <a:r>
-              <a:rPr lang="en-US" sz="2400" dirty="0" smtClean="0"/>
-              <a:t>waypoints (yellow, blue, red), </a:t>
-            </a:r>
-            <a:r>
-              <a:rPr lang="en-US" sz="2400" dirty="0"/>
-              <a:t>respectively, for a robot's navigation task</a:t>
-            </a:r>
-            <a:r>
-              <a:rPr lang="en-US" sz="2400" dirty="0" smtClean="0"/>
-              <a:t>.</a:t>
-            </a:r>
-          </a:p>
-          <a:p>
-            <a:endParaRPr lang="en-US" sz="2400" dirty="0"/>
-          </a:p>
-          <a:p>
-            <a:r>
-              <a:rPr lang="en-US" sz="2400" b="1" dirty="0"/>
-              <a:t>Robot Model</a:t>
-            </a:r>
-            <a:r>
-              <a:rPr lang="en-US" sz="2400" dirty="0"/>
-              <a:t>: The small black car-like structure in the center represents the robot</a:t>
-            </a:r>
-            <a:r>
-              <a:rPr lang="en-US" sz="2400" dirty="0" smtClean="0"/>
-              <a:t>.</a:t>
-            </a:r>
-          </a:p>
-          <a:p>
-            <a:endParaRPr lang="en-US" sz="2400" dirty="0" smtClean="0"/>
-          </a:p>
-          <a:p>
-            <a:r>
-              <a:rPr lang="en-US" sz="2400" b="1" dirty="0" smtClean="0"/>
-              <a:t>Grid</a:t>
-            </a:r>
-            <a:r>
-              <a:rPr lang="en-US" sz="2400" dirty="0" smtClean="0"/>
-              <a:t>: The black and gray grid in the background helps to visualize the spatial layout and orientation in the fixed frame ("</a:t>
-            </a:r>
-            <a:r>
-              <a:rPr lang="en-US" sz="2400" dirty="0" err="1" smtClean="0"/>
-              <a:t>odom</a:t>
-            </a:r>
-            <a:r>
-              <a:rPr lang="en-US" sz="2400" dirty="0" smtClean="0"/>
-              <a:t>").</a:t>
-            </a:r>
-          </a:p>
-          <a:p>
-            <a:endParaRPr lang="en-US" sz="2400" dirty="0"/>
-          </a:p>
-          <a:p>
-            <a:r>
-              <a:rPr lang="en-US" sz="2400" b="1" dirty="0" smtClean="0"/>
-              <a:t>Display Panel</a:t>
-            </a:r>
-            <a:r>
-              <a:rPr lang="en-US" sz="2400" dirty="0" smtClean="0"/>
-              <a:t>: On the left, the </a:t>
-            </a:r>
-            <a:r>
-              <a:rPr lang="en-US" sz="2400" dirty="0" err="1" smtClean="0"/>
-              <a:t>RViz</a:t>
-            </a:r>
-            <a:r>
-              <a:rPr lang="en-US" sz="2400" dirty="0" smtClean="0"/>
-              <a:t> settings panel displays the configured visualizations with their corresponding topics and statuses.</a:t>
-            </a:r>
           </a:p>
         </p:txBody>
       </p:sp>
       <p:pic>
         <p:nvPicPr>
-          <p:cNvPr id="1028" name="Picture 4"/>
+          <p:cNvPr id="1027" name="Picture 3" descr="C:\Users\Ciro\Pictures\Cattura.PNG"/>
           <p:cNvPicPr>
             <a:picLocks noChangeAspect="1" noChangeArrowheads="1"/>
           </p:cNvPicPr>
@@ -25605,8 +25469,8 @@
         </p:blipFill>
         <p:spPr bwMode="auto">
           <a:xfrm>
-            <a:off x="2057401" y="3174155"/>
-            <a:ext cx="6531082" cy="6778407"/>
+            <a:off x="4724400" y="6438900"/>
+            <a:ext cx="8221750" cy="3609975"/>
           </a:xfrm>
           <a:prstGeom prst="rect">
             <a:avLst/>
@@ -25629,27 +25493,120 @@
             <a:ext uri="{909E8E84-426E-40DD-AFC4-6F175D3DCCD1}">
               <a14:hiddenFill xmlns:a14="http://schemas.microsoft.com/office/drawing/2010/main">
                 <a:solidFill>
-                  <a:schemeClr val="accent1"/>
+                  <a:srgbClr val="FFFFFF"/>
                 </a:solidFill>
               </a14:hiddenFill>
-            </a:ext>
-            <a:ext uri="{91240B29-F687-4F45-9708-019B960494DF}">
-              <a14:hiddenLine xmlns:a14="http://schemas.microsoft.com/office/drawing/2010/main" w="9525">
-                <a:solidFill>
-                  <a:schemeClr val="tx1"/>
-                </a:solidFill>
-                <a:miter lim="800000"/>
-                <a:headEnd/>
-                <a:tailEnd/>
-              </a14:hiddenLine>
             </a:ext>
           </a:extLst>
         </p:spPr>
       </p:pic>
+      <p:sp>
+        <p:nvSpPr>
+          <p:cNvPr id="8" name="Rettangolo 7"/>
+          <p:cNvSpPr/>
+          <p:nvPr/>
+        </p:nvSpPr>
+        <p:spPr>
+          <a:xfrm>
+            <a:off x="9364750" y="3227844"/>
+            <a:ext cx="7246850" cy="3046988"/>
+          </a:xfrm>
+          <a:prstGeom prst="rect">
+            <a:avLst/>
+          </a:prstGeom>
+        </p:spPr>
+        <p:txBody>
+          <a:bodyPr wrap="square">
+            <a:spAutoFit/>
+          </a:bodyPr>
+          <a:lstStyle/>
+          <a:p>
+            <a:r>
+              <a:rPr lang="en-US" sz="2400" b="1" dirty="0" smtClean="0"/>
+              <a:t>Robot</a:t>
+            </a:r>
+            <a:r>
+              <a:rPr lang="en-US" sz="2400" dirty="0"/>
+              <a:t>: The black and white circular object in the center represents the simulated robot equipped with a 2D Lidar sensor</a:t>
+            </a:r>
+            <a:r>
+              <a:rPr lang="en-US" sz="2400" dirty="0" smtClean="0"/>
+              <a:t>.</a:t>
+            </a:r>
+          </a:p>
+          <a:p>
+            <a:endParaRPr lang="en-US" sz="2400" b="1" dirty="0"/>
+          </a:p>
+          <a:p>
+            <a:r>
+              <a:rPr lang="en-US" sz="2400" b="1" dirty="0" smtClean="0"/>
+              <a:t>Obstacle</a:t>
+            </a:r>
+            <a:r>
+              <a:rPr lang="en-US" sz="2400" dirty="0"/>
+              <a:t>: The large red structure in the scene represents an obstacle being detected by the Lidar. The beams that intersect with the obstacle terminate at its surface, simulating the reflections captured by the sensor</a:t>
+            </a:r>
+            <a:r>
+              <a:rPr lang="en-US" sz="2400" dirty="0" smtClean="0"/>
+              <a:t>.</a:t>
+            </a:r>
+            <a:endParaRPr lang="en-US" sz="2400" dirty="0"/>
+          </a:p>
+        </p:txBody>
+      </p:sp>
+      <p:sp>
+        <p:nvSpPr>
+          <p:cNvPr id="11" name="Rettangolo 10"/>
+          <p:cNvSpPr/>
+          <p:nvPr/>
+        </p:nvSpPr>
+        <p:spPr>
+          <a:xfrm>
+            <a:off x="2057400" y="3227844"/>
+            <a:ext cx="6531082" cy="2677656"/>
+          </a:xfrm>
+          <a:prstGeom prst="rect">
+            <a:avLst/>
+          </a:prstGeom>
+        </p:spPr>
+        <p:txBody>
+          <a:bodyPr wrap="square">
+            <a:spAutoFit/>
+          </a:bodyPr>
+          <a:lstStyle/>
+          <a:p>
+            <a:r>
+              <a:rPr lang="en-US" sz="2400" b="1" dirty="0"/>
+              <a:t>Lidar Beams</a:t>
+            </a:r>
+            <a:r>
+              <a:rPr lang="en-US" sz="2400" dirty="0"/>
+              <a:t>: The numerous blue lines extending outward from the robot illustrate the laser beams emitted by the Lidar to scan the environment.</a:t>
+            </a:r>
+          </a:p>
+          <a:p>
+            <a:endParaRPr lang="en-US" sz="2400" b="1" dirty="0" smtClean="0"/>
+          </a:p>
+          <a:p>
+            <a:r>
+              <a:rPr lang="en-US" sz="2400" b="1" dirty="0" smtClean="0"/>
+              <a:t>Sensor </a:t>
+            </a:r>
+            <a:r>
+              <a:rPr lang="en-US" sz="2400" b="1" dirty="0"/>
+              <a:t>Coverage</a:t>
+            </a:r>
+            <a:r>
+              <a:rPr lang="en-US" sz="2400" dirty="0"/>
+              <a:t>: The blue visualization depicts the Lidar's field of view, showing the range and area covered by the sensor in the simulation.</a:t>
+            </a:r>
+          </a:p>
+        </p:txBody>
+      </p:sp>
     </p:spTree>
     <p:extLst>
       <p:ext uri="{BB962C8B-B14F-4D97-AF65-F5344CB8AC3E}">
-        <p14:creationId xmlns:p14="http://schemas.microsoft.com/office/powerpoint/2010/main" val="460425581"/>
+        <p14:creationId xmlns:p14="http://schemas.microsoft.com/office/powerpoint/2010/main" val="3885031720"/>
       </p:ext>
     </p:extLst>
   </p:cSld>
@@ -25690,7 +25647,7 @@
                                           </p:stCondLst>
                                         </p:cTn>
                                         <p:tgtEl>
-                                          <p:spTgt spid="12"/>
+                                          <p:spTgt spid="11"/>
                                         </p:tgtEl>
                                         <p:attrNameLst>
                                           <p:attrName>style.visibility</p:attrName>
@@ -25704,7 +25661,7 @@
                                 </p:cTn>
                               </p:par>
                               <p:par>
-                                <p:cTn id="7" presetID="1" presetClass="entr" presetSubtype="0" fill="hold" nodeType="withEffect">
+                                <p:cTn id="7" presetID="1" presetClass="entr" presetSubtype="0" fill="hold" grpId="0" nodeType="withEffect">
                                   <p:stCondLst>
                                     <p:cond delay="0"/>
                                   </p:stCondLst>
@@ -25717,7 +25674,34 @@
                                           </p:stCondLst>
                                         </p:cTn>
                                         <p:tgtEl>
-                                          <p:spTgt spid="1028"/>
+                                          <p:spTgt spid="8"/>
+                                        </p:tgtEl>
+                                        <p:attrNameLst>
+                                          <p:attrName>style.visibility</p:attrName>
+                                        </p:attrNameLst>
+                                      </p:cBhvr>
+                                      <p:to>
+                                        <p:strVal val="visible"/>
+                                      </p:to>
+                                    </p:set>
+                                  </p:childTnLst>
+                                </p:cTn>
+                              </p:par>
+                              <p:par>
+                                <p:cTn id="9" presetID="1" presetClass="entr" presetSubtype="0" fill="hold" nodeType="withEffect">
+                                  <p:stCondLst>
+                                    <p:cond delay="0"/>
+                                  </p:stCondLst>
+                                  <p:childTnLst>
+                                    <p:set>
+                                      <p:cBhvr>
+                                        <p:cTn id="10" dur="1" fill="hold">
+                                          <p:stCondLst>
+                                            <p:cond delay="0"/>
+                                          </p:stCondLst>
+                                        </p:cTn>
+                                        <p:tgtEl>
+                                          <p:spTgt spid="1027"/>
                                         </p:tgtEl>
                                         <p:attrNameLst>
                                           <p:attrName>style.visibility</p:attrName>
@@ -25758,7 +25742,8 @@
       </p:par>
     </p:tnLst>
     <p:bldLst>
-      <p:bldP spid="12" grpId="0"/>
+      <p:bldP spid="8" grpId="0"/>
+      <p:bldP spid="11" grpId="0"/>
     </p:bldLst>
   </p:timing>
 </p:sld>
@@ -25780,7 +25765,7 @@
         <p:cNvPr id="1" name="">
           <a:extLst>
             <a:ext uri="{FF2B5EF4-FFF2-40B4-BE49-F238E27FC236}">
-              <a16:creationId xmlns="" xmlns:a16="http://schemas.microsoft.com/office/drawing/2014/main" id="{392E2991-4D31-C748-5D1C-875A164429D7}"/>
+              <a16:creationId xmlns:a16="http://schemas.microsoft.com/office/drawing/2014/main" xmlns="" id="{392E2991-4D31-C748-5D1C-875A164429D7}"/>
             </a:ext>
           </a:extLst>
         </p:cNvPr>
@@ -25800,7 +25785,7 @@
           <p:cNvPr id="4" name="Freeform 2">
             <a:extLst>
               <a:ext uri="{FF2B5EF4-FFF2-40B4-BE49-F238E27FC236}">
-                <a16:creationId xmlns="" xmlns:a16="http://schemas.microsoft.com/office/drawing/2014/main" id="{34F8792F-D09D-357E-9B56-221F91C4B6C6}"/>
+                <a16:creationId xmlns:a16="http://schemas.microsoft.com/office/drawing/2014/main" xmlns="" id="{34F8792F-D09D-357E-9B56-221F91C4B6C6}"/>
               </a:ext>
             </a:extLst>
           </p:cNvPr>
@@ -25843,7 +25828,7 @@
             <a:blip r:embed="rId3">
               <a:extLst>
                 <a:ext uri="{96DAC541-7B7A-43D3-8B79-37D633B846F1}">
-                  <asvg:svgBlip xmlns="" xmlns:asvg="http://schemas.microsoft.com/office/drawing/2016/SVG/main" r:embed="rId4"/>
+                  <asvg:svgBlip xmlns:asvg="http://schemas.microsoft.com/office/drawing/2016/SVG/main" xmlns="" r:embed="rId4"/>
                 </a:ext>
               </a:extLst>
             </a:blip>
@@ -25865,7 +25850,7 @@
           <p:cNvPr id="5" name="Freeform 29">
             <a:extLst>
               <a:ext uri="{FF2B5EF4-FFF2-40B4-BE49-F238E27FC236}">
-                <a16:creationId xmlns="" xmlns:a16="http://schemas.microsoft.com/office/drawing/2014/main" id="{262C7309-7F0A-16C5-5F18-670375BC987B}"/>
+                <a16:creationId xmlns:a16="http://schemas.microsoft.com/office/drawing/2014/main" xmlns="" id="{262C7309-7F0A-16C5-5F18-670375BC987B}"/>
               </a:ext>
             </a:extLst>
           </p:cNvPr>
@@ -25908,7 +25893,7 @@
             <a:blip r:embed="rId3">
               <a:extLst>
                 <a:ext uri="{96DAC541-7B7A-43D3-8B79-37D633B846F1}">
-                  <asvg:svgBlip xmlns="" xmlns:asvg="http://schemas.microsoft.com/office/drawing/2016/SVG/main" r:embed="rId4"/>
+                  <asvg:svgBlip xmlns:asvg="http://schemas.microsoft.com/office/drawing/2016/SVG/main" xmlns="" r:embed="rId4"/>
                 </a:ext>
               </a:extLst>
             </a:blip>
@@ -25930,7 +25915,7 @@
           <p:cNvPr id="6" name="TextBox 12">
             <a:extLst>
               <a:ext uri="{FF2B5EF4-FFF2-40B4-BE49-F238E27FC236}">
-                <a16:creationId xmlns="" xmlns:a16="http://schemas.microsoft.com/office/drawing/2014/main" id="{0F24BF96-7FD9-5DD6-9931-176DB011A4CD}"/>
+                <a16:creationId xmlns:a16="http://schemas.microsoft.com/office/drawing/2014/main" xmlns="" id="{0F24BF96-7FD9-5DD6-9931-176DB011A4CD}"/>
               </a:ext>
             </a:extLst>
           </p:cNvPr>
@@ -25980,7 +25965,7 @@
           <p:cNvPr id="7" name="CasellaDiTesto 6">
             <a:extLst>
               <a:ext uri="{FF2B5EF4-FFF2-40B4-BE49-F238E27FC236}">
-                <a16:creationId xmlns="" xmlns:a16="http://schemas.microsoft.com/office/drawing/2014/main" id="{F08B9066-B9F9-6657-371B-939779EF9E2D}"/>
+                <a16:creationId xmlns:a16="http://schemas.microsoft.com/office/drawing/2014/main" xmlns="" id="{F08B9066-B9F9-6657-371B-939779EF9E2D}"/>
               </a:ext>
             </a:extLst>
           </p:cNvPr>
@@ -26021,7 +26006,7 @@
           <p:cNvPr id="8" name="CasellaDiTesto 7">
             <a:extLst>
               <a:ext uri="{FF2B5EF4-FFF2-40B4-BE49-F238E27FC236}">
-                <a16:creationId xmlns="" xmlns:a16="http://schemas.microsoft.com/office/drawing/2014/main" id="{8D0D12B3-0872-B1A0-A03F-DEE0128E1FCE}"/>
+                <a16:creationId xmlns:a16="http://schemas.microsoft.com/office/drawing/2014/main" xmlns="" id="{8D0D12B3-0872-B1A0-A03F-DEE0128E1FCE}"/>
               </a:ext>
             </a:extLst>
           </p:cNvPr>
@@ -26235,7 +26220,7 @@
           <p:cNvPr id="9" name="Connettore diritto 8">
             <a:extLst>
               <a:ext uri="{FF2B5EF4-FFF2-40B4-BE49-F238E27FC236}">
-                <a16:creationId xmlns="" xmlns:a16="http://schemas.microsoft.com/office/drawing/2014/main" id="{290A2095-D408-0070-8208-2ECEB8D40867}"/>
+                <a16:creationId xmlns:a16="http://schemas.microsoft.com/office/drawing/2014/main" xmlns="" id="{290A2095-D408-0070-8208-2ECEB8D40867}"/>
               </a:ext>
             </a:extLst>
           </p:cNvPr>
@@ -26273,7 +26258,7 @@
           <p:cNvPr id="16" name="CasellaDiTesto 15">
             <a:extLst>
               <a:ext uri="{FF2B5EF4-FFF2-40B4-BE49-F238E27FC236}">
-                <a16:creationId xmlns="" xmlns:a16="http://schemas.microsoft.com/office/drawing/2014/main" id="{5D70B73F-CEEA-99C6-B35B-3225F88F303B}"/>
+                <a16:creationId xmlns:a16="http://schemas.microsoft.com/office/drawing/2014/main" xmlns="" id="{5D70B73F-CEEA-99C6-B35B-3225F88F303B}"/>
               </a:ext>
             </a:extLst>
           </p:cNvPr>
@@ -26312,7 +26297,7 @@
           <p:cNvPr id="21" name="Immagine 20" descr="Immagine che contiene Carattere, Elementi grafici, schermata, logo&#10;&#10;Descrizione generata automaticamente">
             <a:extLst>
               <a:ext uri="{FF2B5EF4-FFF2-40B4-BE49-F238E27FC236}">
-                <a16:creationId xmlns="" xmlns:a16="http://schemas.microsoft.com/office/drawing/2014/main" id="{2009849F-08C6-542F-CC54-6C7FF83853BA}"/>
+                <a16:creationId xmlns:a16="http://schemas.microsoft.com/office/drawing/2014/main" xmlns="" id="{2009849F-08C6-542F-CC54-6C7FF83853BA}"/>
               </a:ext>
             </a:extLst>
           </p:cNvPr>
@@ -26828,7 +26813,7 @@
         <p:cNvPr id="1" name="">
           <a:extLst>
             <a:ext uri="{FF2B5EF4-FFF2-40B4-BE49-F238E27FC236}">
-              <a16:creationId xmlns="" xmlns:a16="http://schemas.microsoft.com/office/drawing/2014/main" id="{392E2991-4D31-C748-5D1C-875A164429D7}"/>
+              <a16:creationId xmlns:a16="http://schemas.microsoft.com/office/drawing/2014/main" xmlns="" id="{392E2991-4D31-C748-5D1C-875A164429D7}"/>
             </a:ext>
           </a:extLst>
         </p:cNvPr>
@@ -26848,7 +26833,7 @@
           <p:cNvPr id="4" name="Freeform 2">
             <a:extLst>
               <a:ext uri="{FF2B5EF4-FFF2-40B4-BE49-F238E27FC236}">
-                <a16:creationId xmlns="" xmlns:a16="http://schemas.microsoft.com/office/drawing/2014/main" id="{34F8792F-D09D-357E-9B56-221F91C4B6C6}"/>
+                <a16:creationId xmlns:a16="http://schemas.microsoft.com/office/drawing/2014/main" xmlns="" id="{34F8792F-D09D-357E-9B56-221F91C4B6C6}"/>
               </a:ext>
             </a:extLst>
           </p:cNvPr>
@@ -26891,7 +26876,7 @@
             <a:blip r:embed="rId3">
               <a:extLst>
                 <a:ext uri="{96DAC541-7B7A-43D3-8B79-37D633B846F1}">
-                  <asvg:svgBlip xmlns="" xmlns:asvg="http://schemas.microsoft.com/office/drawing/2016/SVG/main" r:embed="rId4"/>
+                  <asvg:svgBlip xmlns:asvg="http://schemas.microsoft.com/office/drawing/2016/SVG/main" xmlns="" r:embed="rId4"/>
                 </a:ext>
               </a:extLst>
             </a:blip>
@@ -26913,7 +26898,7 @@
           <p:cNvPr id="5" name="Freeform 29">
             <a:extLst>
               <a:ext uri="{FF2B5EF4-FFF2-40B4-BE49-F238E27FC236}">
-                <a16:creationId xmlns="" xmlns:a16="http://schemas.microsoft.com/office/drawing/2014/main" id="{262C7309-7F0A-16C5-5F18-670375BC987B}"/>
+                <a16:creationId xmlns:a16="http://schemas.microsoft.com/office/drawing/2014/main" xmlns="" id="{262C7309-7F0A-16C5-5F18-670375BC987B}"/>
               </a:ext>
             </a:extLst>
           </p:cNvPr>
@@ -26956,7 +26941,7 @@
             <a:blip r:embed="rId3">
               <a:extLst>
                 <a:ext uri="{96DAC541-7B7A-43D3-8B79-37D633B846F1}">
-                  <asvg:svgBlip xmlns="" xmlns:asvg="http://schemas.microsoft.com/office/drawing/2016/SVG/main" r:embed="rId4"/>
+                  <asvg:svgBlip xmlns:asvg="http://schemas.microsoft.com/office/drawing/2016/SVG/main" xmlns="" r:embed="rId4"/>
                 </a:ext>
               </a:extLst>
             </a:blip>
@@ -26978,7 +26963,7 @@
           <p:cNvPr id="6" name="TextBox 12">
             <a:extLst>
               <a:ext uri="{FF2B5EF4-FFF2-40B4-BE49-F238E27FC236}">
-                <a16:creationId xmlns="" xmlns:a16="http://schemas.microsoft.com/office/drawing/2014/main" id="{0F24BF96-7FD9-5DD6-9931-176DB011A4CD}"/>
+                <a16:creationId xmlns:a16="http://schemas.microsoft.com/office/drawing/2014/main" xmlns="" id="{0F24BF96-7FD9-5DD6-9931-176DB011A4CD}"/>
               </a:ext>
             </a:extLst>
           </p:cNvPr>
@@ -27037,7 +27022,7 @@
           <p:cNvPr id="9" name="Connettore diritto 8">
             <a:extLst>
               <a:ext uri="{FF2B5EF4-FFF2-40B4-BE49-F238E27FC236}">
-                <a16:creationId xmlns="" xmlns:a16="http://schemas.microsoft.com/office/drawing/2014/main" id="{290A2095-D408-0070-8208-2ECEB8D40867}"/>
+                <a16:creationId xmlns:a16="http://schemas.microsoft.com/office/drawing/2014/main" xmlns="" id="{290A2095-D408-0070-8208-2ECEB8D40867}"/>
               </a:ext>
             </a:extLst>
           </p:cNvPr>
@@ -27075,7 +27060,7 @@
           <p:cNvPr id="10" name="CasellaDiTesto 9">
             <a:extLst>
               <a:ext uri="{FF2B5EF4-FFF2-40B4-BE49-F238E27FC236}">
-                <a16:creationId xmlns="" xmlns:a16="http://schemas.microsoft.com/office/drawing/2014/main" id="{F08B9066-B9F9-6657-371B-939779EF9E2D}"/>
+                <a16:creationId xmlns:a16="http://schemas.microsoft.com/office/drawing/2014/main" xmlns="" id="{F08B9066-B9F9-6657-371B-939779EF9E2D}"/>
               </a:ext>
             </a:extLst>
           </p:cNvPr>
@@ -27101,26 +27086,158 @@
             <a:pPr algn="ctr"/>
             <a:r>
               <a:rPr lang="en-US" sz="2400" b="1" i="1" dirty="0" smtClean="0"/>
-              <a:t>This </a:t>
+              <a:t>This setup is typically used for monitoring and debugging a robot's navigation and perception system in real-time. </a:t>
             </a:r>
             <a:r>
               <a:rPr lang="en-US" sz="2400" b="1" i="1" dirty="0"/>
-              <a:t>simulation is often used to test and evaluate how a robot perceives its environment and interacts with obstacles using its Lidar sensor in a controlled environment.</a:t>
+              <a:t>This image shows a visualization in </a:t>
+            </a:r>
+            <a:r>
+              <a:rPr lang="en-US" sz="2400" b="1" i="1" dirty="0" err="1"/>
+              <a:t>RViz</a:t>
+            </a:r>
+            <a:r>
+              <a:rPr lang="en-US" sz="2400" b="1" i="1" dirty="0"/>
+              <a:t>, a tool commonly used in robotics applications. </a:t>
             </a:r>
           </a:p>
           <a:p>
             <a:pPr algn="ctr"/>
-            <a:r>
-              <a:rPr lang="en-US" sz="2400" b="1" i="1" dirty="0" smtClean="0"/>
-              <a:t> </a:t>
-            </a:r>
             <a:endParaRPr lang="en-US" sz="2400" b="1" i="1" dirty="0"/>
+          </a:p>
+        </p:txBody>
+      </p:sp>
+      <p:sp>
+        <p:nvSpPr>
+          <p:cNvPr id="12" name="Rettangolo 11"/>
+          <p:cNvSpPr/>
+          <p:nvPr/>
+        </p:nvSpPr>
+        <p:spPr>
+          <a:xfrm>
+            <a:off x="8839200" y="3212256"/>
+            <a:ext cx="7772400" cy="6740307"/>
+          </a:xfrm>
+          <a:prstGeom prst="rect">
+            <a:avLst/>
+          </a:prstGeom>
+        </p:spPr>
+        <p:txBody>
+          <a:bodyPr wrap="square">
+            <a:spAutoFit/>
+          </a:bodyPr>
+          <a:lstStyle/>
+          <a:p>
+            <a:r>
+              <a:rPr lang="en-US" sz="2400" b="1" dirty="0" err="1" smtClean="0"/>
+              <a:t>LaserScan</a:t>
+            </a:r>
+            <a:r>
+              <a:rPr lang="en-US" sz="2400" b="1" dirty="0" smtClean="0"/>
+              <a:t>/2D </a:t>
+            </a:r>
+            <a:r>
+              <a:rPr lang="en-US" sz="2400" b="1" dirty="0"/>
+              <a:t>Lidar Reflections</a:t>
+            </a:r>
+            <a:r>
+              <a:rPr lang="en-US" sz="2400" dirty="0"/>
+              <a:t>: The red points around the robot show the environment's reflections detected by the robot's 2D Lidar </a:t>
+            </a:r>
+            <a:r>
+              <a:rPr lang="en-US" sz="2400" dirty="0" smtClean="0"/>
+              <a:t>sensor.</a:t>
+            </a:r>
+          </a:p>
+          <a:p>
+            <a:endParaRPr lang="en-US" sz="2400" b="1" dirty="0" smtClean="0"/>
+          </a:p>
+          <a:p>
+            <a:r>
+              <a:rPr lang="en-US" sz="2400" b="1" dirty="0" smtClean="0"/>
+              <a:t>Markers</a:t>
+            </a:r>
+            <a:r>
+              <a:rPr lang="en-US" sz="2400" dirty="0"/>
+              <a:t>: The yellow, blue, and red markers represent the last, next, and current </a:t>
+            </a:r>
+            <a:r>
+              <a:rPr lang="en-US" sz="2400" dirty="0" smtClean="0"/>
+              <a:t>waypoints (yellow, blue, red), </a:t>
+            </a:r>
+            <a:r>
+              <a:rPr lang="en-US" sz="2400" dirty="0"/>
+              <a:t>respectively, for a robot's navigation task</a:t>
+            </a:r>
+            <a:r>
+              <a:rPr lang="en-US" sz="2400" dirty="0" smtClean="0"/>
+              <a:t>.</a:t>
+            </a:r>
+          </a:p>
+          <a:p>
+            <a:endParaRPr lang="en-US" sz="2400" dirty="0"/>
+          </a:p>
+          <a:p>
+            <a:r>
+              <a:rPr lang="en-US" sz="2400" b="1" dirty="0"/>
+              <a:t>Robot Model</a:t>
+            </a:r>
+            <a:r>
+              <a:rPr lang="en-US" sz="2400" dirty="0"/>
+              <a:t>: The small black car-like structure in the center represents the robot</a:t>
+            </a:r>
+            <a:r>
+              <a:rPr lang="en-US" sz="2400" dirty="0" smtClean="0"/>
+              <a:t>.</a:t>
+            </a:r>
+          </a:p>
+          <a:p>
+            <a:endParaRPr lang="en-US" sz="2400" dirty="0" smtClean="0"/>
+          </a:p>
+          <a:p>
+            <a:r>
+              <a:rPr lang="en-US" sz="2400" b="1" dirty="0" smtClean="0"/>
+              <a:t>Grid</a:t>
+            </a:r>
+            <a:r>
+              <a:rPr lang="en-US" sz="2400" dirty="0" smtClean="0"/>
+              <a:t>: The black and gray grid in the background helps to visualize the spatial layout and orientation in the fixed frame ("</a:t>
+            </a:r>
+            <a:r>
+              <a:rPr lang="en-US" sz="2400" dirty="0" err="1" smtClean="0"/>
+              <a:t>odom</a:t>
+            </a:r>
+            <a:r>
+              <a:rPr lang="en-US" sz="2400" dirty="0" smtClean="0"/>
+              <a:t>").</a:t>
+            </a:r>
+          </a:p>
+          <a:p>
+            <a:endParaRPr lang="en-US" sz="2400" dirty="0"/>
+          </a:p>
+          <a:p>
+            <a:r>
+              <a:rPr lang="en-US" sz="2400" b="1" dirty="0" smtClean="0"/>
+              <a:t>Display Panel</a:t>
+            </a:r>
+            <a:r>
+              <a:rPr lang="en-US" sz="2400" dirty="0" smtClean="0"/>
+              <a:t>: On the left, the </a:t>
+            </a:r>
+            <a:r>
+              <a:rPr lang="en-US" sz="2400" dirty="0" err="1" smtClean="0"/>
+              <a:t>RViz</a:t>
+            </a:r>
+            <a:r>
+              <a:rPr lang="en-US" sz="2400" dirty="0" smtClean="0"/>
+              <a:t> settings panel displays the configured visualizations with their corresponding topics and statuses.</a:t>
+            </a:r>
           </a:p>
         </p:txBody>
       </p:sp>
       <p:pic>
         <p:nvPicPr>
-          <p:cNvPr id="1027" name="Picture 3" descr="C:\Users\Ciro\Pictures\Cattura.PNG"/>
+          <p:cNvPr id="1028" name="Picture 4"/>
           <p:cNvPicPr>
             <a:picLocks noChangeAspect="1" noChangeArrowheads="1"/>
           </p:cNvPicPr>
@@ -27141,8 +27258,8 @@
         </p:blipFill>
         <p:spPr bwMode="auto">
           <a:xfrm>
-            <a:off x="4724400" y="6438900"/>
-            <a:ext cx="8221750" cy="3609975"/>
+            <a:off x="2057401" y="3174155"/>
+            <a:ext cx="6531082" cy="6778407"/>
           </a:xfrm>
           <a:prstGeom prst="rect">
             <a:avLst/>
@@ -27165,121 +27282,17 @@
             <a:ext uri="{909E8E84-426E-40DD-AFC4-6F175D3DCCD1}">
               <a14:hiddenFill xmlns:a14="http://schemas.microsoft.com/office/drawing/2010/main">
                 <a:solidFill>
-                  <a:srgbClr val="FFFFFF"/>
+                  <a:schemeClr val="accent1"/>
                 </a:solidFill>
               </a14:hiddenFill>
             </a:ext>
           </a:extLst>
         </p:spPr>
       </p:pic>
-      <p:sp>
-        <p:nvSpPr>
-          <p:cNvPr id="8" name="Rettangolo 7"/>
-          <p:cNvSpPr/>
-          <p:nvPr/>
-        </p:nvSpPr>
-        <p:spPr>
-          <a:xfrm>
-            <a:off x="9364750" y="3227844"/>
-            <a:ext cx="7246850" cy="3046988"/>
-          </a:xfrm>
-          <a:prstGeom prst="rect">
-            <a:avLst/>
-          </a:prstGeom>
-        </p:spPr>
-        <p:txBody>
-          <a:bodyPr wrap="square">
-            <a:spAutoFit/>
-          </a:bodyPr>
-          <a:lstStyle/>
-          <a:p>
-            <a:r>
-              <a:rPr lang="en-US" sz="2400" b="1" dirty="0" smtClean="0"/>
-              <a:t>Robot</a:t>
-            </a:r>
-            <a:r>
-              <a:rPr lang="en-US" sz="2400" dirty="0"/>
-              <a:t>: The black and white circular object in the center represents the simulated robot equipped with a 2D Lidar sensor</a:t>
-            </a:r>
-            <a:r>
-              <a:rPr lang="en-US" sz="2400" dirty="0" smtClean="0"/>
-              <a:t>.</a:t>
-            </a:r>
-          </a:p>
-          <a:p>
-            <a:endParaRPr lang="en-US" sz="2400" b="1" dirty="0"/>
-          </a:p>
-          <a:p>
-            <a:r>
-              <a:rPr lang="en-US" sz="2400" b="1" dirty="0" smtClean="0"/>
-              <a:t>Obstacle</a:t>
-            </a:r>
-            <a:r>
-              <a:rPr lang="en-US" sz="2400" dirty="0"/>
-              <a:t>: The large red structure in the scene represents an obstacle being detected by the Lidar. The beams that intersect with the obstacle terminate at its surface, simulating the reflections captured by the sensor</a:t>
-            </a:r>
-            <a:r>
-              <a:rPr lang="en-US" sz="2400" dirty="0" smtClean="0"/>
-              <a:t>.</a:t>
-            </a:r>
-            <a:endParaRPr lang="en-US" sz="2400" dirty="0"/>
-          </a:p>
-        </p:txBody>
-      </p:sp>
-      <p:sp>
-        <p:nvSpPr>
-          <p:cNvPr id="11" name="Rettangolo 10"/>
-          <p:cNvSpPr/>
-          <p:nvPr/>
-        </p:nvSpPr>
-        <p:spPr>
-          <a:xfrm>
-            <a:off x="2057400" y="3227844"/>
-            <a:ext cx="6531082" cy="2677656"/>
-          </a:xfrm>
-          <a:prstGeom prst="rect">
-            <a:avLst/>
-          </a:prstGeom>
-        </p:spPr>
-        <p:txBody>
-          <a:bodyPr wrap="square">
-            <a:spAutoFit/>
-          </a:bodyPr>
-          <a:lstStyle/>
-          <a:p>
-            <a:r>
-              <a:rPr lang="en-US" sz="2400" b="1" dirty="0"/>
-              <a:t>Lidar Beams</a:t>
-            </a:r>
-            <a:r>
-              <a:rPr lang="en-US" sz="2400" dirty="0"/>
-              <a:t>: The numerous blue lines extending outward from the robot illustrate the laser beams emitted by the Lidar to scan the environment.</a:t>
-            </a:r>
-          </a:p>
-          <a:p>
-            <a:endParaRPr lang="en-US" sz="2400" b="1" dirty="0" smtClean="0"/>
-          </a:p>
-          <a:p>
-            <a:r>
-              <a:rPr lang="en-US" sz="2400" b="1" dirty="0" smtClean="0"/>
-              <a:t>Sensor </a:t>
-            </a:r>
-            <a:r>
-              <a:rPr lang="en-US" sz="2400" b="1" dirty="0"/>
-              <a:t>Coverage</a:t>
-            </a:r>
-            <a:r>
-              <a:rPr lang="en-US" sz="2400" dirty="0"/>
-              <a:t>: The blue visualization depicts the Lidar's field of view, showing the range and area covered by the sensor in the simulation.</a:t>
-            </a:r>
-            <a:endParaRPr lang="en-US" sz="2400" dirty="0"/>
-          </a:p>
-        </p:txBody>
-      </p:sp>
     </p:spTree>
     <p:extLst>
       <p:ext uri="{BB962C8B-B14F-4D97-AF65-F5344CB8AC3E}">
-        <p14:creationId xmlns:p14="http://schemas.microsoft.com/office/powerpoint/2010/main" val="3885031720"/>
+        <p14:creationId xmlns:p14="http://schemas.microsoft.com/office/powerpoint/2010/main" val="460425581"/>
       </p:ext>
     </p:extLst>
   </p:cSld>
@@ -27320,7 +27333,7 @@
                                           </p:stCondLst>
                                         </p:cTn>
                                         <p:tgtEl>
-                                          <p:spTgt spid="11"/>
+                                          <p:spTgt spid="12"/>
                                         </p:tgtEl>
                                         <p:attrNameLst>
                                           <p:attrName>style.visibility</p:attrName>
@@ -27334,7 +27347,7 @@
                                 </p:cTn>
                               </p:par>
                               <p:par>
-                                <p:cTn id="7" presetID="1" presetClass="entr" presetSubtype="0" fill="hold" grpId="0" nodeType="withEffect">
+                                <p:cTn id="7" presetID="1" presetClass="entr" presetSubtype="0" fill="hold" nodeType="withEffect">
                                   <p:stCondLst>
                                     <p:cond delay="0"/>
                                   </p:stCondLst>
@@ -27347,34 +27360,7 @@
                                           </p:stCondLst>
                                         </p:cTn>
                                         <p:tgtEl>
-                                          <p:spTgt spid="8"/>
-                                        </p:tgtEl>
-                                        <p:attrNameLst>
-                                          <p:attrName>style.visibility</p:attrName>
-                                        </p:attrNameLst>
-                                      </p:cBhvr>
-                                      <p:to>
-                                        <p:strVal val="visible"/>
-                                      </p:to>
-                                    </p:set>
-                                  </p:childTnLst>
-                                </p:cTn>
-                              </p:par>
-                              <p:par>
-                                <p:cTn id="9" presetID="1" presetClass="entr" presetSubtype="0" fill="hold" nodeType="withEffect">
-                                  <p:stCondLst>
-                                    <p:cond delay="0"/>
-                                  </p:stCondLst>
-                                  <p:childTnLst>
-                                    <p:set>
-                                      <p:cBhvr>
-                                        <p:cTn id="10" dur="1" fill="hold">
-                                          <p:stCondLst>
-                                            <p:cond delay="0"/>
-                                          </p:stCondLst>
-                                        </p:cTn>
-                                        <p:tgtEl>
-                                          <p:spTgt spid="1027"/>
+                                          <p:spTgt spid="1028"/>
                                         </p:tgtEl>
                                         <p:attrNameLst>
                                           <p:attrName>style.visibility</p:attrName>
@@ -27415,8 +27401,7 @@
       </p:par>
     </p:tnLst>
     <p:bldLst>
-      <p:bldP spid="8" grpId="0"/>
-      <p:bldP spid="11" grpId="0"/>
+      <p:bldP spid="12" grpId="0"/>
     </p:bldLst>
   </p:timing>
 </p:sld>
